--- a/ICCS21-Conference/OOI-CI-ICCS2021..pptx
+++ b/ICCS21-Conference/OOI-CI-ICCS2021..pptx
@@ -194,6 +194,3119 @@
 <file path=ppt/changesInfos/changesInfo1.xml><?xml version="1.0" encoding="utf-8"?>
 <pc:chgInfo xmlns:a="http://schemas.openxmlformats.org/drawingml/2006/main" xmlns:r="http://schemas.openxmlformats.org/officeDocument/2006/relationships" xmlns:ac="http://schemas.microsoft.com/office/drawing/2013/main/command" xmlns:pc="http://schemas.microsoft.com/office/powerpoint/2013/main/command">
   <pc:docChgLst>
+    <pc:chgData name="Mariusz" userId="ca8d45ae-21cb-4030-bbab-1d3a5fb8cc81" providerId="ADAL" clId="{9175EAAB-6DAF-40B5-B3E8-C7AAB6B2C322}"/>
+    <pc:docChg chg="undo custSel addSld delSld modSld sldOrd modMainMaster modNotesMaster">
+      <pc:chgData name="Mariusz" userId="ca8d45ae-21cb-4030-bbab-1d3a5fb8cc81" providerId="ADAL" clId="{9175EAAB-6DAF-40B5-B3E8-C7AAB6B2C322}" dt="2020-06-03T15:45:26.117" v="3311" actId="20577"/>
+      <pc:docMkLst>
+        <pc:docMk/>
+      </pc:docMkLst>
+      <pc:sldChg chg="modSp modNotesTx">
+        <pc:chgData name="Mariusz" userId="ca8d45ae-21cb-4030-bbab-1d3a5fb8cc81" providerId="ADAL" clId="{9175EAAB-6DAF-40B5-B3E8-C7AAB6B2C322}" dt="2020-06-02T08:23:27.145" v="932" actId="313"/>
+        <pc:sldMkLst>
+          <pc:docMk/>
+          <pc:sldMk cId="0" sldId="256"/>
+        </pc:sldMkLst>
+        <pc:spChg chg="mod">
+          <ac:chgData name="Mariusz" userId="ca8d45ae-21cb-4030-bbab-1d3a5fb8cc81" providerId="ADAL" clId="{9175EAAB-6DAF-40B5-B3E8-C7AAB6B2C322}" dt="2020-05-31T15:23:08.757" v="57"/>
+          <ac:spMkLst>
+            <pc:docMk/>
+            <pc:sldMk cId="0" sldId="256"/>
+            <ac:spMk id="2" creationId="{00000000-0000-0000-0000-000000000000}"/>
+          </ac:spMkLst>
+        </pc:spChg>
+        <pc:spChg chg="mod">
+          <ac:chgData name="Mariusz" userId="ca8d45ae-21cb-4030-bbab-1d3a5fb8cc81" providerId="ADAL" clId="{9175EAAB-6DAF-40B5-B3E8-C7AAB6B2C322}" dt="2020-05-31T15:23:08.757" v="57"/>
+          <ac:spMkLst>
+            <pc:docMk/>
+            <pc:sldMk cId="0" sldId="256"/>
+            <ac:spMk id="3" creationId="{00000000-0000-0000-0000-000000000000}"/>
+          </ac:spMkLst>
+        </pc:spChg>
+        <pc:spChg chg="mod">
+          <ac:chgData name="Mariusz" userId="ca8d45ae-21cb-4030-bbab-1d3a5fb8cc81" providerId="ADAL" clId="{9175EAAB-6DAF-40B5-B3E8-C7AAB6B2C322}" dt="2020-05-31T15:23:08.757" v="57"/>
+          <ac:spMkLst>
+            <pc:docMk/>
+            <pc:sldMk cId="0" sldId="256"/>
+            <ac:spMk id="4" creationId="{0C78CABB-431C-446F-969A-9307007A42F5}"/>
+          </ac:spMkLst>
+        </pc:spChg>
+        <pc:spChg chg="mod">
+          <ac:chgData name="Mariusz" userId="ca8d45ae-21cb-4030-bbab-1d3a5fb8cc81" providerId="ADAL" clId="{9175EAAB-6DAF-40B5-B3E8-C7AAB6B2C322}" dt="2020-05-31T15:23:08.757" v="57"/>
+          <ac:spMkLst>
+            <pc:docMk/>
+            <pc:sldMk cId="0" sldId="256"/>
+            <ac:spMk id="5" creationId="{5778DE7F-5880-47F1-A950-DFAA9F7DBB65}"/>
+          </ac:spMkLst>
+        </pc:spChg>
+      </pc:sldChg>
+      <pc:sldChg chg="addSp delSp modSp mod ord modNotes modNotesTx">
+        <pc:chgData name="Mariusz" userId="ca8d45ae-21cb-4030-bbab-1d3a5fb8cc81" providerId="ADAL" clId="{9175EAAB-6DAF-40B5-B3E8-C7AAB6B2C322}" dt="2020-06-03T11:39:50.137" v="3224" actId="790"/>
+        <pc:sldMkLst>
+          <pc:docMk/>
+          <pc:sldMk cId="0" sldId="258"/>
+        </pc:sldMkLst>
+        <pc:spChg chg="mod">
+          <ac:chgData name="Mariusz" userId="ca8d45ae-21cb-4030-bbab-1d3a5fb8cc81" providerId="ADAL" clId="{9175EAAB-6DAF-40B5-B3E8-C7AAB6B2C322}" dt="2020-05-31T21:24:46.273" v="176"/>
+          <ac:spMkLst>
+            <pc:docMk/>
+            <pc:sldMk cId="0" sldId="258"/>
+            <ac:spMk id="2" creationId="{00000000-0000-0000-0000-000000000000}"/>
+          </ac:spMkLst>
+        </pc:spChg>
+        <pc:spChg chg="mod">
+          <ac:chgData name="Mariusz" userId="ca8d45ae-21cb-4030-bbab-1d3a5fb8cc81" providerId="ADAL" clId="{9175EAAB-6DAF-40B5-B3E8-C7AAB6B2C322}" dt="2020-06-02T14:32:15.848" v="1806" actId="6549"/>
+          <ac:spMkLst>
+            <pc:docMk/>
+            <pc:sldMk cId="0" sldId="258"/>
+            <ac:spMk id="3" creationId="{00000000-0000-0000-0000-000000000000}"/>
+          </ac:spMkLst>
+        </pc:spChg>
+        <pc:spChg chg="add del mod">
+          <ac:chgData name="Mariusz" userId="ca8d45ae-21cb-4030-bbab-1d3a5fb8cc81" providerId="ADAL" clId="{9175EAAB-6DAF-40B5-B3E8-C7AAB6B2C322}" dt="2020-05-31T14:44:36.468" v="2"/>
+          <ac:spMkLst>
+            <pc:docMk/>
+            <pc:sldMk cId="0" sldId="258"/>
+            <ac:spMk id="4" creationId="{2BE9D18B-A266-478F-9A43-7B2884E12F3E}"/>
+          </ac:spMkLst>
+        </pc:spChg>
+        <pc:spChg chg="add del mod">
+          <ac:chgData name="Mariusz" userId="ca8d45ae-21cb-4030-bbab-1d3a5fb8cc81" providerId="ADAL" clId="{9175EAAB-6DAF-40B5-B3E8-C7AAB6B2C322}" dt="2020-05-31T14:44:36.468" v="2"/>
+          <ac:spMkLst>
+            <pc:docMk/>
+            <pc:sldMk cId="0" sldId="258"/>
+            <ac:spMk id="5" creationId="{965B272E-3E47-40CE-A765-C999C954DD0C}"/>
+          </ac:spMkLst>
+        </pc:spChg>
+        <pc:spChg chg="mod">
+          <ac:chgData name="Mariusz" userId="ca8d45ae-21cb-4030-bbab-1d3a5fb8cc81" providerId="ADAL" clId="{9175EAAB-6DAF-40B5-B3E8-C7AAB6B2C322}" dt="2020-05-31T21:24:46.273" v="176"/>
+          <ac:spMkLst>
+            <pc:docMk/>
+            <pc:sldMk cId="0" sldId="258"/>
+            <ac:spMk id="6" creationId="{AC203A70-5F65-42F2-A9E6-B442A348DA1F}"/>
+          </ac:spMkLst>
+        </pc:spChg>
+        <pc:spChg chg="mod">
+          <ac:chgData name="Mariusz" userId="ca8d45ae-21cb-4030-bbab-1d3a5fb8cc81" providerId="ADAL" clId="{9175EAAB-6DAF-40B5-B3E8-C7AAB6B2C322}" dt="2020-05-31T21:24:46.273" v="176"/>
+          <ac:spMkLst>
+            <pc:docMk/>
+            <pc:sldMk cId="0" sldId="258"/>
+            <ac:spMk id="7" creationId="{5B1B033F-DD1F-4D19-8955-F1866D846694}"/>
+          </ac:spMkLst>
+        </pc:spChg>
+        <pc:spChg chg="add del mod">
+          <ac:chgData name="Mariusz" userId="ca8d45ae-21cb-4030-bbab-1d3a5fb8cc81" providerId="ADAL" clId="{9175EAAB-6DAF-40B5-B3E8-C7AAB6B2C322}" dt="2020-05-31T21:24:46.273" v="176"/>
+          <ac:spMkLst>
+            <pc:docMk/>
+            <pc:sldMk cId="0" sldId="258"/>
+            <ac:spMk id="8" creationId="{8E47D811-041F-4EAD-956F-931EC28486E2}"/>
+          </ac:spMkLst>
+        </pc:spChg>
+        <pc:spChg chg="add del mod">
+          <ac:chgData name="Mariusz" userId="ca8d45ae-21cb-4030-bbab-1d3a5fb8cc81" providerId="ADAL" clId="{9175EAAB-6DAF-40B5-B3E8-C7AAB6B2C322}" dt="2020-05-31T21:24:46.273" v="176"/>
+          <ac:spMkLst>
+            <pc:docMk/>
+            <pc:sldMk cId="0" sldId="258"/>
+            <ac:spMk id="9" creationId="{B54EB663-8064-4882-8955-2A0DA5394FA3}"/>
+          </ac:spMkLst>
+        </pc:spChg>
+        <pc:spChg chg="add del mod">
+          <ac:chgData name="Mariusz" userId="ca8d45ae-21cb-4030-bbab-1d3a5fb8cc81" providerId="ADAL" clId="{9175EAAB-6DAF-40B5-B3E8-C7AAB6B2C322}" dt="2020-05-31T21:24:46.273" v="176"/>
+          <ac:spMkLst>
+            <pc:docMk/>
+            <pc:sldMk cId="0" sldId="258"/>
+            <ac:spMk id="10" creationId="{D792CD9B-344D-40BF-8802-F404A0D6198B}"/>
+          </ac:spMkLst>
+        </pc:spChg>
+        <pc:spChg chg="add del mod">
+          <ac:chgData name="Mariusz" userId="ca8d45ae-21cb-4030-bbab-1d3a5fb8cc81" providerId="ADAL" clId="{9175EAAB-6DAF-40B5-B3E8-C7AAB6B2C322}" dt="2020-05-31T21:24:46.273" v="176"/>
+          <ac:spMkLst>
+            <pc:docMk/>
+            <pc:sldMk cId="0" sldId="258"/>
+            <ac:spMk id="11" creationId="{032DEB62-B813-43DA-920A-207BB8B54E9D}"/>
+          </ac:spMkLst>
+        </pc:spChg>
+      </pc:sldChg>
+      <pc:sldChg chg="addSp delSp modSp modNotes modNotesTx">
+        <pc:chgData name="Mariusz" userId="ca8d45ae-21cb-4030-bbab-1d3a5fb8cc81" providerId="ADAL" clId="{9175EAAB-6DAF-40B5-B3E8-C7AAB6B2C322}" dt="2020-06-03T11:43:17.491" v="3227" actId="20577"/>
+        <pc:sldMkLst>
+          <pc:docMk/>
+          <pc:sldMk cId="0" sldId="259"/>
+        </pc:sldMkLst>
+        <pc:spChg chg="mod">
+          <ac:chgData name="Mariusz" userId="ca8d45ae-21cb-4030-bbab-1d3a5fb8cc81" providerId="ADAL" clId="{9175EAAB-6DAF-40B5-B3E8-C7AAB6B2C322}" dt="2020-05-31T21:24:33.664" v="175"/>
+          <ac:spMkLst>
+            <pc:docMk/>
+            <pc:sldMk cId="0" sldId="259"/>
+            <ac:spMk id="2" creationId="{00000000-0000-0000-0000-000000000000}"/>
+          </ac:spMkLst>
+        </pc:spChg>
+        <pc:spChg chg="mod">
+          <ac:chgData name="Mariusz" userId="ca8d45ae-21cb-4030-bbab-1d3a5fb8cc81" providerId="ADAL" clId="{9175EAAB-6DAF-40B5-B3E8-C7AAB6B2C322}" dt="2020-05-31T21:24:33.664" v="175"/>
+          <ac:spMkLst>
+            <pc:docMk/>
+            <pc:sldMk cId="0" sldId="259"/>
+            <ac:spMk id="3" creationId="{00000000-0000-0000-0000-000000000000}"/>
+          </ac:spMkLst>
+        </pc:spChg>
+        <pc:spChg chg="mod">
+          <ac:chgData name="Mariusz" userId="ca8d45ae-21cb-4030-bbab-1d3a5fb8cc81" providerId="ADAL" clId="{9175EAAB-6DAF-40B5-B3E8-C7AAB6B2C322}" dt="2020-05-31T21:24:33.664" v="175"/>
+          <ac:spMkLst>
+            <pc:docMk/>
+            <pc:sldMk cId="0" sldId="259"/>
+            <ac:spMk id="4" creationId="{2BEB5A4A-2FF1-44A4-B709-26C18E086146}"/>
+          </ac:spMkLst>
+        </pc:spChg>
+        <pc:spChg chg="mod">
+          <ac:chgData name="Mariusz" userId="ca8d45ae-21cb-4030-bbab-1d3a5fb8cc81" providerId="ADAL" clId="{9175EAAB-6DAF-40B5-B3E8-C7AAB6B2C322}" dt="2020-05-31T21:24:33.664" v="175"/>
+          <ac:spMkLst>
+            <pc:docMk/>
+            <pc:sldMk cId="0" sldId="259"/>
+            <ac:spMk id="5" creationId="{A2F09D9E-3B78-4403-9D5E-9DCA51EA2CDD}"/>
+          </ac:spMkLst>
+        </pc:spChg>
+        <pc:spChg chg="add del mod">
+          <ac:chgData name="Mariusz" userId="ca8d45ae-21cb-4030-bbab-1d3a5fb8cc81" providerId="ADAL" clId="{9175EAAB-6DAF-40B5-B3E8-C7AAB6B2C322}" dt="2020-05-31T21:24:33.664" v="175"/>
+          <ac:spMkLst>
+            <pc:docMk/>
+            <pc:sldMk cId="0" sldId="259"/>
+            <ac:spMk id="6" creationId="{807B2AE0-3FC7-49AA-98FC-755632114E5B}"/>
+          </ac:spMkLst>
+        </pc:spChg>
+        <pc:spChg chg="add del mod">
+          <ac:chgData name="Mariusz" userId="ca8d45ae-21cb-4030-bbab-1d3a5fb8cc81" providerId="ADAL" clId="{9175EAAB-6DAF-40B5-B3E8-C7AAB6B2C322}" dt="2020-05-31T21:24:33.664" v="175"/>
+          <ac:spMkLst>
+            <pc:docMk/>
+            <pc:sldMk cId="0" sldId="259"/>
+            <ac:spMk id="7" creationId="{2A060F67-9637-4E69-B255-F4B8A8C74347}"/>
+          </ac:spMkLst>
+        </pc:spChg>
+        <pc:spChg chg="add del mod">
+          <ac:chgData name="Mariusz" userId="ca8d45ae-21cb-4030-bbab-1d3a5fb8cc81" providerId="ADAL" clId="{9175EAAB-6DAF-40B5-B3E8-C7AAB6B2C322}" dt="2020-05-31T21:24:33.664" v="175"/>
+          <ac:spMkLst>
+            <pc:docMk/>
+            <pc:sldMk cId="0" sldId="259"/>
+            <ac:spMk id="8" creationId="{32EF27D8-2A9C-4379-BD39-656D54FA1FDC}"/>
+          </ac:spMkLst>
+        </pc:spChg>
+        <pc:spChg chg="add del mod">
+          <ac:chgData name="Mariusz" userId="ca8d45ae-21cb-4030-bbab-1d3a5fb8cc81" providerId="ADAL" clId="{9175EAAB-6DAF-40B5-B3E8-C7AAB6B2C322}" dt="2020-05-31T21:24:33.664" v="175"/>
+          <ac:spMkLst>
+            <pc:docMk/>
+            <pc:sldMk cId="0" sldId="259"/>
+            <ac:spMk id="9" creationId="{551A9C09-6D22-4A02-A884-8987F20D4C79}"/>
+          </ac:spMkLst>
+        </pc:spChg>
+      </pc:sldChg>
+      <pc:sldChg chg="modSp del ord">
+        <pc:chgData name="Mariusz" userId="ca8d45ae-21cb-4030-bbab-1d3a5fb8cc81" providerId="ADAL" clId="{9175EAAB-6DAF-40B5-B3E8-C7AAB6B2C322}" dt="2020-05-31T19:35:55.507" v="137" actId="47"/>
+        <pc:sldMkLst>
+          <pc:docMk/>
+          <pc:sldMk cId="3191445385" sldId="282"/>
+        </pc:sldMkLst>
+        <pc:spChg chg="mod">
+          <ac:chgData name="Mariusz" userId="ca8d45ae-21cb-4030-bbab-1d3a5fb8cc81" providerId="ADAL" clId="{9175EAAB-6DAF-40B5-B3E8-C7AAB6B2C322}" dt="2020-05-31T15:23:08.757" v="57"/>
+          <ac:spMkLst>
+            <pc:docMk/>
+            <pc:sldMk cId="3191445385" sldId="282"/>
+            <ac:spMk id="2" creationId="{D781E209-46FD-44B5-A460-8ED62C69985E}"/>
+          </ac:spMkLst>
+        </pc:spChg>
+        <pc:spChg chg="mod">
+          <ac:chgData name="Mariusz" userId="ca8d45ae-21cb-4030-bbab-1d3a5fb8cc81" providerId="ADAL" clId="{9175EAAB-6DAF-40B5-B3E8-C7AAB6B2C322}" dt="2020-05-31T15:23:08.757" v="57"/>
+          <ac:spMkLst>
+            <pc:docMk/>
+            <pc:sldMk cId="3191445385" sldId="282"/>
+            <ac:spMk id="4" creationId="{00000000-0000-0000-0000-000000000000}"/>
+          </ac:spMkLst>
+        </pc:spChg>
+        <pc:spChg chg="mod">
+          <ac:chgData name="Mariusz" userId="ca8d45ae-21cb-4030-bbab-1d3a5fb8cc81" providerId="ADAL" clId="{9175EAAB-6DAF-40B5-B3E8-C7AAB6B2C322}" dt="2020-05-31T15:23:08.757" v="57"/>
+          <ac:spMkLst>
+            <pc:docMk/>
+            <pc:sldMk cId="3191445385" sldId="282"/>
+            <ac:spMk id="5" creationId="{1536B0D1-8066-4DD8-B152-5C48A5926C34}"/>
+          </ac:spMkLst>
+        </pc:spChg>
+        <pc:spChg chg="mod">
+          <ac:chgData name="Mariusz" userId="ca8d45ae-21cb-4030-bbab-1d3a5fb8cc81" providerId="ADAL" clId="{9175EAAB-6DAF-40B5-B3E8-C7AAB6B2C322}" dt="2020-05-31T15:23:08.757" v="57"/>
+          <ac:spMkLst>
+            <pc:docMk/>
+            <pc:sldMk cId="3191445385" sldId="282"/>
+            <ac:spMk id="6" creationId="{00000000-0000-0000-0000-000000000000}"/>
+          </ac:spMkLst>
+        </pc:spChg>
+        <pc:spChg chg="mod">
+          <ac:chgData name="Mariusz" userId="ca8d45ae-21cb-4030-bbab-1d3a5fb8cc81" providerId="ADAL" clId="{9175EAAB-6DAF-40B5-B3E8-C7AAB6B2C322}" dt="2020-05-31T15:23:08.757" v="57"/>
+          <ac:spMkLst>
+            <pc:docMk/>
+            <pc:sldMk cId="3191445385" sldId="282"/>
+            <ac:spMk id="7" creationId="{C5CC3D2C-9BC6-43E2-A060-D9779FCBF96C}"/>
+          </ac:spMkLst>
+        </pc:spChg>
+        <pc:picChg chg="mod">
+          <ac:chgData name="Mariusz" userId="ca8d45ae-21cb-4030-bbab-1d3a5fb8cc81" providerId="ADAL" clId="{9175EAAB-6DAF-40B5-B3E8-C7AAB6B2C322}" dt="2020-05-31T15:23:08.757" v="57"/>
+          <ac:picMkLst>
+            <pc:docMk/>
+            <pc:sldMk cId="3191445385" sldId="282"/>
+            <ac:picMk id="3" creationId="{13BCACCB-A39F-461F-8F5B-EF30887F8D2E}"/>
+          </ac:picMkLst>
+        </pc:picChg>
+      </pc:sldChg>
+      <pc:sldChg chg="addSp delSp modSp mod modNotes modNotesTx">
+        <pc:chgData name="Mariusz" userId="ca8d45ae-21cb-4030-bbab-1d3a5fb8cc81" providerId="ADAL" clId="{9175EAAB-6DAF-40B5-B3E8-C7AAB6B2C322}" dt="2020-06-03T12:14:59.432" v="3306" actId="20577"/>
+        <pc:sldMkLst>
+          <pc:docMk/>
+          <pc:sldMk cId="4019951972" sldId="283"/>
+        </pc:sldMkLst>
+        <pc:spChg chg="mod">
+          <ac:chgData name="Mariusz" userId="ca8d45ae-21cb-4030-bbab-1d3a5fb8cc81" providerId="ADAL" clId="{9175EAAB-6DAF-40B5-B3E8-C7AAB6B2C322}" dt="2020-06-03T10:20:07.648" v="3096" actId="5793"/>
+          <ac:spMkLst>
+            <pc:docMk/>
+            <pc:sldMk cId="4019951972" sldId="283"/>
+            <ac:spMk id="2" creationId="{00000000-0000-0000-0000-000000000000}"/>
+          </ac:spMkLst>
+        </pc:spChg>
+        <pc:spChg chg="mod">
+          <ac:chgData name="Mariusz" userId="ca8d45ae-21cb-4030-bbab-1d3a5fb8cc81" providerId="ADAL" clId="{9175EAAB-6DAF-40B5-B3E8-C7AAB6B2C322}" dt="2020-05-31T19:43:13.195" v="161"/>
+          <ac:spMkLst>
+            <pc:docMk/>
+            <pc:sldMk cId="4019951972" sldId="283"/>
+            <ac:spMk id="3" creationId="{00000000-0000-0000-0000-000000000000}"/>
+          </ac:spMkLst>
+        </pc:spChg>
+        <pc:spChg chg="mod">
+          <ac:chgData name="Mariusz" userId="ca8d45ae-21cb-4030-bbab-1d3a5fb8cc81" providerId="ADAL" clId="{9175EAAB-6DAF-40B5-B3E8-C7AAB6B2C322}" dt="2020-05-31T19:43:13.195" v="161"/>
+          <ac:spMkLst>
+            <pc:docMk/>
+            <pc:sldMk cId="4019951972" sldId="283"/>
+            <ac:spMk id="4" creationId="{77FF8E0E-69A8-4891-AA42-81487B835B63}"/>
+          </ac:spMkLst>
+        </pc:spChg>
+        <pc:spChg chg="mod">
+          <ac:chgData name="Mariusz" userId="ca8d45ae-21cb-4030-bbab-1d3a5fb8cc81" providerId="ADAL" clId="{9175EAAB-6DAF-40B5-B3E8-C7AAB6B2C322}" dt="2020-05-31T19:43:13.195" v="161"/>
+          <ac:spMkLst>
+            <pc:docMk/>
+            <pc:sldMk cId="4019951972" sldId="283"/>
+            <ac:spMk id="5" creationId="{608E058C-2365-42DD-8DE3-64C9B152E9E6}"/>
+          </ac:spMkLst>
+        </pc:spChg>
+        <pc:spChg chg="add del mod">
+          <ac:chgData name="Mariusz" userId="ca8d45ae-21cb-4030-bbab-1d3a5fb8cc81" providerId="ADAL" clId="{9175EAAB-6DAF-40B5-B3E8-C7AAB6B2C322}" dt="2020-05-31T19:43:13.195" v="161"/>
+          <ac:spMkLst>
+            <pc:docMk/>
+            <pc:sldMk cId="4019951972" sldId="283"/>
+            <ac:spMk id="6" creationId="{08FD1327-B720-4475-9197-1D27A00A70EF}"/>
+          </ac:spMkLst>
+        </pc:spChg>
+        <pc:spChg chg="add del mod">
+          <ac:chgData name="Mariusz" userId="ca8d45ae-21cb-4030-bbab-1d3a5fb8cc81" providerId="ADAL" clId="{9175EAAB-6DAF-40B5-B3E8-C7AAB6B2C322}" dt="2020-05-31T19:43:13.195" v="161"/>
+          <ac:spMkLst>
+            <pc:docMk/>
+            <pc:sldMk cId="4019951972" sldId="283"/>
+            <ac:spMk id="7" creationId="{336FAE9F-69C3-4CD1-B3CB-6467A2C6DF23}"/>
+          </ac:spMkLst>
+        </pc:spChg>
+        <pc:spChg chg="add del mod">
+          <ac:chgData name="Mariusz" userId="ca8d45ae-21cb-4030-bbab-1d3a5fb8cc81" providerId="ADAL" clId="{9175EAAB-6DAF-40B5-B3E8-C7AAB6B2C322}" dt="2020-05-31T19:43:13.195" v="161"/>
+          <ac:spMkLst>
+            <pc:docMk/>
+            <pc:sldMk cId="4019951972" sldId="283"/>
+            <ac:spMk id="8" creationId="{AEED2BBB-C38A-4671-AAEA-998CBBAEE9D2}"/>
+          </ac:spMkLst>
+        </pc:spChg>
+        <pc:spChg chg="add del mod">
+          <ac:chgData name="Mariusz" userId="ca8d45ae-21cb-4030-bbab-1d3a5fb8cc81" providerId="ADAL" clId="{9175EAAB-6DAF-40B5-B3E8-C7AAB6B2C322}" dt="2020-05-31T19:43:13.195" v="161"/>
+          <ac:spMkLst>
+            <pc:docMk/>
+            <pc:sldMk cId="4019951972" sldId="283"/>
+            <ac:spMk id="9" creationId="{A787C992-6880-42B4-830A-9B81397D2397}"/>
+          </ac:spMkLst>
+        </pc:spChg>
+      </pc:sldChg>
+      <pc:sldChg chg="modSp modNotes">
+        <pc:chgData name="Mariusz" userId="ca8d45ae-21cb-4030-bbab-1d3a5fb8cc81" providerId="ADAL" clId="{9175EAAB-6DAF-40B5-B3E8-C7AAB6B2C322}" dt="2020-05-31T15:23:08.757" v="57"/>
+        <pc:sldMkLst>
+          <pc:docMk/>
+          <pc:sldMk cId="3745401701" sldId="284"/>
+        </pc:sldMkLst>
+        <pc:spChg chg="mod">
+          <ac:chgData name="Mariusz" userId="ca8d45ae-21cb-4030-bbab-1d3a5fb8cc81" providerId="ADAL" clId="{9175EAAB-6DAF-40B5-B3E8-C7AAB6B2C322}" dt="2020-05-31T15:23:08.757" v="57"/>
+          <ac:spMkLst>
+            <pc:docMk/>
+            <pc:sldMk cId="3745401701" sldId="284"/>
+            <ac:spMk id="2" creationId="{00000000-0000-0000-0000-000000000000}"/>
+          </ac:spMkLst>
+        </pc:spChg>
+        <pc:spChg chg="mod">
+          <ac:chgData name="Mariusz" userId="ca8d45ae-21cb-4030-bbab-1d3a5fb8cc81" providerId="ADAL" clId="{9175EAAB-6DAF-40B5-B3E8-C7AAB6B2C322}" dt="2020-05-31T15:23:08.757" v="57"/>
+          <ac:spMkLst>
+            <pc:docMk/>
+            <pc:sldMk cId="3745401701" sldId="284"/>
+            <ac:spMk id="3" creationId="{58A19D5B-4B3E-4385-B11F-8CAFA5203476}"/>
+          </ac:spMkLst>
+        </pc:spChg>
+        <pc:spChg chg="mod">
+          <ac:chgData name="Mariusz" userId="ca8d45ae-21cb-4030-bbab-1d3a5fb8cc81" providerId="ADAL" clId="{9175EAAB-6DAF-40B5-B3E8-C7AAB6B2C322}" dt="2020-05-31T15:23:08.757" v="57"/>
+          <ac:spMkLst>
+            <pc:docMk/>
+            <pc:sldMk cId="3745401701" sldId="284"/>
+            <ac:spMk id="4" creationId="{3A51CD44-4609-40FD-A557-24630BD3197C}"/>
+          </ac:spMkLst>
+        </pc:spChg>
+        <pc:graphicFrameChg chg="mod">
+          <ac:chgData name="Mariusz" userId="ca8d45ae-21cb-4030-bbab-1d3a5fb8cc81" providerId="ADAL" clId="{9175EAAB-6DAF-40B5-B3E8-C7AAB6B2C322}" dt="2020-05-31T15:23:08.757" v="57"/>
+          <ac:graphicFrameMkLst>
+            <pc:docMk/>
+            <pc:sldMk cId="3745401701" sldId="284"/>
+            <ac:graphicFrameMk id="8" creationId="{00000000-0000-0000-0000-000000000000}"/>
+          </ac:graphicFrameMkLst>
+        </pc:graphicFrameChg>
+        <pc:picChg chg="mod">
+          <ac:chgData name="Mariusz" userId="ca8d45ae-21cb-4030-bbab-1d3a5fb8cc81" providerId="ADAL" clId="{9175EAAB-6DAF-40B5-B3E8-C7AAB6B2C322}" dt="2020-05-31T15:23:08.757" v="57"/>
+          <ac:picMkLst>
+            <pc:docMk/>
+            <pc:sldMk cId="3745401701" sldId="284"/>
+            <ac:picMk id="12313" creationId="{00000000-0000-0000-0000-000000000000}"/>
+          </ac:picMkLst>
+        </pc:picChg>
+        <pc:picChg chg="mod">
+          <ac:chgData name="Mariusz" userId="ca8d45ae-21cb-4030-bbab-1d3a5fb8cc81" providerId="ADAL" clId="{9175EAAB-6DAF-40B5-B3E8-C7AAB6B2C322}" dt="2020-05-31T15:23:08.757" v="57"/>
+          <ac:picMkLst>
+            <pc:docMk/>
+            <pc:sldMk cId="3745401701" sldId="284"/>
+            <ac:picMk id="12315" creationId="{00000000-0000-0000-0000-000000000000}"/>
+          </ac:picMkLst>
+        </pc:picChg>
+      </pc:sldChg>
+      <pc:sldChg chg="modSp del ord">
+        <pc:chgData name="Mariusz" userId="ca8d45ae-21cb-4030-bbab-1d3a5fb8cc81" providerId="ADAL" clId="{9175EAAB-6DAF-40B5-B3E8-C7AAB6B2C322}" dt="2020-05-31T19:35:51.951" v="136" actId="47"/>
+        <pc:sldMkLst>
+          <pc:docMk/>
+          <pc:sldMk cId="0" sldId="285"/>
+        </pc:sldMkLst>
+        <pc:spChg chg="mod">
+          <ac:chgData name="Mariusz" userId="ca8d45ae-21cb-4030-bbab-1d3a5fb8cc81" providerId="ADAL" clId="{9175EAAB-6DAF-40B5-B3E8-C7AAB6B2C322}" dt="2020-05-31T15:23:08.757" v="57"/>
+          <ac:spMkLst>
+            <pc:docMk/>
+            <pc:sldMk cId="0" sldId="285"/>
+            <ac:spMk id="2" creationId="{00000000-0000-0000-0000-000000000000}"/>
+          </ac:spMkLst>
+        </pc:spChg>
+        <pc:spChg chg="mod">
+          <ac:chgData name="Mariusz" userId="ca8d45ae-21cb-4030-bbab-1d3a5fb8cc81" providerId="ADAL" clId="{9175EAAB-6DAF-40B5-B3E8-C7AAB6B2C322}" dt="2020-05-31T15:23:08.757" v="57"/>
+          <ac:spMkLst>
+            <pc:docMk/>
+            <pc:sldMk cId="0" sldId="285"/>
+            <ac:spMk id="3" creationId="{E363D041-D0D5-447B-9552-CFDA9BE2C523}"/>
+          </ac:spMkLst>
+        </pc:spChg>
+        <pc:spChg chg="mod">
+          <ac:chgData name="Mariusz" userId="ca8d45ae-21cb-4030-bbab-1d3a5fb8cc81" providerId="ADAL" clId="{9175EAAB-6DAF-40B5-B3E8-C7AAB6B2C322}" dt="2020-05-31T15:23:08.757" v="57"/>
+          <ac:spMkLst>
+            <pc:docMk/>
+            <pc:sldMk cId="0" sldId="285"/>
+            <ac:spMk id="4" creationId="{854018FB-A5CC-4A9D-9D02-464367EC2977}"/>
+          </ac:spMkLst>
+        </pc:spChg>
+        <pc:picChg chg="mod">
+          <ac:chgData name="Mariusz" userId="ca8d45ae-21cb-4030-bbab-1d3a5fb8cc81" providerId="ADAL" clId="{9175EAAB-6DAF-40B5-B3E8-C7AAB6B2C322}" dt="2020-05-31T15:23:08.757" v="57"/>
+          <ac:picMkLst>
+            <pc:docMk/>
+            <pc:sldMk cId="0" sldId="285"/>
+            <ac:picMk id="6" creationId="{02B807B1-4181-4CCA-B7A6-0346A4DA3E0C}"/>
+          </ac:picMkLst>
+        </pc:picChg>
+      </pc:sldChg>
+      <pc:sldChg chg="modSp del ord">
+        <pc:chgData name="Mariusz" userId="ca8d45ae-21cb-4030-bbab-1d3a5fb8cc81" providerId="ADAL" clId="{9175EAAB-6DAF-40B5-B3E8-C7AAB6B2C322}" dt="2020-05-31T19:35:51.951" v="136" actId="47"/>
+        <pc:sldMkLst>
+          <pc:docMk/>
+          <pc:sldMk cId="3191445385" sldId="286"/>
+        </pc:sldMkLst>
+        <pc:spChg chg="mod">
+          <ac:chgData name="Mariusz" userId="ca8d45ae-21cb-4030-bbab-1d3a5fb8cc81" providerId="ADAL" clId="{9175EAAB-6DAF-40B5-B3E8-C7AAB6B2C322}" dt="2020-05-31T15:23:08.757" v="57"/>
+          <ac:spMkLst>
+            <pc:docMk/>
+            <pc:sldMk cId="3191445385" sldId="286"/>
+            <ac:spMk id="2" creationId="{F1748164-13A9-457B-A9AB-B0CD7510280B}"/>
+          </ac:spMkLst>
+        </pc:spChg>
+        <pc:spChg chg="mod">
+          <ac:chgData name="Mariusz" userId="ca8d45ae-21cb-4030-bbab-1d3a5fb8cc81" providerId="ADAL" clId="{9175EAAB-6DAF-40B5-B3E8-C7AAB6B2C322}" dt="2020-05-31T15:23:08.757" v="57"/>
+          <ac:spMkLst>
+            <pc:docMk/>
+            <pc:sldMk cId="3191445385" sldId="286"/>
+            <ac:spMk id="3" creationId="{EAC8FBD6-4B66-4E09-92FB-0EF8EB92ADA0}"/>
+          </ac:spMkLst>
+        </pc:spChg>
+        <pc:spChg chg="mod">
+          <ac:chgData name="Mariusz" userId="ca8d45ae-21cb-4030-bbab-1d3a5fb8cc81" providerId="ADAL" clId="{9175EAAB-6DAF-40B5-B3E8-C7AAB6B2C322}" dt="2020-05-31T15:23:08.757" v="57"/>
+          <ac:spMkLst>
+            <pc:docMk/>
+            <pc:sldMk cId="3191445385" sldId="286"/>
+            <ac:spMk id="4" creationId="{00000000-0000-0000-0000-000000000000}"/>
+          </ac:spMkLst>
+        </pc:spChg>
+        <pc:spChg chg="mod">
+          <ac:chgData name="Mariusz" userId="ca8d45ae-21cb-4030-bbab-1d3a5fb8cc81" providerId="ADAL" clId="{9175EAAB-6DAF-40B5-B3E8-C7AAB6B2C322}" dt="2020-05-31T15:23:08.757" v="57"/>
+          <ac:spMkLst>
+            <pc:docMk/>
+            <pc:sldMk cId="3191445385" sldId="286"/>
+            <ac:spMk id="6" creationId="{00000000-0000-0000-0000-000000000000}"/>
+          </ac:spMkLst>
+        </pc:spChg>
+        <pc:picChg chg="mod">
+          <ac:chgData name="Mariusz" userId="ca8d45ae-21cb-4030-bbab-1d3a5fb8cc81" providerId="ADAL" clId="{9175EAAB-6DAF-40B5-B3E8-C7AAB6B2C322}" dt="2020-05-31T15:23:08.757" v="57"/>
+          <ac:picMkLst>
+            <pc:docMk/>
+            <pc:sldMk cId="3191445385" sldId="286"/>
+            <ac:picMk id="7" creationId="{00000000-0000-0000-0000-000000000000}"/>
+          </ac:picMkLst>
+        </pc:picChg>
+      </pc:sldChg>
+      <pc:sldChg chg="del">
+        <pc:chgData name="Mariusz" userId="ca8d45ae-21cb-4030-bbab-1d3a5fb8cc81" providerId="ADAL" clId="{9175EAAB-6DAF-40B5-B3E8-C7AAB6B2C322}" dt="2020-05-31T15:17:36.949" v="26" actId="47"/>
+        <pc:sldMkLst>
+          <pc:docMk/>
+          <pc:sldMk cId="3221289239" sldId="287"/>
+        </pc:sldMkLst>
+      </pc:sldChg>
+      <pc:sldChg chg="del">
+        <pc:chgData name="Mariusz" userId="ca8d45ae-21cb-4030-bbab-1d3a5fb8cc81" providerId="ADAL" clId="{9175EAAB-6DAF-40B5-B3E8-C7AAB6B2C322}" dt="2020-05-31T14:41:59.399" v="0" actId="2696"/>
+        <pc:sldMkLst>
+          <pc:docMk/>
+          <pc:sldMk cId="14412432" sldId="288"/>
+        </pc:sldMkLst>
+      </pc:sldChg>
+      <pc:sldChg chg="modSp mod modShow modNotes modNotesTx">
+        <pc:chgData name="Mariusz" userId="ca8d45ae-21cb-4030-bbab-1d3a5fb8cc81" providerId="ADAL" clId="{9175EAAB-6DAF-40B5-B3E8-C7AAB6B2C322}" dt="2020-06-03T11:16:43.287" v="3193" actId="729"/>
+        <pc:sldMkLst>
+          <pc:docMk/>
+          <pc:sldMk cId="3654890770" sldId="289"/>
+        </pc:sldMkLst>
+        <pc:spChg chg="mod">
+          <ac:chgData name="Mariusz" userId="ca8d45ae-21cb-4030-bbab-1d3a5fb8cc81" providerId="ADAL" clId="{9175EAAB-6DAF-40B5-B3E8-C7AAB6B2C322}" dt="2020-05-31T15:23:08.757" v="57"/>
+          <ac:spMkLst>
+            <pc:docMk/>
+            <pc:sldMk cId="3654890770" sldId="289"/>
+            <ac:spMk id="2" creationId="{814FAD99-D813-4B29-8E9C-3F043E9C9892}"/>
+          </ac:spMkLst>
+        </pc:spChg>
+        <pc:spChg chg="mod">
+          <ac:chgData name="Mariusz" userId="ca8d45ae-21cb-4030-bbab-1d3a5fb8cc81" providerId="ADAL" clId="{9175EAAB-6DAF-40B5-B3E8-C7AAB6B2C322}" dt="2020-05-31T15:23:08.757" v="57"/>
+          <ac:spMkLst>
+            <pc:docMk/>
+            <pc:sldMk cId="3654890770" sldId="289"/>
+            <ac:spMk id="3" creationId="{CB37BD0F-A83D-4DF0-AE5D-E8E14C8A027B}"/>
+          </ac:spMkLst>
+        </pc:spChg>
+        <pc:spChg chg="mod">
+          <ac:chgData name="Mariusz" userId="ca8d45ae-21cb-4030-bbab-1d3a5fb8cc81" providerId="ADAL" clId="{9175EAAB-6DAF-40B5-B3E8-C7AAB6B2C322}" dt="2020-05-31T20:03:37.432" v="174" actId="20577"/>
+          <ac:spMkLst>
+            <pc:docMk/>
+            <pc:sldMk cId="3654890770" sldId="289"/>
+            <ac:spMk id="4" creationId="{92A0B153-C864-422A-B1DF-54CE120944CE}"/>
+          </ac:spMkLst>
+        </pc:spChg>
+        <pc:spChg chg="mod">
+          <ac:chgData name="Mariusz" userId="ca8d45ae-21cb-4030-bbab-1d3a5fb8cc81" providerId="ADAL" clId="{9175EAAB-6DAF-40B5-B3E8-C7AAB6B2C322}" dt="2020-05-31T15:23:08.757" v="57"/>
+          <ac:spMkLst>
+            <pc:docMk/>
+            <pc:sldMk cId="3654890770" sldId="289"/>
+            <ac:spMk id="5" creationId="{0751BF7C-5F5F-41FB-9A69-09CAD28C500F}"/>
+          </ac:spMkLst>
+        </pc:spChg>
+      </pc:sldChg>
+      <pc:sldChg chg="addSp delSp modSp mod modShow modNotesTx">
+        <pc:chgData name="Mariusz" userId="ca8d45ae-21cb-4030-bbab-1d3a5fb8cc81" providerId="ADAL" clId="{9175EAAB-6DAF-40B5-B3E8-C7AAB6B2C322}" dt="2020-06-03T11:41:35.042" v="3225" actId="790"/>
+        <pc:sldMkLst>
+          <pc:docMk/>
+          <pc:sldMk cId="2759846488" sldId="290"/>
+        </pc:sldMkLst>
+        <pc:spChg chg="mod">
+          <ac:chgData name="Mariusz" userId="ca8d45ae-21cb-4030-bbab-1d3a5fb8cc81" providerId="ADAL" clId="{9175EAAB-6DAF-40B5-B3E8-C7AAB6B2C322}" dt="2020-05-31T21:24:52.058" v="177"/>
+          <ac:spMkLst>
+            <pc:docMk/>
+            <pc:sldMk cId="2759846488" sldId="290"/>
+            <ac:spMk id="2" creationId="{642ECD52-416C-400D-A2F9-1E3996C975AA}"/>
+          </ac:spMkLst>
+        </pc:spChg>
+        <pc:spChg chg="mod">
+          <ac:chgData name="Mariusz" userId="ca8d45ae-21cb-4030-bbab-1d3a5fb8cc81" providerId="ADAL" clId="{9175EAAB-6DAF-40B5-B3E8-C7AAB6B2C322}" dt="2020-05-31T21:24:52.058" v="177"/>
+          <ac:spMkLst>
+            <pc:docMk/>
+            <pc:sldMk cId="2759846488" sldId="290"/>
+            <ac:spMk id="3" creationId="{AA8EF286-9A21-4540-950B-E3A78864FC16}"/>
+          </ac:spMkLst>
+        </pc:spChg>
+        <pc:spChg chg="mod">
+          <ac:chgData name="Mariusz" userId="ca8d45ae-21cb-4030-bbab-1d3a5fb8cc81" providerId="ADAL" clId="{9175EAAB-6DAF-40B5-B3E8-C7AAB6B2C322}" dt="2020-05-31T21:24:52.058" v="177"/>
+          <ac:spMkLst>
+            <pc:docMk/>
+            <pc:sldMk cId="2759846488" sldId="290"/>
+            <ac:spMk id="4" creationId="{C431F5DA-582B-4769-ADC4-3564C1CF759B}"/>
+          </ac:spMkLst>
+        </pc:spChg>
+        <pc:spChg chg="add del mod">
+          <ac:chgData name="Mariusz" userId="ca8d45ae-21cb-4030-bbab-1d3a5fb8cc81" providerId="ADAL" clId="{9175EAAB-6DAF-40B5-B3E8-C7AAB6B2C322}" dt="2020-05-31T21:24:52.058" v="177"/>
+          <ac:spMkLst>
+            <pc:docMk/>
+            <pc:sldMk cId="2759846488" sldId="290"/>
+            <ac:spMk id="5" creationId="{BD8FDAB8-0D73-4599-861A-1ED143F68C95}"/>
+          </ac:spMkLst>
+        </pc:spChg>
+        <pc:spChg chg="add del mod">
+          <ac:chgData name="Mariusz" userId="ca8d45ae-21cb-4030-bbab-1d3a5fb8cc81" providerId="ADAL" clId="{9175EAAB-6DAF-40B5-B3E8-C7AAB6B2C322}" dt="2020-05-31T21:24:52.058" v="177"/>
+          <ac:spMkLst>
+            <pc:docMk/>
+            <pc:sldMk cId="2759846488" sldId="290"/>
+            <ac:spMk id="6" creationId="{AE08AC65-3B26-4E54-8D6D-237EAD6E9C65}"/>
+          </ac:spMkLst>
+        </pc:spChg>
+        <pc:spChg chg="add del mod">
+          <ac:chgData name="Mariusz" userId="ca8d45ae-21cb-4030-bbab-1d3a5fb8cc81" providerId="ADAL" clId="{9175EAAB-6DAF-40B5-B3E8-C7AAB6B2C322}" dt="2020-05-31T21:24:52.058" v="177"/>
+          <ac:spMkLst>
+            <pc:docMk/>
+            <pc:sldMk cId="2759846488" sldId="290"/>
+            <ac:spMk id="7" creationId="{A60556CE-6145-4D9E-918E-1720E91149B6}"/>
+          </ac:spMkLst>
+        </pc:spChg>
+        <pc:picChg chg="mod">
+          <ac:chgData name="Mariusz" userId="ca8d45ae-21cb-4030-bbab-1d3a5fb8cc81" providerId="ADAL" clId="{9175EAAB-6DAF-40B5-B3E8-C7AAB6B2C322}" dt="2020-05-31T21:25:05.772" v="179" actId="408"/>
+          <ac:picMkLst>
+            <pc:docMk/>
+            <pc:sldMk cId="2759846488" sldId="290"/>
+            <ac:picMk id="8" creationId="{5490B48B-59CC-4B4A-B745-93D8284B04E0}"/>
+          </ac:picMkLst>
+        </pc:picChg>
+      </pc:sldChg>
+      <pc:sldChg chg="modSp del mod modShow">
+        <pc:chgData name="Mariusz" userId="ca8d45ae-21cb-4030-bbab-1d3a5fb8cc81" providerId="ADAL" clId="{9175EAAB-6DAF-40B5-B3E8-C7AAB6B2C322}" dt="2020-06-03T10:58:04.080" v="3189" actId="2696"/>
+        <pc:sldMkLst>
+          <pc:docMk/>
+          <pc:sldMk cId="1168729256" sldId="291"/>
+        </pc:sldMkLst>
+        <pc:spChg chg="mod">
+          <ac:chgData name="Mariusz" userId="ca8d45ae-21cb-4030-bbab-1d3a5fb8cc81" providerId="ADAL" clId="{9175EAAB-6DAF-40B5-B3E8-C7AAB6B2C322}" dt="2020-05-31T15:23:08.757" v="57"/>
+          <ac:spMkLst>
+            <pc:docMk/>
+            <pc:sldMk cId="1168729256" sldId="291"/>
+            <ac:spMk id="2" creationId="{5F9F88FB-5AC4-4AD5-A55E-1671771D14E9}"/>
+          </ac:spMkLst>
+        </pc:spChg>
+        <pc:spChg chg="mod">
+          <ac:chgData name="Mariusz" userId="ca8d45ae-21cb-4030-bbab-1d3a5fb8cc81" providerId="ADAL" clId="{9175EAAB-6DAF-40B5-B3E8-C7AAB6B2C322}" dt="2020-05-31T15:23:08.757" v="57"/>
+          <ac:spMkLst>
+            <pc:docMk/>
+            <pc:sldMk cId="1168729256" sldId="291"/>
+            <ac:spMk id="3" creationId="{CFD4FB97-98EA-4C87-B57B-38FCFA60FBB3}"/>
+          </ac:spMkLst>
+        </pc:spChg>
+        <pc:spChg chg="mod">
+          <ac:chgData name="Mariusz" userId="ca8d45ae-21cb-4030-bbab-1d3a5fb8cc81" providerId="ADAL" clId="{9175EAAB-6DAF-40B5-B3E8-C7AAB6B2C322}" dt="2020-05-31T15:23:08.757" v="57"/>
+          <ac:spMkLst>
+            <pc:docMk/>
+            <pc:sldMk cId="1168729256" sldId="291"/>
+            <ac:spMk id="4" creationId="{657D236B-1D8B-4C4B-8CAC-36A9786E6D81}"/>
+          </ac:spMkLst>
+        </pc:spChg>
+        <pc:spChg chg="mod">
+          <ac:chgData name="Mariusz" userId="ca8d45ae-21cb-4030-bbab-1d3a5fb8cc81" providerId="ADAL" clId="{9175EAAB-6DAF-40B5-B3E8-C7AAB6B2C322}" dt="2020-05-31T15:23:08.757" v="57"/>
+          <ac:spMkLst>
+            <pc:docMk/>
+            <pc:sldMk cId="1168729256" sldId="291"/>
+            <ac:spMk id="5" creationId="{4B43DABA-6F04-455F-97A7-E7735158B7AB}"/>
+          </ac:spMkLst>
+        </pc:spChg>
+      </pc:sldChg>
+      <pc:sldChg chg="modSp del ord">
+        <pc:chgData name="Mariusz" userId="ca8d45ae-21cb-4030-bbab-1d3a5fb8cc81" providerId="ADAL" clId="{9175EAAB-6DAF-40B5-B3E8-C7AAB6B2C322}" dt="2020-05-31T19:35:51.951" v="136" actId="47"/>
+        <pc:sldMkLst>
+          <pc:docMk/>
+          <pc:sldMk cId="4090376993" sldId="292"/>
+        </pc:sldMkLst>
+        <pc:spChg chg="mod">
+          <ac:chgData name="Mariusz" userId="ca8d45ae-21cb-4030-bbab-1d3a5fb8cc81" providerId="ADAL" clId="{9175EAAB-6DAF-40B5-B3E8-C7AAB6B2C322}" dt="2020-05-31T15:23:08.757" v="57"/>
+          <ac:spMkLst>
+            <pc:docMk/>
+            <pc:sldMk cId="4090376993" sldId="292"/>
+            <ac:spMk id="2" creationId="{F741D176-F775-43AB-8089-378C669A5D0E}"/>
+          </ac:spMkLst>
+        </pc:spChg>
+        <pc:spChg chg="mod">
+          <ac:chgData name="Mariusz" userId="ca8d45ae-21cb-4030-bbab-1d3a5fb8cc81" providerId="ADAL" clId="{9175EAAB-6DAF-40B5-B3E8-C7AAB6B2C322}" dt="2020-05-31T15:23:08.757" v="57"/>
+          <ac:spMkLst>
+            <pc:docMk/>
+            <pc:sldMk cId="4090376993" sldId="292"/>
+            <ac:spMk id="3" creationId="{7AB6EB92-B183-4B30-A39E-4C8EC8662DD6}"/>
+          </ac:spMkLst>
+        </pc:spChg>
+        <pc:spChg chg="mod">
+          <ac:chgData name="Mariusz" userId="ca8d45ae-21cb-4030-bbab-1d3a5fb8cc81" providerId="ADAL" clId="{9175EAAB-6DAF-40B5-B3E8-C7AAB6B2C322}" dt="2020-05-31T15:23:08.757" v="57"/>
+          <ac:spMkLst>
+            <pc:docMk/>
+            <pc:sldMk cId="4090376993" sldId="292"/>
+            <ac:spMk id="4" creationId="{78C07318-CCAD-4A64-AB32-E6E0338C955D}"/>
+          </ac:spMkLst>
+        </pc:spChg>
+        <pc:spChg chg="mod">
+          <ac:chgData name="Mariusz" userId="ca8d45ae-21cb-4030-bbab-1d3a5fb8cc81" providerId="ADAL" clId="{9175EAAB-6DAF-40B5-B3E8-C7AAB6B2C322}" dt="2020-05-31T15:23:08.757" v="57"/>
+          <ac:spMkLst>
+            <pc:docMk/>
+            <pc:sldMk cId="4090376993" sldId="292"/>
+            <ac:spMk id="5" creationId="{D6683D23-C6C3-46A9-813A-6FE2722B6E88}"/>
+          </ac:spMkLst>
+        </pc:spChg>
+      </pc:sldChg>
+      <pc:sldChg chg="modSp del ord">
+        <pc:chgData name="Mariusz" userId="ca8d45ae-21cb-4030-bbab-1d3a5fb8cc81" providerId="ADAL" clId="{9175EAAB-6DAF-40B5-B3E8-C7AAB6B2C322}" dt="2020-05-31T19:35:32.312" v="135" actId="47"/>
+        <pc:sldMkLst>
+          <pc:docMk/>
+          <pc:sldMk cId="1055420037" sldId="293"/>
+        </pc:sldMkLst>
+        <pc:spChg chg="mod">
+          <ac:chgData name="Mariusz" userId="ca8d45ae-21cb-4030-bbab-1d3a5fb8cc81" providerId="ADAL" clId="{9175EAAB-6DAF-40B5-B3E8-C7AAB6B2C322}" dt="2020-05-31T15:23:08.757" v="57"/>
+          <ac:spMkLst>
+            <pc:docMk/>
+            <pc:sldMk cId="1055420037" sldId="293"/>
+            <ac:spMk id="2" creationId="{D33EEAA6-997E-4444-92D0-820A2474B875}"/>
+          </ac:spMkLst>
+        </pc:spChg>
+        <pc:spChg chg="mod">
+          <ac:chgData name="Mariusz" userId="ca8d45ae-21cb-4030-bbab-1d3a5fb8cc81" providerId="ADAL" clId="{9175EAAB-6DAF-40B5-B3E8-C7AAB6B2C322}" dt="2020-05-31T15:23:08.757" v="57"/>
+          <ac:spMkLst>
+            <pc:docMk/>
+            <pc:sldMk cId="1055420037" sldId="293"/>
+            <ac:spMk id="3" creationId="{43CE69DE-C49B-4CBD-92AC-204920CB2898}"/>
+          </ac:spMkLst>
+        </pc:spChg>
+        <pc:spChg chg="mod">
+          <ac:chgData name="Mariusz" userId="ca8d45ae-21cb-4030-bbab-1d3a5fb8cc81" providerId="ADAL" clId="{9175EAAB-6DAF-40B5-B3E8-C7AAB6B2C322}" dt="2020-05-31T15:23:08.757" v="57"/>
+          <ac:spMkLst>
+            <pc:docMk/>
+            <pc:sldMk cId="1055420037" sldId="293"/>
+            <ac:spMk id="4" creationId="{344207BC-3FF2-4566-831E-1FFAD82F4E24}"/>
+          </ac:spMkLst>
+        </pc:spChg>
+        <pc:spChg chg="mod">
+          <ac:chgData name="Mariusz" userId="ca8d45ae-21cb-4030-bbab-1d3a5fb8cc81" providerId="ADAL" clId="{9175EAAB-6DAF-40B5-B3E8-C7AAB6B2C322}" dt="2020-05-31T15:23:08.757" v="57"/>
+          <ac:spMkLst>
+            <pc:docMk/>
+            <pc:sldMk cId="1055420037" sldId="293"/>
+            <ac:spMk id="5" creationId="{2EB693AC-5A75-4DFD-89B9-50C6351B95BA}"/>
+          </ac:spMkLst>
+        </pc:spChg>
+      </pc:sldChg>
+      <pc:sldChg chg="modSp del ord">
+        <pc:chgData name="Mariusz" userId="ca8d45ae-21cb-4030-bbab-1d3a5fb8cc81" providerId="ADAL" clId="{9175EAAB-6DAF-40B5-B3E8-C7AAB6B2C322}" dt="2020-05-31T19:35:51.951" v="136" actId="47"/>
+        <pc:sldMkLst>
+          <pc:docMk/>
+          <pc:sldMk cId="1897587197" sldId="294"/>
+        </pc:sldMkLst>
+        <pc:spChg chg="mod">
+          <ac:chgData name="Mariusz" userId="ca8d45ae-21cb-4030-bbab-1d3a5fb8cc81" providerId="ADAL" clId="{9175EAAB-6DAF-40B5-B3E8-C7AAB6B2C322}" dt="2020-05-31T15:23:08.757" v="57"/>
+          <ac:spMkLst>
+            <pc:docMk/>
+            <pc:sldMk cId="1897587197" sldId="294"/>
+            <ac:spMk id="2" creationId="{A1045EDA-11B0-4E02-A174-B76AC435A2EA}"/>
+          </ac:spMkLst>
+        </pc:spChg>
+        <pc:spChg chg="mod">
+          <ac:chgData name="Mariusz" userId="ca8d45ae-21cb-4030-bbab-1d3a5fb8cc81" providerId="ADAL" clId="{9175EAAB-6DAF-40B5-B3E8-C7AAB6B2C322}" dt="2020-05-31T15:23:08.757" v="57"/>
+          <ac:spMkLst>
+            <pc:docMk/>
+            <pc:sldMk cId="1897587197" sldId="294"/>
+            <ac:spMk id="3" creationId="{871D038F-17FE-434E-872E-CE0105DB0A2D}"/>
+          </ac:spMkLst>
+        </pc:spChg>
+        <pc:spChg chg="mod">
+          <ac:chgData name="Mariusz" userId="ca8d45ae-21cb-4030-bbab-1d3a5fb8cc81" providerId="ADAL" clId="{9175EAAB-6DAF-40B5-B3E8-C7AAB6B2C322}" dt="2020-05-31T15:23:08.757" v="57"/>
+          <ac:spMkLst>
+            <pc:docMk/>
+            <pc:sldMk cId="1897587197" sldId="294"/>
+            <ac:spMk id="4" creationId="{E6BF4722-3599-4AB9-99BA-2721C86331A6}"/>
+          </ac:spMkLst>
+        </pc:spChg>
+        <pc:spChg chg="mod">
+          <ac:chgData name="Mariusz" userId="ca8d45ae-21cb-4030-bbab-1d3a5fb8cc81" providerId="ADAL" clId="{9175EAAB-6DAF-40B5-B3E8-C7AAB6B2C322}" dt="2020-05-31T15:23:08.757" v="57"/>
+          <ac:spMkLst>
+            <pc:docMk/>
+            <pc:sldMk cId="1897587197" sldId="294"/>
+            <ac:spMk id="5" creationId="{A05A1BC3-FCF2-40F9-A79D-E047E0E62D17}"/>
+          </ac:spMkLst>
+        </pc:spChg>
+      </pc:sldChg>
+      <pc:sldChg chg="modSp del mod modNotes">
+        <pc:chgData name="Mariusz" userId="ca8d45ae-21cb-4030-bbab-1d3a5fb8cc81" providerId="ADAL" clId="{9175EAAB-6DAF-40B5-B3E8-C7AAB6B2C322}" dt="2020-05-31T19:44:34.791" v="162" actId="2696"/>
+        <pc:sldMkLst>
+          <pc:docMk/>
+          <pc:sldMk cId="4279473428" sldId="295"/>
+        </pc:sldMkLst>
+        <pc:spChg chg="mod">
+          <ac:chgData name="Mariusz" userId="ca8d45ae-21cb-4030-bbab-1d3a5fb8cc81" providerId="ADAL" clId="{9175EAAB-6DAF-40B5-B3E8-C7AAB6B2C322}" dt="2020-05-31T15:23:08.757" v="57"/>
+          <ac:spMkLst>
+            <pc:docMk/>
+            <pc:sldMk cId="4279473428" sldId="295"/>
+            <ac:spMk id="2" creationId="{D61051E2-46A8-4CAE-ADB2-D8B112DC3A41}"/>
+          </ac:spMkLst>
+        </pc:spChg>
+        <pc:spChg chg="mod">
+          <ac:chgData name="Mariusz" userId="ca8d45ae-21cb-4030-bbab-1d3a5fb8cc81" providerId="ADAL" clId="{9175EAAB-6DAF-40B5-B3E8-C7AAB6B2C322}" dt="2020-05-31T15:24:04.445" v="73" actId="27636"/>
+          <ac:spMkLst>
+            <pc:docMk/>
+            <pc:sldMk cId="4279473428" sldId="295"/>
+            <ac:spMk id="3" creationId="{3D8F722B-ACDB-4639-85A2-BDE6DF7E55CC}"/>
+          </ac:spMkLst>
+        </pc:spChg>
+        <pc:spChg chg="mod">
+          <ac:chgData name="Mariusz" userId="ca8d45ae-21cb-4030-bbab-1d3a5fb8cc81" providerId="ADAL" clId="{9175EAAB-6DAF-40B5-B3E8-C7AAB6B2C322}" dt="2020-05-31T15:23:08.757" v="57"/>
+          <ac:spMkLst>
+            <pc:docMk/>
+            <pc:sldMk cId="4279473428" sldId="295"/>
+            <ac:spMk id="4" creationId="{30C601CB-4AC8-42FF-B5AC-58888CC398CE}"/>
+          </ac:spMkLst>
+        </pc:spChg>
+        <pc:spChg chg="mod">
+          <ac:chgData name="Mariusz" userId="ca8d45ae-21cb-4030-bbab-1d3a5fb8cc81" providerId="ADAL" clId="{9175EAAB-6DAF-40B5-B3E8-C7AAB6B2C322}" dt="2020-05-31T15:23:08.757" v="57"/>
+          <ac:spMkLst>
+            <pc:docMk/>
+            <pc:sldMk cId="4279473428" sldId="295"/>
+            <ac:spMk id="5" creationId="{22A8D283-F8AE-4840-8DD3-C252DA08FAFE}"/>
+          </ac:spMkLst>
+        </pc:spChg>
+      </pc:sldChg>
+      <pc:sldChg chg="modSp del ord">
+        <pc:chgData name="Mariusz" userId="ca8d45ae-21cb-4030-bbab-1d3a5fb8cc81" providerId="ADAL" clId="{9175EAAB-6DAF-40B5-B3E8-C7AAB6B2C322}" dt="2020-05-31T19:35:51.951" v="136" actId="47"/>
+        <pc:sldMkLst>
+          <pc:docMk/>
+          <pc:sldMk cId="3478448270" sldId="296"/>
+        </pc:sldMkLst>
+        <pc:spChg chg="mod">
+          <ac:chgData name="Mariusz" userId="ca8d45ae-21cb-4030-bbab-1d3a5fb8cc81" providerId="ADAL" clId="{9175EAAB-6DAF-40B5-B3E8-C7AAB6B2C322}" dt="2020-05-31T15:23:08.757" v="57"/>
+          <ac:spMkLst>
+            <pc:docMk/>
+            <pc:sldMk cId="3478448270" sldId="296"/>
+            <ac:spMk id="2" creationId="{54945C74-BFF9-43BB-BEA6-02AE9378F77A}"/>
+          </ac:spMkLst>
+        </pc:spChg>
+        <pc:spChg chg="mod">
+          <ac:chgData name="Mariusz" userId="ca8d45ae-21cb-4030-bbab-1d3a5fb8cc81" providerId="ADAL" clId="{9175EAAB-6DAF-40B5-B3E8-C7AAB6B2C322}" dt="2020-05-31T15:23:08.757" v="57"/>
+          <ac:spMkLst>
+            <pc:docMk/>
+            <pc:sldMk cId="3478448270" sldId="296"/>
+            <ac:spMk id="4" creationId="{00000000-0000-0000-0000-000000000000}"/>
+          </ac:spMkLst>
+        </pc:spChg>
+        <pc:spChg chg="mod">
+          <ac:chgData name="Mariusz" userId="ca8d45ae-21cb-4030-bbab-1d3a5fb8cc81" providerId="ADAL" clId="{9175EAAB-6DAF-40B5-B3E8-C7AAB6B2C322}" dt="2020-05-31T15:23:08.757" v="57"/>
+          <ac:spMkLst>
+            <pc:docMk/>
+            <pc:sldMk cId="3478448270" sldId="296"/>
+            <ac:spMk id="5" creationId="{437D94F1-936F-4E4F-97DA-AC074A137A2D}"/>
+          </ac:spMkLst>
+        </pc:spChg>
+        <pc:spChg chg="mod">
+          <ac:chgData name="Mariusz" userId="ca8d45ae-21cb-4030-bbab-1d3a5fb8cc81" providerId="ADAL" clId="{9175EAAB-6DAF-40B5-B3E8-C7AAB6B2C322}" dt="2020-05-31T15:23:08.757" v="57"/>
+          <ac:spMkLst>
+            <pc:docMk/>
+            <pc:sldMk cId="3478448270" sldId="296"/>
+            <ac:spMk id="6" creationId="{00000000-0000-0000-0000-000000000000}"/>
+          </ac:spMkLst>
+        </pc:spChg>
+        <pc:spChg chg="mod">
+          <ac:chgData name="Mariusz" userId="ca8d45ae-21cb-4030-bbab-1d3a5fb8cc81" providerId="ADAL" clId="{9175EAAB-6DAF-40B5-B3E8-C7AAB6B2C322}" dt="2020-05-31T15:23:08.757" v="57"/>
+          <ac:spMkLst>
+            <pc:docMk/>
+            <pc:sldMk cId="3478448270" sldId="296"/>
+            <ac:spMk id="7" creationId="{E062D145-A468-4D4E-98AA-2F0C71F78DA5}"/>
+          </ac:spMkLst>
+        </pc:spChg>
+        <pc:picChg chg="mod">
+          <ac:chgData name="Mariusz" userId="ca8d45ae-21cb-4030-bbab-1d3a5fb8cc81" providerId="ADAL" clId="{9175EAAB-6DAF-40B5-B3E8-C7AAB6B2C322}" dt="2020-05-31T15:23:08.757" v="57"/>
+          <ac:picMkLst>
+            <pc:docMk/>
+            <pc:sldMk cId="3478448270" sldId="296"/>
+            <ac:picMk id="3" creationId="{13BCACCB-A39F-461F-8F5B-EF30887F8D2E}"/>
+          </ac:picMkLst>
+        </pc:picChg>
+      </pc:sldChg>
+      <pc:sldChg chg="modSp del ord">
+        <pc:chgData name="Mariusz" userId="ca8d45ae-21cb-4030-bbab-1d3a5fb8cc81" providerId="ADAL" clId="{9175EAAB-6DAF-40B5-B3E8-C7AAB6B2C322}" dt="2020-05-31T19:35:51.951" v="136" actId="47"/>
+        <pc:sldMkLst>
+          <pc:docMk/>
+          <pc:sldMk cId="3641588483" sldId="297"/>
+        </pc:sldMkLst>
+        <pc:spChg chg="mod">
+          <ac:chgData name="Mariusz" userId="ca8d45ae-21cb-4030-bbab-1d3a5fb8cc81" providerId="ADAL" clId="{9175EAAB-6DAF-40B5-B3E8-C7AAB6B2C322}" dt="2020-05-31T15:23:08.757" v="57"/>
+          <ac:spMkLst>
+            <pc:docMk/>
+            <pc:sldMk cId="3641588483" sldId="297"/>
+            <ac:spMk id="2" creationId="{CE7B1CEA-57AD-4566-A15F-842C4C2EA11E}"/>
+          </ac:spMkLst>
+        </pc:spChg>
+        <pc:spChg chg="mod">
+          <ac:chgData name="Mariusz" userId="ca8d45ae-21cb-4030-bbab-1d3a5fb8cc81" providerId="ADAL" clId="{9175EAAB-6DAF-40B5-B3E8-C7AAB6B2C322}" dt="2020-05-31T15:23:08.757" v="57"/>
+          <ac:spMkLst>
+            <pc:docMk/>
+            <pc:sldMk cId="3641588483" sldId="297"/>
+            <ac:spMk id="4" creationId="{00000000-0000-0000-0000-000000000000}"/>
+          </ac:spMkLst>
+        </pc:spChg>
+        <pc:spChg chg="mod">
+          <ac:chgData name="Mariusz" userId="ca8d45ae-21cb-4030-bbab-1d3a5fb8cc81" providerId="ADAL" clId="{9175EAAB-6DAF-40B5-B3E8-C7AAB6B2C322}" dt="2020-05-31T15:23:08.757" v="57"/>
+          <ac:spMkLst>
+            <pc:docMk/>
+            <pc:sldMk cId="3641588483" sldId="297"/>
+            <ac:spMk id="5" creationId="{186A0C32-E809-4225-B225-9CF4D4225A8E}"/>
+          </ac:spMkLst>
+        </pc:spChg>
+        <pc:spChg chg="mod">
+          <ac:chgData name="Mariusz" userId="ca8d45ae-21cb-4030-bbab-1d3a5fb8cc81" providerId="ADAL" clId="{9175EAAB-6DAF-40B5-B3E8-C7AAB6B2C322}" dt="2020-05-31T15:23:08.757" v="57"/>
+          <ac:spMkLst>
+            <pc:docMk/>
+            <pc:sldMk cId="3641588483" sldId="297"/>
+            <ac:spMk id="6" creationId="{00000000-0000-0000-0000-000000000000}"/>
+          </ac:spMkLst>
+        </pc:spChg>
+        <pc:spChg chg="mod">
+          <ac:chgData name="Mariusz" userId="ca8d45ae-21cb-4030-bbab-1d3a5fb8cc81" providerId="ADAL" clId="{9175EAAB-6DAF-40B5-B3E8-C7AAB6B2C322}" dt="2020-05-31T15:23:08.757" v="57"/>
+          <ac:spMkLst>
+            <pc:docMk/>
+            <pc:sldMk cId="3641588483" sldId="297"/>
+            <ac:spMk id="7" creationId="{E6A4BAC2-3939-4F41-97EE-88433B9D3D0C}"/>
+          </ac:spMkLst>
+        </pc:spChg>
+        <pc:picChg chg="mod">
+          <ac:chgData name="Mariusz" userId="ca8d45ae-21cb-4030-bbab-1d3a5fb8cc81" providerId="ADAL" clId="{9175EAAB-6DAF-40B5-B3E8-C7AAB6B2C322}" dt="2020-05-31T15:23:08.757" v="57"/>
+          <ac:picMkLst>
+            <pc:docMk/>
+            <pc:sldMk cId="3641588483" sldId="297"/>
+            <ac:picMk id="3" creationId="{13BCACCB-A39F-461F-8F5B-EF30887F8D2E}"/>
+          </ac:picMkLst>
+        </pc:picChg>
+      </pc:sldChg>
+      <pc:sldChg chg="modSp del ord">
+        <pc:chgData name="Mariusz" userId="ca8d45ae-21cb-4030-bbab-1d3a5fb8cc81" providerId="ADAL" clId="{9175EAAB-6DAF-40B5-B3E8-C7AAB6B2C322}" dt="2020-05-31T19:35:51.951" v="136" actId="47"/>
+        <pc:sldMkLst>
+          <pc:docMk/>
+          <pc:sldMk cId="1325521941" sldId="298"/>
+        </pc:sldMkLst>
+        <pc:spChg chg="mod">
+          <ac:chgData name="Mariusz" userId="ca8d45ae-21cb-4030-bbab-1d3a5fb8cc81" providerId="ADAL" clId="{9175EAAB-6DAF-40B5-B3E8-C7AAB6B2C322}" dt="2020-05-31T15:23:08.757" v="57"/>
+          <ac:spMkLst>
+            <pc:docMk/>
+            <pc:sldMk cId="1325521941" sldId="298"/>
+            <ac:spMk id="2" creationId="{304FCD69-B708-4ED9-9E89-56F5C641DB55}"/>
+          </ac:spMkLst>
+        </pc:spChg>
+        <pc:spChg chg="mod">
+          <ac:chgData name="Mariusz" userId="ca8d45ae-21cb-4030-bbab-1d3a5fb8cc81" providerId="ADAL" clId="{9175EAAB-6DAF-40B5-B3E8-C7AAB6B2C322}" dt="2020-05-31T15:23:08.757" v="57"/>
+          <ac:spMkLst>
+            <pc:docMk/>
+            <pc:sldMk cId="1325521941" sldId="298"/>
+            <ac:spMk id="4" creationId="{00000000-0000-0000-0000-000000000000}"/>
+          </ac:spMkLst>
+        </pc:spChg>
+        <pc:spChg chg="mod">
+          <ac:chgData name="Mariusz" userId="ca8d45ae-21cb-4030-bbab-1d3a5fb8cc81" providerId="ADAL" clId="{9175EAAB-6DAF-40B5-B3E8-C7AAB6B2C322}" dt="2020-05-31T15:23:08.757" v="57"/>
+          <ac:spMkLst>
+            <pc:docMk/>
+            <pc:sldMk cId="1325521941" sldId="298"/>
+            <ac:spMk id="5" creationId="{B028FB7E-0327-412A-8E3B-5A47415E0E68}"/>
+          </ac:spMkLst>
+        </pc:spChg>
+        <pc:spChg chg="mod">
+          <ac:chgData name="Mariusz" userId="ca8d45ae-21cb-4030-bbab-1d3a5fb8cc81" providerId="ADAL" clId="{9175EAAB-6DAF-40B5-B3E8-C7AAB6B2C322}" dt="2020-05-31T15:23:08.757" v="57"/>
+          <ac:spMkLst>
+            <pc:docMk/>
+            <pc:sldMk cId="1325521941" sldId="298"/>
+            <ac:spMk id="6" creationId="{00000000-0000-0000-0000-000000000000}"/>
+          </ac:spMkLst>
+        </pc:spChg>
+        <pc:picChg chg="mod">
+          <ac:chgData name="Mariusz" userId="ca8d45ae-21cb-4030-bbab-1d3a5fb8cc81" providerId="ADAL" clId="{9175EAAB-6DAF-40B5-B3E8-C7AAB6B2C322}" dt="2020-05-31T15:23:08.757" v="57"/>
+          <ac:picMkLst>
+            <pc:docMk/>
+            <pc:sldMk cId="1325521941" sldId="298"/>
+            <ac:picMk id="3" creationId="{13BCACCB-A39F-461F-8F5B-EF30887F8D2E}"/>
+          </ac:picMkLst>
+        </pc:picChg>
+      </pc:sldChg>
+      <pc:sldChg chg="modSp del ord">
+        <pc:chgData name="Mariusz" userId="ca8d45ae-21cb-4030-bbab-1d3a5fb8cc81" providerId="ADAL" clId="{9175EAAB-6DAF-40B5-B3E8-C7AAB6B2C322}" dt="2020-05-31T19:35:51.951" v="136" actId="47"/>
+        <pc:sldMkLst>
+          <pc:docMk/>
+          <pc:sldMk cId="2904689659" sldId="299"/>
+        </pc:sldMkLst>
+        <pc:spChg chg="mod">
+          <ac:chgData name="Mariusz" userId="ca8d45ae-21cb-4030-bbab-1d3a5fb8cc81" providerId="ADAL" clId="{9175EAAB-6DAF-40B5-B3E8-C7AAB6B2C322}" dt="2020-05-31T15:23:08.757" v="57"/>
+          <ac:spMkLst>
+            <pc:docMk/>
+            <pc:sldMk cId="2904689659" sldId="299"/>
+            <ac:spMk id="2" creationId="{53603BEE-04E2-430F-9F1E-E623AA3BDF08}"/>
+          </ac:spMkLst>
+        </pc:spChg>
+        <pc:spChg chg="mod">
+          <ac:chgData name="Mariusz" userId="ca8d45ae-21cb-4030-bbab-1d3a5fb8cc81" providerId="ADAL" clId="{9175EAAB-6DAF-40B5-B3E8-C7AAB6B2C322}" dt="2020-05-31T15:23:08.757" v="57"/>
+          <ac:spMkLst>
+            <pc:docMk/>
+            <pc:sldMk cId="2904689659" sldId="299"/>
+            <ac:spMk id="4" creationId="{00000000-0000-0000-0000-000000000000}"/>
+          </ac:spMkLst>
+        </pc:spChg>
+        <pc:spChg chg="mod">
+          <ac:chgData name="Mariusz" userId="ca8d45ae-21cb-4030-bbab-1d3a5fb8cc81" providerId="ADAL" clId="{9175EAAB-6DAF-40B5-B3E8-C7AAB6B2C322}" dt="2020-05-31T15:23:08.757" v="57"/>
+          <ac:spMkLst>
+            <pc:docMk/>
+            <pc:sldMk cId="2904689659" sldId="299"/>
+            <ac:spMk id="5" creationId="{BC626631-0045-4AB3-9A65-546BA1A72288}"/>
+          </ac:spMkLst>
+        </pc:spChg>
+        <pc:spChg chg="mod">
+          <ac:chgData name="Mariusz" userId="ca8d45ae-21cb-4030-bbab-1d3a5fb8cc81" providerId="ADAL" clId="{9175EAAB-6DAF-40B5-B3E8-C7AAB6B2C322}" dt="2020-05-31T15:23:08.757" v="57"/>
+          <ac:spMkLst>
+            <pc:docMk/>
+            <pc:sldMk cId="2904689659" sldId="299"/>
+            <ac:spMk id="6" creationId="{00000000-0000-0000-0000-000000000000}"/>
+          </ac:spMkLst>
+        </pc:spChg>
+        <pc:spChg chg="mod">
+          <ac:chgData name="Mariusz" userId="ca8d45ae-21cb-4030-bbab-1d3a5fb8cc81" providerId="ADAL" clId="{9175EAAB-6DAF-40B5-B3E8-C7AAB6B2C322}" dt="2020-05-31T15:23:08.757" v="57"/>
+          <ac:spMkLst>
+            <pc:docMk/>
+            <pc:sldMk cId="2904689659" sldId="299"/>
+            <ac:spMk id="7" creationId="{FAF481DB-645F-4FB5-8004-E5894F127871}"/>
+          </ac:spMkLst>
+        </pc:spChg>
+        <pc:picChg chg="mod">
+          <ac:chgData name="Mariusz" userId="ca8d45ae-21cb-4030-bbab-1d3a5fb8cc81" providerId="ADAL" clId="{9175EAAB-6DAF-40B5-B3E8-C7AAB6B2C322}" dt="2020-05-31T15:23:08.757" v="57"/>
+          <ac:picMkLst>
+            <pc:docMk/>
+            <pc:sldMk cId="2904689659" sldId="299"/>
+            <ac:picMk id="3" creationId="{13BCACCB-A39F-461F-8F5B-EF30887F8D2E}"/>
+          </ac:picMkLst>
+        </pc:picChg>
+      </pc:sldChg>
+      <pc:sldChg chg="modSp del ord">
+        <pc:chgData name="Mariusz" userId="ca8d45ae-21cb-4030-bbab-1d3a5fb8cc81" providerId="ADAL" clId="{9175EAAB-6DAF-40B5-B3E8-C7AAB6B2C322}" dt="2020-05-31T19:35:51.951" v="136" actId="47"/>
+        <pc:sldMkLst>
+          <pc:docMk/>
+          <pc:sldMk cId="1349795041" sldId="300"/>
+        </pc:sldMkLst>
+        <pc:spChg chg="mod">
+          <ac:chgData name="Mariusz" userId="ca8d45ae-21cb-4030-bbab-1d3a5fb8cc81" providerId="ADAL" clId="{9175EAAB-6DAF-40B5-B3E8-C7AAB6B2C322}" dt="2020-05-31T15:23:08.757" v="57"/>
+          <ac:spMkLst>
+            <pc:docMk/>
+            <pc:sldMk cId="1349795041" sldId="300"/>
+            <ac:spMk id="2" creationId="{D0E43337-D8D6-4D1B-8B2C-757A12075907}"/>
+          </ac:spMkLst>
+        </pc:spChg>
+        <pc:spChg chg="mod">
+          <ac:chgData name="Mariusz" userId="ca8d45ae-21cb-4030-bbab-1d3a5fb8cc81" providerId="ADAL" clId="{9175EAAB-6DAF-40B5-B3E8-C7AAB6B2C322}" dt="2020-05-31T15:23:08.757" v="57"/>
+          <ac:spMkLst>
+            <pc:docMk/>
+            <pc:sldMk cId="1349795041" sldId="300"/>
+            <ac:spMk id="4" creationId="{00000000-0000-0000-0000-000000000000}"/>
+          </ac:spMkLst>
+        </pc:spChg>
+        <pc:spChg chg="mod">
+          <ac:chgData name="Mariusz" userId="ca8d45ae-21cb-4030-bbab-1d3a5fb8cc81" providerId="ADAL" clId="{9175EAAB-6DAF-40B5-B3E8-C7AAB6B2C322}" dt="2020-05-31T15:23:08.757" v="57"/>
+          <ac:spMkLst>
+            <pc:docMk/>
+            <pc:sldMk cId="1349795041" sldId="300"/>
+            <ac:spMk id="5" creationId="{B1FB34DD-B873-4AE1-A606-E4D4E5703A2C}"/>
+          </ac:spMkLst>
+        </pc:spChg>
+        <pc:spChg chg="mod">
+          <ac:chgData name="Mariusz" userId="ca8d45ae-21cb-4030-bbab-1d3a5fb8cc81" providerId="ADAL" clId="{9175EAAB-6DAF-40B5-B3E8-C7AAB6B2C322}" dt="2020-05-31T15:23:08.757" v="57"/>
+          <ac:spMkLst>
+            <pc:docMk/>
+            <pc:sldMk cId="1349795041" sldId="300"/>
+            <ac:spMk id="6" creationId="{00000000-0000-0000-0000-000000000000}"/>
+          </ac:spMkLst>
+        </pc:spChg>
+        <pc:spChg chg="mod">
+          <ac:chgData name="Mariusz" userId="ca8d45ae-21cb-4030-bbab-1d3a5fb8cc81" providerId="ADAL" clId="{9175EAAB-6DAF-40B5-B3E8-C7AAB6B2C322}" dt="2020-05-31T15:23:08.757" v="57"/>
+          <ac:spMkLst>
+            <pc:docMk/>
+            <pc:sldMk cId="1349795041" sldId="300"/>
+            <ac:spMk id="7" creationId="{C868F709-E552-47B3-965E-099FA3E8564E}"/>
+          </ac:spMkLst>
+        </pc:spChg>
+        <pc:picChg chg="mod">
+          <ac:chgData name="Mariusz" userId="ca8d45ae-21cb-4030-bbab-1d3a5fb8cc81" providerId="ADAL" clId="{9175EAAB-6DAF-40B5-B3E8-C7AAB6B2C322}" dt="2020-05-31T15:23:08.757" v="57"/>
+          <ac:picMkLst>
+            <pc:docMk/>
+            <pc:sldMk cId="1349795041" sldId="300"/>
+            <ac:picMk id="3" creationId="{13BCACCB-A39F-461F-8F5B-EF30887F8D2E}"/>
+          </ac:picMkLst>
+        </pc:picChg>
+      </pc:sldChg>
+      <pc:sldChg chg="addSp delSp modSp del ord">
+        <pc:chgData name="Mariusz" userId="ca8d45ae-21cb-4030-bbab-1d3a5fb8cc81" providerId="ADAL" clId="{9175EAAB-6DAF-40B5-B3E8-C7AAB6B2C322}" dt="2020-05-31T19:31:39.890" v="109" actId="47"/>
+        <pc:sldMkLst>
+          <pc:docMk/>
+          <pc:sldMk cId="3191656865" sldId="303"/>
+        </pc:sldMkLst>
+        <pc:spChg chg="mod">
+          <ac:chgData name="Mariusz" userId="ca8d45ae-21cb-4030-bbab-1d3a5fb8cc81" providerId="ADAL" clId="{9175EAAB-6DAF-40B5-B3E8-C7AAB6B2C322}" dt="2020-05-31T15:23:08.757" v="57"/>
+          <ac:spMkLst>
+            <pc:docMk/>
+            <pc:sldMk cId="3191656865" sldId="303"/>
+            <ac:spMk id="2" creationId="{2267B48C-3541-4FCD-BF2A-47193A6BB3C8}"/>
+          </ac:spMkLst>
+        </pc:spChg>
+        <pc:spChg chg="mod">
+          <ac:chgData name="Mariusz" userId="ca8d45ae-21cb-4030-bbab-1d3a5fb8cc81" providerId="ADAL" clId="{9175EAAB-6DAF-40B5-B3E8-C7AAB6B2C322}" dt="2020-05-31T15:23:08.757" v="57"/>
+          <ac:spMkLst>
+            <pc:docMk/>
+            <pc:sldMk cId="3191656865" sldId="303"/>
+            <ac:spMk id="3" creationId="{53C31F9F-67D0-448F-B7F0-536930F71665}"/>
+          </ac:spMkLst>
+        </pc:spChg>
+        <pc:spChg chg="add del mod">
+          <ac:chgData name="Mariusz" userId="ca8d45ae-21cb-4030-bbab-1d3a5fb8cc81" providerId="ADAL" clId="{9175EAAB-6DAF-40B5-B3E8-C7AAB6B2C322}" dt="2020-05-31T14:46:54.643" v="4"/>
+          <ac:spMkLst>
+            <pc:docMk/>
+            <pc:sldMk cId="3191656865" sldId="303"/>
+            <ac:spMk id="5" creationId="{28E1F4A0-CB6B-4BCC-BF3E-6440C866B8F3}"/>
+          </ac:spMkLst>
+        </pc:spChg>
+        <pc:spChg chg="mod">
+          <ac:chgData name="Mariusz" userId="ca8d45ae-21cb-4030-bbab-1d3a5fb8cc81" providerId="ADAL" clId="{9175EAAB-6DAF-40B5-B3E8-C7AAB6B2C322}" dt="2020-05-31T15:23:08.757" v="57"/>
+          <ac:spMkLst>
+            <pc:docMk/>
+            <pc:sldMk cId="3191656865" sldId="303"/>
+            <ac:spMk id="6" creationId="{C48B26DC-A38F-4CC7-A070-6E6897F132ED}"/>
+          </ac:spMkLst>
+        </pc:spChg>
+        <pc:spChg chg="mod">
+          <ac:chgData name="Mariusz" userId="ca8d45ae-21cb-4030-bbab-1d3a5fb8cc81" providerId="ADAL" clId="{9175EAAB-6DAF-40B5-B3E8-C7AAB6B2C322}" dt="2020-05-31T15:23:08.757" v="57"/>
+          <ac:spMkLst>
+            <pc:docMk/>
+            <pc:sldMk cId="3191656865" sldId="303"/>
+            <ac:spMk id="7" creationId="{076BC542-37E2-470F-AAD8-1B8C920F758A}"/>
+          </ac:spMkLst>
+        </pc:spChg>
+        <pc:picChg chg="mod">
+          <ac:chgData name="Mariusz" userId="ca8d45ae-21cb-4030-bbab-1d3a5fb8cc81" providerId="ADAL" clId="{9175EAAB-6DAF-40B5-B3E8-C7AAB6B2C322}" dt="2020-05-31T15:23:08.757" v="57"/>
+          <ac:picMkLst>
+            <pc:docMk/>
+            <pc:sldMk cId="3191656865" sldId="303"/>
+            <ac:picMk id="4" creationId="{F9CD8587-6D0C-4CBC-A834-EB12BC217283}"/>
+          </ac:picMkLst>
+        </pc:picChg>
+      </pc:sldChg>
+      <pc:sldChg chg="modSp del mod ord">
+        <pc:chgData name="Mariusz" userId="ca8d45ae-21cb-4030-bbab-1d3a5fb8cc81" providerId="ADAL" clId="{9175EAAB-6DAF-40B5-B3E8-C7AAB6B2C322}" dt="2020-05-31T19:35:32.312" v="135" actId="47"/>
+        <pc:sldMkLst>
+          <pc:docMk/>
+          <pc:sldMk cId="3677050555" sldId="304"/>
+        </pc:sldMkLst>
+        <pc:spChg chg="mod">
+          <ac:chgData name="Mariusz" userId="ca8d45ae-21cb-4030-bbab-1d3a5fb8cc81" providerId="ADAL" clId="{9175EAAB-6DAF-40B5-B3E8-C7AAB6B2C322}" dt="2020-05-31T15:23:27.816" v="64" actId="27636"/>
+          <ac:spMkLst>
+            <pc:docMk/>
+            <pc:sldMk cId="3677050555" sldId="304"/>
+            <ac:spMk id="2" creationId="{2267B48C-3541-4FCD-BF2A-47193A6BB3C8}"/>
+          </ac:spMkLst>
+        </pc:spChg>
+        <pc:spChg chg="mod">
+          <ac:chgData name="Mariusz" userId="ca8d45ae-21cb-4030-bbab-1d3a5fb8cc81" providerId="ADAL" clId="{9175EAAB-6DAF-40B5-B3E8-C7AAB6B2C322}" dt="2020-05-31T15:23:08.757" v="57"/>
+          <ac:spMkLst>
+            <pc:docMk/>
+            <pc:sldMk cId="3677050555" sldId="304"/>
+            <ac:spMk id="3" creationId="{53C31F9F-67D0-448F-B7F0-536930F71665}"/>
+          </ac:spMkLst>
+        </pc:spChg>
+        <pc:spChg chg="mod">
+          <ac:chgData name="Mariusz" userId="ca8d45ae-21cb-4030-bbab-1d3a5fb8cc81" providerId="ADAL" clId="{9175EAAB-6DAF-40B5-B3E8-C7AAB6B2C322}" dt="2020-05-31T15:23:08.757" v="57"/>
+          <ac:spMkLst>
+            <pc:docMk/>
+            <pc:sldMk cId="3677050555" sldId="304"/>
+            <ac:spMk id="5" creationId="{C28F3100-EAAA-490C-8083-30D60BEAAACA}"/>
+          </ac:spMkLst>
+        </pc:spChg>
+        <pc:spChg chg="mod">
+          <ac:chgData name="Mariusz" userId="ca8d45ae-21cb-4030-bbab-1d3a5fb8cc81" providerId="ADAL" clId="{9175EAAB-6DAF-40B5-B3E8-C7AAB6B2C322}" dt="2020-05-31T15:23:08.757" v="57"/>
+          <ac:spMkLst>
+            <pc:docMk/>
+            <pc:sldMk cId="3677050555" sldId="304"/>
+            <ac:spMk id="6" creationId="{C07B6BAF-CD58-48C6-BCB9-073713DDED3A}"/>
+          </ac:spMkLst>
+        </pc:spChg>
+        <pc:picChg chg="mod">
+          <ac:chgData name="Mariusz" userId="ca8d45ae-21cb-4030-bbab-1d3a5fb8cc81" providerId="ADAL" clId="{9175EAAB-6DAF-40B5-B3E8-C7AAB6B2C322}" dt="2020-05-31T15:23:08.757" v="57"/>
+          <ac:picMkLst>
+            <pc:docMk/>
+            <pc:sldMk cId="3677050555" sldId="304"/>
+            <ac:picMk id="4" creationId="{F9CD8587-6D0C-4CBC-A834-EB12BC217283}"/>
+          </ac:picMkLst>
+        </pc:picChg>
+      </pc:sldChg>
+      <pc:sldChg chg="modSp del mod ord">
+        <pc:chgData name="Mariusz" userId="ca8d45ae-21cb-4030-bbab-1d3a5fb8cc81" providerId="ADAL" clId="{9175EAAB-6DAF-40B5-B3E8-C7AAB6B2C322}" dt="2020-05-31T19:35:32.312" v="135" actId="47"/>
+        <pc:sldMkLst>
+          <pc:docMk/>
+          <pc:sldMk cId="2800598370" sldId="305"/>
+        </pc:sldMkLst>
+        <pc:spChg chg="mod">
+          <ac:chgData name="Mariusz" userId="ca8d45ae-21cb-4030-bbab-1d3a5fb8cc81" providerId="ADAL" clId="{9175EAAB-6DAF-40B5-B3E8-C7AAB6B2C322}" dt="2020-05-31T15:23:27.832" v="66" actId="27636"/>
+          <ac:spMkLst>
+            <pc:docMk/>
+            <pc:sldMk cId="2800598370" sldId="305"/>
+            <ac:spMk id="2" creationId="{2267B48C-3541-4FCD-BF2A-47193A6BB3C8}"/>
+          </ac:spMkLst>
+        </pc:spChg>
+        <pc:spChg chg="mod">
+          <ac:chgData name="Mariusz" userId="ca8d45ae-21cb-4030-bbab-1d3a5fb8cc81" providerId="ADAL" clId="{9175EAAB-6DAF-40B5-B3E8-C7AAB6B2C322}" dt="2020-05-31T15:23:08.757" v="57"/>
+          <ac:spMkLst>
+            <pc:docMk/>
+            <pc:sldMk cId="2800598370" sldId="305"/>
+            <ac:spMk id="3" creationId="{53C31F9F-67D0-448F-B7F0-536930F71665}"/>
+          </ac:spMkLst>
+        </pc:spChg>
+        <pc:spChg chg="mod">
+          <ac:chgData name="Mariusz" userId="ca8d45ae-21cb-4030-bbab-1d3a5fb8cc81" providerId="ADAL" clId="{9175EAAB-6DAF-40B5-B3E8-C7AAB6B2C322}" dt="2020-05-31T15:23:08.757" v="57"/>
+          <ac:spMkLst>
+            <pc:docMk/>
+            <pc:sldMk cId="2800598370" sldId="305"/>
+            <ac:spMk id="5" creationId="{EF4C5829-64E4-4AC2-9AA2-000B336D2BD7}"/>
+          </ac:spMkLst>
+        </pc:spChg>
+        <pc:spChg chg="mod">
+          <ac:chgData name="Mariusz" userId="ca8d45ae-21cb-4030-bbab-1d3a5fb8cc81" providerId="ADAL" clId="{9175EAAB-6DAF-40B5-B3E8-C7AAB6B2C322}" dt="2020-05-31T15:23:08.757" v="57"/>
+          <ac:spMkLst>
+            <pc:docMk/>
+            <pc:sldMk cId="2800598370" sldId="305"/>
+            <ac:spMk id="6" creationId="{722DA2E8-D80F-4463-B2A1-8803A092C8A1}"/>
+          </ac:spMkLst>
+        </pc:spChg>
+        <pc:picChg chg="mod">
+          <ac:chgData name="Mariusz" userId="ca8d45ae-21cb-4030-bbab-1d3a5fb8cc81" providerId="ADAL" clId="{9175EAAB-6DAF-40B5-B3E8-C7AAB6B2C322}" dt="2020-05-31T15:23:08.757" v="57"/>
+          <ac:picMkLst>
+            <pc:docMk/>
+            <pc:sldMk cId="2800598370" sldId="305"/>
+            <ac:picMk id="4" creationId="{F9CD8587-6D0C-4CBC-A834-EB12BC217283}"/>
+          </ac:picMkLst>
+        </pc:picChg>
+      </pc:sldChg>
+      <pc:sldChg chg="modSp del ord modNotes">
+        <pc:chgData name="Mariusz" userId="ca8d45ae-21cb-4030-bbab-1d3a5fb8cc81" providerId="ADAL" clId="{9175EAAB-6DAF-40B5-B3E8-C7AAB6B2C322}" dt="2020-05-31T19:35:51.951" v="136" actId="47"/>
+        <pc:sldMkLst>
+          <pc:docMk/>
+          <pc:sldMk cId="3502692777" sldId="306"/>
+        </pc:sldMkLst>
+        <pc:spChg chg="mod">
+          <ac:chgData name="Mariusz" userId="ca8d45ae-21cb-4030-bbab-1d3a5fb8cc81" providerId="ADAL" clId="{9175EAAB-6DAF-40B5-B3E8-C7AAB6B2C322}" dt="2020-05-31T15:23:08.757" v="57"/>
+          <ac:spMkLst>
+            <pc:docMk/>
+            <pc:sldMk cId="3502692777" sldId="306"/>
+            <ac:spMk id="2" creationId="{2267B48C-3541-4FCD-BF2A-47193A6BB3C8}"/>
+          </ac:spMkLst>
+        </pc:spChg>
+        <pc:spChg chg="mod">
+          <ac:chgData name="Mariusz" userId="ca8d45ae-21cb-4030-bbab-1d3a5fb8cc81" providerId="ADAL" clId="{9175EAAB-6DAF-40B5-B3E8-C7AAB6B2C322}" dt="2020-05-31T15:23:08.757" v="57"/>
+          <ac:spMkLst>
+            <pc:docMk/>
+            <pc:sldMk cId="3502692777" sldId="306"/>
+            <ac:spMk id="3" creationId="{53C31F9F-67D0-448F-B7F0-536930F71665}"/>
+          </ac:spMkLst>
+        </pc:spChg>
+        <pc:spChg chg="mod">
+          <ac:chgData name="Mariusz" userId="ca8d45ae-21cb-4030-bbab-1d3a5fb8cc81" providerId="ADAL" clId="{9175EAAB-6DAF-40B5-B3E8-C7AAB6B2C322}" dt="2020-05-31T15:23:08.757" v="57"/>
+          <ac:spMkLst>
+            <pc:docMk/>
+            <pc:sldMk cId="3502692777" sldId="306"/>
+            <ac:spMk id="5" creationId="{6FFCF9D2-800A-4E0A-8CCE-B4A73F41AD67}"/>
+          </ac:spMkLst>
+        </pc:spChg>
+        <pc:spChg chg="mod">
+          <ac:chgData name="Mariusz" userId="ca8d45ae-21cb-4030-bbab-1d3a5fb8cc81" providerId="ADAL" clId="{9175EAAB-6DAF-40B5-B3E8-C7AAB6B2C322}" dt="2020-05-31T15:23:08.757" v="57"/>
+          <ac:spMkLst>
+            <pc:docMk/>
+            <pc:sldMk cId="3502692777" sldId="306"/>
+            <ac:spMk id="6" creationId="{D6CCF39F-821C-4AFF-BB8F-2C90C0577DC6}"/>
+          </ac:spMkLst>
+        </pc:spChg>
+        <pc:picChg chg="mod">
+          <ac:chgData name="Mariusz" userId="ca8d45ae-21cb-4030-bbab-1d3a5fb8cc81" providerId="ADAL" clId="{9175EAAB-6DAF-40B5-B3E8-C7AAB6B2C322}" dt="2020-05-31T15:23:08.757" v="57"/>
+          <ac:picMkLst>
+            <pc:docMk/>
+            <pc:sldMk cId="3502692777" sldId="306"/>
+            <ac:picMk id="4" creationId="{F9CD8587-6D0C-4CBC-A834-EB12BC217283}"/>
+          </ac:picMkLst>
+        </pc:picChg>
+      </pc:sldChg>
+      <pc:sldChg chg="modSp del mod ord">
+        <pc:chgData name="Mariusz" userId="ca8d45ae-21cb-4030-bbab-1d3a5fb8cc81" providerId="ADAL" clId="{9175EAAB-6DAF-40B5-B3E8-C7AAB6B2C322}" dt="2020-05-31T19:35:32.312" v="135" actId="47"/>
+        <pc:sldMkLst>
+          <pc:docMk/>
+          <pc:sldMk cId="1920225584" sldId="307"/>
+        </pc:sldMkLst>
+        <pc:spChg chg="mod">
+          <ac:chgData name="Mariusz" userId="ca8d45ae-21cb-4030-bbab-1d3a5fb8cc81" providerId="ADAL" clId="{9175EAAB-6DAF-40B5-B3E8-C7AAB6B2C322}" dt="2020-05-31T15:23:27.827" v="65" actId="27636"/>
+          <ac:spMkLst>
+            <pc:docMk/>
+            <pc:sldMk cId="1920225584" sldId="307"/>
+            <ac:spMk id="2" creationId="{2267B48C-3541-4FCD-BF2A-47193A6BB3C8}"/>
+          </ac:spMkLst>
+        </pc:spChg>
+        <pc:spChg chg="mod">
+          <ac:chgData name="Mariusz" userId="ca8d45ae-21cb-4030-bbab-1d3a5fb8cc81" providerId="ADAL" clId="{9175EAAB-6DAF-40B5-B3E8-C7AAB6B2C322}" dt="2020-05-31T15:23:08.757" v="57"/>
+          <ac:spMkLst>
+            <pc:docMk/>
+            <pc:sldMk cId="1920225584" sldId="307"/>
+            <ac:spMk id="3" creationId="{53C31F9F-67D0-448F-B7F0-536930F71665}"/>
+          </ac:spMkLst>
+        </pc:spChg>
+        <pc:spChg chg="mod">
+          <ac:chgData name="Mariusz" userId="ca8d45ae-21cb-4030-bbab-1d3a5fb8cc81" providerId="ADAL" clId="{9175EAAB-6DAF-40B5-B3E8-C7AAB6B2C322}" dt="2020-05-31T15:23:08.757" v="57"/>
+          <ac:spMkLst>
+            <pc:docMk/>
+            <pc:sldMk cId="1920225584" sldId="307"/>
+            <ac:spMk id="5" creationId="{CEA4284D-D2D5-43EE-8B9C-4F837318D2B7}"/>
+          </ac:spMkLst>
+        </pc:spChg>
+        <pc:spChg chg="mod">
+          <ac:chgData name="Mariusz" userId="ca8d45ae-21cb-4030-bbab-1d3a5fb8cc81" providerId="ADAL" clId="{9175EAAB-6DAF-40B5-B3E8-C7AAB6B2C322}" dt="2020-05-31T15:23:08.757" v="57"/>
+          <ac:spMkLst>
+            <pc:docMk/>
+            <pc:sldMk cId="1920225584" sldId="307"/>
+            <ac:spMk id="6" creationId="{A1A04A86-C57D-4807-B34E-410B2436F441}"/>
+          </ac:spMkLst>
+        </pc:spChg>
+        <pc:picChg chg="mod">
+          <ac:chgData name="Mariusz" userId="ca8d45ae-21cb-4030-bbab-1d3a5fb8cc81" providerId="ADAL" clId="{9175EAAB-6DAF-40B5-B3E8-C7AAB6B2C322}" dt="2020-05-31T15:23:08.757" v="57"/>
+          <ac:picMkLst>
+            <pc:docMk/>
+            <pc:sldMk cId="1920225584" sldId="307"/>
+            <ac:picMk id="4" creationId="{F9CD8587-6D0C-4CBC-A834-EB12BC217283}"/>
+          </ac:picMkLst>
+        </pc:picChg>
+      </pc:sldChg>
+      <pc:sldChg chg="modSp mod modShow modNotesTx">
+        <pc:chgData name="Mariusz" userId="ca8d45ae-21cb-4030-bbab-1d3a5fb8cc81" providerId="ADAL" clId="{9175EAAB-6DAF-40B5-B3E8-C7AAB6B2C322}" dt="2020-06-03T11:16:49.125" v="3194" actId="729"/>
+        <pc:sldMkLst>
+          <pc:docMk/>
+          <pc:sldMk cId="592580773" sldId="308"/>
+        </pc:sldMkLst>
+        <pc:spChg chg="mod">
+          <ac:chgData name="Mariusz" userId="ca8d45ae-21cb-4030-bbab-1d3a5fb8cc81" providerId="ADAL" clId="{9175EAAB-6DAF-40B5-B3E8-C7AAB6B2C322}" dt="2020-05-31T15:23:08.757" v="57"/>
+          <ac:spMkLst>
+            <pc:docMk/>
+            <pc:sldMk cId="592580773" sldId="308"/>
+            <ac:spMk id="2" creationId="{82497F57-BA05-4982-A069-6521BDED148E}"/>
+          </ac:spMkLst>
+        </pc:spChg>
+        <pc:spChg chg="mod">
+          <ac:chgData name="Mariusz" userId="ca8d45ae-21cb-4030-bbab-1d3a5fb8cc81" providerId="ADAL" clId="{9175EAAB-6DAF-40B5-B3E8-C7AAB6B2C322}" dt="2020-05-31T15:23:08.757" v="57"/>
+          <ac:spMkLst>
+            <pc:docMk/>
+            <pc:sldMk cId="592580773" sldId="308"/>
+            <ac:spMk id="3" creationId="{4C72A5F0-F628-4ADE-8415-CEA2FBB6BF04}"/>
+          </ac:spMkLst>
+        </pc:spChg>
+        <pc:spChg chg="mod">
+          <ac:chgData name="Mariusz" userId="ca8d45ae-21cb-4030-bbab-1d3a5fb8cc81" providerId="ADAL" clId="{9175EAAB-6DAF-40B5-B3E8-C7AAB6B2C322}" dt="2020-05-31T15:23:08.757" v="57"/>
+          <ac:spMkLst>
+            <pc:docMk/>
+            <pc:sldMk cId="592580773" sldId="308"/>
+            <ac:spMk id="4" creationId="{92A0B153-C864-422A-B1DF-54CE120944CE}"/>
+          </ac:spMkLst>
+        </pc:spChg>
+        <pc:spChg chg="mod">
+          <ac:chgData name="Mariusz" userId="ca8d45ae-21cb-4030-bbab-1d3a5fb8cc81" providerId="ADAL" clId="{9175EAAB-6DAF-40B5-B3E8-C7AAB6B2C322}" dt="2020-05-31T15:23:08.757" v="57"/>
+          <ac:spMkLst>
+            <pc:docMk/>
+            <pc:sldMk cId="592580773" sldId="308"/>
+            <ac:spMk id="5" creationId="{0751BF7C-5F5F-41FB-9A69-09CAD28C500F}"/>
+          </ac:spMkLst>
+        </pc:spChg>
+        <pc:spChg chg="mod">
+          <ac:chgData name="Mariusz" userId="ca8d45ae-21cb-4030-bbab-1d3a5fb8cc81" providerId="ADAL" clId="{9175EAAB-6DAF-40B5-B3E8-C7AAB6B2C322}" dt="2020-05-31T19:18:24.333" v="104" actId="1076"/>
+          <ac:spMkLst>
+            <pc:docMk/>
+            <pc:sldMk cId="592580773" sldId="308"/>
+            <ac:spMk id="6" creationId="{E10CB103-022A-4B2D-85D9-D2B4C884CA3C}"/>
+          </ac:spMkLst>
+        </pc:spChg>
+      </pc:sldChg>
+      <pc:sldChg chg="addSp delSp modSp add mod ord modNotes modNotesTx">
+        <pc:chgData name="Mariusz" userId="ca8d45ae-21cb-4030-bbab-1d3a5fb8cc81" providerId="ADAL" clId="{9175EAAB-6DAF-40B5-B3E8-C7AAB6B2C322}" dt="2020-06-03T08:50:26.129" v="2603" actId="27636"/>
+        <pc:sldMkLst>
+          <pc:docMk/>
+          <pc:sldMk cId="2454344243" sldId="309"/>
+        </pc:sldMkLst>
+        <pc:spChg chg="mod">
+          <ac:chgData name="Mariusz" userId="ca8d45ae-21cb-4030-bbab-1d3a5fb8cc81" providerId="ADAL" clId="{9175EAAB-6DAF-40B5-B3E8-C7AAB6B2C322}" dt="2020-05-31T15:23:08.757" v="57"/>
+          <ac:spMkLst>
+            <pc:docMk/>
+            <pc:sldMk cId="2454344243" sldId="309"/>
+            <ac:spMk id="2" creationId="{2267B48C-3541-4FCD-BF2A-47193A6BB3C8}"/>
+          </ac:spMkLst>
+        </pc:spChg>
+        <pc:spChg chg="add del mod">
+          <ac:chgData name="Mariusz" userId="ca8d45ae-21cb-4030-bbab-1d3a5fb8cc81" providerId="ADAL" clId="{9175EAAB-6DAF-40B5-B3E8-C7AAB6B2C322}" dt="2020-05-31T15:12:54.580" v="8"/>
+          <ac:spMkLst>
+            <pc:docMk/>
+            <pc:sldMk cId="2454344243" sldId="309"/>
+            <ac:spMk id="3" creationId="{9DD4D212-8959-46B2-ACD8-95105468C240}"/>
+          </ac:spMkLst>
+        </pc:spChg>
+        <pc:spChg chg="add mod">
+          <ac:chgData name="Mariusz" userId="ca8d45ae-21cb-4030-bbab-1d3a5fb8cc81" providerId="ADAL" clId="{9175EAAB-6DAF-40B5-B3E8-C7AAB6B2C322}" dt="2020-06-01T11:46:47.454" v="887" actId="14100"/>
+          <ac:spMkLst>
+            <pc:docMk/>
+            <pc:sldMk cId="2454344243" sldId="309"/>
+            <ac:spMk id="3" creationId="{DB677CEC-82DD-46D3-9C08-336CEDEE50E8}"/>
+          </ac:spMkLst>
+        </pc:spChg>
+        <pc:spChg chg="add del mod">
+          <ac:chgData name="Mariusz" userId="ca8d45ae-21cb-4030-bbab-1d3a5fb8cc81" providerId="ADAL" clId="{9175EAAB-6DAF-40B5-B3E8-C7AAB6B2C322}" dt="2020-05-31T15:12:54.580" v="8"/>
+          <ac:spMkLst>
+            <pc:docMk/>
+            <pc:sldMk cId="2454344243" sldId="309"/>
+            <ac:spMk id="4" creationId="{9141067A-E5FD-4C2B-9CD9-10B0DB11D003}"/>
+          </ac:spMkLst>
+        </pc:spChg>
+        <pc:spChg chg="add del mod">
+          <ac:chgData name="Mariusz" userId="ca8d45ae-21cb-4030-bbab-1d3a5fb8cc81" providerId="ADAL" clId="{9175EAAB-6DAF-40B5-B3E8-C7AAB6B2C322}" dt="2020-05-31T15:12:54.580" v="8"/>
+          <ac:spMkLst>
+            <pc:docMk/>
+            <pc:sldMk cId="2454344243" sldId="309"/>
+            <ac:spMk id="5" creationId="{2C8B3345-F2EB-48D0-AF59-272150513752}"/>
+          </ac:spMkLst>
+        </pc:spChg>
+        <pc:spChg chg="mod">
+          <ac:chgData name="Mariusz" userId="ca8d45ae-21cb-4030-bbab-1d3a5fb8cc81" providerId="ADAL" clId="{9175EAAB-6DAF-40B5-B3E8-C7AAB6B2C322}" dt="2020-05-31T15:23:08.757" v="57"/>
+          <ac:spMkLst>
+            <pc:docMk/>
+            <pc:sldMk cId="2454344243" sldId="309"/>
+            <ac:spMk id="7" creationId="{8A06BDFD-9482-4A1C-B739-3F1359021C19}"/>
+          </ac:spMkLst>
+        </pc:spChg>
+        <pc:spChg chg="mod">
+          <ac:chgData name="Mariusz" userId="ca8d45ae-21cb-4030-bbab-1d3a5fb8cc81" providerId="ADAL" clId="{9175EAAB-6DAF-40B5-B3E8-C7AAB6B2C322}" dt="2020-05-31T15:23:08.757" v="57"/>
+          <ac:spMkLst>
+            <pc:docMk/>
+            <pc:sldMk cId="2454344243" sldId="309"/>
+            <ac:spMk id="8" creationId="{E1F88EB7-DDDB-46DB-BB78-CFB3C11794DE}"/>
+          </ac:spMkLst>
+        </pc:spChg>
+        <pc:spChg chg="add del mod">
+          <ac:chgData name="Mariusz" userId="ca8d45ae-21cb-4030-bbab-1d3a5fb8cc81" providerId="ADAL" clId="{9175EAAB-6DAF-40B5-B3E8-C7AAB6B2C322}" dt="2020-05-31T15:17:01.303" v="22"/>
+          <ac:spMkLst>
+            <pc:docMk/>
+            <pc:sldMk cId="2454344243" sldId="309"/>
+            <ac:spMk id="9" creationId="{9B2CDC6C-CF43-4AA6-BF7E-833BC29CA625}"/>
+          </ac:spMkLst>
+        </pc:spChg>
+        <pc:spChg chg="add mod">
+          <ac:chgData name="Mariusz" userId="ca8d45ae-21cb-4030-bbab-1d3a5fb8cc81" providerId="ADAL" clId="{9175EAAB-6DAF-40B5-B3E8-C7AAB6B2C322}" dt="2020-06-01T11:47:13.813" v="902" actId="1076"/>
+          <ac:spMkLst>
+            <pc:docMk/>
+            <pc:sldMk cId="2454344243" sldId="309"/>
+            <ac:spMk id="9" creationId="{CD525EC3-63EB-46BB-9AA9-2685635E2F85}"/>
+          </ac:spMkLst>
+        </pc:spChg>
+        <pc:spChg chg="add del mod">
+          <ac:chgData name="Mariusz" userId="ca8d45ae-21cb-4030-bbab-1d3a5fb8cc81" providerId="ADAL" clId="{9175EAAB-6DAF-40B5-B3E8-C7AAB6B2C322}" dt="2020-05-31T15:17:01.303" v="22"/>
+          <ac:spMkLst>
+            <pc:docMk/>
+            <pc:sldMk cId="2454344243" sldId="309"/>
+            <ac:spMk id="10" creationId="{12885622-FA47-4A0D-94A1-7B5D7EC09C0A}"/>
+          </ac:spMkLst>
+        </pc:spChg>
+        <pc:spChg chg="add del mod">
+          <ac:chgData name="Mariusz" userId="ca8d45ae-21cb-4030-bbab-1d3a5fb8cc81" providerId="ADAL" clId="{9175EAAB-6DAF-40B5-B3E8-C7AAB6B2C322}" dt="2020-05-31T15:17:01.303" v="22"/>
+          <ac:spMkLst>
+            <pc:docMk/>
+            <pc:sldMk cId="2454344243" sldId="309"/>
+            <ac:spMk id="11" creationId="{57298EA5-A312-483D-B88C-CE7A7208FE5E}"/>
+          </ac:spMkLst>
+        </pc:spChg>
+        <pc:picChg chg="mod">
+          <ac:chgData name="Mariusz" userId="ca8d45ae-21cb-4030-bbab-1d3a5fb8cc81" providerId="ADAL" clId="{9175EAAB-6DAF-40B5-B3E8-C7AAB6B2C322}" dt="2020-05-31T19:34:26.568" v="128" actId="1076"/>
+          <ac:picMkLst>
+            <pc:docMk/>
+            <pc:sldMk cId="2454344243" sldId="309"/>
+            <ac:picMk id="6" creationId="{4FFE1B58-4F2A-4BBD-B951-A4BB01497AB7}"/>
+          </ac:picMkLst>
+        </pc:picChg>
+      </pc:sldChg>
+      <pc:sldChg chg="add del ord">
+        <pc:chgData name="Mariusz" userId="ca8d45ae-21cb-4030-bbab-1d3a5fb8cc81" providerId="ADAL" clId="{9175EAAB-6DAF-40B5-B3E8-C7AAB6B2C322}" dt="2020-05-31T15:18:15.319" v="30" actId="47"/>
+        <pc:sldMkLst>
+          <pc:docMk/>
+          <pc:sldMk cId="1366631795" sldId="310"/>
+        </pc:sldMkLst>
+      </pc:sldChg>
+      <pc:sldChg chg="modSp add ord modNotesTx">
+        <pc:chgData name="Mariusz" userId="ca8d45ae-21cb-4030-bbab-1d3a5fb8cc81" providerId="ADAL" clId="{9175EAAB-6DAF-40B5-B3E8-C7AAB6B2C322}" dt="2020-06-02T16:16:20.615" v="2090" actId="20577"/>
+        <pc:sldMkLst>
+          <pc:docMk/>
+          <pc:sldMk cId="301149864" sldId="311"/>
+        </pc:sldMkLst>
+        <pc:spChg chg="mod">
+          <ac:chgData name="Mariusz" userId="ca8d45ae-21cb-4030-bbab-1d3a5fb8cc81" providerId="ADAL" clId="{9175EAAB-6DAF-40B5-B3E8-C7AAB6B2C322}" dt="2020-05-31T15:23:08.757" v="57"/>
+          <ac:spMkLst>
+            <pc:docMk/>
+            <pc:sldMk cId="301149864" sldId="311"/>
+            <ac:spMk id="2" creationId="{2267B48C-3541-4FCD-BF2A-47193A6BB3C8}"/>
+          </ac:spMkLst>
+        </pc:spChg>
+        <pc:spChg chg="mod">
+          <ac:chgData name="Mariusz" userId="ca8d45ae-21cb-4030-bbab-1d3a5fb8cc81" providerId="ADAL" clId="{9175EAAB-6DAF-40B5-B3E8-C7AAB6B2C322}" dt="2020-05-31T19:33:48.073" v="122" actId="14100"/>
+          <ac:spMkLst>
+            <pc:docMk/>
+            <pc:sldMk cId="301149864" sldId="311"/>
+            <ac:spMk id="3" creationId="{53C31F9F-67D0-448F-B7F0-536930F71665}"/>
+          </ac:spMkLst>
+        </pc:spChg>
+        <pc:spChg chg="mod">
+          <ac:chgData name="Mariusz" userId="ca8d45ae-21cb-4030-bbab-1d3a5fb8cc81" providerId="ADAL" clId="{9175EAAB-6DAF-40B5-B3E8-C7AAB6B2C322}" dt="2020-05-31T15:23:08.757" v="57"/>
+          <ac:spMkLst>
+            <pc:docMk/>
+            <pc:sldMk cId="301149864" sldId="311"/>
+            <ac:spMk id="7" creationId="{03AB2E9F-A156-4AC0-AB6B-498F2A61BC79}"/>
+          </ac:spMkLst>
+        </pc:spChg>
+        <pc:spChg chg="mod">
+          <ac:chgData name="Mariusz" userId="ca8d45ae-21cb-4030-bbab-1d3a5fb8cc81" providerId="ADAL" clId="{9175EAAB-6DAF-40B5-B3E8-C7AAB6B2C322}" dt="2020-05-31T15:23:08.757" v="57"/>
+          <ac:spMkLst>
+            <pc:docMk/>
+            <pc:sldMk cId="301149864" sldId="311"/>
+            <ac:spMk id="8" creationId="{44BDC438-A944-4DD8-98D7-720DA8520733}"/>
+          </ac:spMkLst>
+        </pc:spChg>
+        <pc:picChg chg="mod">
+          <ac:chgData name="Mariusz" userId="ca8d45ae-21cb-4030-bbab-1d3a5fb8cc81" providerId="ADAL" clId="{9175EAAB-6DAF-40B5-B3E8-C7AAB6B2C322}" dt="2020-05-31T19:33:42.384" v="120" actId="14100"/>
+          <ac:picMkLst>
+            <pc:docMk/>
+            <pc:sldMk cId="301149864" sldId="311"/>
+            <ac:picMk id="5" creationId="{A4ADF6BF-A7AF-4657-833F-2A79F6385F65}"/>
+          </ac:picMkLst>
+        </pc:picChg>
+      </pc:sldChg>
+      <pc:sldChg chg="modSp add del ord">
+        <pc:chgData name="Mariusz" userId="ca8d45ae-21cb-4030-bbab-1d3a5fb8cc81" providerId="ADAL" clId="{9175EAAB-6DAF-40B5-B3E8-C7AAB6B2C322}" dt="2020-05-31T15:32:11.214" v="103" actId="47"/>
+        <pc:sldMkLst>
+          <pc:docMk/>
+          <pc:sldMk cId="3981452236" sldId="312"/>
+        </pc:sldMkLst>
+        <pc:spChg chg="mod">
+          <ac:chgData name="Mariusz" userId="ca8d45ae-21cb-4030-bbab-1d3a5fb8cc81" providerId="ADAL" clId="{9175EAAB-6DAF-40B5-B3E8-C7AAB6B2C322}" dt="2020-05-31T15:23:08.757" v="57"/>
+          <ac:spMkLst>
+            <pc:docMk/>
+            <pc:sldMk cId="3981452236" sldId="312"/>
+            <ac:spMk id="2" creationId="{2267B48C-3541-4FCD-BF2A-47193A6BB3C8}"/>
+          </ac:spMkLst>
+        </pc:spChg>
+        <pc:spChg chg="mod">
+          <ac:chgData name="Mariusz" userId="ca8d45ae-21cb-4030-bbab-1d3a5fb8cc81" providerId="ADAL" clId="{9175EAAB-6DAF-40B5-B3E8-C7AAB6B2C322}" dt="2020-05-31T15:23:08.757" v="57"/>
+          <ac:spMkLst>
+            <pc:docMk/>
+            <pc:sldMk cId="3981452236" sldId="312"/>
+            <ac:spMk id="3" creationId="{53C31F9F-67D0-448F-B7F0-536930F71665}"/>
+          </ac:spMkLst>
+        </pc:spChg>
+        <pc:spChg chg="mod">
+          <ac:chgData name="Mariusz" userId="ca8d45ae-21cb-4030-bbab-1d3a5fb8cc81" providerId="ADAL" clId="{9175EAAB-6DAF-40B5-B3E8-C7AAB6B2C322}" dt="2020-05-31T15:23:08.757" v="57"/>
+          <ac:spMkLst>
+            <pc:docMk/>
+            <pc:sldMk cId="3981452236" sldId="312"/>
+            <ac:spMk id="7" creationId="{63E159F0-F4AB-4D71-8734-CBF71692BC3F}"/>
+          </ac:spMkLst>
+        </pc:spChg>
+        <pc:spChg chg="mod">
+          <ac:chgData name="Mariusz" userId="ca8d45ae-21cb-4030-bbab-1d3a5fb8cc81" providerId="ADAL" clId="{9175EAAB-6DAF-40B5-B3E8-C7AAB6B2C322}" dt="2020-05-31T15:23:08.757" v="57"/>
+          <ac:spMkLst>
+            <pc:docMk/>
+            <pc:sldMk cId="3981452236" sldId="312"/>
+            <ac:spMk id="8" creationId="{3AEDA07C-21EF-4D83-8276-B50211396C72}"/>
+          </ac:spMkLst>
+        </pc:spChg>
+        <pc:picChg chg="mod">
+          <ac:chgData name="Mariusz" userId="ca8d45ae-21cb-4030-bbab-1d3a5fb8cc81" providerId="ADAL" clId="{9175EAAB-6DAF-40B5-B3E8-C7AAB6B2C322}" dt="2020-05-31T15:23:08.757" v="57"/>
+          <ac:picMkLst>
+            <pc:docMk/>
+            <pc:sldMk cId="3981452236" sldId="312"/>
+            <ac:picMk id="5" creationId="{F506D9C0-56EC-4D4A-8F95-9819041AD0E8}"/>
+          </ac:picMkLst>
+        </pc:picChg>
+      </pc:sldChg>
+      <pc:sldChg chg="addSp modSp add mod ord modNotesTx">
+        <pc:chgData name="Mariusz" userId="ca8d45ae-21cb-4030-bbab-1d3a5fb8cc81" providerId="ADAL" clId="{9175EAAB-6DAF-40B5-B3E8-C7AAB6B2C322}" dt="2020-06-02T16:45:56.261" v="2520" actId="6549"/>
+        <pc:sldMkLst>
+          <pc:docMk/>
+          <pc:sldMk cId="4036683250" sldId="313"/>
+        </pc:sldMkLst>
+        <pc:spChg chg="mod">
+          <ac:chgData name="Mariusz" userId="ca8d45ae-21cb-4030-bbab-1d3a5fb8cc81" providerId="ADAL" clId="{9175EAAB-6DAF-40B5-B3E8-C7AAB6B2C322}" dt="2020-05-31T15:23:08.757" v="57"/>
+          <ac:spMkLst>
+            <pc:docMk/>
+            <pc:sldMk cId="4036683250" sldId="313"/>
+            <ac:spMk id="2" creationId="{D33EEAA6-997E-4444-92D0-820A2474B875}"/>
+          </ac:spMkLst>
+        </pc:spChg>
+        <pc:spChg chg="mod">
+          <ac:chgData name="Mariusz" userId="ca8d45ae-21cb-4030-bbab-1d3a5fb8cc81" providerId="ADAL" clId="{9175EAAB-6DAF-40B5-B3E8-C7AAB6B2C322}" dt="2020-06-02T16:36:22.138" v="2197" actId="207"/>
+          <ac:spMkLst>
+            <pc:docMk/>
+            <pc:sldMk cId="4036683250" sldId="313"/>
+            <ac:spMk id="3" creationId="{43CE69DE-C49B-4CBD-92AC-204920CB2898}"/>
+          </ac:spMkLst>
+        </pc:spChg>
+        <pc:spChg chg="mod">
+          <ac:chgData name="Mariusz" userId="ca8d45ae-21cb-4030-bbab-1d3a5fb8cc81" providerId="ADAL" clId="{9175EAAB-6DAF-40B5-B3E8-C7AAB6B2C322}" dt="2020-05-31T15:23:08.757" v="57"/>
+          <ac:spMkLst>
+            <pc:docMk/>
+            <pc:sldMk cId="4036683250" sldId="313"/>
+            <ac:spMk id="7" creationId="{965101DE-CC04-4EC7-BB2E-9DF1680B7186}"/>
+          </ac:spMkLst>
+        </pc:spChg>
+        <pc:spChg chg="mod">
+          <ac:chgData name="Mariusz" userId="ca8d45ae-21cb-4030-bbab-1d3a5fb8cc81" providerId="ADAL" clId="{9175EAAB-6DAF-40B5-B3E8-C7AAB6B2C322}" dt="2020-05-31T15:23:08.757" v="57"/>
+          <ac:spMkLst>
+            <pc:docMk/>
+            <pc:sldMk cId="4036683250" sldId="313"/>
+            <ac:spMk id="8" creationId="{39D55A83-5525-44DC-928A-8657A1439BA0}"/>
+          </ac:spMkLst>
+        </pc:spChg>
+        <pc:picChg chg="add mod ord">
+          <ac:chgData name="Mariusz" userId="ca8d45ae-21cb-4030-bbab-1d3a5fb8cc81" providerId="ADAL" clId="{9175EAAB-6DAF-40B5-B3E8-C7AAB6B2C322}" dt="2020-06-02T16:17:47.418" v="2093" actId="167"/>
+          <ac:picMkLst>
+            <pc:docMk/>
+            <pc:sldMk cId="4036683250" sldId="313"/>
+            <ac:picMk id="6" creationId="{23B6A96D-6BC5-486C-A765-60D13B5EABE5}"/>
+          </ac:picMkLst>
+        </pc:picChg>
+      </pc:sldChg>
+      <pc:sldChg chg="addSp delSp modSp add mod ord modNotes modNotesTx">
+        <pc:chgData name="Mariusz" userId="ca8d45ae-21cb-4030-bbab-1d3a5fb8cc81" providerId="ADAL" clId="{9175EAAB-6DAF-40B5-B3E8-C7AAB6B2C322}" dt="2020-06-02T17:05:06.876" v="2529" actId="14100"/>
+        <pc:sldMkLst>
+          <pc:docMk/>
+          <pc:sldMk cId="4033735028" sldId="314"/>
+        </pc:sldMkLst>
+        <pc:spChg chg="mod">
+          <ac:chgData name="Mariusz" userId="ca8d45ae-21cb-4030-bbab-1d3a5fb8cc81" providerId="ADAL" clId="{9175EAAB-6DAF-40B5-B3E8-C7AAB6B2C322}" dt="2020-05-31T19:32:39.513" v="112"/>
+          <ac:spMkLst>
+            <pc:docMk/>
+            <pc:sldMk cId="4033735028" sldId="314"/>
+            <ac:spMk id="2" creationId="{2267B48C-3541-4FCD-BF2A-47193A6BB3C8}"/>
+          </ac:spMkLst>
+        </pc:spChg>
+        <pc:spChg chg="mod">
+          <ac:chgData name="Mariusz" userId="ca8d45ae-21cb-4030-bbab-1d3a5fb8cc81" providerId="ADAL" clId="{9175EAAB-6DAF-40B5-B3E8-C7AAB6B2C322}" dt="2020-06-02T17:05:06.876" v="2529" actId="14100"/>
+          <ac:spMkLst>
+            <pc:docMk/>
+            <pc:sldMk cId="4033735028" sldId="314"/>
+            <ac:spMk id="3" creationId="{53C31F9F-67D0-448F-B7F0-536930F71665}"/>
+          </ac:spMkLst>
+        </pc:spChg>
+        <pc:spChg chg="add del mod">
+          <ac:chgData name="Mariusz" userId="ca8d45ae-21cb-4030-bbab-1d3a5fb8cc81" providerId="ADAL" clId="{9175EAAB-6DAF-40B5-B3E8-C7AAB6B2C322}" dt="2020-05-31T19:32:39.513" v="112"/>
+          <ac:spMkLst>
+            <pc:docMk/>
+            <pc:sldMk cId="4033735028" sldId="314"/>
+            <ac:spMk id="4" creationId="{47706B59-5D0D-47E8-A34E-04F2CC1987A9}"/>
+          </ac:spMkLst>
+        </pc:spChg>
+        <pc:spChg chg="add del mod">
+          <ac:chgData name="Mariusz" userId="ca8d45ae-21cb-4030-bbab-1d3a5fb8cc81" providerId="ADAL" clId="{9175EAAB-6DAF-40B5-B3E8-C7AAB6B2C322}" dt="2020-05-31T19:32:39.513" v="112"/>
+          <ac:spMkLst>
+            <pc:docMk/>
+            <pc:sldMk cId="4033735028" sldId="314"/>
+            <ac:spMk id="6" creationId="{52A88DB4-2C5B-4647-AB1A-2C11AFB2C9F4}"/>
+          </ac:spMkLst>
+        </pc:spChg>
+        <pc:spChg chg="mod">
+          <ac:chgData name="Mariusz" userId="ca8d45ae-21cb-4030-bbab-1d3a5fb8cc81" providerId="ADAL" clId="{9175EAAB-6DAF-40B5-B3E8-C7AAB6B2C322}" dt="2020-05-31T19:32:39.513" v="112"/>
+          <ac:spMkLst>
+            <pc:docMk/>
+            <pc:sldMk cId="4033735028" sldId="314"/>
+            <ac:spMk id="7" creationId="{E4473A63-2778-4865-BB66-43F9419B4A33}"/>
+          </ac:spMkLst>
+        </pc:spChg>
+        <pc:spChg chg="mod">
+          <ac:chgData name="Mariusz" userId="ca8d45ae-21cb-4030-bbab-1d3a5fb8cc81" providerId="ADAL" clId="{9175EAAB-6DAF-40B5-B3E8-C7AAB6B2C322}" dt="2020-05-31T19:32:39.513" v="112"/>
+          <ac:spMkLst>
+            <pc:docMk/>
+            <pc:sldMk cId="4033735028" sldId="314"/>
+            <ac:spMk id="8" creationId="{87A48721-012E-4BC5-84E1-B15EFFABCACF}"/>
+          </ac:spMkLst>
+        </pc:spChg>
+        <pc:spChg chg="add del mod">
+          <ac:chgData name="Mariusz" userId="ca8d45ae-21cb-4030-bbab-1d3a5fb8cc81" providerId="ADAL" clId="{9175EAAB-6DAF-40B5-B3E8-C7AAB6B2C322}" dt="2020-05-31T19:32:39.513" v="112"/>
+          <ac:spMkLst>
+            <pc:docMk/>
+            <pc:sldMk cId="4033735028" sldId="314"/>
+            <ac:spMk id="9" creationId="{39B6AEA4-C018-4780-AF9D-5B3648BD9621}"/>
+          </ac:spMkLst>
+        </pc:spChg>
+        <pc:picChg chg="mod">
+          <ac:chgData name="Mariusz" userId="ca8d45ae-21cb-4030-bbab-1d3a5fb8cc81" providerId="ADAL" clId="{9175EAAB-6DAF-40B5-B3E8-C7AAB6B2C322}" dt="2020-05-31T19:38:12.917" v="150" actId="408"/>
+          <ac:picMkLst>
+            <pc:docMk/>
+            <pc:sldMk cId="4033735028" sldId="314"/>
+            <ac:picMk id="5" creationId="{4529FB05-B73A-4A70-AD44-A01595548166}"/>
+          </ac:picMkLst>
+        </pc:picChg>
+      </pc:sldChg>
+      <pc:sldChg chg="modSp add del ord modNotes modNotesTx">
+        <pc:chgData name="Mariusz" userId="ca8d45ae-21cb-4030-bbab-1d3a5fb8cc81" providerId="ADAL" clId="{9175EAAB-6DAF-40B5-B3E8-C7AAB6B2C322}" dt="2020-06-02T17:05:33.158" v="2530" actId="2696"/>
+        <pc:sldMkLst>
+          <pc:docMk/>
+          <pc:sldMk cId="1940161501" sldId="315"/>
+        </pc:sldMkLst>
+        <pc:spChg chg="mod">
+          <ac:chgData name="Mariusz" userId="ca8d45ae-21cb-4030-bbab-1d3a5fb8cc81" providerId="ADAL" clId="{9175EAAB-6DAF-40B5-B3E8-C7AAB6B2C322}" dt="2020-05-31T19:36:39.681" v="140" actId="313"/>
+          <ac:spMkLst>
+            <pc:docMk/>
+            <pc:sldMk cId="1940161501" sldId="315"/>
+            <ac:spMk id="2" creationId="{2267B48C-3541-4FCD-BF2A-47193A6BB3C8}"/>
+          </ac:spMkLst>
+        </pc:spChg>
+        <pc:spChg chg="mod">
+          <ac:chgData name="Mariusz" userId="ca8d45ae-21cb-4030-bbab-1d3a5fb8cc81" providerId="ADAL" clId="{9175EAAB-6DAF-40B5-B3E8-C7AAB6B2C322}" dt="2020-05-31T19:37:56.352" v="149" actId="14100"/>
+          <ac:spMkLst>
+            <pc:docMk/>
+            <pc:sldMk cId="1940161501" sldId="315"/>
+            <ac:spMk id="3" creationId="{53C31F9F-67D0-448F-B7F0-536930F71665}"/>
+          </ac:spMkLst>
+        </pc:spChg>
+        <pc:spChg chg="mod">
+          <ac:chgData name="Mariusz" userId="ca8d45ae-21cb-4030-bbab-1d3a5fb8cc81" providerId="ADAL" clId="{9175EAAB-6DAF-40B5-B3E8-C7AAB6B2C322}" dt="2020-05-31T15:23:08.757" v="57"/>
+          <ac:spMkLst>
+            <pc:docMk/>
+            <pc:sldMk cId="1940161501" sldId="315"/>
+            <ac:spMk id="7" creationId="{F56DBA43-763A-468E-B13D-7B0AD1CBA3CA}"/>
+          </ac:spMkLst>
+        </pc:spChg>
+        <pc:spChg chg="mod">
+          <ac:chgData name="Mariusz" userId="ca8d45ae-21cb-4030-bbab-1d3a5fb8cc81" providerId="ADAL" clId="{9175EAAB-6DAF-40B5-B3E8-C7AAB6B2C322}" dt="2020-05-31T15:23:08.757" v="57"/>
+          <ac:spMkLst>
+            <pc:docMk/>
+            <pc:sldMk cId="1940161501" sldId="315"/>
+            <ac:spMk id="8" creationId="{7E56D0DD-4957-4B3A-81D6-AB339264F6D8}"/>
+          </ac:spMkLst>
+        </pc:spChg>
+        <pc:picChg chg="mod">
+          <ac:chgData name="Mariusz" userId="ca8d45ae-21cb-4030-bbab-1d3a5fb8cc81" providerId="ADAL" clId="{9175EAAB-6DAF-40B5-B3E8-C7AAB6B2C322}" dt="2020-05-31T19:37:47.350" v="146" actId="408"/>
+          <ac:picMkLst>
+            <pc:docMk/>
+            <pc:sldMk cId="1940161501" sldId="315"/>
+            <ac:picMk id="6" creationId="{DCBFF174-3C05-40A9-A515-074750BD155A}"/>
+          </ac:picMkLst>
+        </pc:picChg>
+      </pc:sldChg>
+      <pc:sldChg chg="addSp delSp modSp add mod ord modNotesTx">
+        <pc:chgData name="Mariusz" userId="ca8d45ae-21cb-4030-bbab-1d3a5fb8cc81" providerId="ADAL" clId="{9175EAAB-6DAF-40B5-B3E8-C7AAB6B2C322}" dt="2020-06-03T12:07:04.084" v="3241" actId="6549"/>
+        <pc:sldMkLst>
+          <pc:docMk/>
+          <pc:sldMk cId="0" sldId="316"/>
+        </pc:sldMkLst>
+        <pc:spChg chg="mod">
+          <ac:chgData name="Mariusz" userId="ca8d45ae-21cb-4030-bbab-1d3a5fb8cc81" providerId="ADAL" clId="{9175EAAB-6DAF-40B5-B3E8-C7AAB6B2C322}" dt="2020-06-01T08:51:50.375" v="241" actId="790"/>
+          <ac:spMkLst>
+            <pc:docMk/>
+            <pc:sldMk cId="0" sldId="316"/>
+            <ac:spMk id="2" creationId="{00000000-0000-0000-0000-000000000000}"/>
+          </ac:spMkLst>
+        </pc:spChg>
+        <pc:spChg chg="add del mod">
+          <ac:chgData name="Mariusz" userId="ca8d45ae-21cb-4030-bbab-1d3a5fb8cc81" providerId="ADAL" clId="{9175EAAB-6DAF-40B5-B3E8-C7AAB6B2C322}" dt="2020-06-01T08:44:08.966" v="236"/>
+          <ac:spMkLst>
+            <pc:docMk/>
+            <pc:sldMk cId="0" sldId="316"/>
+            <ac:spMk id="3" creationId="{D76904F1-FE5C-4FD7-BE78-F9A4DD910867}"/>
+          </ac:spMkLst>
+        </pc:spChg>
+        <pc:spChg chg="add del mod">
+          <ac:chgData name="Mariusz" userId="ca8d45ae-21cb-4030-bbab-1d3a5fb8cc81" providerId="ADAL" clId="{9175EAAB-6DAF-40B5-B3E8-C7AAB6B2C322}" dt="2020-06-01T08:44:08.966" v="236"/>
+          <ac:spMkLst>
+            <pc:docMk/>
+            <pc:sldMk cId="0" sldId="316"/>
+            <ac:spMk id="4" creationId="{441F65AB-FC55-4C82-BB1E-7CBEEF8B0512}"/>
+          </ac:spMkLst>
+        </pc:spChg>
+        <pc:spChg chg="add del mod">
+          <ac:chgData name="Mariusz" userId="ca8d45ae-21cb-4030-bbab-1d3a5fb8cc81" providerId="ADAL" clId="{9175EAAB-6DAF-40B5-B3E8-C7AAB6B2C322}" dt="2020-06-01T08:44:08.966" v="236"/>
+          <ac:spMkLst>
+            <pc:docMk/>
+            <pc:sldMk cId="0" sldId="316"/>
+            <ac:spMk id="5" creationId="{90135FEA-2A9D-4251-B329-3164F7B3ACD5}"/>
+          </ac:spMkLst>
+        </pc:spChg>
+        <pc:spChg chg="mod">
+          <ac:chgData name="Mariusz" userId="ca8d45ae-21cb-4030-bbab-1d3a5fb8cc81" providerId="ADAL" clId="{9175EAAB-6DAF-40B5-B3E8-C7AAB6B2C322}" dt="2020-06-01T08:44:08.966" v="236"/>
+          <ac:spMkLst>
+            <pc:docMk/>
+            <pc:sldMk cId="0" sldId="316"/>
+            <ac:spMk id="9" creationId="{B8F9EF2B-676E-4EAF-9547-E850C18552F9}"/>
+          </ac:spMkLst>
+        </pc:spChg>
+        <pc:spChg chg="mod">
+          <ac:chgData name="Mariusz" userId="ca8d45ae-21cb-4030-bbab-1d3a5fb8cc81" providerId="ADAL" clId="{9175EAAB-6DAF-40B5-B3E8-C7AAB6B2C322}" dt="2020-06-01T08:44:08.966" v="236"/>
+          <ac:spMkLst>
+            <pc:docMk/>
+            <pc:sldMk cId="0" sldId="316"/>
+            <ac:spMk id="10" creationId="{37035EAB-F4BE-49F4-B1E2-3A1270201FF2}"/>
+          </ac:spMkLst>
+        </pc:spChg>
+        <pc:picChg chg="mod">
+          <ac:chgData name="Mariusz" userId="ca8d45ae-21cb-4030-bbab-1d3a5fb8cc81" providerId="ADAL" clId="{9175EAAB-6DAF-40B5-B3E8-C7AAB6B2C322}" dt="2020-06-01T08:44:16.573" v="238" actId="14100"/>
+          <ac:picMkLst>
+            <pc:docMk/>
+            <pc:sldMk cId="0" sldId="316"/>
+            <ac:picMk id="8" creationId="{451DC040-701F-45A8-A97B-B213598AD681}"/>
+          </ac:picMkLst>
+        </pc:picChg>
+      </pc:sldChg>
+      <pc:sldChg chg="addSp delSp modSp add mod ord modShow modNotes modNotesTx">
+        <pc:chgData name="Mariusz" userId="ca8d45ae-21cb-4030-bbab-1d3a5fb8cc81" providerId="ADAL" clId="{9175EAAB-6DAF-40B5-B3E8-C7AAB6B2C322}" dt="2020-06-03T09:57:36.669" v="2727" actId="20577"/>
+        <pc:sldMkLst>
+          <pc:docMk/>
+          <pc:sldMk cId="666013269" sldId="317"/>
+        </pc:sldMkLst>
+        <pc:spChg chg="mod">
+          <ac:chgData name="Mariusz" userId="ca8d45ae-21cb-4030-bbab-1d3a5fb8cc81" providerId="ADAL" clId="{9175EAAB-6DAF-40B5-B3E8-C7AAB6B2C322}" dt="2020-06-02T17:16:29.470" v="2542"/>
+          <ac:spMkLst>
+            <pc:docMk/>
+            <pc:sldMk cId="666013269" sldId="317"/>
+            <ac:spMk id="2" creationId="{A1045EDA-11B0-4E02-A174-B76AC435A2EA}"/>
+          </ac:spMkLst>
+        </pc:spChg>
+        <pc:spChg chg="mod">
+          <ac:chgData name="Mariusz" userId="ca8d45ae-21cb-4030-bbab-1d3a5fb8cc81" providerId="ADAL" clId="{9175EAAB-6DAF-40B5-B3E8-C7AAB6B2C322}" dt="2020-06-03T09:57:36.669" v="2727" actId="20577"/>
+          <ac:spMkLst>
+            <pc:docMk/>
+            <pc:sldMk cId="666013269" sldId="317"/>
+            <ac:spMk id="3" creationId="{871D038F-17FE-434E-872E-CE0105DB0A2D}"/>
+          </ac:spMkLst>
+        </pc:spChg>
+        <pc:spChg chg="add del mod">
+          <ac:chgData name="Mariusz" userId="ca8d45ae-21cb-4030-bbab-1d3a5fb8cc81" providerId="ADAL" clId="{9175EAAB-6DAF-40B5-B3E8-C7AAB6B2C322}" dt="2020-06-02T17:16:29.470" v="2542"/>
+          <ac:spMkLst>
+            <pc:docMk/>
+            <pc:sldMk cId="666013269" sldId="317"/>
+            <ac:spMk id="4" creationId="{8933F0EB-CE8D-4FEB-BC80-A8B4FF0691A7}"/>
+          </ac:spMkLst>
+        </pc:spChg>
+        <pc:spChg chg="add del mod">
+          <ac:chgData name="Mariusz" userId="ca8d45ae-21cb-4030-bbab-1d3a5fb8cc81" providerId="ADAL" clId="{9175EAAB-6DAF-40B5-B3E8-C7AAB6B2C322}" dt="2020-06-02T17:16:29.470" v="2542"/>
+          <ac:spMkLst>
+            <pc:docMk/>
+            <pc:sldMk cId="666013269" sldId="317"/>
+            <ac:spMk id="5" creationId="{EDE8235C-6E48-4C66-9C71-D01926DCABB3}"/>
+          </ac:spMkLst>
+        </pc:spChg>
+        <pc:spChg chg="mod">
+          <ac:chgData name="Mariusz" userId="ca8d45ae-21cb-4030-bbab-1d3a5fb8cc81" providerId="ADAL" clId="{9175EAAB-6DAF-40B5-B3E8-C7AAB6B2C322}" dt="2020-06-02T17:16:29.470" v="2542"/>
+          <ac:spMkLst>
+            <pc:docMk/>
+            <pc:sldMk cId="666013269" sldId="317"/>
+            <ac:spMk id="6" creationId="{71EAAA95-2968-49CF-9F7A-DA5108F31C57}"/>
+          </ac:spMkLst>
+        </pc:spChg>
+        <pc:spChg chg="mod">
+          <ac:chgData name="Mariusz" userId="ca8d45ae-21cb-4030-bbab-1d3a5fb8cc81" providerId="ADAL" clId="{9175EAAB-6DAF-40B5-B3E8-C7AAB6B2C322}" dt="2020-06-02T17:16:29.470" v="2542"/>
+          <ac:spMkLst>
+            <pc:docMk/>
+            <pc:sldMk cId="666013269" sldId="317"/>
+            <ac:spMk id="7" creationId="{6ECAAC2D-F579-42E5-802A-7E3D625F8A18}"/>
+          </ac:spMkLst>
+        </pc:spChg>
+        <pc:spChg chg="add del mod">
+          <ac:chgData name="Mariusz" userId="ca8d45ae-21cb-4030-bbab-1d3a5fb8cc81" providerId="ADAL" clId="{9175EAAB-6DAF-40B5-B3E8-C7AAB6B2C322}" dt="2020-06-02T17:16:29.470" v="2542"/>
+          <ac:spMkLst>
+            <pc:docMk/>
+            <pc:sldMk cId="666013269" sldId="317"/>
+            <ac:spMk id="8" creationId="{5C4D3D63-001B-4D2E-BF57-8DCA8A0B2B48}"/>
+          </ac:spMkLst>
+        </pc:spChg>
+        <pc:spChg chg="add del mod">
+          <ac:chgData name="Mariusz" userId="ca8d45ae-21cb-4030-bbab-1d3a5fb8cc81" providerId="ADAL" clId="{9175EAAB-6DAF-40B5-B3E8-C7AAB6B2C322}" dt="2020-06-02T17:16:29.470" v="2542"/>
+          <ac:spMkLst>
+            <pc:docMk/>
+            <pc:sldMk cId="666013269" sldId="317"/>
+            <ac:spMk id="9" creationId="{439DD7E1-CED5-4104-84D0-EF77DD5E503C}"/>
+          </ac:spMkLst>
+        </pc:spChg>
+      </pc:sldChg>
+      <pc:sldChg chg="modSp add mod ord modNotesTx">
+        <pc:chgData name="Mariusz" userId="ca8d45ae-21cb-4030-bbab-1d3a5fb8cc81" providerId="ADAL" clId="{9175EAAB-6DAF-40B5-B3E8-C7AAB6B2C322}" dt="2020-06-03T12:11:43.435" v="3242" actId="790"/>
+        <pc:sldMkLst>
+          <pc:docMk/>
+          <pc:sldMk cId="3905528468" sldId="318"/>
+        </pc:sldMkLst>
+        <pc:spChg chg="mod">
+          <ac:chgData name="Mariusz" userId="ca8d45ae-21cb-4030-bbab-1d3a5fb8cc81" providerId="ADAL" clId="{9175EAAB-6DAF-40B5-B3E8-C7AAB6B2C322}" dt="2020-06-03T10:01:20.836" v="2734" actId="790"/>
+          <ac:spMkLst>
+            <pc:docMk/>
+            <pc:sldMk cId="3905528468" sldId="318"/>
+            <ac:spMk id="4" creationId="{00000000-0000-0000-0000-000000000000}"/>
+          </ac:spMkLst>
+        </pc:spChg>
+        <pc:spChg chg="mod">
+          <ac:chgData name="Mariusz" userId="ca8d45ae-21cb-4030-bbab-1d3a5fb8cc81" providerId="ADAL" clId="{9175EAAB-6DAF-40B5-B3E8-C7AAB6B2C322}" dt="2020-05-31T15:23:08.757" v="57"/>
+          <ac:spMkLst>
+            <pc:docMk/>
+            <pc:sldMk cId="3905528468" sldId="318"/>
+            <ac:spMk id="9" creationId="{6B2FB70F-70CB-42B8-A40E-27A9D72D1A33}"/>
+          </ac:spMkLst>
+        </pc:spChg>
+        <pc:spChg chg="mod">
+          <ac:chgData name="Mariusz" userId="ca8d45ae-21cb-4030-bbab-1d3a5fb8cc81" providerId="ADAL" clId="{9175EAAB-6DAF-40B5-B3E8-C7AAB6B2C322}" dt="2020-05-31T15:23:08.757" v="57"/>
+          <ac:spMkLst>
+            <pc:docMk/>
+            <pc:sldMk cId="3905528468" sldId="318"/>
+            <ac:spMk id="10" creationId="{4A7298C9-6E3D-42B9-B578-FA22904767A0}"/>
+          </ac:spMkLst>
+        </pc:spChg>
+        <pc:picChg chg="mod">
+          <ac:chgData name="Mariusz" userId="ca8d45ae-21cb-4030-bbab-1d3a5fb8cc81" providerId="ADAL" clId="{9175EAAB-6DAF-40B5-B3E8-C7AAB6B2C322}" dt="2020-05-31T19:40:07.239" v="155" actId="408"/>
+          <ac:picMkLst>
+            <pc:docMk/>
+            <pc:sldMk cId="3905528468" sldId="318"/>
+            <ac:picMk id="8" creationId="{3A4398AE-6CEA-48B1-91D7-9660EED015CB}"/>
+          </ac:picMkLst>
+        </pc:picChg>
+      </pc:sldChg>
+      <pc:sldChg chg="modSp add ord modNotesTx">
+        <pc:chgData name="Mariusz" userId="ca8d45ae-21cb-4030-bbab-1d3a5fb8cc81" providerId="ADAL" clId="{9175EAAB-6DAF-40B5-B3E8-C7AAB6B2C322}" dt="2020-06-03T12:14:00.449" v="3280" actId="20577"/>
+        <pc:sldMkLst>
+          <pc:docMk/>
+          <pc:sldMk cId="357662792" sldId="319"/>
+        </pc:sldMkLst>
+        <pc:spChg chg="mod">
+          <ac:chgData name="Mariusz" userId="ca8d45ae-21cb-4030-bbab-1d3a5fb8cc81" providerId="ADAL" clId="{9175EAAB-6DAF-40B5-B3E8-C7AAB6B2C322}" dt="2020-05-31T15:23:08.757" v="57"/>
+          <ac:spMkLst>
+            <pc:docMk/>
+            <pc:sldMk cId="357662792" sldId="319"/>
+            <ac:spMk id="2" creationId="{D0E43337-D8D6-4D1B-8B2C-757A12075907}"/>
+          </ac:spMkLst>
+        </pc:spChg>
+        <pc:spChg chg="mod">
+          <ac:chgData name="Mariusz" userId="ca8d45ae-21cb-4030-bbab-1d3a5fb8cc81" providerId="ADAL" clId="{9175EAAB-6DAF-40B5-B3E8-C7AAB6B2C322}" dt="2020-05-31T15:23:08.757" v="57"/>
+          <ac:spMkLst>
+            <pc:docMk/>
+            <pc:sldMk cId="357662792" sldId="319"/>
+            <ac:spMk id="4" creationId="{00000000-0000-0000-0000-000000000000}"/>
+          </ac:spMkLst>
+        </pc:spChg>
+        <pc:spChg chg="mod">
+          <ac:chgData name="Mariusz" userId="ca8d45ae-21cb-4030-bbab-1d3a5fb8cc81" providerId="ADAL" clId="{9175EAAB-6DAF-40B5-B3E8-C7AAB6B2C322}" dt="2020-05-31T15:23:08.757" v="57"/>
+          <ac:spMkLst>
+            <pc:docMk/>
+            <pc:sldMk cId="357662792" sldId="319"/>
+            <ac:spMk id="8" creationId="{CA0858EB-3648-4169-9D98-DB5A55898F0E}"/>
+          </ac:spMkLst>
+        </pc:spChg>
+        <pc:spChg chg="mod">
+          <ac:chgData name="Mariusz" userId="ca8d45ae-21cb-4030-bbab-1d3a5fb8cc81" providerId="ADAL" clId="{9175EAAB-6DAF-40B5-B3E8-C7AAB6B2C322}" dt="2020-05-31T15:23:08.757" v="57"/>
+          <ac:spMkLst>
+            <pc:docMk/>
+            <pc:sldMk cId="357662792" sldId="319"/>
+            <ac:spMk id="9" creationId="{2905106B-367E-4A20-88E8-C6FCAD98A2E6}"/>
+          </ac:spMkLst>
+        </pc:spChg>
+        <pc:picChg chg="mod">
+          <ac:chgData name="Mariusz" userId="ca8d45ae-21cb-4030-bbab-1d3a5fb8cc81" providerId="ADAL" clId="{9175EAAB-6DAF-40B5-B3E8-C7AAB6B2C322}" dt="2020-05-31T15:23:08.757" v="57"/>
+          <ac:picMkLst>
+            <pc:docMk/>
+            <pc:sldMk cId="357662792" sldId="319"/>
+            <ac:picMk id="7" creationId="{684A7B18-0AE1-4E8D-A304-FBA1EB6CFFD4}"/>
+          </ac:picMkLst>
+        </pc:picChg>
+      </pc:sldChg>
+      <pc:sldChg chg="modSp add mod ord modShow modNotesTx">
+        <pc:chgData name="Mariusz" userId="ca8d45ae-21cb-4030-bbab-1d3a5fb8cc81" providerId="ADAL" clId="{9175EAAB-6DAF-40B5-B3E8-C7AAB6B2C322}" dt="2020-06-03T11:15:25.269" v="3190" actId="729"/>
+        <pc:sldMkLst>
+          <pc:docMk/>
+          <pc:sldMk cId="4170337313" sldId="320"/>
+        </pc:sldMkLst>
+        <pc:spChg chg="mod">
+          <ac:chgData name="Mariusz" userId="ca8d45ae-21cb-4030-bbab-1d3a5fb8cc81" providerId="ADAL" clId="{9175EAAB-6DAF-40B5-B3E8-C7AAB6B2C322}" dt="2020-06-01T10:00:02.353" v="489" actId="20577"/>
+          <ac:spMkLst>
+            <pc:docMk/>
+            <pc:sldMk cId="4170337313" sldId="320"/>
+            <ac:spMk id="4" creationId="{00000000-0000-0000-0000-000000000000}"/>
+          </ac:spMkLst>
+        </pc:spChg>
+        <pc:spChg chg="mod">
+          <ac:chgData name="Mariusz" userId="ca8d45ae-21cb-4030-bbab-1d3a5fb8cc81" providerId="ADAL" clId="{9175EAAB-6DAF-40B5-B3E8-C7AAB6B2C322}" dt="2020-05-31T19:42:18.936" v="157" actId="14100"/>
+          <ac:spMkLst>
+            <pc:docMk/>
+            <pc:sldMk cId="4170337313" sldId="320"/>
+            <ac:spMk id="5" creationId="{437D94F1-936F-4E4F-97DA-AC074A137A2D}"/>
+          </ac:spMkLst>
+        </pc:spChg>
+        <pc:spChg chg="mod">
+          <ac:chgData name="Mariusz" userId="ca8d45ae-21cb-4030-bbab-1d3a5fb8cc81" providerId="ADAL" clId="{9175EAAB-6DAF-40B5-B3E8-C7AAB6B2C322}" dt="2020-05-31T15:23:08.757" v="57"/>
+          <ac:spMkLst>
+            <pc:docMk/>
+            <pc:sldMk cId="4170337313" sldId="320"/>
+            <ac:spMk id="8" creationId="{C3368749-8AB2-4F27-BC6C-91CBE6BF8D07}"/>
+          </ac:spMkLst>
+        </pc:spChg>
+        <pc:spChg chg="mod">
+          <ac:chgData name="Mariusz" userId="ca8d45ae-21cb-4030-bbab-1d3a5fb8cc81" providerId="ADAL" clId="{9175EAAB-6DAF-40B5-B3E8-C7AAB6B2C322}" dt="2020-05-31T15:23:08.757" v="57"/>
+          <ac:spMkLst>
+            <pc:docMk/>
+            <pc:sldMk cId="4170337313" sldId="320"/>
+            <ac:spMk id="9" creationId="{447972AE-6D33-4AA2-A145-A75254D501E4}"/>
+          </ac:spMkLst>
+        </pc:spChg>
+        <pc:picChg chg="mod">
+          <ac:chgData name="Mariusz" userId="ca8d45ae-21cb-4030-bbab-1d3a5fb8cc81" providerId="ADAL" clId="{9175EAAB-6DAF-40B5-B3E8-C7AAB6B2C322}" dt="2020-05-31T15:23:08.757" v="57"/>
+          <ac:picMkLst>
+            <pc:docMk/>
+            <pc:sldMk cId="4170337313" sldId="320"/>
+            <ac:picMk id="7" creationId="{113B8BE7-A83F-4987-83BB-B02E26D5FDDF}"/>
+          </ac:picMkLst>
+        </pc:picChg>
+      </pc:sldChg>
+      <pc:sldChg chg="modSp add mod ord modShow modNotesTx">
+        <pc:chgData name="Mariusz" userId="ca8d45ae-21cb-4030-bbab-1d3a5fb8cc81" providerId="ADAL" clId="{9175EAAB-6DAF-40B5-B3E8-C7AAB6B2C322}" dt="2020-06-03T11:15:33.573" v="3191" actId="729"/>
+        <pc:sldMkLst>
+          <pc:docMk/>
+          <pc:sldMk cId="1546983490" sldId="321"/>
+        </pc:sldMkLst>
+        <pc:spChg chg="mod">
+          <ac:chgData name="Mariusz" userId="ca8d45ae-21cb-4030-bbab-1d3a5fb8cc81" providerId="ADAL" clId="{9175EAAB-6DAF-40B5-B3E8-C7AAB6B2C322}" dt="2020-05-31T15:23:08.757" v="57"/>
+          <ac:spMkLst>
+            <pc:docMk/>
+            <pc:sldMk cId="1546983490" sldId="321"/>
+            <ac:spMk id="2" creationId="{53603BEE-04E2-430F-9F1E-E623AA3BDF08}"/>
+          </ac:spMkLst>
+        </pc:spChg>
+        <pc:spChg chg="mod">
+          <ac:chgData name="Mariusz" userId="ca8d45ae-21cb-4030-bbab-1d3a5fb8cc81" providerId="ADAL" clId="{9175EAAB-6DAF-40B5-B3E8-C7AAB6B2C322}" dt="2020-06-01T10:01:55.396" v="493" actId="6549"/>
+          <ac:spMkLst>
+            <pc:docMk/>
+            <pc:sldMk cId="1546983490" sldId="321"/>
+            <ac:spMk id="4" creationId="{00000000-0000-0000-0000-000000000000}"/>
+          </ac:spMkLst>
+        </pc:spChg>
+        <pc:spChg chg="mod">
+          <ac:chgData name="Mariusz" userId="ca8d45ae-21cb-4030-bbab-1d3a5fb8cc81" providerId="ADAL" clId="{9175EAAB-6DAF-40B5-B3E8-C7AAB6B2C322}" dt="2020-05-31T15:23:08.757" v="57"/>
+          <ac:spMkLst>
+            <pc:docMk/>
+            <pc:sldMk cId="1546983490" sldId="321"/>
+            <ac:spMk id="9" creationId="{2EF8F413-FB19-4F70-8ECA-BC73498C1F31}"/>
+          </ac:spMkLst>
+        </pc:spChg>
+        <pc:spChg chg="mod">
+          <ac:chgData name="Mariusz" userId="ca8d45ae-21cb-4030-bbab-1d3a5fb8cc81" providerId="ADAL" clId="{9175EAAB-6DAF-40B5-B3E8-C7AAB6B2C322}" dt="2020-05-31T15:23:08.757" v="57"/>
+          <ac:spMkLst>
+            <pc:docMk/>
+            <pc:sldMk cId="1546983490" sldId="321"/>
+            <ac:spMk id="10" creationId="{CF25D3F5-93F6-40C0-8E9A-05328DF53D43}"/>
+          </ac:spMkLst>
+        </pc:spChg>
+        <pc:picChg chg="mod">
+          <ac:chgData name="Mariusz" userId="ca8d45ae-21cb-4030-bbab-1d3a5fb8cc81" providerId="ADAL" clId="{9175EAAB-6DAF-40B5-B3E8-C7AAB6B2C322}" dt="2020-05-31T15:23:08.757" v="57"/>
+          <ac:picMkLst>
+            <pc:docMk/>
+            <pc:sldMk cId="1546983490" sldId="321"/>
+            <ac:picMk id="7" creationId="{B9E9A182-58F4-4D0F-AFC6-B3FB060A8737}"/>
+          </ac:picMkLst>
+        </pc:picChg>
+      </pc:sldChg>
+      <pc:sldChg chg="modSp add mod ord modShow modNotes modNotesTx">
+        <pc:chgData name="Mariusz" userId="ca8d45ae-21cb-4030-bbab-1d3a5fb8cc81" providerId="ADAL" clId="{9175EAAB-6DAF-40B5-B3E8-C7AAB6B2C322}" dt="2020-06-03T11:15:43.034" v="3192" actId="729"/>
+        <pc:sldMkLst>
+          <pc:docMk/>
+          <pc:sldMk cId="1990941839" sldId="322"/>
+        </pc:sldMkLst>
+        <pc:spChg chg="mod">
+          <ac:chgData name="Mariusz" userId="ca8d45ae-21cb-4030-bbab-1d3a5fb8cc81" providerId="ADAL" clId="{9175EAAB-6DAF-40B5-B3E8-C7AAB6B2C322}" dt="2020-05-31T15:23:08.757" v="57"/>
+          <ac:spMkLst>
+            <pc:docMk/>
+            <pc:sldMk cId="1990941839" sldId="322"/>
+            <ac:spMk id="2" creationId="{CE7B1CEA-57AD-4566-A15F-842C4C2EA11E}"/>
+          </ac:spMkLst>
+        </pc:spChg>
+        <pc:spChg chg="mod">
+          <ac:chgData name="Mariusz" userId="ca8d45ae-21cb-4030-bbab-1d3a5fb8cc81" providerId="ADAL" clId="{9175EAAB-6DAF-40B5-B3E8-C7AAB6B2C322}" dt="2020-06-01T10:07:15.409" v="504" actId="20577"/>
+          <ac:spMkLst>
+            <pc:docMk/>
+            <pc:sldMk cId="1990941839" sldId="322"/>
+            <ac:spMk id="4" creationId="{00000000-0000-0000-0000-000000000000}"/>
+          </ac:spMkLst>
+        </pc:spChg>
+        <pc:spChg chg="mod">
+          <ac:chgData name="Mariusz" userId="ca8d45ae-21cb-4030-bbab-1d3a5fb8cc81" providerId="ADAL" clId="{9175EAAB-6DAF-40B5-B3E8-C7AAB6B2C322}" dt="2020-05-31T15:23:08.757" v="57"/>
+          <ac:spMkLst>
+            <pc:docMk/>
+            <pc:sldMk cId="1990941839" sldId="322"/>
+            <ac:spMk id="8" creationId="{B49E8638-4D4A-4993-A3DC-BBABCE505452}"/>
+          </ac:spMkLst>
+        </pc:spChg>
+        <pc:spChg chg="mod">
+          <ac:chgData name="Mariusz" userId="ca8d45ae-21cb-4030-bbab-1d3a5fb8cc81" providerId="ADAL" clId="{9175EAAB-6DAF-40B5-B3E8-C7AAB6B2C322}" dt="2020-05-31T15:23:08.757" v="57"/>
+          <ac:spMkLst>
+            <pc:docMk/>
+            <pc:sldMk cId="1990941839" sldId="322"/>
+            <ac:spMk id="9" creationId="{BA40B7DA-EB25-49DF-A738-6F1100B213B5}"/>
+          </ac:spMkLst>
+        </pc:spChg>
+        <pc:picChg chg="mod">
+          <ac:chgData name="Mariusz" userId="ca8d45ae-21cb-4030-bbab-1d3a5fb8cc81" providerId="ADAL" clId="{9175EAAB-6DAF-40B5-B3E8-C7AAB6B2C322}" dt="2020-05-31T15:23:08.757" v="57"/>
+          <ac:picMkLst>
+            <pc:docMk/>
+            <pc:sldMk cId="1990941839" sldId="322"/>
+            <ac:picMk id="7" creationId="{F328B8C2-D0C6-4607-A753-A1F5F856AE41}"/>
+          </ac:picMkLst>
+        </pc:picChg>
+      </pc:sldChg>
+      <pc:sldChg chg="addSp delSp modSp add del mod ord modShow">
+        <pc:chgData name="Mariusz" userId="ca8d45ae-21cb-4030-bbab-1d3a5fb8cc81" providerId="ADAL" clId="{9175EAAB-6DAF-40B5-B3E8-C7AAB6B2C322}" dt="2020-06-03T10:17:19.921" v="2849" actId="2696"/>
+        <pc:sldMkLst>
+          <pc:docMk/>
+          <pc:sldMk cId="3819008433" sldId="323"/>
+        </pc:sldMkLst>
+        <pc:spChg chg="add del mod">
+          <ac:chgData name="Mariusz" userId="ca8d45ae-21cb-4030-bbab-1d3a5fb8cc81" providerId="ADAL" clId="{9175EAAB-6DAF-40B5-B3E8-C7AAB6B2C322}" dt="2020-06-01T10:08:34.814" v="506"/>
+          <ac:spMkLst>
+            <pc:docMk/>
+            <pc:sldMk cId="3819008433" sldId="323"/>
+            <ac:spMk id="2" creationId="{0C48E53F-1940-41D4-B4D9-D787883715AA}"/>
+          </ac:spMkLst>
+        </pc:spChg>
+        <pc:spChg chg="mod">
+          <ac:chgData name="Mariusz" userId="ca8d45ae-21cb-4030-bbab-1d3a5fb8cc81" providerId="ADAL" clId="{9175EAAB-6DAF-40B5-B3E8-C7AAB6B2C322}" dt="2020-06-01T10:08:34.814" v="506"/>
+          <ac:spMkLst>
+            <pc:docMk/>
+            <pc:sldMk cId="3819008433" sldId="323"/>
+            <ac:spMk id="3" creationId="{EDE7F14D-CBF1-4842-B3A5-A7AC36CDAAD9}"/>
+          </ac:spMkLst>
+        </pc:spChg>
+        <pc:spChg chg="mod">
+          <ac:chgData name="Mariusz" userId="ca8d45ae-21cb-4030-bbab-1d3a5fb8cc81" providerId="ADAL" clId="{9175EAAB-6DAF-40B5-B3E8-C7AAB6B2C322}" dt="2020-06-01T10:08:53.314" v="514" actId="6549"/>
+          <ac:spMkLst>
+            <pc:docMk/>
+            <pc:sldMk cId="3819008433" sldId="323"/>
+            <ac:spMk id="4" creationId="{00000000-0000-0000-0000-000000000000}"/>
+          </ac:spMkLst>
+        </pc:spChg>
+        <pc:spChg chg="mod">
+          <ac:chgData name="Mariusz" userId="ca8d45ae-21cb-4030-bbab-1d3a5fb8cc81" providerId="ADAL" clId="{9175EAAB-6DAF-40B5-B3E8-C7AAB6B2C322}" dt="2020-06-01T10:08:34.814" v="506"/>
+          <ac:spMkLst>
+            <pc:docMk/>
+            <pc:sldMk cId="3819008433" sldId="323"/>
+            <ac:spMk id="5" creationId="{6B7B4DCE-0949-4A0D-B5BE-40BE13596E9F}"/>
+          </ac:spMkLst>
+        </pc:spChg>
+        <pc:spChg chg="add del mod">
+          <ac:chgData name="Mariusz" userId="ca8d45ae-21cb-4030-bbab-1d3a5fb8cc81" providerId="ADAL" clId="{9175EAAB-6DAF-40B5-B3E8-C7AAB6B2C322}" dt="2020-06-01T10:08:34.814" v="506"/>
+          <ac:spMkLst>
+            <pc:docMk/>
+            <pc:sldMk cId="3819008433" sldId="323"/>
+            <ac:spMk id="6" creationId="{6E173182-4CE2-45CB-8DA5-47A101C286C4}"/>
+          </ac:spMkLst>
+        </pc:spChg>
+        <pc:spChg chg="add del mod">
+          <ac:chgData name="Mariusz" userId="ca8d45ae-21cb-4030-bbab-1d3a5fb8cc81" providerId="ADAL" clId="{9175EAAB-6DAF-40B5-B3E8-C7AAB6B2C322}" dt="2020-06-01T10:08:34.814" v="506"/>
+          <ac:spMkLst>
+            <pc:docMk/>
+            <pc:sldMk cId="3819008433" sldId="323"/>
+            <ac:spMk id="8" creationId="{0FF3DC24-AA2B-48D1-B67C-58E41B16C853}"/>
+          </ac:spMkLst>
+        </pc:spChg>
+        <pc:picChg chg="mod">
+          <ac:chgData name="Mariusz" userId="ca8d45ae-21cb-4030-bbab-1d3a5fb8cc81" providerId="ADAL" clId="{9175EAAB-6DAF-40B5-B3E8-C7AAB6B2C322}" dt="2020-05-31T19:42:49.600" v="160" actId="14100"/>
+          <ac:picMkLst>
+            <pc:docMk/>
+            <pc:sldMk cId="3819008433" sldId="323"/>
+            <ac:picMk id="7" creationId="{00000000-0000-0000-0000-000000000000}"/>
+          </ac:picMkLst>
+        </pc:picChg>
+      </pc:sldChg>
+      <pc:sldChg chg="modSp add del mod ord modShow">
+        <pc:chgData name="Mariusz" userId="ca8d45ae-21cb-4030-bbab-1d3a5fb8cc81" providerId="ADAL" clId="{9175EAAB-6DAF-40B5-B3E8-C7AAB6B2C322}" dt="2020-06-03T10:17:34.151" v="2850" actId="2696"/>
+        <pc:sldMkLst>
+          <pc:docMk/>
+          <pc:sldMk cId="3576861336" sldId="324"/>
+        </pc:sldMkLst>
+        <pc:spChg chg="mod">
+          <ac:chgData name="Mariusz" userId="ca8d45ae-21cb-4030-bbab-1d3a5fb8cc81" providerId="ADAL" clId="{9175EAAB-6DAF-40B5-B3E8-C7AAB6B2C322}" dt="2020-05-31T15:23:08.757" v="57"/>
+          <ac:spMkLst>
+            <pc:docMk/>
+            <pc:sldMk cId="3576861336" sldId="324"/>
+            <ac:spMk id="2" creationId="{D781E209-46FD-44B5-A460-8ED62C69985E}"/>
+          </ac:spMkLst>
+        </pc:spChg>
+        <pc:spChg chg="mod">
+          <ac:chgData name="Mariusz" userId="ca8d45ae-21cb-4030-bbab-1d3a5fb8cc81" providerId="ADAL" clId="{9175EAAB-6DAF-40B5-B3E8-C7AAB6B2C322}" dt="2020-05-31T15:23:08.757" v="57"/>
+          <ac:spMkLst>
+            <pc:docMk/>
+            <pc:sldMk cId="3576861336" sldId="324"/>
+            <ac:spMk id="4" creationId="{00000000-0000-0000-0000-000000000000}"/>
+          </ac:spMkLst>
+        </pc:spChg>
+        <pc:spChg chg="mod">
+          <ac:chgData name="Mariusz" userId="ca8d45ae-21cb-4030-bbab-1d3a5fb8cc81" providerId="ADAL" clId="{9175EAAB-6DAF-40B5-B3E8-C7AAB6B2C322}" dt="2020-05-31T15:23:08.757" v="57"/>
+          <ac:spMkLst>
+            <pc:docMk/>
+            <pc:sldMk cId="3576861336" sldId="324"/>
+            <ac:spMk id="8" creationId="{D72BA359-7638-435D-9C47-494B4682F4E3}"/>
+          </ac:spMkLst>
+        </pc:spChg>
+        <pc:spChg chg="mod">
+          <ac:chgData name="Mariusz" userId="ca8d45ae-21cb-4030-bbab-1d3a5fb8cc81" providerId="ADAL" clId="{9175EAAB-6DAF-40B5-B3E8-C7AAB6B2C322}" dt="2020-05-31T15:23:08.757" v="57"/>
+          <ac:spMkLst>
+            <pc:docMk/>
+            <pc:sldMk cId="3576861336" sldId="324"/>
+            <ac:spMk id="9" creationId="{FCF555B4-D1B9-4B0C-AC7B-1BF62D7CC9B7}"/>
+          </ac:spMkLst>
+        </pc:spChg>
+        <pc:picChg chg="mod">
+          <ac:chgData name="Mariusz" userId="ca8d45ae-21cb-4030-bbab-1d3a5fb8cc81" providerId="ADAL" clId="{9175EAAB-6DAF-40B5-B3E8-C7AAB6B2C322}" dt="2020-05-31T15:23:08.757" v="57"/>
+          <ac:picMkLst>
+            <pc:docMk/>
+            <pc:sldMk cId="3576861336" sldId="324"/>
+            <ac:picMk id="7" creationId="{B07CB025-56D5-46F9-BB02-AC9EF98A995A}"/>
+          </ac:picMkLst>
+        </pc:picChg>
+      </pc:sldChg>
+      <pc:sldChg chg="addSp modSp add modNotes modNotesTx">
+        <pc:chgData name="Mariusz" userId="ca8d45ae-21cb-4030-bbab-1d3a5fb8cc81" providerId="ADAL" clId="{9175EAAB-6DAF-40B5-B3E8-C7AAB6B2C322}" dt="2020-06-03T11:45:56.416" v="3228" actId="6549"/>
+        <pc:sldMkLst>
+          <pc:docMk/>
+          <pc:sldMk cId="321100187" sldId="325"/>
+        </pc:sldMkLst>
+        <pc:spChg chg="mod">
+          <ac:chgData name="Mariusz" userId="ca8d45ae-21cb-4030-bbab-1d3a5fb8cc81" providerId="ADAL" clId="{9175EAAB-6DAF-40B5-B3E8-C7AAB6B2C322}" dt="2020-05-31T15:23:08.757" v="57"/>
+          <ac:spMkLst>
+            <pc:docMk/>
+            <pc:sldMk cId="321100187" sldId="325"/>
+            <ac:spMk id="2" creationId="{2267B48C-3541-4FCD-BF2A-47193A6BB3C8}"/>
+          </ac:spMkLst>
+        </pc:spChg>
+        <pc:spChg chg="mod">
+          <ac:chgData name="Mariusz" userId="ca8d45ae-21cb-4030-bbab-1d3a5fb8cc81" providerId="ADAL" clId="{9175EAAB-6DAF-40B5-B3E8-C7AAB6B2C322}" dt="2020-05-31T15:23:08.757" v="57"/>
+          <ac:spMkLst>
+            <pc:docMk/>
+            <pc:sldMk cId="321100187" sldId="325"/>
+            <ac:spMk id="7" creationId="{8A06BDFD-9482-4A1C-B739-3F1359021C19}"/>
+          </ac:spMkLst>
+        </pc:spChg>
+        <pc:spChg chg="mod">
+          <ac:chgData name="Mariusz" userId="ca8d45ae-21cb-4030-bbab-1d3a5fb8cc81" providerId="ADAL" clId="{9175EAAB-6DAF-40B5-B3E8-C7AAB6B2C322}" dt="2020-05-31T15:23:08.757" v="57"/>
+          <ac:spMkLst>
+            <pc:docMk/>
+            <pc:sldMk cId="321100187" sldId="325"/>
+            <ac:spMk id="8" creationId="{E1F88EB7-DDDB-46DB-BB78-CFB3C11794DE}"/>
+          </ac:spMkLst>
+        </pc:spChg>
+        <pc:spChg chg="add mod">
+          <ac:chgData name="Mariusz" userId="ca8d45ae-21cb-4030-bbab-1d3a5fb8cc81" providerId="ADAL" clId="{9175EAAB-6DAF-40B5-B3E8-C7AAB6B2C322}" dt="2020-05-31T19:34:16.257" v="126" actId="1076"/>
+          <ac:spMkLst>
+            <pc:docMk/>
+            <pc:sldMk cId="321100187" sldId="325"/>
+            <ac:spMk id="9" creationId="{592C1C69-D7DB-4050-83A4-D07176F89064}"/>
+          </ac:spMkLst>
+        </pc:spChg>
+        <pc:picChg chg="mod">
+          <ac:chgData name="Mariusz" userId="ca8d45ae-21cb-4030-bbab-1d3a5fb8cc81" providerId="ADAL" clId="{9175EAAB-6DAF-40B5-B3E8-C7AAB6B2C322}" dt="2020-05-31T19:34:07.960" v="124" actId="14100"/>
+          <ac:picMkLst>
+            <pc:docMk/>
+            <pc:sldMk cId="321100187" sldId="325"/>
+            <ac:picMk id="6" creationId="{4FFE1B58-4F2A-4BBD-B951-A4BB01497AB7}"/>
+          </ac:picMkLst>
+        </pc:picChg>
+      </pc:sldChg>
+      <pc:sldChg chg="addSp delSp modSp add del ord">
+        <pc:chgData name="Mariusz" userId="ca8d45ae-21cb-4030-bbab-1d3a5fb8cc81" providerId="ADAL" clId="{9175EAAB-6DAF-40B5-B3E8-C7AAB6B2C322}" dt="2020-05-31T19:32:03.421" v="110" actId="47"/>
+        <pc:sldMkLst>
+          <pc:docMk/>
+          <pc:sldMk cId="1134254781" sldId="326"/>
+        </pc:sldMkLst>
+        <pc:spChg chg="mod">
+          <ac:chgData name="Mariusz" userId="ca8d45ae-21cb-4030-bbab-1d3a5fb8cc81" providerId="ADAL" clId="{9175EAAB-6DAF-40B5-B3E8-C7AAB6B2C322}" dt="2020-05-31T15:31:05.788" v="98"/>
+          <ac:spMkLst>
+            <pc:docMk/>
+            <pc:sldMk cId="1134254781" sldId="326"/>
+            <ac:spMk id="2" creationId="{2267B48C-3541-4FCD-BF2A-47193A6BB3C8}"/>
+          </ac:spMkLst>
+        </pc:spChg>
+        <pc:spChg chg="add del mod">
+          <ac:chgData name="Mariusz" userId="ca8d45ae-21cb-4030-bbab-1d3a5fb8cc81" providerId="ADAL" clId="{9175EAAB-6DAF-40B5-B3E8-C7AAB6B2C322}" dt="2020-05-31T15:19:01.032" v="37"/>
+          <ac:spMkLst>
+            <pc:docMk/>
+            <pc:sldMk cId="1134254781" sldId="326"/>
+            <ac:spMk id="3" creationId="{B5E1651E-56D7-4CC5-A94A-FABB1F65660C}"/>
+          </ac:spMkLst>
+        </pc:spChg>
+        <pc:spChg chg="add del mod">
+          <ac:chgData name="Mariusz" userId="ca8d45ae-21cb-4030-bbab-1d3a5fb8cc81" providerId="ADAL" clId="{9175EAAB-6DAF-40B5-B3E8-C7AAB6B2C322}" dt="2020-05-31T15:19:01.032" v="37"/>
+          <ac:spMkLst>
+            <pc:docMk/>
+            <pc:sldMk cId="1134254781" sldId="326"/>
+            <ac:spMk id="4" creationId="{D81E65AC-B1BC-4840-8953-5F40FC766A40}"/>
+          </ac:spMkLst>
+        </pc:spChg>
+        <pc:spChg chg="add del mod">
+          <ac:chgData name="Mariusz" userId="ca8d45ae-21cb-4030-bbab-1d3a5fb8cc81" providerId="ADAL" clId="{9175EAAB-6DAF-40B5-B3E8-C7AAB6B2C322}" dt="2020-05-31T15:19:01.032" v="37"/>
+          <ac:spMkLst>
+            <pc:docMk/>
+            <pc:sldMk cId="1134254781" sldId="326"/>
+            <ac:spMk id="5" creationId="{13A1B4D2-90A6-4501-A1C8-8A8A213A1608}"/>
+          </ac:spMkLst>
+        </pc:spChg>
+        <pc:spChg chg="mod">
+          <ac:chgData name="Mariusz" userId="ca8d45ae-21cb-4030-bbab-1d3a5fb8cc81" providerId="ADAL" clId="{9175EAAB-6DAF-40B5-B3E8-C7AAB6B2C322}" dt="2020-05-31T15:23:08.757" v="57"/>
+          <ac:spMkLst>
+            <pc:docMk/>
+            <pc:sldMk cId="1134254781" sldId="326"/>
+            <ac:spMk id="7" creationId="{8A06BDFD-9482-4A1C-B739-3F1359021C19}"/>
+          </ac:spMkLst>
+        </pc:spChg>
+        <pc:spChg chg="mod">
+          <ac:chgData name="Mariusz" userId="ca8d45ae-21cb-4030-bbab-1d3a5fb8cc81" providerId="ADAL" clId="{9175EAAB-6DAF-40B5-B3E8-C7AAB6B2C322}" dt="2020-05-31T15:23:08.757" v="57"/>
+          <ac:spMkLst>
+            <pc:docMk/>
+            <pc:sldMk cId="1134254781" sldId="326"/>
+            <ac:spMk id="8" creationId="{E1F88EB7-DDDB-46DB-BB78-CFB3C11794DE}"/>
+          </ac:spMkLst>
+        </pc:spChg>
+        <pc:spChg chg="add mod">
+          <ac:chgData name="Mariusz" userId="ca8d45ae-21cb-4030-bbab-1d3a5fb8cc81" providerId="ADAL" clId="{9175EAAB-6DAF-40B5-B3E8-C7AAB6B2C322}" dt="2020-05-31T15:23:08.757" v="57"/>
+          <ac:spMkLst>
+            <pc:docMk/>
+            <pc:sldMk cId="1134254781" sldId="326"/>
+            <ac:spMk id="9" creationId="{C93E0E69-A8E0-4B1C-861A-354078B0B48A}"/>
+          </ac:spMkLst>
+        </pc:spChg>
+        <pc:spChg chg="add del mod">
+          <ac:chgData name="Mariusz" userId="ca8d45ae-21cb-4030-bbab-1d3a5fb8cc81" providerId="ADAL" clId="{9175EAAB-6DAF-40B5-B3E8-C7AAB6B2C322}" dt="2020-05-31T15:20:45.966" v="47"/>
+          <ac:spMkLst>
+            <pc:docMk/>
+            <pc:sldMk cId="1134254781" sldId="326"/>
+            <ac:spMk id="10" creationId="{85E1FB93-A0C6-42D9-BBD5-95D92CBED38F}"/>
+          </ac:spMkLst>
+        </pc:spChg>
+        <pc:spChg chg="add del mod">
+          <ac:chgData name="Mariusz" userId="ca8d45ae-21cb-4030-bbab-1d3a5fb8cc81" providerId="ADAL" clId="{9175EAAB-6DAF-40B5-B3E8-C7AAB6B2C322}" dt="2020-05-31T15:20:45.966" v="47"/>
+          <ac:spMkLst>
+            <pc:docMk/>
+            <pc:sldMk cId="1134254781" sldId="326"/>
+            <ac:spMk id="11" creationId="{8454FF69-4A8A-4A5D-AD3C-D3F27C456B96}"/>
+          </ac:spMkLst>
+        </pc:spChg>
+        <pc:spChg chg="add del mod">
+          <ac:chgData name="Mariusz" userId="ca8d45ae-21cb-4030-bbab-1d3a5fb8cc81" providerId="ADAL" clId="{9175EAAB-6DAF-40B5-B3E8-C7AAB6B2C322}" dt="2020-05-31T15:20:45.966" v="47"/>
+          <ac:spMkLst>
+            <pc:docMk/>
+            <pc:sldMk cId="1134254781" sldId="326"/>
+            <ac:spMk id="12" creationId="{D2B70139-AE6C-415B-B746-D9072C95F032}"/>
+          </ac:spMkLst>
+        </pc:spChg>
+        <pc:spChg chg="add del mod">
+          <ac:chgData name="Mariusz" userId="ca8d45ae-21cb-4030-bbab-1d3a5fb8cc81" providerId="ADAL" clId="{9175EAAB-6DAF-40B5-B3E8-C7AAB6B2C322}" dt="2020-05-31T15:20:51.223" v="48"/>
+          <ac:spMkLst>
+            <pc:docMk/>
+            <pc:sldMk cId="1134254781" sldId="326"/>
+            <ac:spMk id="13" creationId="{F1FA278D-B7C5-475A-B025-00CF0CE42A8E}"/>
+          </ac:spMkLst>
+        </pc:spChg>
+        <pc:spChg chg="add del mod">
+          <ac:chgData name="Mariusz" userId="ca8d45ae-21cb-4030-bbab-1d3a5fb8cc81" providerId="ADAL" clId="{9175EAAB-6DAF-40B5-B3E8-C7AAB6B2C322}" dt="2020-05-31T15:20:51.223" v="48"/>
+          <ac:spMkLst>
+            <pc:docMk/>
+            <pc:sldMk cId="1134254781" sldId="326"/>
+            <ac:spMk id="14" creationId="{CB7B2295-0893-49CA-A45A-331AF69520AC}"/>
+          </ac:spMkLst>
+        </pc:spChg>
+        <pc:spChg chg="add del mod">
+          <ac:chgData name="Mariusz" userId="ca8d45ae-21cb-4030-bbab-1d3a5fb8cc81" providerId="ADAL" clId="{9175EAAB-6DAF-40B5-B3E8-C7AAB6B2C322}" dt="2020-05-31T15:20:51.223" v="48"/>
+          <ac:spMkLst>
+            <pc:docMk/>
+            <pc:sldMk cId="1134254781" sldId="326"/>
+            <ac:spMk id="15" creationId="{F5753559-99E6-4676-AC4E-F7A10342E83E}"/>
+          </ac:spMkLst>
+        </pc:spChg>
+        <pc:picChg chg="mod">
+          <ac:chgData name="Mariusz" userId="ca8d45ae-21cb-4030-bbab-1d3a5fb8cc81" providerId="ADAL" clId="{9175EAAB-6DAF-40B5-B3E8-C7AAB6B2C322}" dt="2020-05-31T15:23:08.757" v="57"/>
+          <ac:picMkLst>
+            <pc:docMk/>
+            <pc:sldMk cId="1134254781" sldId="326"/>
+            <ac:picMk id="6" creationId="{4FFE1B58-4F2A-4BBD-B951-A4BB01497AB7}"/>
+          </ac:picMkLst>
+        </pc:picChg>
+      </pc:sldChg>
+      <pc:sldChg chg="addSp delSp modSp add del">
+        <pc:chgData name="Mariusz" userId="ca8d45ae-21cb-4030-bbab-1d3a5fb8cc81" providerId="ADAL" clId="{9175EAAB-6DAF-40B5-B3E8-C7AAB6B2C322}" dt="2020-05-31T19:35:16.352" v="134" actId="2696"/>
+        <pc:sldMkLst>
+          <pc:docMk/>
+          <pc:sldMk cId="3890341454" sldId="327"/>
+        </pc:sldMkLst>
+        <pc:spChg chg="del">
+          <ac:chgData name="Mariusz" userId="ca8d45ae-21cb-4030-bbab-1d3a5fb8cc81" providerId="ADAL" clId="{9175EAAB-6DAF-40B5-B3E8-C7AAB6B2C322}" dt="2020-05-31T15:31:52.358" v="101" actId="478"/>
+          <ac:spMkLst>
+            <pc:docMk/>
+            <pc:sldMk cId="3890341454" sldId="327"/>
+            <ac:spMk id="9" creationId="{C93E0E69-A8E0-4B1C-861A-354078B0B48A}"/>
+          </ac:spMkLst>
+        </pc:spChg>
+        <pc:spChg chg="add del mod">
+          <ac:chgData name="Mariusz" userId="ca8d45ae-21cb-4030-bbab-1d3a5fb8cc81" providerId="ADAL" clId="{9175EAAB-6DAF-40B5-B3E8-C7AAB6B2C322}" dt="2020-05-31T19:34:58.058" v="130" actId="21"/>
+          <ac:spMkLst>
+            <pc:docMk/>
+            <pc:sldMk cId="3890341454" sldId="327"/>
+            <ac:spMk id="10" creationId="{9D2BEA76-2CDC-45D5-8A7E-8F71C5E99AF6}"/>
+          </ac:spMkLst>
+        </pc:spChg>
+        <pc:picChg chg="mod">
+          <ac:chgData name="Mariusz" userId="ca8d45ae-21cb-4030-bbab-1d3a5fb8cc81" providerId="ADAL" clId="{9175EAAB-6DAF-40B5-B3E8-C7AAB6B2C322}" dt="2020-05-31T19:33:21.048" v="116" actId="14100"/>
+          <ac:picMkLst>
+            <pc:docMk/>
+            <pc:sldMk cId="3890341454" sldId="327"/>
+            <ac:picMk id="6" creationId="{4FFE1B58-4F2A-4BBD-B951-A4BB01497AB7}"/>
+          </ac:picMkLst>
+        </pc:picChg>
+      </pc:sldChg>
+      <pc:sldChg chg="addSp delSp modSp add del">
+        <pc:chgData name="Mariusz" userId="ca8d45ae-21cb-4030-bbab-1d3a5fb8cc81" providerId="ADAL" clId="{9175EAAB-6DAF-40B5-B3E8-C7AAB6B2C322}" dt="2020-06-02T16:16:34.089" v="2091" actId="2696"/>
+        <pc:sldMkLst>
+          <pc:docMk/>
+          <pc:sldMk cId="3377491489" sldId="328"/>
+        </pc:sldMkLst>
+        <pc:spChg chg="del">
+          <ac:chgData name="Mariusz" userId="ca8d45ae-21cb-4030-bbab-1d3a5fb8cc81" providerId="ADAL" clId="{9175EAAB-6DAF-40B5-B3E8-C7AAB6B2C322}" dt="2020-05-31T19:35:00.656" v="131" actId="478"/>
+          <ac:spMkLst>
+            <pc:docMk/>
+            <pc:sldMk cId="3377491489" sldId="328"/>
+            <ac:spMk id="3" creationId="{53C31F9F-67D0-448F-B7F0-536930F71665}"/>
+          </ac:spMkLst>
+        </pc:spChg>
+        <pc:spChg chg="add mod">
+          <ac:chgData name="Mariusz" userId="ca8d45ae-21cb-4030-bbab-1d3a5fb8cc81" providerId="ADAL" clId="{9175EAAB-6DAF-40B5-B3E8-C7AAB6B2C322}" dt="2020-05-31T19:35:05.192" v="133" actId="1076"/>
+          <ac:spMkLst>
+            <pc:docMk/>
+            <pc:sldMk cId="3377491489" sldId="328"/>
+            <ac:spMk id="9" creationId="{32564F46-B989-4B0E-9E9D-8A967BAE75D6}"/>
+          </ac:spMkLst>
+        </pc:spChg>
+      </pc:sldChg>
+      <pc:sldChg chg="modSp new mod modNotesTx">
+        <pc:chgData name="Mariusz" userId="ca8d45ae-21cb-4030-bbab-1d3a5fb8cc81" providerId="ADAL" clId="{9175EAAB-6DAF-40B5-B3E8-C7AAB6B2C322}" dt="2020-06-03T15:45:26.117" v="3311" actId="20577"/>
+        <pc:sldMkLst>
+          <pc:docMk/>
+          <pc:sldMk cId="3207814463" sldId="329"/>
+        </pc:sldMkLst>
+        <pc:spChg chg="mod">
+          <ac:chgData name="Mariusz" userId="ca8d45ae-21cb-4030-bbab-1d3a5fb8cc81" providerId="ADAL" clId="{9175EAAB-6DAF-40B5-B3E8-C7AAB6B2C322}" dt="2020-06-03T10:21:44.595" v="3121" actId="790"/>
+          <ac:spMkLst>
+            <pc:docMk/>
+            <pc:sldMk cId="3207814463" sldId="329"/>
+            <ac:spMk id="2" creationId="{8F6D46E2-0287-475E-933F-CB203B9920EE}"/>
+          </ac:spMkLst>
+        </pc:spChg>
+        <pc:spChg chg="mod">
+          <ac:chgData name="Mariusz" userId="ca8d45ae-21cb-4030-bbab-1d3a5fb8cc81" providerId="ADAL" clId="{9175EAAB-6DAF-40B5-B3E8-C7AAB6B2C322}" dt="2020-06-03T10:48:28.314" v="3185" actId="20577"/>
+          <ac:spMkLst>
+            <pc:docMk/>
+            <pc:sldMk cId="3207814463" sldId="329"/>
+            <ac:spMk id="3" creationId="{5D69F4E3-C011-4593-AB68-535F1F1362CF}"/>
+          </ac:spMkLst>
+        </pc:spChg>
+      </pc:sldChg>
+      <pc:sldChg chg="modSp new mod modNotesTx">
+        <pc:chgData name="Mariusz" userId="ca8d45ae-21cb-4030-bbab-1d3a5fb8cc81" providerId="ADAL" clId="{9175EAAB-6DAF-40B5-B3E8-C7AAB6B2C322}" dt="2020-06-03T08:12:51.663" v="2601" actId="790"/>
+        <pc:sldMkLst>
+          <pc:docMk/>
+          <pc:sldMk cId="4142186493" sldId="330"/>
+        </pc:sldMkLst>
+        <pc:spChg chg="mod">
+          <ac:chgData name="Mariusz" userId="ca8d45ae-21cb-4030-bbab-1d3a5fb8cc81" providerId="ADAL" clId="{9175EAAB-6DAF-40B5-B3E8-C7AAB6B2C322}" dt="2020-06-01T10:58:47.535" v="806" actId="20577"/>
+          <ac:spMkLst>
+            <pc:docMk/>
+            <pc:sldMk cId="4142186493" sldId="330"/>
+            <ac:spMk id="2" creationId="{E329F2BE-320F-4919-AAC2-22EFA6F64D28}"/>
+          </ac:spMkLst>
+        </pc:spChg>
+        <pc:spChg chg="mod">
+          <ac:chgData name="Mariusz" userId="ca8d45ae-21cb-4030-bbab-1d3a5fb8cc81" providerId="ADAL" clId="{9175EAAB-6DAF-40B5-B3E8-C7AAB6B2C322}" dt="2020-06-03T08:12:51.663" v="2601" actId="790"/>
+          <ac:spMkLst>
+            <pc:docMk/>
+            <pc:sldMk cId="4142186493" sldId="330"/>
+            <ac:spMk id="3" creationId="{071AA146-CCD8-4A20-A57B-2343D76AC0A6}"/>
+          </ac:spMkLst>
+        </pc:spChg>
+      </pc:sldChg>
+      <pc:sldChg chg="add ord modNotes modNotesTx">
+        <pc:chgData name="Mariusz" userId="ca8d45ae-21cb-4030-bbab-1d3a5fb8cc81" providerId="ADAL" clId="{9175EAAB-6DAF-40B5-B3E8-C7AAB6B2C322}" dt="2020-06-03T11:47:17.114" v="3229" actId="6549"/>
+        <pc:sldMkLst>
+          <pc:docMk/>
+          <pc:sldMk cId="2570193537" sldId="331"/>
+        </pc:sldMkLst>
+      </pc:sldChg>
+      <pc:sldMasterChg chg="modSp mod modSldLayout">
+        <pc:chgData name="Mariusz" userId="ca8d45ae-21cb-4030-bbab-1d3a5fb8cc81" providerId="ADAL" clId="{9175EAAB-6DAF-40B5-B3E8-C7AAB6B2C322}" dt="2020-05-31T15:23:08.757" v="57"/>
+        <pc:sldMasterMkLst>
+          <pc:docMk/>
+          <pc:sldMasterMk cId="2448127605" sldId="2147483696"/>
+        </pc:sldMasterMkLst>
+        <pc:spChg chg="mod">
+          <ac:chgData name="Mariusz" userId="ca8d45ae-21cb-4030-bbab-1d3a5fb8cc81" providerId="ADAL" clId="{9175EAAB-6DAF-40B5-B3E8-C7AAB6B2C322}" dt="2020-05-31T15:23:08.757" v="57"/>
+          <ac:spMkLst>
+            <pc:docMk/>
+            <pc:sldMasterMk cId="2448127605" sldId="2147483696"/>
+            <ac:spMk id="2" creationId="{00000000-0000-0000-0000-000000000000}"/>
+          </ac:spMkLst>
+        </pc:spChg>
+        <pc:spChg chg="mod">
+          <ac:chgData name="Mariusz" userId="ca8d45ae-21cb-4030-bbab-1d3a5fb8cc81" providerId="ADAL" clId="{9175EAAB-6DAF-40B5-B3E8-C7AAB6B2C322}" dt="2020-05-31T15:23:08.757" v="57"/>
+          <ac:spMkLst>
+            <pc:docMk/>
+            <pc:sldMasterMk cId="2448127605" sldId="2147483696"/>
+            <ac:spMk id="3" creationId="{00000000-0000-0000-0000-000000000000}"/>
+          </ac:spMkLst>
+        </pc:spChg>
+        <pc:spChg chg="mod">
+          <ac:chgData name="Mariusz" userId="ca8d45ae-21cb-4030-bbab-1d3a5fb8cc81" providerId="ADAL" clId="{9175EAAB-6DAF-40B5-B3E8-C7AAB6B2C322}" dt="2020-05-31T15:23:08.757" v="57"/>
+          <ac:spMkLst>
+            <pc:docMk/>
+            <pc:sldMasterMk cId="2448127605" sldId="2147483696"/>
+            <ac:spMk id="4" creationId="{00000000-0000-0000-0000-000000000000}"/>
+          </ac:spMkLst>
+        </pc:spChg>
+        <pc:spChg chg="mod">
+          <ac:chgData name="Mariusz" userId="ca8d45ae-21cb-4030-bbab-1d3a5fb8cc81" providerId="ADAL" clId="{9175EAAB-6DAF-40B5-B3E8-C7AAB6B2C322}" dt="2020-05-31T15:23:08.757" v="57"/>
+          <ac:spMkLst>
+            <pc:docMk/>
+            <pc:sldMasterMk cId="2448127605" sldId="2147483696"/>
+            <ac:spMk id="5" creationId="{00000000-0000-0000-0000-000000000000}"/>
+          </ac:spMkLst>
+        </pc:spChg>
+        <pc:sldLayoutChg chg="modSp">
+          <pc:chgData name="Mariusz" userId="ca8d45ae-21cb-4030-bbab-1d3a5fb8cc81" providerId="ADAL" clId="{9175EAAB-6DAF-40B5-B3E8-C7AAB6B2C322}" dt="2020-05-31T15:23:08.757" v="57"/>
+          <pc:sldLayoutMkLst>
+            <pc:docMk/>
+            <pc:sldMasterMk cId="2448127605" sldId="2147483696"/>
+            <pc:sldLayoutMk cId="1409572161" sldId="2147483697"/>
+          </pc:sldLayoutMkLst>
+          <pc:spChg chg="mod">
+            <ac:chgData name="Mariusz" userId="ca8d45ae-21cb-4030-bbab-1d3a5fb8cc81" providerId="ADAL" clId="{9175EAAB-6DAF-40B5-B3E8-C7AAB6B2C322}" dt="2020-05-31T15:23:08.757" v="57"/>
+            <ac:spMkLst>
+              <pc:docMk/>
+              <pc:sldMasterMk cId="2448127605" sldId="2147483696"/>
+              <pc:sldLayoutMk cId="1409572161" sldId="2147483697"/>
+              <ac:spMk id="2" creationId="{00000000-0000-0000-0000-000000000000}"/>
+            </ac:spMkLst>
+          </pc:spChg>
+          <pc:spChg chg="mod">
+            <ac:chgData name="Mariusz" userId="ca8d45ae-21cb-4030-bbab-1d3a5fb8cc81" providerId="ADAL" clId="{9175EAAB-6DAF-40B5-B3E8-C7AAB6B2C322}" dt="2020-05-31T15:23:08.757" v="57"/>
+            <ac:spMkLst>
+              <pc:docMk/>
+              <pc:sldMasterMk cId="2448127605" sldId="2147483696"/>
+              <pc:sldLayoutMk cId="1409572161" sldId="2147483697"/>
+              <ac:spMk id="3" creationId="{00000000-0000-0000-0000-000000000000}"/>
+            </ac:spMkLst>
+          </pc:spChg>
+          <pc:spChg chg="mod">
+            <ac:chgData name="Mariusz" userId="ca8d45ae-21cb-4030-bbab-1d3a5fb8cc81" providerId="ADAL" clId="{9175EAAB-6DAF-40B5-B3E8-C7AAB6B2C322}" dt="2020-05-31T15:23:08.757" v="57"/>
+            <ac:spMkLst>
+              <pc:docMk/>
+              <pc:sldMasterMk cId="2448127605" sldId="2147483696"/>
+              <pc:sldLayoutMk cId="1409572161" sldId="2147483697"/>
+              <ac:spMk id="6" creationId="{00000000-0000-0000-0000-000000000000}"/>
+            </ac:spMkLst>
+          </pc:spChg>
+        </pc:sldLayoutChg>
+        <pc:sldLayoutChg chg="modSp">
+          <pc:chgData name="Mariusz" userId="ca8d45ae-21cb-4030-bbab-1d3a5fb8cc81" providerId="ADAL" clId="{9175EAAB-6DAF-40B5-B3E8-C7AAB6B2C322}" dt="2020-05-31T15:23:08.757" v="57"/>
+          <pc:sldLayoutMkLst>
+            <pc:docMk/>
+            <pc:sldMasterMk cId="2448127605" sldId="2147483696"/>
+            <pc:sldLayoutMk cId="4139040905" sldId="2147483698"/>
+          </pc:sldLayoutMkLst>
+          <pc:spChg chg="mod">
+            <ac:chgData name="Mariusz" userId="ca8d45ae-21cb-4030-bbab-1d3a5fb8cc81" providerId="ADAL" clId="{9175EAAB-6DAF-40B5-B3E8-C7AAB6B2C322}" dt="2020-05-31T15:23:08.757" v="57"/>
+            <ac:spMkLst>
+              <pc:docMk/>
+              <pc:sldMasterMk cId="2448127605" sldId="2147483696"/>
+              <pc:sldLayoutMk cId="4139040905" sldId="2147483698"/>
+              <ac:spMk id="6" creationId="{00000000-0000-0000-0000-000000000000}"/>
+            </ac:spMkLst>
+          </pc:spChg>
+        </pc:sldLayoutChg>
+        <pc:sldLayoutChg chg="modSp">
+          <pc:chgData name="Mariusz" userId="ca8d45ae-21cb-4030-bbab-1d3a5fb8cc81" providerId="ADAL" clId="{9175EAAB-6DAF-40B5-B3E8-C7AAB6B2C322}" dt="2020-05-31T15:23:08.757" v="57"/>
+          <pc:sldLayoutMkLst>
+            <pc:docMk/>
+            <pc:sldMasterMk cId="2448127605" sldId="2147483696"/>
+            <pc:sldLayoutMk cId="1898833272" sldId="2147483699"/>
+          </pc:sldLayoutMkLst>
+          <pc:spChg chg="mod">
+            <ac:chgData name="Mariusz" userId="ca8d45ae-21cb-4030-bbab-1d3a5fb8cc81" providerId="ADAL" clId="{9175EAAB-6DAF-40B5-B3E8-C7AAB6B2C322}" dt="2020-05-31T15:23:08.757" v="57"/>
+            <ac:spMkLst>
+              <pc:docMk/>
+              <pc:sldMasterMk cId="2448127605" sldId="2147483696"/>
+              <pc:sldLayoutMk cId="1898833272" sldId="2147483699"/>
+              <ac:spMk id="2" creationId="{00000000-0000-0000-0000-000000000000}"/>
+            </ac:spMkLst>
+          </pc:spChg>
+          <pc:spChg chg="mod">
+            <ac:chgData name="Mariusz" userId="ca8d45ae-21cb-4030-bbab-1d3a5fb8cc81" providerId="ADAL" clId="{9175EAAB-6DAF-40B5-B3E8-C7AAB6B2C322}" dt="2020-05-31T15:23:08.757" v="57"/>
+            <ac:spMkLst>
+              <pc:docMk/>
+              <pc:sldMasterMk cId="2448127605" sldId="2147483696"/>
+              <pc:sldLayoutMk cId="1898833272" sldId="2147483699"/>
+              <ac:spMk id="3" creationId="{00000000-0000-0000-0000-000000000000}"/>
+            </ac:spMkLst>
+          </pc:spChg>
+          <pc:spChg chg="mod">
+            <ac:chgData name="Mariusz" userId="ca8d45ae-21cb-4030-bbab-1d3a5fb8cc81" providerId="ADAL" clId="{9175EAAB-6DAF-40B5-B3E8-C7AAB6B2C322}" dt="2020-05-31T15:23:08.757" v="57"/>
+            <ac:spMkLst>
+              <pc:docMk/>
+              <pc:sldMasterMk cId="2448127605" sldId="2147483696"/>
+              <pc:sldLayoutMk cId="1898833272" sldId="2147483699"/>
+              <ac:spMk id="6" creationId="{00000000-0000-0000-0000-000000000000}"/>
+            </ac:spMkLst>
+          </pc:spChg>
+        </pc:sldLayoutChg>
+        <pc:sldLayoutChg chg="modSp">
+          <pc:chgData name="Mariusz" userId="ca8d45ae-21cb-4030-bbab-1d3a5fb8cc81" providerId="ADAL" clId="{9175EAAB-6DAF-40B5-B3E8-C7AAB6B2C322}" dt="2020-05-31T15:23:08.757" v="57"/>
+          <pc:sldLayoutMkLst>
+            <pc:docMk/>
+            <pc:sldMasterMk cId="2448127605" sldId="2147483696"/>
+            <pc:sldLayoutMk cId="2298140439" sldId="2147483700"/>
+          </pc:sldLayoutMkLst>
+          <pc:spChg chg="mod">
+            <ac:chgData name="Mariusz" userId="ca8d45ae-21cb-4030-bbab-1d3a5fb8cc81" providerId="ADAL" clId="{9175EAAB-6DAF-40B5-B3E8-C7AAB6B2C322}" dt="2020-05-31T15:23:08.757" v="57"/>
+            <ac:spMkLst>
+              <pc:docMk/>
+              <pc:sldMasterMk cId="2448127605" sldId="2147483696"/>
+              <pc:sldLayoutMk cId="2298140439" sldId="2147483700"/>
+              <ac:spMk id="3" creationId="{00000000-0000-0000-0000-000000000000}"/>
+            </ac:spMkLst>
+          </pc:spChg>
+          <pc:spChg chg="mod">
+            <ac:chgData name="Mariusz" userId="ca8d45ae-21cb-4030-bbab-1d3a5fb8cc81" providerId="ADAL" clId="{9175EAAB-6DAF-40B5-B3E8-C7AAB6B2C322}" dt="2020-05-31T15:23:08.757" v="57"/>
+            <ac:spMkLst>
+              <pc:docMk/>
+              <pc:sldMasterMk cId="2448127605" sldId="2147483696"/>
+              <pc:sldLayoutMk cId="2298140439" sldId="2147483700"/>
+              <ac:spMk id="4" creationId="{00000000-0000-0000-0000-000000000000}"/>
+            </ac:spMkLst>
+          </pc:spChg>
+          <pc:spChg chg="mod">
+            <ac:chgData name="Mariusz" userId="ca8d45ae-21cb-4030-bbab-1d3a5fb8cc81" providerId="ADAL" clId="{9175EAAB-6DAF-40B5-B3E8-C7AAB6B2C322}" dt="2020-05-31T15:23:08.757" v="57"/>
+            <ac:spMkLst>
+              <pc:docMk/>
+              <pc:sldMasterMk cId="2448127605" sldId="2147483696"/>
+              <pc:sldLayoutMk cId="2298140439" sldId="2147483700"/>
+              <ac:spMk id="7" creationId="{00000000-0000-0000-0000-000000000000}"/>
+            </ac:spMkLst>
+          </pc:spChg>
+        </pc:sldLayoutChg>
+        <pc:sldLayoutChg chg="modSp">
+          <pc:chgData name="Mariusz" userId="ca8d45ae-21cb-4030-bbab-1d3a5fb8cc81" providerId="ADAL" clId="{9175EAAB-6DAF-40B5-B3E8-C7AAB6B2C322}" dt="2020-05-31T15:23:08.757" v="57"/>
+          <pc:sldLayoutMkLst>
+            <pc:docMk/>
+            <pc:sldMasterMk cId="2448127605" sldId="2147483696"/>
+            <pc:sldLayoutMk cId="3570227033" sldId="2147483701"/>
+          </pc:sldLayoutMkLst>
+          <pc:spChg chg="mod">
+            <ac:chgData name="Mariusz" userId="ca8d45ae-21cb-4030-bbab-1d3a5fb8cc81" providerId="ADAL" clId="{9175EAAB-6DAF-40B5-B3E8-C7AAB6B2C322}" dt="2020-05-31T15:23:08.757" v="57"/>
+            <ac:spMkLst>
+              <pc:docMk/>
+              <pc:sldMasterMk cId="2448127605" sldId="2147483696"/>
+              <pc:sldLayoutMk cId="3570227033" sldId="2147483701"/>
+              <ac:spMk id="2" creationId="{00000000-0000-0000-0000-000000000000}"/>
+            </ac:spMkLst>
+          </pc:spChg>
+          <pc:spChg chg="mod">
+            <ac:chgData name="Mariusz" userId="ca8d45ae-21cb-4030-bbab-1d3a5fb8cc81" providerId="ADAL" clId="{9175EAAB-6DAF-40B5-B3E8-C7AAB6B2C322}" dt="2020-05-31T15:23:08.757" v="57"/>
+            <ac:spMkLst>
+              <pc:docMk/>
+              <pc:sldMasterMk cId="2448127605" sldId="2147483696"/>
+              <pc:sldLayoutMk cId="3570227033" sldId="2147483701"/>
+              <ac:spMk id="3" creationId="{00000000-0000-0000-0000-000000000000}"/>
+            </ac:spMkLst>
+          </pc:spChg>
+          <pc:spChg chg="mod">
+            <ac:chgData name="Mariusz" userId="ca8d45ae-21cb-4030-bbab-1d3a5fb8cc81" providerId="ADAL" clId="{9175EAAB-6DAF-40B5-B3E8-C7AAB6B2C322}" dt="2020-05-31T15:23:08.757" v="57"/>
+            <ac:spMkLst>
+              <pc:docMk/>
+              <pc:sldMasterMk cId="2448127605" sldId="2147483696"/>
+              <pc:sldLayoutMk cId="3570227033" sldId="2147483701"/>
+              <ac:spMk id="4" creationId="{00000000-0000-0000-0000-000000000000}"/>
+            </ac:spMkLst>
+          </pc:spChg>
+          <pc:spChg chg="mod">
+            <ac:chgData name="Mariusz" userId="ca8d45ae-21cb-4030-bbab-1d3a5fb8cc81" providerId="ADAL" clId="{9175EAAB-6DAF-40B5-B3E8-C7AAB6B2C322}" dt="2020-05-31T15:23:08.757" v="57"/>
+            <ac:spMkLst>
+              <pc:docMk/>
+              <pc:sldMasterMk cId="2448127605" sldId="2147483696"/>
+              <pc:sldLayoutMk cId="3570227033" sldId="2147483701"/>
+              <ac:spMk id="5" creationId="{00000000-0000-0000-0000-000000000000}"/>
+            </ac:spMkLst>
+          </pc:spChg>
+          <pc:spChg chg="mod">
+            <ac:chgData name="Mariusz" userId="ca8d45ae-21cb-4030-bbab-1d3a5fb8cc81" providerId="ADAL" clId="{9175EAAB-6DAF-40B5-B3E8-C7AAB6B2C322}" dt="2020-05-31T15:23:08.757" v="57"/>
+            <ac:spMkLst>
+              <pc:docMk/>
+              <pc:sldMasterMk cId="2448127605" sldId="2147483696"/>
+              <pc:sldLayoutMk cId="3570227033" sldId="2147483701"/>
+              <ac:spMk id="6" creationId="{00000000-0000-0000-0000-000000000000}"/>
+            </ac:spMkLst>
+          </pc:spChg>
+          <pc:spChg chg="mod">
+            <ac:chgData name="Mariusz" userId="ca8d45ae-21cb-4030-bbab-1d3a5fb8cc81" providerId="ADAL" clId="{9175EAAB-6DAF-40B5-B3E8-C7AAB6B2C322}" dt="2020-05-31T15:23:08.757" v="57"/>
+            <ac:spMkLst>
+              <pc:docMk/>
+              <pc:sldMasterMk cId="2448127605" sldId="2147483696"/>
+              <pc:sldLayoutMk cId="3570227033" sldId="2147483701"/>
+              <ac:spMk id="9" creationId="{00000000-0000-0000-0000-000000000000}"/>
+            </ac:spMkLst>
+          </pc:spChg>
+        </pc:sldLayoutChg>
+        <pc:sldLayoutChg chg="modSp mod">
+          <pc:chgData name="Mariusz" userId="ca8d45ae-21cb-4030-bbab-1d3a5fb8cc81" providerId="ADAL" clId="{9175EAAB-6DAF-40B5-B3E8-C7AAB6B2C322}" dt="2020-05-31T15:23:08.757" v="57"/>
+          <pc:sldLayoutMkLst>
+            <pc:docMk/>
+            <pc:sldMasterMk cId="2448127605" sldId="2147483696"/>
+            <pc:sldLayoutMk cId="3085328859" sldId="2147483702"/>
+          </pc:sldLayoutMkLst>
+          <pc:spChg chg="mod">
+            <ac:chgData name="Mariusz" userId="ca8d45ae-21cb-4030-bbab-1d3a5fb8cc81" providerId="ADAL" clId="{9175EAAB-6DAF-40B5-B3E8-C7AAB6B2C322}" dt="2020-05-31T15:23:08.757" v="57"/>
+            <ac:spMkLst>
+              <pc:docMk/>
+              <pc:sldMasterMk cId="2448127605" sldId="2147483696"/>
+              <pc:sldLayoutMk cId="3085328859" sldId="2147483702"/>
+              <ac:spMk id="2" creationId="{00000000-0000-0000-0000-000000000000}"/>
+            </ac:spMkLst>
+          </pc:spChg>
+          <pc:spChg chg="mod">
+            <ac:chgData name="Mariusz" userId="ca8d45ae-21cb-4030-bbab-1d3a5fb8cc81" providerId="ADAL" clId="{9175EAAB-6DAF-40B5-B3E8-C7AAB6B2C322}" dt="2020-05-31T15:23:08.757" v="57"/>
+            <ac:spMkLst>
+              <pc:docMk/>
+              <pc:sldMasterMk cId="2448127605" sldId="2147483696"/>
+              <pc:sldLayoutMk cId="3085328859" sldId="2147483702"/>
+              <ac:spMk id="5" creationId="{00000000-0000-0000-0000-000000000000}"/>
+            </ac:spMkLst>
+          </pc:spChg>
+        </pc:sldLayoutChg>
+        <pc:sldLayoutChg chg="modSp">
+          <pc:chgData name="Mariusz" userId="ca8d45ae-21cb-4030-bbab-1d3a5fb8cc81" providerId="ADAL" clId="{9175EAAB-6DAF-40B5-B3E8-C7AAB6B2C322}" dt="2020-05-31T15:23:08.757" v="57"/>
+          <pc:sldLayoutMkLst>
+            <pc:docMk/>
+            <pc:sldMasterMk cId="2448127605" sldId="2147483696"/>
+            <pc:sldLayoutMk cId="919411330" sldId="2147483703"/>
+          </pc:sldLayoutMkLst>
+          <pc:spChg chg="mod">
+            <ac:chgData name="Mariusz" userId="ca8d45ae-21cb-4030-bbab-1d3a5fb8cc81" providerId="ADAL" clId="{9175EAAB-6DAF-40B5-B3E8-C7AAB6B2C322}" dt="2020-05-31T15:23:08.757" v="57"/>
+            <ac:spMkLst>
+              <pc:docMk/>
+              <pc:sldMasterMk cId="2448127605" sldId="2147483696"/>
+              <pc:sldLayoutMk cId="919411330" sldId="2147483703"/>
+              <ac:spMk id="4" creationId="{00000000-0000-0000-0000-000000000000}"/>
+            </ac:spMkLst>
+          </pc:spChg>
+        </pc:sldLayoutChg>
+        <pc:sldLayoutChg chg="modSp">
+          <pc:chgData name="Mariusz" userId="ca8d45ae-21cb-4030-bbab-1d3a5fb8cc81" providerId="ADAL" clId="{9175EAAB-6DAF-40B5-B3E8-C7AAB6B2C322}" dt="2020-05-31T15:23:08.757" v="57"/>
+          <pc:sldLayoutMkLst>
+            <pc:docMk/>
+            <pc:sldMasterMk cId="2448127605" sldId="2147483696"/>
+            <pc:sldLayoutMk cId="1415932203" sldId="2147483704"/>
+          </pc:sldLayoutMkLst>
+          <pc:spChg chg="mod">
+            <ac:chgData name="Mariusz" userId="ca8d45ae-21cb-4030-bbab-1d3a5fb8cc81" providerId="ADAL" clId="{9175EAAB-6DAF-40B5-B3E8-C7AAB6B2C322}" dt="2020-05-31T15:23:08.757" v="57"/>
+            <ac:spMkLst>
+              <pc:docMk/>
+              <pc:sldMasterMk cId="2448127605" sldId="2147483696"/>
+              <pc:sldLayoutMk cId="1415932203" sldId="2147483704"/>
+              <ac:spMk id="2" creationId="{00000000-0000-0000-0000-000000000000}"/>
+            </ac:spMkLst>
+          </pc:spChg>
+          <pc:spChg chg="mod">
+            <ac:chgData name="Mariusz" userId="ca8d45ae-21cb-4030-bbab-1d3a5fb8cc81" providerId="ADAL" clId="{9175EAAB-6DAF-40B5-B3E8-C7AAB6B2C322}" dt="2020-05-31T15:23:08.757" v="57"/>
+            <ac:spMkLst>
+              <pc:docMk/>
+              <pc:sldMasterMk cId="2448127605" sldId="2147483696"/>
+              <pc:sldLayoutMk cId="1415932203" sldId="2147483704"/>
+              <ac:spMk id="3" creationId="{00000000-0000-0000-0000-000000000000}"/>
+            </ac:spMkLst>
+          </pc:spChg>
+          <pc:spChg chg="mod">
+            <ac:chgData name="Mariusz" userId="ca8d45ae-21cb-4030-bbab-1d3a5fb8cc81" providerId="ADAL" clId="{9175EAAB-6DAF-40B5-B3E8-C7AAB6B2C322}" dt="2020-05-31T15:23:08.757" v="57"/>
+            <ac:spMkLst>
+              <pc:docMk/>
+              <pc:sldMasterMk cId="2448127605" sldId="2147483696"/>
+              <pc:sldLayoutMk cId="1415932203" sldId="2147483704"/>
+              <ac:spMk id="4" creationId="{00000000-0000-0000-0000-000000000000}"/>
+            </ac:spMkLst>
+          </pc:spChg>
+          <pc:spChg chg="mod">
+            <ac:chgData name="Mariusz" userId="ca8d45ae-21cb-4030-bbab-1d3a5fb8cc81" providerId="ADAL" clId="{9175EAAB-6DAF-40B5-B3E8-C7AAB6B2C322}" dt="2020-05-31T15:23:08.757" v="57"/>
+            <ac:spMkLst>
+              <pc:docMk/>
+              <pc:sldMasterMk cId="2448127605" sldId="2147483696"/>
+              <pc:sldLayoutMk cId="1415932203" sldId="2147483704"/>
+              <ac:spMk id="7" creationId="{00000000-0000-0000-0000-000000000000}"/>
+            </ac:spMkLst>
+          </pc:spChg>
+        </pc:sldLayoutChg>
+        <pc:sldLayoutChg chg="modSp">
+          <pc:chgData name="Mariusz" userId="ca8d45ae-21cb-4030-bbab-1d3a5fb8cc81" providerId="ADAL" clId="{9175EAAB-6DAF-40B5-B3E8-C7AAB6B2C322}" dt="2020-05-31T15:23:08.757" v="57"/>
+          <pc:sldLayoutMkLst>
+            <pc:docMk/>
+            <pc:sldMasterMk cId="2448127605" sldId="2147483696"/>
+            <pc:sldLayoutMk cId="4280010748" sldId="2147483705"/>
+          </pc:sldLayoutMkLst>
+          <pc:spChg chg="mod">
+            <ac:chgData name="Mariusz" userId="ca8d45ae-21cb-4030-bbab-1d3a5fb8cc81" providerId="ADAL" clId="{9175EAAB-6DAF-40B5-B3E8-C7AAB6B2C322}" dt="2020-05-31T15:23:08.757" v="57"/>
+            <ac:spMkLst>
+              <pc:docMk/>
+              <pc:sldMasterMk cId="2448127605" sldId="2147483696"/>
+              <pc:sldLayoutMk cId="4280010748" sldId="2147483705"/>
+              <ac:spMk id="2" creationId="{00000000-0000-0000-0000-000000000000}"/>
+            </ac:spMkLst>
+          </pc:spChg>
+          <pc:spChg chg="mod">
+            <ac:chgData name="Mariusz" userId="ca8d45ae-21cb-4030-bbab-1d3a5fb8cc81" providerId="ADAL" clId="{9175EAAB-6DAF-40B5-B3E8-C7AAB6B2C322}" dt="2020-05-31T15:23:08.757" v="57"/>
+            <ac:spMkLst>
+              <pc:docMk/>
+              <pc:sldMasterMk cId="2448127605" sldId="2147483696"/>
+              <pc:sldLayoutMk cId="4280010748" sldId="2147483705"/>
+              <ac:spMk id="3" creationId="{00000000-0000-0000-0000-000000000000}"/>
+            </ac:spMkLst>
+          </pc:spChg>
+          <pc:spChg chg="mod">
+            <ac:chgData name="Mariusz" userId="ca8d45ae-21cb-4030-bbab-1d3a5fb8cc81" providerId="ADAL" clId="{9175EAAB-6DAF-40B5-B3E8-C7AAB6B2C322}" dt="2020-05-31T15:23:08.757" v="57"/>
+            <ac:spMkLst>
+              <pc:docMk/>
+              <pc:sldMasterMk cId="2448127605" sldId="2147483696"/>
+              <pc:sldLayoutMk cId="4280010748" sldId="2147483705"/>
+              <ac:spMk id="4" creationId="{00000000-0000-0000-0000-000000000000}"/>
+            </ac:spMkLst>
+          </pc:spChg>
+          <pc:spChg chg="mod">
+            <ac:chgData name="Mariusz" userId="ca8d45ae-21cb-4030-bbab-1d3a5fb8cc81" providerId="ADAL" clId="{9175EAAB-6DAF-40B5-B3E8-C7AAB6B2C322}" dt="2020-05-31T15:23:08.757" v="57"/>
+            <ac:spMkLst>
+              <pc:docMk/>
+              <pc:sldMasterMk cId="2448127605" sldId="2147483696"/>
+              <pc:sldLayoutMk cId="4280010748" sldId="2147483705"/>
+              <ac:spMk id="7" creationId="{00000000-0000-0000-0000-000000000000}"/>
+            </ac:spMkLst>
+          </pc:spChg>
+        </pc:sldLayoutChg>
+        <pc:sldLayoutChg chg="modSp">
+          <pc:chgData name="Mariusz" userId="ca8d45ae-21cb-4030-bbab-1d3a5fb8cc81" providerId="ADAL" clId="{9175EAAB-6DAF-40B5-B3E8-C7AAB6B2C322}" dt="2020-05-31T15:23:08.757" v="57"/>
+          <pc:sldLayoutMkLst>
+            <pc:docMk/>
+            <pc:sldMasterMk cId="2448127605" sldId="2147483696"/>
+            <pc:sldLayoutMk cId="1683738821" sldId="2147483706"/>
+          </pc:sldLayoutMkLst>
+          <pc:spChg chg="mod">
+            <ac:chgData name="Mariusz" userId="ca8d45ae-21cb-4030-bbab-1d3a5fb8cc81" providerId="ADAL" clId="{9175EAAB-6DAF-40B5-B3E8-C7AAB6B2C322}" dt="2020-05-31T15:23:08.757" v="57"/>
+            <ac:spMkLst>
+              <pc:docMk/>
+              <pc:sldMasterMk cId="2448127605" sldId="2147483696"/>
+              <pc:sldLayoutMk cId="1683738821" sldId="2147483706"/>
+              <ac:spMk id="6" creationId="{00000000-0000-0000-0000-000000000000}"/>
+            </ac:spMkLst>
+          </pc:spChg>
+        </pc:sldLayoutChg>
+        <pc:sldLayoutChg chg="modSp">
+          <pc:chgData name="Mariusz" userId="ca8d45ae-21cb-4030-bbab-1d3a5fb8cc81" providerId="ADAL" clId="{9175EAAB-6DAF-40B5-B3E8-C7AAB6B2C322}" dt="2020-05-31T15:23:08.757" v="57"/>
+          <pc:sldLayoutMkLst>
+            <pc:docMk/>
+            <pc:sldMasterMk cId="2448127605" sldId="2147483696"/>
+            <pc:sldLayoutMk cId="645240836" sldId="2147483707"/>
+          </pc:sldLayoutMkLst>
+          <pc:spChg chg="mod">
+            <ac:chgData name="Mariusz" userId="ca8d45ae-21cb-4030-bbab-1d3a5fb8cc81" providerId="ADAL" clId="{9175EAAB-6DAF-40B5-B3E8-C7AAB6B2C322}" dt="2020-05-31T15:23:08.757" v="57"/>
+            <ac:spMkLst>
+              <pc:docMk/>
+              <pc:sldMasterMk cId="2448127605" sldId="2147483696"/>
+              <pc:sldLayoutMk cId="645240836" sldId="2147483707"/>
+              <ac:spMk id="2" creationId="{00000000-0000-0000-0000-000000000000}"/>
+            </ac:spMkLst>
+          </pc:spChg>
+          <pc:spChg chg="mod">
+            <ac:chgData name="Mariusz" userId="ca8d45ae-21cb-4030-bbab-1d3a5fb8cc81" providerId="ADAL" clId="{9175EAAB-6DAF-40B5-B3E8-C7AAB6B2C322}" dt="2020-05-31T15:23:08.757" v="57"/>
+            <ac:spMkLst>
+              <pc:docMk/>
+              <pc:sldMasterMk cId="2448127605" sldId="2147483696"/>
+              <pc:sldLayoutMk cId="645240836" sldId="2147483707"/>
+              <ac:spMk id="3" creationId="{00000000-0000-0000-0000-000000000000}"/>
+            </ac:spMkLst>
+          </pc:spChg>
+          <pc:spChg chg="mod">
+            <ac:chgData name="Mariusz" userId="ca8d45ae-21cb-4030-bbab-1d3a5fb8cc81" providerId="ADAL" clId="{9175EAAB-6DAF-40B5-B3E8-C7AAB6B2C322}" dt="2020-05-31T15:23:08.757" v="57"/>
+            <ac:spMkLst>
+              <pc:docMk/>
+              <pc:sldMasterMk cId="2448127605" sldId="2147483696"/>
+              <pc:sldLayoutMk cId="645240836" sldId="2147483707"/>
+              <ac:spMk id="6" creationId="{00000000-0000-0000-0000-000000000000}"/>
+            </ac:spMkLst>
+          </pc:spChg>
+        </pc:sldLayoutChg>
+      </pc:sldMasterChg>
+      <pc:sldMasterChg chg="modSp mod delSldLayout modSldLayout">
+        <pc:chgData name="Mariusz" userId="ca8d45ae-21cb-4030-bbab-1d3a5fb8cc81" providerId="ADAL" clId="{9175EAAB-6DAF-40B5-B3E8-C7AAB6B2C322}" dt="2020-05-31T15:29:24.638" v="97" actId="478"/>
+        <pc:sldMasterMkLst>
+          <pc:docMk/>
+          <pc:sldMasterMk cId="796021658" sldId="2147483708"/>
+        </pc:sldMasterMkLst>
+        <pc:spChg chg="mod">
+          <ac:chgData name="Mariusz" userId="ca8d45ae-21cb-4030-bbab-1d3a5fb8cc81" providerId="ADAL" clId="{9175EAAB-6DAF-40B5-B3E8-C7AAB6B2C322}" dt="2020-05-31T15:24:00.715" v="70" actId="14100"/>
+          <ac:spMkLst>
+            <pc:docMk/>
+            <pc:sldMasterMk cId="796021658" sldId="2147483708"/>
+            <ac:spMk id="2" creationId="{00000000-0000-0000-0000-000000000000}"/>
+          </ac:spMkLst>
+        </pc:spChg>
+        <pc:spChg chg="mod">
+          <ac:chgData name="Mariusz" userId="ca8d45ae-21cb-4030-bbab-1d3a5fb8cc81" providerId="ADAL" clId="{9175EAAB-6DAF-40B5-B3E8-C7AAB6B2C322}" dt="2020-05-31T15:25:13.576" v="78" actId="14100"/>
+          <ac:spMkLst>
+            <pc:docMk/>
+            <pc:sldMasterMk cId="796021658" sldId="2147483708"/>
+            <ac:spMk id="3" creationId="{00000000-0000-0000-0000-000000000000}"/>
+          </ac:spMkLst>
+        </pc:spChg>
+        <pc:spChg chg="mod">
+          <ac:chgData name="Mariusz" userId="ca8d45ae-21cb-4030-bbab-1d3a5fb8cc81" providerId="ADAL" clId="{9175EAAB-6DAF-40B5-B3E8-C7AAB6B2C322}" dt="2020-05-31T15:24:47.439" v="76" actId="1076"/>
+          <ac:spMkLst>
+            <pc:docMk/>
+            <pc:sldMasterMk cId="796021658" sldId="2147483708"/>
+            <ac:spMk id="4" creationId="{00000000-0000-0000-0000-000000000000}"/>
+          </ac:spMkLst>
+        </pc:spChg>
+        <pc:spChg chg="mod">
+          <ac:chgData name="Mariusz" userId="ca8d45ae-21cb-4030-bbab-1d3a5fb8cc81" providerId="ADAL" clId="{9175EAAB-6DAF-40B5-B3E8-C7AAB6B2C322}" dt="2020-05-31T15:25:01.160" v="77" actId="1076"/>
+          <ac:spMkLst>
+            <pc:docMk/>
+            <pc:sldMasterMk cId="796021658" sldId="2147483708"/>
+            <ac:spMk id="5" creationId="{00000000-0000-0000-0000-000000000000}"/>
+          </ac:spMkLst>
+        </pc:spChg>
+        <pc:sldLayoutChg chg="delSp modSp mod">
+          <pc:chgData name="Mariusz" userId="ca8d45ae-21cb-4030-bbab-1d3a5fb8cc81" providerId="ADAL" clId="{9175EAAB-6DAF-40B5-B3E8-C7AAB6B2C322}" dt="2020-05-31T15:29:24.638" v="97" actId="478"/>
+          <pc:sldLayoutMkLst>
+            <pc:docMk/>
+            <pc:sldMasterMk cId="796021658" sldId="2147483708"/>
+            <pc:sldLayoutMk cId="565703005" sldId="2147483709"/>
+          </pc:sldLayoutMkLst>
+          <pc:spChg chg="mod">
+            <ac:chgData name="Mariusz" userId="ca8d45ae-21cb-4030-bbab-1d3a5fb8cc81" providerId="ADAL" clId="{9175EAAB-6DAF-40B5-B3E8-C7AAB6B2C322}" dt="2020-05-31T15:25:36.462" v="79" actId="255"/>
+            <ac:spMkLst>
+              <pc:docMk/>
+              <pc:sldMasterMk cId="796021658" sldId="2147483708"/>
+              <pc:sldLayoutMk cId="565703005" sldId="2147483709"/>
+              <ac:spMk id="2" creationId="{00000000-0000-0000-0000-000000000000}"/>
+            </ac:spMkLst>
+          </pc:spChg>
+          <pc:spChg chg="del">
+            <ac:chgData name="Mariusz" userId="ca8d45ae-21cb-4030-bbab-1d3a5fb8cc81" providerId="ADAL" clId="{9175EAAB-6DAF-40B5-B3E8-C7AAB6B2C322}" dt="2020-05-31T15:29:24.638" v="97" actId="478"/>
+            <ac:spMkLst>
+              <pc:docMk/>
+              <pc:sldMasterMk cId="796021658" sldId="2147483708"/>
+              <pc:sldLayoutMk cId="565703005" sldId="2147483709"/>
+              <ac:spMk id="6" creationId="{00000000-0000-0000-0000-000000000000}"/>
+            </ac:spMkLst>
+          </pc:spChg>
+        </pc:sldLayoutChg>
+        <pc:sldLayoutChg chg="delSp mod">
+          <pc:chgData name="Mariusz" userId="ca8d45ae-21cb-4030-bbab-1d3a5fb8cc81" providerId="ADAL" clId="{9175EAAB-6DAF-40B5-B3E8-C7AAB6B2C322}" dt="2020-05-31T15:29:19.136" v="96" actId="478"/>
+          <pc:sldLayoutMkLst>
+            <pc:docMk/>
+            <pc:sldMasterMk cId="796021658" sldId="2147483708"/>
+            <pc:sldLayoutMk cId="3484735178" sldId="2147483710"/>
+          </pc:sldLayoutMkLst>
+          <pc:spChg chg="del">
+            <ac:chgData name="Mariusz" userId="ca8d45ae-21cb-4030-bbab-1d3a5fb8cc81" providerId="ADAL" clId="{9175EAAB-6DAF-40B5-B3E8-C7AAB6B2C322}" dt="2020-05-31T15:29:19.136" v="96" actId="478"/>
+            <ac:spMkLst>
+              <pc:docMk/>
+              <pc:sldMasterMk cId="796021658" sldId="2147483708"/>
+              <pc:sldLayoutMk cId="3484735178" sldId="2147483710"/>
+              <ac:spMk id="6" creationId="{00000000-0000-0000-0000-000000000000}"/>
+            </ac:spMkLst>
+          </pc:spChg>
+        </pc:sldLayoutChg>
+        <pc:sldLayoutChg chg="delSp mod">
+          <pc:chgData name="Mariusz" userId="ca8d45ae-21cb-4030-bbab-1d3a5fb8cc81" providerId="ADAL" clId="{9175EAAB-6DAF-40B5-B3E8-C7AAB6B2C322}" dt="2020-05-31T15:29:10.110" v="95" actId="478"/>
+          <pc:sldLayoutMkLst>
+            <pc:docMk/>
+            <pc:sldMasterMk cId="796021658" sldId="2147483708"/>
+            <pc:sldLayoutMk cId="885913336" sldId="2147483711"/>
+          </pc:sldLayoutMkLst>
+          <pc:spChg chg="del">
+            <ac:chgData name="Mariusz" userId="ca8d45ae-21cb-4030-bbab-1d3a5fb8cc81" providerId="ADAL" clId="{9175EAAB-6DAF-40B5-B3E8-C7AAB6B2C322}" dt="2020-05-31T15:29:10.110" v="95" actId="478"/>
+            <ac:spMkLst>
+              <pc:docMk/>
+              <pc:sldMasterMk cId="796021658" sldId="2147483708"/>
+              <pc:sldLayoutMk cId="885913336" sldId="2147483711"/>
+              <ac:spMk id="6" creationId="{00000000-0000-0000-0000-000000000000}"/>
+            </ac:spMkLst>
+          </pc:spChg>
+        </pc:sldLayoutChg>
+        <pc:sldLayoutChg chg="delSp modSp mod">
+          <pc:chgData name="Mariusz" userId="ca8d45ae-21cb-4030-bbab-1d3a5fb8cc81" providerId="ADAL" clId="{9175EAAB-6DAF-40B5-B3E8-C7AAB6B2C322}" dt="2020-05-31T15:29:03.334" v="94" actId="478"/>
+          <pc:sldLayoutMkLst>
+            <pc:docMk/>
+            <pc:sldMasterMk cId="796021658" sldId="2147483708"/>
+            <pc:sldLayoutMk cId="3752894643" sldId="2147483712"/>
+          </pc:sldLayoutMkLst>
+          <pc:spChg chg="mod">
+            <ac:chgData name="Mariusz" userId="ca8d45ae-21cb-4030-bbab-1d3a5fb8cc81" providerId="ADAL" clId="{9175EAAB-6DAF-40B5-B3E8-C7AAB6B2C322}" dt="2020-05-31T15:26:49.045" v="82" actId="14100"/>
+            <ac:spMkLst>
+              <pc:docMk/>
+              <pc:sldMasterMk cId="796021658" sldId="2147483708"/>
+              <pc:sldLayoutMk cId="3752894643" sldId="2147483712"/>
+              <ac:spMk id="3" creationId="{00000000-0000-0000-0000-000000000000}"/>
+            </ac:spMkLst>
+          </pc:spChg>
+          <pc:spChg chg="mod">
+            <ac:chgData name="Mariusz" userId="ca8d45ae-21cb-4030-bbab-1d3a5fb8cc81" providerId="ADAL" clId="{9175EAAB-6DAF-40B5-B3E8-C7AAB6B2C322}" dt="2020-05-31T15:26:56.582" v="84" actId="14100"/>
+            <ac:spMkLst>
+              <pc:docMk/>
+              <pc:sldMasterMk cId="796021658" sldId="2147483708"/>
+              <pc:sldLayoutMk cId="3752894643" sldId="2147483712"/>
+              <ac:spMk id="4" creationId="{00000000-0000-0000-0000-000000000000}"/>
+            </ac:spMkLst>
+          </pc:spChg>
+          <pc:spChg chg="del">
+            <ac:chgData name="Mariusz" userId="ca8d45ae-21cb-4030-bbab-1d3a5fb8cc81" providerId="ADAL" clId="{9175EAAB-6DAF-40B5-B3E8-C7AAB6B2C322}" dt="2020-05-31T15:29:03.334" v="94" actId="478"/>
+            <ac:spMkLst>
+              <pc:docMk/>
+              <pc:sldMasterMk cId="796021658" sldId="2147483708"/>
+              <pc:sldLayoutMk cId="3752894643" sldId="2147483712"/>
+              <ac:spMk id="7" creationId="{00000000-0000-0000-0000-000000000000}"/>
+            </ac:spMkLst>
+          </pc:spChg>
+        </pc:sldLayoutChg>
+        <pc:sldLayoutChg chg="del">
+          <pc:chgData name="Mariusz" userId="ca8d45ae-21cb-4030-bbab-1d3a5fb8cc81" providerId="ADAL" clId="{9175EAAB-6DAF-40B5-B3E8-C7AAB6B2C322}" dt="2020-05-31T15:27:25.214" v="85" actId="2696"/>
+          <pc:sldLayoutMkLst>
+            <pc:docMk/>
+            <pc:sldMasterMk cId="796021658" sldId="2147483708"/>
+            <pc:sldLayoutMk cId="3156673824" sldId="2147483713"/>
+          </pc:sldLayoutMkLst>
+        </pc:sldLayoutChg>
+        <pc:sldLayoutChg chg="delSp mod">
+          <pc:chgData name="Mariusz" userId="ca8d45ae-21cb-4030-bbab-1d3a5fb8cc81" providerId="ADAL" clId="{9175EAAB-6DAF-40B5-B3E8-C7AAB6B2C322}" dt="2020-05-31T15:28:57.055" v="93" actId="478"/>
+          <pc:sldLayoutMkLst>
+            <pc:docMk/>
+            <pc:sldMasterMk cId="796021658" sldId="2147483708"/>
+            <pc:sldLayoutMk cId="3377702315" sldId="2147483714"/>
+          </pc:sldLayoutMkLst>
+          <pc:spChg chg="del">
+            <ac:chgData name="Mariusz" userId="ca8d45ae-21cb-4030-bbab-1d3a5fb8cc81" providerId="ADAL" clId="{9175EAAB-6DAF-40B5-B3E8-C7AAB6B2C322}" dt="2020-05-31T15:28:57.055" v="93" actId="478"/>
+            <ac:spMkLst>
+              <pc:docMk/>
+              <pc:sldMasterMk cId="796021658" sldId="2147483708"/>
+              <pc:sldLayoutMk cId="3377702315" sldId="2147483714"/>
+              <ac:spMk id="5" creationId="{00000000-0000-0000-0000-000000000000}"/>
+            </ac:spMkLst>
+          </pc:spChg>
+        </pc:sldLayoutChg>
+        <pc:sldLayoutChg chg="addSp delSp mod">
+          <pc:chgData name="Mariusz" userId="ca8d45ae-21cb-4030-bbab-1d3a5fb8cc81" providerId="ADAL" clId="{9175EAAB-6DAF-40B5-B3E8-C7AAB6B2C322}" dt="2020-05-31T15:28:12.822" v="88" actId="478"/>
+          <pc:sldLayoutMkLst>
+            <pc:docMk/>
+            <pc:sldMasterMk cId="796021658" sldId="2147483708"/>
+            <pc:sldLayoutMk cId="2376096244" sldId="2147483715"/>
+          </pc:sldLayoutMkLst>
+          <pc:spChg chg="add del">
+            <ac:chgData name="Mariusz" userId="ca8d45ae-21cb-4030-bbab-1d3a5fb8cc81" providerId="ADAL" clId="{9175EAAB-6DAF-40B5-B3E8-C7AAB6B2C322}" dt="2020-05-31T15:28:08.143" v="87" actId="478"/>
+            <ac:spMkLst>
+              <pc:docMk/>
+              <pc:sldMasterMk cId="796021658" sldId="2147483708"/>
+              <pc:sldLayoutMk cId="2376096244" sldId="2147483715"/>
+              <ac:spMk id="3" creationId="{00000000-0000-0000-0000-000000000000}"/>
+            </ac:spMkLst>
+          </pc:spChg>
+          <pc:spChg chg="del">
+            <ac:chgData name="Mariusz" userId="ca8d45ae-21cb-4030-bbab-1d3a5fb8cc81" providerId="ADAL" clId="{9175EAAB-6DAF-40B5-B3E8-C7AAB6B2C322}" dt="2020-05-31T15:28:12.822" v="88" actId="478"/>
+            <ac:spMkLst>
+              <pc:docMk/>
+              <pc:sldMasterMk cId="796021658" sldId="2147483708"/>
+              <pc:sldLayoutMk cId="2376096244" sldId="2147483715"/>
+              <ac:spMk id="4" creationId="{00000000-0000-0000-0000-000000000000}"/>
+            </ac:spMkLst>
+          </pc:spChg>
+        </pc:sldLayoutChg>
+        <pc:sldLayoutChg chg="delSp mod">
+          <pc:chgData name="Mariusz" userId="ca8d45ae-21cb-4030-bbab-1d3a5fb8cc81" providerId="ADAL" clId="{9175EAAB-6DAF-40B5-B3E8-C7AAB6B2C322}" dt="2020-05-31T15:28:49.807" v="92" actId="478"/>
+          <pc:sldLayoutMkLst>
+            <pc:docMk/>
+            <pc:sldMasterMk cId="796021658" sldId="2147483708"/>
+            <pc:sldLayoutMk cId="2168683367" sldId="2147483716"/>
+          </pc:sldLayoutMkLst>
+          <pc:spChg chg="del">
+            <ac:chgData name="Mariusz" userId="ca8d45ae-21cb-4030-bbab-1d3a5fb8cc81" providerId="ADAL" clId="{9175EAAB-6DAF-40B5-B3E8-C7AAB6B2C322}" dt="2020-05-31T15:28:49.807" v="92" actId="478"/>
+            <ac:spMkLst>
+              <pc:docMk/>
+              <pc:sldMasterMk cId="796021658" sldId="2147483708"/>
+              <pc:sldLayoutMk cId="2168683367" sldId="2147483716"/>
+              <ac:spMk id="7" creationId="{00000000-0000-0000-0000-000000000000}"/>
+            </ac:spMkLst>
+          </pc:spChg>
+        </pc:sldLayoutChg>
+        <pc:sldLayoutChg chg="delSp mod">
+          <pc:chgData name="Mariusz" userId="ca8d45ae-21cb-4030-bbab-1d3a5fb8cc81" providerId="ADAL" clId="{9175EAAB-6DAF-40B5-B3E8-C7AAB6B2C322}" dt="2020-05-31T15:28:41.695" v="91" actId="478"/>
+          <pc:sldLayoutMkLst>
+            <pc:docMk/>
+            <pc:sldMasterMk cId="796021658" sldId="2147483708"/>
+            <pc:sldLayoutMk cId="2813771760" sldId="2147483717"/>
+          </pc:sldLayoutMkLst>
+          <pc:spChg chg="del">
+            <ac:chgData name="Mariusz" userId="ca8d45ae-21cb-4030-bbab-1d3a5fb8cc81" providerId="ADAL" clId="{9175EAAB-6DAF-40B5-B3E8-C7AAB6B2C322}" dt="2020-05-31T15:28:41.695" v="91" actId="478"/>
+            <ac:spMkLst>
+              <pc:docMk/>
+              <pc:sldMasterMk cId="796021658" sldId="2147483708"/>
+              <pc:sldLayoutMk cId="2813771760" sldId="2147483717"/>
+              <ac:spMk id="7" creationId="{00000000-0000-0000-0000-000000000000}"/>
+            </ac:spMkLst>
+          </pc:spChg>
+        </pc:sldLayoutChg>
+        <pc:sldLayoutChg chg="delSp mod">
+          <pc:chgData name="Mariusz" userId="ca8d45ae-21cb-4030-bbab-1d3a5fb8cc81" providerId="ADAL" clId="{9175EAAB-6DAF-40B5-B3E8-C7AAB6B2C322}" dt="2020-05-31T15:28:36.407" v="90" actId="478"/>
+          <pc:sldLayoutMkLst>
+            <pc:docMk/>
+            <pc:sldMasterMk cId="796021658" sldId="2147483708"/>
+            <pc:sldLayoutMk cId="1573691912" sldId="2147483718"/>
+          </pc:sldLayoutMkLst>
+          <pc:spChg chg="del">
+            <ac:chgData name="Mariusz" userId="ca8d45ae-21cb-4030-bbab-1d3a5fb8cc81" providerId="ADAL" clId="{9175EAAB-6DAF-40B5-B3E8-C7AAB6B2C322}" dt="2020-05-31T15:28:36.407" v="90" actId="478"/>
+            <ac:spMkLst>
+              <pc:docMk/>
+              <pc:sldMasterMk cId="796021658" sldId="2147483708"/>
+              <pc:sldLayoutMk cId="1573691912" sldId="2147483718"/>
+              <ac:spMk id="6" creationId="{00000000-0000-0000-0000-000000000000}"/>
+            </ac:spMkLst>
+          </pc:spChg>
+        </pc:sldLayoutChg>
+        <pc:sldLayoutChg chg="delSp mod">
+          <pc:chgData name="Mariusz" userId="ca8d45ae-21cb-4030-bbab-1d3a5fb8cc81" providerId="ADAL" clId="{9175EAAB-6DAF-40B5-B3E8-C7AAB6B2C322}" dt="2020-05-31T15:28:30.294" v="89" actId="478"/>
+          <pc:sldLayoutMkLst>
+            <pc:docMk/>
+            <pc:sldMasterMk cId="796021658" sldId="2147483708"/>
+            <pc:sldLayoutMk cId="2980986642" sldId="2147483719"/>
+          </pc:sldLayoutMkLst>
+          <pc:spChg chg="del">
+            <ac:chgData name="Mariusz" userId="ca8d45ae-21cb-4030-bbab-1d3a5fb8cc81" providerId="ADAL" clId="{9175EAAB-6DAF-40B5-B3E8-C7AAB6B2C322}" dt="2020-05-31T15:28:30.294" v="89" actId="478"/>
+            <ac:spMkLst>
+              <pc:docMk/>
+              <pc:sldMasterMk cId="796021658" sldId="2147483708"/>
+              <pc:sldLayoutMk cId="2980986642" sldId="2147483719"/>
+              <ac:spMk id="6" creationId="{00000000-0000-0000-0000-000000000000}"/>
+            </ac:spMkLst>
+          </pc:spChg>
+        </pc:sldLayoutChg>
+      </pc:sldMasterChg>
+    </pc:docChg>
+  </pc:docChgLst>
+  <pc:docChgLst>
     <pc:chgData name="Mariusz Postół I1" userId="ca8d45ae-21cb-4030-bbab-1d3a5fb8cc81" providerId="ADAL" clId="{A6E52958-1C85-4BAE-8661-E107A3590262}"/>
     <pc:docChg chg="custSel addSld delSld modSld">
       <pc:chgData name="Mariusz Postół I1" userId="ca8d45ae-21cb-4030-bbab-1d3a5fb8cc81" providerId="ADAL" clId="{A6E52958-1C85-4BAE-8661-E107A3590262}" dt="2019-10-21T21:14:42.188" v="253" actId="2696"/>
@@ -458,4222 +3571,6 @@
           <pc:sldMk cId="3993606669" sldId="287"/>
         </pc:sldMkLst>
       </pc:sldChg>
-    </pc:docChg>
-  </pc:docChgLst>
-  <pc:docChgLst>
-    <pc:chgData name="Mariusz Postol" userId="a9bd224de8a96e2b" providerId="Windows Live" clId="Web-{640444EA-C7F1-4BC2-9675-65DA290B6562}"/>
-    <pc:docChg chg="modSld sldOrd">
-      <pc:chgData name="Mariusz Postol" userId="a9bd224de8a96e2b" providerId="Windows Live" clId="Web-{640444EA-C7F1-4BC2-9675-65DA290B6562}" dt="2019-06-26T20:49:21.283" v="577" actId="20577"/>
-      <pc:docMkLst>
-        <pc:docMk/>
-      </pc:docMkLst>
-      <pc:sldChg chg="modSp">
-        <pc:chgData name="Mariusz Postol" userId="a9bd224de8a96e2b" providerId="Windows Live" clId="Web-{640444EA-C7F1-4BC2-9675-65DA290B6562}" dt="2019-06-26T19:09:04.069" v="318" actId="14100"/>
-        <pc:sldMkLst>
-          <pc:docMk/>
-          <pc:sldMk cId="0" sldId="256"/>
-        </pc:sldMkLst>
-        <pc:spChg chg="mod">
-          <ac:chgData name="Mariusz Postol" userId="a9bd224de8a96e2b" providerId="Windows Live" clId="Web-{640444EA-C7F1-4BC2-9675-65DA290B6562}" dt="2019-06-26T19:09:04.069" v="318" actId="14100"/>
-          <ac:spMkLst>
-            <pc:docMk/>
-            <pc:sldMk cId="0" sldId="256"/>
-            <ac:spMk id="2" creationId="{00000000-0000-0000-0000-000000000000}"/>
-          </ac:spMkLst>
-        </pc:spChg>
-        <pc:spChg chg="mod">
-          <ac:chgData name="Mariusz Postol" userId="a9bd224de8a96e2b" providerId="Windows Live" clId="Web-{640444EA-C7F1-4BC2-9675-65DA290B6562}" dt="2019-06-26T19:08:21.069" v="309" actId="1076"/>
-          <ac:spMkLst>
-            <pc:docMk/>
-            <pc:sldMk cId="0" sldId="256"/>
-            <ac:spMk id="3" creationId="{00000000-0000-0000-0000-000000000000}"/>
-          </ac:spMkLst>
-        </pc:spChg>
-      </pc:sldChg>
-      <pc:sldChg chg="modSp">
-        <pc:chgData name="Mariusz Postol" userId="a9bd224de8a96e2b" providerId="Windows Live" clId="Web-{640444EA-C7F1-4BC2-9675-65DA290B6562}" dt="2019-06-26T20:49:11.252" v="575" actId="20577"/>
-        <pc:sldMkLst>
-          <pc:docMk/>
-          <pc:sldMk cId="0" sldId="258"/>
-        </pc:sldMkLst>
-        <pc:spChg chg="mod">
-          <ac:chgData name="Mariusz Postol" userId="a9bd224de8a96e2b" providerId="Windows Live" clId="Web-{640444EA-C7F1-4BC2-9675-65DA290B6562}" dt="2019-06-26T20:12:54.660" v="558" actId="14100"/>
-          <ac:spMkLst>
-            <pc:docMk/>
-            <pc:sldMk cId="0" sldId="258"/>
-            <ac:spMk id="2" creationId="{00000000-0000-0000-0000-000000000000}"/>
-          </ac:spMkLst>
-        </pc:spChg>
-        <pc:spChg chg="mod">
-          <ac:chgData name="Mariusz Postol" userId="a9bd224de8a96e2b" providerId="Windows Live" clId="Web-{640444EA-C7F1-4BC2-9675-65DA290B6562}" dt="2019-06-26T20:49:11.252" v="575" actId="20577"/>
-          <ac:spMkLst>
-            <pc:docMk/>
-            <pc:sldMk cId="0" sldId="258"/>
-            <ac:spMk id="3" creationId="{00000000-0000-0000-0000-000000000000}"/>
-          </ac:spMkLst>
-        </pc:spChg>
-      </pc:sldChg>
-      <pc:sldChg chg="modSp">
-        <pc:chgData name="Mariusz Postol" userId="a9bd224de8a96e2b" providerId="Windows Live" clId="Web-{640444EA-C7F1-4BC2-9675-65DA290B6562}" dt="2019-06-26T20:39:06.815" v="573" actId="20577"/>
-        <pc:sldMkLst>
-          <pc:docMk/>
-          <pc:sldMk cId="0" sldId="259"/>
-        </pc:sldMkLst>
-        <pc:spChg chg="mod">
-          <ac:chgData name="Mariusz Postol" userId="a9bd224de8a96e2b" providerId="Windows Live" clId="Web-{640444EA-C7F1-4BC2-9675-65DA290B6562}" dt="2019-06-26T19:29:03.396" v="387" actId="1076"/>
-          <ac:spMkLst>
-            <pc:docMk/>
-            <pc:sldMk cId="0" sldId="259"/>
-            <ac:spMk id="2" creationId="{00000000-0000-0000-0000-000000000000}"/>
-          </ac:spMkLst>
-        </pc:spChg>
-        <pc:spChg chg="mod">
-          <ac:chgData name="Mariusz Postol" userId="a9bd224de8a96e2b" providerId="Windows Live" clId="Web-{640444EA-C7F1-4BC2-9675-65DA290B6562}" dt="2019-06-26T20:39:06.815" v="573" actId="20577"/>
-          <ac:spMkLst>
-            <pc:docMk/>
-            <pc:sldMk cId="0" sldId="259"/>
-            <ac:spMk id="3" creationId="{00000000-0000-0000-0000-000000000000}"/>
-          </ac:spMkLst>
-        </pc:spChg>
-      </pc:sldChg>
-      <pc:sldChg chg="modSp mod modShow">
-        <pc:chgData name="Mariusz Postol" userId="a9bd224de8a96e2b" providerId="Windows Live" clId="Web-{640444EA-C7F1-4BC2-9675-65DA290B6562}" dt="2019-06-26T19:44:18.036" v="502"/>
-        <pc:sldMkLst>
-          <pc:docMk/>
-          <pc:sldMk cId="2076735032" sldId="261"/>
-        </pc:sldMkLst>
-        <pc:spChg chg="mod">
-          <ac:chgData name="Mariusz Postol" userId="a9bd224de8a96e2b" providerId="Windows Live" clId="Web-{640444EA-C7F1-4BC2-9675-65DA290B6562}" dt="2019-06-26T19:43:42.833" v="501" actId="1076"/>
-          <ac:spMkLst>
-            <pc:docMk/>
-            <pc:sldMk cId="2076735032" sldId="261"/>
-            <ac:spMk id="4" creationId="{00000000-0000-0000-0000-000000000000}"/>
-          </ac:spMkLst>
-        </pc:spChg>
-      </pc:sldChg>
-      <pc:sldChg chg="modSp mod modShow">
-        <pc:chgData name="Mariusz Postol" userId="a9bd224de8a96e2b" providerId="Windows Live" clId="Web-{640444EA-C7F1-4BC2-9675-65DA290B6562}" dt="2019-06-26T20:34:29.768" v="569"/>
-        <pc:sldMkLst>
-          <pc:docMk/>
-          <pc:sldMk cId="3011454434" sldId="269"/>
-        </pc:sldMkLst>
-        <pc:spChg chg="mod">
-          <ac:chgData name="Mariusz Postol" userId="a9bd224de8a96e2b" providerId="Windows Live" clId="Web-{640444EA-C7F1-4BC2-9675-65DA290B6562}" dt="2019-06-26T19:39:01.427" v="494" actId="1076"/>
-          <ac:spMkLst>
-            <pc:docMk/>
-            <pc:sldMk cId="3011454434" sldId="269"/>
-            <ac:spMk id="58" creationId="{00000000-0000-0000-0000-000000000000}"/>
-          </ac:spMkLst>
-        </pc:spChg>
-        <pc:graphicFrameChg chg="modGraphic">
-          <ac:chgData name="Mariusz Postol" userId="a9bd224de8a96e2b" providerId="Windows Live" clId="Web-{640444EA-C7F1-4BC2-9675-65DA290B6562}" dt="2019-06-26T19:37:17.458" v="451" actId="20577"/>
-          <ac:graphicFrameMkLst>
-            <pc:docMk/>
-            <pc:sldMk cId="3011454434" sldId="269"/>
-            <ac:graphicFrameMk id="56" creationId="{00000000-0000-0000-0000-000000000000}"/>
-          </ac:graphicFrameMkLst>
-        </pc:graphicFrameChg>
-      </pc:sldChg>
-      <pc:sldChg chg="mod modShow">
-        <pc:chgData name="Mariusz Postol" userId="a9bd224de8a96e2b" providerId="Windows Live" clId="Web-{640444EA-C7F1-4BC2-9675-65DA290B6562}" dt="2019-06-26T19:39:46.021" v="495"/>
-        <pc:sldMkLst>
-          <pc:docMk/>
-          <pc:sldMk cId="2762644057" sldId="276"/>
-        </pc:sldMkLst>
-      </pc:sldChg>
-      <pc:sldChg chg="modSp mod modShow">
-        <pc:chgData name="Mariusz Postol" userId="a9bd224de8a96e2b" providerId="Windows Live" clId="Web-{640444EA-C7F1-4BC2-9675-65DA290B6562}" dt="2019-06-26T19:06:14.350" v="295" actId="14100"/>
-        <pc:sldMkLst>
-          <pc:docMk/>
-          <pc:sldMk cId="1154012907" sldId="277"/>
-        </pc:sldMkLst>
-        <pc:spChg chg="mod">
-          <ac:chgData name="Mariusz Postol" userId="a9bd224de8a96e2b" providerId="Windows Live" clId="Web-{640444EA-C7F1-4BC2-9675-65DA290B6562}" dt="2019-06-26T19:06:06.710" v="294" actId="1076"/>
-          <ac:spMkLst>
-            <pc:docMk/>
-            <pc:sldMk cId="1154012907" sldId="277"/>
-            <ac:spMk id="2" creationId="{00000000-0000-0000-0000-000000000000}"/>
-          </ac:spMkLst>
-        </pc:spChg>
-        <pc:picChg chg="mod ord">
-          <ac:chgData name="Mariusz Postol" userId="a9bd224de8a96e2b" providerId="Windows Live" clId="Web-{640444EA-C7F1-4BC2-9675-65DA290B6562}" dt="2019-06-26T19:06:14.350" v="295" actId="14100"/>
-          <ac:picMkLst>
-            <pc:docMk/>
-            <pc:sldMk cId="1154012907" sldId="277"/>
-            <ac:picMk id="3" creationId="{00000000-0000-0000-0000-000000000000}"/>
-          </ac:picMkLst>
-        </pc:picChg>
-      </pc:sldChg>
-      <pc:sldChg chg="delSp modSp ord delAnim modNotes">
-        <pc:chgData name="Mariusz Postol" userId="a9bd224de8a96e2b" providerId="Windows Live" clId="Web-{640444EA-C7F1-4BC2-9675-65DA290B6562}" dt="2019-06-26T20:17:07.191" v="566" actId="20577"/>
-        <pc:sldMkLst>
-          <pc:docMk/>
-          <pc:sldMk cId="1501389749" sldId="278"/>
-        </pc:sldMkLst>
-        <pc:spChg chg="mod">
-          <ac:chgData name="Mariusz Postol" userId="a9bd224de8a96e2b" providerId="Windows Live" clId="Web-{640444EA-C7F1-4BC2-9675-65DA290B6562}" dt="2019-06-26T19:30:23.224" v="398" actId="1076"/>
-          <ac:spMkLst>
-            <pc:docMk/>
-            <pc:sldMk cId="1501389749" sldId="278"/>
-            <ac:spMk id="2" creationId="{00000000-0000-0000-0000-000000000000}"/>
-          </ac:spMkLst>
-        </pc:spChg>
-        <pc:spChg chg="mod">
-          <ac:chgData name="Mariusz Postol" userId="a9bd224de8a96e2b" providerId="Windows Live" clId="Web-{640444EA-C7F1-4BC2-9675-65DA290B6562}" dt="2019-06-26T20:17:07.191" v="566" actId="20577"/>
-          <ac:spMkLst>
-            <pc:docMk/>
-            <pc:sldMk cId="1501389749" sldId="278"/>
-            <ac:spMk id="3" creationId="{00000000-0000-0000-0000-000000000000}"/>
-          </ac:spMkLst>
-        </pc:spChg>
-        <pc:spChg chg="del mod">
-          <ac:chgData name="Mariusz Postol" userId="a9bd224de8a96e2b" providerId="Windows Live" clId="Web-{640444EA-C7F1-4BC2-9675-65DA290B6562}" dt="2019-06-26T19:56:17.598" v="518"/>
-          <ac:spMkLst>
-            <pc:docMk/>
-            <pc:sldMk cId="1501389749" sldId="278"/>
-            <ac:spMk id="5" creationId="{00000000-0000-0000-0000-000000000000}"/>
-          </ac:spMkLst>
-        </pc:spChg>
-      </pc:sldChg>
-      <pc:sldChg chg="modSp">
-        <pc:chgData name="Mariusz Postol" userId="a9bd224de8a96e2b" providerId="Windows Live" clId="Web-{640444EA-C7F1-4BC2-9675-65DA290B6562}" dt="2019-06-26T19:04:56.491" v="290" actId="14100"/>
-        <pc:sldMkLst>
-          <pc:docMk/>
-          <pc:sldMk cId="271452991" sldId="280"/>
-        </pc:sldMkLst>
-        <pc:spChg chg="mod">
-          <ac:chgData name="Mariusz Postol" userId="a9bd224de8a96e2b" providerId="Windows Live" clId="Web-{640444EA-C7F1-4BC2-9675-65DA290B6562}" dt="2019-06-26T19:04:49.272" v="287" actId="20577"/>
-          <ac:spMkLst>
-            <pc:docMk/>
-            <pc:sldMk cId="271452991" sldId="280"/>
-            <ac:spMk id="2" creationId="{00000000-0000-0000-0000-000000000000}"/>
-          </ac:spMkLst>
-        </pc:spChg>
-        <pc:picChg chg="mod">
-          <ac:chgData name="Mariusz Postol" userId="a9bd224de8a96e2b" providerId="Windows Live" clId="Web-{640444EA-C7F1-4BC2-9675-65DA290B6562}" dt="2019-06-26T19:04:56.491" v="290" actId="14100"/>
-          <ac:picMkLst>
-            <pc:docMk/>
-            <pc:sldMk cId="271452991" sldId="280"/>
-            <ac:picMk id="3" creationId="{00000000-0000-0000-0000-000000000000}"/>
-          </ac:picMkLst>
-        </pc:picChg>
-      </pc:sldChg>
-      <pc:sldChg chg="modSp">
-        <pc:chgData name="Mariusz Postol" userId="a9bd224de8a96e2b" providerId="Windows Live" clId="Web-{640444EA-C7F1-4BC2-9675-65DA290B6562}" dt="2019-06-26T19:03:57.788" v="259" actId="14100"/>
-        <pc:sldMkLst>
-          <pc:docMk/>
-          <pc:sldMk cId="2435148504" sldId="281"/>
-        </pc:sldMkLst>
-        <pc:spChg chg="mod">
-          <ac:chgData name="Mariusz Postol" userId="a9bd224de8a96e2b" providerId="Windows Live" clId="Web-{640444EA-C7F1-4BC2-9675-65DA290B6562}" dt="2019-06-26T19:03:48.913" v="258" actId="1076"/>
-          <ac:spMkLst>
-            <pc:docMk/>
-            <pc:sldMk cId="2435148504" sldId="281"/>
-            <ac:spMk id="2" creationId="{00000000-0000-0000-0000-000000000000}"/>
-          </ac:spMkLst>
-        </pc:spChg>
-        <pc:picChg chg="mod">
-          <ac:chgData name="Mariusz Postol" userId="a9bd224de8a96e2b" providerId="Windows Live" clId="Web-{640444EA-C7F1-4BC2-9675-65DA290B6562}" dt="2019-06-26T19:03:57.788" v="259" actId="14100"/>
-          <ac:picMkLst>
-            <pc:docMk/>
-            <pc:sldMk cId="2435148504" sldId="281"/>
-            <ac:picMk id="3" creationId="{00000000-0000-0000-0000-000000000000}"/>
-          </ac:picMkLst>
-        </pc:picChg>
-      </pc:sldChg>
-      <pc:sldChg chg="modSp">
-        <pc:chgData name="Mariusz Postol" userId="a9bd224de8a96e2b" providerId="Windows Live" clId="Web-{640444EA-C7F1-4BC2-9675-65DA290B6562}" dt="2019-06-26T18:57:00.382" v="255" actId="1076"/>
-        <pc:sldMkLst>
-          <pc:docMk/>
-          <pc:sldMk cId="3191445385" sldId="282"/>
-        </pc:sldMkLst>
-        <pc:spChg chg="mod">
-          <ac:chgData name="Mariusz Postol" userId="a9bd224de8a96e2b" providerId="Windows Live" clId="Web-{640444EA-C7F1-4BC2-9675-65DA290B6562}" dt="2019-06-26T18:57:00.382" v="255" actId="1076"/>
-          <ac:spMkLst>
-            <pc:docMk/>
-            <pc:sldMk cId="3191445385" sldId="282"/>
-            <ac:spMk id="4" creationId="{00000000-0000-0000-0000-000000000000}"/>
-          </ac:spMkLst>
-        </pc:spChg>
-      </pc:sldChg>
-      <pc:sldChg chg="modSp">
-        <pc:chgData name="Mariusz Postol" userId="a9bd224de8a96e2b" providerId="Windows Live" clId="Web-{640444EA-C7F1-4BC2-9675-65DA290B6562}" dt="2019-06-26T18:56:06.523" v="209" actId="20577"/>
-        <pc:sldMkLst>
-          <pc:docMk/>
-          <pc:sldMk cId="4019951972" sldId="283"/>
-        </pc:sldMkLst>
-        <pc:spChg chg="mod">
-          <ac:chgData name="Mariusz Postol" userId="a9bd224de8a96e2b" providerId="Windows Live" clId="Web-{640444EA-C7F1-4BC2-9675-65DA290B6562}" dt="2019-06-26T18:56:06.523" v="209" actId="20577"/>
-          <ac:spMkLst>
-            <pc:docMk/>
-            <pc:sldMk cId="4019951972" sldId="283"/>
-            <ac:spMk id="2" creationId="{00000000-0000-0000-0000-000000000000}"/>
-          </ac:spMkLst>
-        </pc:spChg>
-      </pc:sldChg>
-      <pc:sldChg chg="modSp">
-        <pc:chgData name="Mariusz Postol" userId="a9bd224de8a96e2b" providerId="Windows Live" clId="Web-{640444EA-C7F1-4BC2-9675-65DA290B6562}" dt="2019-06-26T18:55:23.038" v="160" actId="20577"/>
-        <pc:sldMkLst>
-          <pc:docMk/>
-          <pc:sldMk cId="3745401701" sldId="284"/>
-        </pc:sldMkLst>
-        <pc:graphicFrameChg chg="modGraphic">
-          <ac:chgData name="Mariusz Postol" userId="a9bd224de8a96e2b" providerId="Windows Live" clId="Web-{640444EA-C7F1-4BC2-9675-65DA290B6562}" dt="2019-06-26T18:55:23.038" v="160" actId="20577"/>
-          <ac:graphicFrameMkLst>
-            <pc:docMk/>
-            <pc:sldMk cId="3745401701" sldId="284"/>
-            <ac:graphicFrameMk id="8" creationId="{00000000-0000-0000-0000-000000000000}"/>
-          </ac:graphicFrameMkLst>
-        </pc:graphicFrameChg>
-      </pc:sldChg>
-      <pc:sldChg chg="modSp ord">
-        <pc:chgData name="Mariusz Postol" userId="a9bd224de8a96e2b" providerId="Windows Live" clId="Web-{640444EA-C7F1-4BC2-9675-65DA290B6562}" dt="2019-06-26T18:07:35.684" v="11"/>
-        <pc:sldMkLst>
-          <pc:docMk/>
-          <pc:sldMk cId="0" sldId="285"/>
-        </pc:sldMkLst>
-        <pc:spChg chg="mod">
-          <ac:chgData name="Mariusz Postol" userId="a9bd224de8a96e2b" providerId="Windows Live" clId="Web-{640444EA-C7F1-4BC2-9675-65DA290B6562}" dt="2019-06-26T18:03:28.155" v="8" actId="1076"/>
-          <ac:spMkLst>
-            <pc:docMk/>
-            <pc:sldMk cId="0" sldId="285"/>
-            <ac:spMk id="2" creationId="{00000000-0000-0000-0000-000000000000}"/>
-          </ac:spMkLst>
-        </pc:spChg>
-        <pc:picChg chg="mod">
-          <ac:chgData name="Mariusz Postol" userId="a9bd224de8a96e2b" providerId="Windows Live" clId="Web-{640444EA-C7F1-4BC2-9675-65DA290B6562}" dt="2019-06-26T18:03:41.889" v="10" actId="14100"/>
-          <ac:picMkLst>
-            <pc:docMk/>
-            <pc:sldMk cId="0" sldId="285"/>
-            <ac:picMk id="22530" creationId="{00000000-0000-0000-0000-000000000000}"/>
-          </ac:picMkLst>
-        </pc:picChg>
-      </pc:sldChg>
-      <pc:sldChg chg="modSp">
-        <pc:chgData name="Mariusz Postol" userId="a9bd224de8a96e2b" providerId="Windows Live" clId="Web-{640444EA-C7F1-4BC2-9675-65DA290B6562}" dt="2019-06-26T18:28:08.397" v="112" actId="1076"/>
-        <pc:sldMkLst>
-          <pc:docMk/>
-          <pc:sldMk cId="3191445385" sldId="286"/>
-        </pc:sldMkLst>
-        <pc:spChg chg="mod">
-          <ac:chgData name="Mariusz Postol" userId="a9bd224de8a96e2b" providerId="Windows Live" clId="Web-{640444EA-C7F1-4BC2-9675-65DA290B6562}" dt="2019-06-26T18:28:08.397" v="112" actId="1076"/>
-          <ac:spMkLst>
-            <pc:docMk/>
-            <pc:sldMk cId="3191445385" sldId="286"/>
-            <ac:spMk id="4" creationId="{00000000-0000-0000-0000-000000000000}"/>
-          </ac:spMkLst>
-        </pc:spChg>
-      </pc:sldChg>
-      <pc:sldChg chg="modSp">
-        <pc:chgData name="Mariusz Postol" userId="a9bd224de8a96e2b" providerId="Windows Live" clId="Web-{640444EA-C7F1-4BC2-9675-65DA290B6562}" dt="2019-06-26T18:02:25.062" v="5" actId="14100"/>
-        <pc:sldMkLst>
-          <pc:docMk/>
-          <pc:sldMk cId="3993606669" sldId="287"/>
-        </pc:sldMkLst>
-        <pc:spChg chg="mod">
-          <ac:chgData name="Mariusz Postol" userId="a9bd224de8a96e2b" providerId="Windows Live" clId="Web-{640444EA-C7F1-4BC2-9675-65DA290B6562}" dt="2019-06-26T18:02:16.827" v="3" actId="1076"/>
-          <ac:spMkLst>
-            <pc:docMk/>
-            <pc:sldMk cId="3993606669" sldId="287"/>
-            <ac:spMk id="2" creationId="{FE741F82-0698-4209-89CE-62D7FBCBFE62}"/>
-          </ac:spMkLst>
-        </pc:spChg>
-        <pc:picChg chg="mod">
-          <ac:chgData name="Mariusz Postol" userId="a9bd224de8a96e2b" providerId="Windows Live" clId="Web-{640444EA-C7F1-4BC2-9675-65DA290B6562}" dt="2019-06-26T18:02:25.062" v="5" actId="14100"/>
-          <ac:picMkLst>
-            <pc:docMk/>
-            <pc:sldMk cId="3993606669" sldId="287"/>
-            <ac:picMk id="4" creationId="{FD8FE124-51A0-4842-BD32-96B0A1A8FFD4}"/>
-          </ac:picMkLst>
-        </pc:picChg>
-      </pc:sldChg>
-    </pc:docChg>
-  </pc:docChgLst>
-  <pc:docChgLst>
-    <pc:chgData name="Mariusz Postół" userId="ca8d45ae-21cb-4030-bbab-1d3a5fb8cc81" providerId="ADAL" clId="{1591E4AB-A173-46AE-9B20-B73D21CA0B1D}"/>
-    <pc:docChg chg="undo redo custSel addSld delSld modSld sldOrd">
-      <pc:chgData name="Mariusz Postół" userId="ca8d45ae-21cb-4030-bbab-1d3a5fb8cc81" providerId="ADAL" clId="{1591E4AB-A173-46AE-9B20-B73D21CA0B1D}" dt="2019-11-25T20:41:08.528" v="2250" actId="790"/>
-      <pc:docMkLst>
-        <pc:docMk/>
-      </pc:docMkLst>
-      <pc:sldChg chg="modSp">
-        <pc:chgData name="Mariusz Postół" userId="ca8d45ae-21cb-4030-bbab-1d3a5fb8cc81" providerId="ADAL" clId="{1591E4AB-A173-46AE-9B20-B73D21CA0B1D}" dt="2019-11-25T16:06:44.882" v="2161" actId="790"/>
-        <pc:sldMkLst>
-          <pc:docMk/>
-          <pc:sldMk cId="0" sldId="256"/>
-        </pc:sldMkLst>
-        <pc:spChg chg="mod">
-          <ac:chgData name="Mariusz Postół" userId="ca8d45ae-21cb-4030-bbab-1d3a5fb8cc81" providerId="ADAL" clId="{1591E4AB-A173-46AE-9B20-B73D21CA0B1D}" dt="2019-11-25T16:06:44.882" v="2161" actId="790"/>
-          <ac:spMkLst>
-            <pc:docMk/>
-            <pc:sldMk cId="0" sldId="256"/>
-            <ac:spMk id="3" creationId="{00000000-0000-0000-0000-000000000000}"/>
-          </ac:spMkLst>
-        </pc:spChg>
-      </pc:sldChg>
-      <pc:sldChg chg="addSp delSp modSp">
-        <pc:chgData name="Mariusz Postół" userId="ca8d45ae-21cb-4030-bbab-1d3a5fb8cc81" providerId="ADAL" clId="{1591E4AB-A173-46AE-9B20-B73D21CA0B1D}" dt="2019-11-25T15:28:12.332" v="1909" actId="15"/>
-        <pc:sldMkLst>
-          <pc:docMk/>
-          <pc:sldMk cId="0" sldId="258"/>
-        </pc:sldMkLst>
-        <pc:spChg chg="mod">
-          <ac:chgData name="Mariusz Postół" userId="ca8d45ae-21cb-4030-bbab-1d3a5fb8cc81" providerId="ADAL" clId="{1591E4AB-A173-46AE-9B20-B73D21CA0B1D}" dt="2019-11-24T21:08:02.339" v="299" actId="790"/>
-          <ac:spMkLst>
-            <pc:docMk/>
-            <pc:sldMk cId="0" sldId="258"/>
-            <ac:spMk id="2" creationId="{00000000-0000-0000-0000-000000000000}"/>
-          </ac:spMkLst>
-        </pc:spChg>
-        <pc:spChg chg="mod">
-          <ac:chgData name="Mariusz Postół" userId="ca8d45ae-21cb-4030-bbab-1d3a5fb8cc81" providerId="ADAL" clId="{1591E4AB-A173-46AE-9B20-B73D21CA0B1D}" dt="2019-11-25T15:28:12.332" v="1909" actId="15"/>
-          <ac:spMkLst>
-            <pc:docMk/>
-            <pc:sldMk cId="0" sldId="258"/>
-            <ac:spMk id="3" creationId="{00000000-0000-0000-0000-000000000000}"/>
-          </ac:spMkLst>
-        </pc:spChg>
-        <pc:spChg chg="add del mod">
-          <ac:chgData name="Mariusz Postół" userId="ca8d45ae-21cb-4030-bbab-1d3a5fb8cc81" providerId="ADAL" clId="{1591E4AB-A173-46AE-9B20-B73D21CA0B1D}" dt="2019-11-24T22:11:51.643" v="387"/>
-          <ac:spMkLst>
-            <pc:docMk/>
-            <pc:sldMk cId="0" sldId="258"/>
-            <ac:spMk id="4" creationId="{928064D5-0F14-4C83-B8A4-26D96A85736A}"/>
-          </ac:spMkLst>
-        </pc:spChg>
-        <pc:spChg chg="add del mod">
-          <ac:chgData name="Mariusz Postół" userId="ca8d45ae-21cb-4030-bbab-1d3a5fb8cc81" providerId="ADAL" clId="{1591E4AB-A173-46AE-9B20-B73D21CA0B1D}" dt="2019-11-24T22:11:51.643" v="387"/>
-          <ac:spMkLst>
-            <pc:docMk/>
-            <pc:sldMk cId="0" sldId="258"/>
-            <ac:spMk id="5" creationId="{5B4E1247-B2DA-4FEC-B0EA-435FFD3D0380}"/>
-          </ac:spMkLst>
-        </pc:spChg>
-      </pc:sldChg>
-      <pc:sldChg chg="ord modTransition">
-        <pc:chgData name="Mariusz Postół" userId="ca8d45ae-21cb-4030-bbab-1d3a5fb8cc81" providerId="ADAL" clId="{1591E4AB-A173-46AE-9B20-B73D21CA0B1D}" dt="2019-11-25T16:26:39.213" v="2170"/>
-        <pc:sldMkLst>
-          <pc:docMk/>
-          <pc:sldMk cId="0" sldId="259"/>
-        </pc:sldMkLst>
-      </pc:sldChg>
-      <pc:sldChg chg="addSp modSp ord">
-        <pc:chgData name="Mariusz Postół" userId="ca8d45ae-21cb-4030-bbab-1d3a5fb8cc81" providerId="ADAL" clId="{1591E4AB-A173-46AE-9B20-B73D21CA0B1D}" dt="2019-11-25T19:33:49.401" v="2237" actId="14100"/>
-        <pc:sldMkLst>
-          <pc:docMk/>
-          <pc:sldMk cId="3191445385" sldId="282"/>
-        </pc:sldMkLst>
-        <pc:spChg chg="add mod">
-          <ac:chgData name="Mariusz Postół" userId="ca8d45ae-21cb-4030-bbab-1d3a5fb8cc81" providerId="ADAL" clId="{1591E4AB-A173-46AE-9B20-B73D21CA0B1D}" dt="2019-11-25T19:33:49.401" v="2237" actId="14100"/>
-          <ac:spMkLst>
-            <pc:docMk/>
-            <pc:sldMk cId="3191445385" sldId="282"/>
-            <ac:spMk id="2" creationId="{D781E209-46FD-44B5-A460-8ED62C69985E}"/>
-          </ac:spMkLst>
-        </pc:spChg>
-      </pc:sldChg>
-      <pc:sldChg chg="addSp delSp modSp">
-        <pc:chgData name="Mariusz Postół" userId="ca8d45ae-21cb-4030-bbab-1d3a5fb8cc81" providerId="ADAL" clId="{1591E4AB-A173-46AE-9B20-B73D21CA0B1D}" dt="2019-11-25T19:34:11.416" v="2240" actId="14100"/>
-        <pc:sldMkLst>
-          <pc:docMk/>
-          <pc:sldMk cId="4019951972" sldId="283"/>
-        </pc:sldMkLst>
-        <pc:spChg chg="mod">
-          <ac:chgData name="Mariusz Postół" userId="ca8d45ae-21cb-4030-bbab-1d3a5fb8cc81" providerId="ADAL" clId="{1591E4AB-A173-46AE-9B20-B73D21CA0B1D}" dt="2019-11-25T19:34:11.416" v="2240" actId="14100"/>
-          <ac:spMkLst>
-            <pc:docMk/>
-            <pc:sldMk cId="4019951972" sldId="283"/>
-            <ac:spMk id="2" creationId="{00000000-0000-0000-0000-000000000000}"/>
-          </ac:spMkLst>
-        </pc:spChg>
-        <pc:spChg chg="mod">
-          <ac:chgData name="Mariusz Postół" userId="ca8d45ae-21cb-4030-bbab-1d3a5fb8cc81" providerId="ADAL" clId="{1591E4AB-A173-46AE-9B20-B73D21CA0B1D}" dt="2019-11-25T13:19:48.607" v="1319" actId="790"/>
-          <ac:spMkLst>
-            <pc:docMk/>
-            <pc:sldMk cId="4019951972" sldId="283"/>
-            <ac:spMk id="3" creationId="{00000000-0000-0000-0000-000000000000}"/>
-          </ac:spMkLst>
-        </pc:spChg>
-        <pc:spChg chg="add del mod">
-          <ac:chgData name="Mariusz Postół" userId="ca8d45ae-21cb-4030-bbab-1d3a5fb8cc81" providerId="ADAL" clId="{1591E4AB-A173-46AE-9B20-B73D21CA0B1D}" dt="2019-11-25T13:28:03.244" v="1475"/>
-          <ac:spMkLst>
-            <pc:docMk/>
-            <pc:sldMk cId="4019951972" sldId="283"/>
-            <ac:spMk id="4" creationId="{FE879C68-4476-4EEF-AD48-32CFF8036155}"/>
-          </ac:spMkLst>
-        </pc:spChg>
-        <pc:spChg chg="add del mod">
-          <ac:chgData name="Mariusz Postół" userId="ca8d45ae-21cb-4030-bbab-1d3a5fb8cc81" providerId="ADAL" clId="{1591E4AB-A173-46AE-9B20-B73D21CA0B1D}" dt="2019-11-25T13:28:03.244" v="1475"/>
-          <ac:spMkLst>
-            <pc:docMk/>
-            <pc:sldMk cId="4019951972" sldId="283"/>
-            <ac:spMk id="5" creationId="{6A34FA24-FF42-4679-8F4D-25FBCF801800}"/>
-          </ac:spMkLst>
-        </pc:spChg>
-        <pc:spChg chg="add del mod">
-          <ac:chgData name="Mariusz Postół" userId="ca8d45ae-21cb-4030-bbab-1d3a5fb8cc81" providerId="ADAL" clId="{1591E4AB-A173-46AE-9B20-B73D21CA0B1D}" dt="2019-11-25T19:34:03.649" v="2238"/>
-          <ac:spMkLst>
-            <pc:docMk/>
-            <pc:sldMk cId="4019951972" sldId="283"/>
-            <ac:spMk id="6" creationId="{0F9CAF61-4D22-40DB-A41C-84556AC8CDB9}"/>
-          </ac:spMkLst>
-        </pc:spChg>
-        <pc:spChg chg="add del mod">
-          <ac:chgData name="Mariusz Postół" userId="ca8d45ae-21cb-4030-bbab-1d3a5fb8cc81" providerId="ADAL" clId="{1591E4AB-A173-46AE-9B20-B73D21CA0B1D}" dt="2019-11-25T19:34:03.649" v="2238"/>
-          <ac:spMkLst>
-            <pc:docMk/>
-            <pc:sldMk cId="4019951972" sldId="283"/>
-            <ac:spMk id="7" creationId="{02B63552-39AD-4565-A05D-32216C0F76DD}"/>
-          </ac:spMkLst>
-        </pc:spChg>
-      </pc:sldChg>
-      <pc:sldChg chg="addSp delSp modSp ord">
-        <pc:chgData name="Mariusz Postół" userId="ca8d45ae-21cb-4030-bbab-1d3a5fb8cc81" providerId="ADAL" clId="{1591E4AB-A173-46AE-9B20-B73D21CA0B1D}" dt="2019-11-25T11:15:09.572" v="964"/>
-        <pc:sldMkLst>
-          <pc:docMk/>
-          <pc:sldMk cId="0" sldId="285"/>
-        </pc:sldMkLst>
-        <pc:spChg chg="mod">
-          <ac:chgData name="Mariusz Postół" userId="ca8d45ae-21cb-4030-bbab-1d3a5fb8cc81" providerId="ADAL" clId="{1591E4AB-A173-46AE-9B20-B73D21CA0B1D}" dt="2019-11-25T11:11:21.604" v="962" actId="1076"/>
-          <ac:spMkLst>
-            <pc:docMk/>
-            <pc:sldMk cId="0" sldId="285"/>
-            <ac:spMk id="2" creationId="{00000000-0000-0000-0000-000000000000}"/>
-          </ac:spMkLst>
-        </pc:spChg>
-        <pc:spChg chg="add del mod">
-          <ac:chgData name="Mariusz Postół" userId="ca8d45ae-21cb-4030-bbab-1d3a5fb8cc81" providerId="ADAL" clId="{1591E4AB-A173-46AE-9B20-B73D21CA0B1D}" dt="2019-11-25T11:10:55.256" v="958"/>
-          <ac:spMkLst>
-            <pc:docMk/>
-            <pc:sldMk cId="0" sldId="285"/>
-            <ac:spMk id="3" creationId="{1C32BF55-ED46-4BF3-A533-BF95FF2935BE}"/>
-          </ac:spMkLst>
-        </pc:spChg>
-      </pc:sldChg>
-      <pc:sldChg chg="modSp ord">
-        <pc:chgData name="Mariusz Postół" userId="ca8d45ae-21cb-4030-bbab-1d3a5fb8cc81" providerId="ADAL" clId="{1591E4AB-A173-46AE-9B20-B73D21CA0B1D}" dt="2019-11-25T14:36:40.904" v="1746"/>
-        <pc:sldMkLst>
-          <pc:docMk/>
-          <pc:sldMk cId="3191445385" sldId="286"/>
-        </pc:sldMkLst>
-        <pc:spChg chg="mod">
-          <ac:chgData name="Mariusz Postół" userId="ca8d45ae-21cb-4030-bbab-1d3a5fb8cc81" providerId="ADAL" clId="{1591E4AB-A173-46AE-9B20-B73D21CA0B1D}" dt="2019-11-25T10:52:02.850" v="876" actId="20577"/>
-          <ac:spMkLst>
-            <pc:docMk/>
-            <pc:sldMk cId="3191445385" sldId="286"/>
-            <ac:spMk id="4" creationId="{00000000-0000-0000-0000-000000000000}"/>
-          </ac:spMkLst>
-        </pc:spChg>
-      </pc:sldChg>
-      <pc:sldChg chg="modSp">
-        <pc:chgData name="Mariusz Postół" userId="ca8d45ae-21cb-4030-bbab-1d3a5fb8cc81" providerId="ADAL" clId="{1591E4AB-A173-46AE-9B20-B73D21CA0B1D}" dt="2019-11-25T17:21:03.825" v="2208" actId="790"/>
-        <pc:sldMkLst>
-          <pc:docMk/>
-          <pc:sldMk cId="3221289239" sldId="287"/>
-        </pc:sldMkLst>
-        <pc:spChg chg="mod">
-          <ac:chgData name="Mariusz Postół" userId="ca8d45ae-21cb-4030-bbab-1d3a5fb8cc81" providerId="ADAL" clId="{1591E4AB-A173-46AE-9B20-B73D21CA0B1D}" dt="2019-11-25T17:21:03.825" v="2208" actId="790"/>
-          <ac:spMkLst>
-            <pc:docMk/>
-            <pc:sldMk cId="3221289239" sldId="287"/>
-            <ac:spMk id="2" creationId="{2267B48C-3541-4FCD-BF2A-47193A6BB3C8}"/>
-          </ac:spMkLst>
-        </pc:spChg>
-      </pc:sldChg>
-      <pc:sldChg chg="modSp add">
-        <pc:chgData name="Mariusz Postół" userId="ca8d45ae-21cb-4030-bbab-1d3a5fb8cc81" providerId="ADAL" clId="{1591E4AB-A173-46AE-9B20-B73D21CA0B1D}" dt="2019-11-24T22:22:01.074" v="504" actId="790"/>
-        <pc:sldMkLst>
-          <pc:docMk/>
-          <pc:sldMk cId="14412432" sldId="288"/>
-        </pc:sldMkLst>
-        <pc:spChg chg="mod">
-          <ac:chgData name="Mariusz Postół" userId="ca8d45ae-21cb-4030-bbab-1d3a5fb8cc81" providerId="ADAL" clId="{1591E4AB-A173-46AE-9B20-B73D21CA0B1D}" dt="2019-11-24T22:21:47.467" v="503" actId="790"/>
-          <ac:spMkLst>
-            <pc:docMk/>
-            <pc:sldMk cId="14412432" sldId="288"/>
-            <ac:spMk id="2" creationId="{209BF14C-BC64-4A4D-9CE2-067DFF080BAD}"/>
-          </ac:spMkLst>
-        </pc:spChg>
-        <pc:spChg chg="mod">
-          <ac:chgData name="Mariusz Postół" userId="ca8d45ae-21cb-4030-bbab-1d3a5fb8cc81" providerId="ADAL" clId="{1591E4AB-A173-46AE-9B20-B73D21CA0B1D}" dt="2019-11-24T22:22:01.074" v="504" actId="790"/>
-          <ac:spMkLst>
-            <pc:docMk/>
-            <pc:sldMk cId="14412432" sldId="288"/>
-            <ac:spMk id="3" creationId="{311C8478-5ABE-43F0-93AD-A6FAFFBE229A}"/>
-          </ac:spMkLst>
-        </pc:spChg>
-      </pc:sldChg>
-      <pc:sldChg chg="addSp delSp modSp add">
-        <pc:chgData name="Mariusz Postół" userId="ca8d45ae-21cb-4030-bbab-1d3a5fb8cc81" providerId="ADAL" clId="{1591E4AB-A173-46AE-9B20-B73D21CA0B1D}" dt="2019-11-25T16:13:09.492" v="2169" actId="6549"/>
-        <pc:sldMkLst>
-          <pc:docMk/>
-          <pc:sldMk cId="3654890770" sldId="289"/>
-        </pc:sldMkLst>
-        <pc:spChg chg="del">
-          <ac:chgData name="Mariusz Postół" userId="ca8d45ae-21cb-4030-bbab-1d3a5fb8cc81" providerId="ADAL" clId="{1591E4AB-A173-46AE-9B20-B73D21CA0B1D}" dt="2019-11-24T19:38:25.978" v="9"/>
-          <ac:spMkLst>
-            <pc:docMk/>
-            <pc:sldMk cId="3654890770" sldId="289"/>
-            <ac:spMk id="2" creationId="{B821A13F-F424-4009-8D09-94F4C5679A1F}"/>
-          </ac:spMkLst>
-        </pc:spChg>
-        <pc:spChg chg="add del mod">
-          <ac:chgData name="Mariusz Postół" userId="ca8d45ae-21cb-4030-bbab-1d3a5fb8cc81" providerId="ADAL" clId="{1591E4AB-A173-46AE-9B20-B73D21CA0B1D}" dt="2019-11-25T14:44:27.189" v="1801"/>
-          <ac:spMkLst>
-            <pc:docMk/>
-            <pc:sldMk cId="3654890770" sldId="289"/>
-            <ac:spMk id="2" creationId="{D9201BED-E977-4A92-A871-0BEC18DA0D68}"/>
-          </ac:spMkLst>
-        </pc:spChg>
-        <pc:spChg chg="del">
-          <ac:chgData name="Mariusz Postół" userId="ca8d45ae-21cb-4030-bbab-1d3a5fb8cc81" providerId="ADAL" clId="{1591E4AB-A173-46AE-9B20-B73D21CA0B1D}" dt="2019-11-24T19:38:25.978" v="9"/>
-          <ac:spMkLst>
-            <pc:docMk/>
-            <pc:sldMk cId="3654890770" sldId="289"/>
-            <ac:spMk id="3" creationId="{1F58E75F-147E-4611-A651-CDBDD7565B37}"/>
-          </ac:spMkLst>
-        </pc:spChg>
-        <pc:spChg chg="add del mod">
-          <ac:chgData name="Mariusz Postół" userId="ca8d45ae-21cb-4030-bbab-1d3a5fb8cc81" providerId="ADAL" clId="{1591E4AB-A173-46AE-9B20-B73D21CA0B1D}" dt="2019-11-25T14:44:27.189" v="1801"/>
-          <ac:spMkLst>
-            <pc:docMk/>
-            <pc:sldMk cId="3654890770" sldId="289"/>
-            <ac:spMk id="3" creationId="{96D91E0C-348D-4DF1-81EB-96AF1C016BC6}"/>
-          </ac:spMkLst>
-        </pc:spChg>
-        <pc:spChg chg="add mod">
-          <ac:chgData name="Mariusz Postół" userId="ca8d45ae-21cb-4030-bbab-1d3a5fb8cc81" providerId="ADAL" clId="{1591E4AB-A173-46AE-9B20-B73D21CA0B1D}" dt="2019-11-24T22:14:49.178" v="390" actId="790"/>
-          <ac:spMkLst>
-            <pc:docMk/>
-            <pc:sldMk cId="3654890770" sldId="289"/>
-            <ac:spMk id="4" creationId="{92A0B153-C864-422A-B1DF-54CE120944CE}"/>
-          </ac:spMkLst>
-        </pc:spChg>
-        <pc:spChg chg="add mod">
-          <ac:chgData name="Mariusz Postół" userId="ca8d45ae-21cb-4030-bbab-1d3a5fb8cc81" providerId="ADAL" clId="{1591E4AB-A173-46AE-9B20-B73D21CA0B1D}" dt="2019-11-25T16:13:09.492" v="2169" actId="6549"/>
-          <ac:spMkLst>
-            <pc:docMk/>
-            <pc:sldMk cId="3654890770" sldId="289"/>
-            <ac:spMk id="5" creationId="{0751BF7C-5F5F-41FB-9A69-09CAD28C500F}"/>
-          </ac:spMkLst>
-        </pc:spChg>
-        <pc:spChg chg="add del mod">
-          <ac:chgData name="Mariusz Postół" userId="ca8d45ae-21cb-4030-bbab-1d3a5fb8cc81" providerId="ADAL" clId="{1591E4AB-A173-46AE-9B20-B73D21CA0B1D}" dt="2019-11-25T16:13:05.884" v="2168" actId="478"/>
-          <ac:spMkLst>
-            <pc:docMk/>
-            <pc:sldMk cId="3654890770" sldId="289"/>
-            <ac:spMk id="6" creationId="{E10CB103-022A-4B2D-85D9-D2B4C884CA3C}"/>
-          </ac:spMkLst>
-        </pc:spChg>
-      </pc:sldChg>
-      <pc:sldChg chg="addSp delSp modSp add ord">
-        <pc:chgData name="Mariusz Postół" userId="ca8d45ae-21cb-4030-bbab-1d3a5fb8cc81" providerId="ADAL" clId="{1591E4AB-A173-46AE-9B20-B73D21CA0B1D}" dt="2019-11-24T22:08:55.694" v="386"/>
-        <pc:sldMkLst>
-          <pc:docMk/>
-          <pc:sldMk cId="2759846488" sldId="290"/>
-        </pc:sldMkLst>
-        <pc:spChg chg="mod">
-          <ac:chgData name="Mariusz Postół" userId="ca8d45ae-21cb-4030-bbab-1d3a5fb8cc81" providerId="ADAL" clId="{1591E4AB-A173-46AE-9B20-B73D21CA0B1D}" dt="2019-11-24T22:02:29.492" v="361" actId="790"/>
-          <ac:spMkLst>
-            <pc:docMk/>
-            <pc:sldMk cId="2759846488" sldId="290"/>
-            <ac:spMk id="2" creationId="{642ECD52-416C-400D-A2F9-1E3996C975AA}"/>
-          </ac:spMkLst>
-        </pc:spChg>
-        <pc:spChg chg="add del mod">
-          <ac:chgData name="Mariusz Postół" userId="ca8d45ae-21cb-4030-bbab-1d3a5fb8cc81" providerId="ADAL" clId="{1591E4AB-A173-46AE-9B20-B73D21CA0B1D}" dt="2019-11-24T22:02:21.413" v="360" actId="478"/>
-          <ac:spMkLst>
-            <pc:docMk/>
-            <pc:sldMk cId="2759846488" sldId="290"/>
-            <ac:spMk id="3" creationId="{D76469F1-7F90-45BE-B47C-D3EA09310E5B}"/>
-          </ac:spMkLst>
-        </pc:spChg>
-        <pc:spChg chg="add del mod">
-          <ac:chgData name="Mariusz Postół" userId="ca8d45ae-21cb-4030-bbab-1d3a5fb8cc81" providerId="ADAL" clId="{1591E4AB-A173-46AE-9B20-B73D21CA0B1D}" dt="2019-11-24T22:02:21.413" v="360" actId="478"/>
-          <ac:spMkLst>
-            <pc:docMk/>
-            <pc:sldMk cId="2759846488" sldId="290"/>
-            <ac:spMk id="4" creationId="{0175D32C-3A43-43F3-B4B2-A03297C9416B}"/>
-          </ac:spMkLst>
-        </pc:spChg>
-        <pc:spChg chg="add del mod">
-          <ac:chgData name="Mariusz Postół" userId="ca8d45ae-21cb-4030-bbab-1d3a5fb8cc81" providerId="ADAL" clId="{1591E4AB-A173-46AE-9B20-B73D21CA0B1D}" dt="2019-11-24T22:02:21.413" v="360" actId="478"/>
-          <ac:spMkLst>
-            <pc:docMk/>
-            <pc:sldMk cId="2759846488" sldId="290"/>
-            <ac:spMk id="5" creationId="{5098B4BF-95B5-40BB-94CF-E212429AA880}"/>
-          </ac:spMkLst>
-        </pc:spChg>
-        <pc:spChg chg="add del mod">
-          <ac:chgData name="Mariusz Postół" userId="ca8d45ae-21cb-4030-bbab-1d3a5fb8cc81" providerId="ADAL" clId="{1591E4AB-A173-46AE-9B20-B73D21CA0B1D}" dt="2019-11-24T22:02:21.413" v="360" actId="478"/>
-          <ac:spMkLst>
-            <pc:docMk/>
-            <pc:sldMk cId="2759846488" sldId="290"/>
-            <ac:spMk id="6" creationId="{DFA35725-BD3C-4A03-AE9C-B5185D814F64}"/>
-          </ac:spMkLst>
-        </pc:spChg>
-        <pc:picChg chg="add mod">
-          <ac:chgData name="Mariusz Postół" userId="ca8d45ae-21cb-4030-bbab-1d3a5fb8cc81" providerId="ADAL" clId="{1591E4AB-A173-46AE-9B20-B73D21CA0B1D}" dt="2019-11-24T22:06:01.040" v="365" actId="14100"/>
-          <ac:picMkLst>
-            <pc:docMk/>
-            <pc:sldMk cId="2759846488" sldId="290"/>
-            <ac:picMk id="8" creationId="{5490B48B-59CC-4B4A-B745-93D8284B04E0}"/>
-          </ac:picMkLst>
-        </pc:picChg>
-      </pc:sldChg>
-      <pc:sldChg chg="modSp add">
-        <pc:chgData name="Mariusz Postół" userId="ca8d45ae-21cb-4030-bbab-1d3a5fb8cc81" providerId="ADAL" clId="{1591E4AB-A173-46AE-9B20-B73D21CA0B1D}" dt="2019-11-25T14:47:13.634" v="1806"/>
-        <pc:sldMkLst>
-          <pc:docMk/>
-          <pc:sldMk cId="1168729256" sldId="291"/>
-        </pc:sldMkLst>
-        <pc:spChg chg="mod">
-          <ac:chgData name="Mariusz Postół" userId="ca8d45ae-21cb-4030-bbab-1d3a5fb8cc81" providerId="ADAL" clId="{1591E4AB-A173-46AE-9B20-B73D21CA0B1D}" dt="2019-11-25T14:47:13.634" v="1806"/>
-          <ac:spMkLst>
-            <pc:docMk/>
-            <pc:sldMk cId="1168729256" sldId="291"/>
-            <ac:spMk id="2" creationId="{5F9F88FB-5AC4-4AD5-A55E-1671771D14E9}"/>
-          </ac:spMkLst>
-        </pc:spChg>
-        <pc:spChg chg="mod">
-          <ac:chgData name="Mariusz Postół" userId="ca8d45ae-21cb-4030-bbab-1d3a5fb8cc81" providerId="ADAL" clId="{1591E4AB-A173-46AE-9B20-B73D21CA0B1D}" dt="2019-11-24T22:17:21.721" v="483" actId="790"/>
-          <ac:spMkLst>
-            <pc:docMk/>
-            <pc:sldMk cId="1168729256" sldId="291"/>
-            <ac:spMk id="3" creationId="{CFD4FB97-98EA-4C87-B57B-38FCFA60FBB3}"/>
-          </ac:spMkLst>
-        </pc:spChg>
-      </pc:sldChg>
-      <pc:sldChg chg="modSp add ord">
-        <pc:chgData name="Mariusz Postół" userId="ca8d45ae-21cb-4030-bbab-1d3a5fb8cc81" providerId="ADAL" clId="{1591E4AB-A173-46AE-9B20-B73D21CA0B1D}" dt="2019-11-25T20:41:08.528" v="2250" actId="790"/>
-        <pc:sldMkLst>
-          <pc:docMk/>
-          <pc:sldMk cId="4090376993" sldId="292"/>
-        </pc:sldMkLst>
-        <pc:spChg chg="mod">
-          <ac:chgData name="Mariusz Postół" userId="ca8d45ae-21cb-4030-bbab-1d3a5fb8cc81" providerId="ADAL" clId="{1591E4AB-A173-46AE-9B20-B73D21CA0B1D}" dt="2019-11-25T10:44:00.978" v="829" actId="790"/>
-          <ac:spMkLst>
-            <pc:docMk/>
-            <pc:sldMk cId="4090376993" sldId="292"/>
-            <ac:spMk id="2" creationId="{F741D176-F775-43AB-8089-378C669A5D0E}"/>
-          </ac:spMkLst>
-        </pc:spChg>
-        <pc:spChg chg="mod">
-          <ac:chgData name="Mariusz Postół" userId="ca8d45ae-21cb-4030-bbab-1d3a5fb8cc81" providerId="ADAL" clId="{1591E4AB-A173-46AE-9B20-B73D21CA0B1D}" dt="2019-11-25T20:41:08.528" v="2250" actId="790"/>
-          <ac:spMkLst>
-            <pc:docMk/>
-            <pc:sldMk cId="4090376993" sldId="292"/>
-            <ac:spMk id="3" creationId="{7AB6EB92-B183-4B30-A39E-4C8EC8662DD6}"/>
-          </ac:spMkLst>
-        </pc:spChg>
-      </pc:sldChg>
-      <pc:sldChg chg="modSp add ord">
-        <pc:chgData name="Mariusz Postół" userId="ca8d45ae-21cb-4030-bbab-1d3a5fb8cc81" providerId="ADAL" clId="{1591E4AB-A173-46AE-9B20-B73D21CA0B1D}" dt="2019-11-25T19:35:41.073" v="2242" actId="14100"/>
-        <pc:sldMkLst>
-          <pc:docMk/>
-          <pc:sldMk cId="1055420037" sldId="293"/>
-        </pc:sldMkLst>
-        <pc:spChg chg="mod">
-          <ac:chgData name="Mariusz Postół" userId="ca8d45ae-21cb-4030-bbab-1d3a5fb8cc81" providerId="ADAL" clId="{1591E4AB-A173-46AE-9B20-B73D21CA0B1D}" dt="2019-11-25T19:29:27.913" v="2218" actId="313"/>
-          <ac:spMkLst>
-            <pc:docMk/>
-            <pc:sldMk cId="1055420037" sldId="293"/>
-            <ac:spMk id="2" creationId="{D33EEAA6-997E-4444-92D0-820A2474B875}"/>
-          </ac:spMkLst>
-        </pc:spChg>
-        <pc:spChg chg="mod">
-          <ac:chgData name="Mariusz Postół" userId="ca8d45ae-21cb-4030-bbab-1d3a5fb8cc81" providerId="ADAL" clId="{1591E4AB-A173-46AE-9B20-B73D21CA0B1D}" dt="2019-11-25T19:35:41.073" v="2242" actId="14100"/>
-          <ac:spMkLst>
-            <pc:docMk/>
-            <pc:sldMk cId="1055420037" sldId="293"/>
-            <ac:spMk id="3" creationId="{43CE69DE-C49B-4CBD-92AC-204920CB2898}"/>
-          </ac:spMkLst>
-        </pc:spChg>
-      </pc:sldChg>
-      <pc:sldChg chg="addSp delSp modSp add ord">
-        <pc:chgData name="Mariusz Postół" userId="ca8d45ae-21cb-4030-bbab-1d3a5fb8cc81" providerId="ADAL" clId="{1591E4AB-A173-46AE-9B20-B73D21CA0B1D}" dt="2019-11-25T19:30:53.907" v="2236" actId="790"/>
-        <pc:sldMkLst>
-          <pc:docMk/>
-          <pc:sldMk cId="1897587197" sldId="294"/>
-        </pc:sldMkLst>
-        <pc:spChg chg="mod">
-          <ac:chgData name="Mariusz Postół" userId="ca8d45ae-21cb-4030-bbab-1d3a5fb8cc81" providerId="ADAL" clId="{1591E4AB-A173-46AE-9B20-B73D21CA0B1D}" dt="2019-11-25T16:05:08.642" v="2158" actId="790"/>
-          <ac:spMkLst>
-            <pc:docMk/>
-            <pc:sldMk cId="1897587197" sldId="294"/>
-            <ac:spMk id="2" creationId="{A1045EDA-11B0-4E02-A174-B76AC435A2EA}"/>
-          </ac:spMkLst>
-        </pc:spChg>
-        <pc:spChg chg="mod">
-          <ac:chgData name="Mariusz Postół" userId="ca8d45ae-21cb-4030-bbab-1d3a5fb8cc81" providerId="ADAL" clId="{1591E4AB-A173-46AE-9B20-B73D21CA0B1D}" dt="2019-11-25T19:30:53.907" v="2236" actId="790"/>
-          <ac:spMkLst>
-            <pc:docMk/>
-            <pc:sldMk cId="1897587197" sldId="294"/>
-            <ac:spMk id="3" creationId="{871D038F-17FE-434E-872E-CE0105DB0A2D}"/>
-          </ac:spMkLst>
-        </pc:spChg>
-        <pc:spChg chg="add del mod">
-          <ac:chgData name="Mariusz Postół" userId="ca8d45ae-21cb-4030-bbab-1d3a5fb8cc81" providerId="ADAL" clId="{1591E4AB-A173-46AE-9B20-B73D21CA0B1D}" dt="2019-11-25T16:03:21.458" v="2130"/>
-          <ac:spMkLst>
-            <pc:docMk/>
-            <pc:sldMk cId="1897587197" sldId="294"/>
-            <ac:spMk id="4" creationId="{35B182D5-01A5-41E2-881E-75BED3A30858}"/>
-          </ac:spMkLst>
-        </pc:spChg>
-        <pc:spChg chg="add del mod">
-          <ac:chgData name="Mariusz Postół" userId="ca8d45ae-21cb-4030-bbab-1d3a5fb8cc81" providerId="ADAL" clId="{1591E4AB-A173-46AE-9B20-B73D21CA0B1D}" dt="2019-11-25T16:03:21.458" v="2130"/>
-          <ac:spMkLst>
-            <pc:docMk/>
-            <pc:sldMk cId="1897587197" sldId="294"/>
-            <ac:spMk id="5" creationId="{C5FF7D4A-1EF3-469D-AF46-FC5C0FE47304}"/>
-          </ac:spMkLst>
-        </pc:spChg>
-      </pc:sldChg>
-      <pc:sldChg chg="modSp add">
-        <pc:chgData name="Mariusz Postół" userId="ca8d45ae-21cb-4030-bbab-1d3a5fb8cc81" providerId="ADAL" clId="{1591E4AB-A173-46AE-9B20-B73D21CA0B1D}" dt="2019-11-25T14:34:16.512" v="1745" actId="790"/>
-        <pc:sldMkLst>
-          <pc:docMk/>
-          <pc:sldMk cId="4279473428" sldId="295"/>
-        </pc:sldMkLst>
-        <pc:spChg chg="mod">
-          <ac:chgData name="Mariusz Postół" userId="ca8d45ae-21cb-4030-bbab-1d3a5fb8cc81" providerId="ADAL" clId="{1591E4AB-A173-46AE-9B20-B73D21CA0B1D}" dt="2019-11-25T13:25:34.711" v="1412" actId="20577"/>
-          <ac:spMkLst>
-            <pc:docMk/>
-            <pc:sldMk cId="4279473428" sldId="295"/>
-            <ac:spMk id="2" creationId="{D61051E2-46A8-4CAE-ADB2-D8B112DC3A41}"/>
-          </ac:spMkLst>
-        </pc:spChg>
-        <pc:spChg chg="mod">
-          <ac:chgData name="Mariusz Postół" userId="ca8d45ae-21cb-4030-bbab-1d3a5fb8cc81" providerId="ADAL" clId="{1591E4AB-A173-46AE-9B20-B73D21CA0B1D}" dt="2019-11-25T14:34:16.512" v="1745" actId="790"/>
-          <ac:spMkLst>
-            <pc:docMk/>
-            <pc:sldMk cId="4279473428" sldId="295"/>
-            <ac:spMk id="3" creationId="{3D8F722B-ACDB-4639-85A2-BDE6DF7E55CC}"/>
-          </ac:spMkLst>
-        </pc:spChg>
-      </pc:sldChg>
-      <pc:sldChg chg="addSp delSp modSp add">
-        <pc:chgData name="Mariusz Postół" userId="ca8d45ae-21cb-4030-bbab-1d3a5fb8cc81" providerId="ADAL" clId="{1591E4AB-A173-46AE-9B20-B73D21CA0B1D}" dt="2019-11-25T13:51:07.029" v="1484" actId="207"/>
-        <pc:sldMkLst>
-          <pc:docMk/>
-          <pc:sldMk cId="3478448270" sldId="296"/>
-        </pc:sldMkLst>
-        <pc:spChg chg="add del mod">
-          <ac:chgData name="Mariusz Postół" userId="ca8d45ae-21cb-4030-bbab-1d3a5fb8cc81" providerId="ADAL" clId="{1591E4AB-A173-46AE-9B20-B73D21CA0B1D}" dt="2019-11-25T13:48:37.545" v="1479" actId="478"/>
-          <ac:spMkLst>
-            <pc:docMk/>
-            <pc:sldMk cId="3478448270" sldId="296"/>
-            <ac:spMk id="2" creationId="{17EDF93A-994E-4BA7-A5C0-329565FF96C6}"/>
-          </ac:spMkLst>
-        </pc:spChg>
-        <pc:spChg chg="add mod">
-          <ac:chgData name="Mariusz Postół" userId="ca8d45ae-21cb-4030-bbab-1d3a5fb8cc81" providerId="ADAL" clId="{1591E4AB-A173-46AE-9B20-B73D21CA0B1D}" dt="2019-11-25T13:51:07.029" v="1484" actId="207"/>
-          <ac:spMkLst>
-            <pc:docMk/>
-            <pc:sldMk cId="3478448270" sldId="296"/>
-            <ac:spMk id="5" creationId="{437D94F1-936F-4E4F-97DA-AC074A137A2D}"/>
-          </ac:spMkLst>
-        </pc:spChg>
-      </pc:sldChg>
-      <pc:sldChg chg="addSp modSp add ord">
-        <pc:chgData name="Mariusz Postół" userId="ca8d45ae-21cb-4030-bbab-1d3a5fb8cc81" providerId="ADAL" clId="{1591E4AB-A173-46AE-9B20-B73D21CA0B1D}" dt="2019-11-25T13:53:48.057" v="1498" actId="208"/>
-        <pc:sldMkLst>
-          <pc:docMk/>
-          <pc:sldMk cId="3641588483" sldId="297"/>
-        </pc:sldMkLst>
-        <pc:spChg chg="add mod">
-          <ac:chgData name="Mariusz Postół" userId="ca8d45ae-21cb-4030-bbab-1d3a5fb8cc81" providerId="ADAL" clId="{1591E4AB-A173-46AE-9B20-B73D21CA0B1D}" dt="2019-11-25T13:53:48.057" v="1498" actId="208"/>
-          <ac:spMkLst>
-            <pc:docMk/>
-            <pc:sldMk cId="3641588483" sldId="297"/>
-            <ac:spMk id="2" creationId="{CE7B1CEA-57AD-4566-A15F-842C4C2EA11E}"/>
-          </ac:spMkLst>
-        </pc:spChg>
-      </pc:sldChg>
-      <pc:sldChg chg="add">
-        <pc:chgData name="Mariusz Postół" userId="ca8d45ae-21cb-4030-bbab-1d3a5fb8cc81" providerId="ADAL" clId="{1591E4AB-A173-46AE-9B20-B73D21CA0B1D}" dt="2019-11-25T13:52:57.363" v="1491"/>
-        <pc:sldMkLst>
-          <pc:docMk/>
-          <pc:sldMk cId="1325521941" sldId="298"/>
-        </pc:sldMkLst>
-      </pc:sldChg>
-      <pc:sldChg chg="addSp modSp add ord">
-        <pc:chgData name="Mariusz Postół" userId="ca8d45ae-21cb-4030-bbab-1d3a5fb8cc81" providerId="ADAL" clId="{1591E4AB-A173-46AE-9B20-B73D21CA0B1D}" dt="2019-11-25T13:58:47.421" v="1512"/>
-        <pc:sldMkLst>
-          <pc:docMk/>
-          <pc:sldMk cId="2904689659" sldId="299"/>
-        </pc:sldMkLst>
-        <pc:spChg chg="add mod">
-          <ac:chgData name="Mariusz Postół" userId="ca8d45ae-21cb-4030-bbab-1d3a5fb8cc81" providerId="ADAL" clId="{1591E4AB-A173-46AE-9B20-B73D21CA0B1D}" dt="2019-11-25T13:55:35.941" v="1504" actId="207"/>
-          <ac:spMkLst>
-            <pc:docMk/>
-            <pc:sldMk cId="2904689659" sldId="299"/>
-            <ac:spMk id="2" creationId="{53603BEE-04E2-430F-9F1E-E623AA3BDF08}"/>
-          </ac:spMkLst>
-        </pc:spChg>
-      </pc:sldChg>
-      <pc:sldChg chg="addSp modSp add">
-        <pc:chgData name="Mariusz Postół" userId="ca8d45ae-21cb-4030-bbab-1d3a5fb8cc81" providerId="ADAL" clId="{1591E4AB-A173-46AE-9B20-B73D21CA0B1D}" dt="2019-11-25T13:56:59.661" v="1510" actId="207"/>
-        <pc:sldMkLst>
-          <pc:docMk/>
-          <pc:sldMk cId="1349795041" sldId="300"/>
-        </pc:sldMkLst>
-        <pc:spChg chg="add mod">
-          <ac:chgData name="Mariusz Postół" userId="ca8d45ae-21cb-4030-bbab-1d3a5fb8cc81" providerId="ADAL" clId="{1591E4AB-A173-46AE-9B20-B73D21CA0B1D}" dt="2019-11-25T13:56:59.661" v="1510" actId="207"/>
-          <ac:spMkLst>
-            <pc:docMk/>
-            <pc:sldMk cId="1349795041" sldId="300"/>
-            <ac:spMk id="2" creationId="{D0E43337-D8D6-4D1B-8B2C-757A12075907}"/>
-          </ac:spMkLst>
-        </pc:spChg>
-      </pc:sldChg>
-      <pc:sldChg chg="add del">
-        <pc:chgData name="Mariusz Postół" userId="ca8d45ae-21cb-4030-bbab-1d3a5fb8cc81" providerId="ADAL" clId="{1591E4AB-A173-46AE-9B20-B73D21CA0B1D}" dt="2019-11-25T15:34:57.691" v="1913" actId="2696"/>
-        <pc:sldMkLst>
-          <pc:docMk/>
-          <pc:sldMk cId="3303504730" sldId="301"/>
-        </pc:sldMkLst>
-      </pc:sldChg>
-      <pc:sldChg chg="add del">
-        <pc:chgData name="Mariusz Postół" userId="ca8d45ae-21cb-4030-bbab-1d3a5fb8cc81" providerId="ADAL" clId="{1591E4AB-A173-46AE-9B20-B73D21CA0B1D}" dt="2019-11-25T15:34:58.666" v="1914" actId="2696"/>
-        <pc:sldMkLst>
-          <pc:docMk/>
-          <pc:sldMk cId="710663724" sldId="302"/>
-        </pc:sldMkLst>
-      </pc:sldChg>
-      <pc:sldChg chg="addSp modSp add">
-        <pc:chgData name="Mariusz Postół" userId="ca8d45ae-21cb-4030-bbab-1d3a5fb8cc81" providerId="ADAL" clId="{1591E4AB-A173-46AE-9B20-B73D21CA0B1D}" dt="2019-11-25T15:50:36.531" v="1955" actId="20577"/>
-        <pc:sldMkLst>
-          <pc:docMk/>
-          <pc:sldMk cId="3191656865" sldId="303"/>
-        </pc:sldMkLst>
-        <pc:spChg chg="mod">
-          <ac:chgData name="Mariusz Postół" userId="ca8d45ae-21cb-4030-bbab-1d3a5fb8cc81" providerId="ADAL" clId="{1591E4AB-A173-46AE-9B20-B73D21CA0B1D}" dt="2019-11-25T15:50:36.531" v="1955" actId="20577"/>
-          <ac:spMkLst>
-            <pc:docMk/>
-            <pc:sldMk cId="3191656865" sldId="303"/>
-            <ac:spMk id="2" creationId="{2267B48C-3541-4FCD-BF2A-47193A6BB3C8}"/>
-          </ac:spMkLst>
-        </pc:spChg>
-        <pc:spChg chg="add mod">
-          <ac:chgData name="Mariusz Postół" userId="ca8d45ae-21cb-4030-bbab-1d3a5fb8cc81" providerId="ADAL" clId="{1591E4AB-A173-46AE-9B20-B73D21CA0B1D}" dt="2019-11-25T15:35:48.041" v="1919" actId="207"/>
-          <ac:spMkLst>
-            <pc:docMk/>
-            <pc:sldMk cId="3191656865" sldId="303"/>
-            <ac:spMk id="3" creationId="{53C31F9F-67D0-448F-B7F0-536930F71665}"/>
-          </ac:spMkLst>
-        </pc:spChg>
-      </pc:sldChg>
-      <pc:sldChg chg="modSp add">
-        <pc:chgData name="Mariusz Postół" userId="ca8d45ae-21cb-4030-bbab-1d3a5fb8cc81" providerId="ADAL" clId="{1591E4AB-A173-46AE-9B20-B73D21CA0B1D}" dt="2019-11-25T15:51:53.572" v="2027" actId="1076"/>
-        <pc:sldMkLst>
-          <pc:docMk/>
-          <pc:sldMk cId="3677050555" sldId="304"/>
-        </pc:sldMkLst>
-        <pc:spChg chg="mod">
-          <ac:chgData name="Mariusz Postół" userId="ca8d45ae-21cb-4030-bbab-1d3a5fb8cc81" providerId="ADAL" clId="{1591E4AB-A173-46AE-9B20-B73D21CA0B1D}" dt="2019-11-25T15:51:53.572" v="2027" actId="1076"/>
-          <ac:spMkLst>
-            <pc:docMk/>
-            <pc:sldMk cId="3677050555" sldId="304"/>
-            <ac:spMk id="2" creationId="{2267B48C-3541-4FCD-BF2A-47193A6BB3C8}"/>
-          </ac:spMkLst>
-        </pc:spChg>
-        <pc:spChg chg="mod">
-          <ac:chgData name="Mariusz Postół" userId="ca8d45ae-21cb-4030-bbab-1d3a5fb8cc81" providerId="ADAL" clId="{1591E4AB-A173-46AE-9B20-B73D21CA0B1D}" dt="2019-11-25T15:36:12.999" v="1921" actId="1076"/>
-          <ac:spMkLst>
-            <pc:docMk/>
-            <pc:sldMk cId="3677050555" sldId="304"/>
-            <ac:spMk id="3" creationId="{53C31F9F-67D0-448F-B7F0-536930F71665}"/>
-          </ac:spMkLst>
-        </pc:spChg>
-      </pc:sldChg>
-      <pc:sldChg chg="modSp add">
-        <pc:chgData name="Mariusz Postół" userId="ca8d45ae-21cb-4030-bbab-1d3a5fb8cc81" providerId="ADAL" clId="{1591E4AB-A173-46AE-9B20-B73D21CA0B1D}" dt="2019-11-25T19:36:18.360" v="2244" actId="14100"/>
-        <pc:sldMkLst>
-          <pc:docMk/>
-          <pc:sldMk cId="2800598370" sldId="305"/>
-        </pc:sldMkLst>
-        <pc:spChg chg="mod">
-          <ac:chgData name="Mariusz Postół" userId="ca8d45ae-21cb-4030-bbab-1d3a5fb8cc81" providerId="ADAL" clId="{1591E4AB-A173-46AE-9B20-B73D21CA0B1D}" dt="2019-11-25T15:51:44.367" v="2024" actId="1076"/>
-          <ac:spMkLst>
-            <pc:docMk/>
-            <pc:sldMk cId="2800598370" sldId="305"/>
-            <ac:spMk id="2" creationId="{2267B48C-3541-4FCD-BF2A-47193A6BB3C8}"/>
-          </ac:spMkLst>
-        </pc:spChg>
-        <pc:spChg chg="mod">
-          <ac:chgData name="Mariusz Postół" userId="ca8d45ae-21cb-4030-bbab-1d3a5fb8cc81" providerId="ADAL" clId="{1591E4AB-A173-46AE-9B20-B73D21CA0B1D}" dt="2019-11-25T19:36:18.360" v="2244" actId="14100"/>
-          <ac:spMkLst>
-            <pc:docMk/>
-            <pc:sldMk cId="2800598370" sldId="305"/>
-            <ac:spMk id="3" creationId="{53C31F9F-67D0-448F-B7F0-536930F71665}"/>
-          </ac:spMkLst>
-        </pc:spChg>
-      </pc:sldChg>
-      <pc:sldChg chg="modSp add">
-        <pc:chgData name="Mariusz Postół" userId="ca8d45ae-21cb-4030-bbab-1d3a5fb8cc81" providerId="ADAL" clId="{1591E4AB-A173-46AE-9B20-B73D21CA0B1D}" dt="2019-11-25T15:52:59.527" v="2061" actId="790"/>
-        <pc:sldMkLst>
-          <pc:docMk/>
-          <pc:sldMk cId="3502692777" sldId="306"/>
-        </pc:sldMkLst>
-        <pc:spChg chg="mod">
-          <ac:chgData name="Mariusz Postół" userId="ca8d45ae-21cb-4030-bbab-1d3a5fb8cc81" providerId="ADAL" clId="{1591E4AB-A173-46AE-9B20-B73D21CA0B1D}" dt="2019-11-25T15:52:59.527" v="2061" actId="790"/>
-          <ac:spMkLst>
-            <pc:docMk/>
-            <pc:sldMk cId="3502692777" sldId="306"/>
-            <ac:spMk id="2" creationId="{2267B48C-3541-4FCD-BF2A-47193A6BB3C8}"/>
-          </ac:spMkLst>
-        </pc:spChg>
-        <pc:spChg chg="mod">
-          <ac:chgData name="Mariusz Postół" userId="ca8d45ae-21cb-4030-bbab-1d3a5fb8cc81" providerId="ADAL" clId="{1591E4AB-A173-46AE-9B20-B73D21CA0B1D}" dt="2019-11-25T15:45:36.283" v="1932" actId="1076"/>
-          <ac:spMkLst>
-            <pc:docMk/>
-            <pc:sldMk cId="3502692777" sldId="306"/>
-            <ac:spMk id="3" creationId="{53C31F9F-67D0-448F-B7F0-536930F71665}"/>
-          </ac:spMkLst>
-        </pc:spChg>
-      </pc:sldChg>
-      <pc:sldChg chg="modSp add">
-        <pc:chgData name="Mariusz Postół" userId="ca8d45ae-21cb-4030-bbab-1d3a5fb8cc81" providerId="ADAL" clId="{1591E4AB-A173-46AE-9B20-B73D21CA0B1D}" dt="2019-11-25T15:54:19.427" v="2066" actId="14100"/>
-        <pc:sldMkLst>
-          <pc:docMk/>
-          <pc:sldMk cId="1920225584" sldId="307"/>
-        </pc:sldMkLst>
-        <pc:spChg chg="mod">
-          <ac:chgData name="Mariusz Postół" userId="ca8d45ae-21cb-4030-bbab-1d3a5fb8cc81" providerId="ADAL" clId="{1591E4AB-A173-46AE-9B20-B73D21CA0B1D}" dt="2019-11-25T15:54:19.427" v="2066" actId="14100"/>
-          <ac:spMkLst>
-            <pc:docMk/>
-            <pc:sldMk cId="1920225584" sldId="307"/>
-            <ac:spMk id="3" creationId="{53C31F9F-67D0-448F-B7F0-536930F71665}"/>
-          </ac:spMkLst>
-        </pc:spChg>
-      </pc:sldChg>
-      <pc:sldChg chg="add">
-        <pc:chgData name="Mariusz Postół" userId="ca8d45ae-21cb-4030-bbab-1d3a5fb8cc81" providerId="ADAL" clId="{1591E4AB-A173-46AE-9B20-B73D21CA0B1D}" dt="2019-11-25T16:13:01.708" v="2167"/>
-        <pc:sldMkLst>
-          <pc:docMk/>
-          <pc:sldMk cId="592580773" sldId="308"/>
-        </pc:sldMkLst>
-      </pc:sldChg>
-    </pc:docChg>
-  </pc:docChgLst>
-  <pc:docChgLst>
-    <pc:chgData name="Mariusz Postol" userId="a9bd224de8a96e2b" providerId="Windows Live" clId="Web-{9593A5D6-A4CF-4DB2-8BD7-2C1D0B33C4CD}"/>
-    <pc:docChg chg="addSld delSld modSld sldOrd">
-      <pc:chgData name="Mariusz Postol" userId="a9bd224de8a96e2b" providerId="Windows Live" clId="Web-{9593A5D6-A4CF-4DB2-8BD7-2C1D0B33C4CD}" dt="2019-06-26T17:57:18.666" v="365" actId="20577"/>
-      <pc:docMkLst>
-        <pc:docMk/>
-      </pc:docMkLst>
-      <pc:sldChg chg="modSp">
-        <pc:chgData name="Mariusz Postol" userId="a9bd224de8a96e2b" providerId="Windows Live" clId="Web-{9593A5D6-A4CF-4DB2-8BD7-2C1D0B33C4CD}" dt="2019-06-26T17:47:58.884" v="280" actId="14100"/>
-        <pc:sldMkLst>
-          <pc:docMk/>
-          <pc:sldMk cId="0" sldId="259"/>
-        </pc:sldMkLst>
-        <pc:spChg chg="mod">
-          <ac:chgData name="Mariusz Postol" userId="a9bd224de8a96e2b" providerId="Windows Live" clId="Web-{9593A5D6-A4CF-4DB2-8BD7-2C1D0B33C4CD}" dt="2019-06-26T17:47:58.884" v="280" actId="14100"/>
-          <ac:spMkLst>
-            <pc:docMk/>
-            <pc:sldMk cId="0" sldId="259"/>
-            <ac:spMk id="3" creationId="{00000000-0000-0000-0000-000000000000}"/>
-          </ac:spMkLst>
-        </pc:spChg>
-      </pc:sldChg>
-      <pc:sldChg chg="modSp">
-        <pc:chgData name="Mariusz Postol" userId="a9bd224de8a96e2b" providerId="Windows Live" clId="Web-{9593A5D6-A4CF-4DB2-8BD7-2C1D0B33C4CD}" dt="2019-06-26T17:49:27.431" v="293" actId="20577"/>
-        <pc:sldMkLst>
-          <pc:docMk/>
-          <pc:sldMk cId="848164968" sldId="266"/>
-        </pc:sldMkLst>
-        <pc:spChg chg="mod">
-          <ac:chgData name="Mariusz Postol" userId="a9bd224de8a96e2b" providerId="Windows Live" clId="Web-{9593A5D6-A4CF-4DB2-8BD7-2C1D0B33C4CD}" dt="2019-06-26T17:49:27.431" v="293" actId="20577"/>
-          <ac:spMkLst>
-            <pc:docMk/>
-            <pc:sldMk cId="848164968" sldId="266"/>
-            <ac:spMk id="2" creationId="{00000000-0000-0000-0000-000000000000}"/>
-          </ac:spMkLst>
-        </pc:spChg>
-      </pc:sldChg>
-      <pc:sldChg chg="mod modShow">
-        <pc:chgData name="Mariusz Postol" userId="a9bd224de8a96e2b" providerId="Windows Live" clId="Web-{9593A5D6-A4CF-4DB2-8BD7-2C1D0B33C4CD}" dt="2019-06-26T17:51:05.494" v="295"/>
-        <pc:sldMkLst>
-          <pc:docMk/>
-          <pc:sldMk cId="1886500423" sldId="275"/>
-        </pc:sldMkLst>
-      </pc:sldChg>
-      <pc:sldChg chg="modSp">
-        <pc:chgData name="Mariusz Postol" userId="a9bd224de8a96e2b" providerId="Windows Live" clId="Web-{9593A5D6-A4CF-4DB2-8BD7-2C1D0B33C4CD}" dt="2019-06-26T17:52:03.869" v="296"/>
-        <pc:sldMkLst>
-          <pc:docMk/>
-          <pc:sldMk cId="2762644057" sldId="276"/>
-        </pc:sldMkLst>
-        <pc:picChg chg="ord">
-          <ac:chgData name="Mariusz Postol" userId="a9bd224de8a96e2b" providerId="Windows Live" clId="Web-{9593A5D6-A4CF-4DB2-8BD7-2C1D0B33C4CD}" dt="2019-06-26T17:52:03.869" v="296"/>
-          <ac:picMkLst>
-            <pc:docMk/>
-            <pc:sldMk cId="2762644057" sldId="276"/>
-            <ac:picMk id="58372" creationId="{00000000-0000-0000-0000-000000000000}"/>
-          </ac:picMkLst>
-        </pc:picChg>
-      </pc:sldChg>
-      <pc:sldChg chg="del">
-        <pc:chgData name="Mariusz Postol" userId="a9bd224de8a96e2b" providerId="Windows Live" clId="Web-{9593A5D6-A4CF-4DB2-8BD7-2C1D0B33C4CD}" dt="2019-06-26T17:52:53.244" v="297"/>
-        <pc:sldMkLst>
-          <pc:docMk/>
-          <pc:sldMk cId="2758305328" sldId="279"/>
-        </pc:sldMkLst>
-      </pc:sldChg>
-      <pc:sldChg chg="ord">
-        <pc:chgData name="Mariusz Postol" userId="a9bd224de8a96e2b" providerId="Windows Live" clId="Web-{9593A5D6-A4CF-4DB2-8BD7-2C1D0B33C4CD}" dt="2019-06-26T17:53:57.619" v="300"/>
-        <pc:sldMkLst>
-          <pc:docMk/>
-          <pc:sldMk cId="0" sldId="285"/>
-        </pc:sldMkLst>
-      </pc:sldChg>
-      <pc:sldChg chg="addSp delSp modSp new ord">
-        <pc:chgData name="Mariusz Postol" userId="a9bd224de8a96e2b" providerId="Windows Live" clId="Web-{9593A5D6-A4CF-4DB2-8BD7-2C1D0B33C4CD}" dt="2019-06-26T17:57:13.963" v="363" actId="20577"/>
-        <pc:sldMkLst>
-          <pc:docMk/>
-          <pc:sldMk cId="3993606669" sldId="287"/>
-        </pc:sldMkLst>
-        <pc:spChg chg="mod">
-          <ac:chgData name="Mariusz Postol" userId="a9bd224de8a96e2b" providerId="Windows Live" clId="Web-{9593A5D6-A4CF-4DB2-8BD7-2C1D0B33C4CD}" dt="2019-06-26T17:57:13.963" v="363" actId="20577"/>
-          <ac:spMkLst>
-            <pc:docMk/>
-            <pc:sldMk cId="3993606669" sldId="287"/>
-            <ac:spMk id="2" creationId="{FE741F82-0698-4209-89CE-62D7FBCBFE62}"/>
-          </ac:spMkLst>
-        </pc:spChg>
-        <pc:spChg chg="del">
-          <ac:chgData name="Mariusz Postol" userId="a9bd224de8a96e2b" providerId="Windows Live" clId="Web-{9593A5D6-A4CF-4DB2-8BD7-2C1D0B33C4CD}" dt="2019-06-26T17:56:04.776" v="301"/>
-          <ac:spMkLst>
-            <pc:docMk/>
-            <pc:sldMk cId="3993606669" sldId="287"/>
-            <ac:spMk id="3" creationId="{06D2AEE4-E0AB-4569-AE7D-37F89BE5D86E}"/>
-          </ac:spMkLst>
-        </pc:spChg>
-        <pc:picChg chg="add mod ord">
-          <ac:chgData name="Mariusz Postol" userId="a9bd224de8a96e2b" providerId="Windows Live" clId="Web-{9593A5D6-A4CF-4DB2-8BD7-2C1D0B33C4CD}" dt="2019-06-26T17:56:27.729" v="303" actId="14100"/>
-          <ac:picMkLst>
-            <pc:docMk/>
-            <pc:sldMk cId="3993606669" sldId="287"/>
-            <ac:picMk id="4" creationId="{FD8FE124-51A0-4842-BD32-96B0A1A8FFD4}"/>
-          </ac:picMkLst>
-        </pc:picChg>
-      </pc:sldChg>
-    </pc:docChg>
-  </pc:docChgLst>
-  <pc:docChgLst>
-    <pc:chgData name="Mariusz" userId="ca8d45ae-21cb-4030-bbab-1d3a5fb8cc81" providerId="ADAL" clId="{9175EAAB-6DAF-40B5-B3E8-C7AAB6B2C322}"/>
-    <pc:docChg chg="undo custSel addSld delSld modSld sldOrd modMainMaster modNotesMaster">
-      <pc:chgData name="Mariusz" userId="ca8d45ae-21cb-4030-bbab-1d3a5fb8cc81" providerId="ADAL" clId="{9175EAAB-6DAF-40B5-B3E8-C7AAB6B2C322}" dt="2020-06-03T15:45:26.117" v="3311" actId="20577"/>
-      <pc:docMkLst>
-        <pc:docMk/>
-      </pc:docMkLst>
-      <pc:sldChg chg="modSp modNotesTx">
-        <pc:chgData name="Mariusz" userId="ca8d45ae-21cb-4030-bbab-1d3a5fb8cc81" providerId="ADAL" clId="{9175EAAB-6DAF-40B5-B3E8-C7AAB6B2C322}" dt="2020-06-02T08:23:27.145" v="932" actId="313"/>
-        <pc:sldMkLst>
-          <pc:docMk/>
-          <pc:sldMk cId="0" sldId="256"/>
-        </pc:sldMkLst>
-        <pc:spChg chg="mod">
-          <ac:chgData name="Mariusz" userId="ca8d45ae-21cb-4030-bbab-1d3a5fb8cc81" providerId="ADAL" clId="{9175EAAB-6DAF-40B5-B3E8-C7AAB6B2C322}" dt="2020-05-31T15:23:08.757" v="57"/>
-          <ac:spMkLst>
-            <pc:docMk/>
-            <pc:sldMk cId="0" sldId="256"/>
-            <ac:spMk id="2" creationId="{00000000-0000-0000-0000-000000000000}"/>
-          </ac:spMkLst>
-        </pc:spChg>
-        <pc:spChg chg="mod">
-          <ac:chgData name="Mariusz" userId="ca8d45ae-21cb-4030-bbab-1d3a5fb8cc81" providerId="ADAL" clId="{9175EAAB-6DAF-40B5-B3E8-C7AAB6B2C322}" dt="2020-05-31T15:23:08.757" v="57"/>
-          <ac:spMkLst>
-            <pc:docMk/>
-            <pc:sldMk cId="0" sldId="256"/>
-            <ac:spMk id="3" creationId="{00000000-0000-0000-0000-000000000000}"/>
-          </ac:spMkLst>
-        </pc:spChg>
-        <pc:spChg chg="mod">
-          <ac:chgData name="Mariusz" userId="ca8d45ae-21cb-4030-bbab-1d3a5fb8cc81" providerId="ADAL" clId="{9175EAAB-6DAF-40B5-B3E8-C7AAB6B2C322}" dt="2020-05-31T15:23:08.757" v="57"/>
-          <ac:spMkLst>
-            <pc:docMk/>
-            <pc:sldMk cId="0" sldId="256"/>
-            <ac:spMk id="4" creationId="{0C78CABB-431C-446F-969A-9307007A42F5}"/>
-          </ac:spMkLst>
-        </pc:spChg>
-        <pc:spChg chg="mod">
-          <ac:chgData name="Mariusz" userId="ca8d45ae-21cb-4030-bbab-1d3a5fb8cc81" providerId="ADAL" clId="{9175EAAB-6DAF-40B5-B3E8-C7AAB6B2C322}" dt="2020-05-31T15:23:08.757" v="57"/>
-          <ac:spMkLst>
-            <pc:docMk/>
-            <pc:sldMk cId="0" sldId="256"/>
-            <ac:spMk id="5" creationId="{5778DE7F-5880-47F1-A950-DFAA9F7DBB65}"/>
-          </ac:spMkLst>
-        </pc:spChg>
-      </pc:sldChg>
-      <pc:sldChg chg="addSp delSp modSp mod ord modNotes modNotesTx">
-        <pc:chgData name="Mariusz" userId="ca8d45ae-21cb-4030-bbab-1d3a5fb8cc81" providerId="ADAL" clId="{9175EAAB-6DAF-40B5-B3E8-C7AAB6B2C322}" dt="2020-06-03T11:39:50.137" v="3224" actId="790"/>
-        <pc:sldMkLst>
-          <pc:docMk/>
-          <pc:sldMk cId="0" sldId="258"/>
-        </pc:sldMkLst>
-        <pc:spChg chg="mod">
-          <ac:chgData name="Mariusz" userId="ca8d45ae-21cb-4030-bbab-1d3a5fb8cc81" providerId="ADAL" clId="{9175EAAB-6DAF-40B5-B3E8-C7AAB6B2C322}" dt="2020-05-31T21:24:46.273" v="176"/>
-          <ac:spMkLst>
-            <pc:docMk/>
-            <pc:sldMk cId="0" sldId="258"/>
-            <ac:spMk id="2" creationId="{00000000-0000-0000-0000-000000000000}"/>
-          </ac:spMkLst>
-        </pc:spChg>
-        <pc:spChg chg="mod">
-          <ac:chgData name="Mariusz" userId="ca8d45ae-21cb-4030-bbab-1d3a5fb8cc81" providerId="ADAL" clId="{9175EAAB-6DAF-40B5-B3E8-C7AAB6B2C322}" dt="2020-06-02T14:32:15.848" v="1806" actId="6549"/>
-          <ac:spMkLst>
-            <pc:docMk/>
-            <pc:sldMk cId="0" sldId="258"/>
-            <ac:spMk id="3" creationId="{00000000-0000-0000-0000-000000000000}"/>
-          </ac:spMkLst>
-        </pc:spChg>
-        <pc:spChg chg="add del mod">
-          <ac:chgData name="Mariusz" userId="ca8d45ae-21cb-4030-bbab-1d3a5fb8cc81" providerId="ADAL" clId="{9175EAAB-6DAF-40B5-B3E8-C7AAB6B2C322}" dt="2020-05-31T14:44:36.468" v="2"/>
-          <ac:spMkLst>
-            <pc:docMk/>
-            <pc:sldMk cId="0" sldId="258"/>
-            <ac:spMk id="4" creationId="{2BE9D18B-A266-478F-9A43-7B2884E12F3E}"/>
-          </ac:spMkLst>
-        </pc:spChg>
-        <pc:spChg chg="add del mod">
-          <ac:chgData name="Mariusz" userId="ca8d45ae-21cb-4030-bbab-1d3a5fb8cc81" providerId="ADAL" clId="{9175EAAB-6DAF-40B5-B3E8-C7AAB6B2C322}" dt="2020-05-31T14:44:36.468" v="2"/>
-          <ac:spMkLst>
-            <pc:docMk/>
-            <pc:sldMk cId="0" sldId="258"/>
-            <ac:spMk id="5" creationId="{965B272E-3E47-40CE-A765-C999C954DD0C}"/>
-          </ac:spMkLst>
-        </pc:spChg>
-        <pc:spChg chg="mod">
-          <ac:chgData name="Mariusz" userId="ca8d45ae-21cb-4030-bbab-1d3a5fb8cc81" providerId="ADAL" clId="{9175EAAB-6DAF-40B5-B3E8-C7AAB6B2C322}" dt="2020-05-31T21:24:46.273" v="176"/>
-          <ac:spMkLst>
-            <pc:docMk/>
-            <pc:sldMk cId="0" sldId="258"/>
-            <ac:spMk id="6" creationId="{AC203A70-5F65-42F2-A9E6-B442A348DA1F}"/>
-          </ac:spMkLst>
-        </pc:spChg>
-        <pc:spChg chg="mod">
-          <ac:chgData name="Mariusz" userId="ca8d45ae-21cb-4030-bbab-1d3a5fb8cc81" providerId="ADAL" clId="{9175EAAB-6DAF-40B5-B3E8-C7AAB6B2C322}" dt="2020-05-31T21:24:46.273" v="176"/>
-          <ac:spMkLst>
-            <pc:docMk/>
-            <pc:sldMk cId="0" sldId="258"/>
-            <ac:spMk id="7" creationId="{5B1B033F-DD1F-4D19-8955-F1866D846694}"/>
-          </ac:spMkLst>
-        </pc:spChg>
-        <pc:spChg chg="add del mod">
-          <ac:chgData name="Mariusz" userId="ca8d45ae-21cb-4030-bbab-1d3a5fb8cc81" providerId="ADAL" clId="{9175EAAB-6DAF-40B5-B3E8-C7AAB6B2C322}" dt="2020-05-31T21:24:46.273" v="176"/>
-          <ac:spMkLst>
-            <pc:docMk/>
-            <pc:sldMk cId="0" sldId="258"/>
-            <ac:spMk id="8" creationId="{8E47D811-041F-4EAD-956F-931EC28486E2}"/>
-          </ac:spMkLst>
-        </pc:spChg>
-        <pc:spChg chg="add del mod">
-          <ac:chgData name="Mariusz" userId="ca8d45ae-21cb-4030-bbab-1d3a5fb8cc81" providerId="ADAL" clId="{9175EAAB-6DAF-40B5-B3E8-C7AAB6B2C322}" dt="2020-05-31T21:24:46.273" v="176"/>
-          <ac:spMkLst>
-            <pc:docMk/>
-            <pc:sldMk cId="0" sldId="258"/>
-            <ac:spMk id="9" creationId="{B54EB663-8064-4882-8955-2A0DA5394FA3}"/>
-          </ac:spMkLst>
-        </pc:spChg>
-        <pc:spChg chg="add del mod">
-          <ac:chgData name="Mariusz" userId="ca8d45ae-21cb-4030-bbab-1d3a5fb8cc81" providerId="ADAL" clId="{9175EAAB-6DAF-40B5-B3E8-C7AAB6B2C322}" dt="2020-05-31T21:24:46.273" v="176"/>
-          <ac:spMkLst>
-            <pc:docMk/>
-            <pc:sldMk cId="0" sldId="258"/>
-            <ac:spMk id="10" creationId="{D792CD9B-344D-40BF-8802-F404A0D6198B}"/>
-          </ac:spMkLst>
-        </pc:spChg>
-        <pc:spChg chg="add del mod">
-          <ac:chgData name="Mariusz" userId="ca8d45ae-21cb-4030-bbab-1d3a5fb8cc81" providerId="ADAL" clId="{9175EAAB-6DAF-40B5-B3E8-C7AAB6B2C322}" dt="2020-05-31T21:24:46.273" v="176"/>
-          <ac:spMkLst>
-            <pc:docMk/>
-            <pc:sldMk cId="0" sldId="258"/>
-            <ac:spMk id="11" creationId="{032DEB62-B813-43DA-920A-207BB8B54E9D}"/>
-          </ac:spMkLst>
-        </pc:spChg>
-      </pc:sldChg>
-      <pc:sldChg chg="addSp delSp modSp modNotes modNotesTx">
-        <pc:chgData name="Mariusz" userId="ca8d45ae-21cb-4030-bbab-1d3a5fb8cc81" providerId="ADAL" clId="{9175EAAB-6DAF-40B5-B3E8-C7AAB6B2C322}" dt="2020-06-03T11:43:17.491" v="3227" actId="20577"/>
-        <pc:sldMkLst>
-          <pc:docMk/>
-          <pc:sldMk cId="0" sldId="259"/>
-        </pc:sldMkLst>
-        <pc:spChg chg="mod">
-          <ac:chgData name="Mariusz" userId="ca8d45ae-21cb-4030-bbab-1d3a5fb8cc81" providerId="ADAL" clId="{9175EAAB-6DAF-40B5-B3E8-C7AAB6B2C322}" dt="2020-05-31T21:24:33.664" v="175"/>
-          <ac:spMkLst>
-            <pc:docMk/>
-            <pc:sldMk cId="0" sldId="259"/>
-            <ac:spMk id="2" creationId="{00000000-0000-0000-0000-000000000000}"/>
-          </ac:spMkLst>
-        </pc:spChg>
-        <pc:spChg chg="mod">
-          <ac:chgData name="Mariusz" userId="ca8d45ae-21cb-4030-bbab-1d3a5fb8cc81" providerId="ADAL" clId="{9175EAAB-6DAF-40B5-B3E8-C7AAB6B2C322}" dt="2020-05-31T21:24:33.664" v="175"/>
-          <ac:spMkLst>
-            <pc:docMk/>
-            <pc:sldMk cId="0" sldId="259"/>
-            <ac:spMk id="3" creationId="{00000000-0000-0000-0000-000000000000}"/>
-          </ac:spMkLst>
-        </pc:spChg>
-        <pc:spChg chg="mod">
-          <ac:chgData name="Mariusz" userId="ca8d45ae-21cb-4030-bbab-1d3a5fb8cc81" providerId="ADAL" clId="{9175EAAB-6DAF-40B5-B3E8-C7AAB6B2C322}" dt="2020-05-31T21:24:33.664" v="175"/>
-          <ac:spMkLst>
-            <pc:docMk/>
-            <pc:sldMk cId="0" sldId="259"/>
-            <ac:spMk id="4" creationId="{2BEB5A4A-2FF1-44A4-B709-26C18E086146}"/>
-          </ac:spMkLst>
-        </pc:spChg>
-        <pc:spChg chg="mod">
-          <ac:chgData name="Mariusz" userId="ca8d45ae-21cb-4030-bbab-1d3a5fb8cc81" providerId="ADAL" clId="{9175EAAB-6DAF-40B5-B3E8-C7AAB6B2C322}" dt="2020-05-31T21:24:33.664" v="175"/>
-          <ac:spMkLst>
-            <pc:docMk/>
-            <pc:sldMk cId="0" sldId="259"/>
-            <ac:spMk id="5" creationId="{A2F09D9E-3B78-4403-9D5E-9DCA51EA2CDD}"/>
-          </ac:spMkLst>
-        </pc:spChg>
-        <pc:spChg chg="add del mod">
-          <ac:chgData name="Mariusz" userId="ca8d45ae-21cb-4030-bbab-1d3a5fb8cc81" providerId="ADAL" clId="{9175EAAB-6DAF-40B5-B3E8-C7AAB6B2C322}" dt="2020-05-31T21:24:33.664" v="175"/>
-          <ac:spMkLst>
-            <pc:docMk/>
-            <pc:sldMk cId="0" sldId="259"/>
-            <ac:spMk id="6" creationId="{807B2AE0-3FC7-49AA-98FC-755632114E5B}"/>
-          </ac:spMkLst>
-        </pc:spChg>
-        <pc:spChg chg="add del mod">
-          <ac:chgData name="Mariusz" userId="ca8d45ae-21cb-4030-bbab-1d3a5fb8cc81" providerId="ADAL" clId="{9175EAAB-6DAF-40B5-B3E8-C7AAB6B2C322}" dt="2020-05-31T21:24:33.664" v="175"/>
-          <ac:spMkLst>
-            <pc:docMk/>
-            <pc:sldMk cId="0" sldId="259"/>
-            <ac:spMk id="7" creationId="{2A060F67-9637-4E69-B255-F4B8A8C74347}"/>
-          </ac:spMkLst>
-        </pc:spChg>
-        <pc:spChg chg="add del mod">
-          <ac:chgData name="Mariusz" userId="ca8d45ae-21cb-4030-bbab-1d3a5fb8cc81" providerId="ADAL" clId="{9175EAAB-6DAF-40B5-B3E8-C7AAB6B2C322}" dt="2020-05-31T21:24:33.664" v="175"/>
-          <ac:spMkLst>
-            <pc:docMk/>
-            <pc:sldMk cId="0" sldId="259"/>
-            <ac:spMk id="8" creationId="{32EF27D8-2A9C-4379-BD39-656D54FA1FDC}"/>
-          </ac:spMkLst>
-        </pc:spChg>
-        <pc:spChg chg="add del mod">
-          <ac:chgData name="Mariusz" userId="ca8d45ae-21cb-4030-bbab-1d3a5fb8cc81" providerId="ADAL" clId="{9175EAAB-6DAF-40B5-B3E8-C7AAB6B2C322}" dt="2020-05-31T21:24:33.664" v="175"/>
-          <ac:spMkLst>
-            <pc:docMk/>
-            <pc:sldMk cId="0" sldId="259"/>
-            <ac:spMk id="9" creationId="{551A9C09-6D22-4A02-A884-8987F20D4C79}"/>
-          </ac:spMkLst>
-        </pc:spChg>
-      </pc:sldChg>
-      <pc:sldChg chg="modSp del ord">
-        <pc:chgData name="Mariusz" userId="ca8d45ae-21cb-4030-bbab-1d3a5fb8cc81" providerId="ADAL" clId="{9175EAAB-6DAF-40B5-B3E8-C7AAB6B2C322}" dt="2020-05-31T19:35:55.507" v="137" actId="47"/>
-        <pc:sldMkLst>
-          <pc:docMk/>
-          <pc:sldMk cId="3191445385" sldId="282"/>
-        </pc:sldMkLst>
-        <pc:spChg chg="mod">
-          <ac:chgData name="Mariusz" userId="ca8d45ae-21cb-4030-bbab-1d3a5fb8cc81" providerId="ADAL" clId="{9175EAAB-6DAF-40B5-B3E8-C7AAB6B2C322}" dt="2020-05-31T15:23:08.757" v="57"/>
-          <ac:spMkLst>
-            <pc:docMk/>
-            <pc:sldMk cId="3191445385" sldId="282"/>
-            <ac:spMk id="2" creationId="{D781E209-46FD-44B5-A460-8ED62C69985E}"/>
-          </ac:spMkLst>
-        </pc:spChg>
-        <pc:spChg chg="mod">
-          <ac:chgData name="Mariusz" userId="ca8d45ae-21cb-4030-bbab-1d3a5fb8cc81" providerId="ADAL" clId="{9175EAAB-6DAF-40B5-B3E8-C7AAB6B2C322}" dt="2020-05-31T15:23:08.757" v="57"/>
-          <ac:spMkLst>
-            <pc:docMk/>
-            <pc:sldMk cId="3191445385" sldId="282"/>
-            <ac:spMk id="4" creationId="{00000000-0000-0000-0000-000000000000}"/>
-          </ac:spMkLst>
-        </pc:spChg>
-        <pc:spChg chg="mod">
-          <ac:chgData name="Mariusz" userId="ca8d45ae-21cb-4030-bbab-1d3a5fb8cc81" providerId="ADAL" clId="{9175EAAB-6DAF-40B5-B3E8-C7AAB6B2C322}" dt="2020-05-31T15:23:08.757" v="57"/>
-          <ac:spMkLst>
-            <pc:docMk/>
-            <pc:sldMk cId="3191445385" sldId="282"/>
-            <ac:spMk id="5" creationId="{1536B0D1-8066-4DD8-B152-5C48A5926C34}"/>
-          </ac:spMkLst>
-        </pc:spChg>
-        <pc:spChg chg="mod">
-          <ac:chgData name="Mariusz" userId="ca8d45ae-21cb-4030-bbab-1d3a5fb8cc81" providerId="ADAL" clId="{9175EAAB-6DAF-40B5-B3E8-C7AAB6B2C322}" dt="2020-05-31T15:23:08.757" v="57"/>
-          <ac:spMkLst>
-            <pc:docMk/>
-            <pc:sldMk cId="3191445385" sldId="282"/>
-            <ac:spMk id="6" creationId="{00000000-0000-0000-0000-000000000000}"/>
-          </ac:spMkLst>
-        </pc:spChg>
-        <pc:spChg chg="mod">
-          <ac:chgData name="Mariusz" userId="ca8d45ae-21cb-4030-bbab-1d3a5fb8cc81" providerId="ADAL" clId="{9175EAAB-6DAF-40B5-B3E8-C7AAB6B2C322}" dt="2020-05-31T15:23:08.757" v="57"/>
-          <ac:spMkLst>
-            <pc:docMk/>
-            <pc:sldMk cId="3191445385" sldId="282"/>
-            <ac:spMk id="7" creationId="{C5CC3D2C-9BC6-43E2-A060-D9779FCBF96C}"/>
-          </ac:spMkLst>
-        </pc:spChg>
-        <pc:picChg chg="mod">
-          <ac:chgData name="Mariusz" userId="ca8d45ae-21cb-4030-bbab-1d3a5fb8cc81" providerId="ADAL" clId="{9175EAAB-6DAF-40B5-B3E8-C7AAB6B2C322}" dt="2020-05-31T15:23:08.757" v="57"/>
-          <ac:picMkLst>
-            <pc:docMk/>
-            <pc:sldMk cId="3191445385" sldId="282"/>
-            <ac:picMk id="3" creationId="{13BCACCB-A39F-461F-8F5B-EF30887F8D2E}"/>
-          </ac:picMkLst>
-        </pc:picChg>
-      </pc:sldChg>
-      <pc:sldChg chg="addSp delSp modSp mod modNotes modNotesTx">
-        <pc:chgData name="Mariusz" userId="ca8d45ae-21cb-4030-bbab-1d3a5fb8cc81" providerId="ADAL" clId="{9175EAAB-6DAF-40B5-B3E8-C7AAB6B2C322}" dt="2020-06-03T12:14:59.432" v="3306" actId="20577"/>
-        <pc:sldMkLst>
-          <pc:docMk/>
-          <pc:sldMk cId="4019951972" sldId="283"/>
-        </pc:sldMkLst>
-        <pc:spChg chg="mod">
-          <ac:chgData name="Mariusz" userId="ca8d45ae-21cb-4030-bbab-1d3a5fb8cc81" providerId="ADAL" clId="{9175EAAB-6DAF-40B5-B3E8-C7AAB6B2C322}" dt="2020-06-03T10:20:07.648" v="3096" actId="5793"/>
-          <ac:spMkLst>
-            <pc:docMk/>
-            <pc:sldMk cId="4019951972" sldId="283"/>
-            <ac:spMk id="2" creationId="{00000000-0000-0000-0000-000000000000}"/>
-          </ac:spMkLst>
-        </pc:spChg>
-        <pc:spChg chg="mod">
-          <ac:chgData name="Mariusz" userId="ca8d45ae-21cb-4030-bbab-1d3a5fb8cc81" providerId="ADAL" clId="{9175EAAB-6DAF-40B5-B3E8-C7AAB6B2C322}" dt="2020-05-31T19:43:13.195" v="161"/>
-          <ac:spMkLst>
-            <pc:docMk/>
-            <pc:sldMk cId="4019951972" sldId="283"/>
-            <ac:spMk id="3" creationId="{00000000-0000-0000-0000-000000000000}"/>
-          </ac:spMkLst>
-        </pc:spChg>
-        <pc:spChg chg="mod">
-          <ac:chgData name="Mariusz" userId="ca8d45ae-21cb-4030-bbab-1d3a5fb8cc81" providerId="ADAL" clId="{9175EAAB-6DAF-40B5-B3E8-C7AAB6B2C322}" dt="2020-05-31T19:43:13.195" v="161"/>
-          <ac:spMkLst>
-            <pc:docMk/>
-            <pc:sldMk cId="4019951972" sldId="283"/>
-            <ac:spMk id="4" creationId="{77FF8E0E-69A8-4891-AA42-81487B835B63}"/>
-          </ac:spMkLst>
-        </pc:spChg>
-        <pc:spChg chg="mod">
-          <ac:chgData name="Mariusz" userId="ca8d45ae-21cb-4030-bbab-1d3a5fb8cc81" providerId="ADAL" clId="{9175EAAB-6DAF-40B5-B3E8-C7AAB6B2C322}" dt="2020-05-31T19:43:13.195" v="161"/>
-          <ac:spMkLst>
-            <pc:docMk/>
-            <pc:sldMk cId="4019951972" sldId="283"/>
-            <ac:spMk id="5" creationId="{608E058C-2365-42DD-8DE3-64C9B152E9E6}"/>
-          </ac:spMkLst>
-        </pc:spChg>
-        <pc:spChg chg="add del mod">
-          <ac:chgData name="Mariusz" userId="ca8d45ae-21cb-4030-bbab-1d3a5fb8cc81" providerId="ADAL" clId="{9175EAAB-6DAF-40B5-B3E8-C7AAB6B2C322}" dt="2020-05-31T19:43:13.195" v="161"/>
-          <ac:spMkLst>
-            <pc:docMk/>
-            <pc:sldMk cId="4019951972" sldId="283"/>
-            <ac:spMk id="6" creationId="{08FD1327-B720-4475-9197-1D27A00A70EF}"/>
-          </ac:spMkLst>
-        </pc:spChg>
-        <pc:spChg chg="add del mod">
-          <ac:chgData name="Mariusz" userId="ca8d45ae-21cb-4030-bbab-1d3a5fb8cc81" providerId="ADAL" clId="{9175EAAB-6DAF-40B5-B3E8-C7AAB6B2C322}" dt="2020-05-31T19:43:13.195" v="161"/>
-          <ac:spMkLst>
-            <pc:docMk/>
-            <pc:sldMk cId="4019951972" sldId="283"/>
-            <ac:spMk id="7" creationId="{336FAE9F-69C3-4CD1-B3CB-6467A2C6DF23}"/>
-          </ac:spMkLst>
-        </pc:spChg>
-        <pc:spChg chg="add del mod">
-          <ac:chgData name="Mariusz" userId="ca8d45ae-21cb-4030-bbab-1d3a5fb8cc81" providerId="ADAL" clId="{9175EAAB-6DAF-40B5-B3E8-C7AAB6B2C322}" dt="2020-05-31T19:43:13.195" v="161"/>
-          <ac:spMkLst>
-            <pc:docMk/>
-            <pc:sldMk cId="4019951972" sldId="283"/>
-            <ac:spMk id="8" creationId="{AEED2BBB-C38A-4671-AAEA-998CBBAEE9D2}"/>
-          </ac:spMkLst>
-        </pc:spChg>
-        <pc:spChg chg="add del mod">
-          <ac:chgData name="Mariusz" userId="ca8d45ae-21cb-4030-bbab-1d3a5fb8cc81" providerId="ADAL" clId="{9175EAAB-6DAF-40B5-B3E8-C7AAB6B2C322}" dt="2020-05-31T19:43:13.195" v="161"/>
-          <ac:spMkLst>
-            <pc:docMk/>
-            <pc:sldMk cId="4019951972" sldId="283"/>
-            <ac:spMk id="9" creationId="{A787C992-6880-42B4-830A-9B81397D2397}"/>
-          </ac:spMkLst>
-        </pc:spChg>
-      </pc:sldChg>
-      <pc:sldChg chg="modSp modNotes">
-        <pc:chgData name="Mariusz" userId="ca8d45ae-21cb-4030-bbab-1d3a5fb8cc81" providerId="ADAL" clId="{9175EAAB-6DAF-40B5-B3E8-C7AAB6B2C322}" dt="2020-05-31T15:23:08.757" v="57"/>
-        <pc:sldMkLst>
-          <pc:docMk/>
-          <pc:sldMk cId="3745401701" sldId="284"/>
-        </pc:sldMkLst>
-        <pc:spChg chg="mod">
-          <ac:chgData name="Mariusz" userId="ca8d45ae-21cb-4030-bbab-1d3a5fb8cc81" providerId="ADAL" clId="{9175EAAB-6DAF-40B5-B3E8-C7AAB6B2C322}" dt="2020-05-31T15:23:08.757" v="57"/>
-          <ac:spMkLst>
-            <pc:docMk/>
-            <pc:sldMk cId="3745401701" sldId="284"/>
-            <ac:spMk id="2" creationId="{00000000-0000-0000-0000-000000000000}"/>
-          </ac:spMkLst>
-        </pc:spChg>
-        <pc:spChg chg="mod">
-          <ac:chgData name="Mariusz" userId="ca8d45ae-21cb-4030-bbab-1d3a5fb8cc81" providerId="ADAL" clId="{9175EAAB-6DAF-40B5-B3E8-C7AAB6B2C322}" dt="2020-05-31T15:23:08.757" v="57"/>
-          <ac:spMkLst>
-            <pc:docMk/>
-            <pc:sldMk cId="3745401701" sldId="284"/>
-            <ac:spMk id="3" creationId="{58A19D5B-4B3E-4385-B11F-8CAFA5203476}"/>
-          </ac:spMkLst>
-        </pc:spChg>
-        <pc:spChg chg="mod">
-          <ac:chgData name="Mariusz" userId="ca8d45ae-21cb-4030-bbab-1d3a5fb8cc81" providerId="ADAL" clId="{9175EAAB-6DAF-40B5-B3E8-C7AAB6B2C322}" dt="2020-05-31T15:23:08.757" v="57"/>
-          <ac:spMkLst>
-            <pc:docMk/>
-            <pc:sldMk cId="3745401701" sldId="284"/>
-            <ac:spMk id="4" creationId="{3A51CD44-4609-40FD-A557-24630BD3197C}"/>
-          </ac:spMkLst>
-        </pc:spChg>
-        <pc:graphicFrameChg chg="mod">
-          <ac:chgData name="Mariusz" userId="ca8d45ae-21cb-4030-bbab-1d3a5fb8cc81" providerId="ADAL" clId="{9175EAAB-6DAF-40B5-B3E8-C7AAB6B2C322}" dt="2020-05-31T15:23:08.757" v="57"/>
-          <ac:graphicFrameMkLst>
-            <pc:docMk/>
-            <pc:sldMk cId="3745401701" sldId="284"/>
-            <ac:graphicFrameMk id="8" creationId="{00000000-0000-0000-0000-000000000000}"/>
-          </ac:graphicFrameMkLst>
-        </pc:graphicFrameChg>
-        <pc:picChg chg="mod">
-          <ac:chgData name="Mariusz" userId="ca8d45ae-21cb-4030-bbab-1d3a5fb8cc81" providerId="ADAL" clId="{9175EAAB-6DAF-40B5-B3E8-C7AAB6B2C322}" dt="2020-05-31T15:23:08.757" v="57"/>
-          <ac:picMkLst>
-            <pc:docMk/>
-            <pc:sldMk cId="3745401701" sldId="284"/>
-            <ac:picMk id="12313" creationId="{00000000-0000-0000-0000-000000000000}"/>
-          </ac:picMkLst>
-        </pc:picChg>
-        <pc:picChg chg="mod">
-          <ac:chgData name="Mariusz" userId="ca8d45ae-21cb-4030-bbab-1d3a5fb8cc81" providerId="ADAL" clId="{9175EAAB-6DAF-40B5-B3E8-C7AAB6B2C322}" dt="2020-05-31T15:23:08.757" v="57"/>
-          <ac:picMkLst>
-            <pc:docMk/>
-            <pc:sldMk cId="3745401701" sldId="284"/>
-            <ac:picMk id="12315" creationId="{00000000-0000-0000-0000-000000000000}"/>
-          </ac:picMkLst>
-        </pc:picChg>
-      </pc:sldChg>
-      <pc:sldChg chg="modSp del ord">
-        <pc:chgData name="Mariusz" userId="ca8d45ae-21cb-4030-bbab-1d3a5fb8cc81" providerId="ADAL" clId="{9175EAAB-6DAF-40B5-B3E8-C7AAB6B2C322}" dt="2020-05-31T19:35:51.951" v="136" actId="47"/>
-        <pc:sldMkLst>
-          <pc:docMk/>
-          <pc:sldMk cId="0" sldId="285"/>
-        </pc:sldMkLst>
-        <pc:spChg chg="mod">
-          <ac:chgData name="Mariusz" userId="ca8d45ae-21cb-4030-bbab-1d3a5fb8cc81" providerId="ADAL" clId="{9175EAAB-6DAF-40B5-B3E8-C7AAB6B2C322}" dt="2020-05-31T15:23:08.757" v="57"/>
-          <ac:spMkLst>
-            <pc:docMk/>
-            <pc:sldMk cId="0" sldId="285"/>
-            <ac:spMk id="2" creationId="{00000000-0000-0000-0000-000000000000}"/>
-          </ac:spMkLst>
-        </pc:spChg>
-        <pc:spChg chg="mod">
-          <ac:chgData name="Mariusz" userId="ca8d45ae-21cb-4030-bbab-1d3a5fb8cc81" providerId="ADAL" clId="{9175EAAB-6DAF-40B5-B3E8-C7AAB6B2C322}" dt="2020-05-31T15:23:08.757" v="57"/>
-          <ac:spMkLst>
-            <pc:docMk/>
-            <pc:sldMk cId="0" sldId="285"/>
-            <ac:spMk id="3" creationId="{E363D041-D0D5-447B-9552-CFDA9BE2C523}"/>
-          </ac:spMkLst>
-        </pc:spChg>
-        <pc:spChg chg="mod">
-          <ac:chgData name="Mariusz" userId="ca8d45ae-21cb-4030-bbab-1d3a5fb8cc81" providerId="ADAL" clId="{9175EAAB-6DAF-40B5-B3E8-C7AAB6B2C322}" dt="2020-05-31T15:23:08.757" v="57"/>
-          <ac:spMkLst>
-            <pc:docMk/>
-            <pc:sldMk cId="0" sldId="285"/>
-            <ac:spMk id="4" creationId="{854018FB-A5CC-4A9D-9D02-464367EC2977}"/>
-          </ac:spMkLst>
-        </pc:spChg>
-        <pc:picChg chg="mod">
-          <ac:chgData name="Mariusz" userId="ca8d45ae-21cb-4030-bbab-1d3a5fb8cc81" providerId="ADAL" clId="{9175EAAB-6DAF-40B5-B3E8-C7AAB6B2C322}" dt="2020-05-31T15:23:08.757" v="57"/>
-          <ac:picMkLst>
-            <pc:docMk/>
-            <pc:sldMk cId="0" sldId="285"/>
-            <ac:picMk id="6" creationId="{02B807B1-4181-4CCA-B7A6-0346A4DA3E0C}"/>
-          </ac:picMkLst>
-        </pc:picChg>
-      </pc:sldChg>
-      <pc:sldChg chg="modSp del ord">
-        <pc:chgData name="Mariusz" userId="ca8d45ae-21cb-4030-bbab-1d3a5fb8cc81" providerId="ADAL" clId="{9175EAAB-6DAF-40B5-B3E8-C7AAB6B2C322}" dt="2020-05-31T19:35:51.951" v="136" actId="47"/>
-        <pc:sldMkLst>
-          <pc:docMk/>
-          <pc:sldMk cId="3191445385" sldId="286"/>
-        </pc:sldMkLst>
-        <pc:spChg chg="mod">
-          <ac:chgData name="Mariusz" userId="ca8d45ae-21cb-4030-bbab-1d3a5fb8cc81" providerId="ADAL" clId="{9175EAAB-6DAF-40B5-B3E8-C7AAB6B2C322}" dt="2020-05-31T15:23:08.757" v="57"/>
-          <ac:spMkLst>
-            <pc:docMk/>
-            <pc:sldMk cId="3191445385" sldId="286"/>
-            <ac:spMk id="2" creationId="{F1748164-13A9-457B-A9AB-B0CD7510280B}"/>
-          </ac:spMkLst>
-        </pc:spChg>
-        <pc:spChg chg="mod">
-          <ac:chgData name="Mariusz" userId="ca8d45ae-21cb-4030-bbab-1d3a5fb8cc81" providerId="ADAL" clId="{9175EAAB-6DAF-40B5-B3E8-C7AAB6B2C322}" dt="2020-05-31T15:23:08.757" v="57"/>
-          <ac:spMkLst>
-            <pc:docMk/>
-            <pc:sldMk cId="3191445385" sldId="286"/>
-            <ac:spMk id="3" creationId="{EAC8FBD6-4B66-4E09-92FB-0EF8EB92ADA0}"/>
-          </ac:spMkLst>
-        </pc:spChg>
-        <pc:spChg chg="mod">
-          <ac:chgData name="Mariusz" userId="ca8d45ae-21cb-4030-bbab-1d3a5fb8cc81" providerId="ADAL" clId="{9175EAAB-6DAF-40B5-B3E8-C7AAB6B2C322}" dt="2020-05-31T15:23:08.757" v="57"/>
-          <ac:spMkLst>
-            <pc:docMk/>
-            <pc:sldMk cId="3191445385" sldId="286"/>
-            <ac:spMk id="4" creationId="{00000000-0000-0000-0000-000000000000}"/>
-          </ac:spMkLst>
-        </pc:spChg>
-        <pc:spChg chg="mod">
-          <ac:chgData name="Mariusz" userId="ca8d45ae-21cb-4030-bbab-1d3a5fb8cc81" providerId="ADAL" clId="{9175EAAB-6DAF-40B5-B3E8-C7AAB6B2C322}" dt="2020-05-31T15:23:08.757" v="57"/>
-          <ac:spMkLst>
-            <pc:docMk/>
-            <pc:sldMk cId="3191445385" sldId="286"/>
-            <ac:spMk id="6" creationId="{00000000-0000-0000-0000-000000000000}"/>
-          </ac:spMkLst>
-        </pc:spChg>
-        <pc:picChg chg="mod">
-          <ac:chgData name="Mariusz" userId="ca8d45ae-21cb-4030-bbab-1d3a5fb8cc81" providerId="ADAL" clId="{9175EAAB-6DAF-40B5-B3E8-C7AAB6B2C322}" dt="2020-05-31T15:23:08.757" v="57"/>
-          <ac:picMkLst>
-            <pc:docMk/>
-            <pc:sldMk cId="3191445385" sldId="286"/>
-            <ac:picMk id="7" creationId="{00000000-0000-0000-0000-000000000000}"/>
-          </ac:picMkLst>
-        </pc:picChg>
-      </pc:sldChg>
-      <pc:sldChg chg="del">
-        <pc:chgData name="Mariusz" userId="ca8d45ae-21cb-4030-bbab-1d3a5fb8cc81" providerId="ADAL" clId="{9175EAAB-6DAF-40B5-B3E8-C7AAB6B2C322}" dt="2020-05-31T15:17:36.949" v="26" actId="47"/>
-        <pc:sldMkLst>
-          <pc:docMk/>
-          <pc:sldMk cId="3221289239" sldId="287"/>
-        </pc:sldMkLst>
-      </pc:sldChg>
-      <pc:sldChg chg="del">
-        <pc:chgData name="Mariusz" userId="ca8d45ae-21cb-4030-bbab-1d3a5fb8cc81" providerId="ADAL" clId="{9175EAAB-6DAF-40B5-B3E8-C7AAB6B2C322}" dt="2020-05-31T14:41:59.399" v="0" actId="2696"/>
-        <pc:sldMkLst>
-          <pc:docMk/>
-          <pc:sldMk cId="14412432" sldId="288"/>
-        </pc:sldMkLst>
-      </pc:sldChg>
-      <pc:sldChg chg="modSp mod modShow modNotes modNotesTx">
-        <pc:chgData name="Mariusz" userId="ca8d45ae-21cb-4030-bbab-1d3a5fb8cc81" providerId="ADAL" clId="{9175EAAB-6DAF-40B5-B3E8-C7AAB6B2C322}" dt="2020-06-03T11:16:43.287" v="3193" actId="729"/>
-        <pc:sldMkLst>
-          <pc:docMk/>
-          <pc:sldMk cId="3654890770" sldId="289"/>
-        </pc:sldMkLst>
-        <pc:spChg chg="mod">
-          <ac:chgData name="Mariusz" userId="ca8d45ae-21cb-4030-bbab-1d3a5fb8cc81" providerId="ADAL" clId="{9175EAAB-6DAF-40B5-B3E8-C7AAB6B2C322}" dt="2020-05-31T15:23:08.757" v="57"/>
-          <ac:spMkLst>
-            <pc:docMk/>
-            <pc:sldMk cId="3654890770" sldId="289"/>
-            <ac:spMk id="2" creationId="{814FAD99-D813-4B29-8E9C-3F043E9C9892}"/>
-          </ac:spMkLst>
-        </pc:spChg>
-        <pc:spChg chg="mod">
-          <ac:chgData name="Mariusz" userId="ca8d45ae-21cb-4030-bbab-1d3a5fb8cc81" providerId="ADAL" clId="{9175EAAB-6DAF-40B5-B3E8-C7AAB6B2C322}" dt="2020-05-31T15:23:08.757" v="57"/>
-          <ac:spMkLst>
-            <pc:docMk/>
-            <pc:sldMk cId="3654890770" sldId="289"/>
-            <ac:spMk id="3" creationId="{CB37BD0F-A83D-4DF0-AE5D-E8E14C8A027B}"/>
-          </ac:spMkLst>
-        </pc:spChg>
-        <pc:spChg chg="mod">
-          <ac:chgData name="Mariusz" userId="ca8d45ae-21cb-4030-bbab-1d3a5fb8cc81" providerId="ADAL" clId="{9175EAAB-6DAF-40B5-B3E8-C7AAB6B2C322}" dt="2020-05-31T20:03:37.432" v="174" actId="20577"/>
-          <ac:spMkLst>
-            <pc:docMk/>
-            <pc:sldMk cId="3654890770" sldId="289"/>
-            <ac:spMk id="4" creationId="{92A0B153-C864-422A-B1DF-54CE120944CE}"/>
-          </ac:spMkLst>
-        </pc:spChg>
-        <pc:spChg chg="mod">
-          <ac:chgData name="Mariusz" userId="ca8d45ae-21cb-4030-bbab-1d3a5fb8cc81" providerId="ADAL" clId="{9175EAAB-6DAF-40B5-B3E8-C7AAB6B2C322}" dt="2020-05-31T15:23:08.757" v="57"/>
-          <ac:spMkLst>
-            <pc:docMk/>
-            <pc:sldMk cId="3654890770" sldId="289"/>
-            <ac:spMk id="5" creationId="{0751BF7C-5F5F-41FB-9A69-09CAD28C500F}"/>
-          </ac:spMkLst>
-        </pc:spChg>
-      </pc:sldChg>
-      <pc:sldChg chg="addSp delSp modSp mod modShow modNotesTx">
-        <pc:chgData name="Mariusz" userId="ca8d45ae-21cb-4030-bbab-1d3a5fb8cc81" providerId="ADAL" clId="{9175EAAB-6DAF-40B5-B3E8-C7AAB6B2C322}" dt="2020-06-03T11:41:35.042" v="3225" actId="790"/>
-        <pc:sldMkLst>
-          <pc:docMk/>
-          <pc:sldMk cId="2759846488" sldId="290"/>
-        </pc:sldMkLst>
-        <pc:spChg chg="mod">
-          <ac:chgData name="Mariusz" userId="ca8d45ae-21cb-4030-bbab-1d3a5fb8cc81" providerId="ADAL" clId="{9175EAAB-6DAF-40B5-B3E8-C7AAB6B2C322}" dt="2020-05-31T21:24:52.058" v="177"/>
-          <ac:spMkLst>
-            <pc:docMk/>
-            <pc:sldMk cId="2759846488" sldId="290"/>
-            <ac:spMk id="2" creationId="{642ECD52-416C-400D-A2F9-1E3996C975AA}"/>
-          </ac:spMkLst>
-        </pc:spChg>
-        <pc:spChg chg="mod">
-          <ac:chgData name="Mariusz" userId="ca8d45ae-21cb-4030-bbab-1d3a5fb8cc81" providerId="ADAL" clId="{9175EAAB-6DAF-40B5-B3E8-C7AAB6B2C322}" dt="2020-05-31T21:24:52.058" v="177"/>
-          <ac:spMkLst>
-            <pc:docMk/>
-            <pc:sldMk cId="2759846488" sldId="290"/>
-            <ac:spMk id="3" creationId="{AA8EF286-9A21-4540-950B-E3A78864FC16}"/>
-          </ac:spMkLst>
-        </pc:spChg>
-        <pc:spChg chg="mod">
-          <ac:chgData name="Mariusz" userId="ca8d45ae-21cb-4030-bbab-1d3a5fb8cc81" providerId="ADAL" clId="{9175EAAB-6DAF-40B5-B3E8-C7AAB6B2C322}" dt="2020-05-31T21:24:52.058" v="177"/>
-          <ac:spMkLst>
-            <pc:docMk/>
-            <pc:sldMk cId="2759846488" sldId="290"/>
-            <ac:spMk id="4" creationId="{C431F5DA-582B-4769-ADC4-3564C1CF759B}"/>
-          </ac:spMkLst>
-        </pc:spChg>
-        <pc:spChg chg="add del mod">
-          <ac:chgData name="Mariusz" userId="ca8d45ae-21cb-4030-bbab-1d3a5fb8cc81" providerId="ADAL" clId="{9175EAAB-6DAF-40B5-B3E8-C7AAB6B2C322}" dt="2020-05-31T21:24:52.058" v="177"/>
-          <ac:spMkLst>
-            <pc:docMk/>
-            <pc:sldMk cId="2759846488" sldId="290"/>
-            <ac:spMk id="5" creationId="{BD8FDAB8-0D73-4599-861A-1ED143F68C95}"/>
-          </ac:spMkLst>
-        </pc:spChg>
-        <pc:spChg chg="add del mod">
-          <ac:chgData name="Mariusz" userId="ca8d45ae-21cb-4030-bbab-1d3a5fb8cc81" providerId="ADAL" clId="{9175EAAB-6DAF-40B5-B3E8-C7AAB6B2C322}" dt="2020-05-31T21:24:52.058" v="177"/>
-          <ac:spMkLst>
-            <pc:docMk/>
-            <pc:sldMk cId="2759846488" sldId="290"/>
-            <ac:spMk id="6" creationId="{AE08AC65-3B26-4E54-8D6D-237EAD6E9C65}"/>
-          </ac:spMkLst>
-        </pc:spChg>
-        <pc:spChg chg="add del mod">
-          <ac:chgData name="Mariusz" userId="ca8d45ae-21cb-4030-bbab-1d3a5fb8cc81" providerId="ADAL" clId="{9175EAAB-6DAF-40B5-B3E8-C7AAB6B2C322}" dt="2020-05-31T21:24:52.058" v="177"/>
-          <ac:spMkLst>
-            <pc:docMk/>
-            <pc:sldMk cId="2759846488" sldId="290"/>
-            <ac:spMk id="7" creationId="{A60556CE-6145-4D9E-918E-1720E91149B6}"/>
-          </ac:spMkLst>
-        </pc:spChg>
-        <pc:picChg chg="mod">
-          <ac:chgData name="Mariusz" userId="ca8d45ae-21cb-4030-bbab-1d3a5fb8cc81" providerId="ADAL" clId="{9175EAAB-6DAF-40B5-B3E8-C7AAB6B2C322}" dt="2020-05-31T21:25:05.772" v="179" actId="408"/>
-          <ac:picMkLst>
-            <pc:docMk/>
-            <pc:sldMk cId="2759846488" sldId="290"/>
-            <ac:picMk id="8" creationId="{5490B48B-59CC-4B4A-B745-93D8284B04E0}"/>
-          </ac:picMkLst>
-        </pc:picChg>
-      </pc:sldChg>
-      <pc:sldChg chg="modSp del mod modShow">
-        <pc:chgData name="Mariusz" userId="ca8d45ae-21cb-4030-bbab-1d3a5fb8cc81" providerId="ADAL" clId="{9175EAAB-6DAF-40B5-B3E8-C7AAB6B2C322}" dt="2020-06-03T10:58:04.080" v="3189" actId="2696"/>
-        <pc:sldMkLst>
-          <pc:docMk/>
-          <pc:sldMk cId="1168729256" sldId="291"/>
-        </pc:sldMkLst>
-        <pc:spChg chg="mod">
-          <ac:chgData name="Mariusz" userId="ca8d45ae-21cb-4030-bbab-1d3a5fb8cc81" providerId="ADAL" clId="{9175EAAB-6DAF-40B5-B3E8-C7AAB6B2C322}" dt="2020-05-31T15:23:08.757" v="57"/>
-          <ac:spMkLst>
-            <pc:docMk/>
-            <pc:sldMk cId="1168729256" sldId="291"/>
-            <ac:spMk id="2" creationId="{5F9F88FB-5AC4-4AD5-A55E-1671771D14E9}"/>
-          </ac:spMkLst>
-        </pc:spChg>
-        <pc:spChg chg="mod">
-          <ac:chgData name="Mariusz" userId="ca8d45ae-21cb-4030-bbab-1d3a5fb8cc81" providerId="ADAL" clId="{9175EAAB-6DAF-40B5-B3E8-C7AAB6B2C322}" dt="2020-05-31T15:23:08.757" v="57"/>
-          <ac:spMkLst>
-            <pc:docMk/>
-            <pc:sldMk cId="1168729256" sldId="291"/>
-            <ac:spMk id="3" creationId="{CFD4FB97-98EA-4C87-B57B-38FCFA60FBB3}"/>
-          </ac:spMkLst>
-        </pc:spChg>
-        <pc:spChg chg="mod">
-          <ac:chgData name="Mariusz" userId="ca8d45ae-21cb-4030-bbab-1d3a5fb8cc81" providerId="ADAL" clId="{9175EAAB-6DAF-40B5-B3E8-C7AAB6B2C322}" dt="2020-05-31T15:23:08.757" v="57"/>
-          <ac:spMkLst>
-            <pc:docMk/>
-            <pc:sldMk cId="1168729256" sldId="291"/>
-            <ac:spMk id="4" creationId="{657D236B-1D8B-4C4B-8CAC-36A9786E6D81}"/>
-          </ac:spMkLst>
-        </pc:spChg>
-        <pc:spChg chg="mod">
-          <ac:chgData name="Mariusz" userId="ca8d45ae-21cb-4030-bbab-1d3a5fb8cc81" providerId="ADAL" clId="{9175EAAB-6DAF-40B5-B3E8-C7AAB6B2C322}" dt="2020-05-31T15:23:08.757" v="57"/>
-          <ac:spMkLst>
-            <pc:docMk/>
-            <pc:sldMk cId="1168729256" sldId="291"/>
-            <ac:spMk id="5" creationId="{4B43DABA-6F04-455F-97A7-E7735158B7AB}"/>
-          </ac:spMkLst>
-        </pc:spChg>
-      </pc:sldChg>
-      <pc:sldChg chg="modSp del ord">
-        <pc:chgData name="Mariusz" userId="ca8d45ae-21cb-4030-bbab-1d3a5fb8cc81" providerId="ADAL" clId="{9175EAAB-6DAF-40B5-B3E8-C7AAB6B2C322}" dt="2020-05-31T19:35:51.951" v="136" actId="47"/>
-        <pc:sldMkLst>
-          <pc:docMk/>
-          <pc:sldMk cId="4090376993" sldId="292"/>
-        </pc:sldMkLst>
-        <pc:spChg chg="mod">
-          <ac:chgData name="Mariusz" userId="ca8d45ae-21cb-4030-bbab-1d3a5fb8cc81" providerId="ADAL" clId="{9175EAAB-6DAF-40B5-B3E8-C7AAB6B2C322}" dt="2020-05-31T15:23:08.757" v="57"/>
-          <ac:spMkLst>
-            <pc:docMk/>
-            <pc:sldMk cId="4090376993" sldId="292"/>
-            <ac:spMk id="2" creationId="{F741D176-F775-43AB-8089-378C669A5D0E}"/>
-          </ac:spMkLst>
-        </pc:spChg>
-        <pc:spChg chg="mod">
-          <ac:chgData name="Mariusz" userId="ca8d45ae-21cb-4030-bbab-1d3a5fb8cc81" providerId="ADAL" clId="{9175EAAB-6DAF-40B5-B3E8-C7AAB6B2C322}" dt="2020-05-31T15:23:08.757" v="57"/>
-          <ac:spMkLst>
-            <pc:docMk/>
-            <pc:sldMk cId="4090376993" sldId="292"/>
-            <ac:spMk id="3" creationId="{7AB6EB92-B183-4B30-A39E-4C8EC8662DD6}"/>
-          </ac:spMkLst>
-        </pc:spChg>
-        <pc:spChg chg="mod">
-          <ac:chgData name="Mariusz" userId="ca8d45ae-21cb-4030-bbab-1d3a5fb8cc81" providerId="ADAL" clId="{9175EAAB-6DAF-40B5-B3E8-C7AAB6B2C322}" dt="2020-05-31T15:23:08.757" v="57"/>
-          <ac:spMkLst>
-            <pc:docMk/>
-            <pc:sldMk cId="4090376993" sldId="292"/>
-            <ac:spMk id="4" creationId="{78C07318-CCAD-4A64-AB32-E6E0338C955D}"/>
-          </ac:spMkLst>
-        </pc:spChg>
-        <pc:spChg chg="mod">
-          <ac:chgData name="Mariusz" userId="ca8d45ae-21cb-4030-bbab-1d3a5fb8cc81" providerId="ADAL" clId="{9175EAAB-6DAF-40B5-B3E8-C7AAB6B2C322}" dt="2020-05-31T15:23:08.757" v="57"/>
-          <ac:spMkLst>
-            <pc:docMk/>
-            <pc:sldMk cId="4090376993" sldId="292"/>
-            <ac:spMk id="5" creationId="{D6683D23-C6C3-46A9-813A-6FE2722B6E88}"/>
-          </ac:spMkLst>
-        </pc:spChg>
-      </pc:sldChg>
-      <pc:sldChg chg="modSp del ord">
-        <pc:chgData name="Mariusz" userId="ca8d45ae-21cb-4030-bbab-1d3a5fb8cc81" providerId="ADAL" clId="{9175EAAB-6DAF-40B5-B3E8-C7AAB6B2C322}" dt="2020-05-31T19:35:32.312" v="135" actId="47"/>
-        <pc:sldMkLst>
-          <pc:docMk/>
-          <pc:sldMk cId="1055420037" sldId="293"/>
-        </pc:sldMkLst>
-        <pc:spChg chg="mod">
-          <ac:chgData name="Mariusz" userId="ca8d45ae-21cb-4030-bbab-1d3a5fb8cc81" providerId="ADAL" clId="{9175EAAB-6DAF-40B5-B3E8-C7AAB6B2C322}" dt="2020-05-31T15:23:08.757" v="57"/>
-          <ac:spMkLst>
-            <pc:docMk/>
-            <pc:sldMk cId="1055420037" sldId="293"/>
-            <ac:spMk id="2" creationId="{D33EEAA6-997E-4444-92D0-820A2474B875}"/>
-          </ac:spMkLst>
-        </pc:spChg>
-        <pc:spChg chg="mod">
-          <ac:chgData name="Mariusz" userId="ca8d45ae-21cb-4030-bbab-1d3a5fb8cc81" providerId="ADAL" clId="{9175EAAB-6DAF-40B5-B3E8-C7AAB6B2C322}" dt="2020-05-31T15:23:08.757" v="57"/>
-          <ac:spMkLst>
-            <pc:docMk/>
-            <pc:sldMk cId="1055420037" sldId="293"/>
-            <ac:spMk id="3" creationId="{43CE69DE-C49B-4CBD-92AC-204920CB2898}"/>
-          </ac:spMkLst>
-        </pc:spChg>
-        <pc:spChg chg="mod">
-          <ac:chgData name="Mariusz" userId="ca8d45ae-21cb-4030-bbab-1d3a5fb8cc81" providerId="ADAL" clId="{9175EAAB-6DAF-40B5-B3E8-C7AAB6B2C322}" dt="2020-05-31T15:23:08.757" v="57"/>
-          <ac:spMkLst>
-            <pc:docMk/>
-            <pc:sldMk cId="1055420037" sldId="293"/>
-            <ac:spMk id="4" creationId="{344207BC-3FF2-4566-831E-1FFAD82F4E24}"/>
-          </ac:spMkLst>
-        </pc:spChg>
-        <pc:spChg chg="mod">
-          <ac:chgData name="Mariusz" userId="ca8d45ae-21cb-4030-bbab-1d3a5fb8cc81" providerId="ADAL" clId="{9175EAAB-6DAF-40B5-B3E8-C7AAB6B2C322}" dt="2020-05-31T15:23:08.757" v="57"/>
-          <ac:spMkLst>
-            <pc:docMk/>
-            <pc:sldMk cId="1055420037" sldId="293"/>
-            <ac:spMk id="5" creationId="{2EB693AC-5A75-4DFD-89B9-50C6351B95BA}"/>
-          </ac:spMkLst>
-        </pc:spChg>
-      </pc:sldChg>
-      <pc:sldChg chg="modSp del ord">
-        <pc:chgData name="Mariusz" userId="ca8d45ae-21cb-4030-bbab-1d3a5fb8cc81" providerId="ADAL" clId="{9175EAAB-6DAF-40B5-B3E8-C7AAB6B2C322}" dt="2020-05-31T19:35:51.951" v="136" actId="47"/>
-        <pc:sldMkLst>
-          <pc:docMk/>
-          <pc:sldMk cId="1897587197" sldId="294"/>
-        </pc:sldMkLst>
-        <pc:spChg chg="mod">
-          <ac:chgData name="Mariusz" userId="ca8d45ae-21cb-4030-bbab-1d3a5fb8cc81" providerId="ADAL" clId="{9175EAAB-6DAF-40B5-B3E8-C7AAB6B2C322}" dt="2020-05-31T15:23:08.757" v="57"/>
-          <ac:spMkLst>
-            <pc:docMk/>
-            <pc:sldMk cId="1897587197" sldId="294"/>
-            <ac:spMk id="2" creationId="{A1045EDA-11B0-4E02-A174-B76AC435A2EA}"/>
-          </ac:spMkLst>
-        </pc:spChg>
-        <pc:spChg chg="mod">
-          <ac:chgData name="Mariusz" userId="ca8d45ae-21cb-4030-bbab-1d3a5fb8cc81" providerId="ADAL" clId="{9175EAAB-6DAF-40B5-B3E8-C7AAB6B2C322}" dt="2020-05-31T15:23:08.757" v="57"/>
-          <ac:spMkLst>
-            <pc:docMk/>
-            <pc:sldMk cId="1897587197" sldId="294"/>
-            <ac:spMk id="3" creationId="{871D038F-17FE-434E-872E-CE0105DB0A2D}"/>
-          </ac:spMkLst>
-        </pc:spChg>
-        <pc:spChg chg="mod">
-          <ac:chgData name="Mariusz" userId="ca8d45ae-21cb-4030-bbab-1d3a5fb8cc81" providerId="ADAL" clId="{9175EAAB-6DAF-40B5-B3E8-C7AAB6B2C322}" dt="2020-05-31T15:23:08.757" v="57"/>
-          <ac:spMkLst>
-            <pc:docMk/>
-            <pc:sldMk cId="1897587197" sldId="294"/>
-            <ac:spMk id="4" creationId="{E6BF4722-3599-4AB9-99BA-2721C86331A6}"/>
-          </ac:spMkLst>
-        </pc:spChg>
-        <pc:spChg chg="mod">
-          <ac:chgData name="Mariusz" userId="ca8d45ae-21cb-4030-bbab-1d3a5fb8cc81" providerId="ADAL" clId="{9175EAAB-6DAF-40B5-B3E8-C7AAB6B2C322}" dt="2020-05-31T15:23:08.757" v="57"/>
-          <ac:spMkLst>
-            <pc:docMk/>
-            <pc:sldMk cId="1897587197" sldId="294"/>
-            <ac:spMk id="5" creationId="{A05A1BC3-FCF2-40F9-A79D-E047E0E62D17}"/>
-          </ac:spMkLst>
-        </pc:spChg>
-      </pc:sldChg>
-      <pc:sldChg chg="modSp del mod modNotes">
-        <pc:chgData name="Mariusz" userId="ca8d45ae-21cb-4030-bbab-1d3a5fb8cc81" providerId="ADAL" clId="{9175EAAB-6DAF-40B5-B3E8-C7AAB6B2C322}" dt="2020-05-31T19:44:34.791" v="162" actId="2696"/>
-        <pc:sldMkLst>
-          <pc:docMk/>
-          <pc:sldMk cId="4279473428" sldId="295"/>
-        </pc:sldMkLst>
-        <pc:spChg chg="mod">
-          <ac:chgData name="Mariusz" userId="ca8d45ae-21cb-4030-bbab-1d3a5fb8cc81" providerId="ADAL" clId="{9175EAAB-6DAF-40B5-B3E8-C7AAB6B2C322}" dt="2020-05-31T15:23:08.757" v="57"/>
-          <ac:spMkLst>
-            <pc:docMk/>
-            <pc:sldMk cId="4279473428" sldId="295"/>
-            <ac:spMk id="2" creationId="{D61051E2-46A8-4CAE-ADB2-D8B112DC3A41}"/>
-          </ac:spMkLst>
-        </pc:spChg>
-        <pc:spChg chg="mod">
-          <ac:chgData name="Mariusz" userId="ca8d45ae-21cb-4030-bbab-1d3a5fb8cc81" providerId="ADAL" clId="{9175EAAB-6DAF-40B5-B3E8-C7AAB6B2C322}" dt="2020-05-31T15:24:04.445" v="73" actId="27636"/>
-          <ac:spMkLst>
-            <pc:docMk/>
-            <pc:sldMk cId="4279473428" sldId="295"/>
-            <ac:spMk id="3" creationId="{3D8F722B-ACDB-4639-85A2-BDE6DF7E55CC}"/>
-          </ac:spMkLst>
-        </pc:spChg>
-        <pc:spChg chg="mod">
-          <ac:chgData name="Mariusz" userId="ca8d45ae-21cb-4030-bbab-1d3a5fb8cc81" providerId="ADAL" clId="{9175EAAB-6DAF-40B5-B3E8-C7AAB6B2C322}" dt="2020-05-31T15:23:08.757" v="57"/>
-          <ac:spMkLst>
-            <pc:docMk/>
-            <pc:sldMk cId="4279473428" sldId="295"/>
-            <ac:spMk id="4" creationId="{30C601CB-4AC8-42FF-B5AC-58888CC398CE}"/>
-          </ac:spMkLst>
-        </pc:spChg>
-        <pc:spChg chg="mod">
-          <ac:chgData name="Mariusz" userId="ca8d45ae-21cb-4030-bbab-1d3a5fb8cc81" providerId="ADAL" clId="{9175EAAB-6DAF-40B5-B3E8-C7AAB6B2C322}" dt="2020-05-31T15:23:08.757" v="57"/>
-          <ac:spMkLst>
-            <pc:docMk/>
-            <pc:sldMk cId="4279473428" sldId="295"/>
-            <ac:spMk id="5" creationId="{22A8D283-F8AE-4840-8DD3-C252DA08FAFE}"/>
-          </ac:spMkLst>
-        </pc:spChg>
-      </pc:sldChg>
-      <pc:sldChg chg="modSp del ord">
-        <pc:chgData name="Mariusz" userId="ca8d45ae-21cb-4030-bbab-1d3a5fb8cc81" providerId="ADAL" clId="{9175EAAB-6DAF-40B5-B3E8-C7AAB6B2C322}" dt="2020-05-31T19:35:51.951" v="136" actId="47"/>
-        <pc:sldMkLst>
-          <pc:docMk/>
-          <pc:sldMk cId="3478448270" sldId="296"/>
-        </pc:sldMkLst>
-        <pc:spChg chg="mod">
-          <ac:chgData name="Mariusz" userId="ca8d45ae-21cb-4030-bbab-1d3a5fb8cc81" providerId="ADAL" clId="{9175EAAB-6DAF-40B5-B3E8-C7AAB6B2C322}" dt="2020-05-31T15:23:08.757" v="57"/>
-          <ac:spMkLst>
-            <pc:docMk/>
-            <pc:sldMk cId="3478448270" sldId="296"/>
-            <ac:spMk id="2" creationId="{54945C74-BFF9-43BB-BEA6-02AE9378F77A}"/>
-          </ac:spMkLst>
-        </pc:spChg>
-        <pc:spChg chg="mod">
-          <ac:chgData name="Mariusz" userId="ca8d45ae-21cb-4030-bbab-1d3a5fb8cc81" providerId="ADAL" clId="{9175EAAB-6DAF-40B5-B3E8-C7AAB6B2C322}" dt="2020-05-31T15:23:08.757" v="57"/>
-          <ac:spMkLst>
-            <pc:docMk/>
-            <pc:sldMk cId="3478448270" sldId="296"/>
-            <ac:spMk id="4" creationId="{00000000-0000-0000-0000-000000000000}"/>
-          </ac:spMkLst>
-        </pc:spChg>
-        <pc:spChg chg="mod">
-          <ac:chgData name="Mariusz" userId="ca8d45ae-21cb-4030-bbab-1d3a5fb8cc81" providerId="ADAL" clId="{9175EAAB-6DAF-40B5-B3E8-C7AAB6B2C322}" dt="2020-05-31T15:23:08.757" v="57"/>
-          <ac:spMkLst>
-            <pc:docMk/>
-            <pc:sldMk cId="3478448270" sldId="296"/>
-            <ac:spMk id="5" creationId="{437D94F1-936F-4E4F-97DA-AC074A137A2D}"/>
-          </ac:spMkLst>
-        </pc:spChg>
-        <pc:spChg chg="mod">
-          <ac:chgData name="Mariusz" userId="ca8d45ae-21cb-4030-bbab-1d3a5fb8cc81" providerId="ADAL" clId="{9175EAAB-6DAF-40B5-B3E8-C7AAB6B2C322}" dt="2020-05-31T15:23:08.757" v="57"/>
-          <ac:spMkLst>
-            <pc:docMk/>
-            <pc:sldMk cId="3478448270" sldId="296"/>
-            <ac:spMk id="6" creationId="{00000000-0000-0000-0000-000000000000}"/>
-          </ac:spMkLst>
-        </pc:spChg>
-        <pc:spChg chg="mod">
-          <ac:chgData name="Mariusz" userId="ca8d45ae-21cb-4030-bbab-1d3a5fb8cc81" providerId="ADAL" clId="{9175EAAB-6DAF-40B5-B3E8-C7AAB6B2C322}" dt="2020-05-31T15:23:08.757" v="57"/>
-          <ac:spMkLst>
-            <pc:docMk/>
-            <pc:sldMk cId="3478448270" sldId="296"/>
-            <ac:spMk id="7" creationId="{E062D145-A468-4D4E-98AA-2F0C71F78DA5}"/>
-          </ac:spMkLst>
-        </pc:spChg>
-        <pc:picChg chg="mod">
-          <ac:chgData name="Mariusz" userId="ca8d45ae-21cb-4030-bbab-1d3a5fb8cc81" providerId="ADAL" clId="{9175EAAB-6DAF-40B5-B3E8-C7AAB6B2C322}" dt="2020-05-31T15:23:08.757" v="57"/>
-          <ac:picMkLst>
-            <pc:docMk/>
-            <pc:sldMk cId="3478448270" sldId="296"/>
-            <ac:picMk id="3" creationId="{13BCACCB-A39F-461F-8F5B-EF30887F8D2E}"/>
-          </ac:picMkLst>
-        </pc:picChg>
-      </pc:sldChg>
-      <pc:sldChg chg="modSp del ord">
-        <pc:chgData name="Mariusz" userId="ca8d45ae-21cb-4030-bbab-1d3a5fb8cc81" providerId="ADAL" clId="{9175EAAB-6DAF-40B5-B3E8-C7AAB6B2C322}" dt="2020-05-31T19:35:51.951" v="136" actId="47"/>
-        <pc:sldMkLst>
-          <pc:docMk/>
-          <pc:sldMk cId="3641588483" sldId="297"/>
-        </pc:sldMkLst>
-        <pc:spChg chg="mod">
-          <ac:chgData name="Mariusz" userId="ca8d45ae-21cb-4030-bbab-1d3a5fb8cc81" providerId="ADAL" clId="{9175EAAB-6DAF-40B5-B3E8-C7AAB6B2C322}" dt="2020-05-31T15:23:08.757" v="57"/>
-          <ac:spMkLst>
-            <pc:docMk/>
-            <pc:sldMk cId="3641588483" sldId="297"/>
-            <ac:spMk id="2" creationId="{CE7B1CEA-57AD-4566-A15F-842C4C2EA11E}"/>
-          </ac:spMkLst>
-        </pc:spChg>
-        <pc:spChg chg="mod">
-          <ac:chgData name="Mariusz" userId="ca8d45ae-21cb-4030-bbab-1d3a5fb8cc81" providerId="ADAL" clId="{9175EAAB-6DAF-40B5-B3E8-C7AAB6B2C322}" dt="2020-05-31T15:23:08.757" v="57"/>
-          <ac:spMkLst>
-            <pc:docMk/>
-            <pc:sldMk cId="3641588483" sldId="297"/>
-            <ac:spMk id="4" creationId="{00000000-0000-0000-0000-000000000000}"/>
-          </ac:spMkLst>
-        </pc:spChg>
-        <pc:spChg chg="mod">
-          <ac:chgData name="Mariusz" userId="ca8d45ae-21cb-4030-bbab-1d3a5fb8cc81" providerId="ADAL" clId="{9175EAAB-6DAF-40B5-B3E8-C7AAB6B2C322}" dt="2020-05-31T15:23:08.757" v="57"/>
-          <ac:spMkLst>
-            <pc:docMk/>
-            <pc:sldMk cId="3641588483" sldId="297"/>
-            <ac:spMk id="5" creationId="{186A0C32-E809-4225-B225-9CF4D4225A8E}"/>
-          </ac:spMkLst>
-        </pc:spChg>
-        <pc:spChg chg="mod">
-          <ac:chgData name="Mariusz" userId="ca8d45ae-21cb-4030-bbab-1d3a5fb8cc81" providerId="ADAL" clId="{9175EAAB-6DAF-40B5-B3E8-C7AAB6B2C322}" dt="2020-05-31T15:23:08.757" v="57"/>
-          <ac:spMkLst>
-            <pc:docMk/>
-            <pc:sldMk cId="3641588483" sldId="297"/>
-            <ac:spMk id="6" creationId="{00000000-0000-0000-0000-000000000000}"/>
-          </ac:spMkLst>
-        </pc:spChg>
-        <pc:spChg chg="mod">
-          <ac:chgData name="Mariusz" userId="ca8d45ae-21cb-4030-bbab-1d3a5fb8cc81" providerId="ADAL" clId="{9175EAAB-6DAF-40B5-B3E8-C7AAB6B2C322}" dt="2020-05-31T15:23:08.757" v="57"/>
-          <ac:spMkLst>
-            <pc:docMk/>
-            <pc:sldMk cId="3641588483" sldId="297"/>
-            <ac:spMk id="7" creationId="{E6A4BAC2-3939-4F41-97EE-88433B9D3D0C}"/>
-          </ac:spMkLst>
-        </pc:spChg>
-        <pc:picChg chg="mod">
-          <ac:chgData name="Mariusz" userId="ca8d45ae-21cb-4030-bbab-1d3a5fb8cc81" providerId="ADAL" clId="{9175EAAB-6DAF-40B5-B3E8-C7AAB6B2C322}" dt="2020-05-31T15:23:08.757" v="57"/>
-          <ac:picMkLst>
-            <pc:docMk/>
-            <pc:sldMk cId="3641588483" sldId="297"/>
-            <ac:picMk id="3" creationId="{13BCACCB-A39F-461F-8F5B-EF30887F8D2E}"/>
-          </ac:picMkLst>
-        </pc:picChg>
-      </pc:sldChg>
-      <pc:sldChg chg="modSp del ord">
-        <pc:chgData name="Mariusz" userId="ca8d45ae-21cb-4030-bbab-1d3a5fb8cc81" providerId="ADAL" clId="{9175EAAB-6DAF-40B5-B3E8-C7AAB6B2C322}" dt="2020-05-31T19:35:51.951" v="136" actId="47"/>
-        <pc:sldMkLst>
-          <pc:docMk/>
-          <pc:sldMk cId="1325521941" sldId="298"/>
-        </pc:sldMkLst>
-        <pc:spChg chg="mod">
-          <ac:chgData name="Mariusz" userId="ca8d45ae-21cb-4030-bbab-1d3a5fb8cc81" providerId="ADAL" clId="{9175EAAB-6DAF-40B5-B3E8-C7AAB6B2C322}" dt="2020-05-31T15:23:08.757" v="57"/>
-          <ac:spMkLst>
-            <pc:docMk/>
-            <pc:sldMk cId="1325521941" sldId="298"/>
-            <ac:spMk id="2" creationId="{304FCD69-B708-4ED9-9E89-56F5C641DB55}"/>
-          </ac:spMkLst>
-        </pc:spChg>
-        <pc:spChg chg="mod">
-          <ac:chgData name="Mariusz" userId="ca8d45ae-21cb-4030-bbab-1d3a5fb8cc81" providerId="ADAL" clId="{9175EAAB-6DAF-40B5-B3E8-C7AAB6B2C322}" dt="2020-05-31T15:23:08.757" v="57"/>
-          <ac:spMkLst>
-            <pc:docMk/>
-            <pc:sldMk cId="1325521941" sldId="298"/>
-            <ac:spMk id="4" creationId="{00000000-0000-0000-0000-000000000000}"/>
-          </ac:spMkLst>
-        </pc:spChg>
-        <pc:spChg chg="mod">
-          <ac:chgData name="Mariusz" userId="ca8d45ae-21cb-4030-bbab-1d3a5fb8cc81" providerId="ADAL" clId="{9175EAAB-6DAF-40B5-B3E8-C7AAB6B2C322}" dt="2020-05-31T15:23:08.757" v="57"/>
-          <ac:spMkLst>
-            <pc:docMk/>
-            <pc:sldMk cId="1325521941" sldId="298"/>
-            <ac:spMk id="5" creationId="{B028FB7E-0327-412A-8E3B-5A47415E0E68}"/>
-          </ac:spMkLst>
-        </pc:spChg>
-        <pc:spChg chg="mod">
-          <ac:chgData name="Mariusz" userId="ca8d45ae-21cb-4030-bbab-1d3a5fb8cc81" providerId="ADAL" clId="{9175EAAB-6DAF-40B5-B3E8-C7AAB6B2C322}" dt="2020-05-31T15:23:08.757" v="57"/>
-          <ac:spMkLst>
-            <pc:docMk/>
-            <pc:sldMk cId="1325521941" sldId="298"/>
-            <ac:spMk id="6" creationId="{00000000-0000-0000-0000-000000000000}"/>
-          </ac:spMkLst>
-        </pc:spChg>
-        <pc:picChg chg="mod">
-          <ac:chgData name="Mariusz" userId="ca8d45ae-21cb-4030-bbab-1d3a5fb8cc81" providerId="ADAL" clId="{9175EAAB-6DAF-40B5-B3E8-C7AAB6B2C322}" dt="2020-05-31T15:23:08.757" v="57"/>
-          <ac:picMkLst>
-            <pc:docMk/>
-            <pc:sldMk cId="1325521941" sldId="298"/>
-            <ac:picMk id="3" creationId="{13BCACCB-A39F-461F-8F5B-EF30887F8D2E}"/>
-          </ac:picMkLst>
-        </pc:picChg>
-      </pc:sldChg>
-      <pc:sldChg chg="modSp del ord">
-        <pc:chgData name="Mariusz" userId="ca8d45ae-21cb-4030-bbab-1d3a5fb8cc81" providerId="ADAL" clId="{9175EAAB-6DAF-40B5-B3E8-C7AAB6B2C322}" dt="2020-05-31T19:35:51.951" v="136" actId="47"/>
-        <pc:sldMkLst>
-          <pc:docMk/>
-          <pc:sldMk cId="2904689659" sldId="299"/>
-        </pc:sldMkLst>
-        <pc:spChg chg="mod">
-          <ac:chgData name="Mariusz" userId="ca8d45ae-21cb-4030-bbab-1d3a5fb8cc81" providerId="ADAL" clId="{9175EAAB-6DAF-40B5-B3E8-C7AAB6B2C322}" dt="2020-05-31T15:23:08.757" v="57"/>
-          <ac:spMkLst>
-            <pc:docMk/>
-            <pc:sldMk cId="2904689659" sldId="299"/>
-            <ac:spMk id="2" creationId="{53603BEE-04E2-430F-9F1E-E623AA3BDF08}"/>
-          </ac:spMkLst>
-        </pc:spChg>
-        <pc:spChg chg="mod">
-          <ac:chgData name="Mariusz" userId="ca8d45ae-21cb-4030-bbab-1d3a5fb8cc81" providerId="ADAL" clId="{9175EAAB-6DAF-40B5-B3E8-C7AAB6B2C322}" dt="2020-05-31T15:23:08.757" v="57"/>
-          <ac:spMkLst>
-            <pc:docMk/>
-            <pc:sldMk cId="2904689659" sldId="299"/>
-            <ac:spMk id="4" creationId="{00000000-0000-0000-0000-000000000000}"/>
-          </ac:spMkLst>
-        </pc:spChg>
-        <pc:spChg chg="mod">
-          <ac:chgData name="Mariusz" userId="ca8d45ae-21cb-4030-bbab-1d3a5fb8cc81" providerId="ADAL" clId="{9175EAAB-6DAF-40B5-B3E8-C7AAB6B2C322}" dt="2020-05-31T15:23:08.757" v="57"/>
-          <ac:spMkLst>
-            <pc:docMk/>
-            <pc:sldMk cId="2904689659" sldId="299"/>
-            <ac:spMk id="5" creationId="{BC626631-0045-4AB3-9A65-546BA1A72288}"/>
-          </ac:spMkLst>
-        </pc:spChg>
-        <pc:spChg chg="mod">
-          <ac:chgData name="Mariusz" userId="ca8d45ae-21cb-4030-bbab-1d3a5fb8cc81" providerId="ADAL" clId="{9175EAAB-6DAF-40B5-B3E8-C7AAB6B2C322}" dt="2020-05-31T15:23:08.757" v="57"/>
-          <ac:spMkLst>
-            <pc:docMk/>
-            <pc:sldMk cId="2904689659" sldId="299"/>
-            <ac:spMk id="6" creationId="{00000000-0000-0000-0000-000000000000}"/>
-          </ac:spMkLst>
-        </pc:spChg>
-        <pc:spChg chg="mod">
-          <ac:chgData name="Mariusz" userId="ca8d45ae-21cb-4030-bbab-1d3a5fb8cc81" providerId="ADAL" clId="{9175EAAB-6DAF-40B5-B3E8-C7AAB6B2C322}" dt="2020-05-31T15:23:08.757" v="57"/>
-          <ac:spMkLst>
-            <pc:docMk/>
-            <pc:sldMk cId="2904689659" sldId="299"/>
-            <ac:spMk id="7" creationId="{FAF481DB-645F-4FB5-8004-E5894F127871}"/>
-          </ac:spMkLst>
-        </pc:spChg>
-        <pc:picChg chg="mod">
-          <ac:chgData name="Mariusz" userId="ca8d45ae-21cb-4030-bbab-1d3a5fb8cc81" providerId="ADAL" clId="{9175EAAB-6DAF-40B5-B3E8-C7AAB6B2C322}" dt="2020-05-31T15:23:08.757" v="57"/>
-          <ac:picMkLst>
-            <pc:docMk/>
-            <pc:sldMk cId="2904689659" sldId="299"/>
-            <ac:picMk id="3" creationId="{13BCACCB-A39F-461F-8F5B-EF30887F8D2E}"/>
-          </ac:picMkLst>
-        </pc:picChg>
-      </pc:sldChg>
-      <pc:sldChg chg="modSp del ord">
-        <pc:chgData name="Mariusz" userId="ca8d45ae-21cb-4030-bbab-1d3a5fb8cc81" providerId="ADAL" clId="{9175EAAB-6DAF-40B5-B3E8-C7AAB6B2C322}" dt="2020-05-31T19:35:51.951" v="136" actId="47"/>
-        <pc:sldMkLst>
-          <pc:docMk/>
-          <pc:sldMk cId="1349795041" sldId="300"/>
-        </pc:sldMkLst>
-        <pc:spChg chg="mod">
-          <ac:chgData name="Mariusz" userId="ca8d45ae-21cb-4030-bbab-1d3a5fb8cc81" providerId="ADAL" clId="{9175EAAB-6DAF-40B5-B3E8-C7AAB6B2C322}" dt="2020-05-31T15:23:08.757" v="57"/>
-          <ac:spMkLst>
-            <pc:docMk/>
-            <pc:sldMk cId="1349795041" sldId="300"/>
-            <ac:spMk id="2" creationId="{D0E43337-D8D6-4D1B-8B2C-757A12075907}"/>
-          </ac:spMkLst>
-        </pc:spChg>
-        <pc:spChg chg="mod">
-          <ac:chgData name="Mariusz" userId="ca8d45ae-21cb-4030-bbab-1d3a5fb8cc81" providerId="ADAL" clId="{9175EAAB-6DAF-40B5-B3E8-C7AAB6B2C322}" dt="2020-05-31T15:23:08.757" v="57"/>
-          <ac:spMkLst>
-            <pc:docMk/>
-            <pc:sldMk cId="1349795041" sldId="300"/>
-            <ac:spMk id="4" creationId="{00000000-0000-0000-0000-000000000000}"/>
-          </ac:spMkLst>
-        </pc:spChg>
-        <pc:spChg chg="mod">
-          <ac:chgData name="Mariusz" userId="ca8d45ae-21cb-4030-bbab-1d3a5fb8cc81" providerId="ADAL" clId="{9175EAAB-6DAF-40B5-B3E8-C7AAB6B2C322}" dt="2020-05-31T15:23:08.757" v="57"/>
-          <ac:spMkLst>
-            <pc:docMk/>
-            <pc:sldMk cId="1349795041" sldId="300"/>
-            <ac:spMk id="5" creationId="{B1FB34DD-B873-4AE1-A606-E4D4E5703A2C}"/>
-          </ac:spMkLst>
-        </pc:spChg>
-        <pc:spChg chg="mod">
-          <ac:chgData name="Mariusz" userId="ca8d45ae-21cb-4030-bbab-1d3a5fb8cc81" providerId="ADAL" clId="{9175EAAB-6DAF-40B5-B3E8-C7AAB6B2C322}" dt="2020-05-31T15:23:08.757" v="57"/>
-          <ac:spMkLst>
-            <pc:docMk/>
-            <pc:sldMk cId="1349795041" sldId="300"/>
-            <ac:spMk id="6" creationId="{00000000-0000-0000-0000-000000000000}"/>
-          </ac:spMkLst>
-        </pc:spChg>
-        <pc:spChg chg="mod">
-          <ac:chgData name="Mariusz" userId="ca8d45ae-21cb-4030-bbab-1d3a5fb8cc81" providerId="ADAL" clId="{9175EAAB-6DAF-40B5-B3E8-C7AAB6B2C322}" dt="2020-05-31T15:23:08.757" v="57"/>
-          <ac:spMkLst>
-            <pc:docMk/>
-            <pc:sldMk cId="1349795041" sldId="300"/>
-            <ac:spMk id="7" creationId="{C868F709-E552-47B3-965E-099FA3E8564E}"/>
-          </ac:spMkLst>
-        </pc:spChg>
-        <pc:picChg chg="mod">
-          <ac:chgData name="Mariusz" userId="ca8d45ae-21cb-4030-bbab-1d3a5fb8cc81" providerId="ADAL" clId="{9175EAAB-6DAF-40B5-B3E8-C7AAB6B2C322}" dt="2020-05-31T15:23:08.757" v="57"/>
-          <ac:picMkLst>
-            <pc:docMk/>
-            <pc:sldMk cId="1349795041" sldId="300"/>
-            <ac:picMk id="3" creationId="{13BCACCB-A39F-461F-8F5B-EF30887F8D2E}"/>
-          </ac:picMkLst>
-        </pc:picChg>
-      </pc:sldChg>
-      <pc:sldChg chg="addSp delSp modSp del ord">
-        <pc:chgData name="Mariusz" userId="ca8d45ae-21cb-4030-bbab-1d3a5fb8cc81" providerId="ADAL" clId="{9175EAAB-6DAF-40B5-B3E8-C7AAB6B2C322}" dt="2020-05-31T19:31:39.890" v="109" actId="47"/>
-        <pc:sldMkLst>
-          <pc:docMk/>
-          <pc:sldMk cId="3191656865" sldId="303"/>
-        </pc:sldMkLst>
-        <pc:spChg chg="mod">
-          <ac:chgData name="Mariusz" userId="ca8d45ae-21cb-4030-bbab-1d3a5fb8cc81" providerId="ADAL" clId="{9175EAAB-6DAF-40B5-B3E8-C7AAB6B2C322}" dt="2020-05-31T15:23:08.757" v="57"/>
-          <ac:spMkLst>
-            <pc:docMk/>
-            <pc:sldMk cId="3191656865" sldId="303"/>
-            <ac:spMk id="2" creationId="{2267B48C-3541-4FCD-BF2A-47193A6BB3C8}"/>
-          </ac:spMkLst>
-        </pc:spChg>
-        <pc:spChg chg="mod">
-          <ac:chgData name="Mariusz" userId="ca8d45ae-21cb-4030-bbab-1d3a5fb8cc81" providerId="ADAL" clId="{9175EAAB-6DAF-40B5-B3E8-C7AAB6B2C322}" dt="2020-05-31T15:23:08.757" v="57"/>
-          <ac:spMkLst>
-            <pc:docMk/>
-            <pc:sldMk cId="3191656865" sldId="303"/>
-            <ac:spMk id="3" creationId="{53C31F9F-67D0-448F-B7F0-536930F71665}"/>
-          </ac:spMkLst>
-        </pc:spChg>
-        <pc:spChg chg="add del mod">
-          <ac:chgData name="Mariusz" userId="ca8d45ae-21cb-4030-bbab-1d3a5fb8cc81" providerId="ADAL" clId="{9175EAAB-6DAF-40B5-B3E8-C7AAB6B2C322}" dt="2020-05-31T14:46:54.643" v="4"/>
-          <ac:spMkLst>
-            <pc:docMk/>
-            <pc:sldMk cId="3191656865" sldId="303"/>
-            <ac:spMk id="5" creationId="{28E1F4A0-CB6B-4BCC-BF3E-6440C866B8F3}"/>
-          </ac:spMkLst>
-        </pc:spChg>
-        <pc:spChg chg="mod">
-          <ac:chgData name="Mariusz" userId="ca8d45ae-21cb-4030-bbab-1d3a5fb8cc81" providerId="ADAL" clId="{9175EAAB-6DAF-40B5-B3E8-C7AAB6B2C322}" dt="2020-05-31T15:23:08.757" v="57"/>
-          <ac:spMkLst>
-            <pc:docMk/>
-            <pc:sldMk cId="3191656865" sldId="303"/>
-            <ac:spMk id="6" creationId="{C48B26DC-A38F-4CC7-A070-6E6897F132ED}"/>
-          </ac:spMkLst>
-        </pc:spChg>
-        <pc:spChg chg="mod">
-          <ac:chgData name="Mariusz" userId="ca8d45ae-21cb-4030-bbab-1d3a5fb8cc81" providerId="ADAL" clId="{9175EAAB-6DAF-40B5-B3E8-C7AAB6B2C322}" dt="2020-05-31T15:23:08.757" v="57"/>
-          <ac:spMkLst>
-            <pc:docMk/>
-            <pc:sldMk cId="3191656865" sldId="303"/>
-            <ac:spMk id="7" creationId="{076BC542-37E2-470F-AAD8-1B8C920F758A}"/>
-          </ac:spMkLst>
-        </pc:spChg>
-        <pc:picChg chg="mod">
-          <ac:chgData name="Mariusz" userId="ca8d45ae-21cb-4030-bbab-1d3a5fb8cc81" providerId="ADAL" clId="{9175EAAB-6DAF-40B5-B3E8-C7AAB6B2C322}" dt="2020-05-31T15:23:08.757" v="57"/>
-          <ac:picMkLst>
-            <pc:docMk/>
-            <pc:sldMk cId="3191656865" sldId="303"/>
-            <ac:picMk id="4" creationId="{F9CD8587-6D0C-4CBC-A834-EB12BC217283}"/>
-          </ac:picMkLst>
-        </pc:picChg>
-      </pc:sldChg>
-      <pc:sldChg chg="modSp del mod ord">
-        <pc:chgData name="Mariusz" userId="ca8d45ae-21cb-4030-bbab-1d3a5fb8cc81" providerId="ADAL" clId="{9175EAAB-6DAF-40B5-B3E8-C7AAB6B2C322}" dt="2020-05-31T19:35:32.312" v="135" actId="47"/>
-        <pc:sldMkLst>
-          <pc:docMk/>
-          <pc:sldMk cId="3677050555" sldId="304"/>
-        </pc:sldMkLst>
-        <pc:spChg chg="mod">
-          <ac:chgData name="Mariusz" userId="ca8d45ae-21cb-4030-bbab-1d3a5fb8cc81" providerId="ADAL" clId="{9175EAAB-6DAF-40B5-B3E8-C7AAB6B2C322}" dt="2020-05-31T15:23:27.816" v="64" actId="27636"/>
-          <ac:spMkLst>
-            <pc:docMk/>
-            <pc:sldMk cId="3677050555" sldId="304"/>
-            <ac:spMk id="2" creationId="{2267B48C-3541-4FCD-BF2A-47193A6BB3C8}"/>
-          </ac:spMkLst>
-        </pc:spChg>
-        <pc:spChg chg="mod">
-          <ac:chgData name="Mariusz" userId="ca8d45ae-21cb-4030-bbab-1d3a5fb8cc81" providerId="ADAL" clId="{9175EAAB-6DAF-40B5-B3E8-C7AAB6B2C322}" dt="2020-05-31T15:23:08.757" v="57"/>
-          <ac:spMkLst>
-            <pc:docMk/>
-            <pc:sldMk cId="3677050555" sldId="304"/>
-            <ac:spMk id="3" creationId="{53C31F9F-67D0-448F-B7F0-536930F71665}"/>
-          </ac:spMkLst>
-        </pc:spChg>
-        <pc:spChg chg="mod">
-          <ac:chgData name="Mariusz" userId="ca8d45ae-21cb-4030-bbab-1d3a5fb8cc81" providerId="ADAL" clId="{9175EAAB-6DAF-40B5-B3E8-C7AAB6B2C322}" dt="2020-05-31T15:23:08.757" v="57"/>
-          <ac:spMkLst>
-            <pc:docMk/>
-            <pc:sldMk cId="3677050555" sldId="304"/>
-            <ac:spMk id="5" creationId="{C28F3100-EAAA-490C-8083-30D60BEAAACA}"/>
-          </ac:spMkLst>
-        </pc:spChg>
-        <pc:spChg chg="mod">
-          <ac:chgData name="Mariusz" userId="ca8d45ae-21cb-4030-bbab-1d3a5fb8cc81" providerId="ADAL" clId="{9175EAAB-6DAF-40B5-B3E8-C7AAB6B2C322}" dt="2020-05-31T15:23:08.757" v="57"/>
-          <ac:spMkLst>
-            <pc:docMk/>
-            <pc:sldMk cId="3677050555" sldId="304"/>
-            <ac:spMk id="6" creationId="{C07B6BAF-CD58-48C6-BCB9-073713DDED3A}"/>
-          </ac:spMkLst>
-        </pc:spChg>
-        <pc:picChg chg="mod">
-          <ac:chgData name="Mariusz" userId="ca8d45ae-21cb-4030-bbab-1d3a5fb8cc81" providerId="ADAL" clId="{9175EAAB-6DAF-40B5-B3E8-C7AAB6B2C322}" dt="2020-05-31T15:23:08.757" v="57"/>
-          <ac:picMkLst>
-            <pc:docMk/>
-            <pc:sldMk cId="3677050555" sldId="304"/>
-            <ac:picMk id="4" creationId="{F9CD8587-6D0C-4CBC-A834-EB12BC217283}"/>
-          </ac:picMkLst>
-        </pc:picChg>
-      </pc:sldChg>
-      <pc:sldChg chg="modSp del mod ord">
-        <pc:chgData name="Mariusz" userId="ca8d45ae-21cb-4030-bbab-1d3a5fb8cc81" providerId="ADAL" clId="{9175EAAB-6DAF-40B5-B3E8-C7AAB6B2C322}" dt="2020-05-31T19:35:32.312" v="135" actId="47"/>
-        <pc:sldMkLst>
-          <pc:docMk/>
-          <pc:sldMk cId="2800598370" sldId="305"/>
-        </pc:sldMkLst>
-        <pc:spChg chg="mod">
-          <ac:chgData name="Mariusz" userId="ca8d45ae-21cb-4030-bbab-1d3a5fb8cc81" providerId="ADAL" clId="{9175EAAB-6DAF-40B5-B3E8-C7AAB6B2C322}" dt="2020-05-31T15:23:27.832" v="66" actId="27636"/>
-          <ac:spMkLst>
-            <pc:docMk/>
-            <pc:sldMk cId="2800598370" sldId="305"/>
-            <ac:spMk id="2" creationId="{2267B48C-3541-4FCD-BF2A-47193A6BB3C8}"/>
-          </ac:spMkLst>
-        </pc:spChg>
-        <pc:spChg chg="mod">
-          <ac:chgData name="Mariusz" userId="ca8d45ae-21cb-4030-bbab-1d3a5fb8cc81" providerId="ADAL" clId="{9175EAAB-6DAF-40B5-B3E8-C7AAB6B2C322}" dt="2020-05-31T15:23:08.757" v="57"/>
-          <ac:spMkLst>
-            <pc:docMk/>
-            <pc:sldMk cId="2800598370" sldId="305"/>
-            <ac:spMk id="3" creationId="{53C31F9F-67D0-448F-B7F0-536930F71665}"/>
-          </ac:spMkLst>
-        </pc:spChg>
-        <pc:spChg chg="mod">
-          <ac:chgData name="Mariusz" userId="ca8d45ae-21cb-4030-bbab-1d3a5fb8cc81" providerId="ADAL" clId="{9175EAAB-6DAF-40B5-B3E8-C7AAB6B2C322}" dt="2020-05-31T15:23:08.757" v="57"/>
-          <ac:spMkLst>
-            <pc:docMk/>
-            <pc:sldMk cId="2800598370" sldId="305"/>
-            <ac:spMk id="5" creationId="{EF4C5829-64E4-4AC2-9AA2-000B336D2BD7}"/>
-          </ac:spMkLst>
-        </pc:spChg>
-        <pc:spChg chg="mod">
-          <ac:chgData name="Mariusz" userId="ca8d45ae-21cb-4030-bbab-1d3a5fb8cc81" providerId="ADAL" clId="{9175EAAB-6DAF-40B5-B3E8-C7AAB6B2C322}" dt="2020-05-31T15:23:08.757" v="57"/>
-          <ac:spMkLst>
-            <pc:docMk/>
-            <pc:sldMk cId="2800598370" sldId="305"/>
-            <ac:spMk id="6" creationId="{722DA2E8-D80F-4463-B2A1-8803A092C8A1}"/>
-          </ac:spMkLst>
-        </pc:spChg>
-        <pc:picChg chg="mod">
-          <ac:chgData name="Mariusz" userId="ca8d45ae-21cb-4030-bbab-1d3a5fb8cc81" providerId="ADAL" clId="{9175EAAB-6DAF-40B5-B3E8-C7AAB6B2C322}" dt="2020-05-31T15:23:08.757" v="57"/>
-          <ac:picMkLst>
-            <pc:docMk/>
-            <pc:sldMk cId="2800598370" sldId="305"/>
-            <ac:picMk id="4" creationId="{F9CD8587-6D0C-4CBC-A834-EB12BC217283}"/>
-          </ac:picMkLst>
-        </pc:picChg>
-      </pc:sldChg>
-      <pc:sldChg chg="modSp del ord modNotes">
-        <pc:chgData name="Mariusz" userId="ca8d45ae-21cb-4030-bbab-1d3a5fb8cc81" providerId="ADAL" clId="{9175EAAB-6DAF-40B5-B3E8-C7AAB6B2C322}" dt="2020-05-31T19:35:51.951" v="136" actId="47"/>
-        <pc:sldMkLst>
-          <pc:docMk/>
-          <pc:sldMk cId="3502692777" sldId="306"/>
-        </pc:sldMkLst>
-        <pc:spChg chg="mod">
-          <ac:chgData name="Mariusz" userId="ca8d45ae-21cb-4030-bbab-1d3a5fb8cc81" providerId="ADAL" clId="{9175EAAB-6DAF-40B5-B3E8-C7AAB6B2C322}" dt="2020-05-31T15:23:08.757" v="57"/>
-          <ac:spMkLst>
-            <pc:docMk/>
-            <pc:sldMk cId="3502692777" sldId="306"/>
-            <ac:spMk id="2" creationId="{2267B48C-3541-4FCD-BF2A-47193A6BB3C8}"/>
-          </ac:spMkLst>
-        </pc:spChg>
-        <pc:spChg chg="mod">
-          <ac:chgData name="Mariusz" userId="ca8d45ae-21cb-4030-bbab-1d3a5fb8cc81" providerId="ADAL" clId="{9175EAAB-6DAF-40B5-B3E8-C7AAB6B2C322}" dt="2020-05-31T15:23:08.757" v="57"/>
-          <ac:spMkLst>
-            <pc:docMk/>
-            <pc:sldMk cId="3502692777" sldId="306"/>
-            <ac:spMk id="3" creationId="{53C31F9F-67D0-448F-B7F0-536930F71665}"/>
-          </ac:spMkLst>
-        </pc:spChg>
-        <pc:spChg chg="mod">
-          <ac:chgData name="Mariusz" userId="ca8d45ae-21cb-4030-bbab-1d3a5fb8cc81" providerId="ADAL" clId="{9175EAAB-6DAF-40B5-B3E8-C7AAB6B2C322}" dt="2020-05-31T15:23:08.757" v="57"/>
-          <ac:spMkLst>
-            <pc:docMk/>
-            <pc:sldMk cId="3502692777" sldId="306"/>
-            <ac:spMk id="5" creationId="{6FFCF9D2-800A-4E0A-8CCE-B4A73F41AD67}"/>
-          </ac:spMkLst>
-        </pc:spChg>
-        <pc:spChg chg="mod">
-          <ac:chgData name="Mariusz" userId="ca8d45ae-21cb-4030-bbab-1d3a5fb8cc81" providerId="ADAL" clId="{9175EAAB-6DAF-40B5-B3E8-C7AAB6B2C322}" dt="2020-05-31T15:23:08.757" v="57"/>
-          <ac:spMkLst>
-            <pc:docMk/>
-            <pc:sldMk cId="3502692777" sldId="306"/>
-            <ac:spMk id="6" creationId="{D6CCF39F-821C-4AFF-BB8F-2C90C0577DC6}"/>
-          </ac:spMkLst>
-        </pc:spChg>
-        <pc:picChg chg="mod">
-          <ac:chgData name="Mariusz" userId="ca8d45ae-21cb-4030-bbab-1d3a5fb8cc81" providerId="ADAL" clId="{9175EAAB-6DAF-40B5-B3E8-C7AAB6B2C322}" dt="2020-05-31T15:23:08.757" v="57"/>
-          <ac:picMkLst>
-            <pc:docMk/>
-            <pc:sldMk cId="3502692777" sldId="306"/>
-            <ac:picMk id="4" creationId="{F9CD8587-6D0C-4CBC-A834-EB12BC217283}"/>
-          </ac:picMkLst>
-        </pc:picChg>
-      </pc:sldChg>
-      <pc:sldChg chg="modSp del mod ord">
-        <pc:chgData name="Mariusz" userId="ca8d45ae-21cb-4030-bbab-1d3a5fb8cc81" providerId="ADAL" clId="{9175EAAB-6DAF-40B5-B3E8-C7AAB6B2C322}" dt="2020-05-31T19:35:32.312" v="135" actId="47"/>
-        <pc:sldMkLst>
-          <pc:docMk/>
-          <pc:sldMk cId="1920225584" sldId="307"/>
-        </pc:sldMkLst>
-        <pc:spChg chg="mod">
-          <ac:chgData name="Mariusz" userId="ca8d45ae-21cb-4030-bbab-1d3a5fb8cc81" providerId="ADAL" clId="{9175EAAB-6DAF-40B5-B3E8-C7AAB6B2C322}" dt="2020-05-31T15:23:27.827" v="65" actId="27636"/>
-          <ac:spMkLst>
-            <pc:docMk/>
-            <pc:sldMk cId="1920225584" sldId="307"/>
-            <ac:spMk id="2" creationId="{2267B48C-3541-4FCD-BF2A-47193A6BB3C8}"/>
-          </ac:spMkLst>
-        </pc:spChg>
-        <pc:spChg chg="mod">
-          <ac:chgData name="Mariusz" userId="ca8d45ae-21cb-4030-bbab-1d3a5fb8cc81" providerId="ADAL" clId="{9175EAAB-6DAF-40B5-B3E8-C7AAB6B2C322}" dt="2020-05-31T15:23:08.757" v="57"/>
-          <ac:spMkLst>
-            <pc:docMk/>
-            <pc:sldMk cId="1920225584" sldId="307"/>
-            <ac:spMk id="3" creationId="{53C31F9F-67D0-448F-B7F0-536930F71665}"/>
-          </ac:spMkLst>
-        </pc:spChg>
-        <pc:spChg chg="mod">
-          <ac:chgData name="Mariusz" userId="ca8d45ae-21cb-4030-bbab-1d3a5fb8cc81" providerId="ADAL" clId="{9175EAAB-6DAF-40B5-B3E8-C7AAB6B2C322}" dt="2020-05-31T15:23:08.757" v="57"/>
-          <ac:spMkLst>
-            <pc:docMk/>
-            <pc:sldMk cId="1920225584" sldId="307"/>
-            <ac:spMk id="5" creationId="{CEA4284D-D2D5-43EE-8B9C-4F837318D2B7}"/>
-          </ac:spMkLst>
-        </pc:spChg>
-        <pc:spChg chg="mod">
-          <ac:chgData name="Mariusz" userId="ca8d45ae-21cb-4030-bbab-1d3a5fb8cc81" providerId="ADAL" clId="{9175EAAB-6DAF-40B5-B3E8-C7AAB6B2C322}" dt="2020-05-31T15:23:08.757" v="57"/>
-          <ac:spMkLst>
-            <pc:docMk/>
-            <pc:sldMk cId="1920225584" sldId="307"/>
-            <ac:spMk id="6" creationId="{A1A04A86-C57D-4807-B34E-410B2436F441}"/>
-          </ac:spMkLst>
-        </pc:spChg>
-        <pc:picChg chg="mod">
-          <ac:chgData name="Mariusz" userId="ca8d45ae-21cb-4030-bbab-1d3a5fb8cc81" providerId="ADAL" clId="{9175EAAB-6DAF-40B5-B3E8-C7AAB6B2C322}" dt="2020-05-31T15:23:08.757" v="57"/>
-          <ac:picMkLst>
-            <pc:docMk/>
-            <pc:sldMk cId="1920225584" sldId="307"/>
-            <ac:picMk id="4" creationId="{F9CD8587-6D0C-4CBC-A834-EB12BC217283}"/>
-          </ac:picMkLst>
-        </pc:picChg>
-      </pc:sldChg>
-      <pc:sldChg chg="modSp mod modShow modNotesTx">
-        <pc:chgData name="Mariusz" userId="ca8d45ae-21cb-4030-bbab-1d3a5fb8cc81" providerId="ADAL" clId="{9175EAAB-6DAF-40B5-B3E8-C7AAB6B2C322}" dt="2020-06-03T11:16:49.125" v="3194" actId="729"/>
-        <pc:sldMkLst>
-          <pc:docMk/>
-          <pc:sldMk cId="592580773" sldId="308"/>
-        </pc:sldMkLst>
-        <pc:spChg chg="mod">
-          <ac:chgData name="Mariusz" userId="ca8d45ae-21cb-4030-bbab-1d3a5fb8cc81" providerId="ADAL" clId="{9175EAAB-6DAF-40B5-B3E8-C7AAB6B2C322}" dt="2020-05-31T15:23:08.757" v="57"/>
-          <ac:spMkLst>
-            <pc:docMk/>
-            <pc:sldMk cId="592580773" sldId="308"/>
-            <ac:spMk id="2" creationId="{82497F57-BA05-4982-A069-6521BDED148E}"/>
-          </ac:spMkLst>
-        </pc:spChg>
-        <pc:spChg chg="mod">
-          <ac:chgData name="Mariusz" userId="ca8d45ae-21cb-4030-bbab-1d3a5fb8cc81" providerId="ADAL" clId="{9175EAAB-6DAF-40B5-B3E8-C7AAB6B2C322}" dt="2020-05-31T15:23:08.757" v="57"/>
-          <ac:spMkLst>
-            <pc:docMk/>
-            <pc:sldMk cId="592580773" sldId="308"/>
-            <ac:spMk id="3" creationId="{4C72A5F0-F628-4ADE-8415-CEA2FBB6BF04}"/>
-          </ac:spMkLst>
-        </pc:spChg>
-        <pc:spChg chg="mod">
-          <ac:chgData name="Mariusz" userId="ca8d45ae-21cb-4030-bbab-1d3a5fb8cc81" providerId="ADAL" clId="{9175EAAB-6DAF-40B5-B3E8-C7AAB6B2C322}" dt="2020-05-31T15:23:08.757" v="57"/>
-          <ac:spMkLst>
-            <pc:docMk/>
-            <pc:sldMk cId="592580773" sldId="308"/>
-            <ac:spMk id="4" creationId="{92A0B153-C864-422A-B1DF-54CE120944CE}"/>
-          </ac:spMkLst>
-        </pc:spChg>
-        <pc:spChg chg="mod">
-          <ac:chgData name="Mariusz" userId="ca8d45ae-21cb-4030-bbab-1d3a5fb8cc81" providerId="ADAL" clId="{9175EAAB-6DAF-40B5-B3E8-C7AAB6B2C322}" dt="2020-05-31T15:23:08.757" v="57"/>
-          <ac:spMkLst>
-            <pc:docMk/>
-            <pc:sldMk cId="592580773" sldId="308"/>
-            <ac:spMk id="5" creationId="{0751BF7C-5F5F-41FB-9A69-09CAD28C500F}"/>
-          </ac:spMkLst>
-        </pc:spChg>
-        <pc:spChg chg="mod">
-          <ac:chgData name="Mariusz" userId="ca8d45ae-21cb-4030-bbab-1d3a5fb8cc81" providerId="ADAL" clId="{9175EAAB-6DAF-40B5-B3E8-C7AAB6B2C322}" dt="2020-05-31T19:18:24.333" v="104" actId="1076"/>
-          <ac:spMkLst>
-            <pc:docMk/>
-            <pc:sldMk cId="592580773" sldId="308"/>
-            <ac:spMk id="6" creationId="{E10CB103-022A-4B2D-85D9-D2B4C884CA3C}"/>
-          </ac:spMkLst>
-        </pc:spChg>
-      </pc:sldChg>
-      <pc:sldChg chg="addSp delSp modSp add mod ord modNotes modNotesTx">
-        <pc:chgData name="Mariusz" userId="ca8d45ae-21cb-4030-bbab-1d3a5fb8cc81" providerId="ADAL" clId="{9175EAAB-6DAF-40B5-B3E8-C7AAB6B2C322}" dt="2020-06-03T08:50:26.129" v="2603" actId="27636"/>
-        <pc:sldMkLst>
-          <pc:docMk/>
-          <pc:sldMk cId="2454344243" sldId="309"/>
-        </pc:sldMkLst>
-        <pc:spChg chg="mod">
-          <ac:chgData name="Mariusz" userId="ca8d45ae-21cb-4030-bbab-1d3a5fb8cc81" providerId="ADAL" clId="{9175EAAB-6DAF-40B5-B3E8-C7AAB6B2C322}" dt="2020-05-31T15:23:08.757" v="57"/>
-          <ac:spMkLst>
-            <pc:docMk/>
-            <pc:sldMk cId="2454344243" sldId="309"/>
-            <ac:spMk id="2" creationId="{2267B48C-3541-4FCD-BF2A-47193A6BB3C8}"/>
-          </ac:spMkLst>
-        </pc:spChg>
-        <pc:spChg chg="add del mod">
-          <ac:chgData name="Mariusz" userId="ca8d45ae-21cb-4030-bbab-1d3a5fb8cc81" providerId="ADAL" clId="{9175EAAB-6DAF-40B5-B3E8-C7AAB6B2C322}" dt="2020-05-31T15:12:54.580" v="8"/>
-          <ac:spMkLst>
-            <pc:docMk/>
-            <pc:sldMk cId="2454344243" sldId="309"/>
-            <ac:spMk id="3" creationId="{9DD4D212-8959-46B2-ACD8-95105468C240}"/>
-          </ac:spMkLst>
-        </pc:spChg>
-        <pc:spChg chg="add mod">
-          <ac:chgData name="Mariusz" userId="ca8d45ae-21cb-4030-bbab-1d3a5fb8cc81" providerId="ADAL" clId="{9175EAAB-6DAF-40B5-B3E8-C7AAB6B2C322}" dt="2020-06-01T11:46:47.454" v="887" actId="14100"/>
-          <ac:spMkLst>
-            <pc:docMk/>
-            <pc:sldMk cId="2454344243" sldId="309"/>
-            <ac:spMk id="3" creationId="{DB677CEC-82DD-46D3-9C08-336CEDEE50E8}"/>
-          </ac:spMkLst>
-        </pc:spChg>
-        <pc:spChg chg="add del mod">
-          <ac:chgData name="Mariusz" userId="ca8d45ae-21cb-4030-bbab-1d3a5fb8cc81" providerId="ADAL" clId="{9175EAAB-6DAF-40B5-B3E8-C7AAB6B2C322}" dt="2020-05-31T15:12:54.580" v="8"/>
-          <ac:spMkLst>
-            <pc:docMk/>
-            <pc:sldMk cId="2454344243" sldId="309"/>
-            <ac:spMk id="4" creationId="{9141067A-E5FD-4C2B-9CD9-10B0DB11D003}"/>
-          </ac:spMkLst>
-        </pc:spChg>
-        <pc:spChg chg="add del mod">
-          <ac:chgData name="Mariusz" userId="ca8d45ae-21cb-4030-bbab-1d3a5fb8cc81" providerId="ADAL" clId="{9175EAAB-6DAF-40B5-B3E8-C7AAB6B2C322}" dt="2020-05-31T15:12:54.580" v="8"/>
-          <ac:spMkLst>
-            <pc:docMk/>
-            <pc:sldMk cId="2454344243" sldId="309"/>
-            <ac:spMk id="5" creationId="{2C8B3345-F2EB-48D0-AF59-272150513752}"/>
-          </ac:spMkLst>
-        </pc:spChg>
-        <pc:spChg chg="mod">
-          <ac:chgData name="Mariusz" userId="ca8d45ae-21cb-4030-bbab-1d3a5fb8cc81" providerId="ADAL" clId="{9175EAAB-6DAF-40B5-B3E8-C7AAB6B2C322}" dt="2020-05-31T15:23:08.757" v="57"/>
-          <ac:spMkLst>
-            <pc:docMk/>
-            <pc:sldMk cId="2454344243" sldId="309"/>
-            <ac:spMk id="7" creationId="{8A06BDFD-9482-4A1C-B739-3F1359021C19}"/>
-          </ac:spMkLst>
-        </pc:spChg>
-        <pc:spChg chg="mod">
-          <ac:chgData name="Mariusz" userId="ca8d45ae-21cb-4030-bbab-1d3a5fb8cc81" providerId="ADAL" clId="{9175EAAB-6DAF-40B5-B3E8-C7AAB6B2C322}" dt="2020-05-31T15:23:08.757" v="57"/>
-          <ac:spMkLst>
-            <pc:docMk/>
-            <pc:sldMk cId="2454344243" sldId="309"/>
-            <ac:spMk id="8" creationId="{E1F88EB7-DDDB-46DB-BB78-CFB3C11794DE}"/>
-          </ac:spMkLst>
-        </pc:spChg>
-        <pc:spChg chg="add del mod">
-          <ac:chgData name="Mariusz" userId="ca8d45ae-21cb-4030-bbab-1d3a5fb8cc81" providerId="ADAL" clId="{9175EAAB-6DAF-40B5-B3E8-C7AAB6B2C322}" dt="2020-05-31T15:17:01.303" v="22"/>
-          <ac:spMkLst>
-            <pc:docMk/>
-            <pc:sldMk cId="2454344243" sldId="309"/>
-            <ac:spMk id="9" creationId="{9B2CDC6C-CF43-4AA6-BF7E-833BC29CA625}"/>
-          </ac:spMkLst>
-        </pc:spChg>
-        <pc:spChg chg="add mod">
-          <ac:chgData name="Mariusz" userId="ca8d45ae-21cb-4030-bbab-1d3a5fb8cc81" providerId="ADAL" clId="{9175EAAB-6DAF-40B5-B3E8-C7AAB6B2C322}" dt="2020-06-01T11:47:13.813" v="902" actId="1076"/>
-          <ac:spMkLst>
-            <pc:docMk/>
-            <pc:sldMk cId="2454344243" sldId="309"/>
-            <ac:spMk id="9" creationId="{CD525EC3-63EB-46BB-9AA9-2685635E2F85}"/>
-          </ac:spMkLst>
-        </pc:spChg>
-        <pc:spChg chg="add del mod">
-          <ac:chgData name="Mariusz" userId="ca8d45ae-21cb-4030-bbab-1d3a5fb8cc81" providerId="ADAL" clId="{9175EAAB-6DAF-40B5-B3E8-C7AAB6B2C322}" dt="2020-05-31T15:17:01.303" v="22"/>
-          <ac:spMkLst>
-            <pc:docMk/>
-            <pc:sldMk cId="2454344243" sldId="309"/>
-            <ac:spMk id="10" creationId="{12885622-FA47-4A0D-94A1-7B5D7EC09C0A}"/>
-          </ac:spMkLst>
-        </pc:spChg>
-        <pc:spChg chg="add del mod">
-          <ac:chgData name="Mariusz" userId="ca8d45ae-21cb-4030-bbab-1d3a5fb8cc81" providerId="ADAL" clId="{9175EAAB-6DAF-40B5-B3E8-C7AAB6B2C322}" dt="2020-05-31T15:17:01.303" v="22"/>
-          <ac:spMkLst>
-            <pc:docMk/>
-            <pc:sldMk cId="2454344243" sldId="309"/>
-            <ac:spMk id="11" creationId="{57298EA5-A312-483D-B88C-CE7A7208FE5E}"/>
-          </ac:spMkLst>
-        </pc:spChg>
-        <pc:picChg chg="mod">
-          <ac:chgData name="Mariusz" userId="ca8d45ae-21cb-4030-bbab-1d3a5fb8cc81" providerId="ADAL" clId="{9175EAAB-6DAF-40B5-B3E8-C7AAB6B2C322}" dt="2020-05-31T19:34:26.568" v="128" actId="1076"/>
-          <ac:picMkLst>
-            <pc:docMk/>
-            <pc:sldMk cId="2454344243" sldId="309"/>
-            <ac:picMk id="6" creationId="{4FFE1B58-4F2A-4BBD-B951-A4BB01497AB7}"/>
-          </ac:picMkLst>
-        </pc:picChg>
-      </pc:sldChg>
-      <pc:sldChg chg="add del ord">
-        <pc:chgData name="Mariusz" userId="ca8d45ae-21cb-4030-bbab-1d3a5fb8cc81" providerId="ADAL" clId="{9175EAAB-6DAF-40B5-B3E8-C7AAB6B2C322}" dt="2020-05-31T15:18:15.319" v="30" actId="47"/>
-        <pc:sldMkLst>
-          <pc:docMk/>
-          <pc:sldMk cId="1366631795" sldId="310"/>
-        </pc:sldMkLst>
-      </pc:sldChg>
-      <pc:sldChg chg="modSp add ord modNotesTx">
-        <pc:chgData name="Mariusz" userId="ca8d45ae-21cb-4030-bbab-1d3a5fb8cc81" providerId="ADAL" clId="{9175EAAB-6DAF-40B5-B3E8-C7AAB6B2C322}" dt="2020-06-02T16:16:20.615" v="2090" actId="20577"/>
-        <pc:sldMkLst>
-          <pc:docMk/>
-          <pc:sldMk cId="301149864" sldId="311"/>
-        </pc:sldMkLst>
-        <pc:spChg chg="mod">
-          <ac:chgData name="Mariusz" userId="ca8d45ae-21cb-4030-bbab-1d3a5fb8cc81" providerId="ADAL" clId="{9175EAAB-6DAF-40B5-B3E8-C7AAB6B2C322}" dt="2020-05-31T15:23:08.757" v="57"/>
-          <ac:spMkLst>
-            <pc:docMk/>
-            <pc:sldMk cId="301149864" sldId="311"/>
-            <ac:spMk id="2" creationId="{2267B48C-3541-4FCD-BF2A-47193A6BB3C8}"/>
-          </ac:spMkLst>
-        </pc:spChg>
-        <pc:spChg chg="mod">
-          <ac:chgData name="Mariusz" userId="ca8d45ae-21cb-4030-bbab-1d3a5fb8cc81" providerId="ADAL" clId="{9175EAAB-6DAF-40B5-B3E8-C7AAB6B2C322}" dt="2020-05-31T19:33:48.073" v="122" actId="14100"/>
-          <ac:spMkLst>
-            <pc:docMk/>
-            <pc:sldMk cId="301149864" sldId="311"/>
-            <ac:spMk id="3" creationId="{53C31F9F-67D0-448F-B7F0-536930F71665}"/>
-          </ac:spMkLst>
-        </pc:spChg>
-        <pc:spChg chg="mod">
-          <ac:chgData name="Mariusz" userId="ca8d45ae-21cb-4030-bbab-1d3a5fb8cc81" providerId="ADAL" clId="{9175EAAB-6DAF-40B5-B3E8-C7AAB6B2C322}" dt="2020-05-31T15:23:08.757" v="57"/>
-          <ac:spMkLst>
-            <pc:docMk/>
-            <pc:sldMk cId="301149864" sldId="311"/>
-            <ac:spMk id="7" creationId="{03AB2E9F-A156-4AC0-AB6B-498F2A61BC79}"/>
-          </ac:spMkLst>
-        </pc:spChg>
-        <pc:spChg chg="mod">
-          <ac:chgData name="Mariusz" userId="ca8d45ae-21cb-4030-bbab-1d3a5fb8cc81" providerId="ADAL" clId="{9175EAAB-6DAF-40B5-B3E8-C7AAB6B2C322}" dt="2020-05-31T15:23:08.757" v="57"/>
-          <ac:spMkLst>
-            <pc:docMk/>
-            <pc:sldMk cId="301149864" sldId="311"/>
-            <ac:spMk id="8" creationId="{44BDC438-A944-4DD8-98D7-720DA8520733}"/>
-          </ac:spMkLst>
-        </pc:spChg>
-        <pc:picChg chg="mod">
-          <ac:chgData name="Mariusz" userId="ca8d45ae-21cb-4030-bbab-1d3a5fb8cc81" providerId="ADAL" clId="{9175EAAB-6DAF-40B5-B3E8-C7AAB6B2C322}" dt="2020-05-31T19:33:42.384" v="120" actId="14100"/>
-          <ac:picMkLst>
-            <pc:docMk/>
-            <pc:sldMk cId="301149864" sldId="311"/>
-            <ac:picMk id="5" creationId="{A4ADF6BF-A7AF-4657-833F-2A79F6385F65}"/>
-          </ac:picMkLst>
-        </pc:picChg>
-      </pc:sldChg>
-      <pc:sldChg chg="modSp add del ord">
-        <pc:chgData name="Mariusz" userId="ca8d45ae-21cb-4030-bbab-1d3a5fb8cc81" providerId="ADAL" clId="{9175EAAB-6DAF-40B5-B3E8-C7AAB6B2C322}" dt="2020-05-31T15:32:11.214" v="103" actId="47"/>
-        <pc:sldMkLst>
-          <pc:docMk/>
-          <pc:sldMk cId="3981452236" sldId="312"/>
-        </pc:sldMkLst>
-        <pc:spChg chg="mod">
-          <ac:chgData name="Mariusz" userId="ca8d45ae-21cb-4030-bbab-1d3a5fb8cc81" providerId="ADAL" clId="{9175EAAB-6DAF-40B5-B3E8-C7AAB6B2C322}" dt="2020-05-31T15:23:08.757" v="57"/>
-          <ac:spMkLst>
-            <pc:docMk/>
-            <pc:sldMk cId="3981452236" sldId="312"/>
-            <ac:spMk id="2" creationId="{2267B48C-3541-4FCD-BF2A-47193A6BB3C8}"/>
-          </ac:spMkLst>
-        </pc:spChg>
-        <pc:spChg chg="mod">
-          <ac:chgData name="Mariusz" userId="ca8d45ae-21cb-4030-bbab-1d3a5fb8cc81" providerId="ADAL" clId="{9175EAAB-6DAF-40B5-B3E8-C7AAB6B2C322}" dt="2020-05-31T15:23:08.757" v="57"/>
-          <ac:spMkLst>
-            <pc:docMk/>
-            <pc:sldMk cId="3981452236" sldId="312"/>
-            <ac:spMk id="3" creationId="{53C31F9F-67D0-448F-B7F0-536930F71665}"/>
-          </ac:spMkLst>
-        </pc:spChg>
-        <pc:spChg chg="mod">
-          <ac:chgData name="Mariusz" userId="ca8d45ae-21cb-4030-bbab-1d3a5fb8cc81" providerId="ADAL" clId="{9175EAAB-6DAF-40B5-B3E8-C7AAB6B2C322}" dt="2020-05-31T15:23:08.757" v="57"/>
-          <ac:spMkLst>
-            <pc:docMk/>
-            <pc:sldMk cId="3981452236" sldId="312"/>
-            <ac:spMk id="7" creationId="{63E159F0-F4AB-4D71-8734-CBF71692BC3F}"/>
-          </ac:spMkLst>
-        </pc:spChg>
-        <pc:spChg chg="mod">
-          <ac:chgData name="Mariusz" userId="ca8d45ae-21cb-4030-bbab-1d3a5fb8cc81" providerId="ADAL" clId="{9175EAAB-6DAF-40B5-B3E8-C7AAB6B2C322}" dt="2020-05-31T15:23:08.757" v="57"/>
-          <ac:spMkLst>
-            <pc:docMk/>
-            <pc:sldMk cId="3981452236" sldId="312"/>
-            <ac:spMk id="8" creationId="{3AEDA07C-21EF-4D83-8276-B50211396C72}"/>
-          </ac:spMkLst>
-        </pc:spChg>
-        <pc:picChg chg="mod">
-          <ac:chgData name="Mariusz" userId="ca8d45ae-21cb-4030-bbab-1d3a5fb8cc81" providerId="ADAL" clId="{9175EAAB-6DAF-40B5-B3E8-C7AAB6B2C322}" dt="2020-05-31T15:23:08.757" v="57"/>
-          <ac:picMkLst>
-            <pc:docMk/>
-            <pc:sldMk cId="3981452236" sldId="312"/>
-            <ac:picMk id="5" creationId="{F506D9C0-56EC-4D4A-8F95-9819041AD0E8}"/>
-          </ac:picMkLst>
-        </pc:picChg>
-      </pc:sldChg>
-      <pc:sldChg chg="addSp modSp add mod ord modNotesTx">
-        <pc:chgData name="Mariusz" userId="ca8d45ae-21cb-4030-bbab-1d3a5fb8cc81" providerId="ADAL" clId="{9175EAAB-6DAF-40B5-B3E8-C7AAB6B2C322}" dt="2020-06-02T16:45:56.261" v="2520" actId="6549"/>
-        <pc:sldMkLst>
-          <pc:docMk/>
-          <pc:sldMk cId="4036683250" sldId="313"/>
-        </pc:sldMkLst>
-        <pc:spChg chg="mod">
-          <ac:chgData name="Mariusz" userId="ca8d45ae-21cb-4030-bbab-1d3a5fb8cc81" providerId="ADAL" clId="{9175EAAB-6DAF-40B5-B3E8-C7AAB6B2C322}" dt="2020-05-31T15:23:08.757" v="57"/>
-          <ac:spMkLst>
-            <pc:docMk/>
-            <pc:sldMk cId="4036683250" sldId="313"/>
-            <ac:spMk id="2" creationId="{D33EEAA6-997E-4444-92D0-820A2474B875}"/>
-          </ac:spMkLst>
-        </pc:spChg>
-        <pc:spChg chg="mod">
-          <ac:chgData name="Mariusz" userId="ca8d45ae-21cb-4030-bbab-1d3a5fb8cc81" providerId="ADAL" clId="{9175EAAB-6DAF-40B5-B3E8-C7AAB6B2C322}" dt="2020-06-02T16:36:22.138" v="2197" actId="207"/>
-          <ac:spMkLst>
-            <pc:docMk/>
-            <pc:sldMk cId="4036683250" sldId="313"/>
-            <ac:spMk id="3" creationId="{43CE69DE-C49B-4CBD-92AC-204920CB2898}"/>
-          </ac:spMkLst>
-        </pc:spChg>
-        <pc:spChg chg="mod">
-          <ac:chgData name="Mariusz" userId="ca8d45ae-21cb-4030-bbab-1d3a5fb8cc81" providerId="ADAL" clId="{9175EAAB-6DAF-40B5-B3E8-C7AAB6B2C322}" dt="2020-05-31T15:23:08.757" v="57"/>
-          <ac:spMkLst>
-            <pc:docMk/>
-            <pc:sldMk cId="4036683250" sldId="313"/>
-            <ac:spMk id="7" creationId="{965101DE-CC04-4EC7-BB2E-9DF1680B7186}"/>
-          </ac:spMkLst>
-        </pc:spChg>
-        <pc:spChg chg="mod">
-          <ac:chgData name="Mariusz" userId="ca8d45ae-21cb-4030-bbab-1d3a5fb8cc81" providerId="ADAL" clId="{9175EAAB-6DAF-40B5-B3E8-C7AAB6B2C322}" dt="2020-05-31T15:23:08.757" v="57"/>
-          <ac:spMkLst>
-            <pc:docMk/>
-            <pc:sldMk cId="4036683250" sldId="313"/>
-            <ac:spMk id="8" creationId="{39D55A83-5525-44DC-928A-8657A1439BA0}"/>
-          </ac:spMkLst>
-        </pc:spChg>
-        <pc:picChg chg="add mod ord">
-          <ac:chgData name="Mariusz" userId="ca8d45ae-21cb-4030-bbab-1d3a5fb8cc81" providerId="ADAL" clId="{9175EAAB-6DAF-40B5-B3E8-C7AAB6B2C322}" dt="2020-06-02T16:17:47.418" v="2093" actId="167"/>
-          <ac:picMkLst>
-            <pc:docMk/>
-            <pc:sldMk cId="4036683250" sldId="313"/>
-            <ac:picMk id="6" creationId="{23B6A96D-6BC5-486C-A765-60D13B5EABE5}"/>
-          </ac:picMkLst>
-        </pc:picChg>
-      </pc:sldChg>
-      <pc:sldChg chg="addSp delSp modSp add mod ord modNotes modNotesTx">
-        <pc:chgData name="Mariusz" userId="ca8d45ae-21cb-4030-bbab-1d3a5fb8cc81" providerId="ADAL" clId="{9175EAAB-6DAF-40B5-B3E8-C7AAB6B2C322}" dt="2020-06-02T17:05:06.876" v="2529" actId="14100"/>
-        <pc:sldMkLst>
-          <pc:docMk/>
-          <pc:sldMk cId="4033735028" sldId="314"/>
-        </pc:sldMkLst>
-        <pc:spChg chg="mod">
-          <ac:chgData name="Mariusz" userId="ca8d45ae-21cb-4030-bbab-1d3a5fb8cc81" providerId="ADAL" clId="{9175EAAB-6DAF-40B5-B3E8-C7AAB6B2C322}" dt="2020-05-31T19:32:39.513" v="112"/>
-          <ac:spMkLst>
-            <pc:docMk/>
-            <pc:sldMk cId="4033735028" sldId="314"/>
-            <ac:spMk id="2" creationId="{2267B48C-3541-4FCD-BF2A-47193A6BB3C8}"/>
-          </ac:spMkLst>
-        </pc:spChg>
-        <pc:spChg chg="mod">
-          <ac:chgData name="Mariusz" userId="ca8d45ae-21cb-4030-bbab-1d3a5fb8cc81" providerId="ADAL" clId="{9175EAAB-6DAF-40B5-B3E8-C7AAB6B2C322}" dt="2020-06-02T17:05:06.876" v="2529" actId="14100"/>
-          <ac:spMkLst>
-            <pc:docMk/>
-            <pc:sldMk cId="4033735028" sldId="314"/>
-            <ac:spMk id="3" creationId="{53C31F9F-67D0-448F-B7F0-536930F71665}"/>
-          </ac:spMkLst>
-        </pc:spChg>
-        <pc:spChg chg="add del mod">
-          <ac:chgData name="Mariusz" userId="ca8d45ae-21cb-4030-bbab-1d3a5fb8cc81" providerId="ADAL" clId="{9175EAAB-6DAF-40B5-B3E8-C7AAB6B2C322}" dt="2020-05-31T19:32:39.513" v="112"/>
-          <ac:spMkLst>
-            <pc:docMk/>
-            <pc:sldMk cId="4033735028" sldId="314"/>
-            <ac:spMk id="4" creationId="{47706B59-5D0D-47E8-A34E-04F2CC1987A9}"/>
-          </ac:spMkLst>
-        </pc:spChg>
-        <pc:spChg chg="add del mod">
-          <ac:chgData name="Mariusz" userId="ca8d45ae-21cb-4030-bbab-1d3a5fb8cc81" providerId="ADAL" clId="{9175EAAB-6DAF-40B5-B3E8-C7AAB6B2C322}" dt="2020-05-31T19:32:39.513" v="112"/>
-          <ac:spMkLst>
-            <pc:docMk/>
-            <pc:sldMk cId="4033735028" sldId="314"/>
-            <ac:spMk id="6" creationId="{52A88DB4-2C5B-4647-AB1A-2C11AFB2C9F4}"/>
-          </ac:spMkLst>
-        </pc:spChg>
-        <pc:spChg chg="mod">
-          <ac:chgData name="Mariusz" userId="ca8d45ae-21cb-4030-bbab-1d3a5fb8cc81" providerId="ADAL" clId="{9175EAAB-6DAF-40B5-B3E8-C7AAB6B2C322}" dt="2020-05-31T19:32:39.513" v="112"/>
-          <ac:spMkLst>
-            <pc:docMk/>
-            <pc:sldMk cId="4033735028" sldId="314"/>
-            <ac:spMk id="7" creationId="{E4473A63-2778-4865-BB66-43F9419B4A33}"/>
-          </ac:spMkLst>
-        </pc:spChg>
-        <pc:spChg chg="mod">
-          <ac:chgData name="Mariusz" userId="ca8d45ae-21cb-4030-bbab-1d3a5fb8cc81" providerId="ADAL" clId="{9175EAAB-6DAF-40B5-B3E8-C7AAB6B2C322}" dt="2020-05-31T19:32:39.513" v="112"/>
-          <ac:spMkLst>
-            <pc:docMk/>
-            <pc:sldMk cId="4033735028" sldId="314"/>
-            <ac:spMk id="8" creationId="{87A48721-012E-4BC5-84E1-B15EFFABCACF}"/>
-          </ac:spMkLst>
-        </pc:spChg>
-        <pc:spChg chg="add del mod">
-          <ac:chgData name="Mariusz" userId="ca8d45ae-21cb-4030-bbab-1d3a5fb8cc81" providerId="ADAL" clId="{9175EAAB-6DAF-40B5-B3E8-C7AAB6B2C322}" dt="2020-05-31T19:32:39.513" v="112"/>
-          <ac:spMkLst>
-            <pc:docMk/>
-            <pc:sldMk cId="4033735028" sldId="314"/>
-            <ac:spMk id="9" creationId="{39B6AEA4-C018-4780-AF9D-5B3648BD9621}"/>
-          </ac:spMkLst>
-        </pc:spChg>
-        <pc:picChg chg="mod">
-          <ac:chgData name="Mariusz" userId="ca8d45ae-21cb-4030-bbab-1d3a5fb8cc81" providerId="ADAL" clId="{9175EAAB-6DAF-40B5-B3E8-C7AAB6B2C322}" dt="2020-05-31T19:38:12.917" v="150" actId="408"/>
-          <ac:picMkLst>
-            <pc:docMk/>
-            <pc:sldMk cId="4033735028" sldId="314"/>
-            <ac:picMk id="5" creationId="{4529FB05-B73A-4A70-AD44-A01595548166}"/>
-          </ac:picMkLst>
-        </pc:picChg>
-      </pc:sldChg>
-      <pc:sldChg chg="modSp add del ord modNotes modNotesTx">
-        <pc:chgData name="Mariusz" userId="ca8d45ae-21cb-4030-bbab-1d3a5fb8cc81" providerId="ADAL" clId="{9175EAAB-6DAF-40B5-B3E8-C7AAB6B2C322}" dt="2020-06-02T17:05:33.158" v="2530" actId="2696"/>
-        <pc:sldMkLst>
-          <pc:docMk/>
-          <pc:sldMk cId="1940161501" sldId="315"/>
-        </pc:sldMkLst>
-        <pc:spChg chg="mod">
-          <ac:chgData name="Mariusz" userId="ca8d45ae-21cb-4030-bbab-1d3a5fb8cc81" providerId="ADAL" clId="{9175EAAB-6DAF-40B5-B3E8-C7AAB6B2C322}" dt="2020-05-31T19:36:39.681" v="140" actId="313"/>
-          <ac:spMkLst>
-            <pc:docMk/>
-            <pc:sldMk cId="1940161501" sldId="315"/>
-            <ac:spMk id="2" creationId="{2267B48C-3541-4FCD-BF2A-47193A6BB3C8}"/>
-          </ac:spMkLst>
-        </pc:spChg>
-        <pc:spChg chg="mod">
-          <ac:chgData name="Mariusz" userId="ca8d45ae-21cb-4030-bbab-1d3a5fb8cc81" providerId="ADAL" clId="{9175EAAB-6DAF-40B5-B3E8-C7AAB6B2C322}" dt="2020-05-31T19:37:56.352" v="149" actId="14100"/>
-          <ac:spMkLst>
-            <pc:docMk/>
-            <pc:sldMk cId="1940161501" sldId="315"/>
-            <ac:spMk id="3" creationId="{53C31F9F-67D0-448F-B7F0-536930F71665}"/>
-          </ac:spMkLst>
-        </pc:spChg>
-        <pc:spChg chg="mod">
-          <ac:chgData name="Mariusz" userId="ca8d45ae-21cb-4030-bbab-1d3a5fb8cc81" providerId="ADAL" clId="{9175EAAB-6DAF-40B5-B3E8-C7AAB6B2C322}" dt="2020-05-31T15:23:08.757" v="57"/>
-          <ac:spMkLst>
-            <pc:docMk/>
-            <pc:sldMk cId="1940161501" sldId="315"/>
-            <ac:spMk id="7" creationId="{F56DBA43-763A-468E-B13D-7B0AD1CBA3CA}"/>
-          </ac:spMkLst>
-        </pc:spChg>
-        <pc:spChg chg="mod">
-          <ac:chgData name="Mariusz" userId="ca8d45ae-21cb-4030-bbab-1d3a5fb8cc81" providerId="ADAL" clId="{9175EAAB-6DAF-40B5-B3E8-C7AAB6B2C322}" dt="2020-05-31T15:23:08.757" v="57"/>
-          <ac:spMkLst>
-            <pc:docMk/>
-            <pc:sldMk cId="1940161501" sldId="315"/>
-            <ac:spMk id="8" creationId="{7E56D0DD-4957-4B3A-81D6-AB339264F6D8}"/>
-          </ac:spMkLst>
-        </pc:spChg>
-        <pc:picChg chg="mod">
-          <ac:chgData name="Mariusz" userId="ca8d45ae-21cb-4030-bbab-1d3a5fb8cc81" providerId="ADAL" clId="{9175EAAB-6DAF-40B5-B3E8-C7AAB6B2C322}" dt="2020-05-31T19:37:47.350" v="146" actId="408"/>
-          <ac:picMkLst>
-            <pc:docMk/>
-            <pc:sldMk cId="1940161501" sldId="315"/>
-            <ac:picMk id="6" creationId="{DCBFF174-3C05-40A9-A515-074750BD155A}"/>
-          </ac:picMkLst>
-        </pc:picChg>
-      </pc:sldChg>
-      <pc:sldChg chg="addSp delSp modSp add mod ord modNotesTx">
-        <pc:chgData name="Mariusz" userId="ca8d45ae-21cb-4030-bbab-1d3a5fb8cc81" providerId="ADAL" clId="{9175EAAB-6DAF-40B5-B3E8-C7AAB6B2C322}" dt="2020-06-03T12:07:04.084" v="3241" actId="6549"/>
-        <pc:sldMkLst>
-          <pc:docMk/>
-          <pc:sldMk cId="0" sldId="316"/>
-        </pc:sldMkLst>
-        <pc:spChg chg="mod">
-          <ac:chgData name="Mariusz" userId="ca8d45ae-21cb-4030-bbab-1d3a5fb8cc81" providerId="ADAL" clId="{9175EAAB-6DAF-40B5-B3E8-C7AAB6B2C322}" dt="2020-06-01T08:51:50.375" v="241" actId="790"/>
-          <ac:spMkLst>
-            <pc:docMk/>
-            <pc:sldMk cId="0" sldId="316"/>
-            <ac:spMk id="2" creationId="{00000000-0000-0000-0000-000000000000}"/>
-          </ac:spMkLst>
-        </pc:spChg>
-        <pc:spChg chg="add del mod">
-          <ac:chgData name="Mariusz" userId="ca8d45ae-21cb-4030-bbab-1d3a5fb8cc81" providerId="ADAL" clId="{9175EAAB-6DAF-40B5-B3E8-C7AAB6B2C322}" dt="2020-06-01T08:44:08.966" v="236"/>
-          <ac:spMkLst>
-            <pc:docMk/>
-            <pc:sldMk cId="0" sldId="316"/>
-            <ac:spMk id="3" creationId="{D76904F1-FE5C-4FD7-BE78-F9A4DD910867}"/>
-          </ac:spMkLst>
-        </pc:spChg>
-        <pc:spChg chg="add del mod">
-          <ac:chgData name="Mariusz" userId="ca8d45ae-21cb-4030-bbab-1d3a5fb8cc81" providerId="ADAL" clId="{9175EAAB-6DAF-40B5-B3E8-C7AAB6B2C322}" dt="2020-06-01T08:44:08.966" v="236"/>
-          <ac:spMkLst>
-            <pc:docMk/>
-            <pc:sldMk cId="0" sldId="316"/>
-            <ac:spMk id="4" creationId="{441F65AB-FC55-4C82-BB1E-7CBEEF8B0512}"/>
-          </ac:spMkLst>
-        </pc:spChg>
-        <pc:spChg chg="add del mod">
-          <ac:chgData name="Mariusz" userId="ca8d45ae-21cb-4030-bbab-1d3a5fb8cc81" providerId="ADAL" clId="{9175EAAB-6DAF-40B5-B3E8-C7AAB6B2C322}" dt="2020-06-01T08:44:08.966" v="236"/>
-          <ac:spMkLst>
-            <pc:docMk/>
-            <pc:sldMk cId="0" sldId="316"/>
-            <ac:spMk id="5" creationId="{90135FEA-2A9D-4251-B329-3164F7B3ACD5}"/>
-          </ac:spMkLst>
-        </pc:spChg>
-        <pc:spChg chg="mod">
-          <ac:chgData name="Mariusz" userId="ca8d45ae-21cb-4030-bbab-1d3a5fb8cc81" providerId="ADAL" clId="{9175EAAB-6DAF-40B5-B3E8-C7AAB6B2C322}" dt="2020-06-01T08:44:08.966" v="236"/>
-          <ac:spMkLst>
-            <pc:docMk/>
-            <pc:sldMk cId="0" sldId="316"/>
-            <ac:spMk id="9" creationId="{B8F9EF2B-676E-4EAF-9547-E850C18552F9}"/>
-          </ac:spMkLst>
-        </pc:spChg>
-        <pc:spChg chg="mod">
-          <ac:chgData name="Mariusz" userId="ca8d45ae-21cb-4030-bbab-1d3a5fb8cc81" providerId="ADAL" clId="{9175EAAB-6DAF-40B5-B3E8-C7AAB6B2C322}" dt="2020-06-01T08:44:08.966" v="236"/>
-          <ac:spMkLst>
-            <pc:docMk/>
-            <pc:sldMk cId="0" sldId="316"/>
-            <ac:spMk id="10" creationId="{37035EAB-F4BE-49F4-B1E2-3A1270201FF2}"/>
-          </ac:spMkLst>
-        </pc:spChg>
-        <pc:picChg chg="mod">
-          <ac:chgData name="Mariusz" userId="ca8d45ae-21cb-4030-bbab-1d3a5fb8cc81" providerId="ADAL" clId="{9175EAAB-6DAF-40B5-B3E8-C7AAB6B2C322}" dt="2020-06-01T08:44:16.573" v="238" actId="14100"/>
-          <ac:picMkLst>
-            <pc:docMk/>
-            <pc:sldMk cId="0" sldId="316"/>
-            <ac:picMk id="8" creationId="{451DC040-701F-45A8-A97B-B213598AD681}"/>
-          </ac:picMkLst>
-        </pc:picChg>
-      </pc:sldChg>
-      <pc:sldChg chg="addSp delSp modSp add mod ord modShow modNotes modNotesTx">
-        <pc:chgData name="Mariusz" userId="ca8d45ae-21cb-4030-bbab-1d3a5fb8cc81" providerId="ADAL" clId="{9175EAAB-6DAF-40B5-B3E8-C7AAB6B2C322}" dt="2020-06-03T09:57:36.669" v="2727" actId="20577"/>
-        <pc:sldMkLst>
-          <pc:docMk/>
-          <pc:sldMk cId="666013269" sldId="317"/>
-        </pc:sldMkLst>
-        <pc:spChg chg="mod">
-          <ac:chgData name="Mariusz" userId="ca8d45ae-21cb-4030-bbab-1d3a5fb8cc81" providerId="ADAL" clId="{9175EAAB-6DAF-40B5-B3E8-C7AAB6B2C322}" dt="2020-06-02T17:16:29.470" v="2542"/>
-          <ac:spMkLst>
-            <pc:docMk/>
-            <pc:sldMk cId="666013269" sldId="317"/>
-            <ac:spMk id="2" creationId="{A1045EDA-11B0-4E02-A174-B76AC435A2EA}"/>
-          </ac:spMkLst>
-        </pc:spChg>
-        <pc:spChg chg="mod">
-          <ac:chgData name="Mariusz" userId="ca8d45ae-21cb-4030-bbab-1d3a5fb8cc81" providerId="ADAL" clId="{9175EAAB-6DAF-40B5-B3E8-C7AAB6B2C322}" dt="2020-06-03T09:57:36.669" v="2727" actId="20577"/>
-          <ac:spMkLst>
-            <pc:docMk/>
-            <pc:sldMk cId="666013269" sldId="317"/>
-            <ac:spMk id="3" creationId="{871D038F-17FE-434E-872E-CE0105DB0A2D}"/>
-          </ac:spMkLst>
-        </pc:spChg>
-        <pc:spChg chg="add del mod">
-          <ac:chgData name="Mariusz" userId="ca8d45ae-21cb-4030-bbab-1d3a5fb8cc81" providerId="ADAL" clId="{9175EAAB-6DAF-40B5-B3E8-C7AAB6B2C322}" dt="2020-06-02T17:16:29.470" v="2542"/>
-          <ac:spMkLst>
-            <pc:docMk/>
-            <pc:sldMk cId="666013269" sldId="317"/>
-            <ac:spMk id="4" creationId="{8933F0EB-CE8D-4FEB-BC80-A8B4FF0691A7}"/>
-          </ac:spMkLst>
-        </pc:spChg>
-        <pc:spChg chg="add del mod">
-          <ac:chgData name="Mariusz" userId="ca8d45ae-21cb-4030-bbab-1d3a5fb8cc81" providerId="ADAL" clId="{9175EAAB-6DAF-40B5-B3E8-C7AAB6B2C322}" dt="2020-06-02T17:16:29.470" v="2542"/>
-          <ac:spMkLst>
-            <pc:docMk/>
-            <pc:sldMk cId="666013269" sldId="317"/>
-            <ac:spMk id="5" creationId="{EDE8235C-6E48-4C66-9C71-D01926DCABB3}"/>
-          </ac:spMkLst>
-        </pc:spChg>
-        <pc:spChg chg="mod">
-          <ac:chgData name="Mariusz" userId="ca8d45ae-21cb-4030-bbab-1d3a5fb8cc81" providerId="ADAL" clId="{9175EAAB-6DAF-40B5-B3E8-C7AAB6B2C322}" dt="2020-06-02T17:16:29.470" v="2542"/>
-          <ac:spMkLst>
-            <pc:docMk/>
-            <pc:sldMk cId="666013269" sldId="317"/>
-            <ac:spMk id="6" creationId="{71EAAA95-2968-49CF-9F7A-DA5108F31C57}"/>
-          </ac:spMkLst>
-        </pc:spChg>
-        <pc:spChg chg="mod">
-          <ac:chgData name="Mariusz" userId="ca8d45ae-21cb-4030-bbab-1d3a5fb8cc81" providerId="ADAL" clId="{9175EAAB-6DAF-40B5-B3E8-C7AAB6B2C322}" dt="2020-06-02T17:16:29.470" v="2542"/>
-          <ac:spMkLst>
-            <pc:docMk/>
-            <pc:sldMk cId="666013269" sldId="317"/>
-            <ac:spMk id="7" creationId="{6ECAAC2D-F579-42E5-802A-7E3D625F8A18}"/>
-          </ac:spMkLst>
-        </pc:spChg>
-        <pc:spChg chg="add del mod">
-          <ac:chgData name="Mariusz" userId="ca8d45ae-21cb-4030-bbab-1d3a5fb8cc81" providerId="ADAL" clId="{9175EAAB-6DAF-40B5-B3E8-C7AAB6B2C322}" dt="2020-06-02T17:16:29.470" v="2542"/>
-          <ac:spMkLst>
-            <pc:docMk/>
-            <pc:sldMk cId="666013269" sldId="317"/>
-            <ac:spMk id="8" creationId="{5C4D3D63-001B-4D2E-BF57-8DCA8A0B2B48}"/>
-          </ac:spMkLst>
-        </pc:spChg>
-        <pc:spChg chg="add del mod">
-          <ac:chgData name="Mariusz" userId="ca8d45ae-21cb-4030-bbab-1d3a5fb8cc81" providerId="ADAL" clId="{9175EAAB-6DAF-40B5-B3E8-C7AAB6B2C322}" dt="2020-06-02T17:16:29.470" v="2542"/>
-          <ac:spMkLst>
-            <pc:docMk/>
-            <pc:sldMk cId="666013269" sldId="317"/>
-            <ac:spMk id="9" creationId="{439DD7E1-CED5-4104-84D0-EF77DD5E503C}"/>
-          </ac:spMkLst>
-        </pc:spChg>
-      </pc:sldChg>
-      <pc:sldChg chg="modSp add mod ord modNotesTx">
-        <pc:chgData name="Mariusz" userId="ca8d45ae-21cb-4030-bbab-1d3a5fb8cc81" providerId="ADAL" clId="{9175EAAB-6DAF-40B5-B3E8-C7AAB6B2C322}" dt="2020-06-03T12:11:43.435" v="3242" actId="790"/>
-        <pc:sldMkLst>
-          <pc:docMk/>
-          <pc:sldMk cId="3905528468" sldId="318"/>
-        </pc:sldMkLst>
-        <pc:spChg chg="mod">
-          <ac:chgData name="Mariusz" userId="ca8d45ae-21cb-4030-bbab-1d3a5fb8cc81" providerId="ADAL" clId="{9175EAAB-6DAF-40B5-B3E8-C7AAB6B2C322}" dt="2020-06-03T10:01:20.836" v="2734" actId="790"/>
-          <ac:spMkLst>
-            <pc:docMk/>
-            <pc:sldMk cId="3905528468" sldId="318"/>
-            <ac:spMk id="4" creationId="{00000000-0000-0000-0000-000000000000}"/>
-          </ac:spMkLst>
-        </pc:spChg>
-        <pc:spChg chg="mod">
-          <ac:chgData name="Mariusz" userId="ca8d45ae-21cb-4030-bbab-1d3a5fb8cc81" providerId="ADAL" clId="{9175EAAB-6DAF-40B5-B3E8-C7AAB6B2C322}" dt="2020-05-31T15:23:08.757" v="57"/>
-          <ac:spMkLst>
-            <pc:docMk/>
-            <pc:sldMk cId="3905528468" sldId="318"/>
-            <ac:spMk id="9" creationId="{6B2FB70F-70CB-42B8-A40E-27A9D72D1A33}"/>
-          </ac:spMkLst>
-        </pc:spChg>
-        <pc:spChg chg="mod">
-          <ac:chgData name="Mariusz" userId="ca8d45ae-21cb-4030-bbab-1d3a5fb8cc81" providerId="ADAL" clId="{9175EAAB-6DAF-40B5-B3E8-C7AAB6B2C322}" dt="2020-05-31T15:23:08.757" v="57"/>
-          <ac:spMkLst>
-            <pc:docMk/>
-            <pc:sldMk cId="3905528468" sldId="318"/>
-            <ac:spMk id="10" creationId="{4A7298C9-6E3D-42B9-B578-FA22904767A0}"/>
-          </ac:spMkLst>
-        </pc:spChg>
-        <pc:picChg chg="mod">
-          <ac:chgData name="Mariusz" userId="ca8d45ae-21cb-4030-bbab-1d3a5fb8cc81" providerId="ADAL" clId="{9175EAAB-6DAF-40B5-B3E8-C7AAB6B2C322}" dt="2020-05-31T19:40:07.239" v="155" actId="408"/>
-          <ac:picMkLst>
-            <pc:docMk/>
-            <pc:sldMk cId="3905528468" sldId="318"/>
-            <ac:picMk id="8" creationId="{3A4398AE-6CEA-48B1-91D7-9660EED015CB}"/>
-          </ac:picMkLst>
-        </pc:picChg>
-      </pc:sldChg>
-      <pc:sldChg chg="modSp add ord modNotesTx">
-        <pc:chgData name="Mariusz" userId="ca8d45ae-21cb-4030-bbab-1d3a5fb8cc81" providerId="ADAL" clId="{9175EAAB-6DAF-40B5-B3E8-C7AAB6B2C322}" dt="2020-06-03T12:14:00.449" v="3280" actId="20577"/>
-        <pc:sldMkLst>
-          <pc:docMk/>
-          <pc:sldMk cId="357662792" sldId="319"/>
-        </pc:sldMkLst>
-        <pc:spChg chg="mod">
-          <ac:chgData name="Mariusz" userId="ca8d45ae-21cb-4030-bbab-1d3a5fb8cc81" providerId="ADAL" clId="{9175EAAB-6DAF-40B5-B3E8-C7AAB6B2C322}" dt="2020-05-31T15:23:08.757" v="57"/>
-          <ac:spMkLst>
-            <pc:docMk/>
-            <pc:sldMk cId="357662792" sldId="319"/>
-            <ac:spMk id="2" creationId="{D0E43337-D8D6-4D1B-8B2C-757A12075907}"/>
-          </ac:spMkLst>
-        </pc:spChg>
-        <pc:spChg chg="mod">
-          <ac:chgData name="Mariusz" userId="ca8d45ae-21cb-4030-bbab-1d3a5fb8cc81" providerId="ADAL" clId="{9175EAAB-6DAF-40B5-B3E8-C7AAB6B2C322}" dt="2020-05-31T15:23:08.757" v="57"/>
-          <ac:spMkLst>
-            <pc:docMk/>
-            <pc:sldMk cId="357662792" sldId="319"/>
-            <ac:spMk id="4" creationId="{00000000-0000-0000-0000-000000000000}"/>
-          </ac:spMkLst>
-        </pc:spChg>
-        <pc:spChg chg="mod">
-          <ac:chgData name="Mariusz" userId="ca8d45ae-21cb-4030-bbab-1d3a5fb8cc81" providerId="ADAL" clId="{9175EAAB-6DAF-40B5-B3E8-C7AAB6B2C322}" dt="2020-05-31T15:23:08.757" v="57"/>
-          <ac:spMkLst>
-            <pc:docMk/>
-            <pc:sldMk cId="357662792" sldId="319"/>
-            <ac:spMk id="8" creationId="{CA0858EB-3648-4169-9D98-DB5A55898F0E}"/>
-          </ac:spMkLst>
-        </pc:spChg>
-        <pc:spChg chg="mod">
-          <ac:chgData name="Mariusz" userId="ca8d45ae-21cb-4030-bbab-1d3a5fb8cc81" providerId="ADAL" clId="{9175EAAB-6DAF-40B5-B3E8-C7AAB6B2C322}" dt="2020-05-31T15:23:08.757" v="57"/>
-          <ac:spMkLst>
-            <pc:docMk/>
-            <pc:sldMk cId="357662792" sldId="319"/>
-            <ac:spMk id="9" creationId="{2905106B-367E-4A20-88E8-C6FCAD98A2E6}"/>
-          </ac:spMkLst>
-        </pc:spChg>
-        <pc:picChg chg="mod">
-          <ac:chgData name="Mariusz" userId="ca8d45ae-21cb-4030-bbab-1d3a5fb8cc81" providerId="ADAL" clId="{9175EAAB-6DAF-40B5-B3E8-C7AAB6B2C322}" dt="2020-05-31T15:23:08.757" v="57"/>
-          <ac:picMkLst>
-            <pc:docMk/>
-            <pc:sldMk cId="357662792" sldId="319"/>
-            <ac:picMk id="7" creationId="{684A7B18-0AE1-4E8D-A304-FBA1EB6CFFD4}"/>
-          </ac:picMkLst>
-        </pc:picChg>
-      </pc:sldChg>
-      <pc:sldChg chg="modSp add mod ord modShow modNotesTx">
-        <pc:chgData name="Mariusz" userId="ca8d45ae-21cb-4030-bbab-1d3a5fb8cc81" providerId="ADAL" clId="{9175EAAB-6DAF-40B5-B3E8-C7AAB6B2C322}" dt="2020-06-03T11:15:25.269" v="3190" actId="729"/>
-        <pc:sldMkLst>
-          <pc:docMk/>
-          <pc:sldMk cId="4170337313" sldId="320"/>
-        </pc:sldMkLst>
-        <pc:spChg chg="mod">
-          <ac:chgData name="Mariusz" userId="ca8d45ae-21cb-4030-bbab-1d3a5fb8cc81" providerId="ADAL" clId="{9175EAAB-6DAF-40B5-B3E8-C7AAB6B2C322}" dt="2020-06-01T10:00:02.353" v="489" actId="20577"/>
-          <ac:spMkLst>
-            <pc:docMk/>
-            <pc:sldMk cId="4170337313" sldId="320"/>
-            <ac:spMk id="4" creationId="{00000000-0000-0000-0000-000000000000}"/>
-          </ac:spMkLst>
-        </pc:spChg>
-        <pc:spChg chg="mod">
-          <ac:chgData name="Mariusz" userId="ca8d45ae-21cb-4030-bbab-1d3a5fb8cc81" providerId="ADAL" clId="{9175EAAB-6DAF-40B5-B3E8-C7AAB6B2C322}" dt="2020-05-31T19:42:18.936" v="157" actId="14100"/>
-          <ac:spMkLst>
-            <pc:docMk/>
-            <pc:sldMk cId="4170337313" sldId="320"/>
-            <ac:spMk id="5" creationId="{437D94F1-936F-4E4F-97DA-AC074A137A2D}"/>
-          </ac:spMkLst>
-        </pc:spChg>
-        <pc:spChg chg="mod">
-          <ac:chgData name="Mariusz" userId="ca8d45ae-21cb-4030-bbab-1d3a5fb8cc81" providerId="ADAL" clId="{9175EAAB-6DAF-40B5-B3E8-C7AAB6B2C322}" dt="2020-05-31T15:23:08.757" v="57"/>
-          <ac:spMkLst>
-            <pc:docMk/>
-            <pc:sldMk cId="4170337313" sldId="320"/>
-            <ac:spMk id="8" creationId="{C3368749-8AB2-4F27-BC6C-91CBE6BF8D07}"/>
-          </ac:spMkLst>
-        </pc:spChg>
-        <pc:spChg chg="mod">
-          <ac:chgData name="Mariusz" userId="ca8d45ae-21cb-4030-bbab-1d3a5fb8cc81" providerId="ADAL" clId="{9175EAAB-6DAF-40B5-B3E8-C7AAB6B2C322}" dt="2020-05-31T15:23:08.757" v="57"/>
-          <ac:spMkLst>
-            <pc:docMk/>
-            <pc:sldMk cId="4170337313" sldId="320"/>
-            <ac:spMk id="9" creationId="{447972AE-6D33-4AA2-A145-A75254D501E4}"/>
-          </ac:spMkLst>
-        </pc:spChg>
-        <pc:picChg chg="mod">
-          <ac:chgData name="Mariusz" userId="ca8d45ae-21cb-4030-bbab-1d3a5fb8cc81" providerId="ADAL" clId="{9175EAAB-6DAF-40B5-B3E8-C7AAB6B2C322}" dt="2020-05-31T15:23:08.757" v="57"/>
-          <ac:picMkLst>
-            <pc:docMk/>
-            <pc:sldMk cId="4170337313" sldId="320"/>
-            <ac:picMk id="7" creationId="{113B8BE7-A83F-4987-83BB-B02E26D5FDDF}"/>
-          </ac:picMkLst>
-        </pc:picChg>
-      </pc:sldChg>
-      <pc:sldChg chg="modSp add mod ord modShow modNotesTx">
-        <pc:chgData name="Mariusz" userId="ca8d45ae-21cb-4030-bbab-1d3a5fb8cc81" providerId="ADAL" clId="{9175EAAB-6DAF-40B5-B3E8-C7AAB6B2C322}" dt="2020-06-03T11:15:33.573" v="3191" actId="729"/>
-        <pc:sldMkLst>
-          <pc:docMk/>
-          <pc:sldMk cId="1546983490" sldId="321"/>
-        </pc:sldMkLst>
-        <pc:spChg chg="mod">
-          <ac:chgData name="Mariusz" userId="ca8d45ae-21cb-4030-bbab-1d3a5fb8cc81" providerId="ADAL" clId="{9175EAAB-6DAF-40B5-B3E8-C7AAB6B2C322}" dt="2020-05-31T15:23:08.757" v="57"/>
-          <ac:spMkLst>
-            <pc:docMk/>
-            <pc:sldMk cId="1546983490" sldId="321"/>
-            <ac:spMk id="2" creationId="{53603BEE-04E2-430F-9F1E-E623AA3BDF08}"/>
-          </ac:spMkLst>
-        </pc:spChg>
-        <pc:spChg chg="mod">
-          <ac:chgData name="Mariusz" userId="ca8d45ae-21cb-4030-bbab-1d3a5fb8cc81" providerId="ADAL" clId="{9175EAAB-6DAF-40B5-B3E8-C7AAB6B2C322}" dt="2020-06-01T10:01:55.396" v="493" actId="6549"/>
-          <ac:spMkLst>
-            <pc:docMk/>
-            <pc:sldMk cId="1546983490" sldId="321"/>
-            <ac:spMk id="4" creationId="{00000000-0000-0000-0000-000000000000}"/>
-          </ac:spMkLst>
-        </pc:spChg>
-        <pc:spChg chg="mod">
-          <ac:chgData name="Mariusz" userId="ca8d45ae-21cb-4030-bbab-1d3a5fb8cc81" providerId="ADAL" clId="{9175EAAB-6DAF-40B5-B3E8-C7AAB6B2C322}" dt="2020-05-31T15:23:08.757" v="57"/>
-          <ac:spMkLst>
-            <pc:docMk/>
-            <pc:sldMk cId="1546983490" sldId="321"/>
-            <ac:spMk id="9" creationId="{2EF8F413-FB19-4F70-8ECA-BC73498C1F31}"/>
-          </ac:spMkLst>
-        </pc:spChg>
-        <pc:spChg chg="mod">
-          <ac:chgData name="Mariusz" userId="ca8d45ae-21cb-4030-bbab-1d3a5fb8cc81" providerId="ADAL" clId="{9175EAAB-6DAF-40B5-B3E8-C7AAB6B2C322}" dt="2020-05-31T15:23:08.757" v="57"/>
-          <ac:spMkLst>
-            <pc:docMk/>
-            <pc:sldMk cId="1546983490" sldId="321"/>
-            <ac:spMk id="10" creationId="{CF25D3F5-93F6-40C0-8E9A-05328DF53D43}"/>
-          </ac:spMkLst>
-        </pc:spChg>
-        <pc:picChg chg="mod">
-          <ac:chgData name="Mariusz" userId="ca8d45ae-21cb-4030-bbab-1d3a5fb8cc81" providerId="ADAL" clId="{9175EAAB-6DAF-40B5-B3E8-C7AAB6B2C322}" dt="2020-05-31T15:23:08.757" v="57"/>
-          <ac:picMkLst>
-            <pc:docMk/>
-            <pc:sldMk cId="1546983490" sldId="321"/>
-            <ac:picMk id="7" creationId="{B9E9A182-58F4-4D0F-AFC6-B3FB060A8737}"/>
-          </ac:picMkLst>
-        </pc:picChg>
-      </pc:sldChg>
-      <pc:sldChg chg="modSp add mod ord modShow modNotes modNotesTx">
-        <pc:chgData name="Mariusz" userId="ca8d45ae-21cb-4030-bbab-1d3a5fb8cc81" providerId="ADAL" clId="{9175EAAB-6DAF-40B5-B3E8-C7AAB6B2C322}" dt="2020-06-03T11:15:43.034" v="3192" actId="729"/>
-        <pc:sldMkLst>
-          <pc:docMk/>
-          <pc:sldMk cId="1990941839" sldId="322"/>
-        </pc:sldMkLst>
-        <pc:spChg chg="mod">
-          <ac:chgData name="Mariusz" userId="ca8d45ae-21cb-4030-bbab-1d3a5fb8cc81" providerId="ADAL" clId="{9175EAAB-6DAF-40B5-B3E8-C7AAB6B2C322}" dt="2020-05-31T15:23:08.757" v="57"/>
-          <ac:spMkLst>
-            <pc:docMk/>
-            <pc:sldMk cId="1990941839" sldId="322"/>
-            <ac:spMk id="2" creationId="{CE7B1CEA-57AD-4566-A15F-842C4C2EA11E}"/>
-          </ac:spMkLst>
-        </pc:spChg>
-        <pc:spChg chg="mod">
-          <ac:chgData name="Mariusz" userId="ca8d45ae-21cb-4030-bbab-1d3a5fb8cc81" providerId="ADAL" clId="{9175EAAB-6DAF-40B5-B3E8-C7AAB6B2C322}" dt="2020-06-01T10:07:15.409" v="504" actId="20577"/>
-          <ac:spMkLst>
-            <pc:docMk/>
-            <pc:sldMk cId="1990941839" sldId="322"/>
-            <ac:spMk id="4" creationId="{00000000-0000-0000-0000-000000000000}"/>
-          </ac:spMkLst>
-        </pc:spChg>
-        <pc:spChg chg="mod">
-          <ac:chgData name="Mariusz" userId="ca8d45ae-21cb-4030-bbab-1d3a5fb8cc81" providerId="ADAL" clId="{9175EAAB-6DAF-40B5-B3E8-C7AAB6B2C322}" dt="2020-05-31T15:23:08.757" v="57"/>
-          <ac:spMkLst>
-            <pc:docMk/>
-            <pc:sldMk cId="1990941839" sldId="322"/>
-            <ac:spMk id="8" creationId="{B49E8638-4D4A-4993-A3DC-BBABCE505452}"/>
-          </ac:spMkLst>
-        </pc:spChg>
-        <pc:spChg chg="mod">
-          <ac:chgData name="Mariusz" userId="ca8d45ae-21cb-4030-bbab-1d3a5fb8cc81" providerId="ADAL" clId="{9175EAAB-6DAF-40B5-B3E8-C7AAB6B2C322}" dt="2020-05-31T15:23:08.757" v="57"/>
-          <ac:spMkLst>
-            <pc:docMk/>
-            <pc:sldMk cId="1990941839" sldId="322"/>
-            <ac:spMk id="9" creationId="{BA40B7DA-EB25-49DF-A738-6F1100B213B5}"/>
-          </ac:spMkLst>
-        </pc:spChg>
-        <pc:picChg chg="mod">
-          <ac:chgData name="Mariusz" userId="ca8d45ae-21cb-4030-bbab-1d3a5fb8cc81" providerId="ADAL" clId="{9175EAAB-6DAF-40B5-B3E8-C7AAB6B2C322}" dt="2020-05-31T15:23:08.757" v="57"/>
-          <ac:picMkLst>
-            <pc:docMk/>
-            <pc:sldMk cId="1990941839" sldId="322"/>
-            <ac:picMk id="7" creationId="{F328B8C2-D0C6-4607-A753-A1F5F856AE41}"/>
-          </ac:picMkLst>
-        </pc:picChg>
-      </pc:sldChg>
-      <pc:sldChg chg="addSp delSp modSp add del mod ord modShow">
-        <pc:chgData name="Mariusz" userId="ca8d45ae-21cb-4030-bbab-1d3a5fb8cc81" providerId="ADAL" clId="{9175EAAB-6DAF-40B5-B3E8-C7AAB6B2C322}" dt="2020-06-03T10:17:19.921" v="2849" actId="2696"/>
-        <pc:sldMkLst>
-          <pc:docMk/>
-          <pc:sldMk cId="3819008433" sldId="323"/>
-        </pc:sldMkLst>
-        <pc:spChg chg="add del mod">
-          <ac:chgData name="Mariusz" userId="ca8d45ae-21cb-4030-bbab-1d3a5fb8cc81" providerId="ADAL" clId="{9175EAAB-6DAF-40B5-B3E8-C7AAB6B2C322}" dt="2020-06-01T10:08:34.814" v="506"/>
-          <ac:spMkLst>
-            <pc:docMk/>
-            <pc:sldMk cId="3819008433" sldId="323"/>
-            <ac:spMk id="2" creationId="{0C48E53F-1940-41D4-B4D9-D787883715AA}"/>
-          </ac:spMkLst>
-        </pc:spChg>
-        <pc:spChg chg="mod">
-          <ac:chgData name="Mariusz" userId="ca8d45ae-21cb-4030-bbab-1d3a5fb8cc81" providerId="ADAL" clId="{9175EAAB-6DAF-40B5-B3E8-C7AAB6B2C322}" dt="2020-06-01T10:08:34.814" v="506"/>
-          <ac:spMkLst>
-            <pc:docMk/>
-            <pc:sldMk cId="3819008433" sldId="323"/>
-            <ac:spMk id="3" creationId="{EDE7F14D-CBF1-4842-B3A5-A7AC36CDAAD9}"/>
-          </ac:spMkLst>
-        </pc:spChg>
-        <pc:spChg chg="mod">
-          <ac:chgData name="Mariusz" userId="ca8d45ae-21cb-4030-bbab-1d3a5fb8cc81" providerId="ADAL" clId="{9175EAAB-6DAF-40B5-B3E8-C7AAB6B2C322}" dt="2020-06-01T10:08:53.314" v="514" actId="6549"/>
-          <ac:spMkLst>
-            <pc:docMk/>
-            <pc:sldMk cId="3819008433" sldId="323"/>
-            <ac:spMk id="4" creationId="{00000000-0000-0000-0000-000000000000}"/>
-          </ac:spMkLst>
-        </pc:spChg>
-        <pc:spChg chg="mod">
-          <ac:chgData name="Mariusz" userId="ca8d45ae-21cb-4030-bbab-1d3a5fb8cc81" providerId="ADAL" clId="{9175EAAB-6DAF-40B5-B3E8-C7AAB6B2C322}" dt="2020-06-01T10:08:34.814" v="506"/>
-          <ac:spMkLst>
-            <pc:docMk/>
-            <pc:sldMk cId="3819008433" sldId="323"/>
-            <ac:spMk id="5" creationId="{6B7B4DCE-0949-4A0D-B5BE-40BE13596E9F}"/>
-          </ac:spMkLst>
-        </pc:spChg>
-        <pc:spChg chg="add del mod">
-          <ac:chgData name="Mariusz" userId="ca8d45ae-21cb-4030-bbab-1d3a5fb8cc81" providerId="ADAL" clId="{9175EAAB-6DAF-40B5-B3E8-C7AAB6B2C322}" dt="2020-06-01T10:08:34.814" v="506"/>
-          <ac:spMkLst>
-            <pc:docMk/>
-            <pc:sldMk cId="3819008433" sldId="323"/>
-            <ac:spMk id="6" creationId="{6E173182-4CE2-45CB-8DA5-47A101C286C4}"/>
-          </ac:spMkLst>
-        </pc:spChg>
-        <pc:spChg chg="add del mod">
-          <ac:chgData name="Mariusz" userId="ca8d45ae-21cb-4030-bbab-1d3a5fb8cc81" providerId="ADAL" clId="{9175EAAB-6DAF-40B5-B3E8-C7AAB6B2C322}" dt="2020-06-01T10:08:34.814" v="506"/>
-          <ac:spMkLst>
-            <pc:docMk/>
-            <pc:sldMk cId="3819008433" sldId="323"/>
-            <ac:spMk id="8" creationId="{0FF3DC24-AA2B-48D1-B67C-58E41B16C853}"/>
-          </ac:spMkLst>
-        </pc:spChg>
-        <pc:picChg chg="mod">
-          <ac:chgData name="Mariusz" userId="ca8d45ae-21cb-4030-bbab-1d3a5fb8cc81" providerId="ADAL" clId="{9175EAAB-6DAF-40B5-B3E8-C7AAB6B2C322}" dt="2020-05-31T19:42:49.600" v="160" actId="14100"/>
-          <ac:picMkLst>
-            <pc:docMk/>
-            <pc:sldMk cId="3819008433" sldId="323"/>
-            <ac:picMk id="7" creationId="{00000000-0000-0000-0000-000000000000}"/>
-          </ac:picMkLst>
-        </pc:picChg>
-      </pc:sldChg>
-      <pc:sldChg chg="modSp add del mod ord modShow">
-        <pc:chgData name="Mariusz" userId="ca8d45ae-21cb-4030-bbab-1d3a5fb8cc81" providerId="ADAL" clId="{9175EAAB-6DAF-40B5-B3E8-C7AAB6B2C322}" dt="2020-06-03T10:17:34.151" v="2850" actId="2696"/>
-        <pc:sldMkLst>
-          <pc:docMk/>
-          <pc:sldMk cId="3576861336" sldId="324"/>
-        </pc:sldMkLst>
-        <pc:spChg chg="mod">
-          <ac:chgData name="Mariusz" userId="ca8d45ae-21cb-4030-bbab-1d3a5fb8cc81" providerId="ADAL" clId="{9175EAAB-6DAF-40B5-B3E8-C7AAB6B2C322}" dt="2020-05-31T15:23:08.757" v="57"/>
-          <ac:spMkLst>
-            <pc:docMk/>
-            <pc:sldMk cId="3576861336" sldId="324"/>
-            <ac:spMk id="2" creationId="{D781E209-46FD-44B5-A460-8ED62C69985E}"/>
-          </ac:spMkLst>
-        </pc:spChg>
-        <pc:spChg chg="mod">
-          <ac:chgData name="Mariusz" userId="ca8d45ae-21cb-4030-bbab-1d3a5fb8cc81" providerId="ADAL" clId="{9175EAAB-6DAF-40B5-B3E8-C7AAB6B2C322}" dt="2020-05-31T15:23:08.757" v="57"/>
-          <ac:spMkLst>
-            <pc:docMk/>
-            <pc:sldMk cId="3576861336" sldId="324"/>
-            <ac:spMk id="4" creationId="{00000000-0000-0000-0000-000000000000}"/>
-          </ac:spMkLst>
-        </pc:spChg>
-        <pc:spChg chg="mod">
-          <ac:chgData name="Mariusz" userId="ca8d45ae-21cb-4030-bbab-1d3a5fb8cc81" providerId="ADAL" clId="{9175EAAB-6DAF-40B5-B3E8-C7AAB6B2C322}" dt="2020-05-31T15:23:08.757" v="57"/>
-          <ac:spMkLst>
-            <pc:docMk/>
-            <pc:sldMk cId="3576861336" sldId="324"/>
-            <ac:spMk id="8" creationId="{D72BA359-7638-435D-9C47-494B4682F4E3}"/>
-          </ac:spMkLst>
-        </pc:spChg>
-        <pc:spChg chg="mod">
-          <ac:chgData name="Mariusz" userId="ca8d45ae-21cb-4030-bbab-1d3a5fb8cc81" providerId="ADAL" clId="{9175EAAB-6DAF-40B5-B3E8-C7AAB6B2C322}" dt="2020-05-31T15:23:08.757" v="57"/>
-          <ac:spMkLst>
-            <pc:docMk/>
-            <pc:sldMk cId="3576861336" sldId="324"/>
-            <ac:spMk id="9" creationId="{FCF555B4-D1B9-4B0C-AC7B-1BF62D7CC9B7}"/>
-          </ac:spMkLst>
-        </pc:spChg>
-        <pc:picChg chg="mod">
-          <ac:chgData name="Mariusz" userId="ca8d45ae-21cb-4030-bbab-1d3a5fb8cc81" providerId="ADAL" clId="{9175EAAB-6DAF-40B5-B3E8-C7AAB6B2C322}" dt="2020-05-31T15:23:08.757" v="57"/>
-          <ac:picMkLst>
-            <pc:docMk/>
-            <pc:sldMk cId="3576861336" sldId="324"/>
-            <ac:picMk id="7" creationId="{B07CB025-56D5-46F9-BB02-AC9EF98A995A}"/>
-          </ac:picMkLst>
-        </pc:picChg>
-      </pc:sldChg>
-      <pc:sldChg chg="addSp modSp add modNotes modNotesTx">
-        <pc:chgData name="Mariusz" userId="ca8d45ae-21cb-4030-bbab-1d3a5fb8cc81" providerId="ADAL" clId="{9175EAAB-6DAF-40B5-B3E8-C7AAB6B2C322}" dt="2020-06-03T11:45:56.416" v="3228" actId="6549"/>
-        <pc:sldMkLst>
-          <pc:docMk/>
-          <pc:sldMk cId="321100187" sldId="325"/>
-        </pc:sldMkLst>
-        <pc:spChg chg="mod">
-          <ac:chgData name="Mariusz" userId="ca8d45ae-21cb-4030-bbab-1d3a5fb8cc81" providerId="ADAL" clId="{9175EAAB-6DAF-40B5-B3E8-C7AAB6B2C322}" dt="2020-05-31T15:23:08.757" v="57"/>
-          <ac:spMkLst>
-            <pc:docMk/>
-            <pc:sldMk cId="321100187" sldId="325"/>
-            <ac:spMk id="2" creationId="{2267B48C-3541-4FCD-BF2A-47193A6BB3C8}"/>
-          </ac:spMkLst>
-        </pc:spChg>
-        <pc:spChg chg="mod">
-          <ac:chgData name="Mariusz" userId="ca8d45ae-21cb-4030-bbab-1d3a5fb8cc81" providerId="ADAL" clId="{9175EAAB-6DAF-40B5-B3E8-C7AAB6B2C322}" dt="2020-05-31T15:23:08.757" v="57"/>
-          <ac:spMkLst>
-            <pc:docMk/>
-            <pc:sldMk cId="321100187" sldId="325"/>
-            <ac:spMk id="7" creationId="{8A06BDFD-9482-4A1C-B739-3F1359021C19}"/>
-          </ac:spMkLst>
-        </pc:spChg>
-        <pc:spChg chg="mod">
-          <ac:chgData name="Mariusz" userId="ca8d45ae-21cb-4030-bbab-1d3a5fb8cc81" providerId="ADAL" clId="{9175EAAB-6DAF-40B5-B3E8-C7AAB6B2C322}" dt="2020-05-31T15:23:08.757" v="57"/>
-          <ac:spMkLst>
-            <pc:docMk/>
-            <pc:sldMk cId="321100187" sldId="325"/>
-            <ac:spMk id="8" creationId="{E1F88EB7-DDDB-46DB-BB78-CFB3C11794DE}"/>
-          </ac:spMkLst>
-        </pc:spChg>
-        <pc:spChg chg="add mod">
-          <ac:chgData name="Mariusz" userId="ca8d45ae-21cb-4030-bbab-1d3a5fb8cc81" providerId="ADAL" clId="{9175EAAB-6DAF-40B5-B3E8-C7AAB6B2C322}" dt="2020-05-31T19:34:16.257" v="126" actId="1076"/>
-          <ac:spMkLst>
-            <pc:docMk/>
-            <pc:sldMk cId="321100187" sldId="325"/>
-            <ac:spMk id="9" creationId="{592C1C69-D7DB-4050-83A4-D07176F89064}"/>
-          </ac:spMkLst>
-        </pc:spChg>
-        <pc:picChg chg="mod">
-          <ac:chgData name="Mariusz" userId="ca8d45ae-21cb-4030-bbab-1d3a5fb8cc81" providerId="ADAL" clId="{9175EAAB-6DAF-40B5-B3E8-C7AAB6B2C322}" dt="2020-05-31T19:34:07.960" v="124" actId="14100"/>
-          <ac:picMkLst>
-            <pc:docMk/>
-            <pc:sldMk cId="321100187" sldId="325"/>
-            <ac:picMk id="6" creationId="{4FFE1B58-4F2A-4BBD-B951-A4BB01497AB7}"/>
-          </ac:picMkLst>
-        </pc:picChg>
-      </pc:sldChg>
-      <pc:sldChg chg="addSp delSp modSp add del ord">
-        <pc:chgData name="Mariusz" userId="ca8d45ae-21cb-4030-bbab-1d3a5fb8cc81" providerId="ADAL" clId="{9175EAAB-6DAF-40B5-B3E8-C7AAB6B2C322}" dt="2020-05-31T19:32:03.421" v="110" actId="47"/>
-        <pc:sldMkLst>
-          <pc:docMk/>
-          <pc:sldMk cId="1134254781" sldId="326"/>
-        </pc:sldMkLst>
-        <pc:spChg chg="mod">
-          <ac:chgData name="Mariusz" userId="ca8d45ae-21cb-4030-bbab-1d3a5fb8cc81" providerId="ADAL" clId="{9175EAAB-6DAF-40B5-B3E8-C7AAB6B2C322}" dt="2020-05-31T15:31:05.788" v="98"/>
-          <ac:spMkLst>
-            <pc:docMk/>
-            <pc:sldMk cId="1134254781" sldId="326"/>
-            <ac:spMk id="2" creationId="{2267B48C-3541-4FCD-BF2A-47193A6BB3C8}"/>
-          </ac:spMkLst>
-        </pc:spChg>
-        <pc:spChg chg="add del mod">
-          <ac:chgData name="Mariusz" userId="ca8d45ae-21cb-4030-bbab-1d3a5fb8cc81" providerId="ADAL" clId="{9175EAAB-6DAF-40B5-B3E8-C7AAB6B2C322}" dt="2020-05-31T15:19:01.032" v="37"/>
-          <ac:spMkLst>
-            <pc:docMk/>
-            <pc:sldMk cId="1134254781" sldId="326"/>
-            <ac:spMk id="3" creationId="{B5E1651E-56D7-4CC5-A94A-FABB1F65660C}"/>
-          </ac:spMkLst>
-        </pc:spChg>
-        <pc:spChg chg="add del mod">
-          <ac:chgData name="Mariusz" userId="ca8d45ae-21cb-4030-bbab-1d3a5fb8cc81" providerId="ADAL" clId="{9175EAAB-6DAF-40B5-B3E8-C7AAB6B2C322}" dt="2020-05-31T15:19:01.032" v="37"/>
-          <ac:spMkLst>
-            <pc:docMk/>
-            <pc:sldMk cId="1134254781" sldId="326"/>
-            <ac:spMk id="4" creationId="{D81E65AC-B1BC-4840-8953-5F40FC766A40}"/>
-          </ac:spMkLst>
-        </pc:spChg>
-        <pc:spChg chg="add del mod">
-          <ac:chgData name="Mariusz" userId="ca8d45ae-21cb-4030-bbab-1d3a5fb8cc81" providerId="ADAL" clId="{9175EAAB-6DAF-40B5-B3E8-C7AAB6B2C322}" dt="2020-05-31T15:19:01.032" v="37"/>
-          <ac:spMkLst>
-            <pc:docMk/>
-            <pc:sldMk cId="1134254781" sldId="326"/>
-            <ac:spMk id="5" creationId="{13A1B4D2-90A6-4501-A1C8-8A8A213A1608}"/>
-          </ac:spMkLst>
-        </pc:spChg>
-        <pc:spChg chg="mod">
-          <ac:chgData name="Mariusz" userId="ca8d45ae-21cb-4030-bbab-1d3a5fb8cc81" providerId="ADAL" clId="{9175EAAB-6DAF-40B5-B3E8-C7AAB6B2C322}" dt="2020-05-31T15:23:08.757" v="57"/>
-          <ac:spMkLst>
-            <pc:docMk/>
-            <pc:sldMk cId="1134254781" sldId="326"/>
-            <ac:spMk id="7" creationId="{8A06BDFD-9482-4A1C-B739-3F1359021C19}"/>
-          </ac:spMkLst>
-        </pc:spChg>
-        <pc:spChg chg="mod">
-          <ac:chgData name="Mariusz" userId="ca8d45ae-21cb-4030-bbab-1d3a5fb8cc81" providerId="ADAL" clId="{9175EAAB-6DAF-40B5-B3E8-C7AAB6B2C322}" dt="2020-05-31T15:23:08.757" v="57"/>
-          <ac:spMkLst>
-            <pc:docMk/>
-            <pc:sldMk cId="1134254781" sldId="326"/>
-            <ac:spMk id="8" creationId="{E1F88EB7-DDDB-46DB-BB78-CFB3C11794DE}"/>
-          </ac:spMkLst>
-        </pc:spChg>
-        <pc:spChg chg="add mod">
-          <ac:chgData name="Mariusz" userId="ca8d45ae-21cb-4030-bbab-1d3a5fb8cc81" providerId="ADAL" clId="{9175EAAB-6DAF-40B5-B3E8-C7AAB6B2C322}" dt="2020-05-31T15:23:08.757" v="57"/>
-          <ac:spMkLst>
-            <pc:docMk/>
-            <pc:sldMk cId="1134254781" sldId="326"/>
-            <ac:spMk id="9" creationId="{C93E0E69-A8E0-4B1C-861A-354078B0B48A}"/>
-          </ac:spMkLst>
-        </pc:spChg>
-        <pc:spChg chg="add del mod">
-          <ac:chgData name="Mariusz" userId="ca8d45ae-21cb-4030-bbab-1d3a5fb8cc81" providerId="ADAL" clId="{9175EAAB-6DAF-40B5-B3E8-C7AAB6B2C322}" dt="2020-05-31T15:20:45.966" v="47"/>
-          <ac:spMkLst>
-            <pc:docMk/>
-            <pc:sldMk cId="1134254781" sldId="326"/>
-            <ac:spMk id="10" creationId="{85E1FB93-A0C6-42D9-BBD5-95D92CBED38F}"/>
-          </ac:spMkLst>
-        </pc:spChg>
-        <pc:spChg chg="add del mod">
-          <ac:chgData name="Mariusz" userId="ca8d45ae-21cb-4030-bbab-1d3a5fb8cc81" providerId="ADAL" clId="{9175EAAB-6DAF-40B5-B3E8-C7AAB6B2C322}" dt="2020-05-31T15:20:45.966" v="47"/>
-          <ac:spMkLst>
-            <pc:docMk/>
-            <pc:sldMk cId="1134254781" sldId="326"/>
-            <ac:spMk id="11" creationId="{8454FF69-4A8A-4A5D-AD3C-D3F27C456B96}"/>
-          </ac:spMkLst>
-        </pc:spChg>
-        <pc:spChg chg="add del mod">
-          <ac:chgData name="Mariusz" userId="ca8d45ae-21cb-4030-bbab-1d3a5fb8cc81" providerId="ADAL" clId="{9175EAAB-6DAF-40B5-B3E8-C7AAB6B2C322}" dt="2020-05-31T15:20:45.966" v="47"/>
-          <ac:spMkLst>
-            <pc:docMk/>
-            <pc:sldMk cId="1134254781" sldId="326"/>
-            <ac:spMk id="12" creationId="{D2B70139-AE6C-415B-B746-D9072C95F032}"/>
-          </ac:spMkLst>
-        </pc:spChg>
-        <pc:spChg chg="add del mod">
-          <ac:chgData name="Mariusz" userId="ca8d45ae-21cb-4030-bbab-1d3a5fb8cc81" providerId="ADAL" clId="{9175EAAB-6DAF-40B5-B3E8-C7AAB6B2C322}" dt="2020-05-31T15:20:51.223" v="48"/>
-          <ac:spMkLst>
-            <pc:docMk/>
-            <pc:sldMk cId="1134254781" sldId="326"/>
-            <ac:spMk id="13" creationId="{F1FA278D-B7C5-475A-B025-00CF0CE42A8E}"/>
-          </ac:spMkLst>
-        </pc:spChg>
-        <pc:spChg chg="add del mod">
-          <ac:chgData name="Mariusz" userId="ca8d45ae-21cb-4030-bbab-1d3a5fb8cc81" providerId="ADAL" clId="{9175EAAB-6DAF-40B5-B3E8-C7AAB6B2C322}" dt="2020-05-31T15:20:51.223" v="48"/>
-          <ac:spMkLst>
-            <pc:docMk/>
-            <pc:sldMk cId="1134254781" sldId="326"/>
-            <ac:spMk id="14" creationId="{CB7B2295-0893-49CA-A45A-331AF69520AC}"/>
-          </ac:spMkLst>
-        </pc:spChg>
-        <pc:spChg chg="add del mod">
-          <ac:chgData name="Mariusz" userId="ca8d45ae-21cb-4030-bbab-1d3a5fb8cc81" providerId="ADAL" clId="{9175EAAB-6DAF-40B5-B3E8-C7AAB6B2C322}" dt="2020-05-31T15:20:51.223" v="48"/>
-          <ac:spMkLst>
-            <pc:docMk/>
-            <pc:sldMk cId="1134254781" sldId="326"/>
-            <ac:spMk id="15" creationId="{F5753559-99E6-4676-AC4E-F7A10342E83E}"/>
-          </ac:spMkLst>
-        </pc:spChg>
-        <pc:picChg chg="mod">
-          <ac:chgData name="Mariusz" userId="ca8d45ae-21cb-4030-bbab-1d3a5fb8cc81" providerId="ADAL" clId="{9175EAAB-6DAF-40B5-B3E8-C7AAB6B2C322}" dt="2020-05-31T15:23:08.757" v="57"/>
-          <ac:picMkLst>
-            <pc:docMk/>
-            <pc:sldMk cId="1134254781" sldId="326"/>
-            <ac:picMk id="6" creationId="{4FFE1B58-4F2A-4BBD-B951-A4BB01497AB7}"/>
-          </ac:picMkLst>
-        </pc:picChg>
-      </pc:sldChg>
-      <pc:sldChg chg="addSp delSp modSp add del">
-        <pc:chgData name="Mariusz" userId="ca8d45ae-21cb-4030-bbab-1d3a5fb8cc81" providerId="ADAL" clId="{9175EAAB-6DAF-40B5-B3E8-C7AAB6B2C322}" dt="2020-05-31T19:35:16.352" v="134" actId="2696"/>
-        <pc:sldMkLst>
-          <pc:docMk/>
-          <pc:sldMk cId="3890341454" sldId="327"/>
-        </pc:sldMkLst>
-        <pc:spChg chg="del">
-          <ac:chgData name="Mariusz" userId="ca8d45ae-21cb-4030-bbab-1d3a5fb8cc81" providerId="ADAL" clId="{9175EAAB-6DAF-40B5-B3E8-C7AAB6B2C322}" dt="2020-05-31T15:31:52.358" v="101" actId="478"/>
-          <ac:spMkLst>
-            <pc:docMk/>
-            <pc:sldMk cId="3890341454" sldId="327"/>
-            <ac:spMk id="9" creationId="{C93E0E69-A8E0-4B1C-861A-354078B0B48A}"/>
-          </ac:spMkLst>
-        </pc:spChg>
-        <pc:spChg chg="add del mod">
-          <ac:chgData name="Mariusz" userId="ca8d45ae-21cb-4030-bbab-1d3a5fb8cc81" providerId="ADAL" clId="{9175EAAB-6DAF-40B5-B3E8-C7AAB6B2C322}" dt="2020-05-31T19:34:58.058" v="130" actId="21"/>
-          <ac:spMkLst>
-            <pc:docMk/>
-            <pc:sldMk cId="3890341454" sldId="327"/>
-            <ac:spMk id="10" creationId="{9D2BEA76-2CDC-45D5-8A7E-8F71C5E99AF6}"/>
-          </ac:spMkLst>
-        </pc:spChg>
-        <pc:picChg chg="mod">
-          <ac:chgData name="Mariusz" userId="ca8d45ae-21cb-4030-bbab-1d3a5fb8cc81" providerId="ADAL" clId="{9175EAAB-6DAF-40B5-B3E8-C7AAB6B2C322}" dt="2020-05-31T19:33:21.048" v="116" actId="14100"/>
-          <ac:picMkLst>
-            <pc:docMk/>
-            <pc:sldMk cId="3890341454" sldId="327"/>
-            <ac:picMk id="6" creationId="{4FFE1B58-4F2A-4BBD-B951-A4BB01497AB7}"/>
-          </ac:picMkLst>
-        </pc:picChg>
-      </pc:sldChg>
-      <pc:sldChg chg="addSp delSp modSp add del">
-        <pc:chgData name="Mariusz" userId="ca8d45ae-21cb-4030-bbab-1d3a5fb8cc81" providerId="ADAL" clId="{9175EAAB-6DAF-40B5-B3E8-C7AAB6B2C322}" dt="2020-06-02T16:16:34.089" v="2091" actId="2696"/>
-        <pc:sldMkLst>
-          <pc:docMk/>
-          <pc:sldMk cId="3377491489" sldId="328"/>
-        </pc:sldMkLst>
-        <pc:spChg chg="del">
-          <ac:chgData name="Mariusz" userId="ca8d45ae-21cb-4030-bbab-1d3a5fb8cc81" providerId="ADAL" clId="{9175EAAB-6DAF-40B5-B3E8-C7AAB6B2C322}" dt="2020-05-31T19:35:00.656" v="131" actId="478"/>
-          <ac:spMkLst>
-            <pc:docMk/>
-            <pc:sldMk cId="3377491489" sldId="328"/>
-            <ac:spMk id="3" creationId="{53C31F9F-67D0-448F-B7F0-536930F71665}"/>
-          </ac:spMkLst>
-        </pc:spChg>
-        <pc:spChg chg="add mod">
-          <ac:chgData name="Mariusz" userId="ca8d45ae-21cb-4030-bbab-1d3a5fb8cc81" providerId="ADAL" clId="{9175EAAB-6DAF-40B5-B3E8-C7AAB6B2C322}" dt="2020-05-31T19:35:05.192" v="133" actId="1076"/>
-          <ac:spMkLst>
-            <pc:docMk/>
-            <pc:sldMk cId="3377491489" sldId="328"/>
-            <ac:spMk id="9" creationId="{32564F46-B989-4B0E-9E9D-8A967BAE75D6}"/>
-          </ac:spMkLst>
-        </pc:spChg>
-      </pc:sldChg>
-      <pc:sldChg chg="modSp new mod modNotesTx">
-        <pc:chgData name="Mariusz" userId="ca8d45ae-21cb-4030-bbab-1d3a5fb8cc81" providerId="ADAL" clId="{9175EAAB-6DAF-40B5-B3E8-C7AAB6B2C322}" dt="2020-06-03T15:45:26.117" v="3311" actId="20577"/>
-        <pc:sldMkLst>
-          <pc:docMk/>
-          <pc:sldMk cId="3207814463" sldId="329"/>
-        </pc:sldMkLst>
-        <pc:spChg chg="mod">
-          <ac:chgData name="Mariusz" userId="ca8d45ae-21cb-4030-bbab-1d3a5fb8cc81" providerId="ADAL" clId="{9175EAAB-6DAF-40B5-B3E8-C7AAB6B2C322}" dt="2020-06-03T10:21:44.595" v="3121" actId="790"/>
-          <ac:spMkLst>
-            <pc:docMk/>
-            <pc:sldMk cId="3207814463" sldId="329"/>
-            <ac:spMk id="2" creationId="{8F6D46E2-0287-475E-933F-CB203B9920EE}"/>
-          </ac:spMkLst>
-        </pc:spChg>
-        <pc:spChg chg="mod">
-          <ac:chgData name="Mariusz" userId="ca8d45ae-21cb-4030-bbab-1d3a5fb8cc81" providerId="ADAL" clId="{9175EAAB-6DAF-40B5-B3E8-C7AAB6B2C322}" dt="2020-06-03T10:48:28.314" v="3185" actId="20577"/>
-          <ac:spMkLst>
-            <pc:docMk/>
-            <pc:sldMk cId="3207814463" sldId="329"/>
-            <ac:spMk id="3" creationId="{5D69F4E3-C011-4593-AB68-535F1F1362CF}"/>
-          </ac:spMkLst>
-        </pc:spChg>
-      </pc:sldChg>
-      <pc:sldChg chg="modSp new mod modNotesTx">
-        <pc:chgData name="Mariusz" userId="ca8d45ae-21cb-4030-bbab-1d3a5fb8cc81" providerId="ADAL" clId="{9175EAAB-6DAF-40B5-B3E8-C7AAB6B2C322}" dt="2020-06-03T08:12:51.663" v="2601" actId="790"/>
-        <pc:sldMkLst>
-          <pc:docMk/>
-          <pc:sldMk cId="4142186493" sldId="330"/>
-        </pc:sldMkLst>
-        <pc:spChg chg="mod">
-          <ac:chgData name="Mariusz" userId="ca8d45ae-21cb-4030-bbab-1d3a5fb8cc81" providerId="ADAL" clId="{9175EAAB-6DAF-40B5-B3E8-C7AAB6B2C322}" dt="2020-06-01T10:58:47.535" v="806" actId="20577"/>
-          <ac:spMkLst>
-            <pc:docMk/>
-            <pc:sldMk cId="4142186493" sldId="330"/>
-            <ac:spMk id="2" creationId="{E329F2BE-320F-4919-AAC2-22EFA6F64D28}"/>
-          </ac:spMkLst>
-        </pc:spChg>
-        <pc:spChg chg="mod">
-          <ac:chgData name="Mariusz" userId="ca8d45ae-21cb-4030-bbab-1d3a5fb8cc81" providerId="ADAL" clId="{9175EAAB-6DAF-40B5-B3E8-C7AAB6B2C322}" dt="2020-06-03T08:12:51.663" v="2601" actId="790"/>
-          <ac:spMkLst>
-            <pc:docMk/>
-            <pc:sldMk cId="4142186493" sldId="330"/>
-            <ac:spMk id="3" creationId="{071AA146-CCD8-4A20-A57B-2343D76AC0A6}"/>
-          </ac:spMkLst>
-        </pc:spChg>
-      </pc:sldChg>
-      <pc:sldChg chg="add ord modNotes modNotesTx">
-        <pc:chgData name="Mariusz" userId="ca8d45ae-21cb-4030-bbab-1d3a5fb8cc81" providerId="ADAL" clId="{9175EAAB-6DAF-40B5-B3E8-C7AAB6B2C322}" dt="2020-06-03T11:47:17.114" v="3229" actId="6549"/>
-        <pc:sldMkLst>
-          <pc:docMk/>
-          <pc:sldMk cId="2570193537" sldId="331"/>
-        </pc:sldMkLst>
-      </pc:sldChg>
-      <pc:sldMasterChg chg="modSp mod modSldLayout">
-        <pc:chgData name="Mariusz" userId="ca8d45ae-21cb-4030-bbab-1d3a5fb8cc81" providerId="ADAL" clId="{9175EAAB-6DAF-40B5-B3E8-C7AAB6B2C322}" dt="2020-05-31T15:23:08.757" v="57"/>
-        <pc:sldMasterMkLst>
-          <pc:docMk/>
-          <pc:sldMasterMk cId="2448127605" sldId="2147483696"/>
-        </pc:sldMasterMkLst>
-        <pc:spChg chg="mod">
-          <ac:chgData name="Mariusz" userId="ca8d45ae-21cb-4030-bbab-1d3a5fb8cc81" providerId="ADAL" clId="{9175EAAB-6DAF-40B5-B3E8-C7AAB6B2C322}" dt="2020-05-31T15:23:08.757" v="57"/>
-          <ac:spMkLst>
-            <pc:docMk/>
-            <pc:sldMasterMk cId="2448127605" sldId="2147483696"/>
-            <ac:spMk id="2" creationId="{00000000-0000-0000-0000-000000000000}"/>
-          </ac:spMkLst>
-        </pc:spChg>
-        <pc:spChg chg="mod">
-          <ac:chgData name="Mariusz" userId="ca8d45ae-21cb-4030-bbab-1d3a5fb8cc81" providerId="ADAL" clId="{9175EAAB-6DAF-40B5-B3E8-C7AAB6B2C322}" dt="2020-05-31T15:23:08.757" v="57"/>
-          <ac:spMkLst>
-            <pc:docMk/>
-            <pc:sldMasterMk cId="2448127605" sldId="2147483696"/>
-            <ac:spMk id="3" creationId="{00000000-0000-0000-0000-000000000000}"/>
-          </ac:spMkLst>
-        </pc:spChg>
-        <pc:spChg chg="mod">
-          <ac:chgData name="Mariusz" userId="ca8d45ae-21cb-4030-bbab-1d3a5fb8cc81" providerId="ADAL" clId="{9175EAAB-6DAF-40B5-B3E8-C7AAB6B2C322}" dt="2020-05-31T15:23:08.757" v="57"/>
-          <ac:spMkLst>
-            <pc:docMk/>
-            <pc:sldMasterMk cId="2448127605" sldId="2147483696"/>
-            <ac:spMk id="4" creationId="{00000000-0000-0000-0000-000000000000}"/>
-          </ac:spMkLst>
-        </pc:spChg>
-        <pc:spChg chg="mod">
-          <ac:chgData name="Mariusz" userId="ca8d45ae-21cb-4030-bbab-1d3a5fb8cc81" providerId="ADAL" clId="{9175EAAB-6DAF-40B5-B3E8-C7AAB6B2C322}" dt="2020-05-31T15:23:08.757" v="57"/>
-          <ac:spMkLst>
-            <pc:docMk/>
-            <pc:sldMasterMk cId="2448127605" sldId="2147483696"/>
-            <ac:spMk id="5" creationId="{00000000-0000-0000-0000-000000000000}"/>
-          </ac:spMkLst>
-        </pc:spChg>
-        <pc:sldLayoutChg chg="modSp">
-          <pc:chgData name="Mariusz" userId="ca8d45ae-21cb-4030-bbab-1d3a5fb8cc81" providerId="ADAL" clId="{9175EAAB-6DAF-40B5-B3E8-C7AAB6B2C322}" dt="2020-05-31T15:23:08.757" v="57"/>
-          <pc:sldLayoutMkLst>
-            <pc:docMk/>
-            <pc:sldMasterMk cId="2448127605" sldId="2147483696"/>
-            <pc:sldLayoutMk cId="1409572161" sldId="2147483697"/>
-          </pc:sldLayoutMkLst>
-          <pc:spChg chg="mod">
-            <ac:chgData name="Mariusz" userId="ca8d45ae-21cb-4030-bbab-1d3a5fb8cc81" providerId="ADAL" clId="{9175EAAB-6DAF-40B5-B3E8-C7AAB6B2C322}" dt="2020-05-31T15:23:08.757" v="57"/>
-            <ac:spMkLst>
-              <pc:docMk/>
-              <pc:sldMasterMk cId="2448127605" sldId="2147483696"/>
-              <pc:sldLayoutMk cId="1409572161" sldId="2147483697"/>
-              <ac:spMk id="2" creationId="{00000000-0000-0000-0000-000000000000}"/>
-            </ac:spMkLst>
-          </pc:spChg>
-          <pc:spChg chg="mod">
-            <ac:chgData name="Mariusz" userId="ca8d45ae-21cb-4030-bbab-1d3a5fb8cc81" providerId="ADAL" clId="{9175EAAB-6DAF-40B5-B3E8-C7AAB6B2C322}" dt="2020-05-31T15:23:08.757" v="57"/>
-            <ac:spMkLst>
-              <pc:docMk/>
-              <pc:sldMasterMk cId="2448127605" sldId="2147483696"/>
-              <pc:sldLayoutMk cId="1409572161" sldId="2147483697"/>
-              <ac:spMk id="3" creationId="{00000000-0000-0000-0000-000000000000}"/>
-            </ac:spMkLst>
-          </pc:spChg>
-          <pc:spChg chg="mod">
-            <ac:chgData name="Mariusz" userId="ca8d45ae-21cb-4030-bbab-1d3a5fb8cc81" providerId="ADAL" clId="{9175EAAB-6DAF-40B5-B3E8-C7AAB6B2C322}" dt="2020-05-31T15:23:08.757" v="57"/>
-            <ac:spMkLst>
-              <pc:docMk/>
-              <pc:sldMasterMk cId="2448127605" sldId="2147483696"/>
-              <pc:sldLayoutMk cId="1409572161" sldId="2147483697"/>
-              <ac:spMk id="6" creationId="{00000000-0000-0000-0000-000000000000}"/>
-            </ac:spMkLst>
-          </pc:spChg>
-        </pc:sldLayoutChg>
-        <pc:sldLayoutChg chg="modSp">
-          <pc:chgData name="Mariusz" userId="ca8d45ae-21cb-4030-bbab-1d3a5fb8cc81" providerId="ADAL" clId="{9175EAAB-6DAF-40B5-B3E8-C7AAB6B2C322}" dt="2020-05-31T15:23:08.757" v="57"/>
-          <pc:sldLayoutMkLst>
-            <pc:docMk/>
-            <pc:sldMasterMk cId="2448127605" sldId="2147483696"/>
-            <pc:sldLayoutMk cId="4139040905" sldId="2147483698"/>
-          </pc:sldLayoutMkLst>
-          <pc:spChg chg="mod">
-            <ac:chgData name="Mariusz" userId="ca8d45ae-21cb-4030-bbab-1d3a5fb8cc81" providerId="ADAL" clId="{9175EAAB-6DAF-40B5-B3E8-C7AAB6B2C322}" dt="2020-05-31T15:23:08.757" v="57"/>
-            <ac:spMkLst>
-              <pc:docMk/>
-              <pc:sldMasterMk cId="2448127605" sldId="2147483696"/>
-              <pc:sldLayoutMk cId="4139040905" sldId="2147483698"/>
-              <ac:spMk id="6" creationId="{00000000-0000-0000-0000-000000000000}"/>
-            </ac:spMkLst>
-          </pc:spChg>
-        </pc:sldLayoutChg>
-        <pc:sldLayoutChg chg="modSp">
-          <pc:chgData name="Mariusz" userId="ca8d45ae-21cb-4030-bbab-1d3a5fb8cc81" providerId="ADAL" clId="{9175EAAB-6DAF-40B5-B3E8-C7AAB6B2C322}" dt="2020-05-31T15:23:08.757" v="57"/>
-          <pc:sldLayoutMkLst>
-            <pc:docMk/>
-            <pc:sldMasterMk cId="2448127605" sldId="2147483696"/>
-            <pc:sldLayoutMk cId="1898833272" sldId="2147483699"/>
-          </pc:sldLayoutMkLst>
-          <pc:spChg chg="mod">
-            <ac:chgData name="Mariusz" userId="ca8d45ae-21cb-4030-bbab-1d3a5fb8cc81" providerId="ADAL" clId="{9175EAAB-6DAF-40B5-B3E8-C7AAB6B2C322}" dt="2020-05-31T15:23:08.757" v="57"/>
-            <ac:spMkLst>
-              <pc:docMk/>
-              <pc:sldMasterMk cId="2448127605" sldId="2147483696"/>
-              <pc:sldLayoutMk cId="1898833272" sldId="2147483699"/>
-              <ac:spMk id="2" creationId="{00000000-0000-0000-0000-000000000000}"/>
-            </ac:spMkLst>
-          </pc:spChg>
-          <pc:spChg chg="mod">
-            <ac:chgData name="Mariusz" userId="ca8d45ae-21cb-4030-bbab-1d3a5fb8cc81" providerId="ADAL" clId="{9175EAAB-6DAF-40B5-B3E8-C7AAB6B2C322}" dt="2020-05-31T15:23:08.757" v="57"/>
-            <ac:spMkLst>
-              <pc:docMk/>
-              <pc:sldMasterMk cId="2448127605" sldId="2147483696"/>
-              <pc:sldLayoutMk cId="1898833272" sldId="2147483699"/>
-              <ac:spMk id="3" creationId="{00000000-0000-0000-0000-000000000000}"/>
-            </ac:spMkLst>
-          </pc:spChg>
-          <pc:spChg chg="mod">
-            <ac:chgData name="Mariusz" userId="ca8d45ae-21cb-4030-bbab-1d3a5fb8cc81" providerId="ADAL" clId="{9175EAAB-6DAF-40B5-B3E8-C7AAB6B2C322}" dt="2020-05-31T15:23:08.757" v="57"/>
-            <ac:spMkLst>
-              <pc:docMk/>
-              <pc:sldMasterMk cId="2448127605" sldId="2147483696"/>
-              <pc:sldLayoutMk cId="1898833272" sldId="2147483699"/>
-              <ac:spMk id="6" creationId="{00000000-0000-0000-0000-000000000000}"/>
-            </ac:spMkLst>
-          </pc:spChg>
-        </pc:sldLayoutChg>
-        <pc:sldLayoutChg chg="modSp">
-          <pc:chgData name="Mariusz" userId="ca8d45ae-21cb-4030-bbab-1d3a5fb8cc81" providerId="ADAL" clId="{9175EAAB-6DAF-40B5-B3E8-C7AAB6B2C322}" dt="2020-05-31T15:23:08.757" v="57"/>
-          <pc:sldLayoutMkLst>
-            <pc:docMk/>
-            <pc:sldMasterMk cId="2448127605" sldId="2147483696"/>
-            <pc:sldLayoutMk cId="2298140439" sldId="2147483700"/>
-          </pc:sldLayoutMkLst>
-          <pc:spChg chg="mod">
-            <ac:chgData name="Mariusz" userId="ca8d45ae-21cb-4030-bbab-1d3a5fb8cc81" providerId="ADAL" clId="{9175EAAB-6DAF-40B5-B3E8-C7AAB6B2C322}" dt="2020-05-31T15:23:08.757" v="57"/>
-            <ac:spMkLst>
-              <pc:docMk/>
-              <pc:sldMasterMk cId="2448127605" sldId="2147483696"/>
-              <pc:sldLayoutMk cId="2298140439" sldId="2147483700"/>
-              <ac:spMk id="3" creationId="{00000000-0000-0000-0000-000000000000}"/>
-            </ac:spMkLst>
-          </pc:spChg>
-          <pc:spChg chg="mod">
-            <ac:chgData name="Mariusz" userId="ca8d45ae-21cb-4030-bbab-1d3a5fb8cc81" providerId="ADAL" clId="{9175EAAB-6DAF-40B5-B3E8-C7AAB6B2C322}" dt="2020-05-31T15:23:08.757" v="57"/>
-            <ac:spMkLst>
-              <pc:docMk/>
-              <pc:sldMasterMk cId="2448127605" sldId="2147483696"/>
-              <pc:sldLayoutMk cId="2298140439" sldId="2147483700"/>
-              <ac:spMk id="4" creationId="{00000000-0000-0000-0000-000000000000}"/>
-            </ac:spMkLst>
-          </pc:spChg>
-          <pc:spChg chg="mod">
-            <ac:chgData name="Mariusz" userId="ca8d45ae-21cb-4030-bbab-1d3a5fb8cc81" providerId="ADAL" clId="{9175EAAB-6DAF-40B5-B3E8-C7AAB6B2C322}" dt="2020-05-31T15:23:08.757" v="57"/>
-            <ac:spMkLst>
-              <pc:docMk/>
-              <pc:sldMasterMk cId="2448127605" sldId="2147483696"/>
-              <pc:sldLayoutMk cId="2298140439" sldId="2147483700"/>
-              <ac:spMk id="7" creationId="{00000000-0000-0000-0000-000000000000}"/>
-            </ac:spMkLst>
-          </pc:spChg>
-        </pc:sldLayoutChg>
-        <pc:sldLayoutChg chg="modSp">
-          <pc:chgData name="Mariusz" userId="ca8d45ae-21cb-4030-bbab-1d3a5fb8cc81" providerId="ADAL" clId="{9175EAAB-6DAF-40B5-B3E8-C7AAB6B2C322}" dt="2020-05-31T15:23:08.757" v="57"/>
-          <pc:sldLayoutMkLst>
-            <pc:docMk/>
-            <pc:sldMasterMk cId="2448127605" sldId="2147483696"/>
-            <pc:sldLayoutMk cId="3570227033" sldId="2147483701"/>
-          </pc:sldLayoutMkLst>
-          <pc:spChg chg="mod">
-            <ac:chgData name="Mariusz" userId="ca8d45ae-21cb-4030-bbab-1d3a5fb8cc81" providerId="ADAL" clId="{9175EAAB-6DAF-40B5-B3E8-C7AAB6B2C322}" dt="2020-05-31T15:23:08.757" v="57"/>
-            <ac:spMkLst>
-              <pc:docMk/>
-              <pc:sldMasterMk cId="2448127605" sldId="2147483696"/>
-              <pc:sldLayoutMk cId="3570227033" sldId="2147483701"/>
-              <ac:spMk id="2" creationId="{00000000-0000-0000-0000-000000000000}"/>
-            </ac:spMkLst>
-          </pc:spChg>
-          <pc:spChg chg="mod">
-            <ac:chgData name="Mariusz" userId="ca8d45ae-21cb-4030-bbab-1d3a5fb8cc81" providerId="ADAL" clId="{9175EAAB-6DAF-40B5-B3E8-C7AAB6B2C322}" dt="2020-05-31T15:23:08.757" v="57"/>
-            <ac:spMkLst>
-              <pc:docMk/>
-              <pc:sldMasterMk cId="2448127605" sldId="2147483696"/>
-              <pc:sldLayoutMk cId="3570227033" sldId="2147483701"/>
-              <ac:spMk id="3" creationId="{00000000-0000-0000-0000-000000000000}"/>
-            </ac:spMkLst>
-          </pc:spChg>
-          <pc:spChg chg="mod">
-            <ac:chgData name="Mariusz" userId="ca8d45ae-21cb-4030-bbab-1d3a5fb8cc81" providerId="ADAL" clId="{9175EAAB-6DAF-40B5-B3E8-C7AAB6B2C322}" dt="2020-05-31T15:23:08.757" v="57"/>
-            <ac:spMkLst>
-              <pc:docMk/>
-              <pc:sldMasterMk cId="2448127605" sldId="2147483696"/>
-              <pc:sldLayoutMk cId="3570227033" sldId="2147483701"/>
-              <ac:spMk id="4" creationId="{00000000-0000-0000-0000-000000000000}"/>
-            </ac:spMkLst>
-          </pc:spChg>
-          <pc:spChg chg="mod">
-            <ac:chgData name="Mariusz" userId="ca8d45ae-21cb-4030-bbab-1d3a5fb8cc81" providerId="ADAL" clId="{9175EAAB-6DAF-40B5-B3E8-C7AAB6B2C322}" dt="2020-05-31T15:23:08.757" v="57"/>
-            <ac:spMkLst>
-              <pc:docMk/>
-              <pc:sldMasterMk cId="2448127605" sldId="2147483696"/>
-              <pc:sldLayoutMk cId="3570227033" sldId="2147483701"/>
-              <ac:spMk id="5" creationId="{00000000-0000-0000-0000-000000000000}"/>
-            </ac:spMkLst>
-          </pc:spChg>
-          <pc:spChg chg="mod">
-            <ac:chgData name="Mariusz" userId="ca8d45ae-21cb-4030-bbab-1d3a5fb8cc81" providerId="ADAL" clId="{9175EAAB-6DAF-40B5-B3E8-C7AAB6B2C322}" dt="2020-05-31T15:23:08.757" v="57"/>
-            <ac:spMkLst>
-              <pc:docMk/>
-              <pc:sldMasterMk cId="2448127605" sldId="2147483696"/>
-              <pc:sldLayoutMk cId="3570227033" sldId="2147483701"/>
-              <ac:spMk id="6" creationId="{00000000-0000-0000-0000-000000000000}"/>
-            </ac:spMkLst>
-          </pc:spChg>
-          <pc:spChg chg="mod">
-            <ac:chgData name="Mariusz" userId="ca8d45ae-21cb-4030-bbab-1d3a5fb8cc81" providerId="ADAL" clId="{9175EAAB-6DAF-40B5-B3E8-C7AAB6B2C322}" dt="2020-05-31T15:23:08.757" v="57"/>
-            <ac:spMkLst>
-              <pc:docMk/>
-              <pc:sldMasterMk cId="2448127605" sldId="2147483696"/>
-              <pc:sldLayoutMk cId="3570227033" sldId="2147483701"/>
-              <ac:spMk id="9" creationId="{00000000-0000-0000-0000-000000000000}"/>
-            </ac:spMkLst>
-          </pc:spChg>
-        </pc:sldLayoutChg>
-        <pc:sldLayoutChg chg="modSp mod">
-          <pc:chgData name="Mariusz" userId="ca8d45ae-21cb-4030-bbab-1d3a5fb8cc81" providerId="ADAL" clId="{9175EAAB-6DAF-40B5-B3E8-C7AAB6B2C322}" dt="2020-05-31T15:23:08.757" v="57"/>
-          <pc:sldLayoutMkLst>
-            <pc:docMk/>
-            <pc:sldMasterMk cId="2448127605" sldId="2147483696"/>
-            <pc:sldLayoutMk cId="3085328859" sldId="2147483702"/>
-          </pc:sldLayoutMkLst>
-          <pc:spChg chg="mod">
-            <ac:chgData name="Mariusz" userId="ca8d45ae-21cb-4030-bbab-1d3a5fb8cc81" providerId="ADAL" clId="{9175EAAB-6DAF-40B5-B3E8-C7AAB6B2C322}" dt="2020-05-31T15:23:08.757" v="57"/>
-            <ac:spMkLst>
-              <pc:docMk/>
-              <pc:sldMasterMk cId="2448127605" sldId="2147483696"/>
-              <pc:sldLayoutMk cId="3085328859" sldId="2147483702"/>
-              <ac:spMk id="2" creationId="{00000000-0000-0000-0000-000000000000}"/>
-            </ac:spMkLst>
-          </pc:spChg>
-          <pc:spChg chg="mod">
-            <ac:chgData name="Mariusz" userId="ca8d45ae-21cb-4030-bbab-1d3a5fb8cc81" providerId="ADAL" clId="{9175EAAB-6DAF-40B5-B3E8-C7AAB6B2C322}" dt="2020-05-31T15:23:08.757" v="57"/>
-            <ac:spMkLst>
-              <pc:docMk/>
-              <pc:sldMasterMk cId="2448127605" sldId="2147483696"/>
-              <pc:sldLayoutMk cId="3085328859" sldId="2147483702"/>
-              <ac:spMk id="5" creationId="{00000000-0000-0000-0000-000000000000}"/>
-            </ac:spMkLst>
-          </pc:spChg>
-        </pc:sldLayoutChg>
-        <pc:sldLayoutChg chg="modSp">
-          <pc:chgData name="Mariusz" userId="ca8d45ae-21cb-4030-bbab-1d3a5fb8cc81" providerId="ADAL" clId="{9175EAAB-6DAF-40B5-B3E8-C7AAB6B2C322}" dt="2020-05-31T15:23:08.757" v="57"/>
-          <pc:sldLayoutMkLst>
-            <pc:docMk/>
-            <pc:sldMasterMk cId="2448127605" sldId="2147483696"/>
-            <pc:sldLayoutMk cId="919411330" sldId="2147483703"/>
-          </pc:sldLayoutMkLst>
-          <pc:spChg chg="mod">
-            <ac:chgData name="Mariusz" userId="ca8d45ae-21cb-4030-bbab-1d3a5fb8cc81" providerId="ADAL" clId="{9175EAAB-6DAF-40B5-B3E8-C7AAB6B2C322}" dt="2020-05-31T15:23:08.757" v="57"/>
-            <ac:spMkLst>
-              <pc:docMk/>
-              <pc:sldMasterMk cId="2448127605" sldId="2147483696"/>
-              <pc:sldLayoutMk cId="919411330" sldId="2147483703"/>
-              <ac:spMk id="4" creationId="{00000000-0000-0000-0000-000000000000}"/>
-            </ac:spMkLst>
-          </pc:spChg>
-        </pc:sldLayoutChg>
-        <pc:sldLayoutChg chg="modSp">
-          <pc:chgData name="Mariusz" userId="ca8d45ae-21cb-4030-bbab-1d3a5fb8cc81" providerId="ADAL" clId="{9175EAAB-6DAF-40B5-B3E8-C7AAB6B2C322}" dt="2020-05-31T15:23:08.757" v="57"/>
-          <pc:sldLayoutMkLst>
-            <pc:docMk/>
-            <pc:sldMasterMk cId="2448127605" sldId="2147483696"/>
-            <pc:sldLayoutMk cId="1415932203" sldId="2147483704"/>
-          </pc:sldLayoutMkLst>
-          <pc:spChg chg="mod">
-            <ac:chgData name="Mariusz" userId="ca8d45ae-21cb-4030-bbab-1d3a5fb8cc81" providerId="ADAL" clId="{9175EAAB-6DAF-40B5-B3E8-C7AAB6B2C322}" dt="2020-05-31T15:23:08.757" v="57"/>
-            <ac:spMkLst>
-              <pc:docMk/>
-              <pc:sldMasterMk cId="2448127605" sldId="2147483696"/>
-              <pc:sldLayoutMk cId="1415932203" sldId="2147483704"/>
-              <ac:spMk id="2" creationId="{00000000-0000-0000-0000-000000000000}"/>
-            </ac:spMkLst>
-          </pc:spChg>
-          <pc:spChg chg="mod">
-            <ac:chgData name="Mariusz" userId="ca8d45ae-21cb-4030-bbab-1d3a5fb8cc81" providerId="ADAL" clId="{9175EAAB-6DAF-40B5-B3E8-C7AAB6B2C322}" dt="2020-05-31T15:23:08.757" v="57"/>
-            <ac:spMkLst>
-              <pc:docMk/>
-              <pc:sldMasterMk cId="2448127605" sldId="2147483696"/>
-              <pc:sldLayoutMk cId="1415932203" sldId="2147483704"/>
-              <ac:spMk id="3" creationId="{00000000-0000-0000-0000-000000000000}"/>
-            </ac:spMkLst>
-          </pc:spChg>
-          <pc:spChg chg="mod">
-            <ac:chgData name="Mariusz" userId="ca8d45ae-21cb-4030-bbab-1d3a5fb8cc81" providerId="ADAL" clId="{9175EAAB-6DAF-40B5-B3E8-C7AAB6B2C322}" dt="2020-05-31T15:23:08.757" v="57"/>
-            <ac:spMkLst>
-              <pc:docMk/>
-              <pc:sldMasterMk cId="2448127605" sldId="2147483696"/>
-              <pc:sldLayoutMk cId="1415932203" sldId="2147483704"/>
-              <ac:spMk id="4" creationId="{00000000-0000-0000-0000-000000000000}"/>
-            </ac:spMkLst>
-          </pc:spChg>
-          <pc:spChg chg="mod">
-            <ac:chgData name="Mariusz" userId="ca8d45ae-21cb-4030-bbab-1d3a5fb8cc81" providerId="ADAL" clId="{9175EAAB-6DAF-40B5-B3E8-C7AAB6B2C322}" dt="2020-05-31T15:23:08.757" v="57"/>
-            <ac:spMkLst>
-              <pc:docMk/>
-              <pc:sldMasterMk cId="2448127605" sldId="2147483696"/>
-              <pc:sldLayoutMk cId="1415932203" sldId="2147483704"/>
-              <ac:spMk id="7" creationId="{00000000-0000-0000-0000-000000000000}"/>
-            </ac:spMkLst>
-          </pc:spChg>
-        </pc:sldLayoutChg>
-        <pc:sldLayoutChg chg="modSp">
-          <pc:chgData name="Mariusz" userId="ca8d45ae-21cb-4030-bbab-1d3a5fb8cc81" providerId="ADAL" clId="{9175EAAB-6DAF-40B5-B3E8-C7AAB6B2C322}" dt="2020-05-31T15:23:08.757" v="57"/>
-          <pc:sldLayoutMkLst>
-            <pc:docMk/>
-            <pc:sldMasterMk cId="2448127605" sldId="2147483696"/>
-            <pc:sldLayoutMk cId="4280010748" sldId="2147483705"/>
-          </pc:sldLayoutMkLst>
-          <pc:spChg chg="mod">
-            <ac:chgData name="Mariusz" userId="ca8d45ae-21cb-4030-bbab-1d3a5fb8cc81" providerId="ADAL" clId="{9175EAAB-6DAF-40B5-B3E8-C7AAB6B2C322}" dt="2020-05-31T15:23:08.757" v="57"/>
-            <ac:spMkLst>
-              <pc:docMk/>
-              <pc:sldMasterMk cId="2448127605" sldId="2147483696"/>
-              <pc:sldLayoutMk cId="4280010748" sldId="2147483705"/>
-              <ac:spMk id="2" creationId="{00000000-0000-0000-0000-000000000000}"/>
-            </ac:spMkLst>
-          </pc:spChg>
-          <pc:spChg chg="mod">
-            <ac:chgData name="Mariusz" userId="ca8d45ae-21cb-4030-bbab-1d3a5fb8cc81" providerId="ADAL" clId="{9175EAAB-6DAF-40B5-B3E8-C7AAB6B2C322}" dt="2020-05-31T15:23:08.757" v="57"/>
-            <ac:spMkLst>
-              <pc:docMk/>
-              <pc:sldMasterMk cId="2448127605" sldId="2147483696"/>
-              <pc:sldLayoutMk cId="4280010748" sldId="2147483705"/>
-              <ac:spMk id="3" creationId="{00000000-0000-0000-0000-000000000000}"/>
-            </ac:spMkLst>
-          </pc:spChg>
-          <pc:spChg chg="mod">
-            <ac:chgData name="Mariusz" userId="ca8d45ae-21cb-4030-bbab-1d3a5fb8cc81" providerId="ADAL" clId="{9175EAAB-6DAF-40B5-B3E8-C7AAB6B2C322}" dt="2020-05-31T15:23:08.757" v="57"/>
-            <ac:spMkLst>
-              <pc:docMk/>
-              <pc:sldMasterMk cId="2448127605" sldId="2147483696"/>
-              <pc:sldLayoutMk cId="4280010748" sldId="2147483705"/>
-              <ac:spMk id="4" creationId="{00000000-0000-0000-0000-000000000000}"/>
-            </ac:spMkLst>
-          </pc:spChg>
-          <pc:spChg chg="mod">
-            <ac:chgData name="Mariusz" userId="ca8d45ae-21cb-4030-bbab-1d3a5fb8cc81" providerId="ADAL" clId="{9175EAAB-6DAF-40B5-B3E8-C7AAB6B2C322}" dt="2020-05-31T15:23:08.757" v="57"/>
-            <ac:spMkLst>
-              <pc:docMk/>
-              <pc:sldMasterMk cId="2448127605" sldId="2147483696"/>
-              <pc:sldLayoutMk cId="4280010748" sldId="2147483705"/>
-              <ac:spMk id="7" creationId="{00000000-0000-0000-0000-000000000000}"/>
-            </ac:spMkLst>
-          </pc:spChg>
-        </pc:sldLayoutChg>
-        <pc:sldLayoutChg chg="modSp">
-          <pc:chgData name="Mariusz" userId="ca8d45ae-21cb-4030-bbab-1d3a5fb8cc81" providerId="ADAL" clId="{9175EAAB-6DAF-40B5-B3E8-C7AAB6B2C322}" dt="2020-05-31T15:23:08.757" v="57"/>
-          <pc:sldLayoutMkLst>
-            <pc:docMk/>
-            <pc:sldMasterMk cId="2448127605" sldId="2147483696"/>
-            <pc:sldLayoutMk cId="1683738821" sldId="2147483706"/>
-          </pc:sldLayoutMkLst>
-          <pc:spChg chg="mod">
-            <ac:chgData name="Mariusz" userId="ca8d45ae-21cb-4030-bbab-1d3a5fb8cc81" providerId="ADAL" clId="{9175EAAB-6DAF-40B5-B3E8-C7AAB6B2C322}" dt="2020-05-31T15:23:08.757" v="57"/>
-            <ac:spMkLst>
-              <pc:docMk/>
-              <pc:sldMasterMk cId="2448127605" sldId="2147483696"/>
-              <pc:sldLayoutMk cId="1683738821" sldId="2147483706"/>
-              <ac:spMk id="6" creationId="{00000000-0000-0000-0000-000000000000}"/>
-            </ac:spMkLst>
-          </pc:spChg>
-        </pc:sldLayoutChg>
-        <pc:sldLayoutChg chg="modSp">
-          <pc:chgData name="Mariusz" userId="ca8d45ae-21cb-4030-bbab-1d3a5fb8cc81" providerId="ADAL" clId="{9175EAAB-6DAF-40B5-B3E8-C7AAB6B2C322}" dt="2020-05-31T15:23:08.757" v="57"/>
-          <pc:sldLayoutMkLst>
-            <pc:docMk/>
-            <pc:sldMasterMk cId="2448127605" sldId="2147483696"/>
-            <pc:sldLayoutMk cId="645240836" sldId="2147483707"/>
-          </pc:sldLayoutMkLst>
-          <pc:spChg chg="mod">
-            <ac:chgData name="Mariusz" userId="ca8d45ae-21cb-4030-bbab-1d3a5fb8cc81" providerId="ADAL" clId="{9175EAAB-6DAF-40B5-B3E8-C7AAB6B2C322}" dt="2020-05-31T15:23:08.757" v="57"/>
-            <ac:spMkLst>
-              <pc:docMk/>
-              <pc:sldMasterMk cId="2448127605" sldId="2147483696"/>
-              <pc:sldLayoutMk cId="645240836" sldId="2147483707"/>
-              <ac:spMk id="2" creationId="{00000000-0000-0000-0000-000000000000}"/>
-            </ac:spMkLst>
-          </pc:spChg>
-          <pc:spChg chg="mod">
-            <ac:chgData name="Mariusz" userId="ca8d45ae-21cb-4030-bbab-1d3a5fb8cc81" providerId="ADAL" clId="{9175EAAB-6DAF-40B5-B3E8-C7AAB6B2C322}" dt="2020-05-31T15:23:08.757" v="57"/>
-            <ac:spMkLst>
-              <pc:docMk/>
-              <pc:sldMasterMk cId="2448127605" sldId="2147483696"/>
-              <pc:sldLayoutMk cId="645240836" sldId="2147483707"/>
-              <ac:spMk id="3" creationId="{00000000-0000-0000-0000-000000000000}"/>
-            </ac:spMkLst>
-          </pc:spChg>
-          <pc:spChg chg="mod">
-            <ac:chgData name="Mariusz" userId="ca8d45ae-21cb-4030-bbab-1d3a5fb8cc81" providerId="ADAL" clId="{9175EAAB-6DAF-40B5-B3E8-C7AAB6B2C322}" dt="2020-05-31T15:23:08.757" v="57"/>
-            <ac:spMkLst>
-              <pc:docMk/>
-              <pc:sldMasterMk cId="2448127605" sldId="2147483696"/>
-              <pc:sldLayoutMk cId="645240836" sldId="2147483707"/>
-              <ac:spMk id="6" creationId="{00000000-0000-0000-0000-000000000000}"/>
-            </ac:spMkLst>
-          </pc:spChg>
-        </pc:sldLayoutChg>
-      </pc:sldMasterChg>
-      <pc:sldMasterChg chg="modSp mod delSldLayout modSldLayout">
-        <pc:chgData name="Mariusz" userId="ca8d45ae-21cb-4030-bbab-1d3a5fb8cc81" providerId="ADAL" clId="{9175EAAB-6DAF-40B5-B3E8-C7AAB6B2C322}" dt="2020-05-31T15:29:24.638" v="97" actId="478"/>
-        <pc:sldMasterMkLst>
-          <pc:docMk/>
-          <pc:sldMasterMk cId="796021658" sldId="2147483708"/>
-        </pc:sldMasterMkLst>
-        <pc:spChg chg="mod">
-          <ac:chgData name="Mariusz" userId="ca8d45ae-21cb-4030-bbab-1d3a5fb8cc81" providerId="ADAL" clId="{9175EAAB-6DAF-40B5-B3E8-C7AAB6B2C322}" dt="2020-05-31T15:24:00.715" v="70" actId="14100"/>
-          <ac:spMkLst>
-            <pc:docMk/>
-            <pc:sldMasterMk cId="796021658" sldId="2147483708"/>
-            <ac:spMk id="2" creationId="{00000000-0000-0000-0000-000000000000}"/>
-          </ac:spMkLst>
-        </pc:spChg>
-        <pc:spChg chg="mod">
-          <ac:chgData name="Mariusz" userId="ca8d45ae-21cb-4030-bbab-1d3a5fb8cc81" providerId="ADAL" clId="{9175EAAB-6DAF-40B5-B3E8-C7AAB6B2C322}" dt="2020-05-31T15:25:13.576" v="78" actId="14100"/>
-          <ac:spMkLst>
-            <pc:docMk/>
-            <pc:sldMasterMk cId="796021658" sldId="2147483708"/>
-            <ac:spMk id="3" creationId="{00000000-0000-0000-0000-000000000000}"/>
-          </ac:spMkLst>
-        </pc:spChg>
-        <pc:spChg chg="mod">
-          <ac:chgData name="Mariusz" userId="ca8d45ae-21cb-4030-bbab-1d3a5fb8cc81" providerId="ADAL" clId="{9175EAAB-6DAF-40B5-B3E8-C7AAB6B2C322}" dt="2020-05-31T15:24:47.439" v="76" actId="1076"/>
-          <ac:spMkLst>
-            <pc:docMk/>
-            <pc:sldMasterMk cId="796021658" sldId="2147483708"/>
-            <ac:spMk id="4" creationId="{00000000-0000-0000-0000-000000000000}"/>
-          </ac:spMkLst>
-        </pc:spChg>
-        <pc:spChg chg="mod">
-          <ac:chgData name="Mariusz" userId="ca8d45ae-21cb-4030-bbab-1d3a5fb8cc81" providerId="ADAL" clId="{9175EAAB-6DAF-40B5-B3E8-C7AAB6B2C322}" dt="2020-05-31T15:25:01.160" v="77" actId="1076"/>
-          <ac:spMkLst>
-            <pc:docMk/>
-            <pc:sldMasterMk cId="796021658" sldId="2147483708"/>
-            <ac:spMk id="5" creationId="{00000000-0000-0000-0000-000000000000}"/>
-          </ac:spMkLst>
-        </pc:spChg>
-        <pc:sldLayoutChg chg="delSp modSp mod">
-          <pc:chgData name="Mariusz" userId="ca8d45ae-21cb-4030-bbab-1d3a5fb8cc81" providerId="ADAL" clId="{9175EAAB-6DAF-40B5-B3E8-C7AAB6B2C322}" dt="2020-05-31T15:29:24.638" v="97" actId="478"/>
-          <pc:sldLayoutMkLst>
-            <pc:docMk/>
-            <pc:sldMasterMk cId="796021658" sldId="2147483708"/>
-            <pc:sldLayoutMk cId="565703005" sldId="2147483709"/>
-          </pc:sldLayoutMkLst>
-          <pc:spChg chg="mod">
-            <ac:chgData name="Mariusz" userId="ca8d45ae-21cb-4030-bbab-1d3a5fb8cc81" providerId="ADAL" clId="{9175EAAB-6DAF-40B5-B3E8-C7AAB6B2C322}" dt="2020-05-31T15:25:36.462" v="79" actId="255"/>
-            <ac:spMkLst>
-              <pc:docMk/>
-              <pc:sldMasterMk cId="796021658" sldId="2147483708"/>
-              <pc:sldLayoutMk cId="565703005" sldId="2147483709"/>
-              <ac:spMk id="2" creationId="{00000000-0000-0000-0000-000000000000}"/>
-            </ac:spMkLst>
-          </pc:spChg>
-          <pc:spChg chg="del">
-            <ac:chgData name="Mariusz" userId="ca8d45ae-21cb-4030-bbab-1d3a5fb8cc81" providerId="ADAL" clId="{9175EAAB-6DAF-40B5-B3E8-C7AAB6B2C322}" dt="2020-05-31T15:29:24.638" v="97" actId="478"/>
-            <ac:spMkLst>
-              <pc:docMk/>
-              <pc:sldMasterMk cId="796021658" sldId="2147483708"/>
-              <pc:sldLayoutMk cId="565703005" sldId="2147483709"/>
-              <ac:spMk id="6" creationId="{00000000-0000-0000-0000-000000000000}"/>
-            </ac:spMkLst>
-          </pc:spChg>
-        </pc:sldLayoutChg>
-        <pc:sldLayoutChg chg="delSp mod">
-          <pc:chgData name="Mariusz" userId="ca8d45ae-21cb-4030-bbab-1d3a5fb8cc81" providerId="ADAL" clId="{9175EAAB-6DAF-40B5-B3E8-C7AAB6B2C322}" dt="2020-05-31T15:29:19.136" v="96" actId="478"/>
-          <pc:sldLayoutMkLst>
-            <pc:docMk/>
-            <pc:sldMasterMk cId="796021658" sldId="2147483708"/>
-            <pc:sldLayoutMk cId="3484735178" sldId="2147483710"/>
-          </pc:sldLayoutMkLst>
-          <pc:spChg chg="del">
-            <ac:chgData name="Mariusz" userId="ca8d45ae-21cb-4030-bbab-1d3a5fb8cc81" providerId="ADAL" clId="{9175EAAB-6DAF-40B5-B3E8-C7AAB6B2C322}" dt="2020-05-31T15:29:19.136" v="96" actId="478"/>
-            <ac:spMkLst>
-              <pc:docMk/>
-              <pc:sldMasterMk cId="796021658" sldId="2147483708"/>
-              <pc:sldLayoutMk cId="3484735178" sldId="2147483710"/>
-              <ac:spMk id="6" creationId="{00000000-0000-0000-0000-000000000000}"/>
-            </ac:spMkLst>
-          </pc:spChg>
-        </pc:sldLayoutChg>
-        <pc:sldLayoutChg chg="delSp mod">
-          <pc:chgData name="Mariusz" userId="ca8d45ae-21cb-4030-bbab-1d3a5fb8cc81" providerId="ADAL" clId="{9175EAAB-6DAF-40B5-B3E8-C7AAB6B2C322}" dt="2020-05-31T15:29:10.110" v="95" actId="478"/>
-          <pc:sldLayoutMkLst>
-            <pc:docMk/>
-            <pc:sldMasterMk cId="796021658" sldId="2147483708"/>
-            <pc:sldLayoutMk cId="885913336" sldId="2147483711"/>
-          </pc:sldLayoutMkLst>
-          <pc:spChg chg="del">
-            <ac:chgData name="Mariusz" userId="ca8d45ae-21cb-4030-bbab-1d3a5fb8cc81" providerId="ADAL" clId="{9175EAAB-6DAF-40B5-B3E8-C7AAB6B2C322}" dt="2020-05-31T15:29:10.110" v="95" actId="478"/>
-            <ac:spMkLst>
-              <pc:docMk/>
-              <pc:sldMasterMk cId="796021658" sldId="2147483708"/>
-              <pc:sldLayoutMk cId="885913336" sldId="2147483711"/>
-              <ac:spMk id="6" creationId="{00000000-0000-0000-0000-000000000000}"/>
-            </ac:spMkLst>
-          </pc:spChg>
-        </pc:sldLayoutChg>
-        <pc:sldLayoutChg chg="delSp modSp mod">
-          <pc:chgData name="Mariusz" userId="ca8d45ae-21cb-4030-bbab-1d3a5fb8cc81" providerId="ADAL" clId="{9175EAAB-6DAF-40B5-B3E8-C7AAB6B2C322}" dt="2020-05-31T15:29:03.334" v="94" actId="478"/>
-          <pc:sldLayoutMkLst>
-            <pc:docMk/>
-            <pc:sldMasterMk cId="796021658" sldId="2147483708"/>
-            <pc:sldLayoutMk cId="3752894643" sldId="2147483712"/>
-          </pc:sldLayoutMkLst>
-          <pc:spChg chg="mod">
-            <ac:chgData name="Mariusz" userId="ca8d45ae-21cb-4030-bbab-1d3a5fb8cc81" providerId="ADAL" clId="{9175EAAB-6DAF-40B5-B3E8-C7AAB6B2C322}" dt="2020-05-31T15:26:49.045" v="82" actId="14100"/>
-            <ac:spMkLst>
-              <pc:docMk/>
-              <pc:sldMasterMk cId="796021658" sldId="2147483708"/>
-              <pc:sldLayoutMk cId="3752894643" sldId="2147483712"/>
-              <ac:spMk id="3" creationId="{00000000-0000-0000-0000-000000000000}"/>
-            </ac:spMkLst>
-          </pc:spChg>
-          <pc:spChg chg="mod">
-            <ac:chgData name="Mariusz" userId="ca8d45ae-21cb-4030-bbab-1d3a5fb8cc81" providerId="ADAL" clId="{9175EAAB-6DAF-40B5-B3E8-C7AAB6B2C322}" dt="2020-05-31T15:26:56.582" v="84" actId="14100"/>
-            <ac:spMkLst>
-              <pc:docMk/>
-              <pc:sldMasterMk cId="796021658" sldId="2147483708"/>
-              <pc:sldLayoutMk cId="3752894643" sldId="2147483712"/>
-              <ac:spMk id="4" creationId="{00000000-0000-0000-0000-000000000000}"/>
-            </ac:spMkLst>
-          </pc:spChg>
-          <pc:spChg chg="del">
-            <ac:chgData name="Mariusz" userId="ca8d45ae-21cb-4030-bbab-1d3a5fb8cc81" providerId="ADAL" clId="{9175EAAB-6DAF-40B5-B3E8-C7AAB6B2C322}" dt="2020-05-31T15:29:03.334" v="94" actId="478"/>
-            <ac:spMkLst>
-              <pc:docMk/>
-              <pc:sldMasterMk cId="796021658" sldId="2147483708"/>
-              <pc:sldLayoutMk cId="3752894643" sldId="2147483712"/>
-              <ac:spMk id="7" creationId="{00000000-0000-0000-0000-000000000000}"/>
-            </ac:spMkLst>
-          </pc:spChg>
-        </pc:sldLayoutChg>
-        <pc:sldLayoutChg chg="del">
-          <pc:chgData name="Mariusz" userId="ca8d45ae-21cb-4030-bbab-1d3a5fb8cc81" providerId="ADAL" clId="{9175EAAB-6DAF-40B5-B3E8-C7AAB6B2C322}" dt="2020-05-31T15:27:25.214" v="85" actId="2696"/>
-          <pc:sldLayoutMkLst>
-            <pc:docMk/>
-            <pc:sldMasterMk cId="796021658" sldId="2147483708"/>
-            <pc:sldLayoutMk cId="3156673824" sldId="2147483713"/>
-          </pc:sldLayoutMkLst>
-        </pc:sldLayoutChg>
-        <pc:sldLayoutChg chg="delSp mod">
-          <pc:chgData name="Mariusz" userId="ca8d45ae-21cb-4030-bbab-1d3a5fb8cc81" providerId="ADAL" clId="{9175EAAB-6DAF-40B5-B3E8-C7AAB6B2C322}" dt="2020-05-31T15:28:57.055" v="93" actId="478"/>
-          <pc:sldLayoutMkLst>
-            <pc:docMk/>
-            <pc:sldMasterMk cId="796021658" sldId="2147483708"/>
-            <pc:sldLayoutMk cId="3377702315" sldId="2147483714"/>
-          </pc:sldLayoutMkLst>
-          <pc:spChg chg="del">
-            <ac:chgData name="Mariusz" userId="ca8d45ae-21cb-4030-bbab-1d3a5fb8cc81" providerId="ADAL" clId="{9175EAAB-6DAF-40B5-B3E8-C7AAB6B2C322}" dt="2020-05-31T15:28:57.055" v="93" actId="478"/>
-            <ac:spMkLst>
-              <pc:docMk/>
-              <pc:sldMasterMk cId="796021658" sldId="2147483708"/>
-              <pc:sldLayoutMk cId="3377702315" sldId="2147483714"/>
-              <ac:spMk id="5" creationId="{00000000-0000-0000-0000-000000000000}"/>
-            </ac:spMkLst>
-          </pc:spChg>
-        </pc:sldLayoutChg>
-        <pc:sldLayoutChg chg="addSp delSp mod">
-          <pc:chgData name="Mariusz" userId="ca8d45ae-21cb-4030-bbab-1d3a5fb8cc81" providerId="ADAL" clId="{9175EAAB-6DAF-40B5-B3E8-C7AAB6B2C322}" dt="2020-05-31T15:28:12.822" v="88" actId="478"/>
-          <pc:sldLayoutMkLst>
-            <pc:docMk/>
-            <pc:sldMasterMk cId="796021658" sldId="2147483708"/>
-            <pc:sldLayoutMk cId="2376096244" sldId="2147483715"/>
-          </pc:sldLayoutMkLst>
-          <pc:spChg chg="add del">
-            <ac:chgData name="Mariusz" userId="ca8d45ae-21cb-4030-bbab-1d3a5fb8cc81" providerId="ADAL" clId="{9175EAAB-6DAF-40B5-B3E8-C7AAB6B2C322}" dt="2020-05-31T15:28:08.143" v="87" actId="478"/>
-            <ac:spMkLst>
-              <pc:docMk/>
-              <pc:sldMasterMk cId="796021658" sldId="2147483708"/>
-              <pc:sldLayoutMk cId="2376096244" sldId="2147483715"/>
-              <ac:spMk id="3" creationId="{00000000-0000-0000-0000-000000000000}"/>
-            </ac:spMkLst>
-          </pc:spChg>
-          <pc:spChg chg="del">
-            <ac:chgData name="Mariusz" userId="ca8d45ae-21cb-4030-bbab-1d3a5fb8cc81" providerId="ADAL" clId="{9175EAAB-6DAF-40B5-B3E8-C7AAB6B2C322}" dt="2020-05-31T15:28:12.822" v="88" actId="478"/>
-            <ac:spMkLst>
-              <pc:docMk/>
-              <pc:sldMasterMk cId="796021658" sldId="2147483708"/>
-              <pc:sldLayoutMk cId="2376096244" sldId="2147483715"/>
-              <ac:spMk id="4" creationId="{00000000-0000-0000-0000-000000000000}"/>
-            </ac:spMkLst>
-          </pc:spChg>
-        </pc:sldLayoutChg>
-        <pc:sldLayoutChg chg="delSp mod">
-          <pc:chgData name="Mariusz" userId="ca8d45ae-21cb-4030-bbab-1d3a5fb8cc81" providerId="ADAL" clId="{9175EAAB-6DAF-40B5-B3E8-C7AAB6B2C322}" dt="2020-05-31T15:28:49.807" v="92" actId="478"/>
-          <pc:sldLayoutMkLst>
-            <pc:docMk/>
-            <pc:sldMasterMk cId="796021658" sldId="2147483708"/>
-            <pc:sldLayoutMk cId="2168683367" sldId="2147483716"/>
-          </pc:sldLayoutMkLst>
-          <pc:spChg chg="del">
-            <ac:chgData name="Mariusz" userId="ca8d45ae-21cb-4030-bbab-1d3a5fb8cc81" providerId="ADAL" clId="{9175EAAB-6DAF-40B5-B3E8-C7AAB6B2C322}" dt="2020-05-31T15:28:49.807" v="92" actId="478"/>
-            <ac:spMkLst>
-              <pc:docMk/>
-              <pc:sldMasterMk cId="796021658" sldId="2147483708"/>
-              <pc:sldLayoutMk cId="2168683367" sldId="2147483716"/>
-              <ac:spMk id="7" creationId="{00000000-0000-0000-0000-000000000000}"/>
-            </ac:spMkLst>
-          </pc:spChg>
-        </pc:sldLayoutChg>
-        <pc:sldLayoutChg chg="delSp mod">
-          <pc:chgData name="Mariusz" userId="ca8d45ae-21cb-4030-bbab-1d3a5fb8cc81" providerId="ADAL" clId="{9175EAAB-6DAF-40B5-B3E8-C7AAB6B2C322}" dt="2020-05-31T15:28:41.695" v="91" actId="478"/>
-          <pc:sldLayoutMkLst>
-            <pc:docMk/>
-            <pc:sldMasterMk cId="796021658" sldId="2147483708"/>
-            <pc:sldLayoutMk cId="2813771760" sldId="2147483717"/>
-          </pc:sldLayoutMkLst>
-          <pc:spChg chg="del">
-            <ac:chgData name="Mariusz" userId="ca8d45ae-21cb-4030-bbab-1d3a5fb8cc81" providerId="ADAL" clId="{9175EAAB-6DAF-40B5-B3E8-C7AAB6B2C322}" dt="2020-05-31T15:28:41.695" v="91" actId="478"/>
-            <ac:spMkLst>
-              <pc:docMk/>
-              <pc:sldMasterMk cId="796021658" sldId="2147483708"/>
-              <pc:sldLayoutMk cId="2813771760" sldId="2147483717"/>
-              <ac:spMk id="7" creationId="{00000000-0000-0000-0000-000000000000}"/>
-            </ac:spMkLst>
-          </pc:spChg>
-        </pc:sldLayoutChg>
-        <pc:sldLayoutChg chg="delSp mod">
-          <pc:chgData name="Mariusz" userId="ca8d45ae-21cb-4030-bbab-1d3a5fb8cc81" providerId="ADAL" clId="{9175EAAB-6DAF-40B5-B3E8-C7AAB6B2C322}" dt="2020-05-31T15:28:36.407" v="90" actId="478"/>
-          <pc:sldLayoutMkLst>
-            <pc:docMk/>
-            <pc:sldMasterMk cId="796021658" sldId="2147483708"/>
-            <pc:sldLayoutMk cId="1573691912" sldId="2147483718"/>
-          </pc:sldLayoutMkLst>
-          <pc:spChg chg="del">
-            <ac:chgData name="Mariusz" userId="ca8d45ae-21cb-4030-bbab-1d3a5fb8cc81" providerId="ADAL" clId="{9175EAAB-6DAF-40B5-B3E8-C7AAB6B2C322}" dt="2020-05-31T15:28:36.407" v="90" actId="478"/>
-            <ac:spMkLst>
-              <pc:docMk/>
-              <pc:sldMasterMk cId="796021658" sldId="2147483708"/>
-              <pc:sldLayoutMk cId="1573691912" sldId="2147483718"/>
-              <ac:spMk id="6" creationId="{00000000-0000-0000-0000-000000000000}"/>
-            </ac:spMkLst>
-          </pc:spChg>
-        </pc:sldLayoutChg>
-        <pc:sldLayoutChg chg="delSp mod">
-          <pc:chgData name="Mariusz" userId="ca8d45ae-21cb-4030-bbab-1d3a5fb8cc81" providerId="ADAL" clId="{9175EAAB-6DAF-40B5-B3E8-C7AAB6B2C322}" dt="2020-05-31T15:28:30.294" v="89" actId="478"/>
-          <pc:sldLayoutMkLst>
-            <pc:docMk/>
-            <pc:sldMasterMk cId="796021658" sldId="2147483708"/>
-            <pc:sldLayoutMk cId="2980986642" sldId="2147483719"/>
-          </pc:sldLayoutMkLst>
-          <pc:spChg chg="del">
-            <ac:chgData name="Mariusz" userId="ca8d45ae-21cb-4030-bbab-1d3a5fb8cc81" providerId="ADAL" clId="{9175EAAB-6DAF-40B5-B3E8-C7AAB6B2C322}" dt="2020-05-31T15:28:30.294" v="89" actId="478"/>
-            <ac:spMkLst>
-              <pc:docMk/>
-              <pc:sldMasterMk cId="796021658" sldId="2147483708"/>
-              <pc:sldLayoutMk cId="2980986642" sldId="2147483719"/>
-              <ac:spMk id="6" creationId="{00000000-0000-0000-0000-000000000000}"/>
-            </ac:spMkLst>
-          </pc:spChg>
-        </pc:sldLayoutChg>
-      </pc:sldMasterChg>
     </pc:docChg>
   </pc:docChgLst>
   <pc:docChgLst>
@@ -5947,6 +4844,1109 @@
           </pc:sldLayoutMkLst>
         </pc:sldLayoutChg>
       </pc:sldMasterChg>
+    </pc:docChg>
+  </pc:docChgLst>
+  <pc:docChgLst>
+    <pc:chgData name="Mariusz Postół" userId="ca8d45ae-21cb-4030-bbab-1d3a5fb8cc81" providerId="ADAL" clId="{1591E4AB-A173-46AE-9B20-B73D21CA0B1D}"/>
+    <pc:docChg chg="undo redo custSel addSld delSld modSld sldOrd">
+      <pc:chgData name="Mariusz Postół" userId="ca8d45ae-21cb-4030-bbab-1d3a5fb8cc81" providerId="ADAL" clId="{1591E4AB-A173-46AE-9B20-B73D21CA0B1D}" dt="2019-11-25T20:41:08.528" v="2250" actId="790"/>
+      <pc:docMkLst>
+        <pc:docMk/>
+      </pc:docMkLst>
+      <pc:sldChg chg="modSp">
+        <pc:chgData name="Mariusz Postół" userId="ca8d45ae-21cb-4030-bbab-1d3a5fb8cc81" providerId="ADAL" clId="{1591E4AB-A173-46AE-9B20-B73D21CA0B1D}" dt="2019-11-25T16:06:44.882" v="2161" actId="790"/>
+        <pc:sldMkLst>
+          <pc:docMk/>
+          <pc:sldMk cId="0" sldId="256"/>
+        </pc:sldMkLst>
+        <pc:spChg chg="mod">
+          <ac:chgData name="Mariusz Postół" userId="ca8d45ae-21cb-4030-bbab-1d3a5fb8cc81" providerId="ADAL" clId="{1591E4AB-A173-46AE-9B20-B73D21CA0B1D}" dt="2019-11-25T16:06:44.882" v="2161" actId="790"/>
+          <ac:spMkLst>
+            <pc:docMk/>
+            <pc:sldMk cId="0" sldId="256"/>
+            <ac:spMk id="3" creationId="{00000000-0000-0000-0000-000000000000}"/>
+          </ac:spMkLst>
+        </pc:spChg>
+      </pc:sldChg>
+      <pc:sldChg chg="addSp delSp modSp">
+        <pc:chgData name="Mariusz Postół" userId="ca8d45ae-21cb-4030-bbab-1d3a5fb8cc81" providerId="ADAL" clId="{1591E4AB-A173-46AE-9B20-B73D21CA0B1D}" dt="2019-11-25T15:28:12.332" v="1909" actId="15"/>
+        <pc:sldMkLst>
+          <pc:docMk/>
+          <pc:sldMk cId="0" sldId="258"/>
+        </pc:sldMkLst>
+        <pc:spChg chg="mod">
+          <ac:chgData name="Mariusz Postół" userId="ca8d45ae-21cb-4030-bbab-1d3a5fb8cc81" providerId="ADAL" clId="{1591E4AB-A173-46AE-9B20-B73D21CA0B1D}" dt="2019-11-24T21:08:02.339" v="299" actId="790"/>
+          <ac:spMkLst>
+            <pc:docMk/>
+            <pc:sldMk cId="0" sldId="258"/>
+            <ac:spMk id="2" creationId="{00000000-0000-0000-0000-000000000000}"/>
+          </ac:spMkLst>
+        </pc:spChg>
+        <pc:spChg chg="mod">
+          <ac:chgData name="Mariusz Postół" userId="ca8d45ae-21cb-4030-bbab-1d3a5fb8cc81" providerId="ADAL" clId="{1591E4AB-A173-46AE-9B20-B73D21CA0B1D}" dt="2019-11-25T15:28:12.332" v="1909" actId="15"/>
+          <ac:spMkLst>
+            <pc:docMk/>
+            <pc:sldMk cId="0" sldId="258"/>
+            <ac:spMk id="3" creationId="{00000000-0000-0000-0000-000000000000}"/>
+          </ac:spMkLst>
+        </pc:spChg>
+        <pc:spChg chg="add del mod">
+          <ac:chgData name="Mariusz Postół" userId="ca8d45ae-21cb-4030-bbab-1d3a5fb8cc81" providerId="ADAL" clId="{1591E4AB-A173-46AE-9B20-B73D21CA0B1D}" dt="2019-11-24T22:11:51.643" v="387"/>
+          <ac:spMkLst>
+            <pc:docMk/>
+            <pc:sldMk cId="0" sldId="258"/>
+            <ac:spMk id="4" creationId="{928064D5-0F14-4C83-B8A4-26D96A85736A}"/>
+          </ac:spMkLst>
+        </pc:spChg>
+        <pc:spChg chg="add del mod">
+          <ac:chgData name="Mariusz Postół" userId="ca8d45ae-21cb-4030-bbab-1d3a5fb8cc81" providerId="ADAL" clId="{1591E4AB-A173-46AE-9B20-B73D21CA0B1D}" dt="2019-11-24T22:11:51.643" v="387"/>
+          <ac:spMkLst>
+            <pc:docMk/>
+            <pc:sldMk cId="0" sldId="258"/>
+            <ac:spMk id="5" creationId="{5B4E1247-B2DA-4FEC-B0EA-435FFD3D0380}"/>
+          </ac:spMkLst>
+        </pc:spChg>
+      </pc:sldChg>
+      <pc:sldChg chg="ord modTransition">
+        <pc:chgData name="Mariusz Postół" userId="ca8d45ae-21cb-4030-bbab-1d3a5fb8cc81" providerId="ADAL" clId="{1591E4AB-A173-46AE-9B20-B73D21CA0B1D}" dt="2019-11-25T16:26:39.213" v="2170"/>
+        <pc:sldMkLst>
+          <pc:docMk/>
+          <pc:sldMk cId="0" sldId="259"/>
+        </pc:sldMkLst>
+      </pc:sldChg>
+      <pc:sldChg chg="addSp modSp ord">
+        <pc:chgData name="Mariusz Postół" userId="ca8d45ae-21cb-4030-bbab-1d3a5fb8cc81" providerId="ADAL" clId="{1591E4AB-A173-46AE-9B20-B73D21CA0B1D}" dt="2019-11-25T19:33:49.401" v="2237" actId="14100"/>
+        <pc:sldMkLst>
+          <pc:docMk/>
+          <pc:sldMk cId="3191445385" sldId="282"/>
+        </pc:sldMkLst>
+        <pc:spChg chg="add mod">
+          <ac:chgData name="Mariusz Postół" userId="ca8d45ae-21cb-4030-bbab-1d3a5fb8cc81" providerId="ADAL" clId="{1591E4AB-A173-46AE-9B20-B73D21CA0B1D}" dt="2019-11-25T19:33:49.401" v="2237" actId="14100"/>
+          <ac:spMkLst>
+            <pc:docMk/>
+            <pc:sldMk cId="3191445385" sldId="282"/>
+            <ac:spMk id="2" creationId="{D781E209-46FD-44B5-A460-8ED62C69985E}"/>
+          </ac:spMkLst>
+        </pc:spChg>
+      </pc:sldChg>
+      <pc:sldChg chg="addSp delSp modSp">
+        <pc:chgData name="Mariusz Postół" userId="ca8d45ae-21cb-4030-bbab-1d3a5fb8cc81" providerId="ADAL" clId="{1591E4AB-A173-46AE-9B20-B73D21CA0B1D}" dt="2019-11-25T19:34:11.416" v="2240" actId="14100"/>
+        <pc:sldMkLst>
+          <pc:docMk/>
+          <pc:sldMk cId="4019951972" sldId="283"/>
+        </pc:sldMkLst>
+        <pc:spChg chg="mod">
+          <ac:chgData name="Mariusz Postół" userId="ca8d45ae-21cb-4030-bbab-1d3a5fb8cc81" providerId="ADAL" clId="{1591E4AB-A173-46AE-9B20-B73D21CA0B1D}" dt="2019-11-25T19:34:11.416" v="2240" actId="14100"/>
+          <ac:spMkLst>
+            <pc:docMk/>
+            <pc:sldMk cId="4019951972" sldId="283"/>
+            <ac:spMk id="2" creationId="{00000000-0000-0000-0000-000000000000}"/>
+          </ac:spMkLst>
+        </pc:spChg>
+        <pc:spChg chg="mod">
+          <ac:chgData name="Mariusz Postół" userId="ca8d45ae-21cb-4030-bbab-1d3a5fb8cc81" providerId="ADAL" clId="{1591E4AB-A173-46AE-9B20-B73D21CA0B1D}" dt="2019-11-25T13:19:48.607" v="1319" actId="790"/>
+          <ac:spMkLst>
+            <pc:docMk/>
+            <pc:sldMk cId="4019951972" sldId="283"/>
+            <ac:spMk id="3" creationId="{00000000-0000-0000-0000-000000000000}"/>
+          </ac:spMkLst>
+        </pc:spChg>
+        <pc:spChg chg="add del mod">
+          <ac:chgData name="Mariusz Postół" userId="ca8d45ae-21cb-4030-bbab-1d3a5fb8cc81" providerId="ADAL" clId="{1591E4AB-A173-46AE-9B20-B73D21CA0B1D}" dt="2019-11-25T13:28:03.244" v="1475"/>
+          <ac:spMkLst>
+            <pc:docMk/>
+            <pc:sldMk cId="4019951972" sldId="283"/>
+            <ac:spMk id="4" creationId="{FE879C68-4476-4EEF-AD48-32CFF8036155}"/>
+          </ac:spMkLst>
+        </pc:spChg>
+        <pc:spChg chg="add del mod">
+          <ac:chgData name="Mariusz Postół" userId="ca8d45ae-21cb-4030-bbab-1d3a5fb8cc81" providerId="ADAL" clId="{1591E4AB-A173-46AE-9B20-B73D21CA0B1D}" dt="2019-11-25T13:28:03.244" v="1475"/>
+          <ac:spMkLst>
+            <pc:docMk/>
+            <pc:sldMk cId="4019951972" sldId="283"/>
+            <ac:spMk id="5" creationId="{6A34FA24-FF42-4679-8F4D-25FBCF801800}"/>
+          </ac:spMkLst>
+        </pc:spChg>
+        <pc:spChg chg="add del mod">
+          <ac:chgData name="Mariusz Postół" userId="ca8d45ae-21cb-4030-bbab-1d3a5fb8cc81" providerId="ADAL" clId="{1591E4AB-A173-46AE-9B20-B73D21CA0B1D}" dt="2019-11-25T19:34:03.649" v="2238"/>
+          <ac:spMkLst>
+            <pc:docMk/>
+            <pc:sldMk cId="4019951972" sldId="283"/>
+            <ac:spMk id="6" creationId="{0F9CAF61-4D22-40DB-A41C-84556AC8CDB9}"/>
+          </ac:spMkLst>
+        </pc:spChg>
+        <pc:spChg chg="add del mod">
+          <ac:chgData name="Mariusz Postół" userId="ca8d45ae-21cb-4030-bbab-1d3a5fb8cc81" providerId="ADAL" clId="{1591E4AB-A173-46AE-9B20-B73D21CA0B1D}" dt="2019-11-25T19:34:03.649" v="2238"/>
+          <ac:spMkLst>
+            <pc:docMk/>
+            <pc:sldMk cId="4019951972" sldId="283"/>
+            <ac:spMk id="7" creationId="{02B63552-39AD-4565-A05D-32216C0F76DD}"/>
+          </ac:spMkLst>
+        </pc:spChg>
+      </pc:sldChg>
+      <pc:sldChg chg="addSp delSp modSp ord">
+        <pc:chgData name="Mariusz Postół" userId="ca8d45ae-21cb-4030-bbab-1d3a5fb8cc81" providerId="ADAL" clId="{1591E4AB-A173-46AE-9B20-B73D21CA0B1D}" dt="2019-11-25T11:15:09.572" v="964"/>
+        <pc:sldMkLst>
+          <pc:docMk/>
+          <pc:sldMk cId="0" sldId="285"/>
+        </pc:sldMkLst>
+        <pc:spChg chg="mod">
+          <ac:chgData name="Mariusz Postół" userId="ca8d45ae-21cb-4030-bbab-1d3a5fb8cc81" providerId="ADAL" clId="{1591E4AB-A173-46AE-9B20-B73D21CA0B1D}" dt="2019-11-25T11:11:21.604" v="962" actId="1076"/>
+          <ac:spMkLst>
+            <pc:docMk/>
+            <pc:sldMk cId="0" sldId="285"/>
+            <ac:spMk id="2" creationId="{00000000-0000-0000-0000-000000000000}"/>
+          </ac:spMkLst>
+        </pc:spChg>
+        <pc:spChg chg="add del mod">
+          <ac:chgData name="Mariusz Postół" userId="ca8d45ae-21cb-4030-bbab-1d3a5fb8cc81" providerId="ADAL" clId="{1591E4AB-A173-46AE-9B20-B73D21CA0B1D}" dt="2019-11-25T11:10:55.256" v="958"/>
+          <ac:spMkLst>
+            <pc:docMk/>
+            <pc:sldMk cId="0" sldId="285"/>
+            <ac:spMk id="3" creationId="{1C32BF55-ED46-4BF3-A533-BF95FF2935BE}"/>
+          </ac:spMkLst>
+        </pc:spChg>
+      </pc:sldChg>
+      <pc:sldChg chg="modSp ord">
+        <pc:chgData name="Mariusz Postół" userId="ca8d45ae-21cb-4030-bbab-1d3a5fb8cc81" providerId="ADAL" clId="{1591E4AB-A173-46AE-9B20-B73D21CA0B1D}" dt="2019-11-25T14:36:40.904" v="1746"/>
+        <pc:sldMkLst>
+          <pc:docMk/>
+          <pc:sldMk cId="3191445385" sldId="286"/>
+        </pc:sldMkLst>
+        <pc:spChg chg="mod">
+          <ac:chgData name="Mariusz Postół" userId="ca8d45ae-21cb-4030-bbab-1d3a5fb8cc81" providerId="ADAL" clId="{1591E4AB-A173-46AE-9B20-B73D21CA0B1D}" dt="2019-11-25T10:52:02.850" v="876" actId="20577"/>
+          <ac:spMkLst>
+            <pc:docMk/>
+            <pc:sldMk cId="3191445385" sldId="286"/>
+            <ac:spMk id="4" creationId="{00000000-0000-0000-0000-000000000000}"/>
+          </ac:spMkLst>
+        </pc:spChg>
+      </pc:sldChg>
+      <pc:sldChg chg="modSp">
+        <pc:chgData name="Mariusz Postół" userId="ca8d45ae-21cb-4030-bbab-1d3a5fb8cc81" providerId="ADAL" clId="{1591E4AB-A173-46AE-9B20-B73D21CA0B1D}" dt="2019-11-25T17:21:03.825" v="2208" actId="790"/>
+        <pc:sldMkLst>
+          <pc:docMk/>
+          <pc:sldMk cId="3221289239" sldId="287"/>
+        </pc:sldMkLst>
+        <pc:spChg chg="mod">
+          <ac:chgData name="Mariusz Postół" userId="ca8d45ae-21cb-4030-bbab-1d3a5fb8cc81" providerId="ADAL" clId="{1591E4AB-A173-46AE-9B20-B73D21CA0B1D}" dt="2019-11-25T17:21:03.825" v="2208" actId="790"/>
+          <ac:spMkLst>
+            <pc:docMk/>
+            <pc:sldMk cId="3221289239" sldId="287"/>
+            <ac:spMk id="2" creationId="{2267B48C-3541-4FCD-BF2A-47193A6BB3C8}"/>
+          </ac:spMkLst>
+        </pc:spChg>
+      </pc:sldChg>
+      <pc:sldChg chg="modSp add">
+        <pc:chgData name="Mariusz Postół" userId="ca8d45ae-21cb-4030-bbab-1d3a5fb8cc81" providerId="ADAL" clId="{1591E4AB-A173-46AE-9B20-B73D21CA0B1D}" dt="2019-11-24T22:22:01.074" v="504" actId="790"/>
+        <pc:sldMkLst>
+          <pc:docMk/>
+          <pc:sldMk cId="14412432" sldId="288"/>
+        </pc:sldMkLst>
+        <pc:spChg chg="mod">
+          <ac:chgData name="Mariusz Postół" userId="ca8d45ae-21cb-4030-bbab-1d3a5fb8cc81" providerId="ADAL" clId="{1591E4AB-A173-46AE-9B20-B73D21CA0B1D}" dt="2019-11-24T22:21:47.467" v="503" actId="790"/>
+          <ac:spMkLst>
+            <pc:docMk/>
+            <pc:sldMk cId="14412432" sldId="288"/>
+            <ac:spMk id="2" creationId="{209BF14C-BC64-4A4D-9CE2-067DFF080BAD}"/>
+          </ac:spMkLst>
+        </pc:spChg>
+        <pc:spChg chg="mod">
+          <ac:chgData name="Mariusz Postół" userId="ca8d45ae-21cb-4030-bbab-1d3a5fb8cc81" providerId="ADAL" clId="{1591E4AB-A173-46AE-9B20-B73D21CA0B1D}" dt="2019-11-24T22:22:01.074" v="504" actId="790"/>
+          <ac:spMkLst>
+            <pc:docMk/>
+            <pc:sldMk cId="14412432" sldId="288"/>
+            <ac:spMk id="3" creationId="{311C8478-5ABE-43F0-93AD-A6FAFFBE229A}"/>
+          </ac:spMkLst>
+        </pc:spChg>
+      </pc:sldChg>
+      <pc:sldChg chg="addSp delSp modSp add">
+        <pc:chgData name="Mariusz Postół" userId="ca8d45ae-21cb-4030-bbab-1d3a5fb8cc81" providerId="ADAL" clId="{1591E4AB-A173-46AE-9B20-B73D21CA0B1D}" dt="2019-11-25T16:13:09.492" v="2169" actId="6549"/>
+        <pc:sldMkLst>
+          <pc:docMk/>
+          <pc:sldMk cId="3654890770" sldId="289"/>
+        </pc:sldMkLst>
+        <pc:spChg chg="del">
+          <ac:chgData name="Mariusz Postół" userId="ca8d45ae-21cb-4030-bbab-1d3a5fb8cc81" providerId="ADAL" clId="{1591E4AB-A173-46AE-9B20-B73D21CA0B1D}" dt="2019-11-24T19:38:25.978" v="9"/>
+          <ac:spMkLst>
+            <pc:docMk/>
+            <pc:sldMk cId="3654890770" sldId="289"/>
+            <ac:spMk id="2" creationId="{B821A13F-F424-4009-8D09-94F4C5679A1F}"/>
+          </ac:spMkLst>
+        </pc:spChg>
+        <pc:spChg chg="add del mod">
+          <ac:chgData name="Mariusz Postół" userId="ca8d45ae-21cb-4030-bbab-1d3a5fb8cc81" providerId="ADAL" clId="{1591E4AB-A173-46AE-9B20-B73D21CA0B1D}" dt="2019-11-25T14:44:27.189" v="1801"/>
+          <ac:spMkLst>
+            <pc:docMk/>
+            <pc:sldMk cId="3654890770" sldId="289"/>
+            <ac:spMk id="2" creationId="{D9201BED-E977-4A92-A871-0BEC18DA0D68}"/>
+          </ac:spMkLst>
+        </pc:spChg>
+        <pc:spChg chg="del">
+          <ac:chgData name="Mariusz Postół" userId="ca8d45ae-21cb-4030-bbab-1d3a5fb8cc81" providerId="ADAL" clId="{1591E4AB-A173-46AE-9B20-B73D21CA0B1D}" dt="2019-11-24T19:38:25.978" v="9"/>
+          <ac:spMkLst>
+            <pc:docMk/>
+            <pc:sldMk cId="3654890770" sldId="289"/>
+            <ac:spMk id="3" creationId="{1F58E75F-147E-4611-A651-CDBDD7565B37}"/>
+          </ac:spMkLst>
+        </pc:spChg>
+        <pc:spChg chg="add del mod">
+          <ac:chgData name="Mariusz Postół" userId="ca8d45ae-21cb-4030-bbab-1d3a5fb8cc81" providerId="ADAL" clId="{1591E4AB-A173-46AE-9B20-B73D21CA0B1D}" dt="2019-11-25T14:44:27.189" v="1801"/>
+          <ac:spMkLst>
+            <pc:docMk/>
+            <pc:sldMk cId="3654890770" sldId="289"/>
+            <ac:spMk id="3" creationId="{96D91E0C-348D-4DF1-81EB-96AF1C016BC6}"/>
+          </ac:spMkLst>
+        </pc:spChg>
+        <pc:spChg chg="add mod">
+          <ac:chgData name="Mariusz Postół" userId="ca8d45ae-21cb-4030-bbab-1d3a5fb8cc81" providerId="ADAL" clId="{1591E4AB-A173-46AE-9B20-B73D21CA0B1D}" dt="2019-11-24T22:14:49.178" v="390" actId="790"/>
+          <ac:spMkLst>
+            <pc:docMk/>
+            <pc:sldMk cId="3654890770" sldId="289"/>
+            <ac:spMk id="4" creationId="{92A0B153-C864-422A-B1DF-54CE120944CE}"/>
+          </ac:spMkLst>
+        </pc:spChg>
+        <pc:spChg chg="add mod">
+          <ac:chgData name="Mariusz Postół" userId="ca8d45ae-21cb-4030-bbab-1d3a5fb8cc81" providerId="ADAL" clId="{1591E4AB-A173-46AE-9B20-B73D21CA0B1D}" dt="2019-11-25T16:13:09.492" v="2169" actId="6549"/>
+          <ac:spMkLst>
+            <pc:docMk/>
+            <pc:sldMk cId="3654890770" sldId="289"/>
+            <ac:spMk id="5" creationId="{0751BF7C-5F5F-41FB-9A69-09CAD28C500F}"/>
+          </ac:spMkLst>
+        </pc:spChg>
+        <pc:spChg chg="add del mod">
+          <ac:chgData name="Mariusz Postół" userId="ca8d45ae-21cb-4030-bbab-1d3a5fb8cc81" providerId="ADAL" clId="{1591E4AB-A173-46AE-9B20-B73D21CA0B1D}" dt="2019-11-25T16:13:05.884" v="2168" actId="478"/>
+          <ac:spMkLst>
+            <pc:docMk/>
+            <pc:sldMk cId="3654890770" sldId="289"/>
+            <ac:spMk id="6" creationId="{E10CB103-022A-4B2D-85D9-D2B4C884CA3C}"/>
+          </ac:spMkLst>
+        </pc:spChg>
+      </pc:sldChg>
+      <pc:sldChg chg="addSp delSp modSp add ord">
+        <pc:chgData name="Mariusz Postół" userId="ca8d45ae-21cb-4030-bbab-1d3a5fb8cc81" providerId="ADAL" clId="{1591E4AB-A173-46AE-9B20-B73D21CA0B1D}" dt="2019-11-24T22:08:55.694" v="386"/>
+        <pc:sldMkLst>
+          <pc:docMk/>
+          <pc:sldMk cId="2759846488" sldId="290"/>
+        </pc:sldMkLst>
+        <pc:spChg chg="mod">
+          <ac:chgData name="Mariusz Postół" userId="ca8d45ae-21cb-4030-bbab-1d3a5fb8cc81" providerId="ADAL" clId="{1591E4AB-A173-46AE-9B20-B73D21CA0B1D}" dt="2019-11-24T22:02:29.492" v="361" actId="790"/>
+          <ac:spMkLst>
+            <pc:docMk/>
+            <pc:sldMk cId="2759846488" sldId="290"/>
+            <ac:spMk id="2" creationId="{642ECD52-416C-400D-A2F9-1E3996C975AA}"/>
+          </ac:spMkLst>
+        </pc:spChg>
+        <pc:spChg chg="add del mod">
+          <ac:chgData name="Mariusz Postół" userId="ca8d45ae-21cb-4030-bbab-1d3a5fb8cc81" providerId="ADAL" clId="{1591E4AB-A173-46AE-9B20-B73D21CA0B1D}" dt="2019-11-24T22:02:21.413" v="360" actId="478"/>
+          <ac:spMkLst>
+            <pc:docMk/>
+            <pc:sldMk cId="2759846488" sldId="290"/>
+            <ac:spMk id="3" creationId="{D76469F1-7F90-45BE-B47C-D3EA09310E5B}"/>
+          </ac:spMkLst>
+        </pc:spChg>
+        <pc:spChg chg="add del mod">
+          <ac:chgData name="Mariusz Postół" userId="ca8d45ae-21cb-4030-bbab-1d3a5fb8cc81" providerId="ADAL" clId="{1591E4AB-A173-46AE-9B20-B73D21CA0B1D}" dt="2019-11-24T22:02:21.413" v="360" actId="478"/>
+          <ac:spMkLst>
+            <pc:docMk/>
+            <pc:sldMk cId="2759846488" sldId="290"/>
+            <ac:spMk id="4" creationId="{0175D32C-3A43-43F3-B4B2-A03297C9416B}"/>
+          </ac:spMkLst>
+        </pc:spChg>
+        <pc:spChg chg="add del mod">
+          <ac:chgData name="Mariusz Postół" userId="ca8d45ae-21cb-4030-bbab-1d3a5fb8cc81" providerId="ADAL" clId="{1591E4AB-A173-46AE-9B20-B73D21CA0B1D}" dt="2019-11-24T22:02:21.413" v="360" actId="478"/>
+          <ac:spMkLst>
+            <pc:docMk/>
+            <pc:sldMk cId="2759846488" sldId="290"/>
+            <ac:spMk id="5" creationId="{5098B4BF-95B5-40BB-94CF-E212429AA880}"/>
+          </ac:spMkLst>
+        </pc:spChg>
+        <pc:spChg chg="add del mod">
+          <ac:chgData name="Mariusz Postół" userId="ca8d45ae-21cb-4030-bbab-1d3a5fb8cc81" providerId="ADAL" clId="{1591E4AB-A173-46AE-9B20-B73D21CA0B1D}" dt="2019-11-24T22:02:21.413" v="360" actId="478"/>
+          <ac:spMkLst>
+            <pc:docMk/>
+            <pc:sldMk cId="2759846488" sldId="290"/>
+            <ac:spMk id="6" creationId="{DFA35725-BD3C-4A03-AE9C-B5185D814F64}"/>
+          </ac:spMkLst>
+        </pc:spChg>
+        <pc:picChg chg="add mod">
+          <ac:chgData name="Mariusz Postół" userId="ca8d45ae-21cb-4030-bbab-1d3a5fb8cc81" providerId="ADAL" clId="{1591E4AB-A173-46AE-9B20-B73D21CA0B1D}" dt="2019-11-24T22:06:01.040" v="365" actId="14100"/>
+          <ac:picMkLst>
+            <pc:docMk/>
+            <pc:sldMk cId="2759846488" sldId="290"/>
+            <ac:picMk id="8" creationId="{5490B48B-59CC-4B4A-B745-93D8284B04E0}"/>
+          </ac:picMkLst>
+        </pc:picChg>
+      </pc:sldChg>
+      <pc:sldChg chg="modSp add">
+        <pc:chgData name="Mariusz Postół" userId="ca8d45ae-21cb-4030-bbab-1d3a5fb8cc81" providerId="ADAL" clId="{1591E4AB-A173-46AE-9B20-B73D21CA0B1D}" dt="2019-11-25T14:47:13.634" v="1806"/>
+        <pc:sldMkLst>
+          <pc:docMk/>
+          <pc:sldMk cId="1168729256" sldId="291"/>
+        </pc:sldMkLst>
+        <pc:spChg chg="mod">
+          <ac:chgData name="Mariusz Postół" userId="ca8d45ae-21cb-4030-bbab-1d3a5fb8cc81" providerId="ADAL" clId="{1591E4AB-A173-46AE-9B20-B73D21CA0B1D}" dt="2019-11-25T14:47:13.634" v="1806"/>
+          <ac:spMkLst>
+            <pc:docMk/>
+            <pc:sldMk cId="1168729256" sldId="291"/>
+            <ac:spMk id="2" creationId="{5F9F88FB-5AC4-4AD5-A55E-1671771D14E9}"/>
+          </ac:spMkLst>
+        </pc:spChg>
+        <pc:spChg chg="mod">
+          <ac:chgData name="Mariusz Postół" userId="ca8d45ae-21cb-4030-bbab-1d3a5fb8cc81" providerId="ADAL" clId="{1591E4AB-A173-46AE-9B20-B73D21CA0B1D}" dt="2019-11-24T22:17:21.721" v="483" actId="790"/>
+          <ac:spMkLst>
+            <pc:docMk/>
+            <pc:sldMk cId="1168729256" sldId="291"/>
+            <ac:spMk id="3" creationId="{CFD4FB97-98EA-4C87-B57B-38FCFA60FBB3}"/>
+          </ac:spMkLst>
+        </pc:spChg>
+      </pc:sldChg>
+      <pc:sldChg chg="modSp add ord">
+        <pc:chgData name="Mariusz Postół" userId="ca8d45ae-21cb-4030-bbab-1d3a5fb8cc81" providerId="ADAL" clId="{1591E4AB-A173-46AE-9B20-B73D21CA0B1D}" dt="2019-11-25T20:41:08.528" v="2250" actId="790"/>
+        <pc:sldMkLst>
+          <pc:docMk/>
+          <pc:sldMk cId="4090376993" sldId="292"/>
+        </pc:sldMkLst>
+        <pc:spChg chg="mod">
+          <ac:chgData name="Mariusz Postół" userId="ca8d45ae-21cb-4030-bbab-1d3a5fb8cc81" providerId="ADAL" clId="{1591E4AB-A173-46AE-9B20-B73D21CA0B1D}" dt="2019-11-25T10:44:00.978" v="829" actId="790"/>
+          <ac:spMkLst>
+            <pc:docMk/>
+            <pc:sldMk cId="4090376993" sldId="292"/>
+            <ac:spMk id="2" creationId="{F741D176-F775-43AB-8089-378C669A5D0E}"/>
+          </ac:spMkLst>
+        </pc:spChg>
+        <pc:spChg chg="mod">
+          <ac:chgData name="Mariusz Postół" userId="ca8d45ae-21cb-4030-bbab-1d3a5fb8cc81" providerId="ADAL" clId="{1591E4AB-A173-46AE-9B20-B73D21CA0B1D}" dt="2019-11-25T20:41:08.528" v="2250" actId="790"/>
+          <ac:spMkLst>
+            <pc:docMk/>
+            <pc:sldMk cId="4090376993" sldId="292"/>
+            <ac:spMk id="3" creationId="{7AB6EB92-B183-4B30-A39E-4C8EC8662DD6}"/>
+          </ac:spMkLst>
+        </pc:spChg>
+      </pc:sldChg>
+      <pc:sldChg chg="modSp add ord">
+        <pc:chgData name="Mariusz Postół" userId="ca8d45ae-21cb-4030-bbab-1d3a5fb8cc81" providerId="ADAL" clId="{1591E4AB-A173-46AE-9B20-B73D21CA0B1D}" dt="2019-11-25T19:35:41.073" v="2242" actId="14100"/>
+        <pc:sldMkLst>
+          <pc:docMk/>
+          <pc:sldMk cId="1055420037" sldId="293"/>
+        </pc:sldMkLst>
+        <pc:spChg chg="mod">
+          <ac:chgData name="Mariusz Postół" userId="ca8d45ae-21cb-4030-bbab-1d3a5fb8cc81" providerId="ADAL" clId="{1591E4AB-A173-46AE-9B20-B73D21CA0B1D}" dt="2019-11-25T19:29:27.913" v="2218" actId="313"/>
+          <ac:spMkLst>
+            <pc:docMk/>
+            <pc:sldMk cId="1055420037" sldId="293"/>
+            <ac:spMk id="2" creationId="{D33EEAA6-997E-4444-92D0-820A2474B875}"/>
+          </ac:spMkLst>
+        </pc:spChg>
+        <pc:spChg chg="mod">
+          <ac:chgData name="Mariusz Postół" userId="ca8d45ae-21cb-4030-bbab-1d3a5fb8cc81" providerId="ADAL" clId="{1591E4AB-A173-46AE-9B20-B73D21CA0B1D}" dt="2019-11-25T19:35:41.073" v="2242" actId="14100"/>
+          <ac:spMkLst>
+            <pc:docMk/>
+            <pc:sldMk cId="1055420037" sldId="293"/>
+            <ac:spMk id="3" creationId="{43CE69DE-C49B-4CBD-92AC-204920CB2898}"/>
+          </ac:spMkLst>
+        </pc:spChg>
+      </pc:sldChg>
+      <pc:sldChg chg="addSp delSp modSp add ord">
+        <pc:chgData name="Mariusz Postół" userId="ca8d45ae-21cb-4030-bbab-1d3a5fb8cc81" providerId="ADAL" clId="{1591E4AB-A173-46AE-9B20-B73D21CA0B1D}" dt="2019-11-25T19:30:53.907" v="2236" actId="790"/>
+        <pc:sldMkLst>
+          <pc:docMk/>
+          <pc:sldMk cId="1897587197" sldId="294"/>
+        </pc:sldMkLst>
+        <pc:spChg chg="mod">
+          <ac:chgData name="Mariusz Postół" userId="ca8d45ae-21cb-4030-bbab-1d3a5fb8cc81" providerId="ADAL" clId="{1591E4AB-A173-46AE-9B20-B73D21CA0B1D}" dt="2019-11-25T16:05:08.642" v="2158" actId="790"/>
+          <ac:spMkLst>
+            <pc:docMk/>
+            <pc:sldMk cId="1897587197" sldId="294"/>
+            <ac:spMk id="2" creationId="{A1045EDA-11B0-4E02-A174-B76AC435A2EA}"/>
+          </ac:spMkLst>
+        </pc:spChg>
+        <pc:spChg chg="mod">
+          <ac:chgData name="Mariusz Postół" userId="ca8d45ae-21cb-4030-bbab-1d3a5fb8cc81" providerId="ADAL" clId="{1591E4AB-A173-46AE-9B20-B73D21CA0B1D}" dt="2019-11-25T19:30:53.907" v="2236" actId="790"/>
+          <ac:spMkLst>
+            <pc:docMk/>
+            <pc:sldMk cId="1897587197" sldId="294"/>
+            <ac:spMk id="3" creationId="{871D038F-17FE-434E-872E-CE0105DB0A2D}"/>
+          </ac:spMkLst>
+        </pc:spChg>
+        <pc:spChg chg="add del mod">
+          <ac:chgData name="Mariusz Postół" userId="ca8d45ae-21cb-4030-bbab-1d3a5fb8cc81" providerId="ADAL" clId="{1591E4AB-A173-46AE-9B20-B73D21CA0B1D}" dt="2019-11-25T16:03:21.458" v="2130"/>
+          <ac:spMkLst>
+            <pc:docMk/>
+            <pc:sldMk cId="1897587197" sldId="294"/>
+            <ac:spMk id="4" creationId="{35B182D5-01A5-41E2-881E-75BED3A30858}"/>
+          </ac:spMkLst>
+        </pc:spChg>
+        <pc:spChg chg="add del mod">
+          <ac:chgData name="Mariusz Postół" userId="ca8d45ae-21cb-4030-bbab-1d3a5fb8cc81" providerId="ADAL" clId="{1591E4AB-A173-46AE-9B20-B73D21CA0B1D}" dt="2019-11-25T16:03:21.458" v="2130"/>
+          <ac:spMkLst>
+            <pc:docMk/>
+            <pc:sldMk cId="1897587197" sldId="294"/>
+            <ac:spMk id="5" creationId="{C5FF7D4A-1EF3-469D-AF46-FC5C0FE47304}"/>
+          </ac:spMkLst>
+        </pc:spChg>
+      </pc:sldChg>
+      <pc:sldChg chg="modSp add">
+        <pc:chgData name="Mariusz Postół" userId="ca8d45ae-21cb-4030-bbab-1d3a5fb8cc81" providerId="ADAL" clId="{1591E4AB-A173-46AE-9B20-B73D21CA0B1D}" dt="2019-11-25T14:34:16.512" v="1745" actId="790"/>
+        <pc:sldMkLst>
+          <pc:docMk/>
+          <pc:sldMk cId="4279473428" sldId="295"/>
+        </pc:sldMkLst>
+        <pc:spChg chg="mod">
+          <ac:chgData name="Mariusz Postół" userId="ca8d45ae-21cb-4030-bbab-1d3a5fb8cc81" providerId="ADAL" clId="{1591E4AB-A173-46AE-9B20-B73D21CA0B1D}" dt="2019-11-25T13:25:34.711" v="1412" actId="20577"/>
+          <ac:spMkLst>
+            <pc:docMk/>
+            <pc:sldMk cId="4279473428" sldId="295"/>
+            <ac:spMk id="2" creationId="{D61051E2-46A8-4CAE-ADB2-D8B112DC3A41}"/>
+          </ac:spMkLst>
+        </pc:spChg>
+        <pc:spChg chg="mod">
+          <ac:chgData name="Mariusz Postół" userId="ca8d45ae-21cb-4030-bbab-1d3a5fb8cc81" providerId="ADAL" clId="{1591E4AB-A173-46AE-9B20-B73D21CA0B1D}" dt="2019-11-25T14:34:16.512" v="1745" actId="790"/>
+          <ac:spMkLst>
+            <pc:docMk/>
+            <pc:sldMk cId="4279473428" sldId="295"/>
+            <ac:spMk id="3" creationId="{3D8F722B-ACDB-4639-85A2-BDE6DF7E55CC}"/>
+          </ac:spMkLst>
+        </pc:spChg>
+      </pc:sldChg>
+      <pc:sldChg chg="addSp delSp modSp add">
+        <pc:chgData name="Mariusz Postół" userId="ca8d45ae-21cb-4030-bbab-1d3a5fb8cc81" providerId="ADAL" clId="{1591E4AB-A173-46AE-9B20-B73D21CA0B1D}" dt="2019-11-25T13:51:07.029" v="1484" actId="207"/>
+        <pc:sldMkLst>
+          <pc:docMk/>
+          <pc:sldMk cId="3478448270" sldId="296"/>
+        </pc:sldMkLst>
+        <pc:spChg chg="add del mod">
+          <ac:chgData name="Mariusz Postół" userId="ca8d45ae-21cb-4030-bbab-1d3a5fb8cc81" providerId="ADAL" clId="{1591E4AB-A173-46AE-9B20-B73D21CA0B1D}" dt="2019-11-25T13:48:37.545" v="1479" actId="478"/>
+          <ac:spMkLst>
+            <pc:docMk/>
+            <pc:sldMk cId="3478448270" sldId="296"/>
+            <ac:spMk id="2" creationId="{17EDF93A-994E-4BA7-A5C0-329565FF96C6}"/>
+          </ac:spMkLst>
+        </pc:spChg>
+        <pc:spChg chg="add mod">
+          <ac:chgData name="Mariusz Postół" userId="ca8d45ae-21cb-4030-bbab-1d3a5fb8cc81" providerId="ADAL" clId="{1591E4AB-A173-46AE-9B20-B73D21CA0B1D}" dt="2019-11-25T13:51:07.029" v="1484" actId="207"/>
+          <ac:spMkLst>
+            <pc:docMk/>
+            <pc:sldMk cId="3478448270" sldId="296"/>
+            <ac:spMk id="5" creationId="{437D94F1-936F-4E4F-97DA-AC074A137A2D}"/>
+          </ac:spMkLst>
+        </pc:spChg>
+      </pc:sldChg>
+      <pc:sldChg chg="addSp modSp add ord">
+        <pc:chgData name="Mariusz Postół" userId="ca8d45ae-21cb-4030-bbab-1d3a5fb8cc81" providerId="ADAL" clId="{1591E4AB-A173-46AE-9B20-B73D21CA0B1D}" dt="2019-11-25T13:53:48.057" v="1498" actId="208"/>
+        <pc:sldMkLst>
+          <pc:docMk/>
+          <pc:sldMk cId="3641588483" sldId="297"/>
+        </pc:sldMkLst>
+        <pc:spChg chg="add mod">
+          <ac:chgData name="Mariusz Postół" userId="ca8d45ae-21cb-4030-bbab-1d3a5fb8cc81" providerId="ADAL" clId="{1591E4AB-A173-46AE-9B20-B73D21CA0B1D}" dt="2019-11-25T13:53:48.057" v="1498" actId="208"/>
+          <ac:spMkLst>
+            <pc:docMk/>
+            <pc:sldMk cId="3641588483" sldId="297"/>
+            <ac:spMk id="2" creationId="{CE7B1CEA-57AD-4566-A15F-842C4C2EA11E}"/>
+          </ac:spMkLst>
+        </pc:spChg>
+      </pc:sldChg>
+      <pc:sldChg chg="add">
+        <pc:chgData name="Mariusz Postół" userId="ca8d45ae-21cb-4030-bbab-1d3a5fb8cc81" providerId="ADAL" clId="{1591E4AB-A173-46AE-9B20-B73D21CA0B1D}" dt="2019-11-25T13:52:57.363" v="1491"/>
+        <pc:sldMkLst>
+          <pc:docMk/>
+          <pc:sldMk cId="1325521941" sldId="298"/>
+        </pc:sldMkLst>
+      </pc:sldChg>
+      <pc:sldChg chg="addSp modSp add ord">
+        <pc:chgData name="Mariusz Postół" userId="ca8d45ae-21cb-4030-bbab-1d3a5fb8cc81" providerId="ADAL" clId="{1591E4AB-A173-46AE-9B20-B73D21CA0B1D}" dt="2019-11-25T13:58:47.421" v="1512"/>
+        <pc:sldMkLst>
+          <pc:docMk/>
+          <pc:sldMk cId="2904689659" sldId="299"/>
+        </pc:sldMkLst>
+        <pc:spChg chg="add mod">
+          <ac:chgData name="Mariusz Postół" userId="ca8d45ae-21cb-4030-bbab-1d3a5fb8cc81" providerId="ADAL" clId="{1591E4AB-A173-46AE-9B20-B73D21CA0B1D}" dt="2019-11-25T13:55:35.941" v="1504" actId="207"/>
+          <ac:spMkLst>
+            <pc:docMk/>
+            <pc:sldMk cId="2904689659" sldId="299"/>
+            <ac:spMk id="2" creationId="{53603BEE-04E2-430F-9F1E-E623AA3BDF08}"/>
+          </ac:spMkLst>
+        </pc:spChg>
+      </pc:sldChg>
+      <pc:sldChg chg="addSp modSp add">
+        <pc:chgData name="Mariusz Postół" userId="ca8d45ae-21cb-4030-bbab-1d3a5fb8cc81" providerId="ADAL" clId="{1591E4AB-A173-46AE-9B20-B73D21CA0B1D}" dt="2019-11-25T13:56:59.661" v="1510" actId="207"/>
+        <pc:sldMkLst>
+          <pc:docMk/>
+          <pc:sldMk cId="1349795041" sldId="300"/>
+        </pc:sldMkLst>
+        <pc:spChg chg="add mod">
+          <ac:chgData name="Mariusz Postół" userId="ca8d45ae-21cb-4030-bbab-1d3a5fb8cc81" providerId="ADAL" clId="{1591E4AB-A173-46AE-9B20-B73D21CA0B1D}" dt="2019-11-25T13:56:59.661" v="1510" actId="207"/>
+          <ac:spMkLst>
+            <pc:docMk/>
+            <pc:sldMk cId="1349795041" sldId="300"/>
+            <ac:spMk id="2" creationId="{D0E43337-D8D6-4D1B-8B2C-757A12075907}"/>
+          </ac:spMkLst>
+        </pc:spChg>
+      </pc:sldChg>
+      <pc:sldChg chg="add del">
+        <pc:chgData name="Mariusz Postół" userId="ca8d45ae-21cb-4030-bbab-1d3a5fb8cc81" providerId="ADAL" clId="{1591E4AB-A173-46AE-9B20-B73D21CA0B1D}" dt="2019-11-25T15:34:57.691" v="1913" actId="2696"/>
+        <pc:sldMkLst>
+          <pc:docMk/>
+          <pc:sldMk cId="3303504730" sldId="301"/>
+        </pc:sldMkLst>
+      </pc:sldChg>
+      <pc:sldChg chg="add del">
+        <pc:chgData name="Mariusz Postół" userId="ca8d45ae-21cb-4030-bbab-1d3a5fb8cc81" providerId="ADAL" clId="{1591E4AB-A173-46AE-9B20-B73D21CA0B1D}" dt="2019-11-25T15:34:58.666" v="1914" actId="2696"/>
+        <pc:sldMkLst>
+          <pc:docMk/>
+          <pc:sldMk cId="710663724" sldId="302"/>
+        </pc:sldMkLst>
+      </pc:sldChg>
+      <pc:sldChg chg="addSp modSp add">
+        <pc:chgData name="Mariusz Postół" userId="ca8d45ae-21cb-4030-bbab-1d3a5fb8cc81" providerId="ADAL" clId="{1591E4AB-A173-46AE-9B20-B73D21CA0B1D}" dt="2019-11-25T15:50:36.531" v="1955" actId="20577"/>
+        <pc:sldMkLst>
+          <pc:docMk/>
+          <pc:sldMk cId="3191656865" sldId="303"/>
+        </pc:sldMkLst>
+        <pc:spChg chg="mod">
+          <ac:chgData name="Mariusz Postół" userId="ca8d45ae-21cb-4030-bbab-1d3a5fb8cc81" providerId="ADAL" clId="{1591E4AB-A173-46AE-9B20-B73D21CA0B1D}" dt="2019-11-25T15:50:36.531" v="1955" actId="20577"/>
+          <ac:spMkLst>
+            <pc:docMk/>
+            <pc:sldMk cId="3191656865" sldId="303"/>
+            <ac:spMk id="2" creationId="{2267B48C-3541-4FCD-BF2A-47193A6BB3C8}"/>
+          </ac:spMkLst>
+        </pc:spChg>
+        <pc:spChg chg="add mod">
+          <ac:chgData name="Mariusz Postół" userId="ca8d45ae-21cb-4030-bbab-1d3a5fb8cc81" providerId="ADAL" clId="{1591E4AB-A173-46AE-9B20-B73D21CA0B1D}" dt="2019-11-25T15:35:48.041" v="1919" actId="207"/>
+          <ac:spMkLst>
+            <pc:docMk/>
+            <pc:sldMk cId="3191656865" sldId="303"/>
+            <ac:spMk id="3" creationId="{53C31F9F-67D0-448F-B7F0-536930F71665}"/>
+          </ac:spMkLst>
+        </pc:spChg>
+      </pc:sldChg>
+      <pc:sldChg chg="modSp add">
+        <pc:chgData name="Mariusz Postół" userId="ca8d45ae-21cb-4030-bbab-1d3a5fb8cc81" providerId="ADAL" clId="{1591E4AB-A173-46AE-9B20-B73D21CA0B1D}" dt="2019-11-25T15:51:53.572" v="2027" actId="1076"/>
+        <pc:sldMkLst>
+          <pc:docMk/>
+          <pc:sldMk cId="3677050555" sldId="304"/>
+        </pc:sldMkLst>
+        <pc:spChg chg="mod">
+          <ac:chgData name="Mariusz Postół" userId="ca8d45ae-21cb-4030-bbab-1d3a5fb8cc81" providerId="ADAL" clId="{1591E4AB-A173-46AE-9B20-B73D21CA0B1D}" dt="2019-11-25T15:51:53.572" v="2027" actId="1076"/>
+          <ac:spMkLst>
+            <pc:docMk/>
+            <pc:sldMk cId="3677050555" sldId="304"/>
+            <ac:spMk id="2" creationId="{2267B48C-3541-4FCD-BF2A-47193A6BB3C8}"/>
+          </ac:spMkLst>
+        </pc:spChg>
+        <pc:spChg chg="mod">
+          <ac:chgData name="Mariusz Postół" userId="ca8d45ae-21cb-4030-bbab-1d3a5fb8cc81" providerId="ADAL" clId="{1591E4AB-A173-46AE-9B20-B73D21CA0B1D}" dt="2019-11-25T15:36:12.999" v="1921" actId="1076"/>
+          <ac:spMkLst>
+            <pc:docMk/>
+            <pc:sldMk cId="3677050555" sldId="304"/>
+            <ac:spMk id="3" creationId="{53C31F9F-67D0-448F-B7F0-536930F71665}"/>
+          </ac:spMkLst>
+        </pc:spChg>
+      </pc:sldChg>
+      <pc:sldChg chg="modSp add">
+        <pc:chgData name="Mariusz Postół" userId="ca8d45ae-21cb-4030-bbab-1d3a5fb8cc81" providerId="ADAL" clId="{1591E4AB-A173-46AE-9B20-B73D21CA0B1D}" dt="2019-11-25T19:36:18.360" v="2244" actId="14100"/>
+        <pc:sldMkLst>
+          <pc:docMk/>
+          <pc:sldMk cId="2800598370" sldId="305"/>
+        </pc:sldMkLst>
+        <pc:spChg chg="mod">
+          <ac:chgData name="Mariusz Postół" userId="ca8d45ae-21cb-4030-bbab-1d3a5fb8cc81" providerId="ADAL" clId="{1591E4AB-A173-46AE-9B20-B73D21CA0B1D}" dt="2019-11-25T15:51:44.367" v="2024" actId="1076"/>
+          <ac:spMkLst>
+            <pc:docMk/>
+            <pc:sldMk cId="2800598370" sldId="305"/>
+            <ac:spMk id="2" creationId="{2267B48C-3541-4FCD-BF2A-47193A6BB3C8}"/>
+          </ac:spMkLst>
+        </pc:spChg>
+        <pc:spChg chg="mod">
+          <ac:chgData name="Mariusz Postół" userId="ca8d45ae-21cb-4030-bbab-1d3a5fb8cc81" providerId="ADAL" clId="{1591E4AB-A173-46AE-9B20-B73D21CA0B1D}" dt="2019-11-25T19:36:18.360" v="2244" actId="14100"/>
+          <ac:spMkLst>
+            <pc:docMk/>
+            <pc:sldMk cId="2800598370" sldId="305"/>
+            <ac:spMk id="3" creationId="{53C31F9F-67D0-448F-B7F0-536930F71665}"/>
+          </ac:spMkLst>
+        </pc:spChg>
+      </pc:sldChg>
+      <pc:sldChg chg="modSp add">
+        <pc:chgData name="Mariusz Postół" userId="ca8d45ae-21cb-4030-bbab-1d3a5fb8cc81" providerId="ADAL" clId="{1591E4AB-A173-46AE-9B20-B73D21CA0B1D}" dt="2019-11-25T15:52:59.527" v="2061" actId="790"/>
+        <pc:sldMkLst>
+          <pc:docMk/>
+          <pc:sldMk cId="3502692777" sldId="306"/>
+        </pc:sldMkLst>
+        <pc:spChg chg="mod">
+          <ac:chgData name="Mariusz Postół" userId="ca8d45ae-21cb-4030-bbab-1d3a5fb8cc81" providerId="ADAL" clId="{1591E4AB-A173-46AE-9B20-B73D21CA0B1D}" dt="2019-11-25T15:52:59.527" v="2061" actId="790"/>
+          <ac:spMkLst>
+            <pc:docMk/>
+            <pc:sldMk cId="3502692777" sldId="306"/>
+            <ac:spMk id="2" creationId="{2267B48C-3541-4FCD-BF2A-47193A6BB3C8}"/>
+          </ac:spMkLst>
+        </pc:spChg>
+        <pc:spChg chg="mod">
+          <ac:chgData name="Mariusz Postół" userId="ca8d45ae-21cb-4030-bbab-1d3a5fb8cc81" providerId="ADAL" clId="{1591E4AB-A173-46AE-9B20-B73D21CA0B1D}" dt="2019-11-25T15:45:36.283" v="1932" actId="1076"/>
+          <ac:spMkLst>
+            <pc:docMk/>
+            <pc:sldMk cId="3502692777" sldId="306"/>
+            <ac:spMk id="3" creationId="{53C31F9F-67D0-448F-B7F0-536930F71665}"/>
+          </ac:spMkLst>
+        </pc:spChg>
+      </pc:sldChg>
+      <pc:sldChg chg="modSp add">
+        <pc:chgData name="Mariusz Postół" userId="ca8d45ae-21cb-4030-bbab-1d3a5fb8cc81" providerId="ADAL" clId="{1591E4AB-A173-46AE-9B20-B73D21CA0B1D}" dt="2019-11-25T15:54:19.427" v="2066" actId="14100"/>
+        <pc:sldMkLst>
+          <pc:docMk/>
+          <pc:sldMk cId="1920225584" sldId="307"/>
+        </pc:sldMkLst>
+        <pc:spChg chg="mod">
+          <ac:chgData name="Mariusz Postół" userId="ca8d45ae-21cb-4030-bbab-1d3a5fb8cc81" providerId="ADAL" clId="{1591E4AB-A173-46AE-9B20-B73D21CA0B1D}" dt="2019-11-25T15:54:19.427" v="2066" actId="14100"/>
+          <ac:spMkLst>
+            <pc:docMk/>
+            <pc:sldMk cId="1920225584" sldId="307"/>
+            <ac:spMk id="3" creationId="{53C31F9F-67D0-448F-B7F0-536930F71665}"/>
+          </ac:spMkLst>
+        </pc:spChg>
+      </pc:sldChg>
+      <pc:sldChg chg="add">
+        <pc:chgData name="Mariusz Postół" userId="ca8d45ae-21cb-4030-bbab-1d3a5fb8cc81" providerId="ADAL" clId="{1591E4AB-A173-46AE-9B20-B73D21CA0B1D}" dt="2019-11-25T16:13:01.708" v="2167"/>
+        <pc:sldMkLst>
+          <pc:docMk/>
+          <pc:sldMk cId="592580773" sldId="308"/>
+        </pc:sldMkLst>
+      </pc:sldChg>
+    </pc:docChg>
+  </pc:docChgLst>
+  <pc:docChgLst>
+    <pc:chgData name="Mariusz Postol" userId="a9bd224de8a96e2b" providerId="Windows Live" clId="Web-{640444EA-C7F1-4BC2-9675-65DA290B6562}"/>
+    <pc:docChg chg="modSld sldOrd">
+      <pc:chgData name="Mariusz Postol" userId="a9bd224de8a96e2b" providerId="Windows Live" clId="Web-{640444EA-C7F1-4BC2-9675-65DA290B6562}" dt="2019-06-26T20:49:21.283" v="577" actId="20577"/>
+      <pc:docMkLst>
+        <pc:docMk/>
+      </pc:docMkLst>
+      <pc:sldChg chg="modSp">
+        <pc:chgData name="Mariusz Postol" userId="a9bd224de8a96e2b" providerId="Windows Live" clId="Web-{640444EA-C7F1-4BC2-9675-65DA290B6562}" dt="2019-06-26T19:09:04.069" v="318" actId="14100"/>
+        <pc:sldMkLst>
+          <pc:docMk/>
+          <pc:sldMk cId="0" sldId="256"/>
+        </pc:sldMkLst>
+        <pc:spChg chg="mod">
+          <ac:chgData name="Mariusz Postol" userId="a9bd224de8a96e2b" providerId="Windows Live" clId="Web-{640444EA-C7F1-4BC2-9675-65DA290B6562}" dt="2019-06-26T19:09:04.069" v="318" actId="14100"/>
+          <ac:spMkLst>
+            <pc:docMk/>
+            <pc:sldMk cId="0" sldId="256"/>
+            <ac:spMk id="2" creationId="{00000000-0000-0000-0000-000000000000}"/>
+          </ac:spMkLst>
+        </pc:spChg>
+        <pc:spChg chg="mod">
+          <ac:chgData name="Mariusz Postol" userId="a9bd224de8a96e2b" providerId="Windows Live" clId="Web-{640444EA-C7F1-4BC2-9675-65DA290B6562}" dt="2019-06-26T19:08:21.069" v="309" actId="1076"/>
+          <ac:spMkLst>
+            <pc:docMk/>
+            <pc:sldMk cId="0" sldId="256"/>
+            <ac:spMk id="3" creationId="{00000000-0000-0000-0000-000000000000}"/>
+          </ac:spMkLst>
+        </pc:spChg>
+      </pc:sldChg>
+      <pc:sldChg chg="modSp">
+        <pc:chgData name="Mariusz Postol" userId="a9bd224de8a96e2b" providerId="Windows Live" clId="Web-{640444EA-C7F1-4BC2-9675-65DA290B6562}" dt="2019-06-26T20:49:11.252" v="575" actId="20577"/>
+        <pc:sldMkLst>
+          <pc:docMk/>
+          <pc:sldMk cId="0" sldId="258"/>
+        </pc:sldMkLst>
+        <pc:spChg chg="mod">
+          <ac:chgData name="Mariusz Postol" userId="a9bd224de8a96e2b" providerId="Windows Live" clId="Web-{640444EA-C7F1-4BC2-9675-65DA290B6562}" dt="2019-06-26T20:12:54.660" v="558" actId="14100"/>
+          <ac:spMkLst>
+            <pc:docMk/>
+            <pc:sldMk cId="0" sldId="258"/>
+            <ac:spMk id="2" creationId="{00000000-0000-0000-0000-000000000000}"/>
+          </ac:spMkLst>
+        </pc:spChg>
+        <pc:spChg chg="mod">
+          <ac:chgData name="Mariusz Postol" userId="a9bd224de8a96e2b" providerId="Windows Live" clId="Web-{640444EA-C7F1-4BC2-9675-65DA290B6562}" dt="2019-06-26T20:49:11.252" v="575" actId="20577"/>
+          <ac:spMkLst>
+            <pc:docMk/>
+            <pc:sldMk cId="0" sldId="258"/>
+            <ac:spMk id="3" creationId="{00000000-0000-0000-0000-000000000000}"/>
+          </ac:spMkLst>
+        </pc:spChg>
+      </pc:sldChg>
+      <pc:sldChg chg="modSp">
+        <pc:chgData name="Mariusz Postol" userId="a9bd224de8a96e2b" providerId="Windows Live" clId="Web-{640444EA-C7F1-4BC2-9675-65DA290B6562}" dt="2019-06-26T20:39:06.815" v="573" actId="20577"/>
+        <pc:sldMkLst>
+          <pc:docMk/>
+          <pc:sldMk cId="0" sldId="259"/>
+        </pc:sldMkLst>
+        <pc:spChg chg="mod">
+          <ac:chgData name="Mariusz Postol" userId="a9bd224de8a96e2b" providerId="Windows Live" clId="Web-{640444EA-C7F1-4BC2-9675-65DA290B6562}" dt="2019-06-26T19:29:03.396" v="387" actId="1076"/>
+          <ac:spMkLst>
+            <pc:docMk/>
+            <pc:sldMk cId="0" sldId="259"/>
+            <ac:spMk id="2" creationId="{00000000-0000-0000-0000-000000000000}"/>
+          </ac:spMkLst>
+        </pc:spChg>
+        <pc:spChg chg="mod">
+          <ac:chgData name="Mariusz Postol" userId="a9bd224de8a96e2b" providerId="Windows Live" clId="Web-{640444EA-C7F1-4BC2-9675-65DA290B6562}" dt="2019-06-26T20:39:06.815" v="573" actId="20577"/>
+          <ac:spMkLst>
+            <pc:docMk/>
+            <pc:sldMk cId="0" sldId="259"/>
+            <ac:spMk id="3" creationId="{00000000-0000-0000-0000-000000000000}"/>
+          </ac:spMkLst>
+        </pc:spChg>
+      </pc:sldChg>
+      <pc:sldChg chg="modSp mod modShow">
+        <pc:chgData name="Mariusz Postol" userId="a9bd224de8a96e2b" providerId="Windows Live" clId="Web-{640444EA-C7F1-4BC2-9675-65DA290B6562}" dt="2019-06-26T19:44:18.036" v="502"/>
+        <pc:sldMkLst>
+          <pc:docMk/>
+          <pc:sldMk cId="2076735032" sldId="261"/>
+        </pc:sldMkLst>
+        <pc:spChg chg="mod">
+          <ac:chgData name="Mariusz Postol" userId="a9bd224de8a96e2b" providerId="Windows Live" clId="Web-{640444EA-C7F1-4BC2-9675-65DA290B6562}" dt="2019-06-26T19:43:42.833" v="501" actId="1076"/>
+          <ac:spMkLst>
+            <pc:docMk/>
+            <pc:sldMk cId="2076735032" sldId="261"/>
+            <ac:spMk id="4" creationId="{00000000-0000-0000-0000-000000000000}"/>
+          </ac:spMkLst>
+        </pc:spChg>
+      </pc:sldChg>
+      <pc:sldChg chg="modSp mod modShow">
+        <pc:chgData name="Mariusz Postol" userId="a9bd224de8a96e2b" providerId="Windows Live" clId="Web-{640444EA-C7F1-4BC2-9675-65DA290B6562}" dt="2019-06-26T20:34:29.768" v="569"/>
+        <pc:sldMkLst>
+          <pc:docMk/>
+          <pc:sldMk cId="3011454434" sldId="269"/>
+        </pc:sldMkLst>
+        <pc:spChg chg="mod">
+          <ac:chgData name="Mariusz Postol" userId="a9bd224de8a96e2b" providerId="Windows Live" clId="Web-{640444EA-C7F1-4BC2-9675-65DA290B6562}" dt="2019-06-26T19:39:01.427" v="494" actId="1076"/>
+          <ac:spMkLst>
+            <pc:docMk/>
+            <pc:sldMk cId="3011454434" sldId="269"/>
+            <ac:spMk id="58" creationId="{00000000-0000-0000-0000-000000000000}"/>
+          </ac:spMkLst>
+        </pc:spChg>
+        <pc:graphicFrameChg chg="modGraphic">
+          <ac:chgData name="Mariusz Postol" userId="a9bd224de8a96e2b" providerId="Windows Live" clId="Web-{640444EA-C7F1-4BC2-9675-65DA290B6562}" dt="2019-06-26T19:37:17.458" v="451" actId="20577"/>
+          <ac:graphicFrameMkLst>
+            <pc:docMk/>
+            <pc:sldMk cId="3011454434" sldId="269"/>
+            <ac:graphicFrameMk id="56" creationId="{00000000-0000-0000-0000-000000000000}"/>
+          </ac:graphicFrameMkLst>
+        </pc:graphicFrameChg>
+      </pc:sldChg>
+      <pc:sldChg chg="mod modShow">
+        <pc:chgData name="Mariusz Postol" userId="a9bd224de8a96e2b" providerId="Windows Live" clId="Web-{640444EA-C7F1-4BC2-9675-65DA290B6562}" dt="2019-06-26T19:39:46.021" v="495"/>
+        <pc:sldMkLst>
+          <pc:docMk/>
+          <pc:sldMk cId="2762644057" sldId="276"/>
+        </pc:sldMkLst>
+      </pc:sldChg>
+      <pc:sldChg chg="modSp mod modShow">
+        <pc:chgData name="Mariusz Postol" userId="a9bd224de8a96e2b" providerId="Windows Live" clId="Web-{640444EA-C7F1-4BC2-9675-65DA290B6562}" dt="2019-06-26T19:06:14.350" v="295" actId="14100"/>
+        <pc:sldMkLst>
+          <pc:docMk/>
+          <pc:sldMk cId="1154012907" sldId="277"/>
+        </pc:sldMkLst>
+        <pc:spChg chg="mod">
+          <ac:chgData name="Mariusz Postol" userId="a9bd224de8a96e2b" providerId="Windows Live" clId="Web-{640444EA-C7F1-4BC2-9675-65DA290B6562}" dt="2019-06-26T19:06:06.710" v="294" actId="1076"/>
+          <ac:spMkLst>
+            <pc:docMk/>
+            <pc:sldMk cId="1154012907" sldId="277"/>
+            <ac:spMk id="2" creationId="{00000000-0000-0000-0000-000000000000}"/>
+          </ac:spMkLst>
+        </pc:spChg>
+        <pc:picChg chg="mod ord">
+          <ac:chgData name="Mariusz Postol" userId="a9bd224de8a96e2b" providerId="Windows Live" clId="Web-{640444EA-C7F1-4BC2-9675-65DA290B6562}" dt="2019-06-26T19:06:14.350" v="295" actId="14100"/>
+          <ac:picMkLst>
+            <pc:docMk/>
+            <pc:sldMk cId="1154012907" sldId="277"/>
+            <ac:picMk id="3" creationId="{00000000-0000-0000-0000-000000000000}"/>
+          </ac:picMkLst>
+        </pc:picChg>
+      </pc:sldChg>
+      <pc:sldChg chg="delSp modSp ord delAnim modNotes">
+        <pc:chgData name="Mariusz Postol" userId="a9bd224de8a96e2b" providerId="Windows Live" clId="Web-{640444EA-C7F1-4BC2-9675-65DA290B6562}" dt="2019-06-26T20:17:07.191" v="566" actId="20577"/>
+        <pc:sldMkLst>
+          <pc:docMk/>
+          <pc:sldMk cId="1501389749" sldId="278"/>
+        </pc:sldMkLst>
+        <pc:spChg chg="mod">
+          <ac:chgData name="Mariusz Postol" userId="a9bd224de8a96e2b" providerId="Windows Live" clId="Web-{640444EA-C7F1-4BC2-9675-65DA290B6562}" dt="2019-06-26T19:30:23.224" v="398" actId="1076"/>
+          <ac:spMkLst>
+            <pc:docMk/>
+            <pc:sldMk cId="1501389749" sldId="278"/>
+            <ac:spMk id="2" creationId="{00000000-0000-0000-0000-000000000000}"/>
+          </ac:spMkLst>
+        </pc:spChg>
+        <pc:spChg chg="mod">
+          <ac:chgData name="Mariusz Postol" userId="a9bd224de8a96e2b" providerId="Windows Live" clId="Web-{640444EA-C7F1-4BC2-9675-65DA290B6562}" dt="2019-06-26T20:17:07.191" v="566" actId="20577"/>
+          <ac:spMkLst>
+            <pc:docMk/>
+            <pc:sldMk cId="1501389749" sldId="278"/>
+            <ac:spMk id="3" creationId="{00000000-0000-0000-0000-000000000000}"/>
+          </ac:spMkLst>
+        </pc:spChg>
+        <pc:spChg chg="del mod">
+          <ac:chgData name="Mariusz Postol" userId="a9bd224de8a96e2b" providerId="Windows Live" clId="Web-{640444EA-C7F1-4BC2-9675-65DA290B6562}" dt="2019-06-26T19:56:17.598" v="518"/>
+          <ac:spMkLst>
+            <pc:docMk/>
+            <pc:sldMk cId="1501389749" sldId="278"/>
+            <ac:spMk id="5" creationId="{00000000-0000-0000-0000-000000000000}"/>
+          </ac:spMkLst>
+        </pc:spChg>
+      </pc:sldChg>
+      <pc:sldChg chg="modSp">
+        <pc:chgData name="Mariusz Postol" userId="a9bd224de8a96e2b" providerId="Windows Live" clId="Web-{640444EA-C7F1-4BC2-9675-65DA290B6562}" dt="2019-06-26T19:04:56.491" v="290" actId="14100"/>
+        <pc:sldMkLst>
+          <pc:docMk/>
+          <pc:sldMk cId="271452991" sldId="280"/>
+        </pc:sldMkLst>
+        <pc:spChg chg="mod">
+          <ac:chgData name="Mariusz Postol" userId="a9bd224de8a96e2b" providerId="Windows Live" clId="Web-{640444EA-C7F1-4BC2-9675-65DA290B6562}" dt="2019-06-26T19:04:49.272" v="287" actId="20577"/>
+          <ac:spMkLst>
+            <pc:docMk/>
+            <pc:sldMk cId="271452991" sldId="280"/>
+            <ac:spMk id="2" creationId="{00000000-0000-0000-0000-000000000000}"/>
+          </ac:spMkLst>
+        </pc:spChg>
+        <pc:picChg chg="mod">
+          <ac:chgData name="Mariusz Postol" userId="a9bd224de8a96e2b" providerId="Windows Live" clId="Web-{640444EA-C7F1-4BC2-9675-65DA290B6562}" dt="2019-06-26T19:04:56.491" v="290" actId="14100"/>
+          <ac:picMkLst>
+            <pc:docMk/>
+            <pc:sldMk cId="271452991" sldId="280"/>
+            <ac:picMk id="3" creationId="{00000000-0000-0000-0000-000000000000}"/>
+          </ac:picMkLst>
+        </pc:picChg>
+      </pc:sldChg>
+      <pc:sldChg chg="modSp">
+        <pc:chgData name="Mariusz Postol" userId="a9bd224de8a96e2b" providerId="Windows Live" clId="Web-{640444EA-C7F1-4BC2-9675-65DA290B6562}" dt="2019-06-26T19:03:57.788" v="259" actId="14100"/>
+        <pc:sldMkLst>
+          <pc:docMk/>
+          <pc:sldMk cId="2435148504" sldId="281"/>
+        </pc:sldMkLst>
+        <pc:spChg chg="mod">
+          <ac:chgData name="Mariusz Postol" userId="a9bd224de8a96e2b" providerId="Windows Live" clId="Web-{640444EA-C7F1-4BC2-9675-65DA290B6562}" dt="2019-06-26T19:03:48.913" v="258" actId="1076"/>
+          <ac:spMkLst>
+            <pc:docMk/>
+            <pc:sldMk cId="2435148504" sldId="281"/>
+            <ac:spMk id="2" creationId="{00000000-0000-0000-0000-000000000000}"/>
+          </ac:spMkLst>
+        </pc:spChg>
+        <pc:picChg chg="mod">
+          <ac:chgData name="Mariusz Postol" userId="a9bd224de8a96e2b" providerId="Windows Live" clId="Web-{640444EA-C7F1-4BC2-9675-65DA290B6562}" dt="2019-06-26T19:03:57.788" v="259" actId="14100"/>
+          <ac:picMkLst>
+            <pc:docMk/>
+            <pc:sldMk cId="2435148504" sldId="281"/>
+            <ac:picMk id="3" creationId="{00000000-0000-0000-0000-000000000000}"/>
+          </ac:picMkLst>
+        </pc:picChg>
+      </pc:sldChg>
+      <pc:sldChg chg="modSp">
+        <pc:chgData name="Mariusz Postol" userId="a9bd224de8a96e2b" providerId="Windows Live" clId="Web-{640444EA-C7F1-4BC2-9675-65DA290B6562}" dt="2019-06-26T18:57:00.382" v="255" actId="1076"/>
+        <pc:sldMkLst>
+          <pc:docMk/>
+          <pc:sldMk cId="3191445385" sldId="282"/>
+        </pc:sldMkLst>
+        <pc:spChg chg="mod">
+          <ac:chgData name="Mariusz Postol" userId="a9bd224de8a96e2b" providerId="Windows Live" clId="Web-{640444EA-C7F1-4BC2-9675-65DA290B6562}" dt="2019-06-26T18:57:00.382" v="255" actId="1076"/>
+          <ac:spMkLst>
+            <pc:docMk/>
+            <pc:sldMk cId="3191445385" sldId="282"/>
+            <ac:spMk id="4" creationId="{00000000-0000-0000-0000-000000000000}"/>
+          </ac:spMkLst>
+        </pc:spChg>
+      </pc:sldChg>
+      <pc:sldChg chg="modSp">
+        <pc:chgData name="Mariusz Postol" userId="a9bd224de8a96e2b" providerId="Windows Live" clId="Web-{640444EA-C7F1-4BC2-9675-65DA290B6562}" dt="2019-06-26T18:56:06.523" v="209" actId="20577"/>
+        <pc:sldMkLst>
+          <pc:docMk/>
+          <pc:sldMk cId="4019951972" sldId="283"/>
+        </pc:sldMkLst>
+        <pc:spChg chg="mod">
+          <ac:chgData name="Mariusz Postol" userId="a9bd224de8a96e2b" providerId="Windows Live" clId="Web-{640444EA-C7F1-4BC2-9675-65DA290B6562}" dt="2019-06-26T18:56:06.523" v="209" actId="20577"/>
+          <ac:spMkLst>
+            <pc:docMk/>
+            <pc:sldMk cId="4019951972" sldId="283"/>
+            <ac:spMk id="2" creationId="{00000000-0000-0000-0000-000000000000}"/>
+          </ac:spMkLst>
+        </pc:spChg>
+      </pc:sldChg>
+      <pc:sldChg chg="modSp">
+        <pc:chgData name="Mariusz Postol" userId="a9bd224de8a96e2b" providerId="Windows Live" clId="Web-{640444EA-C7F1-4BC2-9675-65DA290B6562}" dt="2019-06-26T18:55:23.038" v="160" actId="20577"/>
+        <pc:sldMkLst>
+          <pc:docMk/>
+          <pc:sldMk cId="3745401701" sldId="284"/>
+        </pc:sldMkLst>
+        <pc:graphicFrameChg chg="modGraphic">
+          <ac:chgData name="Mariusz Postol" userId="a9bd224de8a96e2b" providerId="Windows Live" clId="Web-{640444EA-C7F1-4BC2-9675-65DA290B6562}" dt="2019-06-26T18:55:23.038" v="160" actId="20577"/>
+          <ac:graphicFrameMkLst>
+            <pc:docMk/>
+            <pc:sldMk cId="3745401701" sldId="284"/>
+            <ac:graphicFrameMk id="8" creationId="{00000000-0000-0000-0000-000000000000}"/>
+          </ac:graphicFrameMkLst>
+        </pc:graphicFrameChg>
+      </pc:sldChg>
+      <pc:sldChg chg="modSp ord">
+        <pc:chgData name="Mariusz Postol" userId="a9bd224de8a96e2b" providerId="Windows Live" clId="Web-{640444EA-C7F1-4BC2-9675-65DA290B6562}" dt="2019-06-26T18:07:35.684" v="11"/>
+        <pc:sldMkLst>
+          <pc:docMk/>
+          <pc:sldMk cId="0" sldId="285"/>
+        </pc:sldMkLst>
+        <pc:spChg chg="mod">
+          <ac:chgData name="Mariusz Postol" userId="a9bd224de8a96e2b" providerId="Windows Live" clId="Web-{640444EA-C7F1-4BC2-9675-65DA290B6562}" dt="2019-06-26T18:03:28.155" v="8" actId="1076"/>
+          <ac:spMkLst>
+            <pc:docMk/>
+            <pc:sldMk cId="0" sldId="285"/>
+            <ac:spMk id="2" creationId="{00000000-0000-0000-0000-000000000000}"/>
+          </ac:spMkLst>
+        </pc:spChg>
+        <pc:picChg chg="mod">
+          <ac:chgData name="Mariusz Postol" userId="a9bd224de8a96e2b" providerId="Windows Live" clId="Web-{640444EA-C7F1-4BC2-9675-65DA290B6562}" dt="2019-06-26T18:03:41.889" v="10" actId="14100"/>
+          <ac:picMkLst>
+            <pc:docMk/>
+            <pc:sldMk cId="0" sldId="285"/>
+            <ac:picMk id="22530" creationId="{00000000-0000-0000-0000-000000000000}"/>
+          </ac:picMkLst>
+        </pc:picChg>
+      </pc:sldChg>
+      <pc:sldChg chg="modSp">
+        <pc:chgData name="Mariusz Postol" userId="a9bd224de8a96e2b" providerId="Windows Live" clId="Web-{640444EA-C7F1-4BC2-9675-65DA290B6562}" dt="2019-06-26T18:28:08.397" v="112" actId="1076"/>
+        <pc:sldMkLst>
+          <pc:docMk/>
+          <pc:sldMk cId="3191445385" sldId="286"/>
+        </pc:sldMkLst>
+        <pc:spChg chg="mod">
+          <ac:chgData name="Mariusz Postol" userId="a9bd224de8a96e2b" providerId="Windows Live" clId="Web-{640444EA-C7F1-4BC2-9675-65DA290B6562}" dt="2019-06-26T18:28:08.397" v="112" actId="1076"/>
+          <ac:spMkLst>
+            <pc:docMk/>
+            <pc:sldMk cId="3191445385" sldId="286"/>
+            <ac:spMk id="4" creationId="{00000000-0000-0000-0000-000000000000}"/>
+          </ac:spMkLst>
+        </pc:spChg>
+      </pc:sldChg>
+      <pc:sldChg chg="modSp">
+        <pc:chgData name="Mariusz Postol" userId="a9bd224de8a96e2b" providerId="Windows Live" clId="Web-{640444EA-C7F1-4BC2-9675-65DA290B6562}" dt="2019-06-26T18:02:25.062" v="5" actId="14100"/>
+        <pc:sldMkLst>
+          <pc:docMk/>
+          <pc:sldMk cId="3993606669" sldId="287"/>
+        </pc:sldMkLst>
+        <pc:spChg chg="mod">
+          <ac:chgData name="Mariusz Postol" userId="a9bd224de8a96e2b" providerId="Windows Live" clId="Web-{640444EA-C7F1-4BC2-9675-65DA290B6562}" dt="2019-06-26T18:02:16.827" v="3" actId="1076"/>
+          <ac:spMkLst>
+            <pc:docMk/>
+            <pc:sldMk cId="3993606669" sldId="287"/>
+            <ac:spMk id="2" creationId="{FE741F82-0698-4209-89CE-62D7FBCBFE62}"/>
+          </ac:spMkLst>
+        </pc:spChg>
+        <pc:picChg chg="mod">
+          <ac:chgData name="Mariusz Postol" userId="a9bd224de8a96e2b" providerId="Windows Live" clId="Web-{640444EA-C7F1-4BC2-9675-65DA290B6562}" dt="2019-06-26T18:02:25.062" v="5" actId="14100"/>
+          <ac:picMkLst>
+            <pc:docMk/>
+            <pc:sldMk cId="3993606669" sldId="287"/>
+            <ac:picMk id="4" creationId="{FD8FE124-51A0-4842-BD32-96B0A1A8FFD4}"/>
+          </ac:picMkLst>
+        </pc:picChg>
+      </pc:sldChg>
+    </pc:docChg>
+  </pc:docChgLst>
+  <pc:docChgLst>
+    <pc:chgData name="Mariusz Postol" userId="a9bd224de8a96e2b" providerId="Windows Live" clId="Web-{9593A5D6-A4CF-4DB2-8BD7-2C1D0B33C4CD}"/>
+    <pc:docChg chg="addSld delSld modSld sldOrd">
+      <pc:chgData name="Mariusz Postol" userId="a9bd224de8a96e2b" providerId="Windows Live" clId="Web-{9593A5D6-A4CF-4DB2-8BD7-2C1D0B33C4CD}" dt="2019-06-26T17:57:18.666" v="365" actId="20577"/>
+      <pc:docMkLst>
+        <pc:docMk/>
+      </pc:docMkLst>
+      <pc:sldChg chg="modSp">
+        <pc:chgData name="Mariusz Postol" userId="a9bd224de8a96e2b" providerId="Windows Live" clId="Web-{9593A5D6-A4CF-4DB2-8BD7-2C1D0B33C4CD}" dt="2019-06-26T17:47:58.884" v="280" actId="14100"/>
+        <pc:sldMkLst>
+          <pc:docMk/>
+          <pc:sldMk cId="0" sldId="259"/>
+        </pc:sldMkLst>
+        <pc:spChg chg="mod">
+          <ac:chgData name="Mariusz Postol" userId="a9bd224de8a96e2b" providerId="Windows Live" clId="Web-{9593A5D6-A4CF-4DB2-8BD7-2C1D0B33C4CD}" dt="2019-06-26T17:47:58.884" v="280" actId="14100"/>
+          <ac:spMkLst>
+            <pc:docMk/>
+            <pc:sldMk cId="0" sldId="259"/>
+            <ac:spMk id="3" creationId="{00000000-0000-0000-0000-000000000000}"/>
+          </ac:spMkLst>
+        </pc:spChg>
+      </pc:sldChg>
+      <pc:sldChg chg="modSp">
+        <pc:chgData name="Mariusz Postol" userId="a9bd224de8a96e2b" providerId="Windows Live" clId="Web-{9593A5D6-A4CF-4DB2-8BD7-2C1D0B33C4CD}" dt="2019-06-26T17:49:27.431" v="293" actId="20577"/>
+        <pc:sldMkLst>
+          <pc:docMk/>
+          <pc:sldMk cId="848164968" sldId="266"/>
+        </pc:sldMkLst>
+        <pc:spChg chg="mod">
+          <ac:chgData name="Mariusz Postol" userId="a9bd224de8a96e2b" providerId="Windows Live" clId="Web-{9593A5D6-A4CF-4DB2-8BD7-2C1D0B33C4CD}" dt="2019-06-26T17:49:27.431" v="293" actId="20577"/>
+          <ac:spMkLst>
+            <pc:docMk/>
+            <pc:sldMk cId="848164968" sldId="266"/>
+            <ac:spMk id="2" creationId="{00000000-0000-0000-0000-000000000000}"/>
+          </ac:spMkLst>
+        </pc:spChg>
+      </pc:sldChg>
+      <pc:sldChg chg="mod modShow">
+        <pc:chgData name="Mariusz Postol" userId="a9bd224de8a96e2b" providerId="Windows Live" clId="Web-{9593A5D6-A4CF-4DB2-8BD7-2C1D0B33C4CD}" dt="2019-06-26T17:51:05.494" v="295"/>
+        <pc:sldMkLst>
+          <pc:docMk/>
+          <pc:sldMk cId="1886500423" sldId="275"/>
+        </pc:sldMkLst>
+      </pc:sldChg>
+      <pc:sldChg chg="modSp">
+        <pc:chgData name="Mariusz Postol" userId="a9bd224de8a96e2b" providerId="Windows Live" clId="Web-{9593A5D6-A4CF-4DB2-8BD7-2C1D0B33C4CD}" dt="2019-06-26T17:52:03.869" v="296"/>
+        <pc:sldMkLst>
+          <pc:docMk/>
+          <pc:sldMk cId="2762644057" sldId="276"/>
+        </pc:sldMkLst>
+        <pc:picChg chg="ord">
+          <ac:chgData name="Mariusz Postol" userId="a9bd224de8a96e2b" providerId="Windows Live" clId="Web-{9593A5D6-A4CF-4DB2-8BD7-2C1D0B33C4CD}" dt="2019-06-26T17:52:03.869" v="296"/>
+          <ac:picMkLst>
+            <pc:docMk/>
+            <pc:sldMk cId="2762644057" sldId="276"/>
+            <ac:picMk id="58372" creationId="{00000000-0000-0000-0000-000000000000}"/>
+          </ac:picMkLst>
+        </pc:picChg>
+      </pc:sldChg>
+      <pc:sldChg chg="del">
+        <pc:chgData name="Mariusz Postol" userId="a9bd224de8a96e2b" providerId="Windows Live" clId="Web-{9593A5D6-A4CF-4DB2-8BD7-2C1D0B33C4CD}" dt="2019-06-26T17:52:53.244" v="297"/>
+        <pc:sldMkLst>
+          <pc:docMk/>
+          <pc:sldMk cId="2758305328" sldId="279"/>
+        </pc:sldMkLst>
+      </pc:sldChg>
+      <pc:sldChg chg="ord">
+        <pc:chgData name="Mariusz Postol" userId="a9bd224de8a96e2b" providerId="Windows Live" clId="Web-{9593A5D6-A4CF-4DB2-8BD7-2C1D0B33C4CD}" dt="2019-06-26T17:53:57.619" v="300"/>
+        <pc:sldMkLst>
+          <pc:docMk/>
+          <pc:sldMk cId="0" sldId="285"/>
+        </pc:sldMkLst>
+      </pc:sldChg>
+      <pc:sldChg chg="addSp delSp modSp new ord">
+        <pc:chgData name="Mariusz Postol" userId="a9bd224de8a96e2b" providerId="Windows Live" clId="Web-{9593A5D6-A4CF-4DB2-8BD7-2C1D0B33C4CD}" dt="2019-06-26T17:57:13.963" v="363" actId="20577"/>
+        <pc:sldMkLst>
+          <pc:docMk/>
+          <pc:sldMk cId="3993606669" sldId="287"/>
+        </pc:sldMkLst>
+        <pc:spChg chg="mod">
+          <ac:chgData name="Mariusz Postol" userId="a9bd224de8a96e2b" providerId="Windows Live" clId="Web-{9593A5D6-A4CF-4DB2-8BD7-2C1D0B33C4CD}" dt="2019-06-26T17:57:13.963" v="363" actId="20577"/>
+          <ac:spMkLst>
+            <pc:docMk/>
+            <pc:sldMk cId="3993606669" sldId="287"/>
+            <ac:spMk id="2" creationId="{FE741F82-0698-4209-89CE-62D7FBCBFE62}"/>
+          </ac:spMkLst>
+        </pc:spChg>
+        <pc:spChg chg="del">
+          <ac:chgData name="Mariusz Postol" userId="a9bd224de8a96e2b" providerId="Windows Live" clId="Web-{9593A5D6-A4CF-4DB2-8BD7-2C1D0B33C4CD}" dt="2019-06-26T17:56:04.776" v="301"/>
+          <ac:spMkLst>
+            <pc:docMk/>
+            <pc:sldMk cId="3993606669" sldId="287"/>
+            <ac:spMk id="3" creationId="{06D2AEE4-E0AB-4569-AE7D-37F89BE5D86E}"/>
+          </ac:spMkLst>
+        </pc:spChg>
+        <pc:picChg chg="add mod ord">
+          <ac:chgData name="Mariusz Postol" userId="a9bd224de8a96e2b" providerId="Windows Live" clId="Web-{9593A5D6-A4CF-4DB2-8BD7-2C1D0B33C4CD}" dt="2019-06-26T17:56:27.729" v="303" actId="14100"/>
+          <ac:picMkLst>
+            <pc:docMk/>
+            <pc:sldMk cId="3993606669" sldId="287"/>
+            <ac:picMk id="4" creationId="{FD8FE124-51A0-4842-BD32-96B0A1A8FFD4}"/>
+          </ac:picMkLst>
+        </pc:picChg>
+      </pc:sldChg>
     </pc:docChg>
   </pc:docChgLst>
 </pc:chgInfo>
@@ -10613,7 +10613,7 @@
             <a:fld id="{301268CA-ED1D-4AAE-902A-185C940766BC}" type="datetimeFigureOut">
               <a:rPr lang="pl-PL" smtClean="0"/>
               <a:pPr/>
-              <a:t>02.06.2021</a:t>
+              <a:t>05.06.2021</a:t>
             </a:fld>
             <a:endParaRPr lang="pl-PL"/>
           </a:p>
@@ -12965,7 +12965,7 @@
         <p:spPr>
           <a:xfrm>
             <a:off x="263352" y="6356350"/>
-            <a:ext cx="936104" cy="365125"/>
+            <a:ext cx="1152128" cy="365125"/>
           </a:xfrm>
         </p:spPr>
         <p:txBody>
@@ -15084,7 +15084,7 @@
           <p:nvPr/>
         </p:nvPicPr>
         <p:blipFill>
-          <a:blip r:embed="rId2">
+          <a:blip r:embed="rId2" cstate="print">
             <a:extLst>
               <a:ext uri="{28A0092B-C50C-407E-A947-70E740481C1C}">
                 <a14:useLocalDpi xmlns:a14="http://schemas.microsoft.com/office/drawing/2010/main" val="0"/>
@@ -15240,7 +15240,7 @@
           <p:nvPr/>
         </p:nvPicPr>
         <p:blipFill>
-          <a:blip r:embed="rId2">
+          <a:blip r:embed="rId2" cstate="print">
             <a:extLst>
               <a:ext uri="{28A0092B-C50C-407E-A947-70E740481C1C}">
                 <a14:useLocalDpi xmlns:a14="http://schemas.microsoft.com/office/drawing/2010/main" val="0"/>
@@ -15400,7 +15400,7 @@
           <p:nvPr/>
         </p:nvPicPr>
         <p:blipFill>
-          <a:blip r:embed="rId2">
+          <a:blip r:embed="rId2" cstate="print">
             <a:extLst>
               <a:ext uri="{28A0092B-C50C-407E-A947-70E740481C1C}">
                 <a14:useLocalDpi xmlns:a14="http://schemas.microsoft.com/office/drawing/2010/main" val="0"/>
@@ -15846,7 +15846,7 @@
           <p:nvPr/>
         </p:nvPicPr>
         <p:blipFill>
-          <a:blip r:embed="rId2">
+          <a:blip r:embed="rId2" cstate="print">
             <a:extLst>
               <a:ext uri="{28A0092B-C50C-407E-A947-70E740481C1C}">
                 <a14:useLocalDpi xmlns:a14="http://schemas.microsoft.com/office/drawing/2010/main" val="0"/>
@@ -16002,7 +16002,7 @@
           <p:nvPr/>
         </p:nvPicPr>
         <p:blipFill>
-          <a:blip r:embed="rId2">
+          <a:blip r:embed="rId2" cstate="print">
             <a:extLst>
               <a:ext uri="{28A0092B-C50C-407E-A947-70E740481C1C}">
                 <a14:useLocalDpi xmlns:a14="http://schemas.microsoft.com/office/drawing/2010/main" val="0"/>
@@ -16068,7 +16068,7 @@
           <p:nvPr/>
         </p:nvPicPr>
         <p:blipFill>
-          <a:blip r:embed="rId2">
+          <a:blip r:embed="rId2" cstate="print">
             <a:extLst>
               <a:ext uri="{28A0092B-C50C-407E-A947-70E740481C1C}">
                 <a14:useLocalDpi xmlns:a14="http://schemas.microsoft.com/office/drawing/2010/main" val="0"/>
@@ -18753,7 +18753,9 @@
         </p:nvSpPr>
         <p:spPr/>
         <p:txBody>
-          <a:bodyPr/>
+          <a:bodyPr>
+            <a:normAutofit/>
+          </a:bodyPr>
           <a:lstStyle/>
           <a:p>
             <a:r>
@@ -19516,7 +19518,7 @@
 </file>
 
 <file path=ppt/slides/slide4.xml><?xml version="1.0" encoding="utf-8"?>
-<p:sld xmlns:a="http://schemas.openxmlformats.org/drawingml/2006/main" xmlns:r="http://schemas.openxmlformats.org/officeDocument/2006/relationships" xmlns:p="http://schemas.openxmlformats.org/presentationml/2006/main">
+<p:sld xmlns:a="http://schemas.openxmlformats.org/drawingml/2006/main" xmlns:r="http://schemas.openxmlformats.org/officeDocument/2006/relationships" xmlns:p="http://schemas.openxmlformats.org/presentationml/2006/main" show="0">
   <p:cSld>
     <p:spTree>
       <p:nvGrpSpPr>
@@ -22538,7 +22540,12 @@
             <p:ph type="title"/>
           </p:nvPr>
         </p:nvSpPr>
-        <p:spPr/>
+        <p:spPr>
+          <a:xfrm>
+            <a:off x="263352" y="136525"/>
+            <a:ext cx="11449272" cy="590931"/>
+          </a:xfrm>
+        </p:spPr>
         <p:txBody>
           <a:bodyPr/>
           <a:lstStyle/>
@@ -22565,7 +22572,12 @@
             <p:ph idx="1"/>
           </p:nvPr>
         </p:nvSpPr>
-        <p:spPr/>
+        <p:spPr>
+          <a:xfrm>
+            <a:off x="263352" y="836712"/>
+            <a:ext cx="11449272" cy="5400600"/>
+          </a:xfrm>
+        </p:spPr>
         <p:txBody>
           <a:bodyPr/>
           <a:lstStyle/>
@@ -22593,9 +22605,10 @@
               <a:rPr lang="en-US" dirty="0"/>
               <a:t>Mobile Device</a:t>
             </a:r>
-          </a:p>
-          <a:p>
-            <a:pPr lvl="2"/>
+            <a:r>
+              <a:rPr lang="pl-PL" dirty="0"/>
+              <a:t> -</a:t>
+            </a:r>
             <a:r>
               <a:rPr lang="en-US" dirty="0"/>
               <a:t>Network attachment point</a:t>
@@ -22607,9 +22620,10 @@
               <a:rPr lang="en-US" dirty="0"/>
               <a:t>Mobile Application</a:t>
             </a:r>
-          </a:p>
-          <a:p>
-            <a:pPr lvl="2"/>
+            <a:r>
+              <a:rPr lang="pl-PL" dirty="0"/>
+              <a:t> - </a:t>
+            </a:r>
             <a:r>
               <a:rPr lang="en-US" dirty="0"/>
               <a:t>Serverless data access – reactive communication</a:t>
@@ -22621,9 +22635,10 @@
               <a:rPr lang="en-US" dirty="0"/>
               <a:t>Mobile Data</a:t>
             </a:r>
-          </a:p>
-          <a:p>
-            <a:pPr lvl="2"/>
+            <a:r>
+              <a:rPr lang="pl-PL" dirty="0"/>
+              <a:t>- </a:t>
+            </a:r>
             <a:r>
               <a:rPr lang="en-US" dirty="0"/>
               <a:t>Random location of data publication</a:t>
@@ -22634,9 +22649,6 @@
               <a:rPr lang="en-US" dirty="0"/>
               <a:t>Real-time processing</a:t>
             </a:r>
-          </a:p>
-          <a:p>
-            <a:endParaRPr lang="en-US" dirty="0"/>
           </a:p>
         </p:txBody>
       </p:sp>
@@ -22656,7 +22668,12 @@
             <p:ph type="dt" sz="half" idx="10"/>
           </p:nvPr>
         </p:nvSpPr>
-        <p:spPr/>
+        <p:spPr>
+          <a:xfrm>
+            <a:off x="263352" y="6356350"/>
+            <a:ext cx="1152128" cy="365125"/>
+          </a:xfrm>
+        </p:spPr>
         <p:txBody>
           <a:bodyPr/>
           <a:lstStyle/>
@@ -22685,7 +22702,12 @@
             <p:ph type="ftr" sz="quarter" idx="11"/>
           </p:nvPr>
         </p:nvSpPr>
-        <p:spPr/>
+        <p:spPr>
+          <a:xfrm>
+            <a:off x="9912424" y="6356350"/>
+            <a:ext cx="1800200" cy="365125"/>
+          </a:xfrm>
+        </p:spPr>
         <p:txBody>
           <a:bodyPr/>
           <a:lstStyle/>
@@ -22706,7 +22728,7 @@
 </file>
 
 <file path=ppt/slides/slide6.xml><?xml version="1.0" encoding="utf-8"?>
-<p:sld xmlns:a="http://schemas.openxmlformats.org/drawingml/2006/main" xmlns:r="http://schemas.openxmlformats.org/officeDocument/2006/relationships" xmlns:p="http://schemas.openxmlformats.org/presentationml/2006/main">
+<p:sld xmlns:a="http://schemas.openxmlformats.org/drawingml/2006/main" xmlns:r="http://schemas.openxmlformats.org/officeDocument/2006/relationships" xmlns:p="http://schemas.openxmlformats.org/presentationml/2006/main" show="0">
   <p:cSld>
     <p:spTree>
       <p:nvGrpSpPr>
@@ -23053,7 +23075,7 @@
           <p:nvPr/>
         </p:nvPicPr>
         <p:blipFill>
-          <a:blip r:embed="rId2">
+          <a:blip r:embed="rId2" cstate="print">
             <a:extLst>
               <a:ext uri="{28A0092B-C50C-407E-A947-70E740481C1C}">
                 <a14:useLocalDpi xmlns:a14="http://schemas.microsoft.com/office/drawing/2010/main" val="0"/>
@@ -23209,7 +23231,7 @@
           <p:nvPr/>
         </p:nvPicPr>
         <p:blipFill>
-          <a:blip r:embed="rId2">
+          <a:blip r:embed="rId2" cstate="print">
             <a:extLst>
               <a:ext uri="{28A0092B-C50C-407E-A947-70E740481C1C}">
                 <a14:useLocalDpi xmlns:a14="http://schemas.microsoft.com/office/drawing/2010/main" val="0"/>
@@ -23365,7 +23387,7 @@
           <p:nvPr/>
         </p:nvPicPr>
         <p:blipFill>
-          <a:blip r:embed="rId2">
+          <a:blip r:embed="rId2" cstate="print">
             <a:extLst>
               <a:ext uri="{28A0092B-C50C-407E-A947-70E740481C1C}">
                 <a14:useLocalDpi xmlns:a14="http://schemas.microsoft.com/office/drawing/2010/main" val="0"/>

--- a/ICCS21-Conference/OOI-CI-ICCS2021..pptx
+++ b/ICCS21-Conference/OOI-CI-ICCS2021..pptx
@@ -5,30 +5,27 @@
     <p:sldMasterId id="2147483708" r:id="rId1"/>
   </p:sldMasterIdLst>
   <p:notesMasterIdLst>
-    <p:notesMasterId r:id="rId23"/>
+    <p:notesMasterId r:id="rId20"/>
   </p:notesMasterIdLst>
   <p:sldIdLst>
     <p:sldId id="256" r:id="rId2"/>
-    <p:sldId id="330" r:id="rId3"/>
-    <p:sldId id="332" r:id="rId4"/>
-    <p:sldId id="333" r:id="rId5"/>
-    <p:sldId id="259" r:id="rId6"/>
-    <p:sldId id="258" r:id="rId7"/>
-    <p:sldId id="334" r:id="rId8"/>
-    <p:sldId id="335" r:id="rId9"/>
-    <p:sldId id="336" r:id="rId10"/>
-    <p:sldId id="337" r:id="rId11"/>
-    <p:sldId id="338" r:id="rId12"/>
-    <p:sldId id="339" r:id="rId13"/>
-    <p:sldId id="313" r:id="rId14"/>
-    <p:sldId id="340" r:id="rId15"/>
-    <p:sldId id="341" r:id="rId16"/>
-    <p:sldId id="342" r:id="rId17"/>
-    <p:sldId id="317" r:id="rId18"/>
-    <p:sldId id="343" r:id="rId19"/>
-    <p:sldId id="283" r:id="rId20"/>
-    <p:sldId id="329" r:id="rId21"/>
-    <p:sldId id="284" r:id="rId22"/>
+    <p:sldId id="332" r:id="rId3"/>
+    <p:sldId id="333" r:id="rId4"/>
+    <p:sldId id="259" r:id="rId5"/>
+    <p:sldId id="258" r:id="rId6"/>
+    <p:sldId id="334" r:id="rId7"/>
+    <p:sldId id="336" r:id="rId8"/>
+    <p:sldId id="337" r:id="rId9"/>
+    <p:sldId id="338" r:id="rId10"/>
+    <p:sldId id="339" r:id="rId11"/>
+    <p:sldId id="313" r:id="rId12"/>
+    <p:sldId id="340" r:id="rId13"/>
+    <p:sldId id="341" r:id="rId14"/>
+    <p:sldId id="342" r:id="rId15"/>
+    <p:sldId id="317" r:id="rId16"/>
+    <p:sldId id="343" r:id="rId17"/>
+    <p:sldId id="329" r:id="rId18"/>
+    <p:sldId id="284" r:id="rId19"/>
   </p:sldIdLst>
   <p:sldSz cx="12192000" cy="6858000"/>
   <p:notesSz cx="6858000" cy="9144000"/>
@@ -137,7 +134,6 @@
         </p14:section>
         <p14:section name="New part" id="{B466F439-F576-4AD4-B342-2E3869DEAEEF}">
           <p14:sldIdLst>
-            <p14:sldId id="330"/>
             <p14:sldId id="332"/>
             <p14:sldId id="333"/>
           </p14:sldIdLst>
@@ -147,7 +143,6 @@
             <p14:sldId id="259"/>
             <p14:sldId id="258"/>
             <p14:sldId id="334"/>
-            <p14:sldId id="335"/>
             <p14:sldId id="336"/>
             <p14:sldId id="337"/>
             <p14:sldId id="338"/>
@@ -158,7 +153,6 @@
             <p14:sldId id="342"/>
             <p14:sldId id="317"/>
             <p14:sldId id="343"/>
-            <p14:sldId id="283"/>
             <p14:sldId id="329"/>
             <p14:sldId id="284"/>
           </p14:sldIdLst>
@@ -8152,7 +8146,7 @@
             <a:solidFill>
               <a:srgbClr val="010000"/>
             </a:solidFill>
-            <a:latin typeface="Calibri Light" panose="020F0302020204030204"/>
+            <a:latin typeface="Calibri Light"/>
             <a:cs typeface="Calibri Light"/>
           </a:endParaRPr>
         </a:p>
@@ -10613,7 +10607,7 @@
             <a:fld id="{301268CA-ED1D-4AAE-902A-185C940766BC}" type="datetimeFigureOut">
               <a:rPr lang="pl-PL" smtClean="0"/>
               <a:pPr/>
-              <a:t>05.06.2021</a:t>
+              <a:t>13.06.2021</a:t>
             </a:fld>
             <a:endParaRPr lang="pl-PL"/>
           </a:p>
@@ -10994,7 +10988,1557 @@
 </p:notes>
 </file>
 
-<file path=ppt/notesSlides/notesSlide10.xml><?xml version="1.0" encoding="utf-8"?>
+<file path=ppt/notesSlides/notesSlide2.xml><?xml version="1.0" encoding="utf-8"?>
+<p:notes xmlns:a="http://schemas.openxmlformats.org/drawingml/2006/main" xmlns:r="http://schemas.openxmlformats.org/officeDocument/2006/relationships" xmlns:p="http://schemas.openxmlformats.org/presentationml/2006/main">
+  <p:cSld>
+    <p:spTree>
+      <p:nvGrpSpPr>
+        <p:cNvPr id="1" name=""/>
+        <p:cNvGrpSpPr/>
+        <p:nvPr/>
+      </p:nvGrpSpPr>
+      <p:grpSpPr>
+        <a:xfrm>
+          <a:off x="0" y="0"/>
+          <a:ext cx="0" cy="0"/>
+          <a:chOff x="0" y="0"/>
+          <a:chExt cx="0" cy="0"/>
+        </a:xfrm>
+      </p:grpSpPr>
+      <p:sp>
+        <p:nvSpPr>
+          <p:cNvPr id="2" name="Slide Image Placeholder 1"/>
+          <p:cNvSpPr>
+            <a:spLocks noGrp="1" noRot="1" noChangeAspect="1"/>
+          </p:cNvSpPr>
+          <p:nvPr>
+            <p:ph type="sldImg"/>
+          </p:nvPr>
+        </p:nvSpPr>
+        <p:spPr/>
+      </p:sp>
+      <p:sp>
+        <p:nvSpPr>
+          <p:cNvPr id="3" name="Notes Placeholder 2"/>
+          <p:cNvSpPr>
+            <a:spLocks noGrp="1"/>
+          </p:cNvSpPr>
+          <p:nvPr>
+            <p:ph type="body" idx="1"/>
+          </p:nvPr>
+        </p:nvSpPr>
+        <p:spPr/>
+        <p:txBody>
+          <a:bodyPr/>
+          <a:lstStyle/>
+          <a:p>
+            <a:r>
+              <a:rPr lang="pl-PL" dirty="0"/>
+              <a:t>Piramida:</a:t>
+            </a:r>
+          </a:p>
+          <a:p>
+            <a:r>
+              <a:rPr lang="pl-PL" dirty="0"/>
+              <a:t>– by pokazać, gdzie jest góra i dół</a:t>
+            </a:r>
+            <a:r>
+              <a:rPr lang="pl-PL" baseline="0" dirty="0"/>
+              <a:t> </a:t>
+            </a:r>
+          </a:p>
+          <a:p>
+            <a:pPr marL="171450" indent="-171450">
+              <a:buFontTx/>
+              <a:buChar char="-"/>
+            </a:pPr>
+            <a:r>
+              <a:rPr lang="pl-PL" baseline="0" dirty="0"/>
+              <a:t>Model warstwowy</a:t>
+            </a:r>
+          </a:p>
+          <a:p>
+            <a:pPr marL="171450" indent="-171450">
+              <a:buFontTx/>
+              <a:buChar char="-"/>
+            </a:pPr>
+            <a:r>
+              <a:rPr lang="pl-PL" baseline="0" dirty="0"/>
+              <a:t>Warstwy wyższe odwołują się do warstw niższych</a:t>
+            </a:r>
+          </a:p>
+          <a:p>
+            <a:pPr marL="171450" indent="-171450">
+              <a:buFontTx/>
+              <a:buChar char="-"/>
+            </a:pPr>
+            <a:r>
+              <a:rPr lang="pl-PL" baseline="0" dirty="0"/>
+              <a:t>API</a:t>
+            </a:r>
+          </a:p>
+          <a:p>
+            <a:pPr marL="0" indent="0">
+              <a:buFontTx/>
+              <a:buNone/>
+            </a:pPr>
+            <a:r>
+              <a:rPr lang="pl-PL" baseline="0" dirty="0"/>
+              <a:t>Po co:</a:t>
+            </a:r>
+          </a:p>
+          <a:p>
+            <a:pPr marL="171450" indent="-171450">
+              <a:buFontTx/>
+              <a:buChar char="-"/>
+            </a:pPr>
+            <a:r>
+              <a:rPr lang="pl-PL" baseline="0" dirty="0"/>
+              <a:t>Możliwość wymiany technologia</a:t>
+            </a:r>
+          </a:p>
+          <a:p>
+            <a:pPr marL="171450" indent="-171450">
+              <a:buFontTx/>
+              <a:buChar char="-"/>
+            </a:pPr>
+            <a:r>
+              <a:rPr lang="pl-PL" baseline="0" dirty="0"/>
+              <a:t>Skalowanie</a:t>
+            </a:r>
+          </a:p>
+          <a:p>
+            <a:pPr marL="171450" indent="-171450">
+              <a:buFontTx/>
+              <a:buChar char="-"/>
+            </a:pPr>
+            <a:r>
+              <a:rPr lang="pl-PL" baseline="0" dirty="0"/>
+              <a:t>Współużywanie</a:t>
+            </a:r>
+          </a:p>
+          <a:p>
+            <a:pPr marL="0" indent="0">
+              <a:buFontTx/>
+              <a:buNone/>
+            </a:pPr>
+            <a:r>
+              <a:rPr lang="pl-PL" baseline="0" dirty="0"/>
+              <a:t>Warstwy:</a:t>
+            </a:r>
+          </a:p>
+          <a:p>
+            <a:pPr marL="0" indent="0">
+              <a:buFontTx/>
+              <a:buNone/>
+            </a:pPr>
+            <a:endParaRPr lang="pl-PL" baseline="0" dirty="0"/>
+          </a:p>
+          <a:p>
+            <a:pPr marL="171450" indent="-171450">
+              <a:buFontTx/>
+              <a:buChar char="-"/>
+            </a:pPr>
+            <a:endParaRPr lang="pl-PL" baseline="0" dirty="0"/>
+          </a:p>
+          <a:p>
+            <a:endParaRPr lang="pl-PL" dirty="0"/>
+          </a:p>
+        </p:txBody>
+      </p:sp>
+      <p:sp>
+        <p:nvSpPr>
+          <p:cNvPr id="4" name="Slide Number Placeholder 3"/>
+          <p:cNvSpPr>
+            <a:spLocks noGrp="1"/>
+          </p:cNvSpPr>
+          <p:nvPr>
+            <p:ph type="sldNum" sz="quarter" idx="10"/>
+          </p:nvPr>
+        </p:nvSpPr>
+        <p:spPr/>
+        <p:txBody>
+          <a:bodyPr/>
+          <a:lstStyle/>
+          <a:p>
+            <a:fld id="{2FED7D95-5DED-40EF-B90D-C1D8560E7860}" type="slidenum">
+              <a:rPr lang="pl-PL" smtClean="0"/>
+              <a:pPr/>
+              <a:t>3</a:t>
+            </a:fld>
+            <a:endParaRPr lang="pl-PL"/>
+          </a:p>
+        </p:txBody>
+      </p:sp>
+    </p:spTree>
+    <p:extLst>
+      <p:ext uri="{BB962C8B-B14F-4D97-AF65-F5344CB8AC3E}">
+        <p14:creationId xmlns:p14="http://schemas.microsoft.com/office/powerpoint/2010/main" val="4025573905"/>
+      </p:ext>
+    </p:extLst>
+  </p:cSld>
+  <p:clrMapOvr>
+    <a:masterClrMapping/>
+  </p:clrMapOvr>
+</p:notes>
+</file>
+
+<file path=ppt/notesSlides/notesSlide3.xml><?xml version="1.0" encoding="utf-8"?>
+<p:notes xmlns:a="http://schemas.openxmlformats.org/drawingml/2006/main" xmlns:r="http://schemas.openxmlformats.org/officeDocument/2006/relationships" xmlns:p="http://schemas.openxmlformats.org/presentationml/2006/main">
+  <p:cSld>
+    <p:spTree>
+      <p:nvGrpSpPr>
+        <p:cNvPr id="1" name=""/>
+        <p:cNvGrpSpPr/>
+        <p:nvPr/>
+      </p:nvGrpSpPr>
+      <p:grpSpPr>
+        <a:xfrm>
+          <a:off x="0" y="0"/>
+          <a:ext cx="0" cy="0"/>
+          <a:chOff x="0" y="0"/>
+          <a:chExt cx="0" cy="0"/>
+        </a:xfrm>
+      </p:grpSpPr>
+      <p:sp>
+        <p:nvSpPr>
+          <p:cNvPr id="2" name="Slide Image Placeholder 1"/>
+          <p:cNvSpPr>
+            <a:spLocks noGrp="1" noRot="1" noChangeAspect="1"/>
+          </p:cNvSpPr>
+          <p:nvPr>
+            <p:ph type="sldImg"/>
+          </p:nvPr>
+        </p:nvSpPr>
+        <p:spPr/>
+      </p:sp>
+      <p:sp>
+        <p:nvSpPr>
+          <p:cNvPr id="3" name="Notes Placeholder 2"/>
+          <p:cNvSpPr>
+            <a:spLocks noGrp="1"/>
+          </p:cNvSpPr>
+          <p:nvPr>
+            <p:ph type="body" idx="1"/>
+          </p:nvPr>
+        </p:nvSpPr>
+        <p:spPr/>
+        <p:txBody>
+          <a:bodyPr>
+            <a:normAutofit/>
+          </a:bodyPr>
+          <a:lstStyle/>
+          <a:p>
+            <a:r>
+              <a:rPr lang="en-US" sz="1200" b="0" kern="1200" dirty="0">
+                <a:solidFill>
+                  <a:schemeClr val="tx1"/>
+                </a:solidFill>
+                <a:effectLst/>
+                <a:latin typeface="+mn-lt"/>
+                <a:ea typeface="+mn-ea"/>
+                <a:cs typeface="+mn-cs"/>
+              </a:rPr>
+              <a:t>Going beyond the smart factory realm, a similar concept may be used to make any general-purpose entities interoperable. Finally, we get cyber-physical systems where a variety of entities may be aggregated into distributed information processing solutions. In this case, we are opening the public connectivity domain, which requires a globally scoped infrastructure, i.e. the Internet. </a:t>
+            </a:r>
+            <a:endParaRPr lang="pl-PL" sz="1200" b="0" kern="1200" dirty="0">
+              <a:solidFill>
+                <a:schemeClr val="tx1"/>
+              </a:solidFill>
+              <a:effectLst/>
+              <a:latin typeface="+mn-lt"/>
+              <a:ea typeface="+mn-ea"/>
+              <a:cs typeface="+mn-cs"/>
+            </a:endParaRPr>
+          </a:p>
+          <a:p>
+            <a:br>
+              <a:rPr lang="en-US" sz="1200" b="0" kern="1200" dirty="0">
+                <a:solidFill>
+                  <a:schemeClr val="tx1"/>
+                </a:solidFill>
+                <a:effectLst/>
+                <a:latin typeface="+mn-lt"/>
+                <a:ea typeface="+mn-ea"/>
+                <a:cs typeface="+mn-cs"/>
+              </a:rPr>
+            </a:br>
+            <a:r>
+              <a:rPr lang="en-US" sz="1200" b="0" kern="1200" dirty="0">
+                <a:solidFill>
+                  <a:schemeClr val="tx1"/>
+                </a:solidFill>
+                <a:effectLst/>
+                <a:latin typeface="+mn-lt"/>
+                <a:ea typeface="+mn-ea"/>
+                <a:cs typeface="+mn-cs"/>
+              </a:rPr>
+              <a:t>For any generic solution addressing the design of the cyber-physical system, the data holder mobility must be considered as well. Mobile data means that it may come from mobile devices or be generated in unpredictable attachment points. If the data places exposition is arbitrary it means that the data appearance must be recognized and processed as an event. A good example of this scenario is a product (e.g. hygiene goods, cosmetics, drugs, etc.) global tracking system - an application domain where the IoT term has been coined. One of the arguments for the IoT is allowing distributed yet interlinked devices, machines, and objects (data holders) to interact with each other without relying on human interaction to set-up and commission the embedded intelligence. In case any kind of mobility has to be considered, the next engineering challenge is dynamic discoverability on the network and the possibility of establishing the semantic and security contexts of the parts composing the IoT application.</a:t>
+            </a:r>
+            <a:endParaRPr lang="pl-PL" dirty="0"/>
+          </a:p>
+        </p:txBody>
+      </p:sp>
+      <p:sp>
+        <p:nvSpPr>
+          <p:cNvPr id="4" name="Slide Number Placeholder 3"/>
+          <p:cNvSpPr>
+            <a:spLocks noGrp="1"/>
+          </p:cNvSpPr>
+          <p:nvPr>
+            <p:ph type="sldNum" sz="quarter" idx="5"/>
+          </p:nvPr>
+        </p:nvSpPr>
+        <p:spPr/>
+        <p:txBody>
+          <a:bodyPr/>
+          <a:lstStyle/>
+          <a:p>
+            <a:fld id="{0AFDF39F-D04E-4B9F-BFB7-9926CF8DAB9C}" type="slidenum">
+              <a:rPr lang="pl-PL" smtClean="0"/>
+              <a:pPr/>
+              <a:t>4</a:t>
+            </a:fld>
+            <a:endParaRPr lang="pl-PL"/>
+          </a:p>
+        </p:txBody>
+      </p:sp>
+    </p:spTree>
+    <p:extLst>
+      <p:ext uri="{BB962C8B-B14F-4D97-AF65-F5344CB8AC3E}">
+        <p14:creationId xmlns:p14="http://schemas.microsoft.com/office/powerpoint/2010/main" val="2093916689"/>
+      </p:ext>
+    </p:extLst>
+  </p:cSld>
+  <p:clrMapOvr>
+    <a:masterClrMapping/>
+  </p:clrMapOvr>
+</p:notes>
+</file>
+
+<file path=ppt/notesSlides/notesSlide4.xml><?xml version="1.0" encoding="utf-8"?>
+<p:notes xmlns:a="http://schemas.openxmlformats.org/drawingml/2006/main" xmlns:r="http://schemas.openxmlformats.org/officeDocument/2006/relationships" xmlns:p="http://schemas.openxmlformats.org/presentationml/2006/main">
+  <p:cSld>
+    <p:spTree>
+      <p:nvGrpSpPr>
+        <p:cNvPr id="1" name=""/>
+        <p:cNvGrpSpPr/>
+        <p:nvPr/>
+      </p:nvGrpSpPr>
+      <p:grpSpPr>
+        <a:xfrm>
+          <a:off x="0" y="0"/>
+          <a:ext cx="0" cy="0"/>
+          <a:chOff x="0" y="0"/>
+          <a:chExt cx="0" cy="0"/>
+        </a:xfrm>
+      </p:grpSpPr>
+      <p:sp>
+        <p:nvSpPr>
+          <p:cNvPr id="2" name="Slide Image Placeholder 1"/>
+          <p:cNvSpPr>
+            <a:spLocks noGrp="1" noRot="1" noChangeAspect="1"/>
+          </p:cNvSpPr>
+          <p:nvPr>
+            <p:ph type="sldImg"/>
+          </p:nvPr>
+        </p:nvSpPr>
+        <p:spPr/>
+      </p:sp>
+      <p:sp>
+        <p:nvSpPr>
+          <p:cNvPr id="3" name="Notes Placeholder 2"/>
+          <p:cNvSpPr>
+            <a:spLocks noGrp="1"/>
+          </p:cNvSpPr>
+          <p:nvPr>
+            <p:ph type="body" idx="1"/>
+          </p:nvPr>
+        </p:nvSpPr>
+        <p:spPr/>
+        <p:txBody>
+          <a:bodyPr/>
+          <a:lstStyle/>
+          <a:p>
+            <a:r>
+              <a:rPr lang="en-US" sz="1200" kern="1200" dirty="0">
+                <a:solidFill>
+                  <a:schemeClr val="tx1"/>
+                </a:solidFill>
+                <a:effectLst/>
+                <a:latin typeface="+mn-lt"/>
+                <a:ea typeface="+mn-ea"/>
+                <a:cs typeface="+mn-cs"/>
+              </a:rPr>
+              <a:t>As I said the machine to machine communication is a foundation for the Cyber-physical system, Industry 4.0 solutions, and Internet of Things discipline. In the case of the cyber-physical systems, a variety of entities may be aggregated into distributed information processing solutions. In this case, we are opening the public connectivity domain, which requires the Internet as a globally scoped communication infrastructure. Parties interconnected over any network require special precautions that must be taken against malicious users to assure the best possible level of security. To address this security demand suitable protection methods may be applied to</a:t>
+            </a:r>
+            <a:r>
+              <a:rPr lang="pl-PL" sz="1200" kern="1200" dirty="0">
+                <a:solidFill>
+                  <a:schemeClr val="tx1"/>
+                </a:solidFill>
+                <a:effectLst/>
+                <a:latin typeface="+mn-lt"/>
+                <a:ea typeface="+mn-ea"/>
+                <a:cs typeface="+mn-cs"/>
+              </a:rPr>
+              <a:t> </a:t>
+            </a:r>
+            <a:r>
+              <a:rPr lang="en-US" sz="1200" kern="1200" dirty="0">
+                <a:solidFill>
+                  <a:schemeClr val="tx1"/>
+                </a:solidFill>
+                <a:effectLst/>
+                <a:latin typeface="+mn-lt"/>
+                <a:ea typeface="+mn-ea"/>
+                <a:cs typeface="+mn-cs"/>
+              </a:rPr>
+              <a:t>network traffic </a:t>
+            </a:r>
+            <a:r>
+              <a:rPr lang="pl-PL" sz="1200" kern="1200" dirty="0">
+                <a:solidFill>
+                  <a:schemeClr val="tx1"/>
+                </a:solidFill>
+                <a:effectLst/>
+                <a:latin typeface="+mn-lt"/>
+                <a:ea typeface="+mn-ea"/>
+                <a:cs typeface="+mn-cs"/>
+              </a:rPr>
+              <a:t> and </a:t>
+            </a:r>
+            <a:r>
+              <a:rPr lang="en-US" sz="1200" kern="1200" dirty="0">
+                <a:solidFill>
+                  <a:schemeClr val="tx1"/>
+                </a:solidFill>
+                <a:effectLst/>
+                <a:latin typeface="+mn-lt"/>
+                <a:ea typeface="+mn-ea"/>
+                <a:cs typeface="+mn-cs"/>
+              </a:rPr>
+              <a:t>data transfer object</a:t>
+            </a:r>
+            <a:r>
+              <a:rPr lang="pl-PL" sz="1200" kern="1200" dirty="0">
+                <a:solidFill>
+                  <a:schemeClr val="tx1"/>
+                </a:solidFill>
+                <a:effectLst/>
+                <a:latin typeface="+mn-lt"/>
+                <a:ea typeface="+mn-ea"/>
+                <a:cs typeface="+mn-cs"/>
+              </a:rPr>
+              <a:t>.</a:t>
+            </a:r>
+          </a:p>
+          <a:p>
+            <a:endParaRPr lang="en-US" sz="1200" kern="1200" dirty="0">
+              <a:solidFill>
+                <a:schemeClr val="tx1"/>
+              </a:solidFill>
+              <a:effectLst/>
+              <a:latin typeface="+mn-lt"/>
+              <a:ea typeface="+mn-ea"/>
+              <a:cs typeface="+mn-cs"/>
+            </a:endParaRPr>
+          </a:p>
+          <a:p>
+            <a:pPr marL="0" indent="0">
+              <a:buFont typeface="Arial" panose="020B0604020202020204" pitchFamily="34" charset="0"/>
+              <a:buNone/>
+            </a:pPr>
+            <a:r>
+              <a:rPr lang="pl-PL" sz="1200" kern="1200" dirty="0">
+                <a:solidFill>
+                  <a:schemeClr val="tx1"/>
+                </a:solidFill>
+                <a:effectLst/>
+                <a:latin typeface="+mn-lt"/>
+                <a:ea typeface="+mn-ea"/>
+                <a:cs typeface="+mn-cs"/>
+              </a:rPr>
+              <a:t>For </a:t>
+            </a:r>
+            <a:r>
+              <a:rPr lang="en-US" sz="1200" kern="1200" dirty="0">
+                <a:solidFill>
+                  <a:schemeClr val="tx1"/>
+                </a:solidFill>
+                <a:effectLst/>
+                <a:latin typeface="+mn-lt"/>
+                <a:ea typeface="+mn-ea"/>
+                <a:cs typeface="+mn-cs"/>
+              </a:rPr>
+              <a:t>network traffic  it is accomplished using intermediary devices to enforce traffic selective availability based on security rules against unauthorized access,</a:t>
+            </a:r>
+          </a:p>
+          <a:p>
+            <a:pPr marL="0" indent="0">
+              <a:buFont typeface="Arial" panose="020B0604020202020204" pitchFamily="34" charset="0"/>
+              <a:buNone/>
+            </a:pPr>
+            <a:r>
+              <a:rPr lang="pl-PL" sz="1200" kern="1200" dirty="0">
+                <a:solidFill>
+                  <a:schemeClr val="tx1"/>
+                </a:solidFill>
+                <a:effectLst/>
+                <a:latin typeface="+mn-lt"/>
+                <a:ea typeface="+mn-ea"/>
+                <a:cs typeface="+mn-cs"/>
+              </a:rPr>
+              <a:t>For the </a:t>
+            </a:r>
+            <a:r>
+              <a:rPr lang="en-US" sz="1200" kern="1200" dirty="0">
+                <a:solidFill>
+                  <a:schemeClr val="tx1"/>
+                </a:solidFill>
+                <a:effectLst/>
+                <a:latin typeface="+mn-lt"/>
+                <a:ea typeface="+mn-ea"/>
+                <a:cs typeface="+mn-cs"/>
+              </a:rPr>
+              <a:t>data transfer object (</a:t>
+            </a:r>
+            <a:r>
+              <a:rPr lang="en-US" sz="1200" kern="1200" noProof="0" dirty="0">
+                <a:solidFill>
+                  <a:schemeClr val="tx1"/>
+                </a:solidFill>
+                <a:effectLst/>
+                <a:latin typeface="+mn-lt"/>
+                <a:ea typeface="+mn-ea"/>
+                <a:cs typeface="+mn-cs"/>
+              </a:rPr>
+              <a:t>simplifying</a:t>
+            </a:r>
+            <a:r>
+              <a:rPr lang="pl-PL" sz="1200" kern="1200" dirty="0">
+                <a:solidFill>
+                  <a:schemeClr val="tx1"/>
+                </a:solidFill>
+                <a:effectLst/>
+                <a:latin typeface="+mn-lt"/>
+                <a:ea typeface="+mn-ea"/>
+                <a:cs typeface="+mn-cs"/>
+              </a:rPr>
+              <a:t> data on the </a:t>
+            </a:r>
+            <a:r>
+              <a:rPr lang="en-US" sz="1200" kern="1200" noProof="0" dirty="0">
+                <a:solidFill>
+                  <a:schemeClr val="tx1"/>
+                </a:solidFill>
+                <a:effectLst/>
+                <a:latin typeface="+mn-lt"/>
+                <a:ea typeface="+mn-ea"/>
+                <a:cs typeface="+mn-cs"/>
+              </a:rPr>
+              <a:t>wire</a:t>
+            </a:r>
+            <a:r>
+              <a:rPr lang="en-US" sz="1200" kern="1200" dirty="0">
+                <a:solidFill>
+                  <a:schemeClr val="tx1"/>
+                </a:solidFill>
+                <a:effectLst/>
+                <a:latin typeface="+mn-lt"/>
+                <a:ea typeface="+mn-ea"/>
+                <a:cs typeface="+mn-cs"/>
+              </a:rPr>
+              <a:t>) </a:t>
+            </a:r>
+            <a:r>
+              <a:rPr lang="pl-PL" sz="1200" kern="1200" dirty="0">
+                <a:solidFill>
+                  <a:schemeClr val="tx1"/>
+                </a:solidFill>
+                <a:effectLst/>
+                <a:latin typeface="+mn-lt"/>
+                <a:ea typeface="+mn-ea"/>
+                <a:cs typeface="+mn-cs"/>
+              </a:rPr>
+              <a:t>i</a:t>
+            </a:r>
+            <a:r>
+              <a:rPr lang="en-US" sz="1200" kern="1200" dirty="0">
+                <a:solidFill>
+                  <a:schemeClr val="tx1"/>
+                </a:solidFill>
+                <a:effectLst/>
+                <a:latin typeface="+mn-lt"/>
+                <a:ea typeface="+mn-ea"/>
+                <a:cs typeface="+mn-cs"/>
+              </a:rPr>
+              <a:t>t is accomplished using cipher algorithms against bitstreams formatted as a message traversing the network and containing process data.</a:t>
+            </a:r>
+            <a:endParaRPr lang="pl-PL" sz="1200" kern="1200" dirty="0">
+              <a:solidFill>
+                <a:schemeClr val="tx1"/>
+              </a:solidFill>
+              <a:effectLst/>
+              <a:latin typeface="+mn-lt"/>
+              <a:ea typeface="+mn-ea"/>
+              <a:cs typeface="+mn-cs"/>
+            </a:endParaRPr>
+          </a:p>
+          <a:p>
+            <a:pPr marL="171450" indent="-171450">
+              <a:buFont typeface="Arial" panose="020B0604020202020204" pitchFamily="34" charset="0"/>
+              <a:buChar char="•"/>
+            </a:pPr>
+            <a:endParaRPr lang="pl-PL" sz="1200" kern="1200" dirty="0">
+              <a:solidFill>
+                <a:schemeClr val="tx1"/>
+              </a:solidFill>
+              <a:effectLst/>
+              <a:latin typeface="+mn-lt"/>
+              <a:ea typeface="+mn-ea"/>
+              <a:cs typeface="+mn-cs"/>
+            </a:endParaRPr>
+          </a:p>
+          <a:p>
+            <a:pPr marL="0" marR="0" lvl="0" indent="0" algn="l" defTabSz="914400" rtl="0" eaLnBrk="1" fontAlgn="auto" latinLnBrk="0" hangingPunct="1">
+              <a:lnSpc>
+                <a:spcPct val="100000"/>
+              </a:lnSpc>
+              <a:spcBef>
+                <a:spcPts val="0"/>
+              </a:spcBef>
+              <a:spcAft>
+                <a:spcPts val="0"/>
+              </a:spcAft>
+              <a:buClrTx/>
+              <a:buSzTx/>
+              <a:buFont typeface="Arial" panose="020B0604020202020204" pitchFamily="34" charset="0"/>
+              <a:buNone/>
+              <a:tabLst/>
+              <a:defRPr/>
+            </a:pPr>
+            <a:r>
+              <a:rPr lang="en-US" sz="1200" b="0" kern="1200" dirty="0">
+                <a:solidFill>
+                  <a:schemeClr val="tx1"/>
+                </a:solidFill>
+                <a:effectLst/>
+                <a:latin typeface="+mn-lt"/>
+                <a:ea typeface="+mn-ea"/>
+                <a:cs typeface="+mn-cs"/>
+              </a:rPr>
+              <a:t>The integration of a cyber-physical system using multi-vendor products requires that M2M communication must employ international standards as the interoperability foundation.</a:t>
+            </a:r>
+            <a:r>
+              <a:rPr lang="pl-PL" sz="1200" b="0" kern="1200" dirty="0">
+                <a:solidFill>
+                  <a:schemeClr val="tx1"/>
+                </a:solidFill>
+                <a:effectLst/>
+                <a:latin typeface="+mn-lt"/>
+                <a:ea typeface="+mn-ea"/>
+                <a:cs typeface="+mn-cs"/>
+              </a:rPr>
+              <a:t> </a:t>
+            </a:r>
+            <a:r>
+              <a:rPr lang="en-US" sz="1200" b="0" kern="1200" dirty="0">
+                <a:solidFill>
+                  <a:schemeClr val="tx1"/>
+                </a:solidFill>
+                <a:effectLst/>
+                <a:latin typeface="+mn-lt"/>
+                <a:ea typeface="+mn-ea"/>
+                <a:cs typeface="+mn-cs"/>
+              </a:rPr>
+              <a:t>To address the industry requirements we need meaningful communication without programming. This feature is coined as plug and produce.</a:t>
+            </a:r>
+          </a:p>
+          <a:p>
+            <a:pPr marL="171450" indent="-171450">
+              <a:buFont typeface="Arial" panose="020B0604020202020204" pitchFamily="34" charset="0"/>
+              <a:buChar char="•"/>
+            </a:pPr>
+            <a:endParaRPr lang="en-US" sz="1200" kern="1200" dirty="0">
+              <a:solidFill>
+                <a:schemeClr val="tx1"/>
+              </a:solidFill>
+              <a:effectLst/>
+              <a:latin typeface="+mn-lt"/>
+              <a:ea typeface="+mn-ea"/>
+              <a:cs typeface="+mn-cs"/>
+            </a:endParaRPr>
+          </a:p>
+        </p:txBody>
+      </p:sp>
+      <p:sp>
+        <p:nvSpPr>
+          <p:cNvPr id="4" name="Slide Number Placeholder 3"/>
+          <p:cNvSpPr>
+            <a:spLocks noGrp="1"/>
+          </p:cNvSpPr>
+          <p:nvPr>
+            <p:ph type="sldNum" sz="quarter" idx="5"/>
+          </p:nvPr>
+        </p:nvSpPr>
+        <p:spPr/>
+        <p:txBody>
+          <a:bodyPr/>
+          <a:lstStyle/>
+          <a:p>
+            <a:fld id="{0AFDF39F-D04E-4B9F-BFB7-9926CF8DAB9C}" type="slidenum">
+              <a:rPr lang="pl-PL" smtClean="0"/>
+              <a:pPr/>
+              <a:t>5</a:t>
+            </a:fld>
+            <a:endParaRPr lang="pl-PL"/>
+          </a:p>
+        </p:txBody>
+      </p:sp>
+    </p:spTree>
+    <p:extLst>
+      <p:ext uri="{BB962C8B-B14F-4D97-AF65-F5344CB8AC3E}">
+        <p14:creationId xmlns:p14="http://schemas.microsoft.com/office/powerpoint/2010/main" val="369401704"/>
+      </p:ext>
+    </p:extLst>
+  </p:cSld>
+  <p:clrMapOvr>
+    <a:masterClrMapping/>
+  </p:clrMapOvr>
+</p:notes>
+</file>
+
+<file path=ppt/notesSlides/notesSlide5.xml><?xml version="1.0" encoding="utf-8"?>
+<p:notes xmlns:a="http://schemas.openxmlformats.org/drawingml/2006/main" xmlns:r="http://schemas.openxmlformats.org/officeDocument/2006/relationships" xmlns:p="http://schemas.openxmlformats.org/presentationml/2006/main">
+  <p:cSld>
+    <p:spTree>
+      <p:nvGrpSpPr>
+        <p:cNvPr id="1" name=""/>
+        <p:cNvGrpSpPr/>
+        <p:nvPr/>
+      </p:nvGrpSpPr>
+      <p:grpSpPr>
+        <a:xfrm>
+          <a:off x="0" y="0"/>
+          <a:ext cx="0" cy="0"/>
+          <a:chOff x="0" y="0"/>
+          <a:chExt cx="0" cy="0"/>
+        </a:xfrm>
+      </p:grpSpPr>
+      <p:sp>
+        <p:nvSpPr>
+          <p:cNvPr id="2" name="Slide Image Placeholder 1"/>
+          <p:cNvSpPr>
+            <a:spLocks noGrp="1" noRot="1" noChangeAspect="1"/>
+          </p:cNvSpPr>
+          <p:nvPr>
+            <p:ph type="sldImg"/>
+          </p:nvPr>
+        </p:nvSpPr>
+        <p:spPr/>
+      </p:sp>
+      <p:sp>
+        <p:nvSpPr>
+          <p:cNvPr id="3" name="Notes Placeholder 2"/>
+          <p:cNvSpPr>
+            <a:spLocks noGrp="1"/>
+          </p:cNvSpPr>
+          <p:nvPr>
+            <p:ph type="body" idx="1"/>
+          </p:nvPr>
+        </p:nvSpPr>
+        <p:spPr/>
+        <p:txBody>
+          <a:bodyPr/>
+          <a:lstStyle/>
+          <a:p>
+            <a:r>
+              <a:rPr lang="en-US" dirty="0"/>
+              <a:t>This discussion can be concluded that only reactive interoperability can be used to overcome network traffic asymmetry and data holder mobility. Therefore the further work is concentrated on this communication scenario. Still, reusability of the existing concepts and solutions must be concerned.</a:t>
+            </a:r>
+            <a:endParaRPr lang="pl-PL" dirty="0"/>
+          </a:p>
+        </p:txBody>
+      </p:sp>
+      <p:sp>
+        <p:nvSpPr>
+          <p:cNvPr id="4" name="Slide Number Placeholder 3"/>
+          <p:cNvSpPr>
+            <a:spLocks noGrp="1"/>
+          </p:cNvSpPr>
+          <p:nvPr>
+            <p:ph type="sldNum" sz="quarter" idx="5"/>
+          </p:nvPr>
+        </p:nvSpPr>
+        <p:spPr/>
+        <p:txBody>
+          <a:bodyPr/>
+          <a:lstStyle/>
+          <a:p>
+            <a:fld id="{0AFDF39F-D04E-4B9F-BFB7-9926CF8DAB9C}" type="slidenum">
+              <a:rPr lang="pl-PL" smtClean="0"/>
+              <a:pPr/>
+              <a:t>11</a:t>
+            </a:fld>
+            <a:endParaRPr lang="pl-PL"/>
+          </a:p>
+        </p:txBody>
+      </p:sp>
+    </p:spTree>
+    <p:extLst>
+      <p:ext uri="{BB962C8B-B14F-4D97-AF65-F5344CB8AC3E}">
+        <p14:creationId xmlns:p14="http://schemas.microsoft.com/office/powerpoint/2010/main" val="2518814288"/>
+      </p:ext>
+    </p:extLst>
+  </p:cSld>
+  <p:clrMapOvr>
+    <a:masterClrMapping/>
+  </p:clrMapOvr>
+</p:notes>
+</file>
+
+<file path=ppt/notesSlides/notesSlide6.xml><?xml version="1.0" encoding="utf-8"?>
+<p:notes xmlns:a="http://schemas.openxmlformats.org/drawingml/2006/main" xmlns:r="http://schemas.openxmlformats.org/officeDocument/2006/relationships" xmlns:p="http://schemas.openxmlformats.org/presentationml/2006/main">
+  <p:cSld>
+    <p:spTree>
+      <p:nvGrpSpPr>
+        <p:cNvPr id="1" name=""/>
+        <p:cNvGrpSpPr/>
+        <p:nvPr/>
+      </p:nvGrpSpPr>
+      <p:grpSpPr>
+        <a:xfrm>
+          <a:off x="0" y="0"/>
+          <a:ext cx="0" cy="0"/>
+          <a:chOff x="0" y="0"/>
+          <a:chExt cx="0" cy="0"/>
+        </a:xfrm>
+      </p:grpSpPr>
+      <p:sp>
+        <p:nvSpPr>
+          <p:cNvPr id="2" name="Slide Image Placeholder 1"/>
+          <p:cNvSpPr>
+            <a:spLocks noGrp="1" noRot="1" noChangeAspect="1"/>
+          </p:cNvSpPr>
+          <p:nvPr>
+            <p:ph type="sldImg"/>
+          </p:nvPr>
+        </p:nvSpPr>
+        <p:spPr/>
+      </p:sp>
+      <p:sp>
+        <p:nvSpPr>
+          <p:cNvPr id="3" name="Notes Placeholder 2"/>
+          <p:cNvSpPr>
+            <a:spLocks noGrp="1"/>
+          </p:cNvSpPr>
+          <p:nvPr>
+            <p:ph type="body" idx="1"/>
+          </p:nvPr>
+        </p:nvSpPr>
+        <p:spPr/>
+        <p:txBody>
+          <a:bodyPr/>
+          <a:lstStyle/>
+          <a:p>
+            <a:r>
+              <a:rPr lang="en-US" b="0" dirty="0">
+                <a:solidFill>
+                  <a:srgbClr val="000000"/>
+                </a:solidFill>
+                <a:effectLst/>
+                <a:latin typeface="Consolas" panose="020B0609020204030204" pitchFamily="49" charset="0"/>
+              </a:rPr>
+              <a:t>Implementation contains two major components, namely </a:t>
+            </a:r>
+            <a:r>
+              <a:rPr lang="en-US" b="0" dirty="0" err="1">
+                <a:solidFill>
+                  <a:srgbClr val="000000"/>
+                </a:solidFill>
+                <a:effectLst/>
+                <a:latin typeface="Consolas" panose="020B0609020204030204" pitchFamily="49" charset="0"/>
+              </a:rPr>
+              <a:t>CommunicationContext</a:t>
+            </a:r>
+            <a:r>
+              <a:rPr lang="en-US" b="0" dirty="0">
+                <a:solidFill>
+                  <a:srgbClr val="000000"/>
+                </a:solidFill>
+                <a:effectLst/>
+                <a:latin typeface="Consolas" panose="020B0609020204030204" pitchFamily="49" charset="0"/>
+              </a:rPr>
+              <a:t> and </a:t>
+            </a:r>
+            <a:r>
+              <a:rPr lang="en-US" b="0" dirty="0" err="1">
+                <a:solidFill>
+                  <a:srgbClr val="000000"/>
+                </a:solidFill>
+                <a:effectLst/>
+                <a:latin typeface="Consolas" panose="020B0609020204030204" pitchFamily="49" charset="0"/>
+              </a:rPr>
+              <a:t>PartBindingFactory</a:t>
+            </a:r>
+            <a:r>
+              <a:rPr lang="en-US" b="0" dirty="0">
+                <a:solidFill>
+                  <a:srgbClr val="000000"/>
+                </a:solidFill>
+                <a:effectLst/>
+                <a:latin typeface="Consolas" panose="020B0609020204030204" pitchFamily="49" charset="0"/>
+              </a:rPr>
+              <a:t>.</a:t>
+            </a:r>
+          </a:p>
+          <a:p>
+            <a:br>
+              <a:rPr lang="en-US" b="0" dirty="0">
+                <a:solidFill>
+                  <a:srgbClr val="000000"/>
+                </a:solidFill>
+                <a:effectLst/>
+                <a:latin typeface="Consolas" panose="020B0609020204030204" pitchFamily="49" charset="0"/>
+              </a:rPr>
+            </a:br>
+            <a:r>
+              <a:rPr lang="en-US" b="0" dirty="0" err="1">
+                <a:solidFill>
+                  <a:srgbClr val="000000"/>
+                </a:solidFill>
+                <a:effectLst/>
+                <a:latin typeface="Consolas" panose="020B0609020204030204" pitchFamily="49" charset="0"/>
+              </a:rPr>
+              <a:t>PartBindingFactory</a:t>
+            </a:r>
+            <a:r>
+              <a:rPr lang="en-US" b="0" dirty="0">
+                <a:solidFill>
+                  <a:srgbClr val="000000"/>
+                </a:solidFill>
+                <a:effectLst/>
+                <a:latin typeface="Consolas" panose="020B0609020204030204" pitchFamily="49" charset="0"/>
+              </a:rPr>
+              <a:t> is responsible to group and processing the data recovered from the messages exchanged over the network. Integrating these two different environments we must assume that metadata used to describe the data exchanged over the cyber-physical networks and the data exposed by the cloud solution are not compliant. For example, to be compliant with the specification the cyber-physical data exchange must be described using encoding required by the OPC Unified Architecture spec defined in parts 6 and 14 that offer a few incompatible alternatives. On the other hand, the cloud solution metadata may be described using Digital Tween Description Language that is also not stable. In other words, these two environment uses different domain-specific languages to describe syntax and semantics of the same process data. Therefore, based on the bitstreams meaning this class of the gateway must be also responsible to provide mapping at run time. The result of the mapping is converted to Data Transfer Object using JSON serialization. This Data Transfer object factoring mechanism must be conducted every time new data is to be sent to the cloud, but behavior implementation of the mapping may be considered as the design-time activity in a typical case.</a:t>
+            </a:r>
+          </a:p>
+          <a:p>
+            <a:br>
+              <a:rPr lang="en-US" b="0" dirty="0">
+                <a:solidFill>
+                  <a:srgbClr val="000000"/>
+                </a:solidFill>
+                <a:effectLst/>
+                <a:latin typeface="Consolas" panose="020B0609020204030204" pitchFamily="49" charset="0"/>
+              </a:rPr>
+            </a:br>
+            <a:r>
+              <a:rPr lang="en-US" b="0" dirty="0" err="1">
+                <a:solidFill>
+                  <a:srgbClr val="000000"/>
+                </a:solidFill>
+                <a:effectLst/>
+                <a:latin typeface="Consolas" panose="020B0609020204030204" pitchFamily="49" charset="0"/>
+              </a:rPr>
+              <a:t>CommunicationContext</a:t>
+            </a:r>
+            <a:r>
+              <a:rPr lang="en-US" b="0" dirty="0">
+                <a:solidFill>
+                  <a:srgbClr val="000000"/>
+                </a:solidFill>
+                <a:effectLst/>
+                <a:latin typeface="Consolas" panose="020B0609020204030204" pitchFamily="49" charset="0"/>
+              </a:rPr>
+              <a:t> class sends the factored Data Transfer Objects using a communication channel established in advance. The Data Transfer Object is retrieved from the </a:t>
+            </a:r>
+            <a:r>
+              <a:rPr lang="en-US" b="0" dirty="0" err="1">
+                <a:solidFill>
+                  <a:srgbClr val="000000"/>
+                </a:solidFill>
+                <a:effectLst/>
+                <a:latin typeface="Consolas" panose="020B0609020204030204" pitchFamily="49" charset="0"/>
+              </a:rPr>
+              <a:t>PartBindingFactory</a:t>
+            </a:r>
+            <a:r>
+              <a:rPr lang="en-US" b="0" dirty="0">
+                <a:solidFill>
+                  <a:srgbClr val="000000"/>
+                </a:solidFill>
+                <a:effectLst/>
+                <a:latin typeface="Consolas" panose="020B0609020204030204" pitchFamily="49" charset="0"/>
+              </a:rPr>
+              <a:t> using the </a:t>
+            </a:r>
+            <a:r>
+              <a:rPr lang="en-US" b="0" dirty="0" err="1">
+                <a:solidFill>
+                  <a:srgbClr val="000000"/>
+                </a:solidFill>
+                <a:effectLst/>
+                <a:latin typeface="Consolas" panose="020B0609020204030204" pitchFamily="49" charset="0"/>
+              </a:rPr>
+              <a:t>IDTOProvider</a:t>
+            </a:r>
+            <a:r>
+              <a:rPr lang="en-US" b="0" dirty="0">
+                <a:solidFill>
+                  <a:srgbClr val="000000"/>
+                </a:solidFill>
+                <a:effectLst/>
+                <a:latin typeface="Consolas" panose="020B0609020204030204" pitchFamily="49" charset="0"/>
+              </a:rPr>
+              <a:t> interface.</a:t>
+            </a:r>
+          </a:p>
+          <a:p>
+            <a:br>
+              <a:rPr lang="en-US" b="0" dirty="0">
+                <a:solidFill>
+                  <a:srgbClr val="000000"/>
+                </a:solidFill>
+                <a:effectLst/>
+                <a:latin typeface="Consolas" panose="020B0609020204030204" pitchFamily="49" charset="0"/>
+              </a:rPr>
+            </a:br>
+            <a:r>
+              <a:rPr lang="en-US" b="0" dirty="0">
+                <a:solidFill>
+                  <a:srgbClr val="000000"/>
+                </a:solidFill>
+                <a:effectLst/>
+                <a:latin typeface="Consolas" panose="020B0609020204030204" pitchFamily="49" charset="0"/>
+              </a:rPr>
+              <a:t>The </a:t>
+            </a:r>
+            <a:r>
+              <a:rPr lang="en-US" b="0" dirty="0" err="1">
+                <a:solidFill>
+                  <a:srgbClr val="000000"/>
+                </a:solidFill>
+                <a:effectLst/>
+                <a:latin typeface="Consolas" panose="020B0609020204030204" pitchFamily="49" charset="0"/>
+              </a:rPr>
+              <a:t>CommunicationContext</a:t>
+            </a:r>
+            <a:r>
+              <a:rPr lang="en-US" b="0" dirty="0">
+                <a:solidFill>
+                  <a:srgbClr val="000000"/>
+                </a:solidFill>
+                <a:effectLst/>
+                <a:latin typeface="Consolas" panose="020B0609020204030204" pitchFamily="49" charset="0"/>
+              </a:rPr>
+              <a:t> maintains the data transfer channel with the cloud services using a well-known state machine pattern. It is responsible for protocols stack selection, authentication, and autorotation of a session created to establish a communication channel. The encoded JSON messages must be transferred to the cloud over the network using the selected protocol stack. The Azure supports HTTP, AMQP, and MQTT protocol stacks, which are all standard ones. It means that they have appropriate specification documentation. Consequently, it is possible to apply any available implementation compliant with an appropriate specification to achieve connectivity. In this case, all parameters required to establish connectivity and security contexts are up to the gateway's responsibility. Alternatively, the API offered by the dedicated frameworks (libraries) may be used. Using a framework, the configuration process may be reduced significantly, and the communication protocol selection has only an indirect impact on the interoperability features. In the proposed implementation, the Azure interconnection has been obtained using the above-mentioned frameworks.</a:t>
+            </a:r>
+          </a:p>
+          <a:p>
+            <a:br>
+              <a:rPr lang="en-US" b="0" dirty="0">
+                <a:solidFill>
+                  <a:srgbClr val="000000"/>
+                </a:solidFill>
+                <a:effectLst/>
+                <a:latin typeface="Consolas" panose="020B0609020204030204" pitchFamily="49" charset="0"/>
+              </a:rPr>
+            </a:br>
+            <a:r>
+              <a:rPr lang="en-US" b="0" dirty="0">
+                <a:solidFill>
+                  <a:srgbClr val="000000"/>
+                </a:solidFill>
+                <a:effectLst/>
+                <a:latin typeface="Consolas" panose="020B0609020204030204" pitchFamily="49" charset="0"/>
+              </a:rPr>
+              <a:t>Azure and </a:t>
+            </a:r>
+            <a:r>
+              <a:rPr lang="en-US" b="0" dirty="0" err="1">
+                <a:solidFill>
+                  <a:srgbClr val="000000"/>
+                </a:solidFill>
+                <a:effectLst/>
+                <a:latin typeface="Consolas" panose="020B0609020204030204" pitchFamily="49" charset="0"/>
+              </a:rPr>
+              <a:t>PubSub</a:t>
+            </a:r>
+            <a:r>
+              <a:rPr lang="en-US" b="0" dirty="0">
+                <a:solidFill>
+                  <a:srgbClr val="000000"/>
+                </a:solidFill>
+                <a:effectLst/>
+                <a:latin typeface="Consolas" panose="020B0609020204030204" pitchFamily="49" charset="0"/>
+              </a:rPr>
+              <a:t> use different security mechanisms so in the proposed solution establishing security-context is realized independently using the configuration. The </a:t>
+            </a:r>
+            <a:r>
+              <a:rPr lang="en-US" b="0" dirty="0" err="1">
+                <a:solidFill>
+                  <a:srgbClr val="000000"/>
+                </a:solidFill>
+                <a:effectLst/>
+                <a:latin typeface="Consolas" panose="020B0609020204030204" pitchFamily="49" charset="0"/>
+              </a:rPr>
+              <a:t>CommunicationContext</a:t>
+            </a:r>
+            <a:r>
+              <a:rPr lang="en-US" b="0" dirty="0">
+                <a:solidFill>
+                  <a:srgbClr val="000000"/>
+                </a:solidFill>
+                <a:effectLst/>
+                <a:latin typeface="Consolas" panose="020B0609020204030204" pitchFamily="49" charset="0"/>
+              </a:rPr>
+              <a:t> is responsible for establishing the connectivity and security contexts at the negotiation phase.</a:t>
+            </a:r>
+          </a:p>
+          <a:p>
+            <a:endParaRPr lang="en-US" dirty="0"/>
+          </a:p>
+        </p:txBody>
+      </p:sp>
+      <p:sp>
+        <p:nvSpPr>
+          <p:cNvPr id="4" name="Slide Number Placeholder 3"/>
+          <p:cNvSpPr>
+            <a:spLocks noGrp="1"/>
+          </p:cNvSpPr>
+          <p:nvPr>
+            <p:ph type="sldNum" sz="quarter" idx="5"/>
+          </p:nvPr>
+        </p:nvSpPr>
+        <p:spPr/>
+        <p:txBody>
+          <a:bodyPr/>
+          <a:lstStyle/>
+          <a:p>
+            <a:fld id="{0AFDF39F-D04E-4B9F-BFB7-9926CF8DAB9C}" type="slidenum">
+              <a:rPr lang="pl-PL" smtClean="0"/>
+              <a:pPr/>
+              <a:t>14</a:t>
+            </a:fld>
+            <a:endParaRPr lang="pl-PL"/>
+          </a:p>
+        </p:txBody>
+      </p:sp>
+    </p:spTree>
+    <p:extLst>
+      <p:ext uri="{BB962C8B-B14F-4D97-AF65-F5344CB8AC3E}">
+        <p14:creationId xmlns:p14="http://schemas.microsoft.com/office/powerpoint/2010/main" val="640199807"/>
+      </p:ext>
+    </p:extLst>
+  </p:cSld>
+  <p:clrMapOvr>
+    <a:masterClrMapping/>
+  </p:clrMapOvr>
+</p:notes>
+</file>
+
+<file path=ppt/notesSlides/notesSlide7.xml><?xml version="1.0" encoding="utf-8"?>
+<p:notes xmlns:a="http://schemas.openxmlformats.org/drawingml/2006/main" xmlns:r="http://schemas.openxmlformats.org/officeDocument/2006/relationships" xmlns:p="http://schemas.openxmlformats.org/presentationml/2006/main">
+  <p:cSld>
+    <p:spTree>
+      <p:nvGrpSpPr>
+        <p:cNvPr id="1" name=""/>
+        <p:cNvGrpSpPr/>
+        <p:nvPr/>
+      </p:nvGrpSpPr>
+      <p:grpSpPr>
+        <a:xfrm>
+          <a:off x="0" y="0"/>
+          <a:ext cx="0" cy="0"/>
+          <a:chOff x="0" y="0"/>
+          <a:chExt cx="0" cy="0"/>
+        </a:xfrm>
+      </p:grpSpPr>
+      <p:sp>
+        <p:nvSpPr>
+          <p:cNvPr id="2" name="Slide Image Placeholder 1"/>
+          <p:cNvSpPr>
+            <a:spLocks noGrp="1" noRot="1" noChangeAspect="1"/>
+          </p:cNvSpPr>
+          <p:nvPr>
+            <p:ph type="sldImg"/>
+          </p:nvPr>
+        </p:nvSpPr>
+        <p:spPr/>
+      </p:sp>
+      <p:sp>
+        <p:nvSpPr>
+          <p:cNvPr id="3" name="Notes Placeholder 2"/>
+          <p:cNvSpPr>
+            <a:spLocks noGrp="1"/>
+          </p:cNvSpPr>
+          <p:nvPr>
+            <p:ph type="body" idx="1"/>
+          </p:nvPr>
+        </p:nvSpPr>
+        <p:spPr/>
+        <p:txBody>
+          <a:bodyPr>
+            <a:normAutofit fontScale="92500" lnSpcReduction="10000"/>
+          </a:bodyPr>
+          <a:lstStyle/>
+          <a:p>
+            <a:r>
+              <a:rPr lang="en-US" dirty="0"/>
+              <a:t>It is a theory,  just a set of assumptions that now we can use to propose a concrete implementation meeting the community expectation. I believe that a detailed description of the implementation is not relevant to us in contrast to an analysis of how to use the proposed domain model to make strategic design decisions and functionality distribution. From the above discussion we can learn that the main design decisions must concern reusability (it means using the same part in many scenarios), flexibility, interoperability in the multi-vendor environment, and last but not least deployment without programming.</a:t>
+            </a:r>
+            <a:r>
+              <a:rPr lang="pl-PL" dirty="0"/>
+              <a:t> </a:t>
+            </a:r>
+          </a:p>
+          <a:p>
+            <a:endParaRPr lang="pl-PL" dirty="0"/>
+          </a:p>
+          <a:p>
+            <a:r>
+              <a:rPr lang="en-US" dirty="0"/>
+              <a:t>To meet these requirements the mentioned on the scree design patterns have been used. </a:t>
+            </a:r>
+            <a:endParaRPr lang="pl-PL" dirty="0"/>
+          </a:p>
+          <a:p>
+            <a:endParaRPr lang="pl-PL" dirty="0"/>
+          </a:p>
+          <a:p>
+            <a:pPr marL="171450" indent="-171450">
+              <a:buFont typeface="Arial" panose="020B0604020202020204" pitchFamily="34" charset="0"/>
+              <a:buChar char="•"/>
+            </a:pPr>
+            <a:r>
+              <a:rPr lang="en-US" dirty="0"/>
+              <a:t>Separation of concerns - to allow independent development of the parts. </a:t>
+            </a:r>
+            <a:endParaRPr lang="pl-PL" dirty="0"/>
+          </a:p>
+          <a:p>
+            <a:pPr marL="171450" indent="-171450">
+              <a:buFont typeface="Arial" panose="020B0604020202020204" pitchFamily="34" charset="0"/>
+              <a:buChar char="•"/>
+            </a:pPr>
+            <a:r>
+              <a:rPr lang="en-US" dirty="0"/>
+              <a:t>Dependency injection - to allow late binding of independently implemented parts. </a:t>
+            </a:r>
+            <a:endParaRPr lang="pl-PL" dirty="0"/>
+          </a:p>
+          <a:p>
+            <a:pPr marL="171450" indent="-171450">
+              <a:buFont typeface="Arial" panose="020B0604020202020204" pitchFamily="34" charset="0"/>
+              <a:buChar char="•"/>
+            </a:pPr>
+            <a:r>
+              <a:rPr lang="en-US" dirty="0"/>
+              <a:t>Adaptive Programming used at the development and deployment stage to improve the adaptability of the program against changing the production environment.</a:t>
+            </a:r>
+            <a:endParaRPr lang="pl-PL" dirty="0"/>
+          </a:p>
+          <a:p>
+            <a:endParaRPr lang="pl-PL" dirty="0"/>
+          </a:p>
+          <a:p>
+            <a:r>
+              <a:rPr lang="en-US" dirty="0"/>
+              <a:t>Piece by piece integration of a cyber-physical system using multi-vendor products requires that machine to machine communication employs international standards as the interoperability foundation. Following the presented conclusions, OPC Unified Architecture Part 14 </a:t>
+            </a:r>
+            <a:r>
+              <a:rPr lang="en-US" dirty="0" err="1"/>
+              <a:t>PubSub</a:t>
+            </a:r>
+            <a:r>
+              <a:rPr lang="en-US" dirty="0"/>
+              <a:t> is selected in this respect. By design, this standard should support the required publisher-subscriber communication pattern, but it covers only partially the requirements of the applications concerned. Therefore, my proposals shall be recognized as far beyond the specification scope, although they are still compliant with the standard.  Let me recall I propose to use type definitions as the principal to establish semantic and security context.  It means reusability of the Information Model concept used by the session-oriented counterpart.</a:t>
+            </a:r>
+            <a:endParaRPr lang="pl-PL" dirty="0"/>
+          </a:p>
+        </p:txBody>
+      </p:sp>
+      <p:sp>
+        <p:nvSpPr>
+          <p:cNvPr id="4" name="Slide Number Placeholder 3"/>
+          <p:cNvSpPr>
+            <a:spLocks noGrp="1"/>
+          </p:cNvSpPr>
+          <p:nvPr>
+            <p:ph type="sldNum" sz="quarter" idx="5"/>
+          </p:nvPr>
+        </p:nvSpPr>
+        <p:spPr/>
+        <p:txBody>
+          <a:bodyPr/>
+          <a:lstStyle/>
+          <a:p>
+            <a:fld id="{0AFDF39F-D04E-4B9F-BFB7-9926CF8DAB9C}" type="slidenum">
+              <a:rPr lang="pl-PL" smtClean="0"/>
+              <a:pPr/>
+              <a:t>15</a:t>
+            </a:fld>
+            <a:endParaRPr lang="pl-PL"/>
+          </a:p>
+        </p:txBody>
+      </p:sp>
+    </p:spTree>
+    <p:extLst>
+      <p:ext uri="{BB962C8B-B14F-4D97-AF65-F5344CB8AC3E}">
+        <p14:creationId xmlns:p14="http://schemas.microsoft.com/office/powerpoint/2010/main" val="3892780717"/>
+      </p:ext>
+    </p:extLst>
+  </p:cSld>
+  <p:clrMapOvr>
+    <a:masterClrMapping/>
+  </p:clrMapOvr>
+</p:notes>
+</file>
+
+<file path=ppt/notesSlides/notesSlide8.xml><?xml version="1.0" encoding="utf-8"?>
+<p:notes xmlns:a="http://schemas.openxmlformats.org/drawingml/2006/main" xmlns:r="http://schemas.openxmlformats.org/officeDocument/2006/relationships" xmlns:p="http://schemas.openxmlformats.org/presentationml/2006/main">
+  <p:cSld>
+    <p:spTree>
+      <p:nvGrpSpPr>
+        <p:cNvPr id="1" name=""/>
+        <p:cNvGrpSpPr/>
+        <p:nvPr/>
+      </p:nvGrpSpPr>
+      <p:grpSpPr>
+        <a:xfrm>
+          <a:off x="0" y="0"/>
+          <a:ext cx="0" cy="0"/>
+          <a:chOff x="0" y="0"/>
+          <a:chExt cx="0" cy="0"/>
+        </a:xfrm>
+      </p:grpSpPr>
+      <p:sp>
+        <p:nvSpPr>
+          <p:cNvPr id="2" name="Slide Image Placeholder 1"/>
+          <p:cNvSpPr>
+            <a:spLocks noGrp="1" noRot="1" noChangeAspect="1"/>
+          </p:cNvSpPr>
+          <p:nvPr>
+            <p:ph type="sldImg"/>
+          </p:nvPr>
+        </p:nvSpPr>
+        <p:spPr/>
+      </p:sp>
+      <p:sp>
+        <p:nvSpPr>
+          <p:cNvPr id="3" name="Notes Placeholder 2"/>
+          <p:cNvSpPr>
+            <a:spLocks noGrp="1"/>
+          </p:cNvSpPr>
+          <p:nvPr>
+            <p:ph type="body" idx="1"/>
+          </p:nvPr>
+        </p:nvSpPr>
+        <p:spPr/>
+        <p:txBody>
+          <a:bodyPr/>
+          <a:lstStyle/>
+          <a:p>
+            <a:pPr marL="0" marR="0" lvl="0" indent="0" algn="l" defTabSz="914400" rtl="0" eaLnBrk="1" fontAlgn="auto" latinLnBrk="0" hangingPunct="1">
+              <a:lnSpc>
+                <a:spcPct val="100000"/>
+              </a:lnSpc>
+              <a:spcBef>
+                <a:spcPts val="0"/>
+              </a:spcBef>
+              <a:spcAft>
+                <a:spcPts val="0"/>
+              </a:spcAft>
+              <a:buClrTx/>
+              <a:buSzTx/>
+              <a:buFontTx/>
+              <a:buNone/>
+              <a:tabLst/>
+              <a:defRPr/>
+            </a:pPr>
+            <a:r>
+              <a:rPr lang="en-US" dirty="0"/>
+              <a:t>The results presented in the article prove that the composite nature of the disciplines concerned can be relaxed by the composite nature of the running programs and postponing parts binding up to the system deployment stage. It also improves flexibility and adaptability of the existing solutions against any modification of the production environment including but not limited to the selected interoperability standard change.</a:t>
+            </a:r>
+            <a:r>
+              <a:rPr lang="pl-PL" dirty="0"/>
+              <a:t> </a:t>
+            </a:r>
+          </a:p>
+          <a:p>
+            <a:pPr marL="0" marR="0" lvl="0" indent="0" algn="l" defTabSz="914400" rtl="0" eaLnBrk="1" fontAlgn="auto" latinLnBrk="0" hangingPunct="1">
+              <a:lnSpc>
+                <a:spcPct val="100000"/>
+              </a:lnSpc>
+              <a:spcBef>
+                <a:spcPts val="0"/>
+              </a:spcBef>
+              <a:spcAft>
+                <a:spcPts val="0"/>
+              </a:spcAft>
+              <a:buClrTx/>
+              <a:buSzTx/>
+              <a:buFontTx/>
+              <a:buNone/>
+              <a:tabLst/>
+              <a:defRPr/>
+            </a:pPr>
+            <a:endParaRPr lang="pl-PL" dirty="0"/>
+          </a:p>
+          <a:p>
+            <a:pPr marL="0" marR="0" lvl="0" indent="0" algn="l" defTabSz="914400" rtl="0" eaLnBrk="1" fontAlgn="auto" latinLnBrk="0" hangingPunct="1">
+              <a:lnSpc>
+                <a:spcPct val="100000"/>
+              </a:lnSpc>
+              <a:spcBef>
+                <a:spcPts val="0"/>
+              </a:spcBef>
+              <a:spcAft>
+                <a:spcPts val="0"/>
+              </a:spcAft>
+              <a:buClrTx/>
+              <a:buSzTx/>
+              <a:buFontTx/>
+              <a:buNone/>
+              <a:tabLst/>
+              <a:defRPr/>
+            </a:pPr>
+            <a:r>
+              <a:rPr lang="en-US" dirty="0"/>
+              <a:t>Future work will be focused on Machine to Sensors connectivity based on the Process-Observer concept. By design, it allows access to plant floor devices using a variety of Fieldbus industrial network protocols. </a:t>
+            </a:r>
+            <a:endParaRPr lang="pl-PL"/>
+          </a:p>
+          <a:p>
+            <a:pPr marL="0" marR="0" lvl="0" indent="0" algn="l" defTabSz="914400" rtl="0" eaLnBrk="1" fontAlgn="auto" latinLnBrk="0" hangingPunct="1">
+              <a:lnSpc>
+                <a:spcPct val="100000"/>
+              </a:lnSpc>
+              <a:spcBef>
+                <a:spcPts val="0"/>
+              </a:spcBef>
+              <a:spcAft>
+                <a:spcPts val="0"/>
+              </a:spcAft>
+              <a:buClrTx/>
+              <a:buSzTx/>
+              <a:buFontTx/>
+              <a:buNone/>
+              <a:tabLst/>
+              <a:defRPr/>
+            </a:pPr>
+            <a:endParaRPr lang="pl-PL" dirty="0"/>
+          </a:p>
+          <a:p>
+            <a:pPr marL="0" marR="0" lvl="0" indent="0" algn="l" defTabSz="914400" rtl="0" eaLnBrk="1" fontAlgn="auto" latinLnBrk="0" hangingPunct="1">
+              <a:lnSpc>
+                <a:spcPct val="100000"/>
+              </a:lnSpc>
+              <a:spcBef>
+                <a:spcPts val="0"/>
+              </a:spcBef>
+              <a:spcAft>
+                <a:spcPts val="0"/>
+              </a:spcAft>
+              <a:buClrTx/>
+              <a:buSzTx/>
+              <a:buFontTx/>
+              <a:buNone/>
+              <a:tabLst/>
+              <a:defRPr/>
+            </a:pPr>
+            <a:r>
+              <a:rPr lang="en-US" dirty="0"/>
+              <a:t>The next research direction is the usage of the Data Transfer Object to control the communication behavior using the attributes attached.</a:t>
+            </a:r>
+            <a:endParaRPr lang="pl-PL" dirty="0"/>
+          </a:p>
+          <a:p>
+            <a:pPr marL="0" marR="0" lvl="0" indent="0" algn="l" defTabSz="914400" rtl="0" eaLnBrk="1" fontAlgn="auto" latinLnBrk="0" hangingPunct="1">
+              <a:lnSpc>
+                <a:spcPct val="100000"/>
+              </a:lnSpc>
+              <a:spcBef>
+                <a:spcPts val="0"/>
+              </a:spcBef>
+              <a:spcAft>
+                <a:spcPts val="0"/>
+              </a:spcAft>
+              <a:buClrTx/>
+              <a:buSzTx/>
+              <a:buFontTx/>
+              <a:buNone/>
+              <a:tabLst/>
+              <a:defRPr/>
+            </a:pPr>
+            <a:endParaRPr lang="pl-PL" dirty="0"/>
+          </a:p>
+          <a:p>
+            <a:pPr marL="0" marR="0" lvl="0" indent="0" algn="l" defTabSz="914400" rtl="0" eaLnBrk="1" fontAlgn="auto" latinLnBrk="0" hangingPunct="1">
+              <a:lnSpc>
+                <a:spcPct val="100000"/>
+              </a:lnSpc>
+              <a:spcBef>
+                <a:spcPts val="0"/>
+              </a:spcBef>
+              <a:spcAft>
+                <a:spcPts val="0"/>
+              </a:spcAft>
+              <a:buClrTx/>
+              <a:buSzTx/>
+              <a:buFontTx/>
+              <a:buNone/>
+              <a:tabLst/>
+              <a:defRPr/>
+            </a:pPr>
+            <a:r>
+              <a:rPr lang="en-US" dirty="0"/>
+              <a:t>I am also going to investigate out-of-band communication to be used as a foundation for semantic and security context-maintenance at run-time.</a:t>
+            </a:r>
+            <a:endParaRPr lang="pl-PL" dirty="0"/>
+          </a:p>
+        </p:txBody>
+      </p:sp>
+      <p:sp>
+        <p:nvSpPr>
+          <p:cNvPr id="4" name="Slide Number Placeholder 3"/>
+          <p:cNvSpPr>
+            <a:spLocks noGrp="1"/>
+          </p:cNvSpPr>
+          <p:nvPr>
+            <p:ph type="sldNum" sz="quarter" idx="5"/>
+          </p:nvPr>
+        </p:nvSpPr>
+        <p:spPr/>
+        <p:txBody>
+          <a:bodyPr/>
+          <a:lstStyle/>
+          <a:p>
+            <a:fld id="{0AFDF39F-D04E-4B9F-BFB7-9926CF8DAB9C}" type="slidenum">
+              <a:rPr lang="pl-PL" smtClean="0"/>
+              <a:pPr/>
+              <a:t>17</a:t>
+            </a:fld>
+            <a:endParaRPr lang="pl-PL"/>
+          </a:p>
+        </p:txBody>
+      </p:sp>
+    </p:spTree>
+    <p:extLst>
+      <p:ext uri="{BB962C8B-B14F-4D97-AF65-F5344CB8AC3E}">
+        <p14:creationId xmlns:p14="http://schemas.microsoft.com/office/powerpoint/2010/main" val="3098033467"/>
+      </p:ext>
+    </p:extLst>
+  </p:cSld>
+  <p:clrMapOvr>
+    <a:masterClrMapping/>
+  </p:clrMapOvr>
+</p:notes>
+</file>
+
+<file path=ppt/notesSlides/notesSlide9.xml><?xml version="1.0" encoding="utf-8"?>
 <p:notes xmlns:a="http://schemas.openxmlformats.org/drawingml/2006/main" xmlns:r="http://schemas.openxmlformats.org/officeDocument/2006/relationships" xmlns:p="http://schemas.openxmlformats.org/presentationml/2006/main">
   <p:cSld>
     <p:spTree>
@@ -11116,7 +12660,7 @@
                 </a:spcAft>
                 <a:defRPr/>
               </a:pPr>
-              <a:t>21</a:t>
+              <a:t>18</a:t>
             </a:fld>
             <a:endParaRPr lang="en-US"/>
           </a:p>
@@ -11126,1582 +12670,6 @@
     <p:extLst>
       <p:ext uri="{BB962C8B-B14F-4D97-AF65-F5344CB8AC3E}">
         <p14:creationId xmlns:p14="http://schemas.microsoft.com/office/powerpoint/2010/main" val="4092445640"/>
-      </p:ext>
-    </p:extLst>
-  </p:cSld>
-  <p:clrMapOvr>
-    <a:masterClrMapping/>
-  </p:clrMapOvr>
-</p:notes>
-</file>
-
-<file path=ppt/notesSlides/notesSlide2.xml><?xml version="1.0" encoding="utf-8"?>
-<p:notes xmlns:a="http://schemas.openxmlformats.org/drawingml/2006/main" xmlns:r="http://schemas.openxmlformats.org/officeDocument/2006/relationships" xmlns:p="http://schemas.openxmlformats.org/presentationml/2006/main">
-  <p:cSld>
-    <p:spTree>
-      <p:nvGrpSpPr>
-        <p:cNvPr id="1" name=""/>
-        <p:cNvGrpSpPr/>
-        <p:nvPr/>
-      </p:nvGrpSpPr>
-      <p:grpSpPr>
-        <a:xfrm>
-          <a:off x="0" y="0"/>
-          <a:ext cx="0" cy="0"/>
-          <a:chOff x="0" y="0"/>
-          <a:chExt cx="0" cy="0"/>
-        </a:xfrm>
-      </p:grpSpPr>
-      <p:sp>
-        <p:nvSpPr>
-          <p:cNvPr id="2" name="Slide Image Placeholder 1"/>
-          <p:cNvSpPr>
-            <a:spLocks noGrp="1" noRot="1" noChangeAspect="1"/>
-          </p:cNvSpPr>
-          <p:nvPr>
-            <p:ph type="sldImg"/>
-          </p:nvPr>
-        </p:nvSpPr>
-        <p:spPr/>
-      </p:sp>
-      <p:sp>
-        <p:nvSpPr>
-          <p:cNvPr id="3" name="Notes Placeholder 2"/>
-          <p:cNvSpPr>
-            <a:spLocks noGrp="1"/>
-          </p:cNvSpPr>
-          <p:nvPr>
-            <p:ph type="body" idx="1"/>
-          </p:nvPr>
-        </p:nvSpPr>
-        <p:spPr/>
-        <p:txBody>
-          <a:bodyPr/>
-          <a:lstStyle/>
-          <a:p>
-            <a:r>
-              <a:rPr lang="en-US" sz="1200" kern="1200" noProof="0" dirty="0">
-                <a:solidFill>
-                  <a:schemeClr val="tx1"/>
-                </a:solidFill>
-                <a:effectLst/>
-                <a:latin typeface="+mn-lt"/>
-                <a:ea typeface="+mn-ea"/>
-                <a:cs typeface="+mn-cs"/>
-              </a:rPr>
-              <a:t>To keep your attention let me present the agenda for my presentation. At the very beginning, let's describe the scope of my research. Talking about M2M communication I will try to point out the most important in my opinion features of this application domain.</a:t>
-            </a:r>
-          </a:p>
-          <a:p>
-            <a:r>
-              <a:rPr lang="en-US" sz="1200" kern="1200" noProof="0" dirty="0">
-                <a:solidFill>
-                  <a:schemeClr val="tx1"/>
-                </a:solidFill>
-                <a:effectLst/>
-                <a:latin typeface="+mn-lt"/>
-                <a:ea typeface="+mn-ea"/>
-                <a:cs typeface="+mn-cs"/>
-              </a:rPr>
-              <a:t>Because the Industry 4.0, IoT and in general cyber-physical developed based on the M2M may bother with the problems related to:</a:t>
-            </a:r>
-          </a:p>
-          <a:p>
-            <a:endParaRPr lang="en-US" sz="1200" kern="1200" noProof="0" dirty="0">
-              <a:solidFill>
-                <a:schemeClr val="tx1"/>
-              </a:solidFill>
-              <a:effectLst/>
-              <a:latin typeface="+mn-lt"/>
-              <a:ea typeface="+mn-ea"/>
-              <a:cs typeface="+mn-cs"/>
-            </a:endParaRPr>
-          </a:p>
-          <a:p>
-            <a:pPr marL="171450" indent="-171450">
-              <a:buFont typeface="Arial" panose="020B0604020202020204" pitchFamily="34" charset="0"/>
-              <a:buChar char="•"/>
-            </a:pPr>
-            <a:r>
-              <a:rPr lang="en-US" sz="1200" kern="1200" noProof="0" dirty="0">
-                <a:solidFill>
-                  <a:schemeClr val="tx1"/>
-                </a:solidFill>
-                <a:effectLst/>
-                <a:latin typeface="+mn-lt"/>
-                <a:ea typeface="+mn-ea"/>
-                <a:cs typeface="+mn-cs"/>
-              </a:rPr>
-              <a:t>traffic asymmetry</a:t>
-            </a:r>
-          </a:p>
-          <a:p>
-            <a:pPr marL="171450" indent="-171450">
-              <a:buFont typeface="Arial" panose="020B0604020202020204" pitchFamily="34" charset="0"/>
-              <a:buChar char="•"/>
-            </a:pPr>
-            <a:r>
-              <a:rPr lang="en-US" sz="1200" kern="1200" noProof="0" dirty="0">
-                <a:solidFill>
-                  <a:schemeClr val="tx1"/>
-                </a:solidFill>
-                <a:effectLst/>
-                <a:latin typeface="+mn-lt"/>
-                <a:ea typeface="+mn-ea"/>
-                <a:cs typeface="+mn-cs"/>
-              </a:rPr>
-              <a:t>data holder mobility</a:t>
-            </a:r>
-          </a:p>
-          <a:p>
-            <a:pPr marL="171450" indent="-171450">
-              <a:buFont typeface="Arial" panose="020B0604020202020204" pitchFamily="34" charset="0"/>
-              <a:buChar char="•"/>
-            </a:pPr>
-            <a:r>
-              <a:rPr lang="en-US" sz="1200" kern="1200" noProof="0" dirty="0">
-                <a:solidFill>
-                  <a:schemeClr val="tx1"/>
-                </a:solidFill>
-                <a:effectLst/>
-                <a:latin typeface="+mn-lt"/>
-                <a:ea typeface="+mn-ea"/>
-                <a:cs typeface="+mn-cs"/>
-              </a:rPr>
-              <a:t>Multi-vendor environment</a:t>
-            </a:r>
-          </a:p>
-          <a:p>
-            <a:endParaRPr lang="en-US" sz="1200" kern="1200" noProof="0" dirty="0">
-              <a:solidFill>
-                <a:schemeClr val="tx1"/>
-              </a:solidFill>
-              <a:effectLst/>
-              <a:latin typeface="+mn-lt"/>
-              <a:ea typeface="+mn-ea"/>
-              <a:cs typeface="+mn-cs"/>
-            </a:endParaRPr>
-          </a:p>
-          <a:p>
-            <a:r>
-              <a:rPr lang="en-US" sz="1200" kern="1200" noProof="0" dirty="0">
-                <a:solidFill>
-                  <a:schemeClr val="tx1"/>
-                </a:solidFill>
-                <a:effectLst/>
-                <a:latin typeface="+mn-lt"/>
-                <a:ea typeface="+mn-ea"/>
-                <a:cs typeface="+mn-cs"/>
-              </a:rPr>
-              <a:t>I will investigate the possibility to engage the Reactive Communication instead of Interactive communication. </a:t>
-            </a:r>
-          </a:p>
-          <a:p>
-            <a:r>
-              <a:rPr lang="en-US" sz="1200" kern="1200" noProof="0" dirty="0">
-                <a:solidFill>
-                  <a:schemeClr val="tx1"/>
-                </a:solidFill>
-                <a:effectLst/>
-                <a:latin typeface="+mn-lt"/>
-                <a:ea typeface="+mn-ea"/>
-                <a:cs typeface="+mn-cs"/>
-              </a:rPr>
-              <a:t>To make </a:t>
-            </a:r>
-            <a:r>
-              <a:rPr lang="pl-PL" sz="1200" kern="1200" noProof="0" dirty="0">
-                <a:solidFill>
-                  <a:schemeClr val="tx1"/>
-                </a:solidFill>
-                <a:effectLst/>
-                <a:latin typeface="+mn-lt"/>
-                <a:ea typeface="+mn-ea"/>
-                <a:cs typeface="+mn-cs"/>
-              </a:rPr>
-              <a:t>my</a:t>
-            </a:r>
-            <a:r>
-              <a:rPr lang="en-US" sz="1200" kern="1200" noProof="0" dirty="0">
-                <a:solidFill>
-                  <a:schemeClr val="tx1"/>
-                </a:solidFill>
-                <a:effectLst/>
-                <a:latin typeface="+mn-lt"/>
-                <a:ea typeface="+mn-ea"/>
-                <a:cs typeface="+mn-cs"/>
-              </a:rPr>
-              <a:t> proposals adaptable by end-users I will propose details making the presented abstract model a foundation for further development in this respect.</a:t>
-            </a:r>
-          </a:p>
-          <a:p>
-            <a:endParaRPr lang="en-US" noProof="0" dirty="0"/>
-          </a:p>
-        </p:txBody>
-      </p:sp>
-      <p:sp>
-        <p:nvSpPr>
-          <p:cNvPr id="4" name="Slide Number Placeholder 3"/>
-          <p:cNvSpPr>
-            <a:spLocks noGrp="1"/>
-          </p:cNvSpPr>
-          <p:nvPr>
-            <p:ph type="sldNum" sz="quarter" idx="5"/>
-          </p:nvPr>
-        </p:nvSpPr>
-        <p:spPr/>
-        <p:txBody>
-          <a:bodyPr/>
-          <a:lstStyle/>
-          <a:p>
-            <a:fld id="{0AFDF39F-D04E-4B9F-BFB7-9926CF8DAB9C}" type="slidenum">
-              <a:rPr lang="pl-PL" smtClean="0"/>
-              <a:pPr/>
-              <a:t>2</a:t>
-            </a:fld>
-            <a:endParaRPr lang="pl-PL"/>
-          </a:p>
-        </p:txBody>
-      </p:sp>
-    </p:spTree>
-    <p:extLst>
-      <p:ext uri="{BB962C8B-B14F-4D97-AF65-F5344CB8AC3E}">
-        <p14:creationId xmlns:p14="http://schemas.microsoft.com/office/powerpoint/2010/main" val="2059568500"/>
-      </p:ext>
-    </p:extLst>
-  </p:cSld>
-  <p:clrMapOvr>
-    <a:masterClrMapping/>
-  </p:clrMapOvr>
-</p:notes>
-</file>
-
-<file path=ppt/notesSlides/notesSlide3.xml><?xml version="1.0" encoding="utf-8"?>
-<p:notes xmlns:a="http://schemas.openxmlformats.org/drawingml/2006/main" xmlns:r="http://schemas.openxmlformats.org/officeDocument/2006/relationships" xmlns:p="http://schemas.openxmlformats.org/presentationml/2006/main">
-  <p:cSld>
-    <p:spTree>
-      <p:nvGrpSpPr>
-        <p:cNvPr id="1" name=""/>
-        <p:cNvGrpSpPr/>
-        <p:nvPr/>
-      </p:nvGrpSpPr>
-      <p:grpSpPr>
-        <a:xfrm>
-          <a:off x="0" y="0"/>
-          <a:ext cx="0" cy="0"/>
-          <a:chOff x="0" y="0"/>
-          <a:chExt cx="0" cy="0"/>
-        </a:xfrm>
-      </p:grpSpPr>
-      <p:sp>
-        <p:nvSpPr>
-          <p:cNvPr id="2" name="Slide Image Placeholder 1"/>
-          <p:cNvSpPr>
-            <a:spLocks noGrp="1" noRot="1" noChangeAspect="1"/>
-          </p:cNvSpPr>
-          <p:nvPr>
-            <p:ph type="sldImg"/>
-          </p:nvPr>
-        </p:nvSpPr>
-        <p:spPr/>
-      </p:sp>
-      <p:sp>
-        <p:nvSpPr>
-          <p:cNvPr id="3" name="Notes Placeholder 2"/>
-          <p:cNvSpPr>
-            <a:spLocks noGrp="1"/>
-          </p:cNvSpPr>
-          <p:nvPr>
-            <p:ph type="body" idx="1"/>
-          </p:nvPr>
-        </p:nvSpPr>
-        <p:spPr/>
-        <p:txBody>
-          <a:bodyPr/>
-          <a:lstStyle/>
-          <a:p>
-            <a:r>
-              <a:rPr lang="pl-PL" dirty="0"/>
-              <a:t>Piramida:</a:t>
-            </a:r>
-          </a:p>
-          <a:p>
-            <a:r>
-              <a:rPr lang="pl-PL" dirty="0"/>
-              <a:t>– by pokazać, gdzie jest góra i dół</a:t>
-            </a:r>
-            <a:r>
-              <a:rPr lang="pl-PL" baseline="0" dirty="0"/>
-              <a:t> </a:t>
-            </a:r>
-          </a:p>
-          <a:p>
-            <a:pPr marL="171450" indent="-171450">
-              <a:buFontTx/>
-              <a:buChar char="-"/>
-            </a:pPr>
-            <a:r>
-              <a:rPr lang="pl-PL" baseline="0" dirty="0"/>
-              <a:t>Model warstwowy</a:t>
-            </a:r>
-          </a:p>
-          <a:p>
-            <a:pPr marL="171450" indent="-171450">
-              <a:buFontTx/>
-              <a:buChar char="-"/>
-            </a:pPr>
-            <a:r>
-              <a:rPr lang="pl-PL" baseline="0" dirty="0"/>
-              <a:t>Warstwy wyższe odwołują się do warstw niższych</a:t>
-            </a:r>
-          </a:p>
-          <a:p>
-            <a:pPr marL="171450" indent="-171450">
-              <a:buFontTx/>
-              <a:buChar char="-"/>
-            </a:pPr>
-            <a:r>
-              <a:rPr lang="pl-PL" baseline="0" dirty="0"/>
-              <a:t>API</a:t>
-            </a:r>
-          </a:p>
-          <a:p>
-            <a:pPr marL="0" indent="0">
-              <a:buFontTx/>
-              <a:buNone/>
-            </a:pPr>
-            <a:r>
-              <a:rPr lang="pl-PL" baseline="0" dirty="0"/>
-              <a:t>Po co:</a:t>
-            </a:r>
-          </a:p>
-          <a:p>
-            <a:pPr marL="171450" indent="-171450">
-              <a:buFontTx/>
-              <a:buChar char="-"/>
-            </a:pPr>
-            <a:r>
-              <a:rPr lang="pl-PL" baseline="0" dirty="0"/>
-              <a:t>Możliwość wymiany technologia</a:t>
-            </a:r>
-          </a:p>
-          <a:p>
-            <a:pPr marL="171450" indent="-171450">
-              <a:buFontTx/>
-              <a:buChar char="-"/>
-            </a:pPr>
-            <a:r>
-              <a:rPr lang="pl-PL" baseline="0" dirty="0"/>
-              <a:t>Skalowanie</a:t>
-            </a:r>
-          </a:p>
-          <a:p>
-            <a:pPr marL="171450" indent="-171450">
-              <a:buFontTx/>
-              <a:buChar char="-"/>
-            </a:pPr>
-            <a:r>
-              <a:rPr lang="pl-PL" baseline="0" dirty="0"/>
-              <a:t>Współużywanie</a:t>
-            </a:r>
-          </a:p>
-          <a:p>
-            <a:pPr marL="0" indent="0">
-              <a:buFontTx/>
-              <a:buNone/>
-            </a:pPr>
-            <a:r>
-              <a:rPr lang="pl-PL" baseline="0" dirty="0"/>
-              <a:t>Warstwy:</a:t>
-            </a:r>
-          </a:p>
-          <a:p>
-            <a:pPr marL="0" indent="0">
-              <a:buFontTx/>
-              <a:buNone/>
-            </a:pPr>
-            <a:endParaRPr lang="pl-PL" baseline="0" dirty="0"/>
-          </a:p>
-          <a:p>
-            <a:pPr marL="171450" indent="-171450">
-              <a:buFontTx/>
-              <a:buChar char="-"/>
-            </a:pPr>
-            <a:endParaRPr lang="pl-PL" baseline="0" dirty="0"/>
-          </a:p>
-          <a:p>
-            <a:endParaRPr lang="pl-PL" dirty="0"/>
-          </a:p>
-        </p:txBody>
-      </p:sp>
-      <p:sp>
-        <p:nvSpPr>
-          <p:cNvPr id="4" name="Slide Number Placeholder 3"/>
-          <p:cNvSpPr>
-            <a:spLocks noGrp="1"/>
-          </p:cNvSpPr>
-          <p:nvPr>
-            <p:ph type="sldNum" sz="quarter" idx="10"/>
-          </p:nvPr>
-        </p:nvSpPr>
-        <p:spPr/>
-        <p:txBody>
-          <a:bodyPr/>
-          <a:lstStyle/>
-          <a:p>
-            <a:fld id="{2FED7D95-5DED-40EF-B90D-C1D8560E7860}" type="slidenum">
-              <a:rPr lang="pl-PL" smtClean="0"/>
-              <a:pPr/>
-              <a:t>4</a:t>
-            </a:fld>
-            <a:endParaRPr lang="pl-PL"/>
-          </a:p>
-        </p:txBody>
-      </p:sp>
-    </p:spTree>
-    <p:extLst>
-      <p:ext uri="{BB962C8B-B14F-4D97-AF65-F5344CB8AC3E}">
-        <p14:creationId xmlns:p14="http://schemas.microsoft.com/office/powerpoint/2010/main" val="4025573905"/>
-      </p:ext>
-    </p:extLst>
-  </p:cSld>
-  <p:clrMapOvr>
-    <a:masterClrMapping/>
-  </p:clrMapOvr>
-</p:notes>
-</file>
-
-<file path=ppt/notesSlides/notesSlide4.xml><?xml version="1.0" encoding="utf-8"?>
-<p:notes xmlns:a="http://schemas.openxmlformats.org/drawingml/2006/main" xmlns:r="http://schemas.openxmlformats.org/officeDocument/2006/relationships" xmlns:p="http://schemas.openxmlformats.org/presentationml/2006/main">
-  <p:cSld>
-    <p:spTree>
-      <p:nvGrpSpPr>
-        <p:cNvPr id="1" name=""/>
-        <p:cNvGrpSpPr/>
-        <p:nvPr/>
-      </p:nvGrpSpPr>
-      <p:grpSpPr>
-        <a:xfrm>
-          <a:off x="0" y="0"/>
-          <a:ext cx="0" cy="0"/>
-          <a:chOff x="0" y="0"/>
-          <a:chExt cx="0" cy="0"/>
-        </a:xfrm>
-      </p:grpSpPr>
-      <p:sp>
-        <p:nvSpPr>
-          <p:cNvPr id="2" name="Slide Image Placeholder 1"/>
-          <p:cNvSpPr>
-            <a:spLocks noGrp="1" noRot="1" noChangeAspect="1"/>
-          </p:cNvSpPr>
-          <p:nvPr>
-            <p:ph type="sldImg"/>
-          </p:nvPr>
-        </p:nvSpPr>
-        <p:spPr/>
-      </p:sp>
-      <p:sp>
-        <p:nvSpPr>
-          <p:cNvPr id="3" name="Notes Placeholder 2"/>
-          <p:cNvSpPr>
-            <a:spLocks noGrp="1"/>
-          </p:cNvSpPr>
-          <p:nvPr>
-            <p:ph type="body" idx="1"/>
-          </p:nvPr>
-        </p:nvSpPr>
-        <p:spPr/>
-        <p:txBody>
-          <a:bodyPr>
-            <a:normAutofit/>
-          </a:bodyPr>
-          <a:lstStyle/>
-          <a:p>
-            <a:r>
-              <a:rPr lang="en-US" sz="1200" b="0" kern="1200" dirty="0">
-                <a:solidFill>
-                  <a:schemeClr val="tx1"/>
-                </a:solidFill>
-                <a:effectLst/>
-                <a:latin typeface="+mn-lt"/>
-                <a:ea typeface="+mn-ea"/>
-                <a:cs typeface="+mn-cs"/>
-              </a:rPr>
-              <a:t>Going beyond the smart factory realm, a similar concept may be used to make any general-purpose entities interoperable. Finally, we get cyber-physical systems where a variety of entities may be aggregated into distributed information processing solutions. In this case, we are opening the public connectivity domain, which requires a globally scoped infrastructure, i.e. the Internet. </a:t>
-            </a:r>
-            <a:endParaRPr lang="pl-PL" sz="1200" b="0" kern="1200" dirty="0">
-              <a:solidFill>
-                <a:schemeClr val="tx1"/>
-              </a:solidFill>
-              <a:effectLst/>
-              <a:latin typeface="+mn-lt"/>
-              <a:ea typeface="+mn-ea"/>
-              <a:cs typeface="+mn-cs"/>
-            </a:endParaRPr>
-          </a:p>
-          <a:p>
-            <a:br>
-              <a:rPr lang="en-US" sz="1200" b="0" kern="1200" dirty="0">
-                <a:solidFill>
-                  <a:schemeClr val="tx1"/>
-                </a:solidFill>
-                <a:effectLst/>
-                <a:latin typeface="+mn-lt"/>
-                <a:ea typeface="+mn-ea"/>
-                <a:cs typeface="+mn-cs"/>
-              </a:rPr>
-            </a:br>
-            <a:r>
-              <a:rPr lang="en-US" sz="1200" b="0" kern="1200" dirty="0">
-                <a:solidFill>
-                  <a:schemeClr val="tx1"/>
-                </a:solidFill>
-                <a:effectLst/>
-                <a:latin typeface="+mn-lt"/>
-                <a:ea typeface="+mn-ea"/>
-                <a:cs typeface="+mn-cs"/>
-              </a:rPr>
-              <a:t>For any generic solution addressing the design of the cyber-physical system, the data holder mobility must be considered as well. Mobile data means that it may come from mobile devices or be generated in unpredictable attachment points. If the data places exposition is arbitrary it means that the data appearance must be recognized and processed as an event. A good example of this scenario is a product (e.g. hygiene goods, cosmetics, drugs, etc.) global tracking system - an application domain where the IoT term has been coined. One of the arguments for the IoT is allowing distributed yet interlinked devices, machines, and objects (data holders) to interact with each other without relying on human interaction to set-up and commission the embedded intelligence. In case any kind of mobility has to be considered, the next engineering challenge is dynamic discoverability on the network and the possibility of establishing the semantic and security contexts of the parts composing the IoT application.</a:t>
-            </a:r>
-            <a:endParaRPr lang="pl-PL" dirty="0"/>
-          </a:p>
-        </p:txBody>
-      </p:sp>
-      <p:sp>
-        <p:nvSpPr>
-          <p:cNvPr id="4" name="Slide Number Placeholder 3"/>
-          <p:cNvSpPr>
-            <a:spLocks noGrp="1"/>
-          </p:cNvSpPr>
-          <p:nvPr>
-            <p:ph type="sldNum" sz="quarter" idx="5"/>
-          </p:nvPr>
-        </p:nvSpPr>
-        <p:spPr/>
-        <p:txBody>
-          <a:bodyPr/>
-          <a:lstStyle/>
-          <a:p>
-            <a:fld id="{0AFDF39F-D04E-4B9F-BFB7-9926CF8DAB9C}" type="slidenum">
-              <a:rPr lang="pl-PL" smtClean="0"/>
-              <a:pPr/>
-              <a:t>5</a:t>
-            </a:fld>
-            <a:endParaRPr lang="pl-PL"/>
-          </a:p>
-        </p:txBody>
-      </p:sp>
-    </p:spTree>
-    <p:extLst>
-      <p:ext uri="{BB962C8B-B14F-4D97-AF65-F5344CB8AC3E}">
-        <p14:creationId xmlns:p14="http://schemas.microsoft.com/office/powerpoint/2010/main" val="2093916689"/>
-      </p:ext>
-    </p:extLst>
-  </p:cSld>
-  <p:clrMapOvr>
-    <a:masterClrMapping/>
-  </p:clrMapOvr>
-</p:notes>
-</file>
-
-<file path=ppt/notesSlides/notesSlide5.xml><?xml version="1.0" encoding="utf-8"?>
-<p:notes xmlns:a="http://schemas.openxmlformats.org/drawingml/2006/main" xmlns:r="http://schemas.openxmlformats.org/officeDocument/2006/relationships" xmlns:p="http://schemas.openxmlformats.org/presentationml/2006/main">
-  <p:cSld>
-    <p:spTree>
-      <p:nvGrpSpPr>
-        <p:cNvPr id="1" name=""/>
-        <p:cNvGrpSpPr/>
-        <p:nvPr/>
-      </p:nvGrpSpPr>
-      <p:grpSpPr>
-        <a:xfrm>
-          <a:off x="0" y="0"/>
-          <a:ext cx="0" cy="0"/>
-          <a:chOff x="0" y="0"/>
-          <a:chExt cx="0" cy="0"/>
-        </a:xfrm>
-      </p:grpSpPr>
-      <p:sp>
-        <p:nvSpPr>
-          <p:cNvPr id="2" name="Slide Image Placeholder 1"/>
-          <p:cNvSpPr>
-            <a:spLocks noGrp="1" noRot="1" noChangeAspect="1"/>
-          </p:cNvSpPr>
-          <p:nvPr>
-            <p:ph type="sldImg"/>
-          </p:nvPr>
-        </p:nvSpPr>
-        <p:spPr/>
-      </p:sp>
-      <p:sp>
-        <p:nvSpPr>
-          <p:cNvPr id="3" name="Notes Placeholder 2"/>
-          <p:cNvSpPr>
-            <a:spLocks noGrp="1"/>
-          </p:cNvSpPr>
-          <p:nvPr>
-            <p:ph type="body" idx="1"/>
-          </p:nvPr>
-        </p:nvSpPr>
-        <p:spPr/>
-        <p:txBody>
-          <a:bodyPr/>
-          <a:lstStyle/>
-          <a:p>
-            <a:r>
-              <a:rPr lang="en-US" sz="1200" kern="1200" dirty="0">
-                <a:solidFill>
-                  <a:schemeClr val="tx1"/>
-                </a:solidFill>
-                <a:effectLst/>
-                <a:latin typeface="+mn-lt"/>
-                <a:ea typeface="+mn-ea"/>
-                <a:cs typeface="+mn-cs"/>
-              </a:rPr>
-              <a:t>As I said the machine to machine communication is a foundation for the Cyber-physical system, Industry 4.0 solutions, and Internet of Things discipline. In the case of the cyber-physical systems, a variety of entities may be aggregated into distributed information processing solutions. In this case, we are opening the public connectivity domain, which requires the Internet as a globally scoped communication infrastructure. Parties interconnected over any network require special precautions that must be taken against malicious users to assure the best possible level of security. To address this security demand suitable protection methods may be applied to</a:t>
-            </a:r>
-            <a:r>
-              <a:rPr lang="pl-PL" sz="1200" kern="1200" dirty="0">
-                <a:solidFill>
-                  <a:schemeClr val="tx1"/>
-                </a:solidFill>
-                <a:effectLst/>
-                <a:latin typeface="+mn-lt"/>
-                <a:ea typeface="+mn-ea"/>
-                <a:cs typeface="+mn-cs"/>
-              </a:rPr>
-              <a:t> </a:t>
-            </a:r>
-            <a:r>
-              <a:rPr lang="en-US" sz="1200" kern="1200" dirty="0">
-                <a:solidFill>
-                  <a:schemeClr val="tx1"/>
-                </a:solidFill>
-                <a:effectLst/>
-                <a:latin typeface="+mn-lt"/>
-                <a:ea typeface="+mn-ea"/>
-                <a:cs typeface="+mn-cs"/>
-              </a:rPr>
-              <a:t>network traffic </a:t>
-            </a:r>
-            <a:r>
-              <a:rPr lang="pl-PL" sz="1200" kern="1200" dirty="0">
-                <a:solidFill>
-                  <a:schemeClr val="tx1"/>
-                </a:solidFill>
-                <a:effectLst/>
-                <a:latin typeface="+mn-lt"/>
-                <a:ea typeface="+mn-ea"/>
-                <a:cs typeface="+mn-cs"/>
-              </a:rPr>
-              <a:t> and </a:t>
-            </a:r>
-            <a:r>
-              <a:rPr lang="en-US" sz="1200" kern="1200" dirty="0">
-                <a:solidFill>
-                  <a:schemeClr val="tx1"/>
-                </a:solidFill>
-                <a:effectLst/>
-                <a:latin typeface="+mn-lt"/>
-                <a:ea typeface="+mn-ea"/>
-                <a:cs typeface="+mn-cs"/>
-              </a:rPr>
-              <a:t>data transfer object</a:t>
-            </a:r>
-            <a:r>
-              <a:rPr lang="pl-PL" sz="1200" kern="1200" dirty="0">
-                <a:solidFill>
-                  <a:schemeClr val="tx1"/>
-                </a:solidFill>
-                <a:effectLst/>
-                <a:latin typeface="+mn-lt"/>
-                <a:ea typeface="+mn-ea"/>
-                <a:cs typeface="+mn-cs"/>
-              </a:rPr>
-              <a:t>.</a:t>
-            </a:r>
-          </a:p>
-          <a:p>
-            <a:endParaRPr lang="en-US" sz="1200" kern="1200" dirty="0">
-              <a:solidFill>
-                <a:schemeClr val="tx1"/>
-              </a:solidFill>
-              <a:effectLst/>
-              <a:latin typeface="+mn-lt"/>
-              <a:ea typeface="+mn-ea"/>
-              <a:cs typeface="+mn-cs"/>
-            </a:endParaRPr>
-          </a:p>
-          <a:p>
-            <a:pPr marL="0" indent="0">
-              <a:buFont typeface="Arial" panose="020B0604020202020204" pitchFamily="34" charset="0"/>
-              <a:buNone/>
-            </a:pPr>
-            <a:r>
-              <a:rPr lang="pl-PL" sz="1200" kern="1200" dirty="0">
-                <a:solidFill>
-                  <a:schemeClr val="tx1"/>
-                </a:solidFill>
-                <a:effectLst/>
-                <a:latin typeface="+mn-lt"/>
-                <a:ea typeface="+mn-ea"/>
-                <a:cs typeface="+mn-cs"/>
-              </a:rPr>
-              <a:t>For </a:t>
-            </a:r>
-            <a:r>
-              <a:rPr lang="en-US" sz="1200" kern="1200" dirty="0">
-                <a:solidFill>
-                  <a:schemeClr val="tx1"/>
-                </a:solidFill>
-                <a:effectLst/>
-                <a:latin typeface="+mn-lt"/>
-                <a:ea typeface="+mn-ea"/>
-                <a:cs typeface="+mn-cs"/>
-              </a:rPr>
-              <a:t>network traffic  it is accomplished using intermediary devices to enforce traffic selective availability based on security rules against unauthorized access,</a:t>
-            </a:r>
-          </a:p>
-          <a:p>
-            <a:pPr marL="0" indent="0">
-              <a:buFont typeface="Arial" panose="020B0604020202020204" pitchFamily="34" charset="0"/>
-              <a:buNone/>
-            </a:pPr>
-            <a:r>
-              <a:rPr lang="pl-PL" sz="1200" kern="1200" dirty="0">
-                <a:solidFill>
-                  <a:schemeClr val="tx1"/>
-                </a:solidFill>
-                <a:effectLst/>
-                <a:latin typeface="+mn-lt"/>
-                <a:ea typeface="+mn-ea"/>
-                <a:cs typeface="+mn-cs"/>
-              </a:rPr>
-              <a:t>For the </a:t>
-            </a:r>
-            <a:r>
-              <a:rPr lang="en-US" sz="1200" kern="1200" dirty="0">
-                <a:solidFill>
-                  <a:schemeClr val="tx1"/>
-                </a:solidFill>
-                <a:effectLst/>
-                <a:latin typeface="+mn-lt"/>
-                <a:ea typeface="+mn-ea"/>
-                <a:cs typeface="+mn-cs"/>
-              </a:rPr>
-              <a:t>data transfer object (</a:t>
-            </a:r>
-            <a:r>
-              <a:rPr lang="en-US" sz="1200" kern="1200" noProof="0" dirty="0">
-                <a:solidFill>
-                  <a:schemeClr val="tx1"/>
-                </a:solidFill>
-                <a:effectLst/>
-                <a:latin typeface="+mn-lt"/>
-                <a:ea typeface="+mn-ea"/>
-                <a:cs typeface="+mn-cs"/>
-              </a:rPr>
-              <a:t>simplifying</a:t>
-            </a:r>
-            <a:r>
-              <a:rPr lang="pl-PL" sz="1200" kern="1200" dirty="0">
-                <a:solidFill>
-                  <a:schemeClr val="tx1"/>
-                </a:solidFill>
-                <a:effectLst/>
-                <a:latin typeface="+mn-lt"/>
-                <a:ea typeface="+mn-ea"/>
-                <a:cs typeface="+mn-cs"/>
-              </a:rPr>
-              <a:t> data on the </a:t>
-            </a:r>
-            <a:r>
-              <a:rPr lang="en-US" sz="1200" kern="1200" noProof="0" dirty="0">
-                <a:solidFill>
-                  <a:schemeClr val="tx1"/>
-                </a:solidFill>
-                <a:effectLst/>
-                <a:latin typeface="+mn-lt"/>
-                <a:ea typeface="+mn-ea"/>
-                <a:cs typeface="+mn-cs"/>
-              </a:rPr>
-              <a:t>wire</a:t>
-            </a:r>
-            <a:r>
-              <a:rPr lang="en-US" sz="1200" kern="1200" dirty="0">
-                <a:solidFill>
-                  <a:schemeClr val="tx1"/>
-                </a:solidFill>
-                <a:effectLst/>
-                <a:latin typeface="+mn-lt"/>
-                <a:ea typeface="+mn-ea"/>
-                <a:cs typeface="+mn-cs"/>
-              </a:rPr>
-              <a:t>) </a:t>
-            </a:r>
-            <a:r>
-              <a:rPr lang="pl-PL" sz="1200" kern="1200" dirty="0">
-                <a:solidFill>
-                  <a:schemeClr val="tx1"/>
-                </a:solidFill>
-                <a:effectLst/>
-                <a:latin typeface="+mn-lt"/>
-                <a:ea typeface="+mn-ea"/>
-                <a:cs typeface="+mn-cs"/>
-              </a:rPr>
-              <a:t>i</a:t>
-            </a:r>
-            <a:r>
-              <a:rPr lang="en-US" sz="1200" kern="1200" dirty="0">
-                <a:solidFill>
-                  <a:schemeClr val="tx1"/>
-                </a:solidFill>
-                <a:effectLst/>
-                <a:latin typeface="+mn-lt"/>
-                <a:ea typeface="+mn-ea"/>
-                <a:cs typeface="+mn-cs"/>
-              </a:rPr>
-              <a:t>t is accomplished using cipher algorithms against bitstreams formatted as a message traversing the network and containing process data.</a:t>
-            </a:r>
-            <a:endParaRPr lang="pl-PL" sz="1200" kern="1200" dirty="0">
-              <a:solidFill>
-                <a:schemeClr val="tx1"/>
-              </a:solidFill>
-              <a:effectLst/>
-              <a:latin typeface="+mn-lt"/>
-              <a:ea typeface="+mn-ea"/>
-              <a:cs typeface="+mn-cs"/>
-            </a:endParaRPr>
-          </a:p>
-          <a:p>
-            <a:pPr marL="171450" indent="-171450">
-              <a:buFont typeface="Arial" panose="020B0604020202020204" pitchFamily="34" charset="0"/>
-              <a:buChar char="•"/>
-            </a:pPr>
-            <a:endParaRPr lang="pl-PL" sz="1200" kern="1200" dirty="0">
-              <a:solidFill>
-                <a:schemeClr val="tx1"/>
-              </a:solidFill>
-              <a:effectLst/>
-              <a:latin typeface="+mn-lt"/>
-              <a:ea typeface="+mn-ea"/>
-              <a:cs typeface="+mn-cs"/>
-            </a:endParaRPr>
-          </a:p>
-          <a:p>
-            <a:pPr marL="0" marR="0" lvl="0" indent="0" algn="l" defTabSz="914400" rtl="0" eaLnBrk="1" fontAlgn="auto" latinLnBrk="0" hangingPunct="1">
-              <a:lnSpc>
-                <a:spcPct val="100000"/>
-              </a:lnSpc>
-              <a:spcBef>
-                <a:spcPts val="0"/>
-              </a:spcBef>
-              <a:spcAft>
-                <a:spcPts val="0"/>
-              </a:spcAft>
-              <a:buClrTx/>
-              <a:buSzTx/>
-              <a:buFont typeface="Arial" panose="020B0604020202020204" pitchFamily="34" charset="0"/>
-              <a:buNone/>
-              <a:tabLst/>
-              <a:defRPr/>
-            </a:pPr>
-            <a:r>
-              <a:rPr lang="en-US" sz="1200" b="0" kern="1200" dirty="0">
-                <a:solidFill>
-                  <a:schemeClr val="tx1"/>
-                </a:solidFill>
-                <a:effectLst/>
-                <a:latin typeface="+mn-lt"/>
-                <a:ea typeface="+mn-ea"/>
-                <a:cs typeface="+mn-cs"/>
-              </a:rPr>
-              <a:t>The integration of a cyber-physical system using multi-vendor products requires that M2M communication must employ international standards as the interoperability foundation.</a:t>
-            </a:r>
-            <a:r>
-              <a:rPr lang="pl-PL" sz="1200" b="0" kern="1200" dirty="0">
-                <a:solidFill>
-                  <a:schemeClr val="tx1"/>
-                </a:solidFill>
-                <a:effectLst/>
-                <a:latin typeface="+mn-lt"/>
-                <a:ea typeface="+mn-ea"/>
-                <a:cs typeface="+mn-cs"/>
-              </a:rPr>
-              <a:t> </a:t>
-            </a:r>
-            <a:r>
-              <a:rPr lang="en-US" sz="1200" b="0" kern="1200" dirty="0">
-                <a:solidFill>
-                  <a:schemeClr val="tx1"/>
-                </a:solidFill>
-                <a:effectLst/>
-                <a:latin typeface="+mn-lt"/>
-                <a:ea typeface="+mn-ea"/>
-                <a:cs typeface="+mn-cs"/>
-              </a:rPr>
-              <a:t>To address the industry requirements we need meaningful communication without programming. This feature is coined as plug and produce.</a:t>
-            </a:r>
-          </a:p>
-          <a:p>
-            <a:pPr marL="171450" indent="-171450">
-              <a:buFont typeface="Arial" panose="020B0604020202020204" pitchFamily="34" charset="0"/>
-              <a:buChar char="•"/>
-            </a:pPr>
-            <a:endParaRPr lang="en-US" sz="1200" kern="1200" dirty="0">
-              <a:solidFill>
-                <a:schemeClr val="tx1"/>
-              </a:solidFill>
-              <a:effectLst/>
-              <a:latin typeface="+mn-lt"/>
-              <a:ea typeface="+mn-ea"/>
-              <a:cs typeface="+mn-cs"/>
-            </a:endParaRPr>
-          </a:p>
-        </p:txBody>
-      </p:sp>
-      <p:sp>
-        <p:nvSpPr>
-          <p:cNvPr id="4" name="Slide Number Placeholder 3"/>
-          <p:cNvSpPr>
-            <a:spLocks noGrp="1"/>
-          </p:cNvSpPr>
-          <p:nvPr>
-            <p:ph type="sldNum" sz="quarter" idx="5"/>
-          </p:nvPr>
-        </p:nvSpPr>
-        <p:spPr/>
-        <p:txBody>
-          <a:bodyPr/>
-          <a:lstStyle/>
-          <a:p>
-            <a:fld id="{0AFDF39F-D04E-4B9F-BFB7-9926CF8DAB9C}" type="slidenum">
-              <a:rPr lang="pl-PL" smtClean="0"/>
-              <a:pPr/>
-              <a:t>6</a:t>
-            </a:fld>
-            <a:endParaRPr lang="pl-PL"/>
-          </a:p>
-        </p:txBody>
-      </p:sp>
-    </p:spTree>
-    <p:extLst>
-      <p:ext uri="{BB962C8B-B14F-4D97-AF65-F5344CB8AC3E}">
-        <p14:creationId xmlns:p14="http://schemas.microsoft.com/office/powerpoint/2010/main" val="369401704"/>
-      </p:ext>
-    </p:extLst>
-  </p:cSld>
-  <p:clrMapOvr>
-    <a:masterClrMapping/>
-  </p:clrMapOvr>
-</p:notes>
-</file>
-
-<file path=ppt/notesSlides/notesSlide6.xml><?xml version="1.0" encoding="utf-8"?>
-<p:notes xmlns:a="http://schemas.openxmlformats.org/drawingml/2006/main" xmlns:r="http://schemas.openxmlformats.org/officeDocument/2006/relationships" xmlns:p="http://schemas.openxmlformats.org/presentationml/2006/main">
-  <p:cSld>
-    <p:spTree>
-      <p:nvGrpSpPr>
-        <p:cNvPr id="1" name=""/>
-        <p:cNvGrpSpPr/>
-        <p:nvPr/>
-      </p:nvGrpSpPr>
-      <p:grpSpPr>
-        <a:xfrm>
-          <a:off x="0" y="0"/>
-          <a:ext cx="0" cy="0"/>
-          <a:chOff x="0" y="0"/>
-          <a:chExt cx="0" cy="0"/>
-        </a:xfrm>
-      </p:grpSpPr>
-      <p:sp>
-        <p:nvSpPr>
-          <p:cNvPr id="2" name="Slide Image Placeholder 1"/>
-          <p:cNvSpPr>
-            <a:spLocks noGrp="1" noRot="1" noChangeAspect="1"/>
-          </p:cNvSpPr>
-          <p:nvPr>
-            <p:ph type="sldImg"/>
-          </p:nvPr>
-        </p:nvSpPr>
-        <p:spPr/>
-      </p:sp>
-      <p:sp>
-        <p:nvSpPr>
-          <p:cNvPr id="3" name="Notes Placeholder 2"/>
-          <p:cNvSpPr>
-            <a:spLocks noGrp="1"/>
-          </p:cNvSpPr>
-          <p:nvPr>
-            <p:ph type="body" idx="1"/>
-          </p:nvPr>
-        </p:nvSpPr>
-        <p:spPr/>
-        <p:txBody>
-          <a:bodyPr/>
-          <a:lstStyle/>
-          <a:p>
-            <a:r>
-              <a:rPr lang="en-US" dirty="0"/>
-              <a:t>This discussion can be concluded that only reactive interoperability can be used to overcome network traffic asymmetry and data holder mobility. Therefore the further work is concentrated on this communication scenario. Still, reusability of the existing concepts and solutions must be concerned.</a:t>
-            </a:r>
-            <a:endParaRPr lang="pl-PL" dirty="0"/>
-          </a:p>
-        </p:txBody>
-      </p:sp>
-      <p:sp>
-        <p:nvSpPr>
-          <p:cNvPr id="4" name="Slide Number Placeholder 3"/>
-          <p:cNvSpPr>
-            <a:spLocks noGrp="1"/>
-          </p:cNvSpPr>
-          <p:nvPr>
-            <p:ph type="sldNum" sz="quarter" idx="5"/>
-          </p:nvPr>
-        </p:nvSpPr>
-        <p:spPr/>
-        <p:txBody>
-          <a:bodyPr/>
-          <a:lstStyle/>
-          <a:p>
-            <a:fld id="{0AFDF39F-D04E-4B9F-BFB7-9926CF8DAB9C}" type="slidenum">
-              <a:rPr lang="pl-PL" smtClean="0"/>
-              <a:pPr/>
-              <a:t>13</a:t>
-            </a:fld>
-            <a:endParaRPr lang="pl-PL"/>
-          </a:p>
-        </p:txBody>
-      </p:sp>
-    </p:spTree>
-    <p:extLst>
-      <p:ext uri="{BB962C8B-B14F-4D97-AF65-F5344CB8AC3E}">
-        <p14:creationId xmlns:p14="http://schemas.microsoft.com/office/powerpoint/2010/main" val="2518814288"/>
-      </p:ext>
-    </p:extLst>
-  </p:cSld>
-  <p:clrMapOvr>
-    <a:masterClrMapping/>
-  </p:clrMapOvr>
-</p:notes>
-</file>
-
-<file path=ppt/notesSlides/notesSlide7.xml><?xml version="1.0" encoding="utf-8"?>
-<p:notes xmlns:a="http://schemas.openxmlformats.org/drawingml/2006/main" xmlns:r="http://schemas.openxmlformats.org/officeDocument/2006/relationships" xmlns:p="http://schemas.openxmlformats.org/presentationml/2006/main">
-  <p:cSld>
-    <p:spTree>
-      <p:nvGrpSpPr>
-        <p:cNvPr id="1" name=""/>
-        <p:cNvGrpSpPr/>
-        <p:nvPr/>
-      </p:nvGrpSpPr>
-      <p:grpSpPr>
-        <a:xfrm>
-          <a:off x="0" y="0"/>
-          <a:ext cx="0" cy="0"/>
-          <a:chOff x="0" y="0"/>
-          <a:chExt cx="0" cy="0"/>
-        </a:xfrm>
-      </p:grpSpPr>
-      <p:sp>
-        <p:nvSpPr>
-          <p:cNvPr id="2" name="Slide Image Placeholder 1"/>
-          <p:cNvSpPr>
-            <a:spLocks noGrp="1" noRot="1" noChangeAspect="1"/>
-          </p:cNvSpPr>
-          <p:nvPr>
-            <p:ph type="sldImg"/>
-          </p:nvPr>
-        </p:nvSpPr>
-        <p:spPr/>
-      </p:sp>
-      <p:sp>
-        <p:nvSpPr>
-          <p:cNvPr id="3" name="Notes Placeholder 2"/>
-          <p:cNvSpPr>
-            <a:spLocks noGrp="1"/>
-          </p:cNvSpPr>
-          <p:nvPr>
-            <p:ph type="body" idx="1"/>
-          </p:nvPr>
-        </p:nvSpPr>
-        <p:spPr/>
-        <p:txBody>
-          <a:bodyPr>
-            <a:normAutofit fontScale="92500" lnSpcReduction="10000"/>
-          </a:bodyPr>
-          <a:lstStyle/>
-          <a:p>
-            <a:r>
-              <a:rPr lang="en-US" dirty="0"/>
-              <a:t>It is a theory,  just a set of assumptions that now we can use to propose a concrete implementation meeting the community expectation. I believe that a detailed description of the implementation is not relevant to us in contrast to an analysis of how to use the proposed domain model to make strategic design decisions and functionality distribution. From the above discussion we can learn that the main design decisions must concern reusability (it means using the same part in many scenarios), flexibility, interoperability in the multi-vendor environment, and last but not least deployment without programming.</a:t>
-            </a:r>
-            <a:r>
-              <a:rPr lang="pl-PL" dirty="0"/>
-              <a:t> </a:t>
-            </a:r>
-          </a:p>
-          <a:p>
-            <a:endParaRPr lang="pl-PL" dirty="0"/>
-          </a:p>
-          <a:p>
-            <a:r>
-              <a:rPr lang="en-US" dirty="0"/>
-              <a:t>To meet these requirements the mentioned on the scree design patterns have been used. </a:t>
-            </a:r>
-            <a:endParaRPr lang="pl-PL" dirty="0"/>
-          </a:p>
-          <a:p>
-            <a:endParaRPr lang="pl-PL" dirty="0"/>
-          </a:p>
-          <a:p>
-            <a:pPr marL="171450" indent="-171450">
-              <a:buFont typeface="Arial" panose="020B0604020202020204" pitchFamily="34" charset="0"/>
-              <a:buChar char="•"/>
-            </a:pPr>
-            <a:r>
-              <a:rPr lang="en-US" dirty="0"/>
-              <a:t>Separation of concerns - to allow independent development of the parts. </a:t>
-            </a:r>
-            <a:endParaRPr lang="pl-PL" dirty="0"/>
-          </a:p>
-          <a:p>
-            <a:pPr marL="171450" indent="-171450">
-              <a:buFont typeface="Arial" panose="020B0604020202020204" pitchFamily="34" charset="0"/>
-              <a:buChar char="•"/>
-            </a:pPr>
-            <a:r>
-              <a:rPr lang="en-US" dirty="0"/>
-              <a:t>Dependency injection - to allow late binding of independently implemented parts. </a:t>
-            </a:r>
-            <a:endParaRPr lang="pl-PL" dirty="0"/>
-          </a:p>
-          <a:p>
-            <a:pPr marL="171450" indent="-171450">
-              <a:buFont typeface="Arial" panose="020B0604020202020204" pitchFamily="34" charset="0"/>
-              <a:buChar char="•"/>
-            </a:pPr>
-            <a:r>
-              <a:rPr lang="en-US" dirty="0"/>
-              <a:t>Adaptive Programming used at the development and deployment stage to improve the adaptability of the program against changing the production environment.</a:t>
-            </a:r>
-            <a:endParaRPr lang="pl-PL" dirty="0"/>
-          </a:p>
-          <a:p>
-            <a:endParaRPr lang="pl-PL" dirty="0"/>
-          </a:p>
-          <a:p>
-            <a:r>
-              <a:rPr lang="en-US" dirty="0"/>
-              <a:t>Piece by piece integration of a cyber-physical system using multi-vendor products requires that machine to machine communication employs international standards as the interoperability foundation. Following the presented conclusions, OPC Unified Architecture Part 14 </a:t>
-            </a:r>
-            <a:r>
-              <a:rPr lang="en-US" dirty="0" err="1"/>
-              <a:t>PubSub</a:t>
-            </a:r>
-            <a:r>
-              <a:rPr lang="en-US" dirty="0"/>
-              <a:t> is selected in this respect. By design, this standard should support the required publisher-subscriber communication pattern, but it covers only partially the requirements of the applications concerned. Therefore, my proposals shall be recognized as far beyond the specification scope, although they are still compliant with the standard.  Let me recall I propose to use type definitions as the principal to establish semantic and security context.  It means reusability of the Information Model concept used by the session-oriented counterpart.</a:t>
-            </a:r>
-            <a:endParaRPr lang="pl-PL" dirty="0"/>
-          </a:p>
-        </p:txBody>
-      </p:sp>
-      <p:sp>
-        <p:nvSpPr>
-          <p:cNvPr id="4" name="Slide Number Placeholder 3"/>
-          <p:cNvSpPr>
-            <a:spLocks noGrp="1"/>
-          </p:cNvSpPr>
-          <p:nvPr>
-            <p:ph type="sldNum" sz="quarter" idx="5"/>
-          </p:nvPr>
-        </p:nvSpPr>
-        <p:spPr/>
-        <p:txBody>
-          <a:bodyPr/>
-          <a:lstStyle/>
-          <a:p>
-            <a:fld id="{0AFDF39F-D04E-4B9F-BFB7-9926CF8DAB9C}" type="slidenum">
-              <a:rPr lang="pl-PL" smtClean="0"/>
-              <a:pPr/>
-              <a:t>17</a:t>
-            </a:fld>
-            <a:endParaRPr lang="pl-PL"/>
-          </a:p>
-        </p:txBody>
-      </p:sp>
-    </p:spTree>
-    <p:extLst>
-      <p:ext uri="{BB962C8B-B14F-4D97-AF65-F5344CB8AC3E}">
-        <p14:creationId xmlns:p14="http://schemas.microsoft.com/office/powerpoint/2010/main" val="3892780717"/>
-      </p:ext>
-    </p:extLst>
-  </p:cSld>
-  <p:clrMapOvr>
-    <a:masterClrMapping/>
-  </p:clrMapOvr>
-</p:notes>
-</file>
-
-<file path=ppt/notesSlides/notesSlide8.xml><?xml version="1.0" encoding="utf-8"?>
-<p:notes xmlns:a="http://schemas.openxmlformats.org/drawingml/2006/main" xmlns:r="http://schemas.openxmlformats.org/officeDocument/2006/relationships" xmlns:p="http://schemas.openxmlformats.org/presentationml/2006/main">
-  <p:cSld>
-    <p:spTree>
-      <p:nvGrpSpPr>
-        <p:cNvPr id="1" name=""/>
-        <p:cNvGrpSpPr/>
-        <p:nvPr/>
-      </p:nvGrpSpPr>
-      <p:grpSpPr>
-        <a:xfrm>
-          <a:off x="0" y="0"/>
-          <a:ext cx="0" cy="0"/>
-          <a:chOff x="0" y="0"/>
-          <a:chExt cx="0" cy="0"/>
-        </a:xfrm>
-      </p:grpSpPr>
-      <p:sp>
-        <p:nvSpPr>
-          <p:cNvPr id="2" name="Symbol zastępczy obrazu slajdu 1"/>
-          <p:cNvSpPr>
-            <a:spLocks noGrp="1" noRot="1" noChangeAspect="1"/>
-          </p:cNvSpPr>
-          <p:nvPr>
-            <p:ph type="sldImg"/>
-          </p:nvPr>
-        </p:nvSpPr>
-        <p:spPr>
-          <a:xfrm>
-            <a:off x="381000" y="685800"/>
-            <a:ext cx="6096000" cy="3429000"/>
-          </a:xfrm>
-        </p:spPr>
-      </p:sp>
-      <p:sp>
-        <p:nvSpPr>
-          <p:cNvPr id="3" name="Symbol zastępczy notatek 2"/>
-          <p:cNvSpPr>
-            <a:spLocks noGrp="1"/>
-          </p:cNvSpPr>
-          <p:nvPr>
-            <p:ph type="body" idx="1"/>
-          </p:nvPr>
-        </p:nvSpPr>
-        <p:spPr/>
-        <p:txBody>
-          <a:bodyPr/>
-          <a:lstStyle/>
-          <a:p>
-            <a:r>
-              <a:rPr lang="en-US" noProof="0" dirty="0"/>
-              <a:t>The library and related work you can check out from the GitHub. On GitHub, you can also find an </a:t>
-            </a:r>
-            <a:r>
-              <a:rPr lang="en-US" noProof="0" dirty="0" err="1"/>
-              <a:t>ebook</a:t>
-            </a:r>
-            <a:r>
-              <a:rPr lang="en-US" noProof="0" dirty="0"/>
-              <a:t> covering the topic in concern. </a:t>
-            </a:r>
-            <a:r>
-              <a:rPr lang="pl-PL" noProof="0" dirty="0"/>
-              <a:t>In the public </a:t>
-            </a:r>
-            <a:r>
-              <a:rPr lang="pl-PL" noProof="0" dirty="0" err="1"/>
-              <a:t>domain</a:t>
-            </a:r>
-            <a:r>
-              <a:rPr lang="pl-PL" noProof="0" dirty="0"/>
-              <a:t>, on my </a:t>
-            </a:r>
-            <a:r>
-              <a:rPr lang="pl-PL" noProof="0" dirty="0" err="1"/>
-              <a:t>account</a:t>
-            </a:r>
-            <a:r>
-              <a:rPr lang="pl-PL" noProof="0" dirty="0"/>
-              <a:t> t</a:t>
-            </a:r>
-            <a:r>
-              <a:rPr lang="en-US" noProof="0" dirty="0"/>
-              <a:t>here are also supporting projects relevant for planned work and practical deployment of the presented solutions. </a:t>
-            </a:r>
-            <a:endParaRPr lang="pl-PL" dirty="0"/>
-          </a:p>
-        </p:txBody>
-      </p:sp>
-      <p:sp>
-        <p:nvSpPr>
-          <p:cNvPr id="4" name="Symbol zastępczy numeru slajdu 3"/>
-          <p:cNvSpPr>
-            <a:spLocks noGrp="1"/>
-          </p:cNvSpPr>
-          <p:nvPr>
-            <p:ph type="sldNum" sz="quarter" idx="5"/>
-          </p:nvPr>
-        </p:nvSpPr>
-        <p:spPr/>
-        <p:txBody>
-          <a:bodyPr/>
-          <a:lstStyle/>
-          <a:p>
-            <a:fld id="{0AFDF39F-D04E-4B9F-BFB7-9926CF8DAB9C}" type="slidenum">
-              <a:rPr lang="pl-PL" smtClean="0"/>
-              <a:pPr/>
-              <a:t>19</a:t>
-            </a:fld>
-            <a:endParaRPr lang="pl-PL"/>
-          </a:p>
-        </p:txBody>
-      </p:sp>
-    </p:spTree>
-    <p:extLst>
-      <p:ext uri="{BB962C8B-B14F-4D97-AF65-F5344CB8AC3E}">
-        <p14:creationId xmlns:p14="http://schemas.microsoft.com/office/powerpoint/2010/main" val="3500807321"/>
-      </p:ext>
-    </p:extLst>
-  </p:cSld>
-  <p:clrMapOvr>
-    <a:masterClrMapping/>
-  </p:clrMapOvr>
-</p:notes>
-</file>
-
-<file path=ppt/notesSlides/notesSlide9.xml><?xml version="1.0" encoding="utf-8"?>
-<p:notes xmlns:a="http://schemas.openxmlformats.org/drawingml/2006/main" xmlns:r="http://schemas.openxmlformats.org/officeDocument/2006/relationships" xmlns:p="http://schemas.openxmlformats.org/presentationml/2006/main">
-  <p:cSld>
-    <p:spTree>
-      <p:nvGrpSpPr>
-        <p:cNvPr id="1" name=""/>
-        <p:cNvGrpSpPr/>
-        <p:nvPr/>
-      </p:nvGrpSpPr>
-      <p:grpSpPr>
-        <a:xfrm>
-          <a:off x="0" y="0"/>
-          <a:ext cx="0" cy="0"/>
-          <a:chOff x="0" y="0"/>
-          <a:chExt cx="0" cy="0"/>
-        </a:xfrm>
-      </p:grpSpPr>
-      <p:sp>
-        <p:nvSpPr>
-          <p:cNvPr id="2" name="Slide Image Placeholder 1"/>
-          <p:cNvSpPr>
-            <a:spLocks noGrp="1" noRot="1" noChangeAspect="1"/>
-          </p:cNvSpPr>
-          <p:nvPr>
-            <p:ph type="sldImg"/>
-          </p:nvPr>
-        </p:nvSpPr>
-        <p:spPr/>
-      </p:sp>
-      <p:sp>
-        <p:nvSpPr>
-          <p:cNvPr id="3" name="Notes Placeholder 2"/>
-          <p:cNvSpPr>
-            <a:spLocks noGrp="1"/>
-          </p:cNvSpPr>
-          <p:nvPr>
-            <p:ph type="body" idx="1"/>
-          </p:nvPr>
-        </p:nvSpPr>
-        <p:spPr/>
-        <p:txBody>
-          <a:bodyPr/>
-          <a:lstStyle/>
-          <a:p>
-            <a:pPr marL="0" marR="0" lvl="0" indent="0" algn="l" defTabSz="914400" rtl="0" eaLnBrk="1" fontAlgn="auto" latinLnBrk="0" hangingPunct="1">
-              <a:lnSpc>
-                <a:spcPct val="100000"/>
-              </a:lnSpc>
-              <a:spcBef>
-                <a:spcPts val="0"/>
-              </a:spcBef>
-              <a:spcAft>
-                <a:spcPts val="0"/>
-              </a:spcAft>
-              <a:buClrTx/>
-              <a:buSzTx/>
-              <a:buFontTx/>
-              <a:buNone/>
-              <a:tabLst/>
-              <a:defRPr/>
-            </a:pPr>
-            <a:r>
-              <a:rPr lang="en-US" dirty="0"/>
-              <a:t>The results presented in the article prove that the composite nature of the disciplines concerned can be relaxed by the composite nature of the running programs and postponing parts binding up to the system deployment stage. It also improves flexibility and adaptability of the existing solutions against any modification of the production environment including but not limited to the selected interoperability standard change.</a:t>
-            </a:r>
-            <a:r>
-              <a:rPr lang="pl-PL" dirty="0"/>
-              <a:t> </a:t>
-            </a:r>
-          </a:p>
-          <a:p>
-            <a:pPr marL="0" marR="0" lvl="0" indent="0" algn="l" defTabSz="914400" rtl="0" eaLnBrk="1" fontAlgn="auto" latinLnBrk="0" hangingPunct="1">
-              <a:lnSpc>
-                <a:spcPct val="100000"/>
-              </a:lnSpc>
-              <a:spcBef>
-                <a:spcPts val="0"/>
-              </a:spcBef>
-              <a:spcAft>
-                <a:spcPts val="0"/>
-              </a:spcAft>
-              <a:buClrTx/>
-              <a:buSzTx/>
-              <a:buFontTx/>
-              <a:buNone/>
-              <a:tabLst/>
-              <a:defRPr/>
-            </a:pPr>
-            <a:endParaRPr lang="pl-PL" dirty="0"/>
-          </a:p>
-          <a:p>
-            <a:pPr marL="0" marR="0" lvl="0" indent="0" algn="l" defTabSz="914400" rtl="0" eaLnBrk="1" fontAlgn="auto" latinLnBrk="0" hangingPunct="1">
-              <a:lnSpc>
-                <a:spcPct val="100000"/>
-              </a:lnSpc>
-              <a:spcBef>
-                <a:spcPts val="0"/>
-              </a:spcBef>
-              <a:spcAft>
-                <a:spcPts val="0"/>
-              </a:spcAft>
-              <a:buClrTx/>
-              <a:buSzTx/>
-              <a:buFontTx/>
-              <a:buNone/>
-              <a:tabLst/>
-              <a:defRPr/>
-            </a:pPr>
-            <a:r>
-              <a:rPr lang="en-US" dirty="0"/>
-              <a:t>Future work will be focused on Machine to Sensors connectivity based on the Process-Observer concept. By design, it allows access to plant floor devices using a variety of Fieldbus industrial network protocols. </a:t>
-            </a:r>
-            <a:endParaRPr lang="pl-PL"/>
-          </a:p>
-          <a:p>
-            <a:pPr marL="0" marR="0" lvl="0" indent="0" algn="l" defTabSz="914400" rtl="0" eaLnBrk="1" fontAlgn="auto" latinLnBrk="0" hangingPunct="1">
-              <a:lnSpc>
-                <a:spcPct val="100000"/>
-              </a:lnSpc>
-              <a:spcBef>
-                <a:spcPts val="0"/>
-              </a:spcBef>
-              <a:spcAft>
-                <a:spcPts val="0"/>
-              </a:spcAft>
-              <a:buClrTx/>
-              <a:buSzTx/>
-              <a:buFontTx/>
-              <a:buNone/>
-              <a:tabLst/>
-              <a:defRPr/>
-            </a:pPr>
-            <a:endParaRPr lang="pl-PL" dirty="0"/>
-          </a:p>
-          <a:p>
-            <a:pPr marL="0" marR="0" lvl="0" indent="0" algn="l" defTabSz="914400" rtl="0" eaLnBrk="1" fontAlgn="auto" latinLnBrk="0" hangingPunct="1">
-              <a:lnSpc>
-                <a:spcPct val="100000"/>
-              </a:lnSpc>
-              <a:spcBef>
-                <a:spcPts val="0"/>
-              </a:spcBef>
-              <a:spcAft>
-                <a:spcPts val="0"/>
-              </a:spcAft>
-              <a:buClrTx/>
-              <a:buSzTx/>
-              <a:buFontTx/>
-              <a:buNone/>
-              <a:tabLst/>
-              <a:defRPr/>
-            </a:pPr>
-            <a:r>
-              <a:rPr lang="en-US" dirty="0"/>
-              <a:t>The next research direction is the usage of the Data Transfer Object to control the communication behavior using the attributes attached.</a:t>
-            </a:r>
-            <a:endParaRPr lang="pl-PL" dirty="0"/>
-          </a:p>
-          <a:p>
-            <a:pPr marL="0" marR="0" lvl="0" indent="0" algn="l" defTabSz="914400" rtl="0" eaLnBrk="1" fontAlgn="auto" latinLnBrk="0" hangingPunct="1">
-              <a:lnSpc>
-                <a:spcPct val="100000"/>
-              </a:lnSpc>
-              <a:spcBef>
-                <a:spcPts val="0"/>
-              </a:spcBef>
-              <a:spcAft>
-                <a:spcPts val="0"/>
-              </a:spcAft>
-              <a:buClrTx/>
-              <a:buSzTx/>
-              <a:buFontTx/>
-              <a:buNone/>
-              <a:tabLst/>
-              <a:defRPr/>
-            </a:pPr>
-            <a:endParaRPr lang="pl-PL" dirty="0"/>
-          </a:p>
-          <a:p>
-            <a:pPr marL="0" marR="0" lvl="0" indent="0" algn="l" defTabSz="914400" rtl="0" eaLnBrk="1" fontAlgn="auto" latinLnBrk="0" hangingPunct="1">
-              <a:lnSpc>
-                <a:spcPct val="100000"/>
-              </a:lnSpc>
-              <a:spcBef>
-                <a:spcPts val="0"/>
-              </a:spcBef>
-              <a:spcAft>
-                <a:spcPts val="0"/>
-              </a:spcAft>
-              <a:buClrTx/>
-              <a:buSzTx/>
-              <a:buFontTx/>
-              <a:buNone/>
-              <a:tabLst/>
-              <a:defRPr/>
-            </a:pPr>
-            <a:r>
-              <a:rPr lang="en-US" dirty="0"/>
-              <a:t>I am also going to investigate out-of-band communication to be used as a foundation for semantic and security context-maintenance at run-time.</a:t>
-            </a:r>
-            <a:endParaRPr lang="pl-PL" dirty="0"/>
-          </a:p>
-        </p:txBody>
-      </p:sp>
-      <p:sp>
-        <p:nvSpPr>
-          <p:cNvPr id="4" name="Slide Number Placeholder 3"/>
-          <p:cNvSpPr>
-            <a:spLocks noGrp="1"/>
-          </p:cNvSpPr>
-          <p:nvPr>
-            <p:ph type="sldNum" sz="quarter" idx="5"/>
-          </p:nvPr>
-        </p:nvSpPr>
-        <p:spPr/>
-        <p:txBody>
-          <a:bodyPr/>
-          <a:lstStyle/>
-          <a:p>
-            <a:fld id="{0AFDF39F-D04E-4B9F-BFB7-9926CF8DAB9C}" type="slidenum">
-              <a:rPr lang="pl-PL" smtClean="0"/>
-              <a:pPr/>
-              <a:t>20</a:t>
-            </a:fld>
-            <a:endParaRPr lang="pl-PL"/>
-          </a:p>
-        </p:txBody>
-      </p:sp>
-    </p:spTree>
-    <p:extLst>
-      <p:ext uri="{BB962C8B-B14F-4D97-AF65-F5344CB8AC3E}">
-        <p14:creationId xmlns:p14="http://schemas.microsoft.com/office/powerpoint/2010/main" val="3098033467"/>
       </p:ext>
     </p:extLst>
   </p:cSld>
@@ -14984,318 +14952,6 @@
           <p:cNvPr id="2" name="Title 1">
             <a:extLst>
               <a:ext uri="{FF2B5EF4-FFF2-40B4-BE49-F238E27FC236}">
-                <a16:creationId xmlns:a16="http://schemas.microsoft.com/office/drawing/2014/main" id="{FF7B13A4-51E5-49F3-BAED-2FE78BBCB31B}"/>
-              </a:ext>
-            </a:extLst>
-          </p:cNvPr>
-          <p:cNvSpPr>
-            <a:spLocks noGrp="1"/>
-          </p:cNvSpPr>
-          <p:nvPr>
-            <p:ph type="title"/>
-          </p:nvPr>
-        </p:nvSpPr>
-        <p:spPr/>
-        <p:txBody>
-          <a:bodyPr/>
-          <a:lstStyle/>
-          <a:p>
-            <a:r>
-              <a:rPr lang="en-US" dirty="0"/>
-              <a:t>Field Level Gateway Interoperability Scenario</a:t>
-            </a:r>
-          </a:p>
-        </p:txBody>
-      </p:sp>
-      <p:sp>
-        <p:nvSpPr>
-          <p:cNvPr id="3" name="Date Placeholder 2">
-            <a:extLst>
-              <a:ext uri="{FF2B5EF4-FFF2-40B4-BE49-F238E27FC236}">
-                <a16:creationId xmlns:a16="http://schemas.microsoft.com/office/drawing/2014/main" id="{AECEBEA8-CEF7-49FA-891C-67D892D2194B}"/>
-              </a:ext>
-            </a:extLst>
-          </p:cNvPr>
-          <p:cNvSpPr>
-            <a:spLocks noGrp="1"/>
-          </p:cNvSpPr>
-          <p:nvPr>
-            <p:ph type="dt" sz="half" idx="10"/>
-          </p:nvPr>
-        </p:nvSpPr>
-        <p:spPr/>
-        <p:txBody>
-          <a:bodyPr/>
-          <a:lstStyle/>
-          <a:p>
-            <a:pPr>
-              <a:defRPr/>
-            </a:pPr>
-            <a:r>
-              <a:rPr lang="en-US"/>
-              <a:t>June 2, 2021</a:t>
-            </a:r>
-          </a:p>
-        </p:txBody>
-      </p:sp>
-      <p:sp>
-        <p:nvSpPr>
-          <p:cNvPr id="4" name="Footer Placeholder 3">
-            <a:extLst>
-              <a:ext uri="{FF2B5EF4-FFF2-40B4-BE49-F238E27FC236}">
-                <a16:creationId xmlns:a16="http://schemas.microsoft.com/office/drawing/2014/main" id="{ABC3FF95-746D-4F61-8BF8-4ED11D85466E}"/>
-              </a:ext>
-            </a:extLst>
-          </p:cNvPr>
-          <p:cNvSpPr>
-            <a:spLocks noGrp="1"/>
-          </p:cNvSpPr>
-          <p:nvPr>
-            <p:ph type="ftr" sz="quarter" idx="11"/>
-          </p:nvPr>
-        </p:nvSpPr>
-        <p:spPr/>
-        <p:txBody>
-          <a:bodyPr/>
-          <a:lstStyle/>
-          <a:p>
-            <a:pPr>
-              <a:defRPr/>
-            </a:pPr>
-            <a:r>
-              <a:rPr lang="en-US"/>
-              <a:t>ICCS21 M. Postół</a:t>
-            </a:r>
-          </a:p>
-        </p:txBody>
-      </p:sp>
-      <p:pic>
-        <p:nvPicPr>
-          <p:cNvPr id="6" name="Picture 5" descr="Chart, diagram, box and whisker chart&#10;&#10;Description automatically generated">
-            <a:extLst>
-              <a:ext uri="{FF2B5EF4-FFF2-40B4-BE49-F238E27FC236}">
-                <a16:creationId xmlns:a16="http://schemas.microsoft.com/office/drawing/2014/main" id="{95DF0999-D7E0-4B59-A6F1-863291C52B85}"/>
-              </a:ext>
-            </a:extLst>
-          </p:cNvPr>
-          <p:cNvPicPr>
-            <a:picLocks noChangeAspect="1"/>
-          </p:cNvPicPr>
-          <p:nvPr/>
-        </p:nvPicPr>
-        <p:blipFill>
-          <a:blip r:embed="rId2" cstate="print">
-            <a:extLst>
-              <a:ext uri="{28A0092B-C50C-407E-A947-70E740481C1C}">
-                <a14:useLocalDpi xmlns:a14="http://schemas.microsoft.com/office/drawing/2010/main" val="0"/>
-              </a:ext>
-            </a:extLst>
-          </a:blip>
-          <a:stretch>
-            <a:fillRect/>
-          </a:stretch>
-        </p:blipFill>
-        <p:spPr>
-          <a:xfrm>
-            <a:off x="252887" y="2397643"/>
-            <a:ext cx="11782728" cy="2700000"/>
-          </a:xfrm>
-          <a:prstGeom prst="rect">
-            <a:avLst/>
-          </a:prstGeom>
-        </p:spPr>
-      </p:pic>
-    </p:spTree>
-    <p:extLst>
-      <p:ext uri="{BB962C8B-B14F-4D97-AF65-F5344CB8AC3E}">
-        <p14:creationId xmlns:p14="http://schemas.microsoft.com/office/powerpoint/2010/main" val="2599007750"/>
-      </p:ext>
-    </p:extLst>
-  </p:cSld>
-  <p:clrMapOvr>
-    <a:masterClrMapping/>
-  </p:clrMapOvr>
-</p:sld>
-</file>
-
-<file path=ppt/slides/slide11.xml><?xml version="1.0" encoding="utf-8"?>
-<p:sld xmlns:a="http://schemas.openxmlformats.org/drawingml/2006/main" xmlns:r="http://schemas.openxmlformats.org/officeDocument/2006/relationships" xmlns:p="http://schemas.openxmlformats.org/presentationml/2006/main">
-  <p:cSld>
-    <p:spTree>
-      <p:nvGrpSpPr>
-        <p:cNvPr id="1" name=""/>
-        <p:cNvGrpSpPr/>
-        <p:nvPr/>
-      </p:nvGrpSpPr>
-      <p:grpSpPr>
-        <a:xfrm>
-          <a:off x="0" y="0"/>
-          <a:ext cx="0" cy="0"/>
-          <a:chOff x="0" y="0"/>
-          <a:chExt cx="0" cy="0"/>
-        </a:xfrm>
-      </p:grpSpPr>
-      <p:sp>
-        <p:nvSpPr>
-          <p:cNvPr id="2" name="Title 1">
-            <a:extLst>
-              <a:ext uri="{FF2B5EF4-FFF2-40B4-BE49-F238E27FC236}">
-                <a16:creationId xmlns:a16="http://schemas.microsoft.com/office/drawing/2014/main" id="{4E335967-D259-4141-AB5F-B1C167AE2BBE}"/>
-              </a:ext>
-            </a:extLst>
-          </p:cNvPr>
-          <p:cNvSpPr>
-            <a:spLocks noGrp="1"/>
-          </p:cNvSpPr>
-          <p:nvPr>
-            <p:ph type="title"/>
-          </p:nvPr>
-        </p:nvSpPr>
-        <p:spPr/>
-        <p:txBody>
-          <a:bodyPr/>
-          <a:lstStyle/>
-          <a:p>
-            <a:r>
-              <a:rPr lang="en-US" dirty="0"/>
-              <a:t>Embedded Gateway Interoperability Scenario</a:t>
-            </a:r>
-          </a:p>
-        </p:txBody>
-      </p:sp>
-      <p:sp>
-        <p:nvSpPr>
-          <p:cNvPr id="3" name="Date Placeholder 2">
-            <a:extLst>
-              <a:ext uri="{FF2B5EF4-FFF2-40B4-BE49-F238E27FC236}">
-                <a16:creationId xmlns:a16="http://schemas.microsoft.com/office/drawing/2014/main" id="{0BF033B2-6B44-48C8-A052-858C92146E27}"/>
-              </a:ext>
-            </a:extLst>
-          </p:cNvPr>
-          <p:cNvSpPr>
-            <a:spLocks noGrp="1"/>
-          </p:cNvSpPr>
-          <p:nvPr>
-            <p:ph type="dt" sz="half" idx="10"/>
-          </p:nvPr>
-        </p:nvSpPr>
-        <p:spPr/>
-        <p:txBody>
-          <a:bodyPr/>
-          <a:lstStyle/>
-          <a:p>
-            <a:pPr>
-              <a:defRPr/>
-            </a:pPr>
-            <a:r>
-              <a:rPr lang="en-US"/>
-              <a:t>June 2, 2021</a:t>
-            </a:r>
-          </a:p>
-        </p:txBody>
-      </p:sp>
-      <p:sp>
-        <p:nvSpPr>
-          <p:cNvPr id="4" name="Footer Placeholder 3">
-            <a:extLst>
-              <a:ext uri="{FF2B5EF4-FFF2-40B4-BE49-F238E27FC236}">
-                <a16:creationId xmlns:a16="http://schemas.microsoft.com/office/drawing/2014/main" id="{40B1DB65-42EB-4A55-AE3D-B0D811122D71}"/>
-              </a:ext>
-            </a:extLst>
-          </p:cNvPr>
-          <p:cNvSpPr>
-            <a:spLocks noGrp="1"/>
-          </p:cNvSpPr>
-          <p:nvPr>
-            <p:ph type="ftr" sz="quarter" idx="11"/>
-          </p:nvPr>
-        </p:nvSpPr>
-        <p:spPr/>
-        <p:txBody>
-          <a:bodyPr/>
-          <a:lstStyle/>
-          <a:p>
-            <a:pPr>
-              <a:defRPr/>
-            </a:pPr>
-            <a:r>
-              <a:rPr lang="en-US"/>
-              <a:t>ICCS21 M. Postół</a:t>
-            </a:r>
-          </a:p>
-        </p:txBody>
-      </p:sp>
-      <p:pic>
-        <p:nvPicPr>
-          <p:cNvPr id="6" name="Picture 5" descr="Diagram&#10;&#10;Description automatically generated">
-            <a:extLst>
-              <a:ext uri="{FF2B5EF4-FFF2-40B4-BE49-F238E27FC236}">
-                <a16:creationId xmlns:a16="http://schemas.microsoft.com/office/drawing/2014/main" id="{4C946745-8166-4711-842B-E897619B24A9}"/>
-              </a:ext>
-            </a:extLst>
-          </p:cNvPr>
-          <p:cNvPicPr>
-            <a:picLocks noChangeAspect="1"/>
-          </p:cNvPicPr>
-          <p:nvPr/>
-        </p:nvPicPr>
-        <p:blipFill>
-          <a:blip r:embed="rId2" cstate="print">
-            <a:extLst>
-              <a:ext uri="{28A0092B-C50C-407E-A947-70E740481C1C}">
-                <a14:useLocalDpi xmlns:a14="http://schemas.microsoft.com/office/drawing/2010/main" val="0"/>
-              </a:ext>
-            </a:extLst>
-          </a:blip>
-          <a:stretch>
-            <a:fillRect/>
-          </a:stretch>
-        </p:blipFill>
-        <p:spPr>
-          <a:xfrm>
-            <a:off x="2437408" y="840529"/>
-            <a:ext cx="7317184" cy="5501797"/>
-          </a:xfrm>
-          <a:prstGeom prst="rect">
-            <a:avLst/>
-          </a:prstGeom>
-        </p:spPr>
-      </p:pic>
-    </p:spTree>
-    <p:extLst>
-      <p:ext uri="{BB962C8B-B14F-4D97-AF65-F5344CB8AC3E}">
-        <p14:creationId xmlns:p14="http://schemas.microsoft.com/office/powerpoint/2010/main" val="720930780"/>
-      </p:ext>
-    </p:extLst>
-  </p:cSld>
-  <p:clrMapOvr>
-    <a:masterClrMapping/>
-  </p:clrMapOvr>
-</p:sld>
-</file>
-
-<file path=ppt/slides/slide12.xml><?xml version="1.0" encoding="utf-8"?>
-<p:sld xmlns:a="http://schemas.openxmlformats.org/drawingml/2006/main" xmlns:r="http://schemas.openxmlformats.org/officeDocument/2006/relationships" xmlns:p="http://schemas.openxmlformats.org/presentationml/2006/main">
-  <p:cSld>
-    <p:spTree>
-      <p:nvGrpSpPr>
-        <p:cNvPr id="1" name=""/>
-        <p:cNvGrpSpPr/>
-        <p:nvPr/>
-      </p:nvGrpSpPr>
-      <p:grpSpPr>
-        <a:xfrm>
-          <a:off x="0" y="0"/>
-          <a:ext cx="0" cy="0"/>
-          <a:chOff x="0" y="0"/>
-          <a:chExt cx="0" cy="0"/>
-        </a:xfrm>
-      </p:grpSpPr>
-      <p:sp>
-        <p:nvSpPr>
-          <p:cNvPr id="2" name="Title 1">
-            <a:extLst>
-              <a:ext uri="{FF2B5EF4-FFF2-40B4-BE49-F238E27FC236}">
                 <a16:creationId xmlns:a16="http://schemas.microsoft.com/office/drawing/2014/main" id="{FB2C22E1-969A-43F3-A0AC-BC370453E796}"/>
               </a:ext>
             </a:extLst>
@@ -15490,7 +15146,7 @@
 </p:sld>
 </file>
 
-<file path=ppt/slides/slide13.xml><?xml version="1.0" encoding="utf-8"?>
+<file path=ppt/slides/slide11.xml><?xml version="1.0" encoding="utf-8"?>
 <p:sld xmlns:a="http://schemas.openxmlformats.org/drawingml/2006/main" xmlns:r="http://schemas.openxmlformats.org/officeDocument/2006/relationships" xmlns:p="http://schemas.openxmlformats.org/presentationml/2006/main">
   <p:cSld>
     <p:spTree>
@@ -15724,7 +15380,7 @@
 </p:sld>
 </file>
 
-<file path=ppt/slides/slide14.xml><?xml version="1.0" encoding="utf-8"?>
+<file path=ppt/slides/slide12.xml><?xml version="1.0" encoding="utf-8"?>
 <p:sld xmlns:a="http://schemas.openxmlformats.org/drawingml/2006/main" xmlns:r="http://schemas.openxmlformats.org/officeDocument/2006/relationships" xmlns:p="http://schemas.openxmlformats.org/presentationml/2006/main">
   <p:cSld>
     <p:spTree>
@@ -15880,7 +15536,7 @@
 </p:sld>
 </file>
 
-<file path=ppt/slides/slide15.xml><?xml version="1.0" encoding="utf-8"?>
+<file path=ppt/slides/slide13.xml><?xml version="1.0" encoding="utf-8"?>
 <p:sld xmlns:a="http://schemas.openxmlformats.org/drawingml/2006/main" xmlns:r="http://schemas.openxmlformats.org/officeDocument/2006/relationships" xmlns:p="http://schemas.openxmlformats.org/presentationml/2006/main">
   <p:cSld>
     <p:spTree>
@@ -16036,7 +15692,7 @@
 </p:sld>
 </file>
 
-<file path=ppt/slides/slide16.xml><?xml version="1.0" encoding="utf-8"?>
+<file path=ppt/slides/slide14.xml><?xml version="1.0" encoding="utf-8"?>
 <p:sld xmlns:a="http://schemas.openxmlformats.org/drawingml/2006/main" xmlns:r="http://schemas.openxmlformats.org/officeDocument/2006/relationships" xmlns:p="http://schemas.openxmlformats.org/presentationml/2006/main">
   <p:cSld>
     <p:spTree>
@@ -16068,7 +15724,7 @@
           <p:nvPr/>
         </p:nvPicPr>
         <p:blipFill>
-          <a:blip r:embed="rId2" cstate="print">
+          <a:blip r:embed="rId3" cstate="print">
             <a:extLst>
               <a:ext uri="{28A0092B-C50C-407E-A947-70E740481C1C}">
                 <a14:useLocalDpi xmlns:a14="http://schemas.microsoft.com/office/drawing/2010/main" val="0"/>
@@ -17870,7 +17526,7 @@
 </p:sld>
 </file>
 
-<file path=ppt/slides/slide17.xml><?xml version="1.0" encoding="utf-8"?>
+<file path=ppt/slides/slide15.xml><?xml version="1.0" encoding="utf-8"?>
 <p:sld xmlns:a="http://schemas.openxmlformats.org/drawingml/2006/main" xmlns:r="http://schemas.openxmlformats.org/officeDocument/2006/relationships" xmlns:p="http://schemas.openxmlformats.org/presentationml/2006/main">
   <p:cSld>
     <p:spTree>
@@ -18029,13 +17685,15 @@
             </a:r>
           </a:p>
           <a:p>
+            <a:pPr lvl="1"/>
             <a:r>
               <a:rPr lang="en-US" dirty="0"/>
               <a:t>Standardization</a:t>
             </a:r>
-          </a:p>
-          <a:p>
-            <a:pPr lvl="1"/>
+            <a:r>
+              <a:rPr lang="pl-PL" dirty="0"/>
+              <a:t>, i.e. </a:t>
+            </a:r>
             <a:r>
               <a:rPr lang="en-US" dirty="0"/>
               <a:t>OPC UA Part 14 </a:t>
@@ -18129,7 +17787,7 @@
 </p:sld>
 </file>
 
-<file path=ppt/slides/slide18.xml><?xml version="1.0" encoding="utf-8"?>
+<file path=ppt/slides/slide16.xml><?xml version="1.0" encoding="utf-8"?>
 <p:sld xmlns:a="http://schemas.openxmlformats.org/drawingml/2006/main" xmlns:r="http://schemas.openxmlformats.org/officeDocument/2006/relationships" xmlns:p="http://schemas.openxmlformats.org/presentationml/2006/main">
   <p:cSld>
     <p:spTree>
@@ -18285,412 +17943,7 @@
 </p:sld>
 </file>
 
-<file path=ppt/slides/slide19.xml><?xml version="1.0" encoding="utf-8"?>
-<p:sld xmlns:a="http://schemas.openxmlformats.org/drawingml/2006/main" xmlns:r="http://schemas.openxmlformats.org/officeDocument/2006/relationships" xmlns:p="http://schemas.openxmlformats.org/presentationml/2006/main">
-  <p:cSld>
-    <p:spTree>
-      <p:nvGrpSpPr>
-        <p:cNvPr id="1" name=""/>
-        <p:cNvGrpSpPr/>
-        <p:nvPr/>
-      </p:nvGrpSpPr>
-      <p:grpSpPr>
-        <a:xfrm>
-          <a:off x="0" y="0"/>
-          <a:ext cx="0" cy="0"/>
-          <a:chOff x="0" y="0"/>
-          <a:chExt cx="0" cy="0"/>
-        </a:xfrm>
-      </p:grpSpPr>
-      <p:sp>
-        <p:nvSpPr>
-          <p:cNvPr id="3" name="Title 2"/>
-          <p:cNvSpPr>
-            <a:spLocks noGrp="1"/>
-          </p:cNvSpPr>
-          <p:nvPr>
-            <p:ph type="title"/>
-          </p:nvPr>
-        </p:nvSpPr>
-        <p:spPr>
-          <a:xfrm>
-            <a:off x="263352" y="136525"/>
-            <a:ext cx="11449272" cy="590931"/>
-          </a:xfrm>
-        </p:spPr>
-        <p:txBody>
-          <a:bodyPr/>
-          <a:lstStyle/>
-          <a:p>
-            <a:r>
-              <a:rPr lang="en-US" dirty="0"/>
-              <a:t>Proof of concept</a:t>
-            </a:r>
-            <a:r>
-              <a:rPr lang="pl-PL" dirty="0"/>
-              <a:t> </a:t>
-            </a:r>
-            <a:r>
-              <a:rPr lang="en-US" dirty="0"/>
-              <a:t>(pilot projects)</a:t>
-            </a:r>
-          </a:p>
-        </p:txBody>
-      </p:sp>
-      <p:sp>
-        <p:nvSpPr>
-          <p:cNvPr id="2" name="Content Placeholder 1"/>
-          <p:cNvSpPr>
-            <a:spLocks noGrp="1"/>
-          </p:cNvSpPr>
-          <p:nvPr>
-            <p:ph idx="1"/>
-          </p:nvPr>
-        </p:nvSpPr>
-        <p:spPr>
-          <a:xfrm>
-            <a:off x="263352" y="836712"/>
-            <a:ext cx="11449272" cy="5400600"/>
-          </a:xfrm>
-        </p:spPr>
-        <p:txBody>
-          <a:bodyPr>
-            <a:normAutofit/>
-          </a:bodyPr>
-          <a:lstStyle/>
-          <a:p>
-            <a:r>
-              <a:rPr lang="en-US" dirty="0"/>
-              <a:t>GitHub repository (open source) </a:t>
-            </a:r>
-            <a:r>
-              <a:rPr lang="en-US" dirty="0">
-                <a:hlinkClick r:id="rId3"/>
-              </a:rPr>
-              <a:t>https://github.com/mpostol/OPC-UA-OOI</a:t>
-            </a:r>
-            <a:endParaRPr lang="en-US" dirty="0"/>
-          </a:p>
-          <a:p>
-            <a:pPr lvl="1"/>
-            <a:r>
-              <a:rPr lang="en-US" dirty="0"/>
-              <a:t>Library</a:t>
-            </a:r>
-          </a:p>
-          <a:p>
-            <a:pPr lvl="1"/>
-            <a:r>
-              <a:rPr lang="en-US" dirty="0"/>
-              <a:t>Case studies</a:t>
-            </a:r>
-          </a:p>
-          <a:p>
-            <a:pPr lvl="2"/>
-            <a:r>
-              <a:rPr lang="en-US" dirty="0"/>
-              <a:t>Reference application:  (HMI ), Configuration</a:t>
-            </a:r>
-          </a:p>
-          <a:p>
-            <a:pPr lvl="2"/>
-            <a:r>
-              <a:rPr lang="en-US" dirty="0"/>
-              <a:t>Boilers simulator</a:t>
-            </a:r>
-          </a:p>
-          <a:p>
-            <a:pPr lvl="2"/>
-            <a:r>
-              <a:rPr lang="en-US" dirty="0"/>
-              <a:t>UDP</a:t>
-            </a:r>
-          </a:p>
-          <a:p>
-            <a:pPr lvl="2"/>
-            <a:r>
-              <a:rPr lang="en-US" dirty="0"/>
-              <a:t>Binary Encoding</a:t>
-            </a:r>
-          </a:p>
-          <a:p>
-            <a:r>
-              <a:rPr lang="en-US" dirty="0" err="1"/>
-              <a:t>ebook</a:t>
-            </a:r>
-            <a:r>
-              <a:rPr lang="en-US" dirty="0"/>
-              <a:t> (open access, DOI) </a:t>
-            </a:r>
-            <a:r>
-              <a:rPr lang="en-US" dirty="0">
-                <a:hlinkClick r:id="rId4"/>
-              </a:rPr>
-              <a:t>https://commsvr.gitbook.io/ooi</a:t>
-            </a:r>
-            <a:endParaRPr lang="en-US" dirty="0"/>
-          </a:p>
-          <a:p>
-            <a:r>
-              <a:rPr lang="en-US" dirty="0"/>
-              <a:t>Related work (open source)</a:t>
-            </a:r>
-          </a:p>
-          <a:p>
-            <a:pPr lvl="1"/>
-            <a:r>
-              <a:rPr lang="en-US" dirty="0"/>
-              <a:t>Address Space Model Designer (design studio)</a:t>
-            </a:r>
-          </a:p>
-          <a:p>
-            <a:pPr lvl="1"/>
-            <a:r>
-              <a:rPr lang="en-US" dirty="0"/>
-              <a:t>Process Observer – CommServer software family (library)</a:t>
-            </a:r>
-          </a:p>
-          <a:p>
-            <a:endParaRPr lang="en-US" dirty="0"/>
-          </a:p>
-        </p:txBody>
-      </p:sp>
-      <p:sp>
-        <p:nvSpPr>
-          <p:cNvPr id="4" name="Date Placeholder 3">
-            <a:extLst>
-              <a:ext uri="{FF2B5EF4-FFF2-40B4-BE49-F238E27FC236}">
-                <a16:creationId xmlns:a16="http://schemas.microsoft.com/office/drawing/2014/main" id="{77FF8E0E-69A8-4891-AA42-81487B835B63}"/>
-              </a:ext>
-            </a:extLst>
-          </p:cNvPr>
-          <p:cNvSpPr>
-            <a:spLocks noGrp="1"/>
-          </p:cNvSpPr>
-          <p:nvPr>
-            <p:ph type="dt" sz="half" idx="10"/>
-          </p:nvPr>
-        </p:nvSpPr>
-        <p:spPr>
-          <a:xfrm>
-            <a:off x="263525" y="6356350"/>
-            <a:ext cx="1367979" cy="365125"/>
-          </a:xfrm>
-        </p:spPr>
-        <p:txBody>
-          <a:bodyPr/>
-          <a:lstStyle/>
-          <a:p>
-            <a:r>
-              <a:rPr lang="en-US" dirty="0"/>
-              <a:t>June 2, 2021</a:t>
-            </a:r>
-            <a:endParaRPr lang="pl-PL" dirty="0"/>
-          </a:p>
-        </p:txBody>
-      </p:sp>
-      <p:sp>
-        <p:nvSpPr>
-          <p:cNvPr id="5" name="Footer Placeholder 4">
-            <a:extLst>
-              <a:ext uri="{FF2B5EF4-FFF2-40B4-BE49-F238E27FC236}">
-                <a16:creationId xmlns:a16="http://schemas.microsoft.com/office/drawing/2014/main" id="{608E058C-2365-42DD-8DE3-64C9B152E9E6}"/>
-              </a:ext>
-            </a:extLst>
-          </p:cNvPr>
-          <p:cNvSpPr>
-            <a:spLocks noGrp="1"/>
-          </p:cNvSpPr>
-          <p:nvPr>
-            <p:ph type="ftr" sz="quarter" idx="11"/>
-          </p:nvPr>
-        </p:nvSpPr>
-        <p:spPr>
-          <a:xfrm>
-            <a:off x="9912424" y="6356350"/>
-            <a:ext cx="1800200" cy="365125"/>
-          </a:xfrm>
-        </p:spPr>
-        <p:txBody>
-          <a:bodyPr/>
-          <a:lstStyle/>
-          <a:p>
-            <a:r>
-              <a:rPr lang="pl-PL"/>
-              <a:t>ICCS21 M. Postół</a:t>
-            </a:r>
-          </a:p>
-        </p:txBody>
-      </p:sp>
-    </p:spTree>
-    <p:extLst>
-      <p:ext uri="{BB962C8B-B14F-4D97-AF65-F5344CB8AC3E}">
-        <p14:creationId xmlns:p14="http://schemas.microsoft.com/office/powerpoint/2010/main" val="4019951972"/>
-      </p:ext>
-    </p:extLst>
-  </p:cSld>
-  <p:clrMapOvr>
-    <a:masterClrMapping/>
-  </p:clrMapOvr>
-</p:sld>
-</file>
-
-<file path=ppt/slides/slide2.xml><?xml version="1.0" encoding="utf-8"?>
-<p:sld xmlns:a="http://schemas.openxmlformats.org/drawingml/2006/main" xmlns:r="http://schemas.openxmlformats.org/officeDocument/2006/relationships" xmlns:p="http://schemas.openxmlformats.org/presentationml/2006/main">
-  <p:cSld>
-    <p:spTree>
-      <p:nvGrpSpPr>
-        <p:cNvPr id="1" name=""/>
-        <p:cNvGrpSpPr/>
-        <p:nvPr/>
-      </p:nvGrpSpPr>
-      <p:grpSpPr>
-        <a:xfrm>
-          <a:off x="0" y="0"/>
-          <a:ext cx="0" cy="0"/>
-          <a:chOff x="0" y="0"/>
-          <a:chExt cx="0" cy="0"/>
-        </a:xfrm>
-      </p:grpSpPr>
-      <p:sp>
-        <p:nvSpPr>
-          <p:cNvPr id="2" name="Title 1">
-            <a:extLst>
-              <a:ext uri="{FF2B5EF4-FFF2-40B4-BE49-F238E27FC236}">
-                <a16:creationId xmlns:a16="http://schemas.microsoft.com/office/drawing/2014/main" id="{E329F2BE-320F-4919-AAC2-22EFA6F64D28}"/>
-              </a:ext>
-            </a:extLst>
-          </p:cNvPr>
-          <p:cNvSpPr>
-            <a:spLocks noGrp="1"/>
-          </p:cNvSpPr>
-          <p:nvPr>
-            <p:ph type="title"/>
-          </p:nvPr>
-        </p:nvSpPr>
-        <p:spPr>
-          <a:xfrm>
-            <a:off x="263352" y="136525"/>
-            <a:ext cx="11449272" cy="590931"/>
-          </a:xfrm>
-        </p:spPr>
-        <p:txBody>
-          <a:bodyPr/>
-          <a:lstStyle/>
-          <a:p>
-            <a:r>
-              <a:rPr lang="pl-PL" dirty="0"/>
-              <a:t>Agenda</a:t>
-            </a:r>
-          </a:p>
-        </p:txBody>
-      </p:sp>
-      <p:sp>
-        <p:nvSpPr>
-          <p:cNvPr id="9" name="Content Placeholder 8">
-            <a:extLst>
-              <a:ext uri="{FF2B5EF4-FFF2-40B4-BE49-F238E27FC236}">
-                <a16:creationId xmlns:a16="http://schemas.microsoft.com/office/drawing/2014/main" id="{EDB915F6-B558-41B8-9FCD-1D1F804752AB}"/>
-              </a:ext>
-            </a:extLst>
-          </p:cNvPr>
-          <p:cNvSpPr>
-            <a:spLocks noGrp="1"/>
-          </p:cNvSpPr>
-          <p:nvPr>
-            <p:ph idx="1"/>
-          </p:nvPr>
-        </p:nvSpPr>
-        <p:spPr/>
-        <p:txBody>
-          <a:bodyPr/>
-          <a:lstStyle/>
-          <a:p>
-            <a:endParaRPr lang="en-US"/>
-          </a:p>
-        </p:txBody>
-      </p:sp>
-      <p:sp>
-        <p:nvSpPr>
-          <p:cNvPr id="4" name="Date Placeholder 3">
-            <a:extLst>
-              <a:ext uri="{FF2B5EF4-FFF2-40B4-BE49-F238E27FC236}">
-                <a16:creationId xmlns:a16="http://schemas.microsoft.com/office/drawing/2014/main" id="{5A4DC1EB-30D2-41A8-BCDC-84C43E4194FB}"/>
-              </a:ext>
-            </a:extLst>
-          </p:cNvPr>
-          <p:cNvSpPr>
-            <a:spLocks noGrp="1"/>
-          </p:cNvSpPr>
-          <p:nvPr>
-            <p:ph type="dt" sz="half" idx="10"/>
-          </p:nvPr>
-        </p:nvSpPr>
-        <p:spPr>
-          <a:xfrm>
-            <a:off x="263352" y="6356350"/>
-            <a:ext cx="2743200" cy="365125"/>
-          </a:xfrm>
-        </p:spPr>
-        <p:txBody>
-          <a:bodyPr/>
-          <a:lstStyle/>
-          <a:p>
-            <a:r>
-              <a:rPr lang="en-US"/>
-              <a:t>June 2, 2021</a:t>
-            </a:r>
-            <a:endParaRPr lang="pl-PL"/>
-          </a:p>
-        </p:txBody>
-      </p:sp>
-      <p:sp>
-        <p:nvSpPr>
-          <p:cNvPr id="5" name="Footer Placeholder 4">
-            <a:extLst>
-              <a:ext uri="{FF2B5EF4-FFF2-40B4-BE49-F238E27FC236}">
-                <a16:creationId xmlns:a16="http://schemas.microsoft.com/office/drawing/2014/main" id="{FE28E84B-2216-4767-8207-737E99375362}"/>
-              </a:ext>
-            </a:extLst>
-          </p:cNvPr>
-          <p:cNvSpPr>
-            <a:spLocks noGrp="1"/>
-          </p:cNvSpPr>
-          <p:nvPr>
-            <p:ph type="ftr" sz="quarter" idx="11"/>
-          </p:nvPr>
-        </p:nvSpPr>
-        <p:spPr>
-          <a:xfrm>
-            <a:off x="7597824" y="6356350"/>
-            <a:ext cx="4114800" cy="365125"/>
-          </a:xfrm>
-        </p:spPr>
-        <p:txBody>
-          <a:bodyPr/>
-          <a:lstStyle/>
-          <a:p>
-            <a:r>
-              <a:rPr lang="pl-PL"/>
-              <a:t>ICCS21 M. Postół</a:t>
-            </a:r>
-          </a:p>
-        </p:txBody>
-      </p:sp>
-    </p:spTree>
-    <p:extLst>
-      <p:ext uri="{BB962C8B-B14F-4D97-AF65-F5344CB8AC3E}">
-        <p14:creationId xmlns:p14="http://schemas.microsoft.com/office/powerpoint/2010/main" val="4142186493"/>
-      </p:ext>
-    </p:extLst>
-  </p:cSld>
-  <p:clrMapOvr>
-    <a:masterClrMapping/>
-  </p:clrMapOvr>
-</p:sld>
-</file>
-
-<file path=ppt/slides/slide20.xml><?xml version="1.0" encoding="utf-8"?>
+<file path=ppt/slides/slide17.xml><?xml version="1.0" encoding="utf-8"?>
 <p:sld xmlns:a="http://schemas.openxmlformats.org/drawingml/2006/main" xmlns:r="http://schemas.openxmlformats.org/officeDocument/2006/relationships" xmlns:p="http://schemas.openxmlformats.org/presentationml/2006/main">
   <p:cSld>
     <p:spTree>
@@ -18891,7 +18144,7 @@
 </p:sld>
 </file>
 
-<file path=ppt/slides/slide21.xml><?xml version="1.0" encoding="utf-8"?>
+<file path=ppt/slides/slide18.xml><?xml version="1.0" encoding="utf-8"?>
 <p:sld xmlns:a="http://schemas.openxmlformats.org/drawingml/2006/main" xmlns:r="http://schemas.openxmlformats.org/officeDocument/2006/relationships" xmlns:p="http://schemas.openxmlformats.org/presentationml/2006/main">
   <p:cSld>
     <p:spTree>
@@ -19311,7 +18564,7 @@
 </p:sld>
 </file>
 
-<file path=ppt/slides/slide3.xml><?xml version="1.0" encoding="utf-8"?>
+<file path=ppt/slides/slide2.xml><?xml version="1.0" encoding="utf-8"?>
 <p:sld xmlns:a="http://schemas.openxmlformats.org/drawingml/2006/main" xmlns:r="http://schemas.openxmlformats.org/officeDocument/2006/relationships" xmlns:p="http://schemas.openxmlformats.org/presentationml/2006/main">
   <p:cSld>
     <p:spTree>
@@ -19517,8 +18770,8 @@
 </p:sld>
 </file>
 
-<file path=ppt/slides/slide4.xml><?xml version="1.0" encoding="utf-8"?>
-<p:sld xmlns:a="http://schemas.openxmlformats.org/drawingml/2006/main" xmlns:r="http://schemas.openxmlformats.org/officeDocument/2006/relationships" xmlns:p="http://schemas.openxmlformats.org/presentationml/2006/main" show="0">
+<file path=ppt/slides/slide3.xml><?xml version="1.0" encoding="utf-8"?>
+<p:sld xmlns:a="http://schemas.openxmlformats.org/drawingml/2006/main" xmlns:r="http://schemas.openxmlformats.org/officeDocument/2006/relationships" xmlns:p="http://schemas.openxmlformats.org/presentationml/2006/main">
   <p:cSld>
     <p:spTree>
       <p:nvGrpSpPr>
@@ -22513,7 +21766,7 @@
 </p:sld>
 </file>
 
-<file path=ppt/slides/slide5.xml><?xml version="1.0" encoding="utf-8"?>
+<file path=ppt/slides/slide4.xml><?xml version="1.0" encoding="utf-8"?>
 <p:sld xmlns:a="http://schemas.openxmlformats.org/drawingml/2006/main" xmlns:r="http://schemas.openxmlformats.org/officeDocument/2006/relationships" xmlns:p="http://schemas.openxmlformats.org/presentationml/2006/main">
   <p:cSld>
     <p:spTree>
@@ -22727,7 +21980,7 @@
 </p:sld>
 </file>
 
-<file path=ppt/slides/slide6.xml><?xml version="1.0" encoding="utf-8"?>
+<file path=ppt/slides/slide5.xml><?xml version="1.0" encoding="utf-8"?>
 <p:sld xmlns:a="http://schemas.openxmlformats.org/drawingml/2006/main" xmlns:r="http://schemas.openxmlformats.org/officeDocument/2006/relationships" xmlns:p="http://schemas.openxmlformats.org/presentationml/2006/main" show="0">
   <p:cSld>
     <p:spTree>
@@ -22944,7 +22197,7 @@
 </p:sld>
 </file>
 
-<file path=ppt/slides/slide7.xml><?xml version="1.0" encoding="utf-8"?>
+<file path=ppt/slides/slide6.xml><?xml version="1.0" encoding="utf-8"?>
 <p:sld xmlns:a="http://schemas.openxmlformats.org/drawingml/2006/main" xmlns:r="http://schemas.openxmlformats.org/officeDocument/2006/relationships" xmlns:p="http://schemas.openxmlformats.org/presentationml/2006/main">
   <p:cSld>
     <p:spTree>
@@ -23109,163 +22362,7 @@
 </p:sld>
 </file>
 
-<file path=ppt/slides/slide8.xml><?xml version="1.0" encoding="utf-8"?>
-<p:sld xmlns:a="http://schemas.openxmlformats.org/drawingml/2006/main" xmlns:r="http://schemas.openxmlformats.org/officeDocument/2006/relationships" xmlns:p="http://schemas.openxmlformats.org/presentationml/2006/main">
-  <p:cSld>
-    <p:spTree>
-      <p:nvGrpSpPr>
-        <p:cNvPr id="1" name=""/>
-        <p:cNvGrpSpPr/>
-        <p:nvPr/>
-      </p:nvGrpSpPr>
-      <p:grpSpPr>
-        <a:xfrm>
-          <a:off x="0" y="0"/>
-          <a:ext cx="0" cy="0"/>
-          <a:chOff x="0" y="0"/>
-          <a:chExt cx="0" cy="0"/>
-        </a:xfrm>
-      </p:grpSpPr>
-      <p:sp>
-        <p:nvSpPr>
-          <p:cNvPr id="2" name="Title 1">
-            <a:extLst>
-              <a:ext uri="{FF2B5EF4-FFF2-40B4-BE49-F238E27FC236}">
-                <a16:creationId xmlns:a16="http://schemas.microsoft.com/office/drawing/2014/main" id="{750CD530-B4AB-416B-96DF-7BB31514E755}"/>
-              </a:ext>
-            </a:extLst>
-          </p:cNvPr>
-          <p:cNvSpPr>
-            <a:spLocks noGrp="1"/>
-          </p:cNvSpPr>
-          <p:nvPr>
-            <p:ph type="title"/>
-          </p:nvPr>
-        </p:nvSpPr>
-        <p:spPr/>
-        <p:txBody>
-          <a:bodyPr/>
-          <a:lstStyle/>
-          <a:p>
-            <a:r>
-              <a:rPr lang="en-US" dirty="0"/>
-              <a:t>Edge Interconnection Interoperability Scenario</a:t>
-            </a:r>
-          </a:p>
-        </p:txBody>
-      </p:sp>
-      <p:sp>
-        <p:nvSpPr>
-          <p:cNvPr id="3" name="Date Placeholder 2">
-            <a:extLst>
-              <a:ext uri="{FF2B5EF4-FFF2-40B4-BE49-F238E27FC236}">
-                <a16:creationId xmlns:a16="http://schemas.microsoft.com/office/drawing/2014/main" id="{53D41827-1A34-47F7-8923-4BEF6C6F7EC5}"/>
-              </a:ext>
-            </a:extLst>
-          </p:cNvPr>
-          <p:cNvSpPr>
-            <a:spLocks noGrp="1"/>
-          </p:cNvSpPr>
-          <p:nvPr>
-            <p:ph type="dt" sz="half" idx="10"/>
-          </p:nvPr>
-        </p:nvSpPr>
-        <p:spPr/>
-        <p:txBody>
-          <a:bodyPr/>
-          <a:lstStyle/>
-          <a:p>
-            <a:pPr>
-              <a:defRPr/>
-            </a:pPr>
-            <a:r>
-              <a:rPr lang="en-US"/>
-              <a:t>June 2, 2021</a:t>
-            </a:r>
-          </a:p>
-        </p:txBody>
-      </p:sp>
-      <p:sp>
-        <p:nvSpPr>
-          <p:cNvPr id="4" name="Footer Placeholder 3">
-            <a:extLst>
-              <a:ext uri="{FF2B5EF4-FFF2-40B4-BE49-F238E27FC236}">
-                <a16:creationId xmlns:a16="http://schemas.microsoft.com/office/drawing/2014/main" id="{D26106C0-1F6B-47AB-81C5-81DFD694A15C}"/>
-              </a:ext>
-            </a:extLst>
-          </p:cNvPr>
-          <p:cNvSpPr>
-            <a:spLocks noGrp="1"/>
-          </p:cNvSpPr>
-          <p:nvPr>
-            <p:ph type="ftr" sz="quarter" idx="11"/>
-          </p:nvPr>
-        </p:nvSpPr>
-        <p:spPr/>
-        <p:txBody>
-          <a:bodyPr/>
-          <a:lstStyle/>
-          <a:p>
-            <a:pPr>
-              <a:defRPr/>
-            </a:pPr>
-            <a:r>
-              <a:rPr lang="en-US"/>
-              <a:t>ICCS21 M. Postół</a:t>
-            </a:r>
-          </a:p>
-        </p:txBody>
-      </p:sp>
-      <p:pic>
-        <p:nvPicPr>
-          <p:cNvPr id="6" name="Picture 5" descr="Diagram&#10;&#10;Description automatically generated">
-            <a:extLst>
-              <a:ext uri="{FF2B5EF4-FFF2-40B4-BE49-F238E27FC236}">
-                <a16:creationId xmlns:a16="http://schemas.microsoft.com/office/drawing/2014/main" id="{7F96350E-F68E-4770-ADF3-DD4EF287F99F}"/>
-              </a:ext>
-            </a:extLst>
-          </p:cNvPr>
-          <p:cNvPicPr>
-            <a:picLocks noChangeAspect="1"/>
-          </p:cNvPicPr>
-          <p:nvPr/>
-        </p:nvPicPr>
-        <p:blipFill>
-          <a:blip r:embed="rId2" cstate="print">
-            <a:extLst>
-              <a:ext uri="{28A0092B-C50C-407E-A947-70E740481C1C}">
-                <a14:useLocalDpi xmlns:a14="http://schemas.microsoft.com/office/drawing/2010/main" val="0"/>
-              </a:ext>
-            </a:extLst>
-          </a:blip>
-          <a:stretch>
-            <a:fillRect/>
-          </a:stretch>
-        </p:blipFill>
-        <p:spPr>
-          <a:xfrm>
-            <a:off x="591507" y="1988840"/>
-            <a:ext cx="10569823" cy="2700000"/>
-          </a:xfrm>
-          <a:prstGeom prst="rect">
-            <a:avLst/>
-          </a:prstGeom>
-        </p:spPr>
-      </p:pic>
-    </p:spTree>
-    <p:extLst>
-      <p:ext uri="{BB962C8B-B14F-4D97-AF65-F5344CB8AC3E}">
-        <p14:creationId xmlns:p14="http://schemas.microsoft.com/office/powerpoint/2010/main" val="1334894811"/>
-      </p:ext>
-    </p:extLst>
-  </p:cSld>
-  <p:clrMapOvr>
-    <a:masterClrMapping/>
-  </p:clrMapOvr>
-</p:sld>
-</file>
-
-<file path=ppt/slides/slide9.xml><?xml version="1.0" encoding="utf-8"?>
+<file path=ppt/slides/slide7.xml><?xml version="1.0" encoding="utf-8"?>
 <p:sld xmlns:a="http://schemas.openxmlformats.org/drawingml/2006/main" xmlns:r="http://schemas.openxmlformats.org/officeDocument/2006/relationships" xmlns:p="http://schemas.openxmlformats.org/presentationml/2006/main">
   <p:cSld>
     <p:spTree>
@@ -23412,6 +22509,318 @@
     <p:extLst>
       <p:ext uri="{BB962C8B-B14F-4D97-AF65-F5344CB8AC3E}">
         <p14:creationId xmlns:p14="http://schemas.microsoft.com/office/powerpoint/2010/main" val="2300600728"/>
+      </p:ext>
+    </p:extLst>
+  </p:cSld>
+  <p:clrMapOvr>
+    <a:masterClrMapping/>
+  </p:clrMapOvr>
+</p:sld>
+</file>
+
+<file path=ppt/slides/slide8.xml><?xml version="1.0" encoding="utf-8"?>
+<p:sld xmlns:a="http://schemas.openxmlformats.org/drawingml/2006/main" xmlns:r="http://schemas.openxmlformats.org/officeDocument/2006/relationships" xmlns:p="http://schemas.openxmlformats.org/presentationml/2006/main">
+  <p:cSld>
+    <p:spTree>
+      <p:nvGrpSpPr>
+        <p:cNvPr id="1" name=""/>
+        <p:cNvGrpSpPr/>
+        <p:nvPr/>
+      </p:nvGrpSpPr>
+      <p:grpSpPr>
+        <a:xfrm>
+          <a:off x="0" y="0"/>
+          <a:ext cx="0" cy="0"/>
+          <a:chOff x="0" y="0"/>
+          <a:chExt cx="0" cy="0"/>
+        </a:xfrm>
+      </p:grpSpPr>
+      <p:sp>
+        <p:nvSpPr>
+          <p:cNvPr id="2" name="Title 1">
+            <a:extLst>
+              <a:ext uri="{FF2B5EF4-FFF2-40B4-BE49-F238E27FC236}">
+                <a16:creationId xmlns:a16="http://schemas.microsoft.com/office/drawing/2014/main" id="{FF7B13A4-51E5-49F3-BAED-2FE78BBCB31B}"/>
+              </a:ext>
+            </a:extLst>
+          </p:cNvPr>
+          <p:cNvSpPr>
+            <a:spLocks noGrp="1"/>
+          </p:cNvSpPr>
+          <p:nvPr>
+            <p:ph type="title"/>
+          </p:nvPr>
+        </p:nvSpPr>
+        <p:spPr/>
+        <p:txBody>
+          <a:bodyPr/>
+          <a:lstStyle/>
+          <a:p>
+            <a:r>
+              <a:rPr lang="en-US" dirty="0"/>
+              <a:t>Field Level Gateway Interoperability Scenario</a:t>
+            </a:r>
+          </a:p>
+        </p:txBody>
+      </p:sp>
+      <p:sp>
+        <p:nvSpPr>
+          <p:cNvPr id="3" name="Date Placeholder 2">
+            <a:extLst>
+              <a:ext uri="{FF2B5EF4-FFF2-40B4-BE49-F238E27FC236}">
+                <a16:creationId xmlns:a16="http://schemas.microsoft.com/office/drawing/2014/main" id="{AECEBEA8-CEF7-49FA-891C-67D892D2194B}"/>
+              </a:ext>
+            </a:extLst>
+          </p:cNvPr>
+          <p:cNvSpPr>
+            <a:spLocks noGrp="1"/>
+          </p:cNvSpPr>
+          <p:nvPr>
+            <p:ph type="dt" sz="half" idx="10"/>
+          </p:nvPr>
+        </p:nvSpPr>
+        <p:spPr/>
+        <p:txBody>
+          <a:bodyPr/>
+          <a:lstStyle/>
+          <a:p>
+            <a:pPr>
+              <a:defRPr/>
+            </a:pPr>
+            <a:r>
+              <a:rPr lang="en-US"/>
+              <a:t>June 2, 2021</a:t>
+            </a:r>
+          </a:p>
+        </p:txBody>
+      </p:sp>
+      <p:sp>
+        <p:nvSpPr>
+          <p:cNvPr id="4" name="Footer Placeholder 3">
+            <a:extLst>
+              <a:ext uri="{FF2B5EF4-FFF2-40B4-BE49-F238E27FC236}">
+                <a16:creationId xmlns:a16="http://schemas.microsoft.com/office/drawing/2014/main" id="{ABC3FF95-746D-4F61-8BF8-4ED11D85466E}"/>
+              </a:ext>
+            </a:extLst>
+          </p:cNvPr>
+          <p:cNvSpPr>
+            <a:spLocks noGrp="1"/>
+          </p:cNvSpPr>
+          <p:nvPr>
+            <p:ph type="ftr" sz="quarter" idx="11"/>
+          </p:nvPr>
+        </p:nvSpPr>
+        <p:spPr/>
+        <p:txBody>
+          <a:bodyPr/>
+          <a:lstStyle/>
+          <a:p>
+            <a:pPr>
+              <a:defRPr/>
+            </a:pPr>
+            <a:r>
+              <a:rPr lang="en-US"/>
+              <a:t>ICCS21 M. Postół</a:t>
+            </a:r>
+          </a:p>
+        </p:txBody>
+      </p:sp>
+      <p:pic>
+        <p:nvPicPr>
+          <p:cNvPr id="6" name="Picture 5" descr="Chart, diagram, box and whisker chart&#10;&#10;Description automatically generated">
+            <a:extLst>
+              <a:ext uri="{FF2B5EF4-FFF2-40B4-BE49-F238E27FC236}">
+                <a16:creationId xmlns:a16="http://schemas.microsoft.com/office/drawing/2014/main" id="{95DF0999-D7E0-4B59-A6F1-863291C52B85}"/>
+              </a:ext>
+            </a:extLst>
+          </p:cNvPr>
+          <p:cNvPicPr>
+            <a:picLocks noChangeAspect="1"/>
+          </p:cNvPicPr>
+          <p:nvPr/>
+        </p:nvPicPr>
+        <p:blipFill>
+          <a:blip r:embed="rId2" cstate="print">
+            <a:extLst>
+              <a:ext uri="{28A0092B-C50C-407E-A947-70E740481C1C}">
+                <a14:useLocalDpi xmlns:a14="http://schemas.microsoft.com/office/drawing/2010/main" val="0"/>
+              </a:ext>
+            </a:extLst>
+          </a:blip>
+          <a:stretch>
+            <a:fillRect/>
+          </a:stretch>
+        </p:blipFill>
+        <p:spPr>
+          <a:xfrm>
+            <a:off x="252887" y="2397643"/>
+            <a:ext cx="11782728" cy="2700000"/>
+          </a:xfrm>
+          <a:prstGeom prst="rect">
+            <a:avLst/>
+          </a:prstGeom>
+        </p:spPr>
+      </p:pic>
+    </p:spTree>
+    <p:extLst>
+      <p:ext uri="{BB962C8B-B14F-4D97-AF65-F5344CB8AC3E}">
+        <p14:creationId xmlns:p14="http://schemas.microsoft.com/office/powerpoint/2010/main" val="2599007750"/>
+      </p:ext>
+    </p:extLst>
+  </p:cSld>
+  <p:clrMapOvr>
+    <a:masterClrMapping/>
+  </p:clrMapOvr>
+</p:sld>
+</file>
+
+<file path=ppt/slides/slide9.xml><?xml version="1.0" encoding="utf-8"?>
+<p:sld xmlns:a="http://schemas.openxmlformats.org/drawingml/2006/main" xmlns:r="http://schemas.openxmlformats.org/officeDocument/2006/relationships" xmlns:p="http://schemas.openxmlformats.org/presentationml/2006/main">
+  <p:cSld>
+    <p:spTree>
+      <p:nvGrpSpPr>
+        <p:cNvPr id="1" name=""/>
+        <p:cNvGrpSpPr/>
+        <p:nvPr/>
+      </p:nvGrpSpPr>
+      <p:grpSpPr>
+        <a:xfrm>
+          <a:off x="0" y="0"/>
+          <a:ext cx="0" cy="0"/>
+          <a:chOff x="0" y="0"/>
+          <a:chExt cx="0" cy="0"/>
+        </a:xfrm>
+      </p:grpSpPr>
+      <p:sp>
+        <p:nvSpPr>
+          <p:cNvPr id="2" name="Title 1">
+            <a:extLst>
+              <a:ext uri="{FF2B5EF4-FFF2-40B4-BE49-F238E27FC236}">
+                <a16:creationId xmlns:a16="http://schemas.microsoft.com/office/drawing/2014/main" id="{4E335967-D259-4141-AB5F-B1C167AE2BBE}"/>
+              </a:ext>
+            </a:extLst>
+          </p:cNvPr>
+          <p:cNvSpPr>
+            <a:spLocks noGrp="1"/>
+          </p:cNvSpPr>
+          <p:nvPr>
+            <p:ph type="title"/>
+          </p:nvPr>
+        </p:nvSpPr>
+        <p:spPr/>
+        <p:txBody>
+          <a:bodyPr/>
+          <a:lstStyle/>
+          <a:p>
+            <a:r>
+              <a:rPr lang="en-US" dirty="0"/>
+              <a:t>Embedded Gateway Interoperability Scenario</a:t>
+            </a:r>
+          </a:p>
+        </p:txBody>
+      </p:sp>
+      <p:sp>
+        <p:nvSpPr>
+          <p:cNvPr id="3" name="Date Placeholder 2">
+            <a:extLst>
+              <a:ext uri="{FF2B5EF4-FFF2-40B4-BE49-F238E27FC236}">
+                <a16:creationId xmlns:a16="http://schemas.microsoft.com/office/drawing/2014/main" id="{0BF033B2-6B44-48C8-A052-858C92146E27}"/>
+              </a:ext>
+            </a:extLst>
+          </p:cNvPr>
+          <p:cNvSpPr>
+            <a:spLocks noGrp="1"/>
+          </p:cNvSpPr>
+          <p:nvPr>
+            <p:ph type="dt" sz="half" idx="10"/>
+          </p:nvPr>
+        </p:nvSpPr>
+        <p:spPr/>
+        <p:txBody>
+          <a:bodyPr/>
+          <a:lstStyle/>
+          <a:p>
+            <a:pPr>
+              <a:defRPr/>
+            </a:pPr>
+            <a:r>
+              <a:rPr lang="en-US"/>
+              <a:t>June 2, 2021</a:t>
+            </a:r>
+          </a:p>
+        </p:txBody>
+      </p:sp>
+      <p:sp>
+        <p:nvSpPr>
+          <p:cNvPr id="4" name="Footer Placeholder 3">
+            <a:extLst>
+              <a:ext uri="{FF2B5EF4-FFF2-40B4-BE49-F238E27FC236}">
+                <a16:creationId xmlns:a16="http://schemas.microsoft.com/office/drawing/2014/main" id="{40B1DB65-42EB-4A55-AE3D-B0D811122D71}"/>
+              </a:ext>
+            </a:extLst>
+          </p:cNvPr>
+          <p:cNvSpPr>
+            <a:spLocks noGrp="1"/>
+          </p:cNvSpPr>
+          <p:nvPr>
+            <p:ph type="ftr" sz="quarter" idx="11"/>
+          </p:nvPr>
+        </p:nvSpPr>
+        <p:spPr/>
+        <p:txBody>
+          <a:bodyPr/>
+          <a:lstStyle/>
+          <a:p>
+            <a:pPr>
+              <a:defRPr/>
+            </a:pPr>
+            <a:r>
+              <a:rPr lang="en-US"/>
+              <a:t>ICCS21 M. Postół</a:t>
+            </a:r>
+          </a:p>
+        </p:txBody>
+      </p:sp>
+      <p:pic>
+        <p:nvPicPr>
+          <p:cNvPr id="6" name="Picture 5" descr="Diagram&#10;&#10;Description automatically generated">
+            <a:extLst>
+              <a:ext uri="{FF2B5EF4-FFF2-40B4-BE49-F238E27FC236}">
+                <a16:creationId xmlns:a16="http://schemas.microsoft.com/office/drawing/2014/main" id="{4C946745-8166-4711-842B-E897619B24A9}"/>
+              </a:ext>
+            </a:extLst>
+          </p:cNvPr>
+          <p:cNvPicPr>
+            <a:picLocks noChangeAspect="1"/>
+          </p:cNvPicPr>
+          <p:nvPr/>
+        </p:nvPicPr>
+        <p:blipFill>
+          <a:blip r:embed="rId2" cstate="print">
+            <a:extLst>
+              <a:ext uri="{28A0092B-C50C-407E-A947-70E740481C1C}">
+                <a14:useLocalDpi xmlns:a14="http://schemas.microsoft.com/office/drawing/2010/main" val="0"/>
+              </a:ext>
+            </a:extLst>
+          </a:blip>
+          <a:stretch>
+            <a:fillRect/>
+          </a:stretch>
+        </p:blipFill>
+        <p:spPr>
+          <a:xfrm>
+            <a:off x="2437408" y="840529"/>
+            <a:ext cx="7317184" cy="5501797"/>
+          </a:xfrm>
+          <a:prstGeom prst="rect">
+            <a:avLst/>
+          </a:prstGeom>
+        </p:spPr>
+      </p:pic>
+    </p:spTree>
+    <p:extLst>
+      <p:ext uri="{BB962C8B-B14F-4D97-AF65-F5344CB8AC3E}">
+        <p14:creationId xmlns:p14="http://schemas.microsoft.com/office/powerpoint/2010/main" val="720930780"/>
       </p:ext>
     </p:extLst>
   </p:cSld>

--- a/ICCS21-Conference/OOI-CI-ICCS2021..pptx
+++ b/ICCS21-Conference/OOI-CI-ICCS2021..pptx
@@ -5,27 +5,26 @@
     <p:sldMasterId id="2147483708" r:id="rId1"/>
   </p:sldMasterIdLst>
   <p:notesMasterIdLst>
-    <p:notesMasterId r:id="rId20"/>
+    <p:notesMasterId r:id="rId19"/>
   </p:notesMasterIdLst>
   <p:sldIdLst>
     <p:sldId id="256" r:id="rId2"/>
     <p:sldId id="332" r:id="rId3"/>
     <p:sldId id="333" r:id="rId4"/>
     <p:sldId id="259" r:id="rId5"/>
-    <p:sldId id="258" r:id="rId6"/>
-    <p:sldId id="334" r:id="rId7"/>
-    <p:sldId id="336" r:id="rId8"/>
-    <p:sldId id="337" r:id="rId9"/>
-    <p:sldId id="338" r:id="rId10"/>
-    <p:sldId id="339" r:id="rId11"/>
-    <p:sldId id="313" r:id="rId12"/>
-    <p:sldId id="340" r:id="rId13"/>
-    <p:sldId id="341" r:id="rId14"/>
-    <p:sldId id="342" r:id="rId15"/>
-    <p:sldId id="317" r:id="rId16"/>
-    <p:sldId id="343" r:id="rId17"/>
-    <p:sldId id="329" r:id="rId18"/>
-    <p:sldId id="284" r:id="rId19"/>
+    <p:sldId id="334" r:id="rId6"/>
+    <p:sldId id="336" r:id="rId7"/>
+    <p:sldId id="337" r:id="rId8"/>
+    <p:sldId id="338" r:id="rId9"/>
+    <p:sldId id="317" r:id="rId10"/>
+    <p:sldId id="343" r:id="rId11"/>
+    <p:sldId id="339" r:id="rId12"/>
+    <p:sldId id="313" r:id="rId13"/>
+    <p:sldId id="340" r:id="rId14"/>
+    <p:sldId id="341" r:id="rId15"/>
+    <p:sldId id="342" r:id="rId16"/>
+    <p:sldId id="329" r:id="rId17"/>
+    <p:sldId id="284" r:id="rId18"/>
   </p:sldIdLst>
   <p:sldSz cx="12192000" cy="6858000"/>
   <p:notesSz cx="6858000" cy="9144000"/>
@@ -141,18 +140,17 @@
         <p14:section name="Untitled Section" id="{53C89E9D-3AB2-495B-9652-FB22FC3CCB79}">
           <p14:sldIdLst>
             <p14:sldId id="259"/>
-            <p14:sldId id="258"/>
             <p14:sldId id="334"/>
             <p14:sldId id="336"/>
             <p14:sldId id="337"/>
             <p14:sldId id="338"/>
+            <p14:sldId id="317"/>
+            <p14:sldId id="343"/>
             <p14:sldId id="339"/>
             <p14:sldId id="313"/>
             <p14:sldId id="340"/>
             <p14:sldId id="341"/>
             <p14:sldId id="342"/>
-            <p14:sldId id="317"/>
-            <p14:sldId id="343"/>
             <p14:sldId id="329"/>
             <p14:sldId id="284"/>
           </p14:sldIdLst>
@@ -10607,7 +10605,7 @@
             <a:fld id="{301268CA-ED1D-4AAE-902A-185C940766BC}" type="datetimeFigureOut">
               <a:rPr lang="pl-PL" smtClean="0"/>
               <a:pPr/>
-              <a:t>13.06.2021</a:t>
+              <a:t>16.06.2021</a:t>
             </a:fld>
             <a:endParaRPr lang="pl-PL"/>
           </a:p>
@@ -10916,34 +10914,15 @@
           <a:bodyPr/>
           <a:lstStyle/>
           <a:p>
-            <a:pPr marL="0" marR="0" lvl="0" indent="0" algn="l" defTabSz="914400" rtl="0" eaLnBrk="1" fontAlgn="auto" latinLnBrk="0" hangingPunct="1">
-              <a:lnSpc>
-                <a:spcPct val="100000"/>
-              </a:lnSpc>
-              <a:spcBef>
-                <a:spcPts val="0"/>
-              </a:spcBef>
-              <a:spcAft>
-                <a:spcPts val="0"/>
-              </a:spcAft>
-              <a:buClrTx/>
-              <a:buSzTx/>
-              <a:buFontTx/>
-              <a:buNone/>
-              <a:tabLst/>
-              <a:defRPr/>
-            </a:pPr>
-            <a:r>
-              <a:rPr lang="en-US" sz="1200" b="0" kern="1200" dirty="0">
+            <a:r>
+              <a:rPr lang="en-US" b="0" dirty="0">
                 <a:solidFill>
-                  <a:schemeClr val="tx1"/>
+                  <a:srgbClr val="000000"/>
                 </a:solidFill>
                 <a:effectLst/>
-                <a:latin typeface="+mn-lt"/>
-                <a:ea typeface="+mn-ea"/>
-                <a:cs typeface="+mn-cs"/>
+                <a:latin typeface="Consolas" panose="020B0609020204030204" pitchFamily="49" charset="0"/>
               </a:rPr>
-              <a:t>I would like to present my research work related to Object-Oriented Internet focusing on the Reactive Interoperability. My name is Mariusz Postół and I am representing the Institute of Information Technology Technical University of Lodz. </a:t>
+              <a:t>My name is Mariusz Postół and I am representing the Institute of Information Technology Lodz University of Technology. It is my pleasure to present my and Piotr Szymczak research work related to Object-Oriented Internet and Cloud services integration focusing on the generic architecture that is proposed to implement and deploy this interoperability scenario.</a:t>
             </a:r>
           </a:p>
           <a:p>
@@ -10988,7 +10967,7 @@
 </p:notes>
 </file>
 
-<file path=ppt/notesSlides/notesSlide2.xml><?xml version="1.0" encoding="utf-8"?>
+<file path=ppt/notesSlides/notesSlide10.xml><?xml version="1.0" encoding="utf-8"?>
 <p:notes xmlns:a="http://schemas.openxmlformats.org/drawingml/2006/main" xmlns:r="http://schemas.openxmlformats.org/officeDocument/2006/relationships" xmlns:p="http://schemas.openxmlformats.org/presentationml/2006/main">
   <p:cSld>
     <p:spTree>
@@ -11033,249 +11012,9 @@
           <a:lstStyle/>
           <a:p>
             <a:r>
-              <a:rPr lang="pl-PL" dirty="0"/>
-              <a:t>Piramida:</a:t>
-            </a:r>
-          </a:p>
-          <a:p>
-            <a:r>
-              <a:rPr lang="pl-PL" dirty="0"/>
-              <a:t>– by pokazać, gdzie jest góra i dół</a:t>
-            </a:r>
-            <a:r>
-              <a:rPr lang="pl-PL" baseline="0" dirty="0"/>
-              <a:t> </a:t>
-            </a:r>
-          </a:p>
-          <a:p>
-            <a:pPr marL="171450" indent="-171450">
-              <a:buFontTx/>
-              <a:buChar char="-"/>
-            </a:pPr>
-            <a:r>
-              <a:rPr lang="pl-PL" baseline="0" dirty="0"/>
-              <a:t>Model warstwowy</a:t>
-            </a:r>
-          </a:p>
-          <a:p>
-            <a:pPr marL="171450" indent="-171450">
-              <a:buFontTx/>
-              <a:buChar char="-"/>
-            </a:pPr>
-            <a:r>
-              <a:rPr lang="pl-PL" baseline="0" dirty="0"/>
-              <a:t>Warstwy wyższe odwołują się do warstw niższych</a:t>
-            </a:r>
-          </a:p>
-          <a:p>
-            <a:pPr marL="171450" indent="-171450">
-              <a:buFontTx/>
-              <a:buChar char="-"/>
-            </a:pPr>
-            <a:r>
-              <a:rPr lang="pl-PL" baseline="0" dirty="0"/>
-              <a:t>API</a:t>
-            </a:r>
-          </a:p>
-          <a:p>
-            <a:pPr marL="0" indent="0">
-              <a:buFontTx/>
-              <a:buNone/>
-            </a:pPr>
-            <a:r>
-              <a:rPr lang="pl-PL" baseline="0" dirty="0"/>
-              <a:t>Po co:</a:t>
-            </a:r>
-          </a:p>
-          <a:p>
-            <a:pPr marL="171450" indent="-171450">
-              <a:buFontTx/>
-              <a:buChar char="-"/>
-            </a:pPr>
-            <a:r>
-              <a:rPr lang="pl-PL" baseline="0" dirty="0"/>
-              <a:t>Możliwość wymiany technologia</a:t>
-            </a:r>
-          </a:p>
-          <a:p>
-            <a:pPr marL="171450" indent="-171450">
-              <a:buFontTx/>
-              <a:buChar char="-"/>
-            </a:pPr>
-            <a:r>
-              <a:rPr lang="pl-PL" baseline="0" dirty="0"/>
-              <a:t>Skalowanie</a:t>
-            </a:r>
-          </a:p>
-          <a:p>
-            <a:pPr marL="171450" indent="-171450">
-              <a:buFontTx/>
-              <a:buChar char="-"/>
-            </a:pPr>
-            <a:r>
-              <a:rPr lang="pl-PL" baseline="0" dirty="0"/>
-              <a:t>Współużywanie</a:t>
-            </a:r>
-          </a:p>
-          <a:p>
-            <a:pPr marL="0" indent="0">
-              <a:buFontTx/>
-              <a:buNone/>
-            </a:pPr>
-            <a:r>
-              <a:rPr lang="pl-PL" baseline="0" dirty="0"/>
-              <a:t>Warstwy:</a:t>
-            </a:r>
-          </a:p>
-          <a:p>
-            <a:pPr marL="0" indent="0">
-              <a:buFontTx/>
-              <a:buNone/>
-            </a:pPr>
-            <a:endParaRPr lang="pl-PL" baseline="0" dirty="0"/>
-          </a:p>
-          <a:p>
-            <a:pPr marL="171450" indent="-171450">
-              <a:buFontTx/>
-              <a:buChar char="-"/>
-            </a:pPr>
-            <a:endParaRPr lang="pl-PL" baseline="0" dirty="0"/>
-          </a:p>
-          <a:p>
-            <a:endParaRPr lang="pl-PL" dirty="0"/>
-          </a:p>
-        </p:txBody>
-      </p:sp>
-      <p:sp>
-        <p:nvSpPr>
-          <p:cNvPr id="4" name="Slide Number Placeholder 3"/>
-          <p:cNvSpPr>
-            <a:spLocks noGrp="1"/>
-          </p:cNvSpPr>
-          <p:nvPr>
-            <p:ph type="sldNum" sz="quarter" idx="10"/>
-          </p:nvPr>
-        </p:nvSpPr>
-        <p:spPr/>
-        <p:txBody>
-          <a:bodyPr/>
-          <a:lstStyle/>
-          <a:p>
-            <a:fld id="{2FED7D95-5DED-40EF-B90D-C1D8560E7860}" type="slidenum">
-              <a:rPr lang="pl-PL" smtClean="0"/>
-              <a:pPr/>
-              <a:t>3</a:t>
-            </a:fld>
-            <a:endParaRPr lang="pl-PL"/>
-          </a:p>
-        </p:txBody>
-      </p:sp>
-    </p:spTree>
-    <p:extLst>
-      <p:ext uri="{BB962C8B-B14F-4D97-AF65-F5344CB8AC3E}">
-        <p14:creationId xmlns:p14="http://schemas.microsoft.com/office/powerpoint/2010/main" val="4025573905"/>
-      </p:ext>
-    </p:extLst>
-  </p:cSld>
-  <p:clrMapOvr>
-    <a:masterClrMapping/>
-  </p:clrMapOvr>
-</p:notes>
-</file>
-
-<file path=ppt/notesSlides/notesSlide3.xml><?xml version="1.0" encoding="utf-8"?>
-<p:notes xmlns:a="http://schemas.openxmlformats.org/drawingml/2006/main" xmlns:r="http://schemas.openxmlformats.org/officeDocument/2006/relationships" xmlns:p="http://schemas.openxmlformats.org/presentationml/2006/main">
-  <p:cSld>
-    <p:spTree>
-      <p:nvGrpSpPr>
-        <p:cNvPr id="1" name=""/>
-        <p:cNvGrpSpPr/>
-        <p:nvPr/>
-      </p:nvGrpSpPr>
-      <p:grpSpPr>
-        <a:xfrm>
-          <a:off x="0" y="0"/>
-          <a:ext cx="0" cy="0"/>
-          <a:chOff x="0" y="0"/>
-          <a:chExt cx="0" cy="0"/>
-        </a:xfrm>
-      </p:grpSpPr>
-      <p:sp>
-        <p:nvSpPr>
-          <p:cNvPr id="2" name="Slide Image Placeholder 1"/>
-          <p:cNvSpPr>
-            <a:spLocks noGrp="1" noRot="1" noChangeAspect="1"/>
-          </p:cNvSpPr>
-          <p:nvPr>
-            <p:ph type="sldImg"/>
-          </p:nvPr>
-        </p:nvSpPr>
-        <p:spPr/>
-      </p:sp>
-      <p:sp>
-        <p:nvSpPr>
-          <p:cNvPr id="3" name="Notes Placeholder 2"/>
-          <p:cNvSpPr>
-            <a:spLocks noGrp="1"/>
-          </p:cNvSpPr>
-          <p:nvPr>
-            <p:ph type="body" idx="1"/>
-          </p:nvPr>
-        </p:nvSpPr>
-        <p:spPr/>
-        <p:txBody>
-          <a:bodyPr>
-            <a:normAutofit/>
-          </a:bodyPr>
-          <a:lstStyle/>
-          <a:p>
-            <a:r>
-              <a:rPr lang="en-US" sz="1200" b="0" kern="1200" dirty="0">
-                <a:solidFill>
-                  <a:schemeClr val="tx1"/>
-                </a:solidFill>
-                <a:effectLst/>
-                <a:latin typeface="+mn-lt"/>
-                <a:ea typeface="+mn-ea"/>
-                <a:cs typeface="+mn-cs"/>
-              </a:rPr>
-              <a:t>Going beyond the smart factory realm, a similar concept may be used to make any general-purpose entities interoperable. Finally, we get cyber-physical systems where a variety of entities may be aggregated into distributed information processing solutions. In this case, we are opening the public connectivity domain, which requires a globally scoped infrastructure, i.e. the Internet. </a:t>
-            </a:r>
-            <a:endParaRPr lang="pl-PL" sz="1200" b="0" kern="1200" dirty="0">
-              <a:solidFill>
-                <a:schemeClr val="tx1"/>
-              </a:solidFill>
-              <a:effectLst/>
-              <a:latin typeface="+mn-lt"/>
-              <a:ea typeface="+mn-ea"/>
-              <a:cs typeface="+mn-cs"/>
-            </a:endParaRPr>
-          </a:p>
-          <a:p>
-            <a:br>
-              <a:rPr lang="en-US" sz="1200" b="0" kern="1200" dirty="0">
-                <a:solidFill>
-                  <a:schemeClr val="tx1"/>
-                </a:solidFill>
-                <a:effectLst/>
-                <a:latin typeface="+mn-lt"/>
-                <a:ea typeface="+mn-ea"/>
-                <a:cs typeface="+mn-cs"/>
-              </a:rPr>
-            </a:br>
-            <a:r>
-              <a:rPr lang="en-US" sz="1200" b="0" kern="1200" dirty="0">
-                <a:solidFill>
-                  <a:schemeClr val="tx1"/>
-                </a:solidFill>
-                <a:effectLst/>
-                <a:latin typeface="+mn-lt"/>
-                <a:ea typeface="+mn-ea"/>
-                <a:cs typeface="+mn-cs"/>
-              </a:rPr>
-              <a:t>For any generic solution addressing the design of the cyber-physical system, the data holder mobility must be considered as well. Mobile data means that it may come from mobile devices or be generated in unpredictable attachment points. If the data places exposition is arbitrary it means that the data appearance must be recognized and processed as an event. A good example of this scenario is a product (e.g. hygiene goods, cosmetics, drugs, etc.) global tracking system - an application domain where the IoT term has been coined. One of the arguments for the IoT is allowing distributed yet interlinked devices, machines, and objects (data holders) to interact with each other without relying on human interaction to set-up and commission the embedded intelligence. In case any kind of mobility has to be considered, the next engineering challenge is dynamic discoverability on the network and the possibility of establishing the semantic and security contexts of the parts composing the IoT application.</a:t>
-            </a:r>
-            <a:endParaRPr lang="pl-PL" dirty="0"/>
+              <a:rPr lang="en-US" dirty="0"/>
+              <a:t>As I stressed previously, the proposal is backed by proof of concept reference implementations. Prototyping addresses Microsoft Azure cloud services as an example. The outcome has been just published on GitHub as the open-source (MIT licensed) repository. The proposed solutions have been harmonized with the more general concept called the Object-Oriented Internet.</a:t>
+            </a:r>
           </a:p>
         </p:txBody>
       </p:sp>
@@ -11297,7 +11036,7 @@
             <a:fld id="{0AFDF39F-D04E-4B9F-BFB7-9926CF8DAB9C}" type="slidenum">
               <a:rPr lang="pl-PL" smtClean="0"/>
               <a:pPr/>
-              <a:t>4</a:t>
+              <a:t>10</a:t>
             </a:fld>
             <a:endParaRPr lang="pl-PL"/>
           </a:p>
@@ -11306,7 +11045,7 @@
     </p:spTree>
     <p:extLst>
       <p:ext uri="{BB962C8B-B14F-4D97-AF65-F5344CB8AC3E}">
-        <p14:creationId xmlns:p14="http://schemas.microsoft.com/office/powerpoint/2010/main" val="2093916689"/>
+        <p14:creationId xmlns:p14="http://schemas.microsoft.com/office/powerpoint/2010/main" val="2498558775"/>
       </p:ext>
     </p:extLst>
   </p:cSld>
@@ -11316,7 +11055,7 @@
 </p:notes>
 </file>
 
-<file path=ppt/notesSlides/notesSlide4.xml><?xml version="1.0" encoding="utf-8"?>
+<file path=ppt/notesSlides/notesSlide11.xml><?xml version="1.0" encoding="utf-8"?>
 <p:notes xmlns:a="http://schemas.openxmlformats.org/drawingml/2006/main" xmlns:r="http://schemas.openxmlformats.org/officeDocument/2006/relationships" xmlns:p="http://schemas.openxmlformats.org/presentationml/2006/main">
   <p:cSld>
     <p:spTree>
@@ -11361,314 +11100,21 @@
           <a:lstStyle/>
           <a:p>
             <a:r>
-              <a:rPr lang="en-US" sz="1200" kern="1200" dirty="0">
-                <a:solidFill>
-                  <a:schemeClr val="tx1"/>
-                </a:solidFill>
-                <a:effectLst/>
-                <a:latin typeface="+mn-lt"/>
-                <a:ea typeface="+mn-ea"/>
-                <a:cs typeface="+mn-cs"/>
-              </a:rPr>
-              <a:t>As I said the machine to machine communication is a foundation for the Cyber-physical system, Industry 4.0 solutions, and Internet of Things discipline. In the case of the cyber-physical systems, a variety of entities may be aggregated into distributed information processing solutions. In this case, we are opening the public connectivity domain, which requires the Internet as a globally scoped communication infrastructure. Parties interconnected over any network require special precautions that must be taken against malicious users to assure the best possible level of security. To address this security demand suitable protection methods may be applied to</a:t>
-            </a:r>
-            <a:r>
-              <a:rPr lang="pl-PL" sz="1200" kern="1200" dirty="0">
-                <a:solidFill>
-                  <a:schemeClr val="tx1"/>
-                </a:solidFill>
-                <a:effectLst/>
-                <a:latin typeface="+mn-lt"/>
-                <a:ea typeface="+mn-ea"/>
-                <a:cs typeface="+mn-cs"/>
-              </a:rPr>
-              <a:t> </a:t>
-            </a:r>
-            <a:r>
-              <a:rPr lang="en-US" sz="1200" kern="1200" dirty="0">
-                <a:solidFill>
-                  <a:schemeClr val="tx1"/>
-                </a:solidFill>
-                <a:effectLst/>
-                <a:latin typeface="+mn-lt"/>
-                <a:ea typeface="+mn-ea"/>
-                <a:cs typeface="+mn-cs"/>
-              </a:rPr>
-              <a:t>network traffic </a:t>
-            </a:r>
-            <a:r>
-              <a:rPr lang="pl-PL" sz="1200" kern="1200" dirty="0">
-                <a:solidFill>
-                  <a:schemeClr val="tx1"/>
-                </a:solidFill>
-                <a:effectLst/>
-                <a:latin typeface="+mn-lt"/>
-                <a:ea typeface="+mn-ea"/>
-                <a:cs typeface="+mn-cs"/>
-              </a:rPr>
-              <a:t> and </a:t>
-            </a:r>
-            <a:r>
-              <a:rPr lang="en-US" sz="1200" kern="1200" dirty="0">
-                <a:solidFill>
-                  <a:schemeClr val="tx1"/>
-                </a:solidFill>
-                <a:effectLst/>
-                <a:latin typeface="+mn-lt"/>
-                <a:ea typeface="+mn-ea"/>
-                <a:cs typeface="+mn-cs"/>
-              </a:rPr>
-              <a:t>data transfer object</a:t>
-            </a:r>
-            <a:r>
-              <a:rPr lang="pl-PL" sz="1200" kern="1200" dirty="0">
-                <a:solidFill>
-                  <a:schemeClr val="tx1"/>
-                </a:solidFill>
-                <a:effectLst/>
-                <a:latin typeface="+mn-lt"/>
-                <a:ea typeface="+mn-ea"/>
-                <a:cs typeface="+mn-cs"/>
-              </a:rPr>
-              <a:t>.</a:t>
-            </a:r>
-          </a:p>
-          <a:p>
-            <a:endParaRPr lang="en-US" sz="1200" kern="1200" dirty="0">
-              <a:solidFill>
-                <a:schemeClr val="tx1"/>
-              </a:solidFill>
-              <a:effectLst/>
-              <a:latin typeface="+mn-lt"/>
-              <a:ea typeface="+mn-ea"/>
-              <a:cs typeface="+mn-cs"/>
-            </a:endParaRPr>
-          </a:p>
-          <a:p>
-            <a:pPr marL="0" indent="0">
-              <a:buFont typeface="Arial" panose="020B0604020202020204" pitchFamily="34" charset="0"/>
-              <a:buNone/>
-            </a:pPr>
-            <a:r>
-              <a:rPr lang="pl-PL" sz="1200" kern="1200" dirty="0">
-                <a:solidFill>
-                  <a:schemeClr val="tx1"/>
-                </a:solidFill>
-                <a:effectLst/>
-                <a:latin typeface="+mn-lt"/>
-                <a:ea typeface="+mn-ea"/>
-                <a:cs typeface="+mn-cs"/>
-              </a:rPr>
-              <a:t>For </a:t>
-            </a:r>
-            <a:r>
-              <a:rPr lang="en-US" sz="1200" kern="1200" dirty="0">
-                <a:solidFill>
-                  <a:schemeClr val="tx1"/>
-                </a:solidFill>
-                <a:effectLst/>
-                <a:latin typeface="+mn-lt"/>
-                <a:ea typeface="+mn-ea"/>
-                <a:cs typeface="+mn-cs"/>
-              </a:rPr>
-              <a:t>network traffic  it is accomplished using intermediary devices to enforce traffic selective availability based on security rules against unauthorized access,</a:t>
-            </a:r>
-          </a:p>
-          <a:p>
-            <a:pPr marL="0" indent="0">
-              <a:buFont typeface="Arial" panose="020B0604020202020204" pitchFamily="34" charset="0"/>
-              <a:buNone/>
-            </a:pPr>
-            <a:r>
-              <a:rPr lang="pl-PL" sz="1200" kern="1200" dirty="0">
-                <a:solidFill>
-                  <a:schemeClr val="tx1"/>
-                </a:solidFill>
-                <a:effectLst/>
-                <a:latin typeface="+mn-lt"/>
-                <a:ea typeface="+mn-ea"/>
-                <a:cs typeface="+mn-cs"/>
-              </a:rPr>
-              <a:t>For the </a:t>
-            </a:r>
-            <a:r>
-              <a:rPr lang="en-US" sz="1200" kern="1200" dirty="0">
-                <a:solidFill>
-                  <a:schemeClr val="tx1"/>
-                </a:solidFill>
-                <a:effectLst/>
-                <a:latin typeface="+mn-lt"/>
-                <a:ea typeface="+mn-ea"/>
-                <a:cs typeface="+mn-cs"/>
-              </a:rPr>
-              <a:t>data transfer object (</a:t>
-            </a:r>
-            <a:r>
-              <a:rPr lang="en-US" sz="1200" kern="1200" noProof="0" dirty="0">
-                <a:solidFill>
-                  <a:schemeClr val="tx1"/>
-                </a:solidFill>
-                <a:effectLst/>
-                <a:latin typeface="+mn-lt"/>
-                <a:ea typeface="+mn-ea"/>
-                <a:cs typeface="+mn-cs"/>
-              </a:rPr>
-              <a:t>simplifying</a:t>
-            </a:r>
-            <a:r>
-              <a:rPr lang="pl-PL" sz="1200" kern="1200" dirty="0">
-                <a:solidFill>
-                  <a:schemeClr val="tx1"/>
-                </a:solidFill>
-                <a:effectLst/>
-                <a:latin typeface="+mn-lt"/>
-                <a:ea typeface="+mn-ea"/>
-                <a:cs typeface="+mn-cs"/>
-              </a:rPr>
-              <a:t> data on the </a:t>
-            </a:r>
-            <a:r>
-              <a:rPr lang="en-US" sz="1200" kern="1200" noProof="0" dirty="0">
-                <a:solidFill>
-                  <a:schemeClr val="tx1"/>
-                </a:solidFill>
-                <a:effectLst/>
-                <a:latin typeface="+mn-lt"/>
-                <a:ea typeface="+mn-ea"/>
-                <a:cs typeface="+mn-cs"/>
-              </a:rPr>
-              <a:t>wire</a:t>
-            </a:r>
-            <a:r>
-              <a:rPr lang="en-US" sz="1200" kern="1200" dirty="0">
-                <a:solidFill>
-                  <a:schemeClr val="tx1"/>
-                </a:solidFill>
-                <a:effectLst/>
-                <a:latin typeface="+mn-lt"/>
-                <a:ea typeface="+mn-ea"/>
-                <a:cs typeface="+mn-cs"/>
-              </a:rPr>
-              <a:t>) </a:t>
-            </a:r>
-            <a:r>
-              <a:rPr lang="pl-PL" sz="1200" kern="1200" dirty="0">
-                <a:solidFill>
-                  <a:schemeClr val="tx1"/>
-                </a:solidFill>
-                <a:effectLst/>
-                <a:latin typeface="+mn-lt"/>
-                <a:ea typeface="+mn-ea"/>
-                <a:cs typeface="+mn-cs"/>
-              </a:rPr>
-              <a:t>i</a:t>
-            </a:r>
-            <a:r>
-              <a:rPr lang="en-US" sz="1200" kern="1200" dirty="0">
-                <a:solidFill>
-                  <a:schemeClr val="tx1"/>
-                </a:solidFill>
-                <a:effectLst/>
-                <a:latin typeface="+mn-lt"/>
-                <a:ea typeface="+mn-ea"/>
-                <a:cs typeface="+mn-cs"/>
-              </a:rPr>
-              <a:t>t is accomplished using cipher algorithms against bitstreams formatted as a message traversing the network and containing process data.</a:t>
-            </a:r>
-            <a:endParaRPr lang="pl-PL" sz="1200" kern="1200" dirty="0">
-              <a:solidFill>
-                <a:schemeClr val="tx1"/>
-              </a:solidFill>
-              <a:effectLst/>
-              <a:latin typeface="+mn-lt"/>
-              <a:ea typeface="+mn-ea"/>
-              <a:cs typeface="+mn-cs"/>
-            </a:endParaRPr>
-          </a:p>
-          <a:p>
-            <a:pPr marL="171450" indent="-171450">
-              <a:buFont typeface="Arial" panose="020B0604020202020204" pitchFamily="34" charset="0"/>
-              <a:buChar char="•"/>
-            </a:pPr>
-            <a:endParaRPr lang="pl-PL" sz="1200" kern="1200" dirty="0">
-              <a:solidFill>
-                <a:schemeClr val="tx1"/>
-              </a:solidFill>
-              <a:effectLst/>
-              <a:latin typeface="+mn-lt"/>
-              <a:ea typeface="+mn-ea"/>
-              <a:cs typeface="+mn-cs"/>
-            </a:endParaRPr>
-          </a:p>
-          <a:p>
-            <a:pPr marL="0" marR="0" lvl="0" indent="0" algn="l" defTabSz="914400" rtl="0" eaLnBrk="1" fontAlgn="auto" latinLnBrk="0" hangingPunct="1">
-              <a:lnSpc>
-                <a:spcPct val="100000"/>
-              </a:lnSpc>
-              <a:spcBef>
-                <a:spcPts val="0"/>
-              </a:spcBef>
-              <a:spcAft>
-                <a:spcPts val="0"/>
-              </a:spcAft>
-              <a:buClrTx/>
-              <a:buSzTx/>
-              <a:buFont typeface="Arial" panose="020B0604020202020204" pitchFamily="34" charset="0"/>
-              <a:buNone/>
-              <a:tabLst/>
-              <a:defRPr/>
-            </a:pPr>
-            <a:r>
-              <a:rPr lang="en-US" sz="1200" b="0" kern="1200" dirty="0">
-                <a:solidFill>
-                  <a:schemeClr val="tx1"/>
-                </a:solidFill>
-                <a:effectLst/>
-                <a:latin typeface="+mn-lt"/>
-                <a:ea typeface="+mn-ea"/>
-                <a:cs typeface="+mn-cs"/>
-              </a:rPr>
-              <a:t>The integration of a cyber-physical system using multi-vendor products requires that M2M communication must employ international standards as the interoperability foundation.</a:t>
-            </a:r>
-            <a:r>
-              <a:rPr lang="pl-PL" sz="1200" b="0" kern="1200" dirty="0">
-                <a:solidFill>
-                  <a:schemeClr val="tx1"/>
-                </a:solidFill>
-                <a:effectLst/>
-                <a:latin typeface="+mn-lt"/>
-                <a:ea typeface="+mn-ea"/>
-                <a:cs typeface="+mn-cs"/>
-              </a:rPr>
-              <a:t> </a:t>
-            </a:r>
-            <a:r>
-              <a:rPr lang="en-US" sz="1200" b="0" kern="1200" dirty="0">
-                <a:solidFill>
-                  <a:schemeClr val="tx1"/>
-                </a:solidFill>
-                <a:effectLst/>
-                <a:latin typeface="+mn-lt"/>
-                <a:ea typeface="+mn-ea"/>
-                <a:cs typeface="+mn-cs"/>
-              </a:rPr>
-              <a:t>To address the industry requirements we need meaningful communication without programming. This feature is coined as plug and produce.</a:t>
-            </a:r>
-          </a:p>
-          <a:p>
-            <a:pPr marL="171450" indent="-171450">
-              <a:buFont typeface="Arial" panose="020B0604020202020204" pitchFamily="34" charset="0"/>
-              <a:buChar char="•"/>
-            </a:pPr>
-            <a:endParaRPr lang="en-US" sz="1200" kern="1200" dirty="0">
-              <a:solidFill>
-                <a:schemeClr val="tx1"/>
-              </a:solidFill>
-              <a:effectLst/>
-              <a:latin typeface="+mn-lt"/>
-              <a:ea typeface="+mn-ea"/>
-              <a:cs typeface="+mn-cs"/>
-            </a:endParaRPr>
+              <a:rPr lang="en-US" dirty="0"/>
+              <a:t>We believe or even claim that the proposed architecture can be applied to any type of cyber-physical network. This diagram presents possible options but the detailed description you can find in the independent publication. Just simplifying, we must select between interactive (based on the client-server relationship) and reactive (based on the publisher-subscriber relationship) applications archetypes. Both must be recognized as not compliant environments therefore to conduct any prototyping we must select one of them. We selected reactive interoperability (yellow box) based on the OPC Unified Architecture </a:t>
+            </a:r>
+            <a:r>
+              <a:rPr lang="en-US" dirty="0" err="1"/>
+              <a:t>PubSub</a:t>
+            </a:r>
+            <a:r>
+              <a:rPr lang="en-US" dirty="0"/>
+              <a:t> international standard that relaxes problems related to the real-time multi-vendor environment, network traffic asymmetry, and data holder mobility.</a:t>
+            </a:r>
+            <a:endParaRPr lang="pl-PL" dirty="0"/>
+          </a:p>
+          <a:p>
+            <a:endParaRPr lang="en-US" dirty="0"/>
           </a:p>
         </p:txBody>
       </p:sp>
@@ -11690,7 +11136,7 @@
             <a:fld id="{0AFDF39F-D04E-4B9F-BFB7-9926CF8DAB9C}" type="slidenum">
               <a:rPr lang="pl-PL" smtClean="0"/>
               <a:pPr/>
-              <a:t>5</a:t>
+              <a:t>11</a:t>
             </a:fld>
             <a:endParaRPr lang="pl-PL"/>
           </a:p>
@@ -11699,7 +11145,7 @@
     </p:spTree>
     <p:extLst>
       <p:ext uri="{BB962C8B-B14F-4D97-AF65-F5344CB8AC3E}">
-        <p14:creationId xmlns:p14="http://schemas.microsoft.com/office/powerpoint/2010/main" val="369401704"/>
+        <p14:creationId xmlns:p14="http://schemas.microsoft.com/office/powerpoint/2010/main" val="2958831058"/>
       </p:ext>
     </p:extLst>
   </p:cSld>
@@ -11709,7 +11155,7 @@
 </p:notes>
 </file>
 
-<file path=ppt/notesSlides/notesSlide5.xml><?xml version="1.0" encoding="utf-8"?>
+<file path=ppt/notesSlides/notesSlide12.xml><?xml version="1.0" encoding="utf-8"?>
 <p:notes xmlns:a="http://schemas.openxmlformats.org/drawingml/2006/main" xmlns:r="http://schemas.openxmlformats.org/officeDocument/2006/relationships" xmlns:p="http://schemas.openxmlformats.org/presentationml/2006/main">
   <p:cSld>
     <p:spTree>
@@ -11779,7 +11225,7 @@
             <a:fld id="{0AFDF39F-D04E-4B9F-BFB7-9926CF8DAB9C}" type="slidenum">
               <a:rPr lang="pl-PL" smtClean="0"/>
               <a:pPr/>
-              <a:t>11</a:t>
+              <a:t>12</a:t>
             </a:fld>
             <a:endParaRPr lang="pl-PL"/>
           </a:p>
@@ -11798,7 +11244,7 @@
 </p:notes>
 </file>
 
-<file path=ppt/notesSlides/notesSlide6.xml><?xml version="1.0" encoding="utf-8"?>
+<file path=ppt/notesSlides/notesSlide13.xml><?xml version="1.0" encoding="utf-8"?>
 <p:notes xmlns:a="http://schemas.openxmlformats.org/drawingml/2006/main" xmlns:r="http://schemas.openxmlformats.org/officeDocument/2006/relationships" xmlns:p="http://schemas.openxmlformats.org/presentationml/2006/main">
   <p:cSld>
     <p:spTree>
@@ -11842,6 +11288,23 @@
           <a:bodyPr/>
           <a:lstStyle/>
           <a:p>
+            <a:pPr marL="0" marR="0" lvl="0" indent="0" algn="l" defTabSz="914400" rtl="0" eaLnBrk="1" fontAlgn="auto" latinLnBrk="0" hangingPunct="1">
+              <a:lnSpc>
+                <a:spcPct val="100000"/>
+              </a:lnSpc>
+              <a:spcBef>
+                <a:spcPts val="0"/>
+              </a:spcBef>
+              <a:spcAft>
+                <a:spcPts val="0"/>
+              </a:spcAft>
+              <a:buClrTx/>
+              <a:buSzTx/>
+              <a:buFontTx/>
+              <a:buNone/>
+              <a:tabLst/>
+              <a:defRPr/>
+            </a:pPr>
             <a:r>
               <a:rPr lang="en-US" b="0" dirty="0">
                 <a:solidFill>
@@ -11850,7 +11313,7 @@
                 <a:effectLst/>
                 <a:latin typeface="Consolas" panose="020B0609020204030204" pitchFamily="49" charset="0"/>
               </a:rPr>
-              <a:t>Implementation contains two major components, namely </a:t>
+              <a:t>To start prototyping we did use a library called </a:t>
             </a:r>
             <a:r>
               <a:rPr lang="en-US" b="0" dirty="0" err="1">
@@ -11860,7 +11323,7 @@
                 <a:effectLst/>
                 <a:latin typeface="Consolas" panose="020B0609020204030204" pitchFamily="49" charset="0"/>
               </a:rPr>
-              <a:t>CommunicationContext</a:t>
+              <a:t>UAOOI.Networking.SemanticData</a:t>
             </a:r>
             <a:r>
               <a:rPr lang="en-US" b="0" dirty="0">
@@ -11870,191 +11333,7 @@
                 <a:effectLst/>
                 <a:latin typeface="Consolas" panose="020B0609020204030204" pitchFamily="49" charset="0"/>
               </a:rPr>
-              <a:t> and </a:t>
-            </a:r>
-            <a:r>
-              <a:rPr lang="en-US" b="0" dirty="0" err="1">
-                <a:solidFill>
-                  <a:srgbClr val="000000"/>
-                </a:solidFill>
-                <a:effectLst/>
-                <a:latin typeface="Consolas" panose="020B0609020204030204" pitchFamily="49" charset="0"/>
-              </a:rPr>
-              <a:t>PartBindingFactory</a:t>
-            </a:r>
-            <a:r>
-              <a:rPr lang="en-US" b="0" dirty="0">
-                <a:solidFill>
-                  <a:srgbClr val="000000"/>
-                </a:solidFill>
-                <a:effectLst/>
-                <a:latin typeface="Consolas" panose="020B0609020204030204" pitchFamily="49" charset="0"/>
-              </a:rPr>
-              <a:t>.</a:t>
-            </a:r>
-          </a:p>
-          <a:p>
-            <a:br>
-              <a:rPr lang="en-US" b="0" dirty="0">
-                <a:solidFill>
-                  <a:srgbClr val="000000"/>
-                </a:solidFill>
-                <a:effectLst/>
-                <a:latin typeface="Consolas" panose="020B0609020204030204" pitchFamily="49" charset="0"/>
-              </a:rPr>
-            </a:br>
-            <a:r>
-              <a:rPr lang="en-US" b="0" dirty="0" err="1">
-                <a:solidFill>
-                  <a:srgbClr val="000000"/>
-                </a:solidFill>
-                <a:effectLst/>
-                <a:latin typeface="Consolas" panose="020B0609020204030204" pitchFamily="49" charset="0"/>
-              </a:rPr>
-              <a:t>PartBindingFactory</a:t>
-            </a:r>
-            <a:r>
-              <a:rPr lang="en-US" b="0" dirty="0">
-                <a:solidFill>
-                  <a:srgbClr val="000000"/>
-                </a:solidFill>
-                <a:effectLst/>
-                <a:latin typeface="Consolas" panose="020B0609020204030204" pitchFamily="49" charset="0"/>
-              </a:rPr>
-              <a:t> is responsible to group and processing the data recovered from the messages exchanged over the network. Integrating these two different environments we must assume that metadata used to describe the data exchanged over the cyber-physical networks and the data exposed by the cloud solution are not compliant. For example, to be compliant with the specification the cyber-physical data exchange must be described using encoding required by the OPC Unified Architecture spec defined in parts 6 and 14 that offer a few incompatible alternatives. On the other hand, the cloud solution metadata may be described using Digital Tween Description Language that is also not stable. In other words, these two environment uses different domain-specific languages to describe syntax and semantics of the same process data. Therefore, based on the bitstreams meaning this class of the gateway must be also responsible to provide mapping at run time. The result of the mapping is converted to Data Transfer Object using JSON serialization. This Data Transfer object factoring mechanism must be conducted every time new data is to be sent to the cloud, but behavior implementation of the mapping may be considered as the design-time activity in a typical case.</a:t>
-            </a:r>
-          </a:p>
-          <a:p>
-            <a:br>
-              <a:rPr lang="en-US" b="0" dirty="0">
-                <a:solidFill>
-                  <a:srgbClr val="000000"/>
-                </a:solidFill>
-                <a:effectLst/>
-                <a:latin typeface="Consolas" panose="020B0609020204030204" pitchFamily="49" charset="0"/>
-              </a:rPr>
-            </a:br>
-            <a:r>
-              <a:rPr lang="en-US" b="0" dirty="0" err="1">
-                <a:solidFill>
-                  <a:srgbClr val="000000"/>
-                </a:solidFill>
-                <a:effectLst/>
-                <a:latin typeface="Consolas" panose="020B0609020204030204" pitchFamily="49" charset="0"/>
-              </a:rPr>
-              <a:t>CommunicationContext</a:t>
-            </a:r>
-            <a:r>
-              <a:rPr lang="en-US" b="0" dirty="0">
-                <a:solidFill>
-                  <a:srgbClr val="000000"/>
-                </a:solidFill>
-                <a:effectLst/>
-                <a:latin typeface="Consolas" panose="020B0609020204030204" pitchFamily="49" charset="0"/>
-              </a:rPr>
-              <a:t> class sends the factored Data Transfer Objects using a communication channel established in advance. The Data Transfer Object is retrieved from the </a:t>
-            </a:r>
-            <a:r>
-              <a:rPr lang="en-US" b="0" dirty="0" err="1">
-                <a:solidFill>
-                  <a:srgbClr val="000000"/>
-                </a:solidFill>
-                <a:effectLst/>
-                <a:latin typeface="Consolas" panose="020B0609020204030204" pitchFamily="49" charset="0"/>
-              </a:rPr>
-              <a:t>PartBindingFactory</a:t>
-            </a:r>
-            <a:r>
-              <a:rPr lang="en-US" b="0" dirty="0">
-                <a:solidFill>
-                  <a:srgbClr val="000000"/>
-                </a:solidFill>
-                <a:effectLst/>
-                <a:latin typeface="Consolas" panose="020B0609020204030204" pitchFamily="49" charset="0"/>
-              </a:rPr>
-              <a:t> using the </a:t>
-            </a:r>
-            <a:r>
-              <a:rPr lang="en-US" b="0" dirty="0" err="1">
-                <a:solidFill>
-                  <a:srgbClr val="000000"/>
-                </a:solidFill>
-                <a:effectLst/>
-                <a:latin typeface="Consolas" panose="020B0609020204030204" pitchFamily="49" charset="0"/>
-              </a:rPr>
-              <a:t>IDTOProvider</a:t>
-            </a:r>
-            <a:r>
-              <a:rPr lang="en-US" b="0" dirty="0">
-                <a:solidFill>
-                  <a:srgbClr val="000000"/>
-                </a:solidFill>
-                <a:effectLst/>
-                <a:latin typeface="Consolas" panose="020B0609020204030204" pitchFamily="49" charset="0"/>
-              </a:rPr>
-              <a:t> interface.</a:t>
-            </a:r>
-          </a:p>
-          <a:p>
-            <a:br>
-              <a:rPr lang="en-US" b="0" dirty="0">
-                <a:solidFill>
-                  <a:srgbClr val="000000"/>
-                </a:solidFill>
-                <a:effectLst/>
-                <a:latin typeface="Consolas" panose="020B0609020204030204" pitchFamily="49" charset="0"/>
-              </a:rPr>
-            </a:br>
-            <a:r>
-              <a:rPr lang="en-US" b="0" dirty="0">
-                <a:solidFill>
-                  <a:srgbClr val="000000"/>
-                </a:solidFill>
-                <a:effectLst/>
-                <a:latin typeface="Consolas" panose="020B0609020204030204" pitchFamily="49" charset="0"/>
-              </a:rPr>
-              <a:t>The </a:t>
-            </a:r>
-            <a:r>
-              <a:rPr lang="en-US" b="0" dirty="0" err="1">
-                <a:solidFill>
-                  <a:srgbClr val="000000"/>
-                </a:solidFill>
-                <a:effectLst/>
-                <a:latin typeface="Consolas" panose="020B0609020204030204" pitchFamily="49" charset="0"/>
-              </a:rPr>
-              <a:t>CommunicationContext</a:t>
-            </a:r>
-            <a:r>
-              <a:rPr lang="en-US" b="0" dirty="0">
-                <a:solidFill>
-                  <a:srgbClr val="000000"/>
-                </a:solidFill>
-                <a:effectLst/>
-                <a:latin typeface="Consolas" panose="020B0609020204030204" pitchFamily="49" charset="0"/>
-              </a:rPr>
-              <a:t> maintains the data transfer channel with the cloud services using a well-known state machine pattern. It is responsible for protocols stack selection, authentication, and autorotation of a session created to establish a communication channel. The encoded JSON messages must be transferred to the cloud over the network using the selected protocol stack. The Azure supports HTTP, AMQP, and MQTT protocol stacks, which are all standard ones. It means that they have appropriate specification documentation. Consequently, it is possible to apply any available implementation compliant with an appropriate specification to achieve connectivity. In this case, all parameters required to establish connectivity and security contexts are up to the gateway's responsibility. Alternatively, the API offered by the dedicated frameworks (libraries) may be used. Using a framework, the configuration process may be reduced significantly, and the communication protocol selection has only an indirect impact on the interoperability features. In the proposed implementation, the Azure interconnection has been obtained using the above-mentioned frameworks.</a:t>
-            </a:r>
-          </a:p>
-          <a:p>
-            <a:br>
-              <a:rPr lang="en-US" b="0" dirty="0">
-                <a:solidFill>
-                  <a:srgbClr val="000000"/>
-                </a:solidFill>
-                <a:effectLst/>
-                <a:latin typeface="Consolas" panose="020B0609020204030204" pitchFamily="49" charset="0"/>
-              </a:rPr>
-            </a:br>
-            <a:r>
-              <a:rPr lang="en-US" b="0" dirty="0">
-                <a:solidFill>
-                  <a:srgbClr val="000000"/>
-                </a:solidFill>
-                <a:effectLst/>
-                <a:latin typeface="Consolas" panose="020B0609020204030204" pitchFamily="49" charset="0"/>
-              </a:rPr>
-              <a:t>Azure and </a:t>
+              <a:t> - networking for short. This library offers a generic implementation of the mentioned OPC Unified Architecture </a:t>
             </a:r>
             <a:r>
               <a:rPr lang="en-US" b="0" dirty="0" err="1">
@@ -12074,7 +11353,7 @@
                 <a:effectLst/>
                 <a:latin typeface="Consolas" panose="020B0609020204030204" pitchFamily="49" charset="0"/>
               </a:rPr>
-              <a:t> use different security mechanisms so in the proposed solution establishing security-context is realized independently using the configuration. The </a:t>
+              <a:t> standard. It is generic because allows selecting one of the transport protocols allowed by the spec to connect the node to other nodes attached to the common cyber-physical network. Additionally, using a different implementation of the Encoding component many variants of the </a:t>
             </a:r>
             <a:r>
               <a:rPr lang="en-US" b="0" dirty="0" err="1">
@@ -12084,7 +11363,7 @@
                 <a:effectLst/>
                 <a:latin typeface="Consolas" panose="020B0609020204030204" pitchFamily="49" charset="0"/>
               </a:rPr>
-              <a:t>CommunicationContext</a:t>
+              <a:t>NetworkMessage</a:t>
             </a:r>
             <a:r>
               <a:rPr lang="en-US" b="0" dirty="0">
@@ -12094,11 +11373,33 @@
                 <a:effectLst/>
                 <a:latin typeface="Consolas" panose="020B0609020204030204" pitchFamily="49" charset="0"/>
               </a:rPr>
-              <a:t> is responsible for establishing the connectivity and security contexts at the negotiation phase.</a:t>
-            </a:r>
-          </a:p>
-          <a:p>
-            <a:endParaRPr lang="en-US" dirty="0"/>
+              <a:t> compliant with the spec are configurable and may be aggregated by the library at run-time. Encoding and underling protocol stack are responsible to support in-band machine-to-machine communication. Concluding, these composable parts are responsible to handle cyber-physical network communication.</a:t>
+            </a:r>
+          </a:p>
+          <a:p>
+            <a:endParaRPr lang="pl-PL" dirty="0"/>
+          </a:p>
+          <a:p>
+            <a:r>
+              <a:rPr lang="en-US" dirty="0"/>
+              <a:t>In the proposed solution process data binding is offered by the </a:t>
+            </a:r>
+            <a:r>
+              <a:rPr lang="en-US" dirty="0" err="1"/>
+              <a:t>DataRepository</a:t>
+            </a:r>
+            <a:r>
+              <a:rPr lang="en-US" dirty="0"/>
+              <a:t>, which implements the </a:t>
+            </a:r>
+            <a:r>
+              <a:rPr lang="en-US" dirty="0" err="1"/>
+              <a:t>IBindingFactory</a:t>
+            </a:r>
+            <a:r>
+              <a:rPr lang="en-US" dirty="0"/>
+              <a:t> interface. The  Producer and Consumer roles are derived from it to support bidirectional data exchange with the underlying real process. By design, they support access to real-time process data. Independent implementations of these roles can be composed by the Reactive Application using the dependency injection programming technique. It follows the separation of concerns programming concept.</a:t>
+            </a:r>
           </a:p>
         </p:txBody>
       </p:sp>
@@ -12120,7 +11421,7 @@
             <a:fld id="{0AFDF39F-D04E-4B9F-BFB7-9926CF8DAB9C}" type="slidenum">
               <a:rPr lang="pl-PL" smtClean="0"/>
               <a:pPr/>
-              <a:t>14</a:t>
+              <a:t>13</a:t>
             </a:fld>
             <a:endParaRPr lang="pl-PL"/>
           </a:p>
@@ -12129,7 +11430,7 @@
     </p:spTree>
     <p:extLst>
       <p:ext uri="{BB962C8B-B14F-4D97-AF65-F5344CB8AC3E}">
-        <p14:creationId xmlns:p14="http://schemas.microsoft.com/office/powerpoint/2010/main" val="640199807"/>
+        <p14:creationId xmlns:p14="http://schemas.microsoft.com/office/powerpoint/2010/main" val="1690731389"/>
       </p:ext>
     </p:extLst>
   </p:cSld>
@@ -12139,165 +11440,7 @@
 </p:notes>
 </file>
 
-<file path=ppt/notesSlides/notesSlide7.xml><?xml version="1.0" encoding="utf-8"?>
-<p:notes xmlns:a="http://schemas.openxmlformats.org/drawingml/2006/main" xmlns:r="http://schemas.openxmlformats.org/officeDocument/2006/relationships" xmlns:p="http://schemas.openxmlformats.org/presentationml/2006/main">
-  <p:cSld>
-    <p:spTree>
-      <p:nvGrpSpPr>
-        <p:cNvPr id="1" name=""/>
-        <p:cNvGrpSpPr/>
-        <p:nvPr/>
-      </p:nvGrpSpPr>
-      <p:grpSpPr>
-        <a:xfrm>
-          <a:off x="0" y="0"/>
-          <a:ext cx="0" cy="0"/>
-          <a:chOff x="0" y="0"/>
-          <a:chExt cx="0" cy="0"/>
-        </a:xfrm>
-      </p:grpSpPr>
-      <p:sp>
-        <p:nvSpPr>
-          <p:cNvPr id="2" name="Slide Image Placeholder 1"/>
-          <p:cNvSpPr>
-            <a:spLocks noGrp="1" noRot="1" noChangeAspect="1"/>
-          </p:cNvSpPr>
-          <p:nvPr>
-            <p:ph type="sldImg"/>
-          </p:nvPr>
-        </p:nvSpPr>
-        <p:spPr/>
-      </p:sp>
-      <p:sp>
-        <p:nvSpPr>
-          <p:cNvPr id="3" name="Notes Placeholder 2"/>
-          <p:cNvSpPr>
-            <a:spLocks noGrp="1"/>
-          </p:cNvSpPr>
-          <p:nvPr>
-            <p:ph type="body" idx="1"/>
-          </p:nvPr>
-        </p:nvSpPr>
-        <p:spPr/>
-        <p:txBody>
-          <a:bodyPr>
-            <a:normAutofit fontScale="92500" lnSpcReduction="10000"/>
-          </a:bodyPr>
-          <a:lstStyle/>
-          <a:p>
-            <a:r>
-              <a:rPr lang="en-US" dirty="0"/>
-              <a:t>It is a theory,  just a set of assumptions that now we can use to propose a concrete implementation meeting the community expectation. I believe that a detailed description of the implementation is not relevant to us in contrast to an analysis of how to use the proposed domain model to make strategic design decisions and functionality distribution. From the above discussion we can learn that the main design decisions must concern reusability (it means using the same part in many scenarios), flexibility, interoperability in the multi-vendor environment, and last but not least deployment without programming.</a:t>
-            </a:r>
-            <a:r>
-              <a:rPr lang="pl-PL" dirty="0"/>
-              <a:t> </a:t>
-            </a:r>
-          </a:p>
-          <a:p>
-            <a:endParaRPr lang="pl-PL" dirty="0"/>
-          </a:p>
-          <a:p>
-            <a:r>
-              <a:rPr lang="en-US" dirty="0"/>
-              <a:t>To meet these requirements the mentioned on the scree design patterns have been used. </a:t>
-            </a:r>
-            <a:endParaRPr lang="pl-PL" dirty="0"/>
-          </a:p>
-          <a:p>
-            <a:endParaRPr lang="pl-PL" dirty="0"/>
-          </a:p>
-          <a:p>
-            <a:pPr marL="171450" indent="-171450">
-              <a:buFont typeface="Arial" panose="020B0604020202020204" pitchFamily="34" charset="0"/>
-              <a:buChar char="•"/>
-            </a:pPr>
-            <a:r>
-              <a:rPr lang="en-US" dirty="0"/>
-              <a:t>Separation of concerns - to allow independent development of the parts. </a:t>
-            </a:r>
-            <a:endParaRPr lang="pl-PL" dirty="0"/>
-          </a:p>
-          <a:p>
-            <a:pPr marL="171450" indent="-171450">
-              <a:buFont typeface="Arial" panose="020B0604020202020204" pitchFamily="34" charset="0"/>
-              <a:buChar char="•"/>
-            </a:pPr>
-            <a:r>
-              <a:rPr lang="en-US" dirty="0"/>
-              <a:t>Dependency injection - to allow late binding of independently implemented parts. </a:t>
-            </a:r>
-            <a:endParaRPr lang="pl-PL" dirty="0"/>
-          </a:p>
-          <a:p>
-            <a:pPr marL="171450" indent="-171450">
-              <a:buFont typeface="Arial" panose="020B0604020202020204" pitchFamily="34" charset="0"/>
-              <a:buChar char="•"/>
-            </a:pPr>
-            <a:r>
-              <a:rPr lang="en-US" dirty="0"/>
-              <a:t>Adaptive Programming used at the development and deployment stage to improve the adaptability of the program against changing the production environment.</a:t>
-            </a:r>
-            <a:endParaRPr lang="pl-PL" dirty="0"/>
-          </a:p>
-          <a:p>
-            <a:endParaRPr lang="pl-PL" dirty="0"/>
-          </a:p>
-          <a:p>
-            <a:r>
-              <a:rPr lang="en-US" dirty="0"/>
-              <a:t>Piece by piece integration of a cyber-physical system using multi-vendor products requires that machine to machine communication employs international standards as the interoperability foundation. Following the presented conclusions, OPC Unified Architecture Part 14 </a:t>
-            </a:r>
-            <a:r>
-              <a:rPr lang="en-US" dirty="0" err="1"/>
-              <a:t>PubSub</a:t>
-            </a:r>
-            <a:r>
-              <a:rPr lang="en-US" dirty="0"/>
-              <a:t> is selected in this respect. By design, this standard should support the required publisher-subscriber communication pattern, but it covers only partially the requirements of the applications concerned. Therefore, my proposals shall be recognized as far beyond the specification scope, although they are still compliant with the standard.  Let me recall I propose to use type definitions as the principal to establish semantic and security context.  It means reusability of the Information Model concept used by the session-oriented counterpart.</a:t>
-            </a:r>
-            <a:endParaRPr lang="pl-PL" dirty="0"/>
-          </a:p>
-        </p:txBody>
-      </p:sp>
-      <p:sp>
-        <p:nvSpPr>
-          <p:cNvPr id="4" name="Slide Number Placeholder 3"/>
-          <p:cNvSpPr>
-            <a:spLocks noGrp="1"/>
-          </p:cNvSpPr>
-          <p:nvPr>
-            <p:ph type="sldNum" sz="quarter" idx="5"/>
-          </p:nvPr>
-        </p:nvSpPr>
-        <p:spPr/>
-        <p:txBody>
-          <a:bodyPr/>
-          <a:lstStyle/>
-          <a:p>
-            <a:fld id="{0AFDF39F-D04E-4B9F-BFB7-9926CF8DAB9C}" type="slidenum">
-              <a:rPr lang="pl-PL" smtClean="0"/>
-              <a:pPr/>
-              <a:t>15</a:t>
-            </a:fld>
-            <a:endParaRPr lang="pl-PL"/>
-          </a:p>
-        </p:txBody>
-      </p:sp>
-    </p:spTree>
-    <p:extLst>
-      <p:ext uri="{BB962C8B-B14F-4D97-AF65-F5344CB8AC3E}">
-        <p14:creationId xmlns:p14="http://schemas.microsoft.com/office/powerpoint/2010/main" val="3892780717"/>
-      </p:ext>
-    </p:extLst>
-  </p:cSld>
-  <p:clrMapOvr>
-    <a:masterClrMapping/>
-  </p:clrMapOvr>
-</p:notes>
-</file>
-
-<file path=ppt/notesSlides/notesSlide8.xml><?xml version="1.0" encoding="utf-8"?>
+<file path=ppt/notesSlides/notesSlide14.xml><?xml version="1.0" encoding="utf-8"?>
 <p:notes xmlns:a="http://schemas.openxmlformats.org/drawingml/2006/main" xmlns:r="http://schemas.openxmlformats.org/officeDocument/2006/relationships" xmlns:p="http://schemas.openxmlformats.org/presentationml/2006/main">
   <p:cSld>
     <p:spTree>
@@ -12341,6 +11484,581 @@
           <a:bodyPr/>
           <a:lstStyle/>
           <a:p>
+            <a:r>
+              <a:rPr lang="en-US" dirty="0"/>
+              <a:t>This diagram is derived by merging previously presented ones and removing irrelevant for further discussion members. According to this diagram, our implementation of the Consumer role has been used to provide embedded gateway functionality and out-of-band communication with cloud services to transfer data to Azure IoT Central solution. The detailed description of this Azure solution design is irrelevant for further discussion, so I will skip it.</a:t>
+            </a:r>
+            <a:endParaRPr lang="pl-PL" dirty="0"/>
+          </a:p>
+          <a:p>
+            <a:endParaRPr lang="pl-PL" dirty="0"/>
+          </a:p>
+          <a:p>
+            <a:r>
+              <a:rPr lang="en-US" dirty="0"/>
+              <a:t>The most important feature here is that the Reactive application uses late binding to compose the custom implementation of the gateway. As I said previously it allows implementation of this role even after deploying the hosting application. In other words, current Consumer implementation is injected part of the Reactive Application compliant with the OPC UA </a:t>
+            </a:r>
+            <a:r>
+              <a:rPr lang="en-US" dirty="0" err="1"/>
+              <a:t>PubSub</a:t>
+            </a:r>
+            <a:r>
+              <a:rPr lang="en-US" dirty="0"/>
+              <a:t>. Using other implementations of the Producer/Consumer roles means that a vast variety of functionality can be provided at the same time.</a:t>
+            </a:r>
+            <a:endParaRPr lang="pl-PL" dirty="0"/>
+          </a:p>
+          <a:p>
+            <a:endParaRPr lang="pl-PL" dirty="0"/>
+          </a:p>
+          <a:p>
+            <a:r>
+              <a:rPr lang="en-US" dirty="0"/>
+              <a:t>Using many different Consumer role implementations it is possible to get connected to any cloud services using out-of-band communication compliant with cloud services connectivity requirements. Our prototyping addresses only Azure interoperability as just an example.</a:t>
+            </a:r>
+            <a:endParaRPr lang="pl-PL" dirty="0"/>
+          </a:p>
+          <a:p>
+            <a:endParaRPr lang="pl-PL" dirty="0"/>
+          </a:p>
+          <a:p>
+            <a:r>
+              <a:rPr lang="en-US" dirty="0"/>
+              <a:t>It is worth stressing that the hosting application of the embedded gateway part based on the Consumer functionality is a fully functional member of the Cyber-physical Network.</a:t>
+            </a:r>
+          </a:p>
+        </p:txBody>
+      </p:sp>
+      <p:sp>
+        <p:nvSpPr>
+          <p:cNvPr id="4" name="Slide Number Placeholder 3"/>
+          <p:cNvSpPr>
+            <a:spLocks noGrp="1"/>
+          </p:cNvSpPr>
+          <p:nvPr>
+            <p:ph type="sldNum" sz="quarter" idx="5"/>
+          </p:nvPr>
+        </p:nvSpPr>
+        <p:spPr/>
+        <p:txBody>
+          <a:bodyPr/>
+          <a:lstStyle/>
+          <a:p>
+            <a:fld id="{0AFDF39F-D04E-4B9F-BFB7-9926CF8DAB9C}" type="slidenum">
+              <a:rPr lang="pl-PL" smtClean="0"/>
+              <a:pPr/>
+              <a:t>14</a:t>
+            </a:fld>
+            <a:endParaRPr lang="pl-PL"/>
+          </a:p>
+        </p:txBody>
+      </p:sp>
+    </p:spTree>
+    <p:extLst>
+      <p:ext uri="{BB962C8B-B14F-4D97-AF65-F5344CB8AC3E}">
+        <p14:creationId xmlns:p14="http://schemas.microsoft.com/office/powerpoint/2010/main" val="848425976"/>
+      </p:ext>
+    </p:extLst>
+  </p:cSld>
+  <p:clrMapOvr>
+    <a:masterClrMapping/>
+  </p:clrMapOvr>
+</p:notes>
+</file>
+
+<file path=ppt/notesSlides/notesSlide15.xml><?xml version="1.0" encoding="utf-8"?>
+<p:notes xmlns:a="http://schemas.openxmlformats.org/drawingml/2006/main" xmlns:r="http://schemas.openxmlformats.org/officeDocument/2006/relationships" xmlns:p="http://schemas.openxmlformats.org/presentationml/2006/main">
+  <p:cSld>
+    <p:spTree>
+      <p:nvGrpSpPr>
+        <p:cNvPr id="1" name=""/>
+        <p:cNvGrpSpPr/>
+        <p:nvPr/>
+      </p:nvGrpSpPr>
+      <p:grpSpPr>
+        <a:xfrm>
+          <a:off x="0" y="0"/>
+          <a:ext cx="0" cy="0"/>
+          <a:chOff x="0" y="0"/>
+          <a:chExt cx="0" cy="0"/>
+        </a:xfrm>
+      </p:grpSpPr>
+      <p:sp>
+        <p:nvSpPr>
+          <p:cNvPr id="2" name="Slide Image Placeholder 1"/>
+          <p:cNvSpPr>
+            <a:spLocks noGrp="1" noRot="1" noChangeAspect="1"/>
+          </p:cNvSpPr>
+          <p:nvPr>
+            <p:ph type="sldImg"/>
+          </p:nvPr>
+        </p:nvSpPr>
+        <p:spPr/>
+      </p:sp>
+      <p:sp>
+        <p:nvSpPr>
+          <p:cNvPr id="3" name="Notes Placeholder 2"/>
+          <p:cNvSpPr>
+            <a:spLocks noGrp="1"/>
+          </p:cNvSpPr>
+          <p:nvPr>
+            <p:ph type="body" idx="1"/>
+          </p:nvPr>
+        </p:nvSpPr>
+        <p:spPr/>
+        <p:txBody>
+          <a:bodyPr>
+            <a:normAutofit fontScale="55000" lnSpcReduction="20000"/>
+          </a:bodyPr>
+          <a:lstStyle/>
+          <a:p>
+            <a:r>
+              <a:rPr lang="en-US" b="0" dirty="0">
+                <a:solidFill>
+                  <a:srgbClr val="000000"/>
+                </a:solidFill>
+                <a:effectLst/>
+                <a:latin typeface="Consolas" panose="020B0609020204030204" pitchFamily="49" charset="0"/>
+              </a:rPr>
+              <a:t>Implementation contains two major components, namely </a:t>
+            </a:r>
+            <a:r>
+              <a:rPr lang="en-US" b="0" dirty="0" err="1">
+                <a:solidFill>
+                  <a:srgbClr val="000000"/>
+                </a:solidFill>
+                <a:effectLst/>
+                <a:latin typeface="Consolas" panose="020B0609020204030204" pitchFamily="49" charset="0"/>
+              </a:rPr>
+              <a:t>CommunicationContext</a:t>
+            </a:r>
+            <a:r>
+              <a:rPr lang="en-US" b="0" dirty="0">
+                <a:solidFill>
+                  <a:srgbClr val="000000"/>
+                </a:solidFill>
+                <a:effectLst/>
+                <a:latin typeface="Consolas" panose="020B0609020204030204" pitchFamily="49" charset="0"/>
+              </a:rPr>
+              <a:t> and </a:t>
+            </a:r>
+            <a:r>
+              <a:rPr lang="en-US" b="0" dirty="0" err="1">
+                <a:solidFill>
+                  <a:srgbClr val="000000"/>
+                </a:solidFill>
+                <a:effectLst/>
+                <a:latin typeface="Consolas" panose="020B0609020204030204" pitchFamily="49" charset="0"/>
+              </a:rPr>
+              <a:t>PartBindingFactory</a:t>
+            </a:r>
+            <a:r>
+              <a:rPr lang="en-US" b="0" dirty="0">
+                <a:solidFill>
+                  <a:srgbClr val="000000"/>
+                </a:solidFill>
+                <a:effectLst/>
+                <a:latin typeface="Consolas" panose="020B0609020204030204" pitchFamily="49" charset="0"/>
+              </a:rPr>
+              <a:t>.</a:t>
+            </a:r>
+          </a:p>
+          <a:p>
+            <a:br>
+              <a:rPr lang="en-US" b="0" dirty="0">
+                <a:solidFill>
+                  <a:srgbClr val="000000"/>
+                </a:solidFill>
+                <a:effectLst/>
+                <a:latin typeface="Consolas" panose="020B0609020204030204" pitchFamily="49" charset="0"/>
+              </a:rPr>
+            </a:br>
+            <a:r>
+              <a:rPr lang="en-US" b="0" dirty="0" err="1">
+                <a:solidFill>
+                  <a:srgbClr val="000000"/>
+                </a:solidFill>
+                <a:effectLst/>
+                <a:latin typeface="Consolas" panose="020B0609020204030204" pitchFamily="49" charset="0"/>
+              </a:rPr>
+              <a:t>PartBindingFactory</a:t>
+            </a:r>
+            <a:r>
+              <a:rPr lang="en-US" b="0" dirty="0">
+                <a:solidFill>
+                  <a:srgbClr val="000000"/>
+                </a:solidFill>
+                <a:effectLst/>
+                <a:latin typeface="Consolas" panose="020B0609020204030204" pitchFamily="49" charset="0"/>
+              </a:rPr>
+              <a:t> is responsible for grouping and processing the data recovered from the messages exchanged over the network. Integrating these two different environments we must assume that metadata used to describe the data exchanged over the cyber-physical networks and the data exposed by the cloud solution are not compliant. For example, to be compliant with the specification the cyber-physical data exchange must be described using encoding required by the OPC Unified Architecture spec defined in parts 6 and 14 that offer a few incompatible alternatives. On the other hand, the cloud solution metadata may be described using Digital Tween Description Language that is also not stable. In other words, these two environments use different domain-specific languages to describe the syntax and semantics of the same process data.</a:t>
+            </a:r>
+            <a:endParaRPr lang="pl-PL" b="0" dirty="0">
+              <a:solidFill>
+                <a:srgbClr val="000000"/>
+              </a:solidFill>
+              <a:effectLst/>
+              <a:latin typeface="Consolas" panose="020B0609020204030204" pitchFamily="49" charset="0"/>
+            </a:endParaRPr>
+          </a:p>
+          <a:p>
+            <a:endParaRPr lang="pl-PL" b="0" dirty="0">
+              <a:solidFill>
+                <a:srgbClr val="000000"/>
+              </a:solidFill>
+              <a:effectLst/>
+              <a:latin typeface="Consolas" panose="020B0609020204030204" pitchFamily="49" charset="0"/>
+            </a:endParaRPr>
+          </a:p>
+          <a:p>
+            <a:r>
+              <a:rPr lang="en-US" b="0" dirty="0">
+                <a:solidFill>
+                  <a:srgbClr val="000000"/>
+                </a:solidFill>
+                <a:effectLst/>
+                <a:latin typeface="Consolas" panose="020B0609020204030204" pitchFamily="49" charset="0"/>
+              </a:rPr>
+              <a:t>Therefore, based on the bitstreams meaning this class of the gateway must be also responsible to provide mapping at run time. The result of the mapping is converted to Data Transfer Object using JSON serialization. This Data Transfer Object factoring mechanism must be conducted every time new data is to be sent to the cloud, but behavior implementation of the mapping may be considered as the design-time activity in a typical case.</a:t>
+            </a:r>
+            <a:endParaRPr lang="pl-PL" b="0" dirty="0">
+              <a:solidFill>
+                <a:srgbClr val="000000"/>
+              </a:solidFill>
+              <a:effectLst/>
+              <a:latin typeface="Consolas" panose="020B0609020204030204" pitchFamily="49" charset="0"/>
+            </a:endParaRPr>
+          </a:p>
+          <a:p>
+            <a:br>
+              <a:rPr lang="en-US" b="0" dirty="0">
+                <a:solidFill>
+                  <a:srgbClr val="000000"/>
+                </a:solidFill>
+                <a:effectLst/>
+                <a:latin typeface="Consolas" panose="020B0609020204030204" pitchFamily="49" charset="0"/>
+              </a:rPr>
+            </a:br>
+            <a:r>
+              <a:rPr lang="en-US" b="0" dirty="0" err="1">
+                <a:solidFill>
+                  <a:srgbClr val="000000"/>
+                </a:solidFill>
+                <a:effectLst/>
+                <a:latin typeface="Consolas" panose="020B0609020204030204" pitchFamily="49" charset="0"/>
+              </a:rPr>
+              <a:t>CommunicationContext</a:t>
+            </a:r>
+            <a:r>
+              <a:rPr lang="en-US" b="0" dirty="0">
+                <a:solidFill>
+                  <a:srgbClr val="000000"/>
+                </a:solidFill>
+                <a:effectLst/>
+                <a:latin typeface="Consolas" panose="020B0609020204030204" pitchFamily="49" charset="0"/>
+              </a:rPr>
+              <a:t> class sends the created Data Transfer Objects using a communication channel established in advance. The Data Transfer Object is retrieved from the </a:t>
+            </a:r>
+            <a:r>
+              <a:rPr lang="en-US" b="0" dirty="0" err="1">
+                <a:solidFill>
+                  <a:srgbClr val="000000"/>
+                </a:solidFill>
+                <a:effectLst/>
+                <a:latin typeface="Consolas" panose="020B0609020204030204" pitchFamily="49" charset="0"/>
+              </a:rPr>
+              <a:t>PartBindingFactory</a:t>
+            </a:r>
+            <a:r>
+              <a:rPr lang="en-US" b="0" dirty="0">
+                <a:solidFill>
+                  <a:srgbClr val="000000"/>
+                </a:solidFill>
+                <a:effectLst/>
+                <a:latin typeface="Consolas" panose="020B0609020204030204" pitchFamily="49" charset="0"/>
+              </a:rPr>
+              <a:t> using the </a:t>
+            </a:r>
+            <a:r>
+              <a:rPr lang="en-US" b="0" dirty="0" err="1">
+                <a:solidFill>
+                  <a:srgbClr val="000000"/>
+                </a:solidFill>
+                <a:effectLst/>
+                <a:latin typeface="Consolas" panose="020B0609020204030204" pitchFamily="49" charset="0"/>
+              </a:rPr>
+              <a:t>IDTOProvider</a:t>
+            </a:r>
+            <a:r>
+              <a:rPr lang="en-US" b="0" dirty="0">
+                <a:solidFill>
+                  <a:srgbClr val="000000"/>
+                </a:solidFill>
+                <a:effectLst/>
+                <a:latin typeface="Consolas" panose="020B0609020204030204" pitchFamily="49" charset="0"/>
+              </a:rPr>
+              <a:t> interface.</a:t>
+            </a:r>
+          </a:p>
+          <a:p>
+            <a:br>
+              <a:rPr lang="en-US" b="0" dirty="0">
+                <a:solidFill>
+                  <a:srgbClr val="000000"/>
+                </a:solidFill>
+                <a:effectLst/>
+                <a:latin typeface="Consolas" panose="020B0609020204030204" pitchFamily="49" charset="0"/>
+              </a:rPr>
+            </a:br>
+            <a:r>
+              <a:rPr lang="en-US" b="0" dirty="0">
+                <a:solidFill>
+                  <a:srgbClr val="000000"/>
+                </a:solidFill>
+                <a:effectLst/>
+                <a:latin typeface="Consolas" panose="020B0609020204030204" pitchFamily="49" charset="0"/>
+              </a:rPr>
+              <a:t>The </a:t>
+            </a:r>
+            <a:r>
+              <a:rPr lang="en-US" b="0" dirty="0" err="1">
+                <a:solidFill>
+                  <a:srgbClr val="000000"/>
+                </a:solidFill>
+                <a:effectLst/>
+                <a:latin typeface="Consolas" panose="020B0609020204030204" pitchFamily="49" charset="0"/>
+              </a:rPr>
+              <a:t>CommunicationContext</a:t>
+            </a:r>
+            <a:r>
+              <a:rPr lang="en-US" b="0" dirty="0">
+                <a:solidFill>
+                  <a:srgbClr val="000000"/>
+                </a:solidFill>
+                <a:effectLst/>
+                <a:latin typeface="Consolas" panose="020B0609020204030204" pitchFamily="49" charset="0"/>
+              </a:rPr>
+              <a:t> maintains the data transfer channel with the cloud services using a well-known state machine pattern. It is responsible for protocol stack selection, authentication, and authorization of a session created to establish a communication channel. The encoded JSON messages must be transferred to the cloud over the network using the selected protocol stack. The Azure supports HTTP, AMQP, and MQTT protocol stacks, which are all standard ones. It means that they have appropriate specification documentation. Consequently, it is possible to apply any available implementation compliant with an appropriate specification to achieve connectivity. In this case, all parameters required to establish connectivity and security contexts are up to the gateway's responsibility. Alternatively, the API offered by the dedicated frameworks (libraries) may be used. Using a framework, the configuration process may be reduced significantly, and the communication protocol selection has only an indirect impact on the interoperability features. In the proposed implementation, the Azure interconnection has been obtained using the above-mentioned frameworks.</a:t>
+            </a:r>
+            <a:endParaRPr lang="pl-PL" b="0" dirty="0">
+              <a:solidFill>
+                <a:srgbClr val="000000"/>
+              </a:solidFill>
+              <a:effectLst/>
+              <a:latin typeface="Consolas" panose="020B0609020204030204" pitchFamily="49" charset="0"/>
+            </a:endParaRPr>
+          </a:p>
+          <a:p>
+            <a:br>
+              <a:rPr lang="en-US" b="0" dirty="0">
+                <a:solidFill>
+                  <a:srgbClr val="000000"/>
+                </a:solidFill>
+                <a:effectLst/>
+                <a:latin typeface="Consolas" panose="020B0609020204030204" pitchFamily="49" charset="0"/>
+              </a:rPr>
+            </a:br>
+            <a:r>
+              <a:rPr lang="en-US" b="0" dirty="0">
+                <a:solidFill>
+                  <a:srgbClr val="000000"/>
+                </a:solidFill>
+                <a:effectLst/>
+                <a:latin typeface="Consolas" panose="020B0609020204030204" pitchFamily="49" charset="0"/>
+              </a:rPr>
+              <a:t>Azure and </a:t>
+            </a:r>
+            <a:r>
+              <a:rPr lang="en-US" b="0" dirty="0" err="1">
+                <a:solidFill>
+                  <a:srgbClr val="000000"/>
+                </a:solidFill>
+                <a:effectLst/>
+                <a:latin typeface="Consolas" panose="020B0609020204030204" pitchFamily="49" charset="0"/>
+              </a:rPr>
+              <a:t>PubSub</a:t>
+            </a:r>
+            <a:r>
+              <a:rPr lang="en-US" b="0" dirty="0">
+                <a:solidFill>
+                  <a:srgbClr val="000000"/>
+                </a:solidFill>
+                <a:effectLst/>
+                <a:latin typeface="Consolas" panose="020B0609020204030204" pitchFamily="49" charset="0"/>
+              </a:rPr>
+              <a:t> use different security mechanisms so in the proposed solution establishing security-context is realized independently using the configuration. The </a:t>
+            </a:r>
+            <a:r>
+              <a:rPr lang="en-US" b="0" dirty="0" err="1">
+                <a:solidFill>
+                  <a:srgbClr val="000000"/>
+                </a:solidFill>
+                <a:effectLst/>
+                <a:latin typeface="Consolas" panose="020B0609020204030204" pitchFamily="49" charset="0"/>
+              </a:rPr>
+              <a:t>CommunicationContext</a:t>
+            </a:r>
+            <a:r>
+              <a:rPr lang="en-US" b="0" dirty="0">
+                <a:solidFill>
+                  <a:srgbClr val="000000"/>
+                </a:solidFill>
+                <a:effectLst/>
+                <a:latin typeface="Consolas" panose="020B0609020204030204" pitchFamily="49" charset="0"/>
+              </a:rPr>
+              <a:t> is responsible for establishing the connectivity and security contexts at the negotiation phase.</a:t>
+            </a:r>
+            <a:endParaRPr lang="pl-PL" b="0" dirty="0">
+              <a:solidFill>
+                <a:srgbClr val="000000"/>
+              </a:solidFill>
+              <a:effectLst/>
+              <a:latin typeface="Consolas" panose="020B0609020204030204" pitchFamily="49" charset="0"/>
+            </a:endParaRPr>
+          </a:p>
+          <a:p>
+            <a:endParaRPr lang="pl-PL" b="0" dirty="0">
+              <a:solidFill>
+                <a:srgbClr val="000000"/>
+              </a:solidFill>
+              <a:effectLst/>
+              <a:latin typeface="Consolas" panose="020B0609020204030204" pitchFamily="49" charset="0"/>
+            </a:endParaRPr>
+          </a:p>
+          <a:p>
+            <a:r>
+              <a:rPr lang="en-US" b="0" dirty="0">
+                <a:solidFill>
+                  <a:srgbClr val="000000"/>
+                </a:solidFill>
+                <a:effectLst/>
+                <a:latin typeface="Consolas" panose="020B0609020204030204" pitchFamily="49" charset="0"/>
+              </a:rPr>
+              <a:t>Finally, </a:t>
+            </a:r>
+            <a:r>
+              <a:rPr lang="en-US" b="0" dirty="0" err="1">
+                <a:solidFill>
+                  <a:srgbClr val="000000"/>
+                </a:solidFill>
+                <a:effectLst/>
+                <a:latin typeface="Consolas" panose="020B0609020204030204" pitchFamily="49" charset="0"/>
+              </a:rPr>
+              <a:t>CommunicationContext</a:t>
+            </a:r>
+            <a:r>
+              <a:rPr lang="en-US" b="0" dirty="0">
+                <a:solidFill>
+                  <a:srgbClr val="000000"/>
+                </a:solidFill>
+                <a:effectLst/>
+                <a:latin typeface="Consolas" panose="020B0609020204030204" pitchFamily="49" charset="0"/>
+              </a:rPr>
+              <a:t> uses out-of-band communication to send data to the cloud services.</a:t>
+            </a:r>
+            <a:endParaRPr lang="pl-PL" b="0" dirty="0">
+              <a:solidFill>
+                <a:srgbClr val="000000"/>
+              </a:solidFill>
+              <a:effectLst/>
+              <a:latin typeface="Consolas" panose="020B0609020204030204" pitchFamily="49" charset="0"/>
+            </a:endParaRPr>
+          </a:p>
+          <a:p>
+            <a:endParaRPr lang="en-US" b="0" dirty="0">
+              <a:solidFill>
+                <a:srgbClr val="000000"/>
+              </a:solidFill>
+              <a:effectLst/>
+              <a:latin typeface="Consolas" panose="020B0609020204030204" pitchFamily="49" charset="0"/>
+            </a:endParaRPr>
+          </a:p>
+          <a:p>
+            <a:endParaRPr lang="en-US" dirty="0"/>
+          </a:p>
+        </p:txBody>
+      </p:sp>
+      <p:sp>
+        <p:nvSpPr>
+          <p:cNvPr id="4" name="Slide Number Placeholder 3"/>
+          <p:cNvSpPr>
+            <a:spLocks noGrp="1"/>
+          </p:cNvSpPr>
+          <p:nvPr>
+            <p:ph type="sldNum" sz="quarter" idx="5"/>
+          </p:nvPr>
+        </p:nvSpPr>
+        <p:spPr/>
+        <p:txBody>
+          <a:bodyPr/>
+          <a:lstStyle/>
+          <a:p>
+            <a:fld id="{0AFDF39F-D04E-4B9F-BFB7-9926CF8DAB9C}" type="slidenum">
+              <a:rPr lang="pl-PL" smtClean="0"/>
+              <a:pPr/>
+              <a:t>15</a:t>
+            </a:fld>
+            <a:endParaRPr lang="pl-PL"/>
+          </a:p>
+        </p:txBody>
+      </p:sp>
+    </p:spTree>
+    <p:extLst>
+      <p:ext uri="{BB962C8B-B14F-4D97-AF65-F5344CB8AC3E}">
+        <p14:creationId xmlns:p14="http://schemas.microsoft.com/office/powerpoint/2010/main" val="640199807"/>
+      </p:ext>
+    </p:extLst>
+  </p:cSld>
+  <p:clrMapOvr>
+    <a:masterClrMapping/>
+  </p:clrMapOvr>
+</p:notes>
+</file>
+
+<file path=ppt/notesSlides/notesSlide16.xml><?xml version="1.0" encoding="utf-8"?>
+<p:notes xmlns:a="http://schemas.openxmlformats.org/drawingml/2006/main" xmlns:r="http://schemas.openxmlformats.org/officeDocument/2006/relationships" xmlns:p="http://schemas.openxmlformats.org/presentationml/2006/main">
+  <p:cSld>
+    <p:spTree>
+      <p:nvGrpSpPr>
+        <p:cNvPr id="1" name=""/>
+        <p:cNvGrpSpPr/>
+        <p:nvPr/>
+      </p:nvGrpSpPr>
+      <p:grpSpPr>
+        <a:xfrm>
+          <a:off x="0" y="0"/>
+          <a:ext cx="0" cy="0"/>
+          <a:chOff x="0" y="0"/>
+          <a:chExt cx="0" cy="0"/>
+        </a:xfrm>
+      </p:grpSpPr>
+      <p:sp>
+        <p:nvSpPr>
+          <p:cNvPr id="2" name="Slide Image Placeholder 1"/>
+          <p:cNvSpPr>
+            <a:spLocks noGrp="1" noRot="1" noChangeAspect="1"/>
+          </p:cNvSpPr>
+          <p:nvPr>
+            <p:ph type="sldImg"/>
+          </p:nvPr>
+        </p:nvSpPr>
+        <p:spPr/>
+      </p:sp>
+      <p:sp>
+        <p:nvSpPr>
+          <p:cNvPr id="3" name="Notes Placeholder 2"/>
+          <p:cNvSpPr>
+            <a:spLocks noGrp="1"/>
+          </p:cNvSpPr>
+          <p:nvPr>
+            <p:ph type="body" idx="1"/>
+          </p:nvPr>
+        </p:nvSpPr>
+        <p:spPr/>
+        <p:txBody>
+          <a:bodyPr/>
+          <a:lstStyle/>
+          <a:p>
             <a:pPr marL="0" marR="0" lvl="0" indent="0" algn="l" defTabSz="914400" rtl="0" eaLnBrk="1" fontAlgn="auto" latinLnBrk="0" hangingPunct="1">
               <a:lnSpc>
                 <a:spcPct val="100000"/>
@@ -12409,7 +12127,7 @@
               <a:rPr lang="en-US" dirty="0"/>
               <a:t>Future work will be focused on Machine to Sensors connectivity based on the Process-Observer concept. By design, it allows access to plant floor devices using a variety of Fieldbus industrial network protocols. </a:t>
             </a:r>
-            <a:endParaRPr lang="pl-PL"/>
+            <a:endParaRPr lang="pl-PL" dirty="0"/>
           </a:p>
           <a:p>
             <a:pPr marL="0" marR="0" lvl="0" indent="0" algn="l" defTabSz="914400" rtl="0" eaLnBrk="1" fontAlgn="auto" latinLnBrk="0" hangingPunct="1">
@@ -12519,7 +12237,7 @@
             <a:fld id="{0AFDF39F-D04E-4B9F-BFB7-9926CF8DAB9C}" type="slidenum">
               <a:rPr lang="pl-PL" smtClean="0"/>
               <a:pPr/>
-              <a:t>17</a:t>
+              <a:t>16</a:t>
             </a:fld>
             <a:endParaRPr lang="pl-PL"/>
           </a:p>
@@ -12538,7 +12256,7 @@
 </p:notes>
 </file>
 
-<file path=ppt/notesSlides/notesSlide9.xml><?xml version="1.0" encoding="utf-8"?>
+<file path=ppt/notesSlides/notesSlide17.xml><?xml version="1.0" encoding="utf-8"?>
 <p:notes xmlns:a="http://schemas.openxmlformats.org/drawingml/2006/main" xmlns:r="http://schemas.openxmlformats.org/officeDocument/2006/relationships" xmlns:p="http://schemas.openxmlformats.org/presentationml/2006/main">
   <p:cSld>
     <p:spTree>
@@ -12608,8 +12326,24 @@
               </a:spcBef>
             </a:pPr>
             <a:r>
+              <a:rPr lang="pl-PL" dirty="0"/>
+              <a:t>T</a:t>
+            </a:r>
+            <a:r>
               <a:rPr lang="en-US" dirty="0"/>
-              <a:t>Ladies and gentlemen, that's all, thank you very much for your attention. I hope the presentation was interesting and I didn't bore you. Interested persons, please contact me by email or phone. Once again, thank you for your attention and I invite you to cooperation.</a:t>
+              <a:t>hat's all</a:t>
+            </a:r>
+            <a:r>
+              <a:rPr lang="pl-PL" dirty="0"/>
+              <a:t> for </a:t>
+            </a:r>
+            <a:r>
+              <a:rPr lang="pl-PL" dirty="0" err="1"/>
+              <a:t>now</a:t>
+            </a:r>
+            <a:r>
+              <a:rPr lang="en-US" dirty="0"/>
+              <a:t>, thank you very much for your attention. I hope the presentation was interesting and I didn't bore you. Interested persons, please contact me by email or phone. Once again, thank you for your attention and I invite you to cooperation.</a:t>
             </a:r>
             <a:endParaRPr lang="pl-PL" dirty="0"/>
           </a:p>
@@ -12660,7 +12394,7 @@
                 </a:spcAft>
                 <a:defRPr/>
               </a:pPr>
-              <a:t>18</a:t>
+              <a:t>17</a:t>
             </a:fld>
             <a:endParaRPr lang="en-US"/>
           </a:p>
@@ -12670,6 +12404,1103 @@
     <p:extLst>
       <p:ext uri="{BB962C8B-B14F-4D97-AF65-F5344CB8AC3E}">
         <p14:creationId xmlns:p14="http://schemas.microsoft.com/office/powerpoint/2010/main" val="4092445640"/>
+      </p:ext>
+    </p:extLst>
+  </p:cSld>
+  <p:clrMapOvr>
+    <a:masterClrMapping/>
+  </p:clrMapOvr>
+</p:notes>
+</file>
+
+<file path=ppt/notesSlides/notesSlide2.xml><?xml version="1.0" encoding="utf-8"?>
+<p:notes xmlns:a="http://schemas.openxmlformats.org/drawingml/2006/main" xmlns:r="http://schemas.openxmlformats.org/officeDocument/2006/relationships" xmlns:p="http://schemas.openxmlformats.org/presentationml/2006/main">
+  <p:cSld>
+    <p:spTree>
+      <p:nvGrpSpPr>
+        <p:cNvPr id="1" name=""/>
+        <p:cNvGrpSpPr/>
+        <p:nvPr/>
+      </p:nvGrpSpPr>
+      <p:grpSpPr>
+        <a:xfrm>
+          <a:off x="0" y="0"/>
+          <a:ext cx="0" cy="0"/>
+          <a:chOff x="0" y="0"/>
+          <a:chExt cx="0" cy="0"/>
+        </a:xfrm>
+      </p:grpSpPr>
+      <p:sp>
+        <p:nvSpPr>
+          <p:cNvPr id="2" name="Slide Image Placeholder 1"/>
+          <p:cNvSpPr>
+            <a:spLocks noGrp="1" noRot="1" noChangeAspect="1"/>
+          </p:cNvSpPr>
+          <p:nvPr>
+            <p:ph type="sldImg"/>
+          </p:nvPr>
+        </p:nvSpPr>
+        <p:spPr/>
+      </p:sp>
+      <p:sp>
+        <p:nvSpPr>
+          <p:cNvPr id="3" name="Notes Placeholder 2"/>
+          <p:cNvSpPr>
+            <a:spLocks noGrp="1"/>
+          </p:cNvSpPr>
+          <p:nvPr>
+            <p:ph type="body" idx="1"/>
+          </p:nvPr>
+        </p:nvSpPr>
+        <p:spPr/>
+        <p:txBody>
+          <a:bodyPr/>
+          <a:lstStyle/>
+          <a:p>
+            <a:r>
+              <a:rPr lang="en-US" dirty="0"/>
+              <a:t>Based on the role humans take while deploying the smart factory concept the computer applications may be grouped as Human-centric and Machine-centric.</a:t>
+            </a:r>
+            <a:endParaRPr lang="pl-PL" dirty="0"/>
+          </a:p>
+          <a:p>
+            <a:endParaRPr lang="pl-PL" dirty="0"/>
+          </a:p>
+          <a:p>
+            <a:r>
+              <a:rPr lang="en-US" dirty="0"/>
+              <a:t>A typical human-centric approach is a web service supporting a web user interface (UI) to monitor conditions and manage millions of devices and their data in a typical cloud-based Internet of Things approach. In this case, it is characteristic that any uncertainty and necessity to make a decision can be relaxed by human interaction.</a:t>
+            </a:r>
+            <a:endParaRPr lang="pl-PL" dirty="0"/>
+          </a:p>
+          <a:p>
+            <a:endParaRPr lang="pl-PL" dirty="0"/>
+          </a:p>
+          <a:p>
+            <a:r>
+              <a:rPr lang="en-US" dirty="0"/>
+              <a:t>An example of a machine-centric scenario is the coordination of robot behavior in a work cell. In this case, any human interaction must be recognized as impractical or even impossible. This interconnection scenario requires machine-to-machine communication (M2M) demanding multi-vendor device integration. In this case, the solution must be robust by design because no human interaction is applicable at run-time.</a:t>
+            </a:r>
+            <a:endParaRPr lang="pl-PL" dirty="0"/>
+          </a:p>
+          <a:p>
+            <a:endParaRPr lang="pl-PL" dirty="0"/>
+          </a:p>
+          <a:p>
+            <a:r>
+              <a:rPr lang="en-US" dirty="0"/>
+              <a:t>To promote composition using multi-vendor parts the standardization is especially important. Industry 4.0 is an initiative that addresses this application domain addressing the Smart factory concept design and deployment. That concept is recognized as the fourth industrial revolution. Additionally, to adders interconnection and interoperability of the multi-vendor parts the OPC Unified Architecture is considered to normalize reactive M2M communication.</a:t>
+            </a:r>
+            <a:endParaRPr lang="pl-PL" dirty="0"/>
+          </a:p>
+          <a:p>
+            <a:endParaRPr lang="pl-PL" dirty="0"/>
+          </a:p>
+          <a:p>
+            <a:r>
+              <a:rPr lang="en-US" dirty="0"/>
+              <a:t>The main goal of this article is to prove that the Object-Oriented Internet cyber-physical network can be interconnected with the Internet of Things cloud services:</a:t>
+            </a:r>
+            <a:endParaRPr lang="pl-PL" dirty="0"/>
+          </a:p>
+          <a:p>
+            <a:endParaRPr lang="pl-PL" dirty="0"/>
+          </a:p>
+          <a:p>
+            <a:pPr marL="171450" indent="-171450">
+              <a:buFontTx/>
+              <a:buChar char="-"/>
+            </a:pPr>
+            <a:r>
+              <a:rPr lang="en-US" dirty="0"/>
+              <a:t>based on the OPC UA standard implemented as a powerful standalone library without dependency on the Client/Server session-oriented archetype,</a:t>
+            </a:r>
+            <a:endParaRPr lang="pl-PL" dirty="0"/>
+          </a:p>
+          <a:p>
+            <a:pPr marL="171450" indent="-171450">
+              <a:buFontTx/>
+              <a:buChar char="-"/>
+            </a:pPr>
+            <a:r>
+              <a:rPr lang="en-US" dirty="0"/>
+              <a:t>cloud interoperability can be implemented as an independent part employing out-of-band communication without dependency on the OPC UA implementation,</a:t>
+            </a:r>
+            <a:endParaRPr lang="pl-PL" dirty="0"/>
+          </a:p>
+          <a:p>
+            <a:pPr marL="171450" indent="-171450">
+              <a:buFontTx/>
+              <a:buChar char="-"/>
+            </a:pPr>
+            <a:r>
+              <a:rPr lang="en-US" dirty="0"/>
+              <a:t>the proposed generic architecture allows that the gateway functionality is implemented as a composable part at run-time - no programming required.</a:t>
+            </a:r>
+          </a:p>
+        </p:txBody>
+      </p:sp>
+      <p:sp>
+        <p:nvSpPr>
+          <p:cNvPr id="4" name="Slide Number Placeholder 3"/>
+          <p:cNvSpPr>
+            <a:spLocks noGrp="1"/>
+          </p:cNvSpPr>
+          <p:nvPr>
+            <p:ph type="sldNum" sz="quarter" idx="5"/>
+          </p:nvPr>
+        </p:nvSpPr>
+        <p:spPr/>
+        <p:txBody>
+          <a:bodyPr/>
+          <a:lstStyle/>
+          <a:p>
+            <a:fld id="{0AFDF39F-D04E-4B9F-BFB7-9926CF8DAB9C}" type="slidenum">
+              <a:rPr lang="pl-PL" smtClean="0"/>
+              <a:pPr/>
+              <a:t>2</a:t>
+            </a:fld>
+            <a:endParaRPr lang="pl-PL"/>
+          </a:p>
+        </p:txBody>
+      </p:sp>
+    </p:spTree>
+    <p:extLst>
+      <p:ext uri="{BB962C8B-B14F-4D97-AF65-F5344CB8AC3E}">
+        <p14:creationId xmlns:p14="http://schemas.microsoft.com/office/powerpoint/2010/main" val="3017412829"/>
+      </p:ext>
+    </p:extLst>
+  </p:cSld>
+  <p:clrMapOvr>
+    <a:masterClrMapping/>
+  </p:clrMapOvr>
+</p:notes>
+</file>
+
+<file path=ppt/notesSlides/notesSlide3.xml><?xml version="1.0" encoding="utf-8"?>
+<p:notes xmlns:a="http://schemas.openxmlformats.org/drawingml/2006/main" xmlns:r="http://schemas.openxmlformats.org/officeDocument/2006/relationships" xmlns:p="http://schemas.openxmlformats.org/presentationml/2006/main">
+  <p:cSld>
+    <p:spTree>
+      <p:nvGrpSpPr>
+        <p:cNvPr id="1" name=""/>
+        <p:cNvGrpSpPr/>
+        <p:nvPr/>
+      </p:nvGrpSpPr>
+      <p:grpSpPr>
+        <a:xfrm>
+          <a:off x="0" y="0"/>
+          <a:ext cx="0" cy="0"/>
+          <a:chOff x="0" y="0"/>
+          <a:chExt cx="0" cy="0"/>
+        </a:xfrm>
+      </p:grpSpPr>
+      <p:sp>
+        <p:nvSpPr>
+          <p:cNvPr id="2" name="Slide Image Placeholder 1"/>
+          <p:cNvSpPr>
+            <a:spLocks noGrp="1" noRot="1" noChangeAspect="1"/>
+          </p:cNvSpPr>
+          <p:nvPr>
+            <p:ph type="sldImg"/>
+          </p:nvPr>
+        </p:nvSpPr>
+        <p:spPr/>
+      </p:sp>
+      <p:sp>
+        <p:nvSpPr>
+          <p:cNvPr id="3" name="Notes Placeholder 2"/>
+          <p:cNvSpPr>
+            <a:spLocks noGrp="1"/>
+          </p:cNvSpPr>
+          <p:nvPr>
+            <p:ph type="body" idx="1"/>
+          </p:nvPr>
+        </p:nvSpPr>
+        <p:spPr/>
+        <p:txBody>
+          <a:bodyPr/>
+          <a:lstStyle/>
+          <a:p>
+            <a:pPr marL="0" indent="0">
+              <a:buFontTx/>
+              <a:buNone/>
+            </a:pPr>
+            <a:endParaRPr lang="pl-PL" baseline="0" dirty="0"/>
+          </a:p>
+          <a:p>
+            <a:pPr marL="171450" indent="-171450">
+              <a:buFontTx/>
+              <a:buChar char="-"/>
+            </a:pPr>
+            <a:endParaRPr lang="pl-PL" baseline="0" dirty="0"/>
+          </a:p>
+          <a:p>
+            <a:endParaRPr lang="pl-PL" dirty="0"/>
+          </a:p>
+        </p:txBody>
+      </p:sp>
+      <p:sp>
+        <p:nvSpPr>
+          <p:cNvPr id="4" name="Slide Number Placeholder 3"/>
+          <p:cNvSpPr>
+            <a:spLocks noGrp="1"/>
+          </p:cNvSpPr>
+          <p:nvPr>
+            <p:ph type="sldNum" sz="quarter" idx="10"/>
+          </p:nvPr>
+        </p:nvSpPr>
+        <p:spPr/>
+        <p:txBody>
+          <a:bodyPr/>
+          <a:lstStyle/>
+          <a:p>
+            <a:fld id="{2FED7D95-5DED-40EF-B90D-C1D8560E7860}" type="slidenum">
+              <a:rPr lang="pl-PL" smtClean="0"/>
+              <a:pPr/>
+              <a:t>3</a:t>
+            </a:fld>
+            <a:endParaRPr lang="pl-PL"/>
+          </a:p>
+        </p:txBody>
+      </p:sp>
+    </p:spTree>
+    <p:extLst>
+      <p:ext uri="{BB962C8B-B14F-4D97-AF65-F5344CB8AC3E}">
+        <p14:creationId xmlns:p14="http://schemas.microsoft.com/office/powerpoint/2010/main" val="4025573905"/>
+      </p:ext>
+    </p:extLst>
+  </p:cSld>
+  <p:clrMapOvr>
+    <a:masterClrMapping/>
+  </p:clrMapOvr>
+</p:notes>
+</file>
+
+<file path=ppt/notesSlides/notesSlide4.xml><?xml version="1.0" encoding="utf-8"?>
+<p:notes xmlns:a="http://schemas.openxmlformats.org/drawingml/2006/main" xmlns:r="http://schemas.openxmlformats.org/officeDocument/2006/relationships" xmlns:p="http://schemas.openxmlformats.org/presentationml/2006/main">
+  <p:cSld>
+    <p:spTree>
+      <p:nvGrpSpPr>
+        <p:cNvPr id="1" name=""/>
+        <p:cNvGrpSpPr/>
+        <p:nvPr/>
+      </p:nvGrpSpPr>
+      <p:grpSpPr>
+        <a:xfrm>
+          <a:off x="0" y="0"/>
+          <a:ext cx="0" cy="0"/>
+          <a:chOff x="0" y="0"/>
+          <a:chExt cx="0" cy="0"/>
+        </a:xfrm>
+      </p:grpSpPr>
+      <p:sp>
+        <p:nvSpPr>
+          <p:cNvPr id="2" name="Slide Image Placeholder 1"/>
+          <p:cNvSpPr>
+            <a:spLocks noGrp="1" noRot="1" noChangeAspect="1"/>
+          </p:cNvSpPr>
+          <p:nvPr>
+            <p:ph type="sldImg"/>
+          </p:nvPr>
+        </p:nvSpPr>
+        <p:spPr/>
+      </p:sp>
+      <p:sp>
+        <p:nvSpPr>
+          <p:cNvPr id="3" name="Notes Placeholder 2"/>
+          <p:cNvSpPr>
+            <a:spLocks noGrp="1"/>
+          </p:cNvSpPr>
+          <p:nvPr>
+            <p:ph type="body" idx="1"/>
+          </p:nvPr>
+        </p:nvSpPr>
+        <p:spPr/>
+        <p:txBody>
+          <a:bodyPr>
+            <a:normAutofit/>
+          </a:bodyPr>
+          <a:lstStyle/>
+          <a:p>
+            <a:r>
+              <a:rPr lang="en-US" b="0" dirty="0">
+                <a:solidFill>
+                  <a:srgbClr val="000000"/>
+                </a:solidFill>
+                <a:effectLst/>
+                <a:latin typeface="Consolas" panose="020B0609020204030204" pitchFamily="49" charset="0"/>
+              </a:rPr>
+              <a:t>Going beyond the smart factory realm, a similar concept may be used to make any general-purpose entities interoperable. Finally, we get cyber-physical systems where a variety of entities may be aggregated into distributed information processing solutions. In this case, we are opening the public connectivity domain, which requires a globally scoped infrastructure, i.e. the Internet.</a:t>
+            </a:r>
+          </a:p>
+          <a:p>
+            <a:pPr marL="0" marR="0" lvl="0" indent="0" algn="l" defTabSz="914400" rtl="0" eaLnBrk="1" fontAlgn="auto" latinLnBrk="0" hangingPunct="1">
+              <a:lnSpc>
+                <a:spcPct val="100000"/>
+              </a:lnSpc>
+              <a:spcBef>
+                <a:spcPts val="0"/>
+              </a:spcBef>
+              <a:spcAft>
+                <a:spcPts val="0"/>
+              </a:spcAft>
+              <a:buClrTx/>
+              <a:buSzTx/>
+              <a:buFontTx/>
+              <a:buNone/>
+              <a:tabLst/>
+              <a:defRPr/>
+            </a:pPr>
+            <a:br>
+              <a:rPr lang="en-US" sz="1200" b="0" kern="1200" dirty="0">
+                <a:solidFill>
+                  <a:schemeClr val="tx1"/>
+                </a:solidFill>
+                <a:effectLst/>
+                <a:latin typeface="+mn-lt"/>
+                <a:ea typeface="+mn-ea"/>
+                <a:cs typeface="+mn-cs"/>
+              </a:rPr>
+            </a:br>
+            <a:r>
+              <a:rPr lang="en-US" b="0" dirty="0">
+                <a:solidFill>
+                  <a:srgbClr val="000000"/>
+                </a:solidFill>
+                <a:effectLst/>
+                <a:latin typeface="Consolas" panose="020B0609020204030204" pitchFamily="49" charset="0"/>
+              </a:rPr>
+              <a:t>For any generic solution addressing the design of the cyber</a:t>
+            </a:r>
+            <a:r>
+              <a:rPr lang="pl-PL" b="0" dirty="0">
+                <a:solidFill>
+                  <a:srgbClr val="000000"/>
+                </a:solidFill>
+                <a:effectLst/>
+                <a:latin typeface="Consolas" panose="020B0609020204030204" pitchFamily="49" charset="0"/>
+              </a:rPr>
+              <a:t> </a:t>
+            </a:r>
+            <a:r>
+              <a:rPr lang="en-US" b="0" dirty="0">
+                <a:solidFill>
+                  <a:srgbClr val="000000"/>
+                </a:solidFill>
+                <a:effectLst/>
+                <a:latin typeface="Consolas" panose="020B0609020204030204" pitchFamily="49" charset="0"/>
+              </a:rPr>
+              <a:t>physical system, the data holder mobility must be considered as well. Mobile data means that it may come from mobile devices or be generated in unpredictable attachment points. If the data place exposition is arbitrary it means that the data appearance must be recognized and processed as an event. A good example of this scenario is a product - for example, drugs - global tracking system - an application domain where the IoT term has been coined. One of the arguments for the IoT is allowing distributed yet interlinked devices, machines, and objects (data holders) to interact with each other without relying on human interaction to set up and commission the embedded intelligence.</a:t>
+            </a:r>
+          </a:p>
+          <a:p>
+            <a:pPr marL="0" marR="0" lvl="0" indent="0" algn="l" defTabSz="914400" rtl="0" eaLnBrk="1" fontAlgn="auto" latinLnBrk="0" hangingPunct="1">
+              <a:lnSpc>
+                <a:spcPct val="100000"/>
+              </a:lnSpc>
+              <a:spcBef>
+                <a:spcPts val="0"/>
+              </a:spcBef>
+              <a:spcAft>
+                <a:spcPts val="0"/>
+              </a:spcAft>
+              <a:buClrTx/>
+              <a:buSzTx/>
+              <a:buFontTx/>
+              <a:buNone/>
+              <a:tabLst/>
+              <a:defRPr/>
+            </a:pPr>
+            <a:endParaRPr lang="pl-PL" dirty="0"/>
+          </a:p>
+          <a:p>
+            <a:pPr marL="0" marR="0" lvl="0" indent="0" algn="l" defTabSz="914400" rtl="0" eaLnBrk="1" fontAlgn="auto" latinLnBrk="0" hangingPunct="1">
+              <a:lnSpc>
+                <a:spcPct val="100000"/>
+              </a:lnSpc>
+              <a:spcBef>
+                <a:spcPts val="0"/>
+              </a:spcBef>
+              <a:spcAft>
+                <a:spcPts val="0"/>
+              </a:spcAft>
+              <a:buClrTx/>
+              <a:buSzTx/>
+              <a:buFontTx/>
+              <a:buNone/>
+              <a:tabLst/>
+              <a:defRPr/>
+            </a:pPr>
+            <a:r>
+              <a:rPr lang="en-US" dirty="0"/>
+              <a:t>In this kind of application, time must be considered as an important contributor to the implemented algorithm.</a:t>
+            </a:r>
+            <a:endParaRPr lang="pl-PL" dirty="0"/>
+          </a:p>
+          <a:p>
+            <a:pPr marL="0" marR="0" lvl="0" indent="0" algn="l" defTabSz="914400" rtl="0" eaLnBrk="1" fontAlgn="auto" latinLnBrk="0" hangingPunct="1">
+              <a:lnSpc>
+                <a:spcPct val="100000"/>
+              </a:lnSpc>
+              <a:spcBef>
+                <a:spcPts val="0"/>
+              </a:spcBef>
+              <a:spcAft>
+                <a:spcPts val="0"/>
+              </a:spcAft>
+              <a:buClrTx/>
+              <a:buSzTx/>
+              <a:buFontTx/>
+              <a:buNone/>
+              <a:tabLst/>
+              <a:defRPr/>
+            </a:pPr>
+            <a:endParaRPr lang="pl-PL" dirty="0"/>
+          </a:p>
+          <a:p>
+            <a:pPr marL="0" marR="0" lvl="0" indent="0" algn="l" defTabSz="914400" rtl="0" eaLnBrk="1" fontAlgn="auto" latinLnBrk="0" hangingPunct="1">
+              <a:lnSpc>
+                <a:spcPct val="100000"/>
+              </a:lnSpc>
+              <a:spcBef>
+                <a:spcPts val="0"/>
+              </a:spcBef>
+              <a:spcAft>
+                <a:spcPts val="0"/>
+              </a:spcAft>
+              <a:buClrTx/>
+              <a:buSzTx/>
+              <a:buFontTx/>
+              <a:buNone/>
+              <a:tabLst/>
+              <a:defRPr/>
+            </a:pPr>
+            <a:r>
+              <a:rPr lang="en-US" dirty="0"/>
+              <a:t>In case any kind of mobility has to be considered, the next engineering challenge is dynamic discoverability on the network and the possibility of establishing the semantic and security contexts of the parts composing the IoT application.</a:t>
+            </a:r>
+            <a:endParaRPr lang="pl-PL" dirty="0"/>
+          </a:p>
+        </p:txBody>
+      </p:sp>
+      <p:sp>
+        <p:nvSpPr>
+          <p:cNvPr id="4" name="Slide Number Placeholder 3"/>
+          <p:cNvSpPr>
+            <a:spLocks noGrp="1"/>
+          </p:cNvSpPr>
+          <p:nvPr>
+            <p:ph type="sldNum" sz="quarter" idx="5"/>
+          </p:nvPr>
+        </p:nvSpPr>
+        <p:spPr/>
+        <p:txBody>
+          <a:bodyPr/>
+          <a:lstStyle/>
+          <a:p>
+            <a:fld id="{0AFDF39F-D04E-4B9F-BFB7-9926CF8DAB9C}" type="slidenum">
+              <a:rPr lang="pl-PL" smtClean="0"/>
+              <a:pPr/>
+              <a:t>4</a:t>
+            </a:fld>
+            <a:endParaRPr lang="pl-PL"/>
+          </a:p>
+        </p:txBody>
+      </p:sp>
+    </p:spTree>
+    <p:extLst>
+      <p:ext uri="{BB962C8B-B14F-4D97-AF65-F5344CB8AC3E}">
+        <p14:creationId xmlns:p14="http://schemas.microsoft.com/office/powerpoint/2010/main" val="2093916689"/>
+      </p:ext>
+    </p:extLst>
+  </p:cSld>
+  <p:clrMapOvr>
+    <a:masterClrMapping/>
+  </p:clrMapOvr>
+</p:notes>
+</file>
+
+<file path=ppt/notesSlides/notesSlide5.xml><?xml version="1.0" encoding="utf-8"?>
+<p:notes xmlns:a="http://schemas.openxmlformats.org/drawingml/2006/main" xmlns:r="http://schemas.openxmlformats.org/officeDocument/2006/relationships" xmlns:p="http://schemas.openxmlformats.org/presentationml/2006/main">
+  <p:cSld>
+    <p:spTree>
+      <p:nvGrpSpPr>
+        <p:cNvPr id="1" name=""/>
+        <p:cNvGrpSpPr/>
+        <p:nvPr/>
+      </p:nvGrpSpPr>
+      <p:grpSpPr>
+        <a:xfrm>
+          <a:off x="0" y="0"/>
+          <a:ext cx="0" cy="0"/>
+          <a:chOff x="0" y="0"/>
+          <a:chExt cx="0" cy="0"/>
+        </a:xfrm>
+      </p:grpSpPr>
+      <p:sp>
+        <p:nvSpPr>
+          <p:cNvPr id="2" name="Slide Image Placeholder 1"/>
+          <p:cNvSpPr>
+            <a:spLocks noGrp="1" noRot="1" noChangeAspect="1"/>
+          </p:cNvSpPr>
+          <p:nvPr>
+            <p:ph type="sldImg"/>
+          </p:nvPr>
+        </p:nvSpPr>
+        <p:spPr/>
+      </p:sp>
+      <p:sp>
+        <p:nvSpPr>
+          <p:cNvPr id="3" name="Notes Placeholder 2"/>
+          <p:cNvSpPr>
+            <a:spLocks noGrp="1"/>
+          </p:cNvSpPr>
+          <p:nvPr>
+            <p:ph type="body" idx="1"/>
+          </p:nvPr>
+        </p:nvSpPr>
+        <p:spPr/>
+        <p:txBody>
+          <a:bodyPr/>
+          <a:lstStyle/>
+          <a:p>
+            <a:r>
+              <a:rPr lang="en-US" dirty="0"/>
+              <a:t>To promote reusability the research must be conducted atop of a formal description. The proposed solution and all intermediate steps illustrating how to derive the final solution from the selected domain features are described using the UML. Finally, the workout is abstract enough to be reused in any development environment. </a:t>
+            </a:r>
+            <a:endParaRPr lang="pl-PL" dirty="0"/>
+          </a:p>
+          <a:p>
+            <a:endParaRPr lang="pl-PL" dirty="0"/>
+          </a:p>
+          <a:p>
+            <a:r>
+              <a:rPr lang="en-US" dirty="0"/>
+              <a:t>On the other hand, we published two open-source implementations as proof of concept.</a:t>
+            </a:r>
+            <a:endParaRPr lang="pl-PL" dirty="0"/>
+          </a:p>
+          <a:p>
+            <a:endParaRPr lang="pl-PL" dirty="0"/>
+          </a:p>
+          <a:p>
+            <a:pPr marL="0" marR="0" lvl="0" indent="0" algn="l" defTabSz="914400" rtl="0" eaLnBrk="1" fontAlgn="auto" latinLnBrk="0" hangingPunct="1">
+              <a:lnSpc>
+                <a:spcPct val="100000"/>
+              </a:lnSpc>
+              <a:spcBef>
+                <a:spcPts val="0"/>
+              </a:spcBef>
+              <a:spcAft>
+                <a:spcPts val="0"/>
+              </a:spcAft>
+              <a:buClrTx/>
+              <a:buSzTx/>
+              <a:buFontTx/>
+              <a:buNone/>
+              <a:tabLst/>
+              <a:defRPr/>
+            </a:pPr>
+            <a:r>
+              <a:rPr lang="en-US" b="0" dirty="0">
+                <a:solidFill>
+                  <a:srgbClr val="000000"/>
+                </a:solidFill>
+                <a:effectLst/>
+                <a:latin typeface="Consolas" panose="020B0609020204030204" pitchFamily="49" charset="0"/>
+              </a:rPr>
+              <a:t>Before conducting any further research, we must address the question about the relationship between the cloud-based frond-end and cyber-physical network, and the first natural option is direct interconnection. By design, the direct interconnection approach requires that the cloud has to be compliant with the interoperability standard the cyber-physical system is based on.</a:t>
+            </a:r>
+          </a:p>
+          <a:p>
+            <a:endParaRPr lang="pl-PL" dirty="0"/>
+          </a:p>
+          <a:p>
+            <a:r>
+              <a:rPr lang="en-US" dirty="0"/>
+              <a:t>This approach is not practical, became by design, the cloud-based services require that for interconnection preparation and data interchange is conducted over the Internet. Contrary to this, machine-to-machine communication is usually constrained by real-time requirements to use protocols applicable only to local computer networks (for example multicast IP, Ethernet, TSN, etc.).</a:t>
+            </a:r>
+            <a:endParaRPr lang="pl-PL" dirty="0"/>
+          </a:p>
+          <a:p>
+            <a:endParaRPr lang="pl-PL" dirty="0"/>
+          </a:p>
+          <a:p>
+            <a:r>
+              <a:rPr lang="en-US" dirty="0"/>
+              <a:t>Concluding, it is obvious that because the cloud services support only communication over the Internet the direct interconnection cannot be applied in a general case.</a:t>
+            </a:r>
+          </a:p>
+        </p:txBody>
+      </p:sp>
+      <p:sp>
+        <p:nvSpPr>
+          <p:cNvPr id="4" name="Slide Number Placeholder 3"/>
+          <p:cNvSpPr>
+            <a:spLocks noGrp="1"/>
+          </p:cNvSpPr>
+          <p:nvPr>
+            <p:ph type="sldNum" sz="quarter" idx="5"/>
+          </p:nvPr>
+        </p:nvSpPr>
+        <p:spPr/>
+        <p:txBody>
+          <a:bodyPr/>
+          <a:lstStyle/>
+          <a:p>
+            <a:fld id="{0AFDF39F-D04E-4B9F-BFB7-9926CF8DAB9C}" type="slidenum">
+              <a:rPr lang="pl-PL" smtClean="0"/>
+              <a:pPr/>
+              <a:t>5</a:t>
+            </a:fld>
+            <a:endParaRPr lang="pl-PL"/>
+          </a:p>
+        </p:txBody>
+      </p:sp>
+    </p:spTree>
+    <p:extLst>
+      <p:ext uri="{BB962C8B-B14F-4D97-AF65-F5344CB8AC3E}">
+        <p14:creationId xmlns:p14="http://schemas.microsoft.com/office/powerpoint/2010/main" val="3625893690"/>
+      </p:ext>
+    </p:extLst>
+  </p:cSld>
+  <p:clrMapOvr>
+    <a:masterClrMapping/>
+  </p:clrMapOvr>
+</p:notes>
+</file>
+
+<file path=ppt/notesSlides/notesSlide6.xml><?xml version="1.0" encoding="utf-8"?>
+<p:notes xmlns:a="http://schemas.openxmlformats.org/drawingml/2006/main" xmlns:r="http://schemas.openxmlformats.org/officeDocument/2006/relationships" xmlns:p="http://schemas.openxmlformats.org/presentationml/2006/main">
+  <p:cSld>
+    <p:spTree>
+      <p:nvGrpSpPr>
+        <p:cNvPr id="1" name=""/>
+        <p:cNvGrpSpPr/>
+        <p:nvPr/>
+      </p:nvGrpSpPr>
+      <p:grpSpPr>
+        <a:xfrm>
+          <a:off x="0" y="0"/>
+          <a:ext cx="0" cy="0"/>
+          <a:chOff x="0" y="0"/>
+          <a:chExt cx="0" cy="0"/>
+        </a:xfrm>
+      </p:grpSpPr>
+      <p:sp>
+        <p:nvSpPr>
+          <p:cNvPr id="2" name="Slide Image Placeholder 1"/>
+          <p:cNvSpPr>
+            <a:spLocks noGrp="1" noRot="1" noChangeAspect="1"/>
+          </p:cNvSpPr>
+          <p:nvPr>
+            <p:ph type="sldImg"/>
+          </p:nvPr>
+        </p:nvSpPr>
+        <p:spPr/>
+      </p:sp>
+      <p:sp>
+        <p:nvSpPr>
+          <p:cNvPr id="3" name="Notes Placeholder 2"/>
+          <p:cNvSpPr>
+            <a:spLocks noGrp="1"/>
+          </p:cNvSpPr>
+          <p:nvPr>
+            <p:ph type="body" idx="1"/>
+          </p:nvPr>
+        </p:nvSpPr>
+        <p:spPr/>
+        <p:txBody>
+          <a:bodyPr/>
+          <a:lstStyle/>
+          <a:p>
+            <a:r>
+              <a:rPr lang="en-US" dirty="0"/>
+              <a:t>An edge entity is a remote cloud agent acting as an intermediary for nodes of the cyber-physical system. It is a consistent part of cloud-based frond-end services. The main disadvantage of this solution is the possibility to support interconnection with only one cloud service.</a:t>
+            </a:r>
+          </a:p>
+        </p:txBody>
+      </p:sp>
+      <p:sp>
+        <p:nvSpPr>
+          <p:cNvPr id="4" name="Slide Number Placeholder 3"/>
+          <p:cNvSpPr>
+            <a:spLocks noGrp="1"/>
+          </p:cNvSpPr>
+          <p:nvPr>
+            <p:ph type="sldNum" sz="quarter" idx="5"/>
+          </p:nvPr>
+        </p:nvSpPr>
+        <p:spPr/>
+        <p:txBody>
+          <a:bodyPr/>
+          <a:lstStyle/>
+          <a:p>
+            <a:fld id="{0AFDF39F-D04E-4B9F-BFB7-9926CF8DAB9C}" type="slidenum">
+              <a:rPr lang="pl-PL" smtClean="0"/>
+              <a:pPr/>
+              <a:t>6</a:t>
+            </a:fld>
+            <a:endParaRPr lang="pl-PL"/>
+          </a:p>
+        </p:txBody>
+      </p:sp>
+    </p:spTree>
+    <p:extLst>
+      <p:ext uri="{BB962C8B-B14F-4D97-AF65-F5344CB8AC3E}">
+        <p14:creationId xmlns:p14="http://schemas.microsoft.com/office/powerpoint/2010/main" val="2602247847"/>
+      </p:ext>
+    </p:extLst>
+  </p:cSld>
+  <p:clrMapOvr>
+    <a:masterClrMapping/>
+  </p:clrMapOvr>
+</p:notes>
+</file>
+
+<file path=ppt/notesSlides/notesSlide7.xml><?xml version="1.0" encoding="utf-8"?>
+<p:notes xmlns:a="http://schemas.openxmlformats.org/drawingml/2006/main" xmlns:r="http://schemas.openxmlformats.org/officeDocument/2006/relationships" xmlns:p="http://schemas.openxmlformats.org/presentationml/2006/main">
+  <p:cSld>
+    <p:spTree>
+      <p:nvGrpSpPr>
+        <p:cNvPr id="1" name=""/>
+        <p:cNvGrpSpPr/>
+        <p:nvPr/>
+      </p:nvGrpSpPr>
+      <p:grpSpPr>
+        <a:xfrm>
+          <a:off x="0" y="0"/>
+          <a:ext cx="0" cy="0"/>
+          <a:chOff x="0" y="0"/>
+          <a:chExt cx="0" cy="0"/>
+        </a:xfrm>
+      </p:grpSpPr>
+      <p:sp>
+        <p:nvSpPr>
+          <p:cNvPr id="2" name="Slide Image Placeholder 1"/>
+          <p:cNvSpPr>
+            <a:spLocks noGrp="1" noRot="1" noChangeAspect="1"/>
+          </p:cNvSpPr>
+          <p:nvPr>
+            <p:ph type="sldImg"/>
+          </p:nvPr>
+        </p:nvSpPr>
+        <p:spPr/>
+      </p:sp>
+      <p:sp>
+        <p:nvSpPr>
+          <p:cNvPr id="3" name="Notes Placeholder 2"/>
+          <p:cNvSpPr>
+            <a:spLocks noGrp="1"/>
+          </p:cNvSpPr>
+          <p:nvPr>
+            <p:ph type="body" idx="1"/>
+          </p:nvPr>
+        </p:nvSpPr>
+        <p:spPr/>
+        <p:txBody>
+          <a:bodyPr/>
+          <a:lstStyle/>
+          <a:p>
+            <a:r>
+              <a:rPr lang="en-US" dirty="0"/>
+              <a:t>Field level gateway is a dedicated custom agent acting as an intermediary for nodes connected to the cyber-physical network. This solution is not constrained by the cloud vendor communication context and as the result may be used to handle communication with a variety of clouds. Still, this solution is constrained to fulfill the gateway functionality only.</a:t>
+            </a:r>
+          </a:p>
+        </p:txBody>
+      </p:sp>
+      <p:sp>
+        <p:nvSpPr>
+          <p:cNvPr id="4" name="Slide Number Placeholder 3"/>
+          <p:cNvSpPr>
+            <a:spLocks noGrp="1"/>
+          </p:cNvSpPr>
+          <p:nvPr>
+            <p:ph type="sldNum" sz="quarter" idx="5"/>
+          </p:nvPr>
+        </p:nvSpPr>
+        <p:spPr/>
+        <p:txBody>
+          <a:bodyPr/>
+          <a:lstStyle/>
+          <a:p>
+            <a:fld id="{0AFDF39F-D04E-4B9F-BFB7-9926CF8DAB9C}" type="slidenum">
+              <a:rPr lang="pl-PL" smtClean="0"/>
+              <a:pPr/>
+              <a:t>7</a:t>
+            </a:fld>
+            <a:endParaRPr lang="pl-PL"/>
+          </a:p>
+        </p:txBody>
+      </p:sp>
+    </p:spTree>
+    <p:extLst>
+      <p:ext uri="{BB962C8B-B14F-4D97-AF65-F5344CB8AC3E}">
+        <p14:creationId xmlns:p14="http://schemas.microsoft.com/office/powerpoint/2010/main" val="3027203471"/>
+      </p:ext>
+    </p:extLst>
+  </p:cSld>
+  <p:clrMapOvr>
+    <a:masterClrMapping/>
+  </p:clrMapOvr>
+</p:notes>
+</file>
+
+<file path=ppt/notesSlides/notesSlide8.xml><?xml version="1.0" encoding="utf-8"?>
+<p:notes xmlns:a="http://schemas.openxmlformats.org/drawingml/2006/main" xmlns:r="http://schemas.openxmlformats.org/officeDocument/2006/relationships" xmlns:p="http://schemas.openxmlformats.org/presentationml/2006/main">
+  <p:cSld>
+    <p:spTree>
+      <p:nvGrpSpPr>
+        <p:cNvPr id="1" name=""/>
+        <p:cNvGrpSpPr/>
+        <p:nvPr/>
+      </p:nvGrpSpPr>
+      <p:grpSpPr>
+        <a:xfrm>
+          <a:off x="0" y="0"/>
+          <a:ext cx="0" cy="0"/>
+          <a:chOff x="0" y="0"/>
+          <a:chExt cx="0" cy="0"/>
+        </a:xfrm>
+      </p:grpSpPr>
+      <p:sp>
+        <p:nvSpPr>
+          <p:cNvPr id="2" name="Slide Image Placeholder 1"/>
+          <p:cNvSpPr>
+            <a:spLocks noGrp="1" noRot="1" noChangeAspect="1"/>
+          </p:cNvSpPr>
+          <p:nvPr>
+            <p:ph type="sldImg"/>
+          </p:nvPr>
+        </p:nvSpPr>
+        <p:spPr/>
+      </p:sp>
+      <p:sp>
+        <p:nvSpPr>
+          <p:cNvPr id="3" name="Notes Placeholder 2"/>
+          <p:cNvSpPr>
+            <a:spLocks noGrp="1"/>
+          </p:cNvSpPr>
+          <p:nvPr>
+            <p:ph type="body" idx="1"/>
+          </p:nvPr>
+        </p:nvSpPr>
+        <p:spPr/>
+        <p:txBody>
+          <a:bodyPr/>
+          <a:lstStyle/>
+          <a:p>
+            <a:r>
+              <a:rPr lang="en-US" dirty="0"/>
+              <a:t>We propose a new architecture derived from the field-level approach but not constrained to gateway functionality only. The embedded gateway is only a composed part of the Networking services of a cyber-physical node. In this approach, it may be assumed that the gateway functionality is only an add-in to expand the typical functionality of the node including but not limited to establishing semantic and security context with the other nodes connected to the cyber-physical network. The responsibility of the Embedded Gateway is to establish communication context with the cloud-based frond-end and conduct the selected data transfer in compliance with the context.</a:t>
+            </a:r>
+            <a:endParaRPr lang="pl-PL" dirty="0"/>
+          </a:p>
+          <a:p>
+            <a:endParaRPr lang="pl-PL" dirty="0"/>
+          </a:p>
+          <a:p>
+            <a:r>
+              <a:rPr lang="en-US" dirty="0"/>
+              <a:t>Embedded Gateway is composable to any Cyber-physical node. It is worth stressing that it could be deployed far after designing and deploring the hosting cyber-physical node. The only requirement that constrains this approach is a common abstract contract usually expressed as an interface that the embedded gateway must be compliant with to be aggregated to the whole. In other words, in the proposed solution, the gateway is loosely coupled with the node contrary to the edge and field-level approaches where the gateway functionality is tightly coupled (say embedded) with the host. It improves flexibility, reusability, and in general maintenance cost.</a:t>
+            </a:r>
+          </a:p>
+        </p:txBody>
+      </p:sp>
+      <p:sp>
+        <p:nvSpPr>
+          <p:cNvPr id="4" name="Slide Number Placeholder 3"/>
+          <p:cNvSpPr>
+            <a:spLocks noGrp="1"/>
+          </p:cNvSpPr>
+          <p:nvPr>
+            <p:ph type="sldNum" sz="quarter" idx="5"/>
+          </p:nvPr>
+        </p:nvSpPr>
+        <p:spPr/>
+        <p:txBody>
+          <a:bodyPr/>
+          <a:lstStyle/>
+          <a:p>
+            <a:fld id="{0AFDF39F-D04E-4B9F-BFB7-9926CF8DAB9C}" type="slidenum">
+              <a:rPr lang="pl-PL" smtClean="0"/>
+              <a:pPr/>
+              <a:t>8</a:t>
+            </a:fld>
+            <a:endParaRPr lang="pl-PL"/>
+          </a:p>
+        </p:txBody>
+      </p:sp>
+    </p:spTree>
+    <p:extLst>
+      <p:ext uri="{BB962C8B-B14F-4D97-AF65-F5344CB8AC3E}">
+        <p14:creationId xmlns:p14="http://schemas.microsoft.com/office/powerpoint/2010/main" val="52514795"/>
+      </p:ext>
+    </p:extLst>
+  </p:cSld>
+  <p:clrMapOvr>
+    <a:masterClrMapping/>
+  </p:clrMapOvr>
+</p:notes>
+</file>
+
+<file path=ppt/notesSlides/notesSlide9.xml><?xml version="1.0" encoding="utf-8"?>
+<p:notes xmlns:a="http://schemas.openxmlformats.org/drawingml/2006/main" xmlns:r="http://schemas.openxmlformats.org/officeDocument/2006/relationships" xmlns:p="http://schemas.openxmlformats.org/presentationml/2006/main">
+  <p:cSld>
+    <p:spTree>
+      <p:nvGrpSpPr>
+        <p:cNvPr id="1" name=""/>
+        <p:cNvGrpSpPr/>
+        <p:nvPr/>
+      </p:nvGrpSpPr>
+      <p:grpSpPr>
+        <a:xfrm>
+          <a:off x="0" y="0"/>
+          <a:ext cx="0" cy="0"/>
+          <a:chOff x="0" y="0"/>
+          <a:chExt cx="0" cy="0"/>
+        </a:xfrm>
+      </p:grpSpPr>
+      <p:sp>
+        <p:nvSpPr>
+          <p:cNvPr id="2" name="Slide Image Placeholder 1"/>
+          <p:cNvSpPr>
+            <a:spLocks noGrp="1" noRot="1" noChangeAspect="1"/>
+          </p:cNvSpPr>
+          <p:nvPr>
+            <p:ph type="sldImg"/>
+          </p:nvPr>
+        </p:nvSpPr>
+        <p:spPr/>
+      </p:sp>
+      <p:sp>
+        <p:nvSpPr>
+          <p:cNvPr id="3" name="Notes Placeholder 2"/>
+          <p:cNvSpPr>
+            <a:spLocks noGrp="1"/>
+          </p:cNvSpPr>
+          <p:nvPr>
+            <p:ph type="body" idx="1"/>
+          </p:nvPr>
+        </p:nvSpPr>
+        <p:spPr/>
+        <p:txBody>
+          <a:bodyPr>
+            <a:normAutofit fontScale="92500" lnSpcReduction="10000"/>
+          </a:bodyPr>
+          <a:lstStyle/>
+          <a:p>
+            <a:r>
+              <a:rPr lang="en-US" dirty="0"/>
+              <a:t>It is a theory abstracting a generic solution meeting community expectations. In other words, it is just a set of assumptions that now we can use to propose a concrete implementation meeting the assumption. I believe that a detailed description of the implementation is not relevant to us in contrast to an analysis of how to use the proposed domain model to make strategic design decisions and functionality distribution. From the above discussion we can learn that the main design decisions must concern reusability (it means using the same part in many scenarios), flexibility, interoperability in the multi-vendor environment, and last but not least deployment without programming.</a:t>
+            </a:r>
+            <a:endParaRPr lang="pl-PL" dirty="0"/>
+          </a:p>
+          <a:p>
+            <a:endParaRPr lang="pl-PL" dirty="0"/>
+          </a:p>
+          <a:p>
+            <a:r>
+              <a:rPr lang="en-US" dirty="0"/>
+              <a:t>To meet these requirements the mentioned on the scree design patterns have been used</a:t>
+            </a:r>
+            <a:endParaRPr lang="pl-PL" dirty="0"/>
+          </a:p>
+          <a:p>
+            <a:endParaRPr lang="pl-PL" dirty="0"/>
+          </a:p>
+          <a:p>
+            <a:r>
+              <a:rPr lang="pl-PL" dirty="0"/>
+              <a:t>- </a:t>
+            </a:r>
+            <a:r>
+              <a:rPr lang="en-US" dirty="0"/>
+              <a:t>Separation of concerns - to allow independent development of the parts.</a:t>
+            </a:r>
+            <a:endParaRPr lang="pl-PL" dirty="0"/>
+          </a:p>
+          <a:p>
+            <a:pPr marL="0" indent="0">
+              <a:buFontTx/>
+              <a:buNone/>
+            </a:pPr>
+            <a:r>
+              <a:rPr lang="pl-PL" dirty="0"/>
+              <a:t>- </a:t>
+            </a:r>
+            <a:r>
+              <a:rPr lang="en-US" dirty="0"/>
+              <a:t>Dependency injection - to allow late binding of independently implemented parts.</a:t>
+            </a:r>
+            <a:endParaRPr lang="pl-PL" dirty="0"/>
+          </a:p>
+          <a:p>
+            <a:pPr marL="0" indent="0">
+              <a:buFontTx/>
+              <a:buNone/>
+            </a:pPr>
+            <a:r>
+              <a:rPr lang="pl-PL" dirty="0"/>
+              <a:t>- </a:t>
+            </a:r>
+            <a:r>
+              <a:rPr lang="en-US" dirty="0"/>
+              <a:t>Adaptive Programming is used at the development and deployment stage to improve the adaptability of the program against changes in the production environment.</a:t>
+            </a:r>
+            <a:endParaRPr lang="pl-PL" dirty="0"/>
+          </a:p>
+          <a:p>
+            <a:endParaRPr lang="pl-PL" dirty="0"/>
+          </a:p>
+          <a:p>
+            <a:r>
+              <a:rPr lang="en-US" dirty="0"/>
+              <a:t>Piece-by-piece integration of a cyber-physical system using multi-vendor products requires that machine-to-machine communication employs international standards as the interoperability foundation. Following the presented conclusions, OPC Unified Architecture Part 14 </a:t>
+            </a:r>
+            <a:r>
+              <a:rPr lang="en-US" dirty="0" err="1"/>
+              <a:t>PubSub</a:t>
+            </a:r>
+            <a:r>
+              <a:rPr lang="en-US" dirty="0"/>
+              <a:t> is selected in this respect. By design, this standard should support the required publisher-subscriber communication pattern, but it covers only partially the requirements of the applications concerned. Therefore, our proposals shall be recognized as far beyond the specification scope, although they are still compliant with the standard.</a:t>
+            </a:r>
+            <a:endParaRPr lang="pl-PL" dirty="0"/>
+          </a:p>
+          <a:p>
+            <a:endParaRPr lang="pl-PL" dirty="0"/>
+          </a:p>
+        </p:txBody>
+      </p:sp>
+      <p:sp>
+        <p:nvSpPr>
+          <p:cNvPr id="4" name="Slide Number Placeholder 3"/>
+          <p:cNvSpPr>
+            <a:spLocks noGrp="1"/>
+          </p:cNvSpPr>
+          <p:nvPr>
+            <p:ph type="sldNum" sz="quarter" idx="5"/>
+          </p:nvPr>
+        </p:nvSpPr>
+        <p:spPr/>
+        <p:txBody>
+          <a:bodyPr/>
+          <a:lstStyle/>
+          <a:p>
+            <a:fld id="{0AFDF39F-D04E-4B9F-BFB7-9926CF8DAB9C}" type="slidenum">
+              <a:rPr lang="pl-PL" smtClean="0"/>
+              <a:pPr/>
+              <a:t>9</a:t>
+            </a:fld>
+            <a:endParaRPr lang="pl-PL"/>
+          </a:p>
+        </p:txBody>
+      </p:sp>
+    </p:spTree>
+    <p:extLst>
+      <p:ext uri="{BB962C8B-B14F-4D97-AF65-F5344CB8AC3E}">
+        <p14:creationId xmlns:p14="http://schemas.microsoft.com/office/powerpoint/2010/main" val="3892780717"/>
       </p:ext>
     </p:extLst>
   </p:cSld>
@@ -14332,7 +15163,7 @@
           </a:lstStyle>
           <a:p>
             <a:r>
-              <a:rPr lang="en-US" dirty="0"/>
+              <a:rPr lang="en-US"/>
               <a:t>June 2, 2021</a:t>
             </a:r>
             <a:endParaRPr lang="pl-PL" dirty="0"/>
@@ -14532,7 +15363,7 @@
     <p:sldLayoutId id="2147483718" r:id="rId8"/>
     <p:sldLayoutId id="2147483719" r:id="rId9"/>
   </p:sldLayoutIdLst>
-  <p:hf hdr="0"/>
+  <p:hf sldNum="0" hdr="0"/>
   <p:txStyles>
     <p:titleStyle>
       <a:lvl1pPr algn="l" defTabSz="914400" rtl="0" eaLnBrk="1" latinLnBrk="0" hangingPunct="1">
@@ -14952,6 +15783,162 @@
           <p:cNvPr id="2" name="Title 1">
             <a:extLst>
               <a:ext uri="{FF2B5EF4-FFF2-40B4-BE49-F238E27FC236}">
+                <a16:creationId xmlns:a16="http://schemas.microsoft.com/office/drawing/2014/main" id="{2A658A8F-618E-4B68-A818-2454C31C1BA8}"/>
+              </a:ext>
+            </a:extLst>
+          </p:cNvPr>
+          <p:cNvSpPr>
+            <a:spLocks noGrp="1"/>
+          </p:cNvSpPr>
+          <p:nvPr>
+            <p:ph type="title"/>
+          </p:nvPr>
+        </p:nvSpPr>
+        <p:spPr/>
+        <p:txBody>
+          <a:bodyPr/>
+          <a:lstStyle/>
+          <a:p>
+            <a:r>
+              <a:rPr lang="en-US" dirty="0"/>
+              <a:t>Proof of concept (pilot projects)</a:t>
+            </a:r>
+          </a:p>
+        </p:txBody>
+      </p:sp>
+      <p:sp>
+        <p:nvSpPr>
+          <p:cNvPr id="3" name="Date Placeholder 2">
+            <a:extLst>
+              <a:ext uri="{FF2B5EF4-FFF2-40B4-BE49-F238E27FC236}">
+                <a16:creationId xmlns:a16="http://schemas.microsoft.com/office/drawing/2014/main" id="{AE1F21B7-D4E9-4B40-91A7-7AFAC92F87EF}"/>
+              </a:ext>
+            </a:extLst>
+          </p:cNvPr>
+          <p:cNvSpPr>
+            <a:spLocks noGrp="1"/>
+          </p:cNvSpPr>
+          <p:nvPr>
+            <p:ph type="dt" sz="half" idx="10"/>
+          </p:nvPr>
+        </p:nvSpPr>
+        <p:spPr/>
+        <p:txBody>
+          <a:bodyPr/>
+          <a:lstStyle/>
+          <a:p>
+            <a:pPr>
+              <a:defRPr/>
+            </a:pPr>
+            <a:r>
+              <a:rPr lang="en-US"/>
+              <a:t>June 2, 2021</a:t>
+            </a:r>
+          </a:p>
+        </p:txBody>
+      </p:sp>
+      <p:sp>
+        <p:nvSpPr>
+          <p:cNvPr id="4" name="Footer Placeholder 3">
+            <a:extLst>
+              <a:ext uri="{FF2B5EF4-FFF2-40B4-BE49-F238E27FC236}">
+                <a16:creationId xmlns:a16="http://schemas.microsoft.com/office/drawing/2014/main" id="{7545C199-E2A3-4766-B0C1-2BBD804511B9}"/>
+              </a:ext>
+            </a:extLst>
+          </p:cNvPr>
+          <p:cNvSpPr>
+            <a:spLocks noGrp="1"/>
+          </p:cNvSpPr>
+          <p:nvPr>
+            <p:ph type="ftr" sz="quarter" idx="11"/>
+          </p:nvPr>
+        </p:nvSpPr>
+        <p:spPr/>
+        <p:txBody>
+          <a:bodyPr/>
+          <a:lstStyle/>
+          <a:p>
+            <a:pPr>
+              <a:defRPr/>
+            </a:pPr>
+            <a:r>
+              <a:rPr lang="en-US"/>
+              <a:t>ICCS21 M. Postół</a:t>
+            </a:r>
+          </a:p>
+        </p:txBody>
+      </p:sp>
+      <p:pic>
+        <p:nvPicPr>
+          <p:cNvPr id="6" name="Picture 5" descr="Graphical user interface, text, application, email&#10;&#10;Description automatically generated">
+            <a:extLst>
+              <a:ext uri="{FF2B5EF4-FFF2-40B4-BE49-F238E27FC236}">
+                <a16:creationId xmlns:a16="http://schemas.microsoft.com/office/drawing/2014/main" id="{452CF865-B11D-45B7-9537-74CA25FD30B1}"/>
+              </a:ext>
+            </a:extLst>
+          </p:cNvPr>
+          <p:cNvPicPr>
+            <a:picLocks noChangeAspect="1"/>
+          </p:cNvPicPr>
+          <p:nvPr/>
+        </p:nvPicPr>
+        <p:blipFill>
+          <a:blip r:embed="rId3">
+            <a:extLst>
+              <a:ext uri="{28A0092B-C50C-407E-A947-70E740481C1C}">
+                <a14:useLocalDpi xmlns:a14="http://schemas.microsoft.com/office/drawing/2010/main" val="0"/>
+              </a:ext>
+            </a:extLst>
+          </a:blip>
+          <a:stretch>
+            <a:fillRect/>
+          </a:stretch>
+        </p:blipFill>
+        <p:spPr>
+          <a:xfrm>
+            <a:off x="2480288" y="727456"/>
+            <a:ext cx="7231424" cy="5682343"/>
+          </a:xfrm>
+          <a:prstGeom prst="rect">
+            <a:avLst/>
+          </a:prstGeom>
+        </p:spPr>
+      </p:pic>
+    </p:spTree>
+    <p:extLst>
+      <p:ext uri="{BB962C8B-B14F-4D97-AF65-F5344CB8AC3E}">
+        <p14:creationId xmlns:p14="http://schemas.microsoft.com/office/powerpoint/2010/main" val="89338584"/>
+      </p:ext>
+    </p:extLst>
+  </p:cSld>
+  <p:clrMapOvr>
+    <a:masterClrMapping/>
+  </p:clrMapOvr>
+</p:sld>
+</file>
+
+<file path=ppt/slides/slide11.xml><?xml version="1.0" encoding="utf-8"?>
+<p:sld xmlns:a="http://schemas.openxmlformats.org/drawingml/2006/main" xmlns:r="http://schemas.openxmlformats.org/officeDocument/2006/relationships" xmlns:p="http://schemas.openxmlformats.org/presentationml/2006/main">
+  <p:cSld>
+    <p:spTree>
+      <p:nvGrpSpPr>
+        <p:cNvPr id="1" name=""/>
+        <p:cNvGrpSpPr/>
+        <p:nvPr/>
+      </p:nvGrpSpPr>
+      <p:grpSpPr>
+        <a:xfrm>
+          <a:off x="0" y="0"/>
+          <a:ext cx="0" cy="0"/>
+          <a:chOff x="0" y="0"/>
+          <a:chExt cx="0" cy="0"/>
+        </a:xfrm>
+      </p:grpSpPr>
+      <p:sp>
+        <p:nvSpPr>
+          <p:cNvPr id="2" name="Title 1">
+            <a:extLst>
+              <a:ext uri="{FF2B5EF4-FFF2-40B4-BE49-F238E27FC236}">
                 <a16:creationId xmlns:a16="http://schemas.microsoft.com/office/drawing/2014/main" id="{FB2C22E1-969A-43F3-A0AC-BC370453E796}"/>
               </a:ext>
             </a:extLst>
@@ -15056,7 +16043,7 @@
           <p:nvPr/>
         </p:nvPicPr>
         <p:blipFill>
-          <a:blip r:embed="rId2" cstate="print">
+          <a:blip r:embed="rId3" cstate="print">
             <a:extLst>
               <a:ext uri="{28A0092B-C50C-407E-A947-70E740481C1C}">
                 <a14:useLocalDpi xmlns:a14="http://schemas.microsoft.com/office/drawing/2010/main" val="0"/>
@@ -15146,8 +16133,8 @@
 </p:sld>
 </file>
 
-<file path=ppt/slides/slide11.xml><?xml version="1.0" encoding="utf-8"?>
-<p:sld xmlns:a="http://schemas.openxmlformats.org/drawingml/2006/main" xmlns:r="http://schemas.openxmlformats.org/officeDocument/2006/relationships" xmlns:p="http://schemas.openxmlformats.org/presentationml/2006/main">
+<file path=ppt/slides/slide12.xml><?xml version="1.0" encoding="utf-8"?>
+<p:sld xmlns:a="http://schemas.openxmlformats.org/drawingml/2006/main" xmlns:r="http://schemas.openxmlformats.org/officeDocument/2006/relationships" xmlns:p="http://schemas.openxmlformats.org/presentationml/2006/main" show="0">
   <p:cSld>
     <p:spTree>
       <p:nvGrpSpPr>
@@ -15380,7 +16367,7 @@
 </p:sld>
 </file>
 
-<file path=ppt/slides/slide12.xml><?xml version="1.0" encoding="utf-8"?>
+<file path=ppt/slides/slide13.xml><?xml version="1.0" encoding="utf-8"?>
 <p:sld xmlns:a="http://schemas.openxmlformats.org/drawingml/2006/main" xmlns:r="http://schemas.openxmlformats.org/officeDocument/2006/relationships" xmlns:p="http://schemas.openxmlformats.org/presentationml/2006/main">
   <p:cSld>
     <p:spTree>
@@ -15502,7 +16489,7 @@
           <p:nvPr/>
         </p:nvPicPr>
         <p:blipFill>
-          <a:blip r:embed="rId2" cstate="print">
+          <a:blip r:embed="rId3" cstate="print">
             <a:extLst>
               <a:ext uri="{28A0092B-C50C-407E-A947-70E740481C1C}">
                 <a14:useLocalDpi xmlns:a14="http://schemas.microsoft.com/office/drawing/2010/main" val="0"/>
@@ -15536,7 +16523,7 @@
 </p:sld>
 </file>
 
-<file path=ppt/slides/slide13.xml><?xml version="1.0" encoding="utf-8"?>
+<file path=ppt/slides/slide14.xml><?xml version="1.0" encoding="utf-8"?>
 <p:sld xmlns:a="http://schemas.openxmlformats.org/drawingml/2006/main" xmlns:r="http://schemas.openxmlformats.org/officeDocument/2006/relationships" xmlns:p="http://schemas.openxmlformats.org/presentationml/2006/main">
   <p:cSld>
     <p:spTree>
@@ -15658,7 +16645,7 @@
           <p:nvPr/>
         </p:nvPicPr>
         <p:blipFill>
-          <a:blip r:embed="rId2" cstate="print">
+          <a:blip r:embed="rId3" cstate="print">
             <a:extLst>
               <a:ext uri="{28A0092B-C50C-407E-A947-70E740481C1C}">
                 <a14:useLocalDpi xmlns:a14="http://schemas.microsoft.com/office/drawing/2010/main" val="0"/>
@@ -15692,7 +16679,7 @@
 </p:sld>
 </file>
 
-<file path=ppt/slides/slide14.xml><?xml version="1.0" encoding="utf-8"?>
+<file path=ppt/slides/slide15.xml><?xml version="1.0" encoding="utf-8"?>
 <p:sld xmlns:a="http://schemas.openxmlformats.org/drawingml/2006/main" xmlns:r="http://schemas.openxmlformats.org/officeDocument/2006/relationships" xmlns:p="http://schemas.openxmlformats.org/presentationml/2006/main">
   <p:cSld>
     <p:spTree>
@@ -17526,424 +18513,7 @@
 </p:sld>
 </file>
 
-<file path=ppt/slides/slide15.xml><?xml version="1.0" encoding="utf-8"?>
-<p:sld xmlns:a="http://schemas.openxmlformats.org/drawingml/2006/main" xmlns:r="http://schemas.openxmlformats.org/officeDocument/2006/relationships" xmlns:p="http://schemas.openxmlformats.org/presentationml/2006/main">
-  <p:cSld>
-    <p:spTree>
-      <p:nvGrpSpPr>
-        <p:cNvPr id="1" name=""/>
-        <p:cNvGrpSpPr/>
-        <p:nvPr/>
-      </p:nvGrpSpPr>
-      <p:grpSpPr>
-        <a:xfrm>
-          <a:off x="0" y="0"/>
-          <a:ext cx="0" cy="0"/>
-          <a:chOff x="0" y="0"/>
-          <a:chExt cx="0" cy="0"/>
-        </a:xfrm>
-      </p:grpSpPr>
-      <p:sp>
-        <p:nvSpPr>
-          <p:cNvPr id="2" name="Tytuł 1">
-            <a:extLst>
-              <a:ext uri="{FF2B5EF4-FFF2-40B4-BE49-F238E27FC236}">
-                <a16:creationId xmlns:a16="http://schemas.microsoft.com/office/drawing/2014/main" id="{A1045EDA-11B0-4E02-A174-B76AC435A2EA}"/>
-              </a:ext>
-            </a:extLst>
-          </p:cNvPr>
-          <p:cNvSpPr>
-            <a:spLocks noGrp="1"/>
-          </p:cNvSpPr>
-          <p:nvPr>
-            <p:ph type="title"/>
-          </p:nvPr>
-        </p:nvSpPr>
-        <p:spPr/>
-        <p:txBody>
-          <a:bodyPr/>
-          <a:lstStyle/>
-          <a:p>
-            <a:r>
-              <a:rPr lang="en-US"/>
-              <a:t>Implemenation – proof of concept</a:t>
-            </a:r>
-          </a:p>
-        </p:txBody>
-      </p:sp>
-      <p:sp>
-        <p:nvSpPr>
-          <p:cNvPr id="3" name="Symbol zastępczy zawartości 2">
-            <a:extLst>
-              <a:ext uri="{FF2B5EF4-FFF2-40B4-BE49-F238E27FC236}">
-                <a16:creationId xmlns:a16="http://schemas.microsoft.com/office/drawing/2014/main" id="{871D038F-17FE-434E-872E-CE0105DB0A2D}"/>
-              </a:ext>
-            </a:extLst>
-          </p:cNvPr>
-          <p:cNvSpPr>
-            <a:spLocks noGrp="1"/>
-          </p:cNvSpPr>
-          <p:nvPr>
-            <p:ph idx="1"/>
-          </p:nvPr>
-        </p:nvSpPr>
-        <p:spPr/>
-        <p:txBody>
-          <a:bodyPr>
-            <a:normAutofit/>
-          </a:bodyPr>
-          <a:lstStyle/>
-          <a:p>
-            <a:r>
-              <a:rPr lang="en-US" dirty="0"/>
-              <a:t>To promote and leverage</a:t>
-            </a:r>
-          </a:p>
-          <a:p>
-            <a:pPr lvl="1"/>
-            <a:r>
-              <a:rPr lang="en-US" dirty="0"/>
-              <a:t>Reusability – using the same part in many scenarios</a:t>
-            </a:r>
-          </a:p>
-          <a:p>
-            <a:pPr lvl="1"/>
-            <a:r>
-              <a:rPr lang="en-US" dirty="0"/>
-              <a:t>Flexibility</a:t>
-            </a:r>
-          </a:p>
-          <a:p>
-            <a:pPr lvl="1"/>
-            <a:r>
-              <a:rPr lang="en-US" dirty="0"/>
-              <a:t>Interoperability</a:t>
-            </a:r>
-            <a:r>
-              <a:rPr lang="pl-PL" dirty="0"/>
-              <a:t> in the m</a:t>
-            </a:r>
-            <a:r>
-              <a:rPr lang="en-US" dirty="0" err="1"/>
-              <a:t>ulti</a:t>
-            </a:r>
-            <a:r>
-              <a:rPr lang="en-US" dirty="0"/>
-              <a:t>-vendor environment </a:t>
-            </a:r>
-          </a:p>
-          <a:p>
-            <a:pPr lvl="1"/>
-            <a:r>
-              <a:rPr lang="en-US" dirty="0"/>
-              <a:t>Deployment without programming</a:t>
-            </a:r>
-          </a:p>
-          <a:p>
-            <a:r>
-              <a:rPr lang="en-US" dirty="0"/>
-              <a:t>The following </a:t>
-            </a:r>
-            <a:r>
-              <a:rPr lang="pl-PL" dirty="0"/>
-              <a:t>design </a:t>
-            </a:r>
-            <a:r>
-              <a:rPr lang="en-US" dirty="0"/>
-              <a:t>patterns</a:t>
-            </a:r>
-            <a:r>
-              <a:rPr lang="pl-PL" dirty="0"/>
-              <a:t> </a:t>
-            </a:r>
-            <a:r>
-              <a:rPr lang="en-US" dirty="0"/>
-              <a:t>are applied</a:t>
-            </a:r>
-          </a:p>
-          <a:p>
-            <a:pPr lvl="1"/>
-            <a:r>
-              <a:rPr lang="en-US" dirty="0"/>
-              <a:t>Separation of concerns</a:t>
-            </a:r>
-            <a:endParaRPr lang="pl-PL" dirty="0"/>
-          </a:p>
-          <a:p>
-            <a:pPr lvl="1"/>
-            <a:r>
-              <a:rPr lang="en-US" dirty="0"/>
-              <a:t>Dependency injection</a:t>
-            </a:r>
-            <a:endParaRPr lang="pl-PL" dirty="0"/>
-          </a:p>
-          <a:p>
-            <a:pPr lvl="1"/>
-            <a:r>
-              <a:rPr lang="en-US" dirty="0"/>
-              <a:t>Adaptive Programming</a:t>
-            </a:r>
-          </a:p>
-          <a:p>
-            <a:pPr lvl="1"/>
-            <a:r>
-              <a:rPr lang="en-US" dirty="0"/>
-              <a:t>Standardization</a:t>
-            </a:r>
-            <a:r>
-              <a:rPr lang="pl-PL" dirty="0"/>
-              <a:t>, i.e. </a:t>
-            </a:r>
-            <a:r>
-              <a:rPr lang="en-US" dirty="0"/>
-              <a:t>OPC UA Part 14 </a:t>
-            </a:r>
-            <a:r>
-              <a:rPr lang="en-US" dirty="0" err="1"/>
-              <a:t>PubSub</a:t>
-            </a:r>
-            <a:r>
-              <a:rPr lang="en-US" dirty="0"/>
-              <a:t> </a:t>
-            </a:r>
-          </a:p>
-          <a:p>
-            <a:pPr lvl="1"/>
-            <a:endParaRPr lang="en-US" dirty="0"/>
-          </a:p>
-          <a:p>
-            <a:pPr lvl="1"/>
-            <a:endParaRPr lang="en-US" dirty="0"/>
-          </a:p>
-        </p:txBody>
-      </p:sp>
-      <p:sp>
-        <p:nvSpPr>
-          <p:cNvPr id="6" name="Date Placeholder 5">
-            <a:extLst>
-              <a:ext uri="{FF2B5EF4-FFF2-40B4-BE49-F238E27FC236}">
-                <a16:creationId xmlns:a16="http://schemas.microsoft.com/office/drawing/2014/main" id="{71EAAA95-2968-49CF-9F7A-DA5108F31C57}"/>
-              </a:ext>
-            </a:extLst>
-          </p:cNvPr>
-          <p:cNvSpPr>
-            <a:spLocks noGrp="1"/>
-          </p:cNvSpPr>
-          <p:nvPr>
-            <p:ph type="dt" sz="half" idx="10"/>
-          </p:nvPr>
-        </p:nvSpPr>
-        <p:spPr/>
-        <p:txBody>
-          <a:bodyPr/>
-          <a:lstStyle/>
-          <a:p>
-            <a:r>
-              <a:rPr lang="en-US"/>
-              <a:t>June 2, 2021</a:t>
-            </a:r>
-            <a:endParaRPr lang="pl-PL"/>
-          </a:p>
-        </p:txBody>
-      </p:sp>
-      <p:sp>
-        <p:nvSpPr>
-          <p:cNvPr id="7" name="Footer Placeholder 6">
-            <a:extLst>
-              <a:ext uri="{FF2B5EF4-FFF2-40B4-BE49-F238E27FC236}">
-                <a16:creationId xmlns:a16="http://schemas.microsoft.com/office/drawing/2014/main" id="{6ECAAC2D-F579-42E5-802A-7E3D625F8A18}"/>
-              </a:ext>
-            </a:extLst>
-          </p:cNvPr>
-          <p:cNvSpPr>
-            <a:spLocks noGrp="1"/>
-          </p:cNvSpPr>
-          <p:nvPr>
-            <p:ph type="ftr" sz="quarter" idx="11"/>
-          </p:nvPr>
-        </p:nvSpPr>
-        <p:spPr/>
-        <p:txBody>
-          <a:bodyPr/>
-          <a:lstStyle/>
-          <a:p>
-            <a:r>
-              <a:rPr lang="pl-PL"/>
-              <a:t>ICCS21 M. Postół</a:t>
-            </a:r>
-          </a:p>
-        </p:txBody>
-      </p:sp>
-    </p:spTree>
-    <p:extLst>
-      <p:ext uri="{BB962C8B-B14F-4D97-AF65-F5344CB8AC3E}">
-        <p14:creationId xmlns:p14="http://schemas.microsoft.com/office/powerpoint/2010/main" val="666013269"/>
-      </p:ext>
-    </p:extLst>
-  </p:cSld>
-  <p:clrMapOvr>
-    <a:masterClrMapping/>
-  </p:clrMapOvr>
-</p:sld>
-</file>
-
 <file path=ppt/slides/slide16.xml><?xml version="1.0" encoding="utf-8"?>
-<p:sld xmlns:a="http://schemas.openxmlformats.org/drawingml/2006/main" xmlns:r="http://schemas.openxmlformats.org/officeDocument/2006/relationships" xmlns:p="http://schemas.openxmlformats.org/presentationml/2006/main">
-  <p:cSld>
-    <p:spTree>
-      <p:nvGrpSpPr>
-        <p:cNvPr id="1" name=""/>
-        <p:cNvGrpSpPr/>
-        <p:nvPr/>
-      </p:nvGrpSpPr>
-      <p:grpSpPr>
-        <a:xfrm>
-          <a:off x="0" y="0"/>
-          <a:ext cx="0" cy="0"/>
-          <a:chOff x="0" y="0"/>
-          <a:chExt cx="0" cy="0"/>
-        </a:xfrm>
-      </p:grpSpPr>
-      <p:sp>
-        <p:nvSpPr>
-          <p:cNvPr id="2" name="Title 1">
-            <a:extLst>
-              <a:ext uri="{FF2B5EF4-FFF2-40B4-BE49-F238E27FC236}">
-                <a16:creationId xmlns:a16="http://schemas.microsoft.com/office/drawing/2014/main" id="{2A658A8F-618E-4B68-A818-2454C31C1BA8}"/>
-              </a:ext>
-            </a:extLst>
-          </p:cNvPr>
-          <p:cNvSpPr>
-            <a:spLocks noGrp="1"/>
-          </p:cNvSpPr>
-          <p:nvPr>
-            <p:ph type="title"/>
-          </p:nvPr>
-        </p:nvSpPr>
-        <p:spPr/>
-        <p:txBody>
-          <a:bodyPr/>
-          <a:lstStyle/>
-          <a:p>
-            <a:r>
-              <a:rPr lang="en-US" dirty="0"/>
-              <a:t>Proof of concept (pilot projects)</a:t>
-            </a:r>
-          </a:p>
-        </p:txBody>
-      </p:sp>
-      <p:sp>
-        <p:nvSpPr>
-          <p:cNvPr id="3" name="Date Placeholder 2">
-            <a:extLst>
-              <a:ext uri="{FF2B5EF4-FFF2-40B4-BE49-F238E27FC236}">
-                <a16:creationId xmlns:a16="http://schemas.microsoft.com/office/drawing/2014/main" id="{AE1F21B7-D4E9-4B40-91A7-7AFAC92F87EF}"/>
-              </a:ext>
-            </a:extLst>
-          </p:cNvPr>
-          <p:cNvSpPr>
-            <a:spLocks noGrp="1"/>
-          </p:cNvSpPr>
-          <p:nvPr>
-            <p:ph type="dt" sz="half" idx="10"/>
-          </p:nvPr>
-        </p:nvSpPr>
-        <p:spPr/>
-        <p:txBody>
-          <a:bodyPr/>
-          <a:lstStyle/>
-          <a:p>
-            <a:pPr>
-              <a:defRPr/>
-            </a:pPr>
-            <a:r>
-              <a:rPr lang="en-US"/>
-              <a:t>June 2, 2021</a:t>
-            </a:r>
-          </a:p>
-        </p:txBody>
-      </p:sp>
-      <p:sp>
-        <p:nvSpPr>
-          <p:cNvPr id="4" name="Footer Placeholder 3">
-            <a:extLst>
-              <a:ext uri="{FF2B5EF4-FFF2-40B4-BE49-F238E27FC236}">
-                <a16:creationId xmlns:a16="http://schemas.microsoft.com/office/drawing/2014/main" id="{7545C199-E2A3-4766-B0C1-2BBD804511B9}"/>
-              </a:ext>
-            </a:extLst>
-          </p:cNvPr>
-          <p:cNvSpPr>
-            <a:spLocks noGrp="1"/>
-          </p:cNvSpPr>
-          <p:nvPr>
-            <p:ph type="ftr" sz="quarter" idx="11"/>
-          </p:nvPr>
-        </p:nvSpPr>
-        <p:spPr/>
-        <p:txBody>
-          <a:bodyPr/>
-          <a:lstStyle/>
-          <a:p>
-            <a:pPr>
-              <a:defRPr/>
-            </a:pPr>
-            <a:r>
-              <a:rPr lang="en-US"/>
-              <a:t>ICCS21 M. Postół</a:t>
-            </a:r>
-          </a:p>
-        </p:txBody>
-      </p:sp>
-      <p:pic>
-        <p:nvPicPr>
-          <p:cNvPr id="6" name="Picture 5" descr="Graphical user interface, text, application, email&#10;&#10;Description automatically generated">
-            <a:extLst>
-              <a:ext uri="{FF2B5EF4-FFF2-40B4-BE49-F238E27FC236}">
-                <a16:creationId xmlns:a16="http://schemas.microsoft.com/office/drawing/2014/main" id="{452CF865-B11D-45B7-9537-74CA25FD30B1}"/>
-              </a:ext>
-            </a:extLst>
-          </p:cNvPr>
-          <p:cNvPicPr>
-            <a:picLocks noChangeAspect="1"/>
-          </p:cNvPicPr>
-          <p:nvPr/>
-        </p:nvPicPr>
-        <p:blipFill>
-          <a:blip r:embed="rId2">
-            <a:extLst>
-              <a:ext uri="{28A0092B-C50C-407E-A947-70E740481C1C}">
-                <a14:useLocalDpi xmlns:a14="http://schemas.microsoft.com/office/drawing/2010/main" val="0"/>
-              </a:ext>
-            </a:extLst>
-          </a:blip>
-          <a:stretch>
-            <a:fillRect/>
-          </a:stretch>
-        </p:blipFill>
-        <p:spPr>
-          <a:xfrm>
-            <a:off x="2480288" y="727456"/>
-            <a:ext cx="7231424" cy="5682343"/>
-          </a:xfrm>
-          <a:prstGeom prst="rect">
-            <a:avLst/>
-          </a:prstGeom>
-        </p:spPr>
-      </p:pic>
-    </p:spTree>
-    <p:extLst>
-      <p:ext uri="{BB962C8B-B14F-4D97-AF65-F5344CB8AC3E}">
-        <p14:creationId xmlns:p14="http://schemas.microsoft.com/office/powerpoint/2010/main" val="89338584"/>
-      </p:ext>
-    </p:extLst>
-  </p:cSld>
-  <p:clrMapOvr>
-    <a:masterClrMapping/>
-  </p:clrMapOvr>
-</p:sld>
-</file>
-
-<file path=ppt/slides/slide17.xml><?xml version="1.0" encoding="utf-8"?>
 <p:sld xmlns:a="http://schemas.openxmlformats.org/drawingml/2006/main" xmlns:r="http://schemas.openxmlformats.org/officeDocument/2006/relationships" xmlns:p="http://schemas.openxmlformats.org/presentationml/2006/main">
   <p:cSld>
     <p:spTree>
@@ -17976,14 +18546,19 @@
             <p:ph type="title"/>
           </p:nvPr>
         </p:nvSpPr>
-        <p:spPr/>
+        <p:spPr>
+          <a:xfrm>
+            <a:off x="263352" y="136525"/>
+            <a:ext cx="11449272" cy="590931"/>
+          </a:xfrm>
+        </p:spPr>
         <p:txBody>
           <a:bodyPr/>
           <a:lstStyle/>
           <a:p>
             <a:r>
-              <a:rPr lang="en-US"/>
-              <a:t>Conclusions and Further work</a:t>
+              <a:rPr lang="en-US" dirty="0"/>
+              <a:t>Future research</a:t>
             </a:r>
           </a:p>
         </p:txBody>
@@ -18004,7 +18579,12 @@
             <p:ph idx="1"/>
           </p:nvPr>
         </p:nvSpPr>
-        <p:spPr/>
+        <p:spPr>
+          <a:xfrm>
+            <a:off x="263352" y="836712"/>
+            <a:ext cx="11449272" cy="5400600"/>
+          </a:xfrm>
+        </p:spPr>
         <p:txBody>
           <a:bodyPr>
             <a:normAutofit/>
@@ -18012,64 +18592,33 @@
           <a:lstStyle/>
           <a:p>
             <a:r>
-              <a:rPr lang="pl-PL" dirty="0" err="1"/>
-              <a:t>Process-Observer</a:t>
-            </a:r>
-            <a:r>
-              <a:rPr lang="pl-PL" dirty="0"/>
-              <a:t> - m</a:t>
-            </a:r>
-            <a:r>
-              <a:rPr lang="en-US" dirty="0" err="1"/>
-              <a:t>achine</a:t>
-            </a:r>
-            <a:r>
-              <a:rPr lang="en-US" dirty="0"/>
-              <a:t> to </a:t>
-            </a:r>
-            <a:r>
-              <a:rPr lang="pl-PL" dirty="0"/>
-              <a:t>s</a:t>
-            </a:r>
-            <a:r>
-              <a:rPr lang="en-US" dirty="0" err="1"/>
-              <a:t>ensors</a:t>
-            </a:r>
-            <a:r>
-              <a:rPr lang="en-US" dirty="0"/>
-              <a:t> connectivity</a:t>
-            </a:r>
-            <a:endParaRPr lang="pl-PL" dirty="0"/>
-          </a:p>
-          <a:p>
-            <a:r>
-              <a:rPr lang="en-US" dirty="0"/>
-              <a:t>Attributed Data Transfer Object (TDO) – to control distribution channel </a:t>
-            </a:r>
-            <a:r>
-              <a:rPr lang="en-US" dirty="0" err="1"/>
-              <a:t>behaviour</a:t>
-            </a:r>
-            <a:endParaRPr lang="en-US" dirty="0"/>
-          </a:p>
-          <a:p>
-            <a:r>
-              <a:rPr lang="en-US" dirty="0"/>
-              <a:t>How to establish semantic/security context at run time</a:t>
+              <a:rPr lang="en-US"/>
+              <a:t>OPC UA Server Embedded Gateway</a:t>
+            </a:r>
+          </a:p>
+          <a:p>
+            <a:r>
+              <a:rPr lang="en-US"/>
+              <a:t>OPC UA Client Emended Gateway</a:t>
+            </a:r>
+          </a:p>
+          <a:p>
+            <a:r>
+              <a:rPr lang="en-US"/>
+              <a:t>Semantic mapping</a:t>
+            </a:r>
+          </a:p>
+          <a:p>
+            <a:r>
+              <a:rPr lang="en-US"/>
+              <a:t>Gateway on a stick</a:t>
             </a:r>
           </a:p>
           <a:p>
             <a:pPr lvl="1"/>
             <a:r>
-              <a:rPr lang="en-US" dirty="0"/>
-              <a:t>out-of-band communication</a:t>
-            </a:r>
-          </a:p>
-          <a:p>
-            <a:pPr lvl="1"/>
-            <a:r>
-              <a:rPr lang="en-US" dirty="0"/>
-              <a:t>Semantic-data concept</a:t>
+              <a:rPr lang="en-US"/>
+              <a:t>self contained application without Cyber-physical Network interoperability</a:t>
             </a:r>
           </a:p>
         </p:txBody>
@@ -18090,7 +18639,12 @@
             <p:ph type="dt" sz="half" idx="10"/>
           </p:nvPr>
         </p:nvSpPr>
-        <p:spPr/>
+        <p:spPr>
+          <a:xfrm>
+            <a:off x="263352" y="6356350"/>
+            <a:ext cx="1152128" cy="365125"/>
+          </a:xfrm>
+        </p:spPr>
         <p:txBody>
           <a:bodyPr/>
           <a:lstStyle/>
@@ -18119,7 +18673,12 @@
             <p:ph type="ftr" sz="quarter" idx="11"/>
           </p:nvPr>
         </p:nvSpPr>
-        <p:spPr/>
+        <p:spPr>
+          <a:xfrm>
+            <a:off x="9912424" y="6356350"/>
+            <a:ext cx="1800200" cy="365125"/>
+          </a:xfrm>
+        </p:spPr>
         <p:txBody>
           <a:bodyPr/>
           <a:lstStyle/>
@@ -18144,7 +18703,7 @@
 </p:sld>
 </file>
 
-<file path=ppt/slides/slide18.xml><?xml version="1.0" encoding="utf-8"?>
+<file path=ppt/slides/slide17.xml><?xml version="1.0" encoding="utf-8"?>
 <p:sld xmlns:a="http://schemas.openxmlformats.org/drawingml/2006/main" xmlns:r="http://schemas.openxmlformats.org/officeDocument/2006/relationships" xmlns:p="http://schemas.openxmlformats.org/presentationml/2006/main">
   <p:cSld>
     <p:spTree>
@@ -18307,7 +18866,12 @@
             <p:ph type="dt" sz="half" idx="10"/>
           </p:nvPr>
         </p:nvSpPr>
-        <p:spPr/>
+        <p:spPr>
+          <a:xfrm>
+            <a:off x="263352" y="6356350"/>
+            <a:ext cx="1296144" cy="365125"/>
+          </a:xfrm>
+        </p:spPr>
         <p:txBody>
           <a:bodyPr/>
           <a:lstStyle/>
@@ -18338,8 +18902,8 @@
         </p:nvSpPr>
         <p:spPr>
           <a:xfrm>
-            <a:off x="7597824" y="6356350"/>
-            <a:ext cx="4114800" cy="365125"/>
+            <a:off x="10128448" y="6356350"/>
+            <a:ext cx="1584176" cy="365125"/>
           </a:xfrm>
         </p:spPr>
         <p:txBody>
@@ -18633,70 +19197,95 @@
           <a:lstStyle/>
           <a:p>
             <a:r>
-              <a:rPr lang="en-US"/>
+              <a:rPr lang="en-US" dirty="0"/>
               <a:t>Human-centric </a:t>
             </a:r>
+            <a:endParaRPr lang="pl-PL" dirty="0"/>
           </a:p>
           <a:p>
             <a:pPr lvl="1"/>
             <a:r>
-              <a:rPr lang="en-US"/>
-              <a:t>information origin or ultimate information destination is an operator</a:t>
-            </a:r>
+              <a:rPr lang="en-US" dirty="0"/>
+              <a:t>information origin or ultimate information destination is an operator  </a:t>
+            </a:r>
+            <a:endParaRPr lang="pl-PL" dirty="0"/>
           </a:p>
           <a:p>
             <a:pPr lvl="1"/>
             <a:r>
-              <a:rPr lang="en-US"/>
-              <a:t>GUI Based Human Interface</a:t>
-            </a:r>
+              <a:rPr lang="en-US" dirty="0"/>
+              <a:t>GUI Based Human Interface </a:t>
+            </a:r>
+            <a:endParaRPr lang="pl-PL" dirty="0"/>
           </a:p>
           <a:p>
             <a:pPr lvl="1"/>
             <a:r>
-              <a:rPr lang="en-US"/>
+              <a:rPr lang="en-US" dirty="0"/>
               <a:t>Robustness (errors tolerance) depends on human interaction</a:t>
             </a:r>
+            <a:endParaRPr lang="pl-PL" dirty="0"/>
           </a:p>
           <a:p>
             <a:pPr lvl="1"/>
             <a:r>
-              <a:rPr lang="en-US"/>
+              <a:rPr lang="en-US" dirty="0"/>
               <a:t>Cloud-base IoT front-end</a:t>
             </a:r>
-          </a:p>
-          <a:p>
-            <a:r>
-              <a:rPr lang="en-US"/>
+            <a:endParaRPr lang="pl-PL" dirty="0"/>
+          </a:p>
+          <a:p>
+            <a:r>
+              <a:rPr lang="en-US" dirty="0"/>
               <a:t>Machine-centric</a:t>
             </a:r>
+            <a:r>
+              <a:rPr lang="pl-PL" dirty="0"/>
+              <a:t>-</a:t>
+            </a:r>
+            <a:r>
+              <a:rPr lang="en-US" dirty="0"/>
+              <a:t>information creation, consumption, networking, and processing are achieved entirely without human interaction</a:t>
+            </a:r>
+            <a:endParaRPr lang="pl-PL" dirty="0"/>
           </a:p>
           <a:p>
             <a:pPr lvl="1"/>
             <a:r>
-              <a:rPr lang="en-US"/>
+              <a:rPr lang="en-US" dirty="0"/>
               <a:t>Machine to Machine Communication (M2M) </a:t>
             </a:r>
+            <a:endParaRPr lang="pl-PL" dirty="0"/>
           </a:p>
           <a:p>
             <a:pPr lvl="1"/>
             <a:r>
-              <a:rPr lang="en-US"/>
-              <a:t>Information creation, consumption, networking, and processing are achieved entirely without human interaction</a:t>
-            </a:r>
+              <a:rPr lang="en-US" dirty="0"/>
+              <a:t>No human interaction possible to improve solution robustness</a:t>
+            </a:r>
+            <a:endParaRPr lang="pl-PL" dirty="0"/>
           </a:p>
           <a:p>
             <a:pPr lvl="1"/>
             <a:r>
-              <a:rPr lang="en-US"/>
-              <a:t>No human interaction possible to improve solution robustness</a:t>
-            </a:r>
+              <a:rPr lang="en-US" dirty="0"/>
+              <a:t>Cyber-physical systems base</a:t>
+            </a:r>
+            <a:r>
+              <a:rPr lang="pl-PL" dirty="0"/>
+              <a:t>d</a:t>
+            </a:r>
+            <a:r>
+              <a:rPr lang="en-US" dirty="0"/>
+              <a:t> on Machine to Machine communication  </a:t>
+            </a:r>
+            <a:endParaRPr lang="pl-PL" dirty="0"/>
           </a:p>
           <a:p>
             <a:pPr lvl="1"/>
             <a:r>
-              <a:rPr lang="en-US"/>
-              <a:t>Cyber-physical systems base on Machine-to-Machine communication</a:t>
+              <a:rPr lang="en-US" dirty="0"/>
+              <a:t>OPC Unified Architecture to promote a multi-vendor environment</a:t>
             </a:r>
           </a:p>
         </p:txBody>
@@ -18771,7 +19360,7 @@
 </file>
 
 <file path=ppt/slides/slide3.xml><?xml version="1.0" encoding="utf-8"?>
-<p:sld xmlns:a="http://schemas.openxmlformats.org/drawingml/2006/main" xmlns:r="http://schemas.openxmlformats.org/officeDocument/2006/relationships" xmlns:p="http://schemas.openxmlformats.org/presentationml/2006/main">
+<p:sld xmlns:a="http://schemas.openxmlformats.org/drawingml/2006/main" xmlns:r="http://schemas.openxmlformats.org/officeDocument/2006/relationships" xmlns:p="http://schemas.openxmlformats.org/presentationml/2006/main" show="0">
   <p:cSld>
     <p:spTree>
       <p:nvGrpSpPr>
@@ -21767,220 +22356,6 @@
 </file>
 
 <file path=ppt/slides/slide4.xml><?xml version="1.0" encoding="utf-8"?>
-<p:sld xmlns:a="http://schemas.openxmlformats.org/drawingml/2006/main" xmlns:r="http://schemas.openxmlformats.org/officeDocument/2006/relationships" xmlns:p="http://schemas.openxmlformats.org/presentationml/2006/main">
-  <p:cSld>
-    <p:spTree>
-      <p:nvGrpSpPr>
-        <p:cNvPr id="1" name=""/>
-        <p:cNvGrpSpPr/>
-        <p:nvPr/>
-      </p:nvGrpSpPr>
-      <p:grpSpPr>
-        <a:xfrm>
-          <a:off x="0" y="0"/>
-          <a:ext cx="0" cy="0"/>
-          <a:chOff x="0" y="0"/>
-          <a:chExt cx="0" cy="0"/>
-        </a:xfrm>
-      </p:grpSpPr>
-      <p:sp>
-        <p:nvSpPr>
-          <p:cNvPr id="2" name="Tytuł 1"/>
-          <p:cNvSpPr>
-            <a:spLocks noGrp="1"/>
-          </p:cNvSpPr>
-          <p:nvPr>
-            <p:ph type="title"/>
-          </p:nvPr>
-        </p:nvSpPr>
-        <p:spPr>
-          <a:xfrm>
-            <a:off x="263352" y="136525"/>
-            <a:ext cx="11449272" cy="590931"/>
-          </a:xfrm>
-        </p:spPr>
-        <p:txBody>
-          <a:bodyPr/>
-          <a:lstStyle/>
-          <a:p>
-            <a:r>
-              <a:rPr lang="pl-PL" dirty="0"/>
-              <a:t>Telemetry =&gt; </a:t>
-            </a:r>
-            <a:r>
-              <a:rPr lang="en-US" dirty="0"/>
-              <a:t>Cyber-physical Systems</a:t>
-            </a:r>
-            <a:endParaRPr lang="pl-PL" dirty="0"/>
-          </a:p>
-        </p:txBody>
-      </p:sp>
-      <p:sp>
-        <p:nvSpPr>
-          <p:cNvPr id="3" name="Symbol zastępczy zawartości 2"/>
-          <p:cNvSpPr>
-            <a:spLocks noGrp="1"/>
-          </p:cNvSpPr>
-          <p:nvPr>
-            <p:ph idx="1"/>
-          </p:nvPr>
-        </p:nvSpPr>
-        <p:spPr>
-          <a:xfrm>
-            <a:off x="263352" y="836712"/>
-            <a:ext cx="11449272" cy="5400600"/>
-          </a:xfrm>
-        </p:spPr>
-        <p:txBody>
-          <a:bodyPr/>
-          <a:lstStyle/>
-          <a:p>
-            <a:r>
-              <a:rPr lang="en-US" dirty="0"/>
-              <a:t>Integrated machines interconnected over the Internet</a:t>
-            </a:r>
-          </a:p>
-          <a:p>
-            <a:r>
-              <a:rPr lang="en-US" dirty="0"/>
-              <a:t>Internet of Things (IoT)</a:t>
-            </a:r>
-          </a:p>
-          <a:p>
-            <a:r>
-              <a:rPr lang="en-US" dirty="0"/>
-              <a:t>Data holder mobility:</a:t>
-            </a:r>
-          </a:p>
-          <a:p>
-            <a:pPr lvl="1"/>
-            <a:r>
-              <a:rPr lang="en-US" dirty="0"/>
-              <a:t>Mobile Device</a:t>
-            </a:r>
-            <a:r>
-              <a:rPr lang="pl-PL" dirty="0"/>
-              <a:t> -</a:t>
-            </a:r>
-            <a:r>
-              <a:rPr lang="en-US" dirty="0"/>
-              <a:t>Network attachment point</a:t>
-            </a:r>
-          </a:p>
-          <a:p>
-            <a:pPr lvl="1"/>
-            <a:r>
-              <a:rPr lang="en-US" dirty="0"/>
-              <a:t>Mobile Application</a:t>
-            </a:r>
-            <a:r>
-              <a:rPr lang="pl-PL" dirty="0"/>
-              <a:t> - </a:t>
-            </a:r>
-            <a:r>
-              <a:rPr lang="en-US" dirty="0"/>
-              <a:t>Serverless data access – reactive communication</a:t>
-            </a:r>
-          </a:p>
-          <a:p>
-            <a:pPr lvl="1"/>
-            <a:r>
-              <a:rPr lang="en-US" dirty="0"/>
-              <a:t>Mobile Data</a:t>
-            </a:r>
-            <a:r>
-              <a:rPr lang="pl-PL" dirty="0"/>
-              <a:t>- </a:t>
-            </a:r>
-            <a:r>
-              <a:rPr lang="en-US" dirty="0"/>
-              <a:t>Random location of data publication</a:t>
-            </a:r>
-          </a:p>
-          <a:p>
-            <a:r>
-              <a:rPr lang="en-US" dirty="0"/>
-              <a:t>Real-time processing</a:t>
-            </a:r>
-          </a:p>
-        </p:txBody>
-      </p:sp>
-      <p:sp>
-        <p:nvSpPr>
-          <p:cNvPr id="4" name="Date Placeholder 3">
-            <a:extLst>
-              <a:ext uri="{FF2B5EF4-FFF2-40B4-BE49-F238E27FC236}">
-                <a16:creationId xmlns:a16="http://schemas.microsoft.com/office/drawing/2014/main" id="{2BEB5A4A-2FF1-44A4-B709-26C18E086146}"/>
-              </a:ext>
-            </a:extLst>
-          </p:cNvPr>
-          <p:cNvSpPr>
-            <a:spLocks noGrp="1"/>
-          </p:cNvSpPr>
-          <p:nvPr>
-            <p:ph type="dt" sz="half" idx="10"/>
-          </p:nvPr>
-        </p:nvSpPr>
-        <p:spPr>
-          <a:xfrm>
-            <a:off x="263352" y="6356350"/>
-            <a:ext cx="1152128" cy="365125"/>
-          </a:xfrm>
-        </p:spPr>
-        <p:txBody>
-          <a:bodyPr/>
-          <a:lstStyle/>
-          <a:p>
-            <a:r>
-              <a:rPr lang="en-US"/>
-              <a:t>June 2, 2021</a:t>
-            </a:r>
-            <a:endParaRPr lang="pl-PL"/>
-          </a:p>
-        </p:txBody>
-      </p:sp>
-      <p:sp>
-        <p:nvSpPr>
-          <p:cNvPr id="5" name="Footer Placeholder 4">
-            <a:extLst>
-              <a:ext uri="{FF2B5EF4-FFF2-40B4-BE49-F238E27FC236}">
-                <a16:creationId xmlns:a16="http://schemas.microsoft.com/office/drawing/2014/main" id="{A2F09D9E-3B78-4403-9D5E-9DCA51EA2CDD}"/>
-              </a:ext>
-            </a:extLst>
-          </p:cNvPr>
-          <p:cNvSpPr>
-            <a:spLocks noGrp="1"/>
-          </p:cNvSpPr>
-          <p:nvPr>
-            <p:ph type="ftr" sz="quarter" idx="11"/>
-          </p:nvPr>
-        </p:nvSpPr>
-        <p:spPr>
-          <a:xfrm>
-            <a:off x="9912424" y="6356350"/>
-            <a:ext cx="1800200" cy="365125"/>
-          </a:xfrm>
-        </p:spPr>
-        <p:txBody>
-          <a:bodyPr/>
-          <a:lstStyle/>
-          <a:p>
-            <a:r>
-              <a:rPr lang="pl-PL"/>
-              <a:t>ICCS21 M. Postół</a:t>
-            </a:r>
-          </a:p>
-        </p:txBody>
-      </p:sp>
-    </p:spTree>
-  </p:cSld>
-  <p:clrMapOvr>
-    <a:masterClrMapping/>
-  </p:clrMapOvr>
-</p:sld>
-</file>
-
-<file path=ppt/slides/slide5.xml><?xml version="1.0" encoding="utf-8"?>
 <p:sld xmlns:a="http://schemas.openxmlformats.org/drawingml/2006/main" xmlns:r="http://schemas.openxmlformats.org/officeDocument/2006/relationships" xmlns:p="http://schemas.openxmlformats.org/presentationml/2006/main" show="0">
   <p:cSld>
     <p:spTree>
@@ -22018,9 +22393,14 @@
           <a:lstStyle/>
           <a:p>
             <a:r>
+              <a:rPr lang="pl-PL" dirty="0"/>
+              <a:t>Telemetry =&gt; </a:t>
+            </a:r>
+            <a:r>
               <a:rPr lang="en-US" dirty="0"/>
-              <a:t>Introduction</a:t>
-            </a:r>
+              <a:t>Cyber-physical Systems</a:t>
+            </a:r>
+            <a:endParaRPr lang="pl-PL" dirty="0"/>
           </a:p>
         </p:txBody>
       </p:sp>
@@ -22041,93 +22421,85 @@
           </a:xfrm>
         </p:spPr>
         <p:txBody>
-          <a:bodyPr>
-            <a:normAutofit/>
-          </a:bodyPr>
+          <a:bodyPr/>
           <a:lstStyle/>
           <a:p>
             <a:r>
               <a:rPr lang="en-US" dirty="0"/>
-              <a:t>M2M communication is foundation for disciplines</a:t>
+              <a:t>Integrated machines interconnected over the Internet</a:t>
+            </a:r>
+          </a:p>
+          <a:p>
+            <a:r>
+              <a:rPr lang="en-US" dirty="0"/>
+              <a:t>Internet of Things (IoT)</a:t>
+            </a:r>
+          </a:p>
+          <a:p>
+            <a:r>
+              <a:rPr lang="en-US" dirty="0"/>
+              <a:t>Data holder mobility:</a:t>
             </a:r>
           </a:p>
           <a:p>
             <a:pPr lvl="1"/>
             <a:r>
               <a:rPr lang="en-US" dirty="0"/>
-              <a:t>Cyber physical systems</a:t>
+              <a:t>Mobile Device</a:t>
+            </a:r>
+            <a:r>
+              <a:rPr lang="pl-PL" dirty="0"/>
+              <a:t> -</a:t>
+            </a:r>
+            <a:r>
+              <a:rPr lang="en-US" dirty="0"/>
+              <a:t>Network attachment point</a:t>
             </a:r>
           </a:p>
           <a:p>
             <a:pPr lvl="1"/>
             <a:r>
               <a:rPr lang="en-US" dirty="0"/>
-              <a:t>Industry 4.0</a:t>
+              <a:t>Mobile Application</a:t>
+            </a:r>
+            <a:r>
+              <a:rPr lang="pl-PL" dirty="0"/>
+              <a:t> - </a:t>
+            </a:r>
+            <a:r>
+              <a:rPr lang="en-US" dirty="0"/>
+              <a:t>Serverless data access – reactive communication</a:t>
             </a:r>
           </a:p>
           <a:p>
             <a:pPr lvl="1"/>
             <a:r>
               <a:rPr lang="en-US" dirty="0"/>
-              <a:t>IoT support</a:t>
-            </a:r>
-          </a:p>
-          <a:p>
+              <a:t>Mobile Data</a:t>
+            </a:r>
+            <a:r>
+              <a:rPr lang="pl-PL" dirty="0"/>
+              <a:t>- </a:t>
+            </a:r>
             <a:r>
               <a:rPr lang="en-US" dirty="0"/>
-              <a:t>Challenges</a:t>
-            </a:r>
-          </a:p>
-          <a:p>
-            <a:pPr lvl="1"/>
-            <a:r>
-              <a:rPr lang="pl-PL" dirty="0"/>
-              <a:t>Security</a:t>
-            </a:r>
-          </a:p>
-          <a:p>
-            <a:pPr lvl="1"/>
+              <a:t>Random location of data publication</a:t>
+            </a:r>
+          </a:p>
+          <a:p>
             <a:r>
               <a:rPr lang="en-US" dirty="0"/>
-              <a:t>Multi-vendor parts </a:t>
-            </a:r>
-            <a:r>
-              <a:rPr lang="pl-PL" dirty="0"/>
-              <a:t>=&gt; </a:t>
-            </a:r>
-            <a:r>
-              <a:rPr lang="en-US" dirty="0"/>
-              <a:t>standardization</a:t>
-            </a:r>
-          </a:p>
-          <a:p>
-            <a:pPr lvl="1"/>
-            <a:r>
-              <a:rPr lang="en-US" dirty="0"/>
-              <a:t>Meaningful communication without programming</a:t>
-            </a:r>
-          </a:p>
-          <a:p>
-            <a:r>
-              <a:rPr lang="en-US" dirty="0"/>
-              <a:t>Goal</a:t>
-            </a:r>
-          </a:p>
-          <a:p>
-            <a:pPr lvl="1"/>
-            <a:r>
-              <a:rPr lang="en-US" dirty="0"/>
-              <a:t>Plug and Produce</a:t>
+              <a:t>Real-time processing</a:t>
             </a:r>
           </a:p>
         </p:txBody>
       </p:sp>
       <p:sp>
         <p:nvSpPr>
-          <p:cNvPr id="6" name="Date Placeholder 5">
+          <p:cNvPr id="4" name="Date Placeholder 3">
             <a:extLst>
               <a:ext uri="{FF2B5EF4-FFF2-40B4-BE49-F238E27FC236}">
-                <a16:creationId xmlns:a16="http://schemas.microsoft.com/office/drawing/2014/main" id="{AC203A70-5F65-42F2-A9E6-B442A348DA1F}"/>
+                <a16:creationId xmlns:a16="http://schemas.microsoft.com/office/drawing/2014/main" id="{2BEB5A4A-2FF1-44A4-B709-26C18E086146}"/>
               </a:ext>
             </a:extLst>
           </p:cNvPr>
@@ -22141,7 +22513,7 @@
         <p:spPr>
           <a:xfrm>
             <a:off x="263352" y="6356350"/>
-            <a:ext cx="936104" cy="365125"/>
+            <a:ext cx="1152128" cy="365125"/>
           </a:xfrm>
         </p:spPr>
         <p:txBody>
@@ -22158,10 +22530,10 @@
       </p:sp>
       <p:sp>
         <p:nvSpPr>
-          <p:cNvPr id="7" name="Footer Placeholder 6">
+          <p:cNvPr id="5" name="Footer Placeholder 4">
             <a:extLst>
               <a:ext uri="{FF2B5EF4-FFF2-40B4-BE49-F238E27FC236}">
-                <a16:creationId xmlns:a16="http://schemas.microsoft.com/office/drawing/2014/main" id="{5B1B033F-DD1F-4D19-8955-F1866D846694}"/>
+                <a16:creationId xmlns:a16="http://schemas.microsoft.com/office/drawing/2014/main" id="{A2F09D9E-3B78-4403-9D5E-9DCA51EA2CDD}"/>
               </a:ext>
             </a:extLst>
           </p:cNvPr>
@@ -22197,7 +22569,7 @@
 </p:sld>
 </file>
 
-<file path=ppt/slides/slide6.xml><?xml version="1.0" encoding="utf-8"?>
+<file path=ppt/slides/slide5.xml><?xml version="1.0" encoding="utf-8"?>
 <p:sld xmlns:a="http://schemas.openxmlformats.org/drawingml/2006/main" xmlns:r="http://schemas.openxmlformats.org/officeDocument/2006/relationships" xmlns:p="http://schemas.openxmlformats.org/presentationml/2006/main">
   <p:cSld>
     <p:spTree>
@@ -22328,7 +22700,7 @@
           <p:nvPr/>
         </p:nvPicPr>
         <p:blipFill>
-          <a:blip r:embed="rId2" cstate="print">
+          <a:blip r:embed="rId3" cstate="print">
             <a:extLst>
               <a:ext uri="{28A0092B-C50C-407E-A947-70E740481C1C}">
                 <a14:useLocalDpi xmlns:a14="http://schemas.microsoft.com/office/drawing/2010/main" val="0"/>
@@ -22362,7 +22734,7 @@
 </p:sld>
 </file>
 
-<file path=ppt/slides/slide7.xml><?xml version="1.0" encoding="utf-8"?>
+<file path=ppt/slides/slide6.xml><?xml version="1.0" encoding="utf-8"?>
 <p:sld xmlns:a="http://schemas.openxmlformats.org/drawingml/2006/main" xmlns:r="http://schemas.openxmlformats.org/officeDocument/2006/relationships" xmlns:p="http://schemas.openxmlformats.org/presentationml/2006/main">
   <p:cSld>
     <p:spTree>
@@ -22395,14 +22767,19 @@
             <p:ph type="title"/>
           </p:nvPr>
         </p:nvSpPr>
-        <p:spPr/>
+        <p:spPr>
+          <a:xfrm>
+            <a:off x="263352" y="136525"/>
+            <a:ext cx="11449272" cy="590931"/>
+          </a:xfrm>
+        </p:spPr>
         <p:txBody>
           <a:bodyPr/>
           <a:lstStyle/>
           <a:p>
             <a:r>
               <a:rPr lang="en-US" dirty="0"/>
-              <a:t>Edge Interconnection Interoperability Scenario</a:t>
+              <a:t>Edge Interoperability Scenario</a:t>
             </a:r>
           </a:p>
         </p:txBody>
@@ -22423,14 +22800,16 @@
             <p:ph type="dt" sz="half" idx="10"/>
           </p:nvPr>
         </p:nvSpPr>
-        <p:spPr/>
+        <p:spPr>
+          <a:xfrm>
+            <a:off x="263352" y="6356350"/>
+            <a:ext cx="1296144" cy="365125"/>
+          </a:xfrm>
+        </p:spPr>
         <p:txBody>
           <a:bodyPr/>
           <a:lstStyle/>
           <a:p>
-            <a:pPr>
-              <a:defRPr/>
-            </a:pPr>
             <a:r>
               <a:rPr lang="en-US"/>
               <a:t>June 2, 2021</a:t>
@@ -22454,14 +22833,16 @@
             <p:ph type="ftr" sz="quarter" idx="11"/>
           </p:nvPr>
         </p:nvSpPr>
-        <p:spPr/>
+        <p:spPr>
+          <a:xfrm>
+            <a:off x="10128448" y="6356350"/>
+            <a:ext cx="1584176" cy="365125"/>
+          </a:xfrm>
+        </p:spPr>
         <p:txBody>
           <a:bodyPr/>
           <a:lstStyle/>
           <a:p>
-            <a:pPr>
-              <a:defRPr/>
-            </a:pPr>
             <a:r>
               <a:rPr lang="en-US"/>
               <a:t>ICCS21 M. Postół</a:t>
@@ -22484,7 +22865,7 @@
           <p:nvPr/>
         </p:nvPicPr>
         <p:blipFill>
-          <a:blip r:embed="rId2" cstate="print">
+          <a:blip r:embed="rId3" cstate="print">
             <a:extLst>
               <a:ext uri="{28A0092B-C50C-407E-A947-70E740481C1C}">
                 <a14:useLocalDpi xmlns:a14="http://schemas.microsoft.com/office/drawing/2010/main" val="0"/>
@@ -22518,7 +22899,7 @@
 </p:sld>
 </file>
 
-<file path=ppt/slides/slide8.xml><?xml version="1.0" encoding="utf-8"?>
+<file path=ppt/slides/slide7.xml><?xml version="1.0" encoding="utf-8"?>
 <p:sld xmlns:a="http://schemas.openxmlformats.org/drawingml/2006/main" xmlns:r="http://schemas.openxmlformats.org/officeDocument/2006/relationships" xmlns:p="http://schemas.openxmlformats.org/presentationml/2006/main">
   <p:cSld>
     <p:spTree>
@@ -22640,7 +23021,7 @@
           <p:nvPr/>
         </p:nvPicPr>
         <p:blipFill>
-          <a:blip r:embed="rId2" cstate="print">
+          <a:blip r:embed="rId3" cstate="print">
             <a:extLst>
               <a:ext uri="{28A0092B-C50C-407E-A947-70E740481C1C}">
                 <a14:useLocalDpi xmlns:a14="http://schemas.microsoft.com/office/drawing/2010/main" val="0"/>
@@ -22674,7 +23055,7 @@
 </p:sld>
 </file>
 
-<file path=ppt/slides/slide9.xml><?xml version="1.0" encoding="utf-8"?>
+<file path=ppt/slides/slide8.xml><?xml version="1.0" encoding="utf-8"?>
 <p:sld xmlns:a="http://schemas.openxmlformats.org/drawingml/2006/main" xmlns:r="http://schemas.openxmlformats.org/officeDocument/2006/relationships" xmlns:p="http://schemas.openxmlformats.org/presentationml/2006/main">
   <p:cSld>
     <p:spTree>
@@ -22796,7 +23177,7 @@
           <p:nvPr/>
         </p:nvPicPr>
         <p:blipFill>
-          <a:blip r:embed="rId2" cstate="print">
+          <a:blip r:embed="rId3" cstate="print">
             <a:extLst>
               <a:ext uri="{28A0092B-C50C-407E-A947-70E740481C1C}">
                 <a14:useLocalDpi xmlns:a14="http://schemas.microsoft.com/office/drawing/2010/main" val="0"/>
@@ -22821,6 +23202,234 @@
     <p:extLst>
       <p:ext uri="{BB962C8B-B14F-4D97-AF65-F5344CB8AC3E}">
         <p14:creationId xmlns:p14="http://schemas.microsoft.com/office/powerpoint/2010/main" val="720930780"/>
+      </p:ext>
+    </p:extLst>
+  </p:cSld>
+  <p:clrMapOvr>
+    <a:masterClrMapping/>
+  </p:clrMapOvr>
+</p:sld>
+</file>
+
+<file path=ppt/slides/slide9.xml><?xml version="1.0" encoding="utf-8"?>
+<p:sld xmlns:a="http://schemas.openxmlformats.org/drawingml/2006/main" xmlns:r="http://schemas.openxmlformats.org/officeDocument/2006/relationships" xmlns:p="http://schemas.openxmlformats.org/presentationml/2006/main">
+  <p:cSld>
+    <p:spTree>
+      <p:nvGrpSpPr>
+        <p:cNvPr id="1" name=""/>
+        <p:cNvGrpSpPr/>
+        <p:nvPr/>
+      </p:nvGrpSpPr>
+      <p:grpSpPr>
+        <a:xfrm>
+          <a:off x="0" y="0"/>
+          <a:ext cx="0" cy="0"/>
+          <a:chOff x="0" y="0"/>
+          <a:chExt cx="0" cy="0"/>
+        </a:xfrm>
+      </p:grpSpPr>
+      <p:sp>
+        <p:nvSpPr>
+          <p:cNvPr id="2" name="Tytuł 1">
+            <a:extLst>
+              <a:ext uri="{FF2B5EF4-FFF2-40B4-BE49-F238E27FC236}">
+                <a16:creationId xmlns:a16="http://schemas.microsoft.com/office/drawing/2014/main" id="{A1045EDA-11B0-4E02-A174-B76AC435A2EA}"/>
+              </a:ext>
+            </a:extLst>
+          </p:cNvPr>
+          <p:cNvSpPr>
+            <a:spLocks noGrp="1"/>
+          </p:cNvSpPr>
+          <p:nvPr>
+            <p:ph type="title"/>
+          </p:nvPr>
+        </p:nvSpPr>
+        <p:spPr>
+          <a:xfrm>
+            <a:off x="263352" y="136525"/>
+            <a:ext cx="11449272" cy="590931"/>
+          </a:xfrm>
+        </p:spPr>
+        <p:txBody>
+          <a:bodyPr/>
+          <a:lstStyle/>
+          <a:p>
+            <a:r>
+              <a:rPr lang="en-US"/>
+              <a:t>Implemenation – proof of concept</a:t>
+            </a:r>
+          </a:p>
+        </p:txBody>
+      </p:sp>
+      <p:sp>
+        <p:nvSpPr>
+          <p:cNvPr id="3" name="Symbol zastępczy zawartości 2">
+            <a:extLst>
+              <a:ext uri="{FF2B5EF4-FFF2-40B4-BE49-F238E27FC236}">
+                <a16:creationId xmlns:a16="http://schemas.microsoft.com/office/drawing/2014/main" id="{871D038F-17FE-434E-872E-CE0105DB0A2D}"/>
+              </a:ext>
+            </a:extLst>
+          </p:cNvPr>
+          <p:cNvSpPr>
+            <a:spLocks noGrp="1"/>
+          </p:cNvSpPr>
+          <p:nvPr>
+            <p:ph idx="1"/>
+          </p:nvPr>
+        </p:nvSpPr>
+        <p:spPr>
+          <a:xfrm>
+            <a:off x="263352" y="836712"/>
+            <a:ext cx="11449272" cy="5400600"/>
+          </a:xfrm>
+        </p:spPr>
+        <p:txBody>
+          <a:bodyPr>
+            <a:normAutofit/>
+          </a:bodyPr>
+          <a:lstStyle/>
+          <a:p>
+            <a:r>
+              <a:rPr lang="en-US" dirty="0"/>
+              <a:t>To promote and leverage  </a:t>
+            </a:r>
+            <a:endParaRPr lang="pl-PL" dirty="0"/>
+          </a:p>
+          <a:p>
+            <a:pPr lvl="1"/>
+            <a:r>
+              <a:rPr lang="en-US" dirty="0"/>
+              <a:t>Reusability – using the same part in many scenarios</a:t>
+            </a:r>
+            <a:endParaRPr lang="pl-PL" dirty="0"/>
+          </a:p>
+          <a:p>
+            <a:pPr lvl="1"/>
+            <a:r>
+              <a:rPr lang="en-US" dirty="0"/>
+              <a:t>Flexibility   - Deployment without programming</a:t>
+            </a:r>
+            <a:endParaRPr lang="pl-PL" dirty="0"/>
+          </a:p>
+          <a:p>
+            <a:r>
+              <a:rPr lang="en-US" dirty="0"/>
+              <a:t>The following design patterns are applied</a:t>
+            </a:r>
+            <a:endParaRPr lang="pl-PL" dirty="0"/>
+          </a:p>
+          <a:p>
+            <a:pPr lvl="1"/>
+            <a:r>
+              <a:rPr lang="en-US" dirty="0"/>
+              <a:t>Separation of concerns  </a:t>
+            </a:r>
+            <a:endParaRPr lang="pl-PL" dirty="0"/>
+          </a:p>
+          <a:p>
+            <a:pPr lvl="1"/>
+            <a:r>
+              <a:rPr lang="en-US" dirty="0"/>
+              <a:t>Dependency injection  </a:t>
+            </a:r>
+            <a:endParaRPr lang="pl-PL" dirty="0"/>
+          </a:p>
+          <a:p>
+            <a:pPr lvl="1"/>
+            <a:r>
+              <a:rPr lang="en-US" dirty="0"/>
+              <a:t>Adaptive Programming</a:t>
+            </a:r>
+            <a:endParaRPr lang="pl-PL" dirty="0"/>
+          </a:p>
+          <a:p>
+            <a:r>
+              <a:rPr lang="en-US" dirty="0"/>
+              <a:t>To promote Interoperability in the multi-vendor environment the proposed proof of concept is compliant with the OPC UA Part 14 </a:t>
+            </a:r>
+            <a:r>
+              <a:rPr lang="en-US" dirty="0" err="1"/>
+              <a:t>PubSub</a:t>
+            </a:r>
+            <a:endParaRPr lang="en-US" dirty="0"/>
+          </a:p>
+          <a:p>
+            <a:pPr lvl="1"/>
+            <a:endParaRPr lang="en-US" dirty="0"/>
+          </a:p>
+        </p:txBody>
+      </p:sp>
+      <p:sp>
+        <p:nvSpPr>
+          <p:cNvPr id="6" name="Date Placeholder 5">
+            <a:extLst>
+              <a:ext uri="{FF2B5EF4-FFF2-40B4-BE49-F238E27FC236}">
+                <a16:creationId xmlns:a16="http://schemas.microsoft.com/office/drawing/2014/main" id="{71EAAA95-2968-49CF-9F7A-DA5108F31C57}"/>
+              </a:ext>
+            </a:extLst>
+          </p:cNvPr>
+          <p:cNvSpPr>
+            <a:spLocks noGrp="1"/>
+          </p:cNvSpPr>
+          <p:nvPr>
+            <p:ph type="dt" sz="half" idx="10"/>
+          </p:nvPr>
+        </p:nvSpPr>
+        <p:spPr>
+          <a:xfrm>
+            <a:off x="263352" y="6356350"/>
+            <a:ext cx="1152128" cy="365125"/>
+          </a:xfrm>
+        </p:spPr>
+        <p:txBody>
+          <a:bodyPr/>
+          <a:lstStyle/>
+          <a:p>
+            <a:r>
+              <a:rPr lang="en-US"/>
+              <a:t>June 2, 2021</a:t>
+            </a:r>
+            <a:endParaRPr lang="pl-PL"/>
+          </a:p>
+        </p:txBody>
+      </p:sp>
+      <p:sp>
+        <p:nvSpPr>
+          <p:cNvPr id="7" name="Footer Placeholder 6">
+            <a:extLst>
+              <a:ext uri="{FF2B5EF4-FFF2-40B4-BE49-F238E27FC236}">
+                <a16:creationId xmlns:a16="http://schemas.microsoft.com/office/drawing/2014/main" id="{6ECAAC2D-F579-42E5-802A-7E3D625F8A18}"/>
+              </a:ext>
+            </a:extLst>
+          </p:cNvPr>
+          <p:cNvSpPr>
+            <a:spLocks noGrp="1"/>
+          </p:cNvSpPr>
+          <p:nvPr>
+            <p:ph type="ftr" sz="quarter" idx="11"/>
+          </p:nvPr>
+        </p:nvSpPr>
+        <p:spPr>
+          <a:xfrm>
+            <a:off x="9912424" y="6356350"/>
+            <a:ext cx="1800200" cy="365125"/>
+          </a:xfrm>
+        </p:spPr>
+        <p:txBody>
+          <a:bodyPr/>
+          <a:lstStyle/>
+          <a:p>
+            <a:r>
+              <a:rPr lang="pl-PL"/>
+              <a:t>ICCS21 M. Postół</a:t>
+            </a:r>
+          </a:p>
+        </p:txBody>
+      </p:sp>
+    </p:spTree>
+    <p:extLst>
+      <p:ext uri="{BB962C8B-B14F-4D97-AF65-F5344CB8AC3E}">
+        <p14:creationId xmlns:p14="http://schemas.microsoft.com/office/powerpoint/2010/main" val="666013269"/>
       </p:ext>
     </p:extLst>
   </p:cSld>

--- a/ICCS21-Conference/OOI-CI-ICCS2021..pptx
+++ b/ICCS21-Conference/OOI-CI-ICCS2021..pptx
@@ -10915,18 +10915,17 @@
           <a:lstStyle/>
           <a:p>
             <a:r>
-              <a:rPr lang="en-US" b="0" dirty="0">
-                <a:solidFill>
-                  <a:srgbClr val="000000"/>
-                </a:solidFill>
-                <a:effectLst/>
-                <a:latin typeface="Consolas" panose="020B0609020204030204" pitchFamily="49" charset="0"/>
-              </a:rPr>
-              <a:t>My name is Mariusz Postół and I am representing the Institute of Information Technology Lodz University of Technology. It is my pleasure to present my and Piotr Szymczak research work related to Object-Oriented Internet and Cloud services integration focusing on the generic architecture that is proposed to implement and deploy this interoperability scenario.</a:t>
-            </a:r>
-          </a:p>
-          <a:p>
-            <a:endParaRPr lang="en-US" noProof="0" dirty="0"/>
+              <a:rPr lang="en-US" noProof="0" dirty="0"/>
+              <a:t>My name is Mariusz Post</a:t>
+            </a:r>
+            <a:r>
+              <a:rPr lang="pl-PL" noProof="0" dirty="0" err="1"/>
+              <a:t>ół</a:t>
+            </a:r>
+            <a:r>
+              <a:rPr lang="en-US" noProof="0" dirty="0"/>
+              <a:t> and I am representing the Institute of the Information Technology Lodz University of Technology. It is my pleasure to present my and Piotr Szymczak research work related to Object-Oriented Internet and Cloud services integration focusing on the generic architecture that is proposed to implement and deploy this interoperability scenario.</a:t>
+            </a:r>
           </a:p>
         </p:txBody>
       </p:sp>
@@ -11013,7 +11012,7 @@
           <a:p>
             <a:r>
               <a:rPr lang="en-US" dirty="0"/>
-              <a:t>As I stressed previously, the proposal is backed by proof of concept reference implementations. Prototyping addresses Microsoft Azure cloud services as an example. The outcome has been just published on GitHub as the open-source (MIT licensed) repository. The proposed solutions have been harmonized with the more general concept called the Object-Oriented Internet.</a:t>
+              <a:t>As I stressed previously, the proposal is backed by proof of concept reference implementations. Prototyping addresses Microsoft Azure cloud services as an example. The outcome has been just published on GitHub as the open-source repository. The proposed solutions have been harmonized with the more general concept called the Object-Oriented Internet.</a:t>
             </a:r>
           </a:p>
         </p:txBody>
@@ -11285,7 +11284,9 @@
         </p:nvSpPr>
         <p:spPr/>
         <p:txBody>
-          <a:bodyPr/>
+          <a:bodyPr>
+            <a:normAutofit lnSpcReduction="10000"/>
+          </a:bodyPr>
           <a:lstStyle/>
           <a:p>
             <a:pPr marL="0" marR="0" lvl="0" indent="0" algn="l" defTabSz="914400" rtl="0" eaLnBrk="1" fontAlgn="auto" latinLnBrk="0" hangingPunct="1">
@@ -11481,12 +11482,14 @@
         </p:nvSpPr>
         <p:spPr/>
         <p:txBody>
-          <a:bodyPr/>
+          <a:bodyPr>
+            <a:normAutofit/>
+          </a:bodyPr>
           <a:lstStyle/>
           <a:p>
             <a:r>
               <a:rPr lang="en-US" dirty="0"/>
-              <a:t>This diagram is derived by merging previously presented ones and removing irrelevant for further discussion members. According to this diagram, our implementation of the Consumer role has been used to provide embedded gateway functionality and out-of-band communication with cloud services to transfer data to Azure IoT Central solution. The detailed description of this Azure solution design is irrelevant for further discussion, so I will skip it.</a:t>
+              <a:t>According to this diagram, our implementation of the Consumer role has been used to provide embedded gateway functionality and out-of-band communication with cloud services to transfer data to Azure IoT Central solution. </a:t>
             </a:r>
             <a:endParaRPr lang="pl-PL" dirty="0"/>
           </a:p>
@@ -11514,7 +11517,15 @@
           <a:p>
             <a:r>
               <a:rPr lang="en-US" dirty="0"/>
-              <a:t>Using many different Consumer role implementations it is possible to get connected to any cloud services using out-of-band communication compliant with cloud services connectivity requirements. Our prototyping addresses only Azure interoperability as just an example.</a:t>
+              <a:t>Using many Consumer role</a:t>
+            </a:r>
+            <a:r>
+              <a:rPr lang="pl-PL" dirty="0"/>
+              <a:t>s</a:t>
+            </a:r>
+            <a:r>
+              <a:rPr lang="en-US" dirty="0"/>
+              <a:t> it is possible to get connected to any cloud services using out-of-band communication compliant with cloud services connectivity requirements. Our prototyping addresses only Azure interoperability as just an example.</a:t>
             </a:r>
             <a:endParaRPr lang="pl-PL" dirty="0"/>
           </a:p>
@@ -11613,365 +11624,149 @@
           <a:lstStyle/>
           <a:p>
             <a:r>
-              <a:rPr lang="en-US" b="0" dirty="0">
-                <a:solidFill>
-                  <a:srgbClr val="000000"/>
-                </a:solidFill>
-                <a:effectLst/>
-                <a:latin typeface="Consolas" panose="020B0609020204030204" pitchFamily="49" charset="0"/>
-              </a:rPr>
-              <a:t>Implementation contains two major components, namely </a:t>
-            </a:r>
-            <a:r>
-              <a:rPr lang="en-US" b="0" dirty="0" err="1">
-                <a:solidFill>
-                  <a:srgbClr val="000000"/>
-                </a:solidFill>
-                <a:effectLst/>
-                <a:latin typeface="Consolas" panose="020B0609020204030204" pitchFamily="49" charset="0"/>
-              </a:rPr>
+              <a:rPr lang="en-US" dirty="0"/>
+              <a:t>The implementation contains two major components, namely </a:t>
+            </a:r>
+            <a:r>
+              <a:rPr lang="en-US" dirty="0" err="1"/>
               <a:t>CommunicationContext</a:t>
             </a:r>
             <a:r>
-              <a:rPr lang="en-US" b="0" dirty="0">
-                <a:solidFill>
-                  <a:srgbClr val="000000"/>
-                </a:solidFill>
-                <a:effectLst/>
-                <a:latin typeface="Consolas" panose="020B0609020204030204" pitchFamily="49" charset="0"/>
-              </a:rPr>
-              <a:t> and </a:t>
-            </a:r>
-            <a:r>
-              <a:rPr lang="en-US" b="0" dirty="0" err="1">
-                <a:solidFill>
-                  <a:srgbClr val="000000"/>
-                </a:solidFill>
-                <a:effectLst/>
-                <a:latin typeface="Consolas" panose="020B0609020204030204" pitchFamily="49" charset="0"/>
-              </a:rPr>
+              <a:rPr lang="en-US" dirty="0"/>
+              <a:t> and </a:t>
+            </a:r>
+            <a:r>
+              <a:rPr lang="en-US" dirty="0" err="1"/>
               <a:t>PartBindingFactory</a:t>
             </a:r>
             <a:r>
-              <a:rPr lang="en-US" b="0" dirty="0">
-                <a:solidFill>
-                  <a:srgbClr val="000000"/>
-                </a:solidFill>
-                <a:effectLst/>
-                <a:latin typeface="Consolas" panose="020B0609020204030204" pitchFamily="49" charset="0"/>
-              </a:rPr>
+              <a:rPr lang="en-US" dirty="0"/>
               <a:t>.</a:t>
             </a:r>
           </a:p>
           <a:p>
-            <a:br>
-              <a:rPr lang="en-US" b="0" dirty="0">
-                <a:solidFill>
-                  <a:srgbClr val="000000"/>
-                </a:solidFill>
-                <a:effectLst/>
-                <a:latin typeface="Consolas" panose="020B0609020204030204" pitchFamily="49" charset="0"/>
-              </a:rPr>
-            </a:br>
-            <a:r>
-              <a:rPr lang="en-US" b="0" dirty="0" err="1">
-                <a:solidFill>
-                  <a:srgbClr val="000000"/>
-                </a:solidFill>
-                <a:effectLst/>
-                <a:latin typeface="Consolas" panose="020B0609020204030204" pitchFamily="49" charset="0"/>
-              </a:rPr>
+            <a:endParaRPr lang="en-US" dirty="0"/>
+          </a:p>
+          <a:p>
+            <a:r>
+              <a:rPr lang="en-US" dirty="0" err="1"/>
               <a:t>PartBindingFactory</a:t>
             </a:r>
             <a:r>
-              <a:rPr lang="en-US" b="0" dirty="0">
-                <a:solidFill>
-                  <a:srgbClr val="000000"/>
-                </a:solidFill>
-                <a:effectLst/>
-                <a:latin typeface="Consolas" panose="020B0609020204030204" pitchFamily="49" charset="0"/>
-              </a:rPr>
-              <a:t> is responsible for grouping and processing the data recovered from the messages exchanged over the network. Integrating these two different environments we must assume that metadata used to describe the data exchanged over the cyber-physical networks and the data exposed by the cloud solution are not compliant. For example, to be compliant with the specification the cyber-physical data exchange must be described using encoding required by the OPC Unified Architecture spec defined in parts 6 and 14 that offer a few incompatible alternatives. On the other hand, the cloud solution metadata may be described using Digital Tween Description Language that is also not stable. In other words, these two environments use different domain-specific languages to describe the syntax and semantics of the same process data.</a:t>
-            </a:r>
-            <a:endParaRPr lang="pl-PL" b="0" dirty="0">
-              <a:solidFill>
-                <a:srgbClr val="000000"/>
-              </a:solidFill>
-              <a:effectLst/>
-              <a:latin typeface="Consolas" panose="020B0609020204030204" pitchFamily="49" charset="0"/>
-            </a:endParaRPr>
-          </a:p>
-          <a:p>
-            <a:endParaRPr lang="pl-PL" b="0" dirty="0">
-              <a:solidFill>
-                <a:srgbClr val="000000"/>
-              </a:solidFill>
-              <a:effectLst/>
-              <a:latin typeface="Consolas" panose="020B0609020204030204" pitchFamily="49" charset="0"/>
-            </a:endParaRPr>
-          </a:p>
-          <a:p>
-            <a:r>
-              <a:rPr lang="en-US" b="0" dirty="0">
-                <a:solidFill>
-                  <a:srgbClr val="000000"/>
-                </a:solidFill>
-                <a:effectLst/>
-                <a:latin typeface="Consolas" panose="020B0609020204030204" pitchFamily="49" charset="0"/>
-              </a:rPr>
+              <a:rPr lang="en-US" dirty="0"/>
+              <a:t> is responsible for grouping and processing the data recovered from the messages exchanged over the network. Integrating these two different environments we must assume that metadata used to describe the data exchanged over the cyber-physical networks and the data exposed by the cloud solution are not compliant. </a:t>
+            </a:r>
+            <a:endParaRPr lang="pl-PL" dirty="0"/>
+          </a:p>
+          <a:p>
+            <a:endParaRPr lang="pl-PL" dirty="0"/>
+          </a:p>
+          <a:p>
+            <a:r>
+              <a:rPr lang="pl-PL" dirty="0"/>
+              <a:t>- </a:t>
+            </a:r>
+            <a:r>
+              <a:rPr lang="en-US" dirty="0"/>
+              <a:t>For example, to be compliant with the specification the cyber-physical data exchange must be described using encoding required by the OPC Unified Architecture spec. On the other hand, the cloud solution metadata may be described using Digital Tween Description Language that is not stable. In other words, these two environments use different domain-specific languages to describe the syntax and semantics of the same process data.</a:t>
+            </a:r>
+            <a:r>
+              <a:rPr lang="pl-PL" dirty="0"/>
+              <a:t> </a:t>
+            </a:r>
+            <a:r>
+              <a:rPr lang="en-US" dirty="0"/>
               <a:t>Therefore, based on the bitstreams meaning this class of the gateway must be also responsible to provide mapping at run time. The result of the mapping is converted to Data Transfer Object using JSON serialization. This Data Transfer Object factoring mechanism must be conducted every time new data is to be sent to the cloud, but behavior implementation of the mapping may be considered as the design-time activity in a typical case.</a:t>
             </a:r>
-            <a:endParaRPr lang="pl-PL" b="0" dirty="0">
-              <a:solidFill>
-                <a:srgbClr val="000000"/>
-              </a:solidFill>
-              <a:effectLst/>
-              <a:latin typeface="Consolas" panose="020B0609020204030204" pitchFamily="49" charset="0"/>
-            </a:endParaRPr>
-          </a:p>
-          <a:p>
-            <a:br>
-              <a:rPr lang="en-US" b="0" dirty="0">
-                <a:solidFill>
-                  <a:srgbClr val="000000"/>
-                </a:solidFill>
-                <a:effectLst/>
-                <a:latin typeface="Consolas" panose="020B0609020204030204" pitchFamily="49" charset="0"/>
-              </a:rPr>
-            </a:br>
-            <a:r>
-              <a:rPr lang="en-US" b="0" dirty="0" err="1">
-                <a:solidFill>
-                  <a:srgbClr val="000000"/>
-                </a:solidFill>
-                <a:effectLst/>
-                <a:latin typeface="Consolas" panose="020B0609020204030204" pitchFamily="49" charset="0"/>
-              </a:rPr>
+          </a:p>
+          <a:p>
+            <a:endParaRPr lang="en-US" dirty="0"/>
+          </a:p>
+          <a:p>
+            <a:r>
+              <a:rPr lang="en-US" dirty="0" err="1"/>
               <a:t>CommunicationContext</a:t>
             </a:r>
             <a:r>
-              <a:rPr lang="en-US" b="0" dirty="0">
-                <a:solidFill>
-                  <a:srgbClr val="000000"/>
-                </a:solidFill>
-                <a:effectLst/>
-                <a:latin typeface="Consolas" panose="020B0609020204030204" pitchFamily="49" charset="0"/>
-              </a:rPr>
-              <a:t> class sends the created Data Transfer Objects using a communication channel established in advance. The Data Transfer Object is retrieved from the </a:t>
-            </a:r>
-            <a:r>
-              <a:rPr lang="en-US" b="0" dirty="0" err="1">
-                <a:solidFill>
-                  <a:srgbClr val="000000"/>
-                </a:solidFill>
-                <a:effectLst/>
-                <a:latin typeface="Consolas" panose="020B0609020204030204" pitchFamily="49" charset="0"/>
-              </a:rPr>
+              <a:rPr lang="en-US" dirty="0"/>
+              <a:t> class sends the created Data Transfer Objects using a communication channel established in advance. The Data Transfer Object is retrieved from the </a:t>
+            </a:r>
+            <a:r>
+              <a:rPr lang="en-US" dirty="0" err="1"/>
               <a:t>PartBindingFactory</a:t>
             </a:r>
             <a:r>
-              <a:rPr lang="en-US" b="0" dirty="0">
-                <a:solidFill>
-                  <a:srgbClr val="000000"/>
-                </a:solidFill>
-                <a:effectLst/>
-                <a:latin typeface="Consolas" panose="020B0609020204030204" pitchFamily="49" charset="0"/>
-              </a:rPr>
-              <a:t> using the </a:t>
-            </a:r>
-            <a:r>
-              <a:rPr lang="en-US" b="0" dirty="0" err="1">
-                <a:solidFill>
-                  <a:srgbClr val="000000"/>
-                </a:solidFill>
-                <a:effectLst/>
-                <a:latin typeface="Consolas" panose="020B0609020204030204" pitchFamily="49" charset="0"/>
-              </a:rPr>
+              <a:rPr lang="en-US" dirty="0"/>
+              <a:t> using the </a:t>
+            </a:r>
+            <a:r>
+              <a:rPr lang="en-US" dirty="0" err="1"/>
               <a:t>IDTOProvider</a:t>
             </a:r>
             <a:r>
-              <a:rPr lang="en-US" b="0" dirty="0">
-                <a:solidFill>
-                  <a:srgbClr val="000000"/>
-                </a:solidFill>
-                <a:effectLst/>
-                <a:latin typeface="Consolas" panose="020B0609020204030204" pitchFamily="49" charset="0"/>
-              </a:rPr>
-              <a:t> interface.</a:t>
-            </a:r>
-          </a:p>
-          <a:p>
-            <a:br>
-              <a:rPr lang="en-US" b="0" dirty="0">
-                <a:solidFill>
-                  <a:srgbClr val="000000"/>
-                </a:solidFill>
-                <a:effectLst/>
-                <a:latin typeface="Consolas" panose="020B0609020204030204" pitchFamily="49" charset="0"/>
-              </a:rPr>
-            </a:br>
-            <a:r>
-              <a:rPr lang="en-US" b="0" dirty="0">
-                <a:solidFill>
-                  <a:srgbClr val="000000"/>
-                </a:solidFill>
-                <a:effectLst/>
-                <a:latin typeface="Consolas" panose="020B0609020204030204" pitchFamily="49" charset="0"/>
-              </a:rPr>
+              <a:rPr lang="en-US" dirty="0"/>
+              <a:t> interface.</a:t>
+            </a:r>
+          </a:p>
+          <a:p>
+            <a:endParaRPr lang="en-US" dirty="0"/>
+          </a:p>
+          <a:p>
+            <a:r>
+              <a:rPr lang="en-US" dirty="0"/>
               <a:t>The </a:t>
             </a:r>
             <a:r>
-              <a:rPr lang="en-US" b="0" dirty="0" err="1">
-                <a:solidFill>
-                  <a:srgbClr val="000000"/>
-                </a:solidFill>
-                <a:effectLst/>
-                <a:latin typeface="Consolas" panose="020B0609020204030204" pitchFamily="49" charset="0"/>
-              </a:rPr>
+              <a:rPr lang="en-US" dirty="0" err="1"/>
               <a:t>CommunicationContext</a:t>
             </a:r>
             <a:r>
-              <a:rPr lang="en-US" b="0" dirty="0">
-                <a:solidFill>
-                  <a:srgbClr val="000000"/>
-                </a:solidFill>
-                <a:effectLst/>
-                <a:latin typeface="Consolas" panose="020B0609020204030204" pitchFamily="49" charset="0"/>
-              </a:rPr>
-              <a:t> maintains the data transfer channel with the cloud services using a well-known state machine pattern. It is responsible for protocol stack selection, authentication, and authorization of a session created to establish a communication channel. The encoded JSON messages must be transferred to the cloud over the network using the selected protocol stack. The Azure supports HTTP, AMQP, and MQTT protocol stacks, which are all standard ones. It means that they have appropriate specification documentation. Consequently, it is possible to apply any available implementation compliant with an appropriate specification to achieve connectivity. In this case, all parameters required to establish connectivity and security contexts are up to the gateway's responsibility. Alternatively, the API offered by the dedicated frameworks (libraries) may be used. Using a framework, the configuration process may be reduced significantly, and the communication protocol selection has only an indirect impact on the interoperability features. In the proposed implementation, the Azure interconnection has been obtained using the above-mentioned frameworks.</a:t>
-            </a:r>
-            <a:endParaRPr lang="pl-PL" b="0" dirty="0">
-              <a:solidFill>
-                <a:srgbClr val="000000"/>
-              </a:solidFill>
-              <a:effectLst/>
-              <a:latin typeface="Consolas" panose="020B0609020204030204" pitchFamily="49" charset="0"/>
-            </a:endParaRPr>
-          </a:p>
-          <a:p>
-            <a:br>
-              <a:rPr lang="en-US" b="0" dirty="0">
-                <a:solidFill>
-                  <a:srgbClr val="000000"/>
-                </a:solidFill>
-                <a:effectLst/>
-                <a:latin typeface="Consolas" panose="020B0609020204030204" pitchFamily="49" charset="0"/>
-              </a:rPr>
-            </a:br>
-            <a:r>
-              <a:rPr lang="en-US" b="0" dirty="0">
-                <a:solidFill>
-                  <a:srgbClr val="000000"/>
-                </a:solidFill>
-                <a:effectLst/>
-                <a:latin typeface="Consolas" panose="020B0609020204030204" pitchFamily="49" charset="0"/>
-              </a:rPr>
-              <a:t>Azure and </a:t>
-            </a:r>
-            <a:r>
-              <a:rPr lang="en-US" b="0" dirty="0" err="1">
-                <a:solidFill>
-                  <a:srgbClr val="000000"/>
-                </a:solidFill>
-                <a:effectLst/>
-                <a:latin typeface="Consolas" panose="020B0609020204030204" pitchFamily="49" charset="0"/>
-              </a:rPr>
+              <a:rPr lang="en-US" dirty="0"/>
+              <a:t> maintains the data transfer channel with the cloud services using a well-known state machine pattern. It is responsible for protocol stack selection, authentication, and authorization of a session created to establish a communication channel. The encoded JSON messages must be transferred to the cloud over the network using the selected protocol stack. </a:t>
+            </a:r>
+          </a:p>
+          <a:p>
+            <a:endParaRPr lang="en-US" dirty="0"/>
+          </a:p>
+          <a:p>
+            <a:r>
+              <a:rPr lang="en-US" dirty="0"/>
+              <a:t>Azure and </a:t>
+            </a:r>
+            <a:r>
+              <a:rPr lang="en-US" dirty="0" err="1"/>
               <a:t>PubSub</a:t>
             </a:r>
             <a:r>
-              <a:rPr lang="en-US" b="0" dirty="0">
-                <a:solidFill>
-                  <a:srgbClr val="000000"/>
-                </a:solidFill>
-                <a:effectLst/>
-                <a:latin typeface="Consolas" panose="020B0609020204030204" pitchFamily="49" charset="0"/>
-              </a:rPr>
-              <a:t> use different security mechanisms so in the proposed solution establishing security-context is realized independently using the configuration. The </a:t>
-            </a:r>
-            <a:r>
-              <a:rPr lang="en-US" b="0" dirty="0" err="1">
-                <a:solidFill>
-                  <a:srgbClr val="000000"/>
-                </a:solidFill>
-                <a:effectLst/>
-                <a:latin typeface="Consolas" panose="020B0609020204030204" pitchFamily="49" charset="0"/>
-              </a:rPr>
+              <a:rPr lang="en-US" dirty="0"/>
+              <a:t> use different security mechanisms so in the proposed solution establishing security context is realized independently using the configuration. The </a:t>
+            </a:r>
+            <a:r>
+              <a:rPr lang="en-US" dirty="0" err="1"/>
               <a:t>CommunicationContext</a:t>
             </a:r>
             <a:r>
-              <a:rPr lang="en-US" b="0" dirty="0">
-                <a:solidFill>
-                  <a:srgbClr val="000000"/>
-                </a:solidFill>
-                <a:effectLst/>
-                <a:latin typeface="Consolas" panose="020B0609020204030204" pitchFamily="49" charset="0"/>
-              </a:rPr>
-              <a:t> is responsible for establishing the connectivity and security contexts at the negotiation phase.</a:t>
-            </a:r>
-            <a:endParaRPr lang="pl-PL" b="0" dirty="0">
-              <a:solidFill>
-                <a:srgbClr val="000000"/>
-              </a:solidFill>
-              <a:effectLst/>
-              <a:latin typeface="Consolas" panose="020B0609020204030204" pitchFamily="49" charset="0"/>
-            </a:endParaRPr>
-          </a:p>
-          <a:p>
-            <a:endParaRPr lang="pl-PL" b="0" dirty="0">
-              <a:solidFill>
-                <a:srgbClr val="000000"/>
-              </a:solidFill>
-              <a:effectLst/>
-              <a:latin typeface="Consolas" panose="020B0609020204030204" pitchFamily="49" charset="0"/>
-            </a:endParaRPr>
-          </a:p>
-          <a:p>
-            <a:r>
-              <a:rPr lang="en-US" b="0" dirty="0">
-                <a:solidFill>
-                  <a:srgbClr val="000000"/>
-                </a:solidFill>
-                <a:effectLst/>
-                <a:latin typeface="Consolas" panose="020B0609020204030204" pitchFamily="49" charset="0"/>
-              </a:rPr>
+              <a:rPr lang="en-US" dirty="0"/>
+              <a:t> is responsible for establishing the connectivity and security contexts.</a:t>
+            </a:r>
+          </a:p>
+          <a:p>
+            <a:endParaRPr lang="en-US" dirty="0"/>
+          </a:p>
+          <a:p>
+            <a:r>
+              <a:rPr lang="en-US" dirty="0"/>
               <a:t>Finally, </a:t>
             </a:r>
             <a:r>
-              <a:rPr lang="en-US" b="0" dirty="0" err="1">
-                <a:solidFill>
-                  <a:srgbClr val="000000"/>
-                </a:solidFill>
-                <a:effectLst/>
-                <a:latin typeface="Consolas" panose="020B0609020204030204" pitchFamily="49" charset="0"/>
-              </a:rPr>
+              <a:rPr lang="en-US" dirty="0" err="1"/>
               <a:t>CommunicationContext</a:t>
             </a:r>
             <a:r>
-              <a:rPr lang="en-US" b="0" dirty="0">
-                <a:solidFill>
-                  <a:srgbClr val="000000"/>
-                </a:solidFill>
-                <a:effectLst/>
-                <a:latin typeface="Consolas" panose="020B0609020204030204" pitchFamily="49" charset="0"/>
-              </a:rPr>
+              <a:rPr lang="en-US" dirty="0"/>
               <a:t> uses out-of-band communication to send data to the cloud services.</a:t>
             </a:r>
-            <a:endParaRPr lang="pl-PL" b="0" dirty="0">
-              <a:solidFill>
-                <a:srgbClr val="000000"/>
-              </a:solidFill>
-              <a:effectLst/>
-              <a:latin typeface="Consolas" panose="020B0609020204030204" pitchFamily="49" charset="0"/>
-            </a:endParaRPr>
-          </a:p>
-          <a:p>
-            <a:endParaRPr lang="en-US" b="0" dirty="0">
-              <a:solidFill>
-                <a:srgbClr val="000000"/>
-              </a:solidFill>
-              <a:effectLst/>
-              <a:latin typeface="Consolas" panose="020B0609020204030204" pitchFamily="49" charset="0"/>
-            </a:endParaRPr>
+            <a:endParaRPr lang="pl-PL" dirty="0"/>
           </a:p>
           <a:p>
             <a:endParaRPr lang="en-US" dirty="0"/>
@@ -12077,13 +11872,22 @@
               <a:defRPr/>
             </a:pPr>
             <a:r>
-              <a:rPr lang="en-US" dirty="0"/>
-              <a:t>The results presented in the article prove that the composite nature of the disciplines concerned can be relaxed by the composite nature of the running programs and postponing parts binding up to the system deployment stage. It also improves flexibility and adaptability of the existing solutions against any modification of the production environment including but not limited to the selected interoperability standard change.</a:t>
-            </a:r>
-            <a:r>
-              <a:rPr lang="pl-PL" dirty="0"/>
-              <a:t> </a:t>
-            </a:r>
+              <a:rPr lang="en-US" b="0" dirty="0">
+                <a:solidFill>
+                  <a:srgbClr val="000000"/>
+                </a:solidFill>
+                <a:effectLst/>
+                <a:latin typeface="Consolas" panose="020B0609020204030204" pitchFamily="49" charset="0"/>
+              </a:rPr>
+              <a:t>My point is that this gateway experience may be easily ported to implement OPC UA Server and OPC UA Client gateway. A next topic that could be a good candidate for further work is a systematic approach to the semantic mapping between different domain-specific languages, namely languages defined by the OPC UA specification and Digital Tween Description Language that is to be used to define metadata on the Azure services.</a:t>
+            </a:r>
+            <a:endParaRPr lang="pl-PL" b="0" dirty="0">
+              <a:solidFill>
+                <a:srgbClr val="000000"/>
+              </a:solidFill>
+              <a:effectLst/>
+              <a:latin typeface="Consolas" panose="020B0609020204030204" pitchFamily="49" charset="0"/>
+            </a:endParaRPr>
           </a:p>
           <a:p>
             <a:pPr marL="0" marR="0" lvl="0" indent="0" algn="l" defTabSz="914400" rtl="0" eaLnBrk="1" fontAlgn="auto" latinLnBrk="0" hangingPunct="1">
@@ -12125,95 +11929,7 @@
             </a:pPr>
             <a:r>
               <a:rPr lang="en-US" dirty="0"/>
-              <a:t>Future work will be focused on Machine to Sensors connectivity based on the Process-Observer concept. By design, it allows access to plant floor devices using a variety of Fieldbus industrial network protocols. </a:t>
-            </a:r>
-            <a:endParaRPr lang="pl-PL" dirty="0"/>
-          </a:p>
-          <a:p>
-            <a:pPr marL="0" marR="0" lvl="0" indent="0" algn="l" defTabSz="914400" rtl="0" eaLnBrk="1" fontAlgn="auto" latinLnBrk="0" hangingPunct="1">
-              <a:lnSpc>
-                <a:spcPct val="100000"/>
-              </a:lnSpc>
-              <a:spcBef>
-                <a:spcPts val="0"/>
-              </a:spcBef>
-              <a:spcAft>
-                <a:spcPts val="0"/>
-              </a:spcAft>
-              <a:buClrTx/>
-              <a:buSzTx/>
-              <a:buFontTx/>
-              <a:buNone/>
-              <a:tabLst/>
-              <a:defRPr/>
-            </a:pPr>
-            <a:endParaRPr lang="pl-PL" dirty="0"/>
-          </a:p>
-          <a:p>
-            <a:pPr marL="0" marR="0" lvl="0" indent="0" algn="l" defTabSz="914400" rtl="0" eaLnBrk="1" fontAlgn="auto" latinLnBrk="0" hangingPunct="1">
-              <a:lnSpc>
-                <a:spcPct val="100000"/>
-              </a:lnSpc>
-              <a:spcBef>
-                <a:spcPts val="0"/>
-              </a:spcBef>
-              <a:spcAft>
-                <a:spcPts val="0"/>
-              </a:spcAft>
-              <a:buClrTx/>
-              <a:buSzTx/>
-              <a:buFontTx/>
-              <a:buNone/>
-              <a:tabLst/>
-              <a:defRPr/>
-            </a:pPr>
-            <a:r>
-              <a:rPr lang="en-US" dirty="0"/>
-              <a:t>The next research direction is the usage of the Data Transfer Object to control the communication behavior using the attributes attached.</a:t>
-            </a:r>
-            <a:endParaRPr lang="pl-PL" dirty="0"/>
-          </a:p>
-          <a:p>
-            <a:pPr marL="0" marR="0" lvl="0" indent="0" algn="l" defTabSz="914400" rtl="0" eaLnBrk="1" fontAlgn="auto" latinLnBrk="0" hangingPunct="1">
-              <a:lnSpc>
-                <a:spcPct val="100000"/>
-              </a:lnSpc>
-              <a:spcBef>
-                <a:spcPts val="0"/>
-              </a:spcBef>
-              <a:spcAft>
-                <a:spcPts val="0"/>
-              </a:spcAft>
-              <a:buClrTx/>
-              <a:buSzTx/>
-              <a:buFontTx/>
-              <a:buNone/>
-              <a:tabLst/>
-              <a:defRPr/>
-            </a:pPr>
-            <a:endParaRPr lang="pl-PL" dirty="0"/>
-          </a:p>
-          <a:p>
-            <a:pPr marL="0" marR="0" lvl="0" indent="0" algn="l" defTabSz="914400" rtl="0" eaLnBrk="1" fontAlgn="auto" latinLnBrk="0" hangingPunct="1">
-              <a:lnSpc>
-                <a:spcPct val="100000"/>
-              </a:lnSpc>
-              <a:spcBef>
-                <a:spcPts val="0"/>
-              </a:spcBef>
-              <a:spcAft>
-                <a:spcPts val="0"/>
-              </a:spcAft>
-              <a:buClrTx/>
-              <a:buSzTx/>
-              <a:buFontTx/>
-              <a:buNone/>
-              <a:tabLst/>
-              <a:defRPr/>
-            </a:pPr>
-            <a:r>
-              <a:rPr lang="en-US" dirty="0"/>
-              <a:t>I am also going to investigate out-of-band communication to be used as a foundation for semantic and security context-maintenance at run-time.</a:t>
+              <a:t>Additionally, a gateway on the stick should be concerned, namely self-contained application without cyber physical Network interoperability. In this case, data gathered by the producer is sent directly to the cloud using the Consumer role implemented to fulfill the gateway functionality.</a:t>
             </a:r>
             <a:endParaRPr lang="pl-PL" dirty="0"/>
           </a:p>
@@ -12320,32 +12036,26 @@
           </a:bodyPr>
           <a:lstStyle/>
           <a:p>
-            <a:pPr eaLnBrk="1" hangingPunct="1">
-              <a:spcBef>
-                <a:spcPct val="0"/>
-              </a:spcBef>
-            </a:pPr>
-            <a:r>
-              <a:rPr lang="pl-PL" dirty="0"/>
-              <a:t>T</a:t>
-            </a:r>
-            <a:r>
-              <a:rPr lang="en-US" dirty="0"/>
-              <a:t>hat's all</a:t>
-            </a:r>
-            <a:r>
-              <a:rPr lang="pl-PL" dirty="0"/>
-              <a:t> for </a:t>
-            </a:r>
-            <a:r>
-              <a:rPr lang="pl-PL" dirty="0" err="1"/>
-              <a:t>now</a:t>
-            </a:r>
-            <a:r>
-              <a:rPr lang="en-US" dirty="0"/>
-              <a:t>, thank you very much for your attention. I hope the presentation was interesting and I didn't bore you. Interested persons, please contact me by email or phone. Once again, thank you for your attention and I invite you to cooperation.</a:t>
-            </a:r>
-            <a:endParaRPr lang="pl-PL" dirty="0"/>
+            <a:r>
+              <a:rPr lang="en-US" b="0" dirty="0">
+                <a:solidFill>
+                  <a:srgbClr val="000000"/>
+                </a:solidFill>
+                <a:effectLst/>
+                <a:latin typeface="Consolas" panose="020B0609020204030204" pitchFamily="49" charset="0"/>
+              </a:rPr>
+              <a:t>That's all for now, thank you very much for your attention. </a:t>
+            </a:r>
+            <a:r>
+              <a:rPr lang="en-US" b="0">
+                <a:solidFill>
+                  <a:srgbClr val="000000"/>
+                </a:solidFill>
+                <a:effectLst/>
+                <a:latin typeface="Consolas" panose="020B0609020204030204" pitchFamily="49" charset="0"/>
+              </a:rPr>
+              <a:t>We can open the Q/A session for my time slot.</a:t>
+            </a:r>
           </a:p>
         </p:txBody>
       </p:sp>
@@ -12454,12 +12164,22 @@
         </p:nvSpPr>
         <p:spPr/>
         <p:txBody>
-          <a:bodyPr/>
+          <a:bodyPr>
+            <a:normAutofit fontScale="92500" lnSpcReduction="20000"/>
+          </a:bodyPr>
           <a:lstStyle/>
           <a:p>
             <a:r>
               <a:rPr lang="en-US" dirty="0"/>
-              <a:t>Based on the role humans take while deploying the smart factory concept the computer applications may be grouped as Human-centric and Machine-centric.</a:t>
+              <a:t>Based on the role humans take while deploying the smart factory concept the computer applications may be grouped as Human-centric </a:t>
+            </a:r>
+            <a:r>
+              <a:rPr lang="en-US" noProof="0" dirty="0"/>
+              <a:t>or</a:t>
+            </a:r>
+            <a:r>
+              <a:rPr lang="en-US" dirty="0"/>
+              <a:t> Machine-centric.</a:t>
             </a:r>
             <a:endParaRPr lang="pl-PL" dirty="0"/>
           </a:p>
@@ -12469,7 +12189,7 @@
           <a:p>
             <a:r>
               <a:rPr lang="en-US" dirty="0"/>
-              <a:t>A typical human-centric approach is a web service supporting a web user interface (UI) to monitor conditions and manage millions of devices and their data in a typical cloud-based Internet of Things approach. In this case, it is characteristic that any uncertainty and necessity to make a decision can be relaxed by human interaction.</a:t>
+              <a:t>A typical human-centric approach is a web service supporting a web user interface (UI) to monitor conditions and manage millions of devices and their data in a typical cloud-based Internet of Things approach. In this case, it is characteristic that any necessity to decide can be relaxed by human interaction.</a:t>
             </a:r>
             <a:endParaRPr lang="pl-PL" dirty="0"/>
           </a:p>
@@ -12489,7 +12209,55 @@
           <a:p>
             <a:r>
               <a:rPr lang="en-US" dirty="0"/>
-              <a:t>To promote composition using multi-vendor parts the standardization is especially important. Industry 4.0 is an initiative that addresses this application domain addressing the Smart factory concept design and deployment. That concept is recognized as the fourth industrial revolution. Additionally, to adders interconnection and interoperability of the multi-vendor parts the OPC Unified Architecture is considered to normalize reactive M2M communication.</a:t>
+              <a:t>To promote multi-vendor </a:t>
+            </a:r>
+            <a:r>
+              <a:rPr lang="pl-PL" dirty="0"/>
+              <a:t>environment </a:t>
+            </a:r>
+            <a:r>
+              <a:rPr lang="en-US" dirty="0"/>
+              <a:t>the standardization is especially important. Industry 4.0 is an </a:t>
+            </a:r>
+            <a:r>
+              <a:rPr lang="pl-PL" dirty="0"/>
+              <a:t>idea</a:t>
+            </a:r>
+            <a:r>
+              <a:rPr lang="en-US" dirty="0"/>
+              <a:t> that addresses the Smart factory concept design and deployment. That concept is recognized as the fourth industrial revolution. Additionally, to </a:t>
+            </a:r>
+            <a:r>
+              <a:rPr lang="en-US" noProof="0" dirty="0"/>
+              <a:t>address</a:t>
+            </a:r>
+            <a:r>
+              <a:rPr lang="en-US" dirty="0"/>
+              <a:t> interoperability of the multi-vendor parts </a:t>
+            </a:r>
+            <a:r>
+              <a:rPr lang="en-US" noProof="0" dirty="0"/>
+              <a:t>requirements</a:t>
+            </a:r>
+            <a:r>
+              <a:rPr lang="pl-PL" dirty="0"/>
+              <a:t> </a:t>
+            </a:r>
+            <a:r>
+              <a:rPr lang="en-US" dirty="0"/>
+              <a:t>the OPC Unified Architecture is considered to normalize </a:t>
+            </a:r>
+            <a:r>
+              <a:rPr lang="en-US" noProof="0" dirty="0"/>
+              <a:t>machine to machine</a:t>
+            </a:r>
+            <a:r>
+              <a:rPr lang="pl-PL" dirty="0"/>
+              <a:t> </a:t>
+            </a:r>
+            <a:r>
+              <a:rPr lang="en-US" dirty="0"/>
+              <a:t> communication.</a:t>
             </a:r>
             <a:endParaRPr lang="pl-PL" dirty="0"/>
           </a:p>
@@ -12499,44 +12267,24 @@
           <a:p>
             <a:r>
               <a:rPr lang="en-US" dirty="0"/>
-              <a:t>The main goal of this article is to prove that the Object-Oriented Internet cyber-physical network can be interconnected with the Internet of Things cloud services:</a:t>
+              <a:t>The main goal of this article is to prove that the cyber-physical network can be interconnected with the Internet of Things cloud services based on the OPC UA standard implemented as a powerful standalone library without dependency on the Client/Server session-oriented archetype. In the proposal,  cloud interoperability can be implemented as an independent part employing out-of-band communication without dependency on the OPC UA implementation. Additionally, the proposed generic architecture allows that the gateway functionality is implemented as a composable part at run-time - no programming </a:t>
+            </a:r>
+            <a:r>
+              <a:rPr lang="pl-PL" dirty="0" err="1"/>
+              <a:t>is</a:t>
+            </a:r>
+            <a:r>
+              <a:rPr lang="pl-PL" dirty="0"/>
+              <a:t> </a:t>
+            </a:r>
+            <a:r>
+              <a:rPr lang="en-US" dirty="0"/>
+              <a:t>required.</a:t>
             </a:r>
             <a:endParaRPr lang="pl-PL" dirty="0"/>
           </a:p>
           <a:p>
             <a:endParaRPr lang="pl-PL" dirty="0"/>
-          </a:p>
-          <a:p>
-            <a:pPr marL="171450" indent="-171450">
-              <a:buFontTx/>
-              <a:buChar char="-"/>
-            </a:pPr>
-            <a:r>
-              <a:rPr lang="en-US" dirty="0"/>
-              <a:t>based on the OPC UA standard implemented as a powerful standalone library without dependency on the Client/Server session-oriented archetype,</a:t>
-            </a:r>
-            <a:endParaRPr lang="pl-PL" dirty="0"/>
-          </a:p>
-          <a:p>
-            <a:pPr marL="171450" indent="-171450">
-              <a:buFontTx/>
-              <a:buChar char="-"/>
-            </a:pPr>
-            <a:r>
-              <a:rPr lang="en-US" dirty="0"/>
-              <a:t>cloud interoperability can be implemented as an independent part employing out-of-band communication without dependency on the OPC UA implementation,</a:t>
-            </a:r>
-            <a:endParaRPr lang="pl-PL" dirty="0"/>
-          </a:p>
-          <a:p>
-            <a:pPr marL="171450" indent="-171450">
-              <a:buFontTx/>
-              <a:buChar char="-"/>
-            </a:pPr>
-            <a:r>
-              <a:rPr lang="en-US" dirty="0"/>
-              <a:t>the proposed generic architecture allows that the gateway functionality is implemented as a composable part at run-time - no programming required.</a:t>
-            </a:r>
           </a:p>
         </p:txBody>
       </p:sp>
@@ -12718,7 +12466,7 @@
         <p:spPr/>
         <p:txBody>
           <a:bodyPr>
-            <a:normAutofit/>
+            <a:normAutofit fontScale="92500" lnSpcReduction="20000"/>
           </a:bodyPr>
           <a:lstStyle/>
           <a:p>
@@ -12961,7 +12709,9 @@
         </p:nvSpPr>
         <p:spPr/>
         <p:txBody>
-          <a:bodyPr/>
+          <a:bodyPr>
+            <a:normAutofit lnSpcReduction="10000"/>
+          </a:bodyPr>
           <a:lstStyle/>
           <a:p>
             <a:r>
@@ -13287,8 +13037,37 @@
         </p:nvSpPr>
         <p:spPr/>
         <p:txBody>
-          <a:bodyPr/>
+          <a:bodyPr>
+            <a:normAutofit lnSpcReduction="10000"/>
+          </a:bodyPr>
           <a:lstStyle/>
+          <a:p>
+            <a:pPr marL="0" marR="0" lvl="0" indent="0" algn="l" defTabSz="914400" rtl="0" eaLnBrk="1" fontAlgn="auto" latinLnBrk="0" hangingPunct="1">
+              <a:lnSpc>
+                <a:spcPct val="100000"/>
+              </a:lnSpc>
+              <a:spcBef>
+                <a:spcPts val="0"/>
+              </a:spcBef>
+              <a:spcAft>
+                <a:spcPts val="0"/>
+              </a:spcAft>
+              <a:buClrTx/>
+              <a:buSzTx/>
+              <a:buFontTx/>
+              <a:buNone/>
+              <a:tabLst/>
+              <a:defRPr/>
+            </a:pPr>
+            <a:r>
+              <a:rPr lang="en-US" dirty="0"/>
+              <a:t>To promote reusability the research must be conducted atop of a formal description. The proposed solution and all intermediate steps illustrating how to derive the final solution from the selected domain features are described using the UML. Finally, the workout is abstract enough to be reused in any development environment. </a:t>
+            </a:r>
+            <a:endParaRPr lang="pl-PL" dirty="0"/>
+          </a:p>
+          <a:p>
+            <a:endParaRPr lang="pl-PL" dirty="0"/>
+          </a:p>
           <a:p>
             <a:r>
               <a:rPr lang="en-US" dirty="0"/>
@@ -13386,13 +13165,13 @@
         <p:spPr/>
         <p:txBody>
           <a:bodyPr>
-            <a:normAutofit fontScale="92500" lnSpcReduction="10000"/>
+            <a:normAutofit fontScale="92500"/>
           </a:bodyPr>
           <a:lstStyle/>
           <a:p>
             <a:r>
               <a:rPr lang="en-US" dirty="0"/>
-              <a:t>It is a theory abstracting a generic solution meeting community expectations. In other words, it is just a set of assumptions that now we can use to propose a concrete implementation meeting the assumption. I believe that a detailed description of the implementation is not relevant to us in contrast to an analysis of how to use the proposed domain model to make strategic design decisions and functionality distribution. From the above discussion we can learn that the main design decisions must concern reusability (it means using the same part in many scenarios), flexibility, interoperability in the multi-vendor environment, and last but not least deployment without programming.</a:t>
+              <a:t>It is a theory abstracting a generic solution meeting community expectations. In other words, it is just a set of assumptions that now we can use to propose a concrete implementation meeting the assumption. I believe that a detailed description of the implementation is not relevant to us in contrast to an analysis of how to use the proposed domain model to make strategic design decisions and functionality distribution. </a:t>
             </a:r>
             <a:endParaRPr lang="pl-PL" dirty="0"/>
           </a:p>
@@ -13401,8 +13180,46 @@
           </a:p>
           <a:p>
             <a:r>
+              <a:rPr lang="pl-PL" dirty="0"/>
+              <a:t>- </a:t>
+            </a:r>
+            <a:r>
               <a:rPr lang="en-US" dirty="0"/>
-              <a:t>To meet these requirements the mentioned on the scree design patterns have been used</a:t>
+              <a:t>From the above discussion we can learn that the main design decisions must concern reusability (it means using the same part in many scenarios), flexibility, interoperability in the multi-vendor environment, and deployment without programming.</a:t>
+            </a:r>
+            <a:endParaRPr lang="pl-PL" dirty="0"/>
+          </a:p>
+          <a:p>
+            <a:endParaRPr lang="pl-PL" dirty="0"/>
+          </a:p>
+          <a:p>
+            <a:r>
+              <a:rPr lang="en-US" dirty="0"/>
+              <a:t>To meet </a:t>
+            </a:r>
+            <a:r>
+              <a:rPr lang="pl-PL" dirty="0"/>
+              <a:t>the </a:t>
+            </a:r>
+            <a:r>
+              <a:rPr lang="en-US" noProof="0" dirty="0"/>
+              <a:t>project</a:t>
+            </a:r>
+            <a:r>
+              <a:rPr lang="pl-PL" dirty="0"/>
+              <a:t> </a:t>
+            </a:r>
+            <a:r>
+              <a:rPr lang="en-US" dirty="0"/>
+              <a:t>requirements the </a:t>
+            </a:r>
+            <a:r>
+              <a:rPr lang="en-US" noProof="0" dirty="0"/>
+              <a:t>following </a:t>
+            </a:r>
+            <a:r>
+              <a:rPr lang="en-US" dirty="0"/>
+              <a:t>design patterns have been used</a:t>
             </a:r>
             <a:endParaRPr lang="pl-PL" dirty="0"/>
           </a:p>
@@ -13464,7 +13281,21 @@
             </a:r>
             <a:r>
               <a:rPr lang="en-US" dirty="0"/>
-              <a:t> is selected in this respect. By design, this standard should support the required publisher-subscriber communication pattern, but it covers only partially the requirements of the applications concerned. Therefore, our proposals shall be recognized as far beyond the specification scope, although they are still compliant with the standard.</a:t>
+              <a:t> is selected in this respect. </a:t>
+            </a:r>
+            <a:endParaRPr lang="pl-PL" dirty="0"/>
+          </a:p>
+          <a:p>
+            <a:endParaRPr lang="pl-PL" dirty="0"/>
+          </a:p>
+          <a:p>
+            <a:r>
+              <a:rPr lang="pl-PL" dirty="0"/>
+              <a:t>- </a:t>
+            </a:r>
+            <a:r>
+              <a:rPr lang="en-US" dirty="0"/>
+              <a:t>By design, this standard should support the required publisher-subscriber communication pattern, but it covers only partially the requirements of the applications concerned. Therefore, our proposals shall be recognized as far beyond the specification scope, although they are still compliant with the standard.</a:t>
             </a:r>
             <a:endParaRPr lang="pl-PL" dirty="0"/>
           </a:p>
@@ -15918,7 +15749,7 @@
 </file>
 
 <file path=ppt/slides/slide11.xml><?xml version="1.0" encoding="utf-8"?>
-<p:sld xmlns:a="http://schemas.openxmlformats.org/drawingml/2006/main" xmlns:r="http://schemas.openxmlformats.org/officeDocument/2006/relationships" xmlns:p="http://schemas.openxmlformats.org/presentationml/2006/main">
+<p:sld xmlns:a="http://schemas.openxmlformats.org/drawingml/2006/main" xmlns:r="http://schemas.openxmlformats.org/officeDocument/2006/relationships" xmlns:p="http://schemas.openxmlformats.org/presentationml/2006/main" show="0">
   <p:cSld>
     <p:spTree>
       <p:nvGrpSpPr>
@@ -16368,7 +16199,7 @@
 </file>
 
 <file path=ppt/slides/slide13.xml><?xml version="1.0" encoding="utf-8"?>
-<p:sld xmlns:a="http://schemas.openxmlformats.org/drawingml/2006/main" xmlns:r="http://schemas.openxmlformats.org/officeDocument/2006/relationships" xmlns:p="http://schemas.openxmlformats.org/presentationml/2006/main">
+<p:sld xmlns:a="http://schemas.openxmlformats.org/drawingml/2006/main" xmlns:r="http://schemas.openxmlformats.org/officeDocument/2006/relationships" xmlns:p="http://schemas.openxmlformats.org/presentationml/2006/main" show="0">
   <p:cSld>
     <p:spTree>
       <p:nvGrpSpPr>
@@ -16711,7 +16542,7 @@
           <p:nvPr/>
         </p:nvPicPr>
         <p:blipFill>
-          <a:blip r:embed="rId3" cstate="print">
+          <a:blip r:embed="rId4" cstate="print">
             <a:extLst>
               <a:ext uri="{28A0092B-C50C-407E-A947-70E740481C1C}">
                 <a14:useLocalDpi xmlns:a14="http://schemas.microsoft.com/office/drawing/2010/main" val="0"/>
@@ -16779,7 +16610,7 @@
         <p:spPr>
           <a:solidFill>
             <a:schemeClr val="bg2">
-              <a:alpha val="92000"/>
+              <a:alpha val="69000"/>
             </a:schemeClr>
           </a:solidFill>
         </p:spPr>
@@ -17046,6 +16877,9 @@
         </p:txBody>
       </p:sp>
     </p:spTree>
+    <p:custDataLst>
+      <p:tags r:id="rId1"/>
+    </p:custDataLst>
     <p:extLst>
       <p:ext uri="{BB962C8B-B14F-4D97-AF65-F5344CB8AC3E}">
         <p14:creationId xmlns:p14="http://schemas.microsoft.com/office/powerpoint/2010/main" val="1547867026"/>
@@ -18429,59 +18263,6 @@
                       </p:childTnLst>
                     </p:cTn>
                   </p:par>
-                  <p:par>
-                    <p:cTn id="79" fill="hold">
-                      <p:stCondLst>
-                        <p:cond delay="indefinite"/>
-                      </p:stCondLst>
-                      <p:childTnLst>
-                        <p:par>
-                          <p:cTn id="80" fill="hold">
-                            <p:stCondLst>
-                              <p:cond delay="0"/>
-                            </p:stCondLst>
-                            <p:childTnLst>
-                              <p:par>
-                                <p:cTn id="81" presetID="10" presetClass="exit" presetSubtype="0" fill="hold" grpId="1" nodeType="clickEffect">
-                                  <p:stCondLst>
-                                    <p:cond delay="0"/>
-                                  </p:stCondLst>
-                                  <p:childTnLst>
-                                    <p:animEffect transition="out" filter="fade">
-                                      <p:cBhvr>
-                                        <p:cTn id="82" dur="500"/>
-                                        <p:tgtEl>
-                                          <p:spTgt spid="12"/>
-                                        </p:tgtEl>
-                                      </p:cBhvr>
-                                    </p:animEffect>
-                                    <p:set>
-                                      <p:cBhvr>
-                                        <p:cTn id="83" dur="1" fill="hold">
-                                          <p:stCondLst>
-                                            <p:cond delay="499"/>
-                                          </p:stCondLst>
-                                        </p:cTn>
-                                        <p:tgtEl>
-                                          <p:spTgt spid="12"/>
-                                        </p:tgtEl>
-                                        <p:attrNameLst>
-                                          <p:attrName>style.visibility</p:attrName>
-                                        </p:attrNameLst>
-                                      </p:cBhvr>
-                                      <p:to>
-                                        <p:strVal val="hidden"/>
-                                      </p:to>
-                                    </p:set>
-                                  </p:childTnLst>
-                                </p:cTn>
-                              </p:par>
-                            </p:childTnLst>
-                          </p:cTn>
-                        </p:par>
-                      </p:childTnLst>
-                    </p:cTn>
-                  </p:par>
                 </p:childTnLst>
               </p:cTn>
               <p:prevCondLst>
@@ -18507,7 +18288,6 @@
       <p:bldP spid="13" grpId="0" uiExpand="1" build="p" animBg="1" autoUpdateAnimBg="0"/>
       <p:bldP spid="13" grpId="1" uiExpand="1" build="allAtOnce" animBg="1" autoUpdateAnimBg="0"/>
       <p:bldP spid="12" grpId="0" animBg="1"/>
-      <p:bldP spid="12" grpId="1" animBg="1"/>
     </p:bldLst>
   </p:timing>
 </p:sld>
@@ -19239,21 +19019,13 @@
               <a:rPr lang="en-US" dirty="0"/>
               <a:t>Machine-centric</a:t>
             </a:r>
-            <a:r>
-              <a:rPr lang="pl-PL" dirty="0"/>
-              <a:t>-</a:t>
-            </a:r>
+            <a:endParaRPr lang="pl-PL" dirty="0"/>
+          </a:p>
+          <a:p>
+            <a:pPr lvl="1"/>
             <a:r>
               <a:rPr lang="en-US" dirty="0"/>
               <a:t>information creation, consumption, networking, and processing are achieved entirely without human interaction</a:t>
-            </a:r>
-            <a:endParaRPr lang="pl-PL" dirty="0"/>
-          </a:p>
-          <a:p>
-            <a:pPr lvl="1"/>
-            <a:r>
-              <a:rPr lang="en-US" dirty="0"/>
-              <a:t>Machine to Machine Communication (M2M) </a:t>
             </a:r>
             <a:endParaRPr lang="pl-PL" dirty="0"/>
           </a:p>
@@ -22570,7 +22342,7 @@
 </file>
 
 <file path=ppt/slides/slide5.xml><?xml version="1.0" encoding="utf-8"?>
-<p:sld xmlns:a="http://schemas.openxmlformats.org/drawingml/2006/main" xmlns:r="http://schemas.openxmlformats.org/officeDocument/2006/relationships" xmlns:p="http://schemas.openxmlformats.org/presentationml/2006/main">
+<p:sld xmlns:a="http://schemas.openxmlformats.org/drawingml/2006/main" xmlns:r="http://schemas.openxmlformats.org/officeDocument/2006/relationships" xmlns:p="http://schemas.openxmlformats.org/presentationml/2006/main" show="0">
   <p:cSld>
     <p:spTree>
       <p:nvGrpSpPr>
@@ -22735,7 +22507,7 @@
 </file>
 
 <file path=ppt/slides/slide6.xml><?xml version="1.0" encoding="utf-8"?>
-<p:sld xmlns:a="http://schemas.openxmlformats.org/drawingml/2006/main" xmlns:r="http://schemas.openxmlformats.org/officeDocument/2006/relationships" xmlns:p="http://schemas.openxmlformats.org/presentationml/2006/main">
+<p:sld xmlns:a="http://schemas.openxmlformats.org/drawingml/2006/main" xmlns:r="http://schemas.openxmlformats.org/officeDocument/2006/relationships" xmlns:p="http://schemas.openxmlformats.org/presentationml/2006/main" show="0">
   <p:cSld>
     <p:spTree>
       <p:nvGrpSpPr>
@@ -22900,7 +22672,7 @@
 </file>
 
 <file path=ppt/slides/slide7.xml><?xml version="1.0" encoding="utf-8"?>
-<p:sld xmlns:a="http://schemas.openxmlformats.org/drawingml/2006/main" xmlns:r="http://schemas.openxmlformats.org/officeDocument/2006/relationships" xmlns:p="http://schemas.openxmlformats.org/presentationml/2006/main">
+<p:sld xmlns:a="http://schemas.openxmlformats.org/drawingml/2006/main" xmlns:r="http://schemas.openxmlformats.org/officeDocument/2006/relationships" xmlns:p="http://schemas.openxmlformats.org/presentationml/2006/main" show="0">
   <p:cSld>
     <p:spTree>
       <p:nvGrpSpPr>
@@ -23437,6 +23209,12 @@
     <a:masterClrMapping/>
   </p:clrMapOvr>
 </p:sld>
+</file>
+
+<file path=ppt/tags/tag1.xml><?xml version="1.0" encoding="utf-8"?>
+<p:tagLst xmlns:a="http://schemas.openxmlformats.org/drawingml/2006/main" xmlns:r="http://schemas.openxmlformats.org/officeDocument/2006/relationships" xmlns:p="http://schemas.openxmlformats.org/presentationml/2006/main">
+  <p:tag name="TIMING" val="|15|122.9|175.1"/>
+</p:tagLst>
 </file>
 
 <file path=ppt/theme/theme1.xml><?xml version="1.0" encoding="utf-8"?>

--- a/ICCS21-Conference/OOI-CI-ICCS2021..pptx
+++ b/ICCS21-Conference/OOI-CI-ICCS2021..pptx
@@ -10605,7 +10605,7 @@
             <a:fld id="{301268CA-ED1D-4AAE-902A-185C940766BC}" type="datetimeFigureOut">
               <a:rPr lang="pl-PL" smtClean="0"/>
               <a:pPr/>
-              <a:t>16.06.2021</a:t>
+              <a:t>17.06.2021</a:t>
             </a:fld>
             <a:endParaRPr lang="pl-PL"/>
           </a:p>
@@ -10924,7 +10924,31 @@
             </a:r>
             <a:r>
               <a:rPr lang="en-US" noProof="0" dirty="0"/>
-              <a:t> and I am representing the Institute of the Information Technology Lodz University of Technology. It is my pleasure to present my and Piotr Szymczak research work related to Object-Oriented Internet and Cloud services integration focusing on the generic architecture that is proposed to implement and deploy this interoperability scenario.</a:t>
+              <a:t> and I am representing the Institute of the Information Technology Lodz University of Technology. It is my pleasure to present my and Piotr Szymczak research work related to Object-Oriented Internet and Cloud services integration proposing </a:t>
+            </a:r>
+            <a:r>
+              <a:rPr lang="pl-PL" noProof="0" dirty="0"/>
+              <a:t>a </a:t>
+            </a:r>
+            <a:r>
+              <a:rPr lang="en-US" noProof="0" dirty="0"/>
+              <a:t>generic architecture that </a:t>
+            </a:r>
+            <a:r>
+              <a:rPr lang="pl-PL" noProof="0" dirty="0"/>
+              <a:t>we </a:t>
+            </a:r>
+            <a:r>
+              <a:rPr lang="en-US" noProof="0" dirty="0"/>
+              <a:t>used</a:t>
+            </a:r>
+            <a:r>
+              <a:rPr lang="pl-PL" noProof="0" dirty="0"/>
+              <a:t> </a:t>
+            </a:r>
+            <a:r>
+              <a:rPr lang="en-US" noProof="0" dirty="0"/>
+              <a:t>to implement and deploy this interoperability scenario.</a:t>
             </a:r>
           </a:p>
         </p:txBody>
@@ -11314,7 +11338,7 @@
                 <a:effectLst/>
                 <a:latin typeface="Consolas" panose="020B0609020204030204" pitchFamily="49" charset="0"/>
               </a:rPr>
-              <a:t>To start prototyping we did use a library called </a:t>
+              <a:t>To start prototyping we did use a library called </a:t>
             </a:r>
             <a:r>
               <a:rPr lang="en-US" b="0" dirty="0" err="1">
@@ -11334,7 +11358,7 @@
                 <a:effectLst/>
                 <a:latin typeface="Consolas" panose="020B0609020204030204" pitchFamily="49" charset="0"/>
               </a:rPr>
-              <a:t> - networking for short. This library offers a generic implementation of the mentioned OPC Unified Architecture </a:t>
+              <a:t> - networking for short. This library offers a generic implementation of the mentioned OPC Unified Architecture </a:t>
             </a:r>
             <a:r>
               <a:rPr lang="en-US" b="0" dirty="0" err="1">
@@ -11354,7 +11378,7 @@
                 <a:effectLst/>
                 <a:latin typeface="Consolas" panose="020B0609020204030204" pitchFamily="49" charset="0"/>
               </a:rPr>
-              <a:t> standard. It is generic because allows selecting one of the transport protocols allowed by the spec to connect the node to other nodes attached to the common cyber-physical network. Additionally, using a different implementation of the Encoding component many variants of the </a:t>
+              <a:t> standard. It is generic because allows selecting one of the transport protocols allowed by the spec to connect the node to other nodes attached to the common cyber-physical network. Additionally, using a different implementation of the Encoding component many variants of the </a:t>
             </a:r>
             <a:r>
               <a:rPr lang="en-US" b="0" dirty="0" err="1">
@@ -11374,7 +11398,7 @@
                 <a:effectLst/>
                 <a:latin typeface="Consolas" panose="020B0609020204030204" pitchFamily="49" charset="0"/>
               </a:rPr>
-              <a:t> compliant with the spec are configurable and may be aggregated by the library at run-time. Encoding and underling protocol stack are responsible to support in-band machine-to-machine communication. Concluding, these composable parts are responsible to handle cyber-physical network communication.</a:t>
+              <a:t> compliant with the spec are configurable and may be aggregated by the library at run-time. Encoding and underling protocol stack are responsible to support in-band machine-to-machine communication. Concluding, these composable parts are responsible to handle cyber-physical network communication.</a:t>
             </a:r>
           </a:p>
           <a:p>
@@ -11872,22 +11896,10 @@
               <a:defRPr/>
             </a:pPr>
             <a:r>
-              <a:rPr lang="en-US" b="0" dirty="0">
-                <a:solidFill>
-                  <a:srgbClr val="000000"/>
-                </a:solidFill>
-                <a:effectLst/>
-                <a:latin typeface="Consolas" panose="020B0609020204030204" pitchFamily="49" charset="0"/>
-              </a:rPr>
-              <a:t>My point is that this gateway experience may be easily ported to implement OPC UA Server and OPC UA Client gateway. A next topic that could be a good candidate for further work is a systematic approach to the semantic mapping between different domain-specific languages, namely languages defined by the OPC UA specification and Digital Tween Description Language that is to be used to define metadata on the Azure services.</a:t>
-            </a:r>
-            <a:endParaRPr lang="pl-PL" b="0" dirty="0">
-              <a:solidFill>
-                <a:srgbClr val="000000"/>
-              </a:solidFill>
-              <a:effectLst/>
-              <a:latin typeface="Consolas" panose="020B0609020204030204" pitchFamily="49" charset="0"/>
-            </a:endParaRPr>
+              <a:rPr lang="en-US" dirty="0"/>
+              <a:t>My point is that this gateway experience may be easily ported to implement OPC UA Server and OPC UA Client gateway. A next topic that could be a good candidate for further work is a systematic approach to the semantic mapping between different domain-specific languages, namely languages defined by the OPC UA specification and Digital Tween Description Language that is to be used to define metadata on the Azure services.</a:t>
+            </a:r>
+            <a:endParaRPr lang="pl-PL" dirty="0"/>
           </a:p>
           <a:p>
             <a:pPr marL="0" marR="0" lvl="0" indent="0" algn="l" defTabSz="914400" rtl="0" eaLnBrk="1" fontAlgn="auto" latinLnBrk="0" hangingPunct="1">
@@ -12044,17 +12056,7 @@
                 <a:effectLst/>
                 <a:latin typeface="Consolas" panose="020B0609020204030204" pitchFamily="49" charset="0"/>
               </a:rPr>
-              <a:t>That's all for now, thank you very much for your attention. </a:t>
-            </a:r>
-            <a:r>
-              <a:rPr lang="en-US" b="0">
-                <a:solidFill>
-                  <a:srgbClr val="000000"/>
-                </a:solidFill>
-                <a:effectLst/>
-                <a:latin typeface="Consolas" panose="020B0609020204030204" pitchFamily="49" charset="0"/>
-              </a:rPr>
-              <a:t>We can open the Q/A session for my time slot.</a:t>
+              <a:t>That's all for now, thank you very much for your attention. We can open the Q/A session for my time slot.</a:t>
             </a:r>
           </a:p>
         </p:txBody>
@@ -12267,10 +12269,30 @@
           <a:p>
             <a:r>
               <a:rPr lang="en-US" dirty="0"/>
-              <a:t>The main goal of this article is to prove that the cyber-physical network can be interconnected with the Internet of Things cloud services based on the OPC UA standard implemented as a powerful standalone library without dependency on the Client/Server session-oriented archetype. In the proposal,  cloud interoperability can be implemented as an independent part employing out-of-band communication without dependency on the OPC UA implementation. Additionally, the proposed generic architecture allows that the gateway functionality is implemented as a composable part at run-time - no programming </a:t>
-            </a:r>
-            <a:r>
-              <a:rPr lang="pl-PL" dirty="0" err="1"/>
+              <a:t>The main goal of this article is to prove that the cyber-physical network can be interconnected with the Internet of Things cloud services based on the OPC UA standard implemented as a powerful standalone library without dependency on the Client/Server session-oriented archetype. In </a:t>
+            </a:r>
+            <a:r>
+              <a:rPr lang="en-US" noProof="0" dirty="0"/>
+              <a:t>our</a:t>
+            </a:r>
+            <a:r>
+              <a:rPr lang="en-US" dirty="0"/>
+              <a:t> proposal,  cloud interoperability </a:t>
+            </a:r>
+            <a:r>
+              <a:rPr lang="en-US" noProof="0" dirty="0"/>
+              <a:t>is</a:t>
+            </a:r>
+            <a:r>
+              <a:rPr lang="pl-PL" dirty="0"/>
+              <a:t> </a:t>
+            </a:r>
+            <a:r>
+              <a:rPr lang="en-US" dirty="0"/>
+              <a:t>implemented as an independent part employing out-of-band communication without dependency on the OPC UA implementation. Additionally, the proposed generic architecture allows that the gateway functionality is implemented as a composable part at run-time - no programming </a:t>
+            </a:r>
+            <a:r>
+              <a:rPr lang="en-US" noProof="0" dirty="0"/>
               <a:t>is</a:t>
             </a:r>
             <a:r>
@@ -13180,20 +13202,6 @@
           </a:p>
           <a:p>
             <a:r>
-              <a:rPr lang="pl-PL" dirty="0"/>
-              <a:t>- </a:t>
-            </a:r>
-            <a:r>
-              <a:rPr lang="en-US" dirty="0"/>
-              <a:t>From the above discussion we can learn that the main design decisions must concern reusability (it means using the same part in many scenarios), flexibility, interoperability in the multi-vendor environment, and deployment without programming.</a:t>
-            </a:r>
-            <a:endParaRPr lang="pl-PL" dirty="0"/>
-          </a:p>
-          <a:p>
-            <a:endParaRPr lang="pl-PL" dirty="0"/>
-          </a:p>
-          <a:p>
-            <a:r>
               <a:rPr lang="en-US" dirty="0"/>
               <a:t>To meet </a:t>
             </a:r>
@@ -13211,7 +13219,31 @@
             </a:r>
             <a:r>
               <a:rPr lang="en-US" dirty="0"/>
-              <a:t>requirements the </a:t>
+              <a:t>requirements </a:t>
+            </a:r>
+            <a:r>
+              <a:rPr lang="pl-PL" dirty="0"/>
+              <a:t>(</a:t>
+            </a:r>
+            <a:r>
+              <a:rPr lang="en-US" noProof="0" dirty="0"/>
+              <a:t>reusability</a:t>
+            </a:r>
+            <a:r>
+              <a:rPr lang="pl-PL" dirty="0"/>
+              <a:t> and </a:t>
+            </a:r>
+            <a:r>
+              <a:rPr lang="en-US" noProof="0" dirty="0"/>
+              <a:t>flexibility</a:t>
+            </a:r>
+            <a:r>
+              <a:rPr lang="pl-PL" dirty="0"/>
+              <a:t>) </a:t>
+            </a:r>
+            <a:r>
+              <a:rPr lang="en-US" dirty="0"/>
+              <a:t>the </a:t>
             </a:r>
             <a:r>
               <a:rPr lang="en-US" noProof="0" dirty="0"/>
@@ -13221,7 +13253,10 @@
               <a:rPr lang="en-US" dirty="0"/>
               <a:t>design patterns have been used</a:t>
             </a:r>
-            <a:endParaRPr lang="pl-PL" dirty="0"/>
+            <a:r>
+              <a:rPr lang="pl-PL" dirty="0"/>
+              <a:t>:</a:t>
+            </a:r>
           </a:p>
           <a:p>
             <a:endParaRPr lang="pl-PL" dirty="0"/>
@@ -13282,20 +13317,6 @@
             <a:r>
               <a:rPr lang="en-US" dirty="0"/>
               <a:t> is selected in this respect. </a:t>
-            </a:r>
-            <a:endParaRPr lang="pl-PL" dirty="0"/>
-          </a:p>
-          <a:p>
-            <a:endParaRPr lang="pl-PL" dirty="0"/>
-          </a:p>
-          <a:p>
-            <a:r>
-              <a:rPr lang="pl-PL" dirty="0"/>
-              <a:t>- </a:t>
-            </a:r>
-            <a:r>
-              <a:rPr lang="en-US" dirty="0"/>
-              <a:t>By design, this standard should support the required publisher-subscriber communication pattern, but it covers only partially the requirements of the applications concerned. Therefore, our proposals shall be recognized as far beyond the specification scope, although they are still compliant with the standard.</a:t>
             </a:r>
             <a:endParaRPr lang="pl-PL" dirty="0"/>
           </a:p>
@@ -15555,11 +15576,11 @@
           <a:p>
             <a:r>
               <a:rPr lang="en-US" dirty="0"/>
-              <a:t>Mariusz Postół Ph. D.</a:t>
+              <a:t>Mariusz Postół </a:t>
             </a:r>
             <a:r>
               <a:rPr lang="pl-PL" dirty="0"/>
-              <a:t> (</a:t>
+              <a:t>(</a:t>
             </a:r>
             <a:r>
               <a:rPr lang="en-US" dirty="0"/>
@@ -19041,6 +19062,14 @@
             <a:pPr lvl="1"/>
             <a:r>
               <a:rPr lang="en-US" dirty="0"/>
+              <a:t>OPC Unified Architecture to promote a multi-vendor environment</a:t>
+            </a:r>
+            <a:endParaRPr lang="pl-PL" dirty="0"/>
+          </a:p>
+          <a:p>
+            <a:pPr lvl="1"/>
+            <a:r>
+              <a:rPr lang="en-US" dirty="0"/>
               <a:t>Cyber-physical systems base</a:t>
             </a:r>
             <a:r>
@@ -19049,15 +19078,7 @@
             </a:r>
             <a:r>
               <a:rPr lang="en-US" dirty="0"/>
-              <a:t> on Machine to Machine communication  </a:t>
-            </a:r>
-            <a:endParaRPr lang="pl-PL" dirty="0"/>
-          </a:p>
-          <a:p>
-            <a:pPr lvl="1"/>
-            <a:r>
-              <a:rPr lang="en-US" dirty="0"/>
-              <a:t>OPC Unified Architecture to promote a multi-vendor environment</a:t>
+              <a:t> on Machine to Machine communication</a:t>
             </a:r>
           </a:p>
         </p:txBody>
